--- a/R/スライド/第24回.pptx
+++ b/R/スライド/第24回.pptx
@@ -125,7 +125,7 @@
 <file path=ppt/revisionInfo.xml><?xml version="1.0" encoding="utf-8"?>
 <p1510:revInfo xmlns:a="http://schemas.openxmlformats.org/drawingml/2006/main" xmlns:r="http://schemas.openxmlformats.org/officeDocument/2006/relationships" xmlns:p1510="http://schemas.microsoft.com/office/powerpoint/2015/10/main">
   <p1510:revLst>
-    <p1510:client id="{FD2ABE22-F822-F64D-BF8C-980B7AF40F0E}" v="14" dt="2021-08-04T10:38:31.677"/>
+    <p1510:client id="{21E98C23-A232-0046-80A9-DB8AD6915A56}" v="1" dt="2021-11-17T03:03:33.656"/>
   </p1510:revLst>
 </p1510:revInfo>
 </file>
@@ -317,6 +317,206 @@
             <pc:docMk/>
             <pc:sldMk cId="3377275839" sldId="283"/>
             <ac:spMk id="3" creationId="{41DF497C-D459-C448-B5CA-EE91E35943B8}"/>
+          </ac:spMkLst>
+        </pc:spChg>
+      </pc:sldChg>
+    </pc:docChg>
+  </pc:docChgLst>
+  <pc:docChgLst>
+    <pc:chgData name="Fukui Shin" userId="6902ee70c48ce296" providerId="LiveId" clId="{21E98C23-A232-0046-80A9-DB8AD6915A56}"/>
+    <pc:docChg chg="modSld">
+      <pc:chgData name="Fukui Shin" userId="6902ee70c48ce296" providerId="LiveId" clId="{21E98C23-A232-0046-80A9-DB8AD6915A56}" dt="2021-11-17T03:03:44.101" v="6" actId="1076"/>
+      <pc:docMkLst>
+        <pc:docMk/>
+      </pc:docMkLst>
+      <pc:sldChg chg="addSp modSp mod">
+        <pc:chgData name="Fukui Shin" userId="6902ee70c48ce296" providerId="LiveId" clId="{21E98C23-A232-0046-80A9-DB8AD6915A56}" dt="2021-11-17T03:03:44.101" v="6" actId="1076"/>
+        <pc:sldMkLst>
+          <pc:docMk/>
+          <pc:sldMk cId="3976745622" sldId="286"/>
+        </pc:sldMkLst>
+        <pc:picChg chg="add mod">
+          <ac:chgData name="Fukui Shin" userId="6902ee70c48ce296" providerId="LiveId" clId="{21E98C23-A232-0046-80A9-DB8AD6915A56}" dt="2021-11-17T03:03:44.101" v="6" actId="1076"/>
+          <ac:picMkLst>
+            <pc:docMk/>
+            <pc:sldMk cId="3976745622" sldId="286"/>
+            <ac:picMk id="5" creationId="{4A6777C8-1A2C-304D-B190-F0372F1983D3}"/>
+          </ac:picMkLst>
+        </pc:picChg>
+      </pc:sldChg>
+    </pc:docChg>
+  </pc:docChgLst>
+  <pc:docChgLst>
+    <pc:chgData name="Fukui Shin" userId="6902ee70c48ce296" providerId="LiveId" clId="{123394F6-812E-F94C-B0FC-3923E8ACF34A}"/>
+    <pc:docChg chg="undo custSel addSld delSld modSld">
+      <pc:chgData name="Fukui Shin" userId="6902ee70c48ce296" providerId="LiveId" clId="{123394F6-812E-F94C-B0FC-3923E8ACF34A}" dt="2021-05-21T11:14:00.723" v="667" actId="20577"/>
+      <pc:docMkLst>
+        <pc:docMk/>
+      </pc:docMkLst>
+      <pc:sldChg chg="modSp mod">
+        <pc:chgData name="Fukui Shin" userId="6902ee70c48ce296" providerId="LiveId" clId="{123394F6-812E-F94C-B0FC-3923E8ACF34A}" dt="2021-05-21T11:14:00.723" v="667" actId="20577"/>
+        <pc:sldMkLst>
+          <pc:docMk/>
+          <pc:sldMk cId="2432279440" sldId="257"/>
+        </pc:sldMkLst>
+        <pc:spChg chg="mod">
+          <ac:chgData name="Fukui Shin" userId="6902ee70c48ce296" providerId="LiveId" clId="{123394F6-812E-F94C-B0FC-3923E8ACF34A}" dt="2021-05-20T05:19:41.528" v="1" actId="20577"/>
+          <ac:spMkLst>
+            <pc:docMk/>
+            <pc:sldMk cId="2432279440" sldId="257"/>
+            <ac:spMk id="2" creationId="{9B1D7A41-B18F-4D4C-9F52-84D5CFFFCB44}"/>
+          </ac:spMkLst>
+        </pc:spChg>
+        <pc:spChg chg="mod">
+          <ac:chgData name="Fukui Shin" userId="6902ee70c48ce296" providerId="LiveId" clId="{123394F6-812E-F94C-B0FC-3923E8ACF34A}" dt="2021-05-21T11:14:00.723" v="667" actId="20577"/>
+          <ac:spMkLst>
+            <pc:docMk/>
+            <pc:sldMk cId="2432279440" sldId="257"/>
+            <ac:spMk id="3" creationId="{05D7D93A-BA42-5D47-893C-FE41C03A53E0}"/>
+          </ac:spMkLst>
+        </pc:spChg>
+      </pc:sldChg>
+      <pc:sldChg chg="del">
+        <pc:chgData name="Fukui Shin" userId="6902ee70c48ce296" providerId="LiveId" clId="{123394F6-812E-F94C-B0FC-3923E8ACF34A}" dt="2021-05-21T11:12:10.209" v="562" actId="2696"/>
+        <pc:sldMkLst>
+          <pc:docMk/>
+          <pc:sldMk cId="3601736904" sldId="271"/>
+        </pc:sldMkLst>
+      </pc:sldChg>
+      <pc:sldChg chg="modSp mod">
+        <pc:chgData name="Fukui Shin" userId="6902ee70c48ce296" providerId="LiveId" clId="{123394F6-812E-F94C-B0FC-3923E8ACF34A}" dt="2021-05-21T11:09:48.102" v="548" actId="20577"/>
+        <pc:sldMkLst>
+          <pc:docMk/>
+          <pc:sldMk cId="1501767664" sldId="272"/>
+        </pc:sldMkLst>
+        <pc:spChg chg="mod">
+          <ac:chgData name="Fukui Shin" userId="6902ee70c48ce296" providerId="LiveId" clId="{123394F6-812E-F94C-B0FC-3923E8ACF34A}" dt="2021-05-21T11:09:48.102" v="548" actId="20577"/>
+          <ac:spMkLst>
+            <pc:docMk/>
+            <pc:sldMk cId="1501767664" sldId="272"/>
+            <ac:spMk id="3" creationId="{B7EB713B-B0D0-A347-9D4F-48B4383A8075}"/>
+          </ac:spMkLst>
+        </pc:spChg>
+      </pc:sldChg>
+      <pc:sldChg chg="modSp mod">
+        <pc:chgData name="Fukui Shin" userId="6902ee70c48ce296" providerId="LiveId" clId="{123394F6-812E-F94C-B0FC-3923E8ACF34A}" dt="2021-05-21T11:11:39.725" v="555" actId="207"/>
+        <pc:sldMkLst>
+          <pc:docMk/>
+          <pc:sldMk cId="1722450886" sldId="274"/>
+        </pc:sldMkLst>
+        <pc:spChg chg="mod">
+          <ac:chgData name="Fukui Shin" userId="6902ee70c48ce296" providerId="LiveId" clId="{123394F6-812E-F94C-B0FC-3923E8ACF34A}" dt="2021-05-21T11:11:39.725" v="555" actId="207"/>
+          <ac:spMkLst>
+            <pc:docMk/>
+            <pc:sldMk cId="1722450886" sldId="274"/>
+            <ac:spMk id="3" creationId="{B7EB713B-B0D0-A347-9D4F-48B4383A8075}"/>
+          </ac:spMkLst>
+        </pc:spChg>
+      </pc:sldChg>
+      <pc:sldChg chg="modSp mod">
+        <pc:chgData name="Fukui Shin" userId="6902ee70c48ce296" providerId="LiveId" clId="{123394F6-812E-F94C-B0FC-3923E8ACF34A}" dt="2021-05-21T11:13:21.762" v="650" actId="20577"/>
+        <pc:sldMkLst>
+          <pc:docMk/>
+          <pc:sldMk cId="3322847216" sldId="276"/>
+        </pc:sldMkLst>
+        <pc:spChg chg="mod">
+          <ac:chgData name="Fukui Shin" userId="6902ee70c48ce296" providerId="LiveId" clId="{123394F6-812E-F94C-B0FC-3923E8ACF34A}" dt="2021-05-21T11:13:21.762" v="650" actId="20577"/>
+          <ac:spMkLst>
+            <pc:docMk/>
+            <pc:sldMk cId="3322847216" sldId="276"/>
+            <ac:spMk id="3" creationId="{B7EB713B-B0D0-A347-9D4F-48B4383A8075}"/>
+          </ac:spMkLst>
+        </pc:spChg>
+      </pc:sldChg>
+      <pc:sldChg chg="modSp mod">
+        <pc:chgData name="Fukui Shin" userId="6902ee70c48ce296" providerId="LiveId" clId="{123394F6-812E-F94C-B0FC-3923E8ACF34A}" dt="2021-05-21T10:31:14.371" v="370" actId="1038"/>
+        <pc:sldMkLst>
+          <pc:docMk/>
+          <pc:sldMk cId="3458342540" sldId="278"/>
+        </pc:sldMkLst>
+        <pc:picChg chg="mod">
+          <ac:chgData name="Fukui Shin" userId="6902ee70c48ce296" providerId="LiveId" clId="{123394F6-812E-F94C-B0FC-3923E8ACF34A}" dt="2021-05-21T10:31:11.784" v="368" actId="1038"/>
+          <ac:picMkLst>
+            <pc:docMk/>
+            <pc:sldMk cId="3458342540" sldId="278"/>
+            <ac:picMk id="29" creationId="{754225A0-B928-CB44-98B5-60BBF7110E2C}"/>
+          </ac:picMkLst>
+        </pc:picChg>
+        <pc:picChg chg="mod">
+          <ac:chgData name="Fukui Shin" userId="6902ee70c48ce296" providerId="LiveId" clId="{123394F6-812E-F94C-B0FC-3923E8ACF34A}" dt="2021-05-21T10:31:14.371" v="370" actId="1038"/>
+          <ac:picMkLst>
+            <pc:docMk/>
+            <pc:sldMk cId="3458342540" sldId="278"/>
+            <ac:picMk id="30" creationId="{AD831808-B008-9B4E-A0F1-651865E2E238}"/>
+          </ac:picMkLst>
+        </pc:picChg>
+      </pc:sldChg>
+      <pc:sldChg chg="modSp mod">
+        <pc:chgData name="Fukui Shin" userId="6902ee70c48ce296" providerId="LiveId" clId="{123394F6-812E-F94C-B0FC-3923E8ACF34A}" dt="2021-05-21T11:09:05.627" v="520" actId="20577"/>
+        <pc:sldMkLst>
+          <pc:docMk/>
+          <pc:sldMk cId="323365537" sldId="279"/>
+        </pc:sldMkLst>
+        <pc:spChg chg="mod">
+          <ac:chgData name="Fukui Shin" userId="6902ee70c48ce296" providerId="LiveId" clId="{123394F6-812E-F94C-B0FC-3923E8ACF34A}" dt="2021-05-21T11:09:05.627" v="520" actId="20577"/>
+          <ac:spMkLst>
+            <pc:docMk/>
+            <pc:sldMk cId="323365537" sldId="279"/>
+            <ac:spMk id="3" creationId="{13EA0912-FE78-7647-A2F6-DD372D7B2FCA}"/>
+          </ac:spMkLst>
+        </pc:spChg>
+      </pc:sldChg>
+      <pc:sldChg chg="modSp add mod">
+        <pc:chgData name="Fukui Shin" userId="6902ee70c48ce296" providerId="LiveId" clId="{123394F6-812E-F94C-B0FC-3923E8ACF34A}" dt="2021-05-21T11:11:53.214" v="558" actId="207"/>
+        <pc:sldMkLst>
+          <pc:docMk/>
+          <pc:sldMk cId="623929723" sldId="280"/>
+        </pc:sldMkLst>
+        <pc:spChg chg="mod">
+          <ac:chgData name="Fukui Shin" userId="6902ee70c48ce296" providerId="LiveId" clId="{123394F6-812E-F94C-B0FC-3923E8ACF34A}" dt="2021-05-21T11:11:53.214" v="558" actId="207"/>
+          <ac:spMkLst>
+            <pc:docMk/>
+            <pc:sldMk cId="623929723" sldId="280"/>
+            <ac:spMk id="3" creationId="{B7EB713B-B0D0-A347-9D4F-48B4383A8075}"/>
+          </ac:spMkLst>
+        </pc:spChg>
+      </pc:sldChg>
+      <pc:sldChg chg="modSp add mod">
+        <pc:chgData name="Fukui Shin" userId="6902ee70c48ce296" providerId="LiveId" clId="{123394F6-812E-F94C-B0FC-3923E8ACF34A}" dt="2021-05-21T11:12:06.643" v="561" actId="207"/>
+        <pc:sldMkLst>
+          <pc:docMk/>
+          <pc:sldMk cId="3759911444" sldId="281"/>
+        </pc:sldMkLst>
+        <pc:spChg chg="mod">
+          <ac:chgData name="Fukui Shin" userId="6902ee70c48ce296" providerId="LiveId" clId="{123394F6-812E-F94C-B0FC-3923E8ACF34A}" dt="2021-05-21T11:12:06.643" v="561" actId="207"/>
+          <ac:spMkLst>
+            <pc:docMk/>
+            <pc:sldMk cId="3759911444" sldId="281"/>
+            <ac:spMk id="3" creationId="{B7EB713B-B0D0-A347-9D4F-48B4383A8075}"/>
+          </ac:spMkLst>
+        </pc:spChg>
+      </pc:sldChg>
+    </pc:docChg>
+  </pc:docChgLst>
+  <pc:docChgLst>
+    <pc:chgData name="Fukui Shin" userId="6902ee70c48ce296" providerId="LiveId" clId="{C8F55A9F-7917-5240-8DE8-05BC06FCB498}"/>
+    <pc:docChg chg="undo custSel modSld">
+      <pc:chgData name="Fukui Shin" userId="6902ee70c48ce296" providerId="LiveId" clId="{C8F55A9F-7917-5240-8DE8-05BC06FCB498}" dt="2021-11-08T07:29:24.069" v="52" actId="20577"/>
+      <pc:docMkLst>
+        <pc:docMk/>
+      </pc:docMkLst>
+      <pc:sldChg chg="modSp mod">
+        <pc:chgData name="Fukui Shin" userId="6902ee70c48ce296" providerId="LiveId" clId="{C8F55A9F-7917-5240-8DE8-05BC06FCB498}" dt="2021-11-08T07:29:24.069" v="52" actId="20577"/>
+        <pc:sldMkLst>
+          <pc:docMk/>
+          <pc:sldMk cId="2447858462" sldId="288"/>
+        </pc:sldMkLst>
+        <pc:spChg chg="mod">
+          <ac:chgData name="Fukui Shin" userId="6902ee70c48ce296" providerId="LiveId" clId="{C8F55A9F-7917-5240-8DE8-05BC06FCB498}" dt="2021-11-08T07:29:24.069" v="52" actId="20577"/>
+          <ac:spMkLst>
+            <pc:docMk/>
+            <pc:sldMk cId="2447858462" sldId="288"/>
+            <ac:spMk id="3" creationId="{7044DDCB-175D-DC41-A5AC-98AE58CE5A61}"/>
           </ac:spMkLst>
         </pc:spChg>
       </pc:sldChg>
@@ -575,158 +775,6 @@
       </pc:sldChg>
     </pc:docChg>
   </pc:docChgLst>
-  <pc:docChgLst>
-    <pc:chgData name="Fukui Shin" userId="6902ee70c48ce296" providerId="LiveId" clId="{123394F6-812E-F94C-B0FC-3923E8ACF34A}"/>
-    <pc:docChg chg="undo custSel addSld delSld modSld">
-      <pc:chgData name="Fukui Shin" userId="6902ee70c48ce296" providerId="LiveId" clId="{123394F6-812E-F94C-B0FC-3923E8ACF34A}" dt="2021-05-21T11:14:00.723" v="667" actId="20577"/>
-      <pc:docMkLst>
-        <pc:docMk/>
-      </pc:docMkLst>
-      <pc:sldChg chg="modSp mod">
-        <pc:chgData name="Fukui Shin" userId="6902ee70c48ce296" providerId="LiveId" clId="{123394F6-812E-F94C-B0FC-3923E8ACF34A}" dt="2021-05-21T11:14:00.723" v="667" actId="20577"/>
-        <pc:sldMkLst>
-          <pc:docMk/>
-          <pc:sldMk cId="2432279440" sldId="257"/>
-        </pc:sldMkLst>
-        <pc:spChg chg="mod">
-          <ac:chgData name="Fukui Shin" userId="6902ee70c48ce296" providerId="LiveId" clId="{123394F6-812E-F94C-B0FC-3923E8ACF34A}" dt="2021-05-20T05:19:41.528" v="1" actId="20577"/>
-          <ac:spMkLst>
-            <pc:docMk/>
-            <pc:sldMk cId="2432279440" sldId="257"/>
-            <ac:spMk id="2" creationId="{9B1D7A41-B18F-4D4C-9F52-84D5CFFFCB44}"/>
-          </ac:spMkLst>
-        </pc:spChg>
-        <pc:spChg chg="mod">
-          <ac:chgData name="Fukui Shin" userId="6902ee70c48ce296" providerId="LiveId" clId="{123394F6-812E-F94C-B0FC-3923E8ACF34A}" dt="2021-05-21T11:14:00.723" v="667" actId="20577"/>
-          <ac:spMkLst>
-            <pc:docMk/>
-            <pc:sldMk cId="2432279440" sldId="257"/>
-            <ac:spMk id="3" creationId="{05D7D93A-BA42-5D47-893C-FE41C03A53E0}"/>
-          </ac:spMkLst>
-        </pc:spChg>
-      </pc:sldChg>
-      <pc:sldChg chg="del">
-        <pc:chgData name="Fukui Shin" userId="6902ee70c48ce296" providerId="LiveId" clId="{123394F6-812E-F94C-B0FC-3923E8ACF34A}" dt="2021-05-21T11:12:10.209" v="562" actId="2696"/>
-        <pc:sldMkLst>
-          <pc:docMk/>
-          <pc:sldMk cId="3601736904" sldId="271"/>
-        </pc:sldMkLst>
-      </pc:sldChg>
-      <pc:sldChg chg="modSp mod">
-        <pc:chgData name="Fukui Shin" userId="6902ee70c48ce296" providerId="LiveId" clId="{123394F6-812E-F94C-B0FC-3923E8ACF34A}" dt="2021-05-21T11:09:48.102" v="548" actId="20577"/>
-        <pc:sldMkLst>
-          <pc:docMk/>
-          <pc:sldMk cId="1501767664" sldId="272"/>
-        </pc:sldMkLst>
-        <pc:spChg chg="mod">
-          <ac:chgData name="Fukui Shin" userId="6902ee70c48ce296" providerId="LiveId" clId="{123394F6-812E-F94C-B0FC-3923E8ACF34A}" dt="2021-05-21T11:09:48.102" v="548" actId="20577"/>
-          <ac:spMkLst>
-            <pc:docMk/>
-            <pc:sldMk cId="1501767664" sldId="272"/>
-            <ac:spMk id="3" creationId="{B7EB713B-B0D0-A347-9D4F-48B4383A8075}"/>
-          </ac:spMkLst>
-        </pc:spChg>
-      </pc:sldChg>
-      <pc:sldChg chg="modSp mod">
-        <pc:chgData name="Fukui Shin" userId="6902ee70c48ce296" providerId="LiveId" clId="{123394F6-812E-F94C-B0FC-3923E8ACF34A}" dt="2021-05-21T11:11:39.725" v="555" actId="207"/>
-        <pc:sldMkLst>
-          <pc:docMk/>
-          <pc:sldMk cId="1722450886" sldId="274"/>
-        </pc:sldMkLst>
-        <pc:spChg chg="mod">
-          <ac:chgData name="Fukui Shin" userId="6902ee70c48ce296" providerId="LiveId" clId="{123394F6-812E-F94C-B0FC-3923E8ACF34A}" dt="2021-05-21T11:11:39.725" v="555" actId="207"/>
-          <ac:spMkLst>
-            <pc:docMk/>
-            <pc:sldMk cId="1722450886" sldId="274"/>
-            <ac:spMk id="3" creationId="{B7EB713B-B0D0-A347-9D4F-48B4383A8075}"/>
-          </ac:spMkLst>
-        </pc:spChg>
-      </pc:sldChg>
-      <pc:sldChg chg="modSp mod">
-        <pc:chgData name="Fukui Shin" userId="6902ee70c48ce296" providerId="LiveId" clId="{123394F6-812E-F94C-B0FC-3923E8ACF34A}" dt="2021-05-21T11:13:21.762" v="650" actId="20577"/>
-        <pc:sldMkLst>
-          <pc:docMk/>
-          <pc:sldMk cId="3322847216" sldId="276"/>
-        </pc:sldMkLst>
-        <pc:spChg chg="mod">
-          <ac:chgData name="Fukui Shin" userId="6902ee70c48ce296" providerId="LiveId" clId="{123394F6-812E-F94C-B0FC-3923E8ACF34A}" dt="2021-05-21T11:13:21.762" v="650" actId="20577"/>
-          <ac:spMkLst>
-            <pc:docMk/>
-            <pc:sldMk cId="3322847216" sldId="276"/>
-            <ac:spMk id="3" creationId="{B7EB713B-B0D0-A347-9D4F-48B4383A8075}"/>
-          </ac:spMkLst>
-        </pc:spChg>
-      </pc:sldChg>
-      <pc:sldChg chg="modSp mod">
-        <pc:chgData name="Fukui Shin" userId="6902ee70c48ce296" providerId="LiveId" clId="{123394F6-812E-F94C-B0FC-3923E8ACF34A}" dt="2021-05-21T10:31:14.371" v="370" actId="1038"/>
-        <pc:sldMkLst>
-          <pc:docMk/>
-          <pc:sldMk cId="3458342540" sldId="278"/>
-        </pc:sldMkLst>
-        <pc:picChg chg="mod">
-          <ac:chgData name="Fukui Shin" userId="6902ee70c48ce296" providerId="LiveId" clId="{123394F6-812E-F94C-B0FC-3923E8ACF34A}" dt="2021-05-21T10:31:11.784" v="368" actId="1038"/>
-          <ac:picMkLst>
-            <pc:docMk/>
-            <pc:sldMk cId="3458342540" sldId="278"/>
-            <ac:picMk id="29" creationId="{754225A0-B928-CB44-98B5-60BBF7110E2C}"/>
-          </ac:picMkLst>
-        </pc:picChg>
-        <pc:picChg chg="mod">
-          <ac:chgData name="Fukui Shin" userId="6902ee70c48ce296" providerId="LiveId" clId="{123394F6-812E-F94C-B0FC-3923E8ACF34A}" dt="2021-05-21T10:31:14.371" v="370" actId="1038"/>
-          <ac:picMkLst>
-            <pc:docMk/>
-            <pc:sldMk cId="3458342540" sldId="278"/>
-            <ac:picMk id="30" creationId="{AD831808-B008-9B4E-A0F1-651865E2E238}"/>
-          </ac:picMkLst>
-        </pc:picChg>
-      </pc:sldChg>
-      <pc:sldChg chg="modSp mod">
-        <pc:chgData name="Fukui Shin" userId="6902ee70c48ce296" providerId="LiveId" clId="{123394F6-812E-F94C-B0FC-3923E8ACF34A}" dt="2021-05-21T11:09:05.627" v="520" actId="20577"/>
-        <pc:sldMkLst>
-          <pc:docMk/>
-          <pc:sldMk cId="323365537" sldId="279"/>
-        </pc:sldMkLst>
-        <pc:spChg chg="mod">
-          <ac:chgData name="Fukui Shin" userId="6902ee70c48ce296" providerId="LiveId" clId="{123394F6-812E-F94C-B0FC-3923E8ACF34A}" dt="2021-05-21T11:09:05.627" v="520" actId="20577"/>
-          <ac:spMkLst>
-            <pc:docMk/>
-            <pc:sldMk cId="323365537" sldId="279"/>
-            <ac:spMk id="3" creationId="{13EA0912-FE78-7647-A2F6-DD372D7B2FCA}"/>
-          </ac:spMkLst>
-        </pc:spChg>
-      </pc:sldChg>
-      <pc:sldChg chg="modSp add mod">
-        <pc:chgData name="Fukui Shin" userId="6902ee70c48ce296" providerId="LiveId" clId="{123394F6-812E-F94C-B0FC-3923E8ACF34A}" dt="2021-05-21T11:11:53.214" v="558" actId="207"/>
-        <pc:sldMkLst>
-          <pc:docMk/>
-          <pc:sldMk cId="623929723" sldId="280"/>
-        </pc:sldMkLst>
-        <pc:spChg chg="mod">
-          <ac:chgData name="Fukui Shin" userId="6902ee70c48ce296" providerId="LiveId" clId="{123394F6-812E-F94C-B0FC-3923E8ACF34A}" dt="2021-05-21T11:11:53.214" v="558" actId="207"/>
-          <ac:spMkLst>
-            <pc:docMk/>
-            <pc:sldMk cId="623929723" sldId="280"/>
-            <ac:spMk id="3" creationId="{B7EB713B-B0D0-A347-9D4F-48B4383A8075}"/>
-          </ac:spMkLst>
-        </pc:spChg>
-      </pc:sldChg>
-      <pc:sldChg chg="modSp add mod">
-        <pc:chgData name="Fukui Shin" userId="6902ee70c48ce296" providerId="LiveId" clId="{123394F6-812E-F94C-B0FC-3923E8ACF34A}" dt="2021-05-21T11:12:06.643" v="561" actId="207"/>
-        <pc:sldMkLst>
-          <pc:docMk/>
-          <pc:sldMk cId="3759911444" sldId="281"/>
-        </pc:sldMkLst>
-        <pc:spChg chg="mod">
-          <ac:chgData name="Fukui Shin" userId="6902ee70c48ce296" providerId="LiveId" clId="{123394F6-812E-F94C-B0FC-3923E8ACF34A}" dt="2021-05-21T11:12:06.643" v="561" actId="207"/>
-          <ac:spMkLst>
-            <pc:docMk/>
-            <pc:sldMk cId="3759911444" sldId="281"/>
-            <ac:spMk id="3" creationId="{B7EB713B-B0D0-A347-9D4F-48B4383A8075}"/>
-          </ac:spMkLst>
-        </pc:spChg>
-      </pc:sldChg>
-    </pc:docChg>
-  </pc:docChgLst>
 </pc:chgInfo>
 </file>
 
@@ -877,7 +925,7 @@
           <a:p>
             <a:fld id="{B9148E87-D767-4243-9E31-2E6D394C8567}" type="datetimeFigureOut">
               <a:rPr kumimoji="1" lang="ja-JP" altLang="en-US" smtClean="0"/>
-              <a:t>2021/8/5</a:t>
+              <a:t>2021/11/17</a:t>
             </a:fld>
             <a:endParaRPr kumimoji="1" lang="ja-JP" altLang="en-US"/>
           </a:p>
@@ -1107,7 +1155,7 @@
           <a:p>
             <a:fld id="{B9148E87-D767-4243-9E31-2E6D394C8567}" type="datetimeFigureOut">
               <a:rPr kumimoji="1" lang="ja-JP" altLang="en-US" smtClean="0"/>
-              <a:t>2021/8/5</a:t>
+              <a:t>2021/11/17</a:t>
             </a:fld>
             <a:endParaRPr kumimoji="1" lang="ja-JP" altLang="en-US"/>
           </a:p>
@@ -1347,7 +1395,7 @@
           <a:p>
             <a:fld id="{B9148E87-D767-4243-9E31-2E6D394C8567}" type="datetimeFigureOut">
               <a:rPr kumimoji="1" lang="ja-JP" altLang="en-US" smtClean="0"/>
-              <a:t>2021/8/5</a:t>
+              <a:t>2021/11/17</a:t>
             </a:fld>
             <a:endParaRPr kumimoji="1" lang="ja-JP" altLang="en-US"/>
           </a:p>
@@ -1577,7 +1625,7 @@
           <a:p>
             <a:fld id="{B9148E87-D767-4243-9E31-2E6D394C8567}" type="datetimeFigureOut">
               <a:rPr kumimoji="1" lang="ja-JP" altLang="en-US" smtClean="0"/>
-              <a:t>2021/8/5</a:t>
+              <a:t>2021/11/17</a:t>
             </a:fld>
             <a:endParaRPr kumimoji="1" lang="ja-JP" altLang="en-US"/>
           </a:p>
@@ -1852,7 +1900,7 @@
           <a:p>
             <a:fld id="{B9148E87-D767-4243-9E31-2E6D394C8567}" type="datetimeFigureOut">
               <a:rPr kumimoji="1" lang="ja-JP" altLang="en-US" smtClean="0"/>
-              <a:t>2021/8/5</a:t>
+              <a:t>2021/11/17</a:t>
             </a:fld>
             <a:endParaRPr kumimoji="1" lang="ja-JP" altLang="en-US"/>
           </a:p>
@@ -2181,7 +2229,7 @@
           <a:p>
             <a:fld id="{B9148E87-D767-4243-9E31-2E6D394C8567}" type="datetimeFigureOut">
               <a:rPr kumimoji="1" lang="ja-JP" altLang="en-US" smtClean="0"/>
-              <a:t>2021/8/5</a:t>
+              <a:t>2021/11/17</a:t>
             </a:fld>
             <a:endParaRPr kumimoji="1" lang="ja-JP" altLang="en-US"/>
           </a:p>
@@ -2657,7 +2705,7 @@
           <a:p>
             <a:fld id="{B9148E87-D767-4243-9E31-2E6D394C8567}" type="datetimeFigureOut">
               <a:rPr kumimoji="1" lang="ja-JP" altLang="en-US" smtClean="0"/>
-              <a:t>2021/8/5</a:t>
+              <a:t>2021/11/17</a:t>
             </a:fld>
             <a:endParaRPr kumimoji="1" lang="ja-JP" altLang="en-US"/>
           </a:p>
@@ -2798,7 +2846,7 @@
           <a:p>
             <a:fld id="{B9148E87-D767-4243-9E31-2E6D394C8567}" type="datetimeFigureOut">
               <a:rPr kumimoji="1" lang="ja-JP" altLang="en-US" smtClean="0"/>
-              <a:t>2021/8/5</a:t>
+              <a:t>2021/11/17</a:t>
             </a:fld>
             <a:endParaRPr kumimoji="1" lang="ja-JP" altLang="en-US"/>
           </a:p>
@@ -2911,7 +2959,7 @@
           <a:p>
             <a:fld id="{B9148E87-D767-4243-9E31-2E6D394C8567}" type="datetimeFigureOut">
               <a:rPr kumimoji="1" lang="ja-JP" altLang="en-US" smtClean="0"/>
-              <a:t>2021/8/5</a:t>
+              <a:t>2021/11/17</a:t>
             </a:fld>
             <a:endParaRPr kumimoji="1" lang="ja-JP" altLang="en-US"/>
           </a:p>
@@ -3254,7 +3302,7 @@
           <a:p>
             <a:fld id="{B9148E87-D767-4243-9E31-2E6D394C8567}" type="datetimeFigureOut">
               <a:rPr kumimoji="1" lang="ja-JP" altLang="en-US" smtClean="0"/>
-              <a:t>2021/8/5</a:t>
+              <a:t>2021/11/17</a:t>
             </a:fld>
             <a:endParaRPr kumimoji="1" lang="ja-JP" altLang="en-US"/>
           </a:p>
@@ -3542,7 +3590,7 @@
           <a:p>
             <a:fld id="{B9148E87-D767-4243-9E31-2E6D394C8567}" type="datetimeFigureOut">
               <a:rPr kumimoji="1" lang="ja-JP" altLang="en-US" smtClean="0"/>
-              <a:t>2021/8/5</a:t>
+              <a:t>2021/11/17</a:t>
             </a:fld>
             <a:endParaRPr kumimoji="1" lang="ja-JP" altLang="en-US"/>
           </a:p>
@@ -3815,7 +3863,7 @@
           <a:p>
             <a:fld id="{B9148E87-D767-4243-9E31-2E6D394C8567}" type="datetimeFigureOut">
               <a:rPr kumimoji="1" lang="ja-JP" altLang="en-US" smtClean="0"/>
-              <a:t>2021/8/5</a:t>
+              <a:t>2021/11/17</a:t>
             </a:fld>
             <a:endParaRPr kumimoji="1" lang="ja-JP" altLang="en-US"/>
           </a:p>
@@ -4692,6 +4740,36 @@
           </a:p>
         </p:txBody>
       </p:sp>
+      <p:pic>
+        <p:nvPicPr>
+          <p:cNvPr id="5" name="図 4">
+            <a:extLst>
+              <a:ext uri="{FF2B5EF4-FFF2-40B4-BE49-F238E27FC236}">
+                <a16:creationId xmlns:a16="http://schemas.microsoft.com/office/drawing/2014/main" id="{4A6777C8-1A2C-304D-B190-F0372F1983D3}"/>
+              </a:ext>
+            </a:extLst>
+          </p:cNvPr>
+          <p:cNvPicPr>
+            <a:picLocks noChangeAspect="1"/>
+          </p:cNvPicPr>
+          <p:nvPr/>
+        </p:nvPicPr>
+        <p:blipFill>
+          <a:blip r:embed="rId2"/>
+          <a:stretch>
+            <a:fillRect/>
+          </a:stretch>
+        </p:blipFill>
+        <p:spPr>
+          <a:xfrm>
+            <a:off x="7336716" y="2204275"/>
+            <a:ext cx="4324575" cy="3142425"/>
+          </a:xfrm>
+          <a:prstGeom prst="rect">
+            <a:avLst/>
+          </a:prstGeom>
+        </p:spPr>
+      </p:pic>
     </p:spTree>
     <p:extLst>
       <p:ext uri="{BB962C8B-B14F-4D97-AF65-F5344CB8AC3E}">
@@ -6174,7 +6252,7 @@
           <a:p>
             <a:r>
               <a:rPr kumimoji="1" lang="ja-JP" altLang="en-US"/>
-              <a:t>誤差分布が正規分布ではない場合、残差は単純に予測値からのズレを使わないことがある．</a:t>
+              <a:t>誤差分布が正規分布ではない場合、残差は単純に予測値からのズレを使わない．</a:t>
             </a:r>
             <a:endParaRPr kumimoji="1" lang="en-US" altLang="ja-JP" dirty="0"/>
           </a:p>
@@ -6195,36 +6273,32 @@
               <a:t>代わりに</a:t>
             </a:r>
             <a:r>
-              <a:rPr lang="en-US" altLang="ja-JP" dirty="0"/>
-              <a:t>$</a:t>
-            </a:r>
-            <a:r>
-              <a:rPr kumimoji="1" lang="en-US" altLang="ja-JP" dirty="0"/>
-              <a:t>deviance</a:t>
-            </a:r>
-            <a:r>
-              <a:rPr kumimoji="1" lang="ja-JP" altLang="en-US"/>
-              <a:t>を</a:t>
-            </a:r>
-            <a:r>
               <a:rPr kumimoji="1" lang="en-US" altLang="ja-JP" dirty="0"/>
               <a:t>residuals</a:t>
             </a:r>
             <a:r>
               <a:rPr kumimoji="1" lang="ja-JP" altLang="en-US"/>
-              <a:t>関数に入れる．</a:t>
+              <a:t>関数で</a:t>
+            </a:r>
+            <a:r>
+              <a:rPr lang="en-US" altLang="ja-JP" dirty="0"/>
+              <a:t>deviance</a:t>
+            </a:r>
+            <a:r>
+              <a:rPr lang="ja-JP" altLang="en-US"/>
+              <a:t>を指定して取り出す</a:t>
+            </a:r>
+            <a:r>
+              <a:rPr kumimoji="1" lang="ja-JP" altLang="en-US"/>
+              <a:t>．</a:t>
             </a:r>
             <a:endParaRPr kumimoji="1" lang="en-US" altLang="ja-JP" dirty="0"/>
           </a:p>
           <a:p>
             <a:pPr lvl="1"/>
             <a:r>
-              <a:rPr kumimoji="1" lang="en-US" altLang="ja-JP"/>
-              <a:t>resid</a:t>
-            </a:r>
-            <a:r>
               <a:rPr kumimoji="1" lang="en-US" altLang="ja-JP" dirty="0" err="1"/>
-              <a:t>_glm</a:t>
+              <a:t>resid_glm</a:t>
             </a:r>
             <a:r>
               <a:rPr kumimoji="1" lang="en-US" altLang="ja-JP" dirty="0"/>
@@ -6237,6 +6311,21 @@
             <a:r>
               <a:rPr kumimoji="1" lang="en-US" altLang="ja-JP" dirty="0"/>
               <a:t>, type=“deviance”)</a:t>
+            </a:r>
+          </a:p>
+          <a:p>
+            <a:pPr lvl="1"/>
+            <a:r>
+              <a:rPr kumimoji="1" lang="en-US" altLang="ja-JP" dirty="0"/>
+              <a:t>hist(</a:t>
+            </a:r>
+            <a:r>
+              <a:rPr kumimoji="1" lang="en-US" altLang="ja-JP" dirty="0" err="1"/>
+              <a:t>resid_glm</a:t>
+            </a:r>
+            <a:r>
+              <a:rPr kumimoji="1" lang="en-US" altLang="ja-JP" dirty="0"/>
+              <a:t>)</a:t>
             </a:r>
             <a:endParaRPr kumimoji="1" lang="ja-JP" altLang="en-US"/>
           </a:p>

--- a/R/スライド/第24回.pptx
+++ b/R/スライド/第24回.pptx
@@ -4,18 +4,15 @@
   <p:sldMasterIdLst>
     <p:sldMasterId id="2147483648" r:id="rId1"/>
   </p:sldMasterIdLst>
+  <p:notesMasterIdLst>
+    <p:notesMasterId r:id="rId7"/>
+  </p:notesMasterIdLst>
   <p:sldIdLst>
-    <p:sldId id="257" r:id="rId2"/>
-    <p:sldId id="272" r:id="rId3"/>
-    <p:sldId id="274" r:id="rId4"/>
-    <p:sldId id="282" r:id="rId5"/>
-    <p:sldId id="280" r:id="rId6"/>
-    <p:sldId id="284" r:id="rId7"/>
-    <p:sldId id="285" r:id="rId8"/>
-    <p:sldId id="287" r:id="rId9"/>
-    <p:sldId id="288" r:id="rId10"/>
-    <p:sldId id="281" r:id="rId11"/>
-    <p:sldId id="286" r:id="rId12"/>
+    <p:sldId id="256" r:id="rId2"/>
+    <p:sldId id="257" r:id="rId3"/>
+    <p:sldId id="258" r:id="rId4"/>
+    <p:sldId id="259" r:id="rId5"/>
+    <p:sldId id="260" r:id="rId6"/>
   </p:sldIdLst>
   <p:sldSz cx="12192000" cy="6858000"/>
   <p:notesSz cx="6858000" cy="9144000"/>
@@ -125,7 +122,7 @@
 <file path=ppt/revisionInfo.xml><?xml version="1.0" encoding="utf-8"?>
 <p1510:revInfo xmlns:a="http://schemas.openxmlformats.org/drawingml/2006/main" xmlns:r="http://schemas.openxmlformats.org/officeDocument/2006/relationships" xmlns:p1510="http://schemas.microsoft.com/office/powerpoint/2015/10/main">
   <p1510:revLst>
-    <p1510:client id="{21E98C23-A232-0046-80A9-DB8AD6915A56}" v="1" dt="2021-11-17T03:03:33.656"/>
+    <p1510:client id="{0A6AD86E-D9A5-7149-B3E7-407E133C10AB}" v="14" dt="2021-11-25T14:39:50.270"/>
   </p1510:revLst>
 </p1510:revInfo>
 </file>
@@ -133,649 +130,637 @@
 <file path=ppt/changesInfos/changesInfo1.xml><?xml version="1.0" encoding="utf-8"?>
 <pc:chgInfo xmlns:a="http://schemas.openxmlformats.org/drawingml/2006/main" xmlns:r="http://schemas.openxmlformats.org/officeDocument/2006/relationships" xmlns:ac="http://schemas.microsoft.com/office/drawing/2013/main/command" xmlns:pc="http://schemas.microsoft.com/office/powerpoint/2013/main/command">
   <pc:docChgLst>
-    <pc:chgData name="Fukui Shin" userId="6902ee70c48ce296" providerId="LiveId" clId="{45B1E7A5-405E-B949-93C9-105066568C4B}"/>
-    <pc:docChg chg="undo custSel addSld delSld modSld">
-      <pc:chgData name="Fukui Shin" userId="6902ee70c48ce296" providerId="LiveId" clId="{45B1E7A5-405E-B949-93C9-105066568C4B}" dt="2021-07-07T06:10:42.438" v="2646" actId="20577"/>
+    <pc:chgData name="Fukui Shin" userId="6902ee70c48ce296" providerId="LiveId" clId="{0A6AD86E-D9A5-7149-B3E7-407E133C10AB}"/>
+    <pc:docChg chg="undo custSel addSld modSld">
+      <pc:chgData name="Fukui Shin" userId="6902ee70c48ce296" providerId="LiveId" clId="{0A6AD86E-D9A5-7149-B3E7-407E133C10AB}" dt="2021-11-25T15:24:55.768" v="1896" actId="20577"/>
       <pc:docMkLst>
         <pc:docMk/>
       </pc:docMkLst>
-      <pc:sldChg chg="modSp mod">
-        <pc:chgData name="Fukui Shin" userId="6902ee70c48ce296" providerId="LiveId" clId="{45B1E7A5-405E-B949-93C9-105066568C4B}" dt="2021-07-01T10:19:19.918" v="163" actId="20577"/>
+      <pc:sldChg chg="modSp new mod">
+        <pc:chgData name="Fukui Shin" userId="6902ee70c48ce296" providerId="LiveId" clId="{0A6AD86E-D9A5-7149-B3E7-407E133C10AB}" dt="2021-11-25T14:27:10.128" v="836" actId="20577"/>
         <pc:sldMkLst>
           <pc:docMk/>
-          <pc:sldMk cId="2432279440" sldId="257"/>
+          <pc:sldMk cId="38973778" sldId="257"/>
         </pc:sldMkLst>
         <pc:spChg chg="mod">
-          <ac:chgData name="Fukui Shin" userId="6902ee70c48ce296" providerId="LiveId" clId="{45B1E7A5-405E-B949-93C9-105066568C4B}" dt="2021-07-01T10:19:19.918" v="163" actId="20577"/>
+          <ac:chgData name="Fukui Shin" userId="6902ee70c48ce296" providerId="LiveId" clId="{0A6AD86E-D9A5-7149-B3E7-407E133C10AB}" dt="2021-11-25T06:02:40.230" v="76" actId="20577"/>
           <ac:spMkLst>
             <pc:docMk/>
-            <pc:sldMk cId="2432279440" sldId="257"/>
-            <ac:spMk id="3" creationId="{05D7D93A-BA42-5D47-893C-FE41C03A53E0}"/>
-          </ac:spMkLst>
-        </pc:spChg>
-      </pc:sldChg>
-      <pc:sldChg chg="del">
-        <pc:chgData name="Fukui Shin" userId="6902ee70c48ce296" providerId="LiveId" clId="{45B1E7A5-405E-B949-93C9-105066568C4B}" dt="2021-06-21T15:45:54.544" v="80" actId="2696"/>
-        <pc:sldMkLst>
-          <pc:docMk/>
-          <pc:sldMk cId="1198899771" sldId="266"/>
-        </pc:sldMkLst>
-      </pc:sldChg>
-      <pc:sldChg chg="modSp mod">
-        <pc:chgData name="Fukui Shin" userId="6902ee70c48ce296" providerId="LiveId" clId="{45B1E7A5-405E-B949-93C9-105066568C4B}" dt="2021-07-03T08:26:30.538" v="848" actId="20577"/>
-        <pc:sldMkLst>
-          <pc:docMk/>
-          <pc:sldMk cId="1501767664" sldId="272"/>
-        </pc:sldMkLst>
-        <pc:spChg chg="mod">
-          <ac:chgData name="Fukui Shin" userId="6902ee70c48ce296" providerId="LiveId" clId="{45B1E7A5-405E-B949-93C9-105066568C4B}" dt="2021-07-03T07:59:04.927" v="165" actId="20577"/>
-          <ac:spMkLst>
-            <pc:docMk/>
-            <pc:sldMk cId="1501767664" sldId="272"/>
-            <ac:spMk id="2" creationId="{68BB739B-FF50-7947-89AB-1B70AF4DD3EA}"/>
+            <pc:sldMk cId="38973778" sldId="257"/>
+            <ac:spMk id="2" creationId="{4F724FC6-68AC-DD44-848F-A8479EE585EC}"/>
           </ac:spMkLst>
         </pc:spChg>
         <pc:spChg chg="mod">
-          <ac:chgData name="Fukui Shin" userId="6902ee70c48ce296" providerId="LiveId" clId="{45B1E7A5-405E-B949-93C9-105066568C4B}" dt="2021-07-03T08:26:30.538" v="848" actId="20577"/>
+          <ac:chgData name="Fukui Shin" userId="6902ee70c48ce296" providerId="LiveId" clId="{0A6AD86E-D9A5-7149-B3E7-407E133C10AB}" dt="2021-11-25T14:27:10.128" v="836" actId="20577"/>
           <ac:spMkLst>
             <pc:docMk/>
-            <pc:sldMk cId="1501767664" sldId="272"/>
-            <ac:spMk id="3" creationId="{B7EB713B-B0D0-A347-9D4F-48B4383A8075}"/>
-          </ac:spMkLst>
-        </pc:spChg>
-      </pc:sldChg>
-      <pc:sldChg chg="modSp mod">
-        <pc:chgData name="Fukui Shin" userId="6902ee70c48ce296" providerId="LiveId" clId="{45B1E7A5-405E-B949-93C9-105066568C4B}" dt="2021-07-03T10:21:03.507" v="1525" actId="20577"/>
-        <pc:sldMkLst>
-          <pc:docMk/>
-          <pc:sldMk cId="1722450886" sldId="274"/>
-        </pc:sldMkLst>
-        <pc:spChg chg="mod">
-          <ac:chgData name="Fukui Shin" userId="6902ee70c48ce296" providerId="LiveId" clId="{45B1E7A5-405E-B949-93C9-105066568C4B}" dt="2021-07-03T08:39:13.034" v="902" actId="20577"/>
-          <ac:spMkLst>
-            <pc:docMk/>
-            <pc:sldMk cId="1722450886" sldId="274"/>
-            <ac:spMk id="2" creationId="{68BB739B-FF50-7947-89AB-1B70AF4DD3EA}"/>
-          </ac:spMkLst>
-        </pc:spChg>
-        <pc:spChg chg="mod">
-          <ac:chgData name="Fukui Shin" userId="6902ee70c48ce296" providerId="LiveId" clId="{45B1E7A5-405E-B949-93C9-105066568C4B}" dt="2021-07-03T10:21:03.507" v="1525" actId="20577"/>
-          <ac:spMkLst>
-            <pc:docMk/>
-            <pc:sldMk cId="1722450886" sldId="274"/>
-            <ac:spMk id="3" creationId="{B7EB713B-B0D0-A347-9D4F-48B4383A8075}"/>
-          </ac:spMkLst>
-        </pc:spChg>
-      </pc:sldChg>
-      <pc:sldChg chg="del">
-        <pc:chgData name="Fukui Shin" userId="6902ee70c48ce296" providerId="LiveId" clId="{45B1E7A5-405E-B949-93C9-105066568C4B}" dt="2021-07-03T08:27:27.529" v="853" actId="2696"/>
-        <pc:sldMkLst>
-          <pc:docMk/>
-          <pc:sldMk cId="3322847216" sldId="276"/>
-        </pc:sldMkLst>
-      </pc:sldChg>
-      <pc:sldChg chg="del">
-        <pc:chgData name="Fukui Shin" userId="6902ee70c48ce296" providerId="LiveId" clId="{45B1E7A5-405E-B949-93C9-105066568C4B}" dt="2021-06-21T15:46:05.443" v="81" actId="2696"/>
-        <pc:sldMkLst>
-          <pc:docMk/>
-          <pc:sldMk cId="3458342540" sldId="278"/>
-        </pc:sldMkLst>
-      </pc:sldChg>
-      <pc:sldChg chg="del">
-        <pc:chgData name="Fukui Shin" userId="6902ee70c48ce296" providerId="LiveId" clId="{45B1E7A5-405E-B949-93C9-105066568C4B}" dt="2021-06-21T15:45:54.544" v="80" actId="2696"/>
-        <pc:sldMkLst>
-          <pc:docMk/>
-          <pc:sldMk cId="323365537" sldId="279"/>
-        </pc:sldMkLst>
-      </pc:sldChg>
-      <pc:sldChg chg="modSp mod">
-        <pc:chgData name="Fukui Shin" userId="6902ee70c48ce296" providerId="LiveId" clId="{45B1E7A5-405E-B949-93C9-105066568C4B}" dt="2021-07-03T10:20:55.075" v="1521" actId="20577"/>
-        <pc:sldMkLst>
-          <pc:docMk/>
-          <pc:sldMk cId="623929723" sldId="280"/>
-        </pc:sldMkLst>
-        <pc:spChg chg="mod">
-          <ac:chgData name="Fukui Shin" userId="6902ee70c48ce296" providerId="LiveId" clId="{45B1E7A5-405E-B949-93C9-105066568C4B}" dt="2021-07-03T08:39:18.908" v="903"/>
-          <ac:spMkLst>
-            <pc:docMk/>
-            <pc:sldMk cId="623929723" sldId="280"/>
-            <ac:spMk id="2" creationId="{68BB739B-FF50-7947-89AB-1B70AF4DD3EA}"/>
-          </ac:spMkLst>
-        </pc:spChg>
-        <pc:spChg chg="mod">
-          <ac:chgData name="Fukui Shin" userId="6902ee70c48ce296" providerId="LiveId" clId="{45B1E7A5-405E-B949-93C9-105066568C4B}" dt="2021-07-03T10:20:55.075" v="1521" actId="20577"/>
-          <ac:spMkLst>
-            <pc:docMk/>
-            <pc:sldMk cId="623929723" sldId="280"/>
-            <ac:spMk id="3" creationId="{B7EB713B-B0D0-A347-9D4F-48B4383A8075}"/>
-          </ac:spMkLst>
-        </pc:spChg>
-      </pc:sldChg>
-      <pc:sldChg chg="modSp mod">
-        <pc:chgData name="Fukui Shin" userId="6902ee70c48ce296" providerId="LiveId" clId="{45B1E7A5-405E-B949-93C9-105066568C4B}" dt="2021-07-03T08:39:23.085" v="904"/>
-        <pc:sldMkLst>
-          <pc:docMk/>
-          <pc:sldMk cId="3759911444" sldId="281"/>
-        </pc:sldMkLst>
-        <pc:spChg chg="mod">
-          <ac:chgData name="Fukui Shin" userId="6902ee70c48ce296" providerId="LiveId" clId="{45B1E7A5-405E-B949-93C9-105066568C4B}" dt="2021-07-03T08:39:23.085" v="904"/>
-          <ac:spMkLst>
-            <pc:docMk/>
-            <pc:sldMk cId="3759911444" sldId="281"/>
-            <ac:spMk id="2" creationId="{68BB739B-FF50-7947-89AB-1B70AF4DD3EA}"/>
-          </ac:spMkLst>
-        </pc:spChg>
-        <pc:spChg chg="mod">
-          <ac:chgData name="Fukui Shin" userId="6902ee70c48ce296" providerId="LiveId" clId="{45B1E7A5-405E-B949-93C9-105066568C4B}" dt="2021-07-03T08:38:54.322" v="894" actId="20577"/>
-          <ac:spMkLst>
-            <pc:docMk/>
-            <pc:sldMk cId="3759911444" sldId="281"/>
-            <ac:spMk id="3" creationId="{B7EB713B-B0D0-A347-9D4F-48B4383A8075}"/>
-          </ac:spMkLst>
-        </pc:spChg>
-      </pc:sldChg>
-      <pc:sldChg chg="modSp new mod">
-        <pc:chgData name="Fukui Shin" userId="6902ee70c48ce296" providerId="LiveId" clId="{45B1E7A5-405E-B949-93C9-105066568C4B}" dt="2021-07-03T09:57:45.826" v="1473" actId="20577"/>
-        <pc:sldMkLst>
-          <pc:docMk/>
-          <pc:sldMk cId="3428185782" sldId="282"/>
-        </pc:sldMkLst>
-        <pc:spChg chg="mod">
-          <ac:chgData name="Fukui Shin" userId="6902ee70c48ce296" providerId="LiveId" clId="{45B1E7A5-405E-B949-93C9-105066568C4B}" dt="2021-07-03T08:50:07.237" v="955" actId="20577"/>
-          <ac:spMkLst>
-            <pc:docMk/>
-            <pc:sldMk cId="3428185782" sldId="282"/>
-            <ac:spMk id="2" creationId="{593893BE-BD11-5648-B363-0A47FB81D8B9}"/>
-          </ac:spMkLst>
-        </pc:spChg>
-        <pc:spChg chg="mod">
-          <ac:chgData name="Fukui Shin" userId="6902ee70c48ce296" providerId="LiveId" clId="{45B1E7A5-405E-B949-93C9-105066568C4B}" dt="2021-07-03T09:57:45.826" v="1473" actId="20577"/>
-          <ac:spMkLst>
-            <pc:docMk/>
-            <pc:sldMk cId="3428185782" sldId="282"/>
-            <ac:spMk id="3" creationId="{49E414B3-99D4-2B4A-B335-2BAEFB18D4DF}"/>
-          </ac:spMkLst>
-        </pc:spChg>
-      </pc:sldChg>
-      <pc:sldChg chg="modSp new mod">
-        <pc:chgData name="Fukui Shin" userId="6902ee70c48ce296" providerId="LiveId" clId="{45B1E7A5-405E-B949-93C9-105066568C4B}" dt="2021-07-07T06:10:42.438" v="2646" actId="20577"/>
-        <pc:sldMkLst>
-          <pc:docMk/>
-          <pc:sldMk cId="3377275839" sldId="283"/>
-        </pc:sldMkLst>
-        <pc:spChg chg="mod">
-          <ac:chgData name="Fukui Shin" userId="6902ee70c48ce296" providerId="LiveId" clId="{45B1E7A5-405E-B949-93C9-105066568C4B}" dt="2021-07-03T10:03:43.320" v="1511" actId="20577"/>
-          <ac:spMkLst>
-            <pc:docMk/>
-            <pc:sldMk cId="3377275839" sldId="283"/>
-            <ac:spMk id="2" creationId="{5B9CD8F7-9DBA-914A-85C6-EB8A0A9532EA}"/>
-          </ac:spMkLst>
-        </pc:spChg>
-        <pc:spChg chg="mod">
-          <ac:chgData name="Fukui Shin" userId="6902ee70c48ce296" providerId="LiveId" clId="{45B1E7A5-405E-B949-93C9-105066568C4B}" dt="2021-07-07T06:10:42.438" v="2646" actId="20577"/>
-          <ac:spMkLst>
-            <pc:docMk/>
-            <pc:sldMk cId="3377275839" sldId="283"/>
-            <ac:spMk id="3" creationId="{41DF497C-D459-C448-B5CA-EE91E35943B8}"/>
-          </ac:spMkLst>
-        </pc:spChg>
-      </pc:sldChg>
-    </pc:docChg>
-  </pc:docChgLst>
-  <pc:docChgLst>
-    <pc:chgData name="Fukui Shin" userId="6902ee70c48ce296" providerId="LiveId" clId="{21E98C23-A232-0046-80A9-DB8AD6915A56}"/>
-    <pc:docChg chg="modSld">
-      <pc:chgData name="Fukui Shin" userId="6902ee70c48ce296" providerId="LiveId" clId="{21E98C23-A232-0046-80A9-DB8AD6915A56}" dt="2021-11-17T03:03:44.101" v="6" actId="1076"/>
-      <pc:docMkLst>
-        <pc:docMk/>
-      </pc:docMkLst>
-      <pc:sldChg chg="addSp modSp mod">
-        <pc:chgData name="Fukui Shin" userId="6902ee70c48ce296" providerId="LiveId" clId="{21E98C23-A232-0046-80A9-DB8AD6915A56}" dt="2021-11-17T03:03:44.101" v="6" actId="1076"/>
-        <pc:sldMkLst>
-          <pc:docMk/>
-          <pc:sldMk cId="3976745622" sldId="286"/>
-        </pc:sldMkLst>
-        <pc:picChg chg="add mod">
-          <ac:chgData name="Fukui Shin" userId="6902ee70c48ce296" providerId="LiveId" clId="{21E98C23-A232-0046-80A9-DB8AD6915A56}" dt="2021-11-17T03:03:44.101" v="6" actId="1076"/>
-          <ac:picMkLst>
-            <pc:docMk/>
-            <pc:sldMk cId="3976745622" sldId="286"/>
-            <ac:picMk id="5" creationId="{4A6777C8-1A2C-304D-B190-F0372F1983D3}"/>
-          </ac:picMkLst>
-        </pc:picChg>
-      </pc:sldChg>
-    </pc:docChg>
-  </pc:docChgLst>
-  <pc:docChgLst>
-    <pc:chgData name="Fukui Shin" userId="6902ee70c48ce296" providerId="LiveId" clId="{123394F6-812E-F94C-B0FC-3923E8ACF34A}"/>
-    <pc:docChg chg="undo custSel addSld delSld modSld">
-      <pc:chgData name="Fukui Shin" userId="6902ee70c48ce296" providerId="LiveId" clId="{123394F6-812E-F94C-B0FC-3923E8ACF34A}" dt="2021-05-21T11:14:00.723" v="667" actId="20577"/>
-      <pc:docMkLst>
-        <pc:docMk/>
-      </pc:docMkLst>
-      <pc:sldChg chg="modSp mod">
-        <pc:chgData name="Fukui Shin" userId="6902ee70c48ce296" providerId="LiveId" clId="{123394F6-812E-F94C-B0FC-3923E8ACF34A}" dt="2021-05-21T11:14:00.723" v="667" actId="20577"/>
-        <pc:sldMkLst>
-          <pc:docMk/>
-          <pc:sldMk cId="2432279440" sldId="257"/>
-        </pc:sldMkLst>
-        <pc:spChg chg="mod">
-          <ac:chgData name="Fukui Shin" userId="6902ee70c48ce296" providerId="LiveId" clId="{123394F6-812E-F94C-B0FC-3923E8ACF34A}" dt="2021-05-20T05:19:41.528" v="1" actId="20577"/>
-          <ac:spMkLst>
-            <pc:docMk/>
-            <pc:sldMk cId="2432279440" sldId="257"/>
-            <ac:spMk id="2" creationId="{9B1D7A41-B18F-4D4C-9F52-84D5CFFFCB44}"/>
-          </ac:spMkLst>
-        </pc:spChg>
-        <pc:spChg chg="mod">
-          <ac:chgData name="Fukui Shin" userId="6902ee70c48ce296" providerId="LiveId" clId="{123394F6-812E-F94C-B0FC-3923E8ACF34A}" dt="2021-05-21T11:14:00.723" v="667" actId="20577"/>
-          <ac:spMkLst>
-            <pc:docMk/>
-            <pc:sldMk cId="2432279440" sldId="257"/>
-            <ac:spMk id="3" creationId="{05D7D93A-BA42-5D47-893C-FE41C03A53E0}"/>
-          </ac:spMkLst>
-        </pc:spChg>
-      </pc:sldChg>
-      <pc:sldChg chg="del">
-        <pc:chgData name="Fukui Shin" userId="6902ee70c48ce296" providerId="LiveId" clId="{123394F6-812E-F94C-B0FC-3923E8ACF34A}" dt="2021-05-21T11:12:10.209" v="562" actId="2696"/>
-        <pc:sldMkLst>
-          <pc:docMk/>
-          <pc:sldMk cId="3601736904" sldId="271"/>
-        </pc:sldMkLst>
-      </pc:sldChg>
-      <pc:sldChg chg="modSp mod">
-        <pc:chgData name="Fukui Shin" userId="6902ee70c48ce296" providerId="LiveId" clId="{123394F6-812E-F94C-B0FC-3923E8ACF34A}" dt="2021-05-21T11:09:48.102" v="548" actId="20577"/>
-        <pc:sldMkLst>
-          <pc:docMk/>
-          <pc:sldMk cId="1501767664" sldId="272"/>
-        </pc:sldMkLst>
-        <pc:spChg chg="mod">
-          <ac:chgData name="Fukui Shin" userId="6902ee70c48ce296" providerId="LiveId" clId="{123394F6-812E-F94C-B0FC-3923E8ACF34A}" dt="2021-05-21T11:09:48.102" v="548" actId="20577"/>
-          <ac:spMkLst>
-            <pc:docMk/>
-            <pc:sldMk cId="1501767664" sldId="272"/>
-            <ac:spMk id="3" creationId="{B7EB713B-B0D0-A347-9D4F-48B4383A8075}"/>
-          </ac:spMkLst>
-        </pc:spChg>
-      </pc:sldChg>
-      <pc:sldChg chg="modSp mod">
-        <pc:chgData name="Fukui Shin" userId="6902ee70c48ce296" providerId="LiveId" clId="{123394F6-812E-F94C-B0FC-3923E8ACF34A}" dt="2021-05-21T11:11:39.725" v="555" actId="207"/>
-        <pc:sldMkLst>
-          <pc:docMk/>
-          <pc:sldMk cId="1722450886" sldId="274"/>
-        </pc:sldMkLst>
-        <pc:spChg chg="mod">
-          <ac:chgData name="Fukui Shin" userId="6902ee70c48ce296" providerId="LiveId" clId="{123394F6-812E-F94C-B0FC-3923E8ACF34A}" dt="2021-05-21T11:11:39.725" v="555" actId="207"/>
-          <ac:spMkLst>
-            <pc:docMk/>
-            <pc:sldMk cId="1722450886" sldId="274"/>
-            <ac:spMk id="3" creationId="{B7EB713B-B0D0-A347-9D4F-48B4383A8075}"/>
-          </ac:spMkLst>
-        </pc:spChg>
-      </pc:sldChg>
-      <pc:sldChg chg="modSp mod">
-        <pc:chgData name="Fukui Shin" userId="6902ee70c48ce296" providerId="LiveId" clId="{123394F6-812E-F94C-B0FC-3923E8ACF34A}" dt="2021-05-21T11:13:21.762" v="650" actId="20577"/>
-        <pc:sldMkLst>
-          <pc:docMk/>
-          <pc:sldMk cId="3322847216" sldId="276"/>
-        </pc:sldMkLst>
-        <pc:spChg chg="mod">
-          <ac:chgData name="Fukui Shin" userId="6902ee70c48ce296" providerId="LiveId" clId="{123394F6-812E-F94C-B0FC-3923E8ACF34A}" dt="2021-05-21T11:13:21.762" v="650" actId="20577"/>
-          <ac:spMkLst>
-            <pc:docMk/>
-            <pc:sldMk cId="3322847216" sldId="276"/>
-            <ac:spMk id="3" creationId="{B7EB713B-B0D0-A347-9D4F-48B4383A8075}"/>
-          </ac:spMkLst>
-        </pc:spChg>
-      </pc:sldChg>
-      <pc:sldChg chg="modSp mod">
-        <pc:chgData name="Fukui Shin" userId="6902ee70c48ce296" providerId="LiveId" clId="{123394F6-812E-F94C-B0FC-3923E8ACF34A}" dt="2021-05-21T10:31:14.371" v="370" actId="1038"/>
-        <pc:sldMkLst>
-          <pc:docMk/>
-          <pc:sldMk cId="3458342540" sldId="278"/>
-        </pc:sldMkLst>
-        <pc:picChg chg="mod">
-          <ac:chgData name="Fukui Shin" userId="6902ee70c48ce296" providerId="LiveId" clId="{123394F6-812E-F94C-B0FC-3923E8ACF34A}" dt="2021-05-21T10:31:11.784" v="368" actId="1038"/>
-          <ac:picMkLst>
-            <pc:docMk/>
-            <pc:sldMk cId="3458342540" sldId="278"/>
-            <ac:picMk id="29" creationId="{754225A0-B928-CB44-98B5-60BBF7110E2C}"/>
-          </ac:picMkLst>
-        </pc:picChg>
-        <pc:picChg chg="mod">
-          <ac:chgData name="Fukui Shin" userId="6902ee70c48ce296" providerId="LiveId" clId="{123394F6-812E-F94C-B0FC-3923E8ACF34A}" dt="2021-05-21T10:31:14.371" v="370" actId="1038"/>
-          <ac:picMkLst>
-            <pc:docMk/>
-            <pc:sldMk cId="3458342540" sldId="278"/>
-            <ac:picMk id="30" creationId="{AD831808-B008-9B4E-A0F1-651865E2E238}"/>
-          </ac:picMkLst>
-        </pc:picChg>
-      </pc:sldChg>
-      <pc:sldChg chg="modSp mod">
-        <pc:chgData name="Fukui Shin" userId="6902ee70c48ce296" providerId="LiveId" clId="{123394F6-812E-F94C-B0FC-3923E8ACF34A}" dt="2021-05-21T11:09:05.627" v="520" actId="20577"/>
-        <pc:sldMkLst>
-          <pc:docMk/>
-          <pc:sldMk cId="323365537" sldId="279"/>
-        </pc:sldMkLst>
-        <pc:spChg chg="mod">
-          <ac:chgData name="Fukui Shin" userId="6902ee70c48ce296" providerId="LiveId" clId="{123394F6-812E-F94C-B0FC-3923E8ACF34A}" dt="2021-05-21T11:09:05.627" v="520" actId="20577"/>
-          <ac:spMkLst>
-            <pc:docMk/>
-            <pc:sldMk cId="323365537" sldId="279"/>
-            <ac:spMk id="3" creationId="{13EA0912-FE78-7647-A2F6-DD372D7B2FCA}"/>
-          </ac:spMkLst>
-        </pc:spChg>
-      </pc:sldChg>
-      <pc:sldChg chg="modSp add mod">
-        <pc:chgData name="Fukui Shin" userId="6902ee70c48ce296" providerId="LiveId" clId="{123394F6-812E-F94C-B0FC-3923E8ACF34A}" dt="2021-05-21T11:11:53.214" v="558" actId="207"/>
-        <pc:sldMkLst>
-          <pc:docMk/>
-          <pc:sldMk cId="623929723" sldId="280"/>
-        </pc:sldMkLst>
-        <pc:spChg chg="mod">
-          <ac:chgData name="Fukui Shin" userId="6902ee70c48ce296" providerId="LiveId" clId="{123394F6-812E-F94C-B0FC-3923E8ACF34A}" dt="2021-05-21T11:11:53.214" v="558" actId="207"/>
-          <ac:spMkLst>
-            <pc:docMk/>
-            <pc:sldMk cId="623929723" sldId="280"/>
-            <ac:spMk id="3" creationId="{B7EB713B-B0D0-A347-9D4F-48B4383A8075}"/>
-          </ac:spMkLst>
-        </pc:spChg>
-      </pc:sldChg>
-      <pc:sldChg chg="modSp add mod">
-        <pc:chgData name="Fukui Shin" userId="6902ee70c48ce296" providerId="LiveId" clId="{123394F6-812E-F94C-B0FC-3923E8ACF34A}" dt="2021-05-21T11:12:06.643" v="561" actId="207"/>
-        <pc:sldMkLst>
-          <pc:docMk/>
-          <pc:sldMk cId="3759911444" sldId="281"/>
-        </pc:sldMkLst>
-        <pc:spChg chg="mod">
-          <ac:chgData name="Fukui Shin" userId="6902ee70c48ce296" providerId="LiveId" clId="{123394F6-812E-F94C-B0FC-3923E8ACF34A}" dt="2021-05-21T11:12:06.643" v="561" actId="207"/>
-          <ac:spMkLst>
-            <pc:docMk/>
-            <pc:sldMk cId="3759911444" sldId="281"/>
-            <ac:spMk id="3" creationId="{B7EB713B-B0D0-A347-9D4F-48B4383A8075}"/>
-          </ac:spMkLst>
-        </pc:spChg>
-      </pc:sldChg>
-    </pc:docChg>
-  </pc:docChgLst>
-  <pc:docChgLst>
-    <pc:chgData name="Fukui Shin" userId="6902ee70c48ce296" providerId="LiveId" clId="{C8F55A9F-7917-5240-8DE8-05BC06FCB498}"/>
-    <pc:docChg chg="undo custSel modSld">
-      <pc:chgData name="Fukui Shin" userId="6902ee70c48ce296" providerId="LiveId" clId="{C8F55A9F-7917-5240-8DE8-05BC06FCB498}" dt="2021-11-08T07:29:24.069" v="52" actId="20577"/>
-      <pc:docMkLst>
-        <pc:docMk/>
-      </pc:docMkLst>
-      <pc:sldChg chg="modSp mod">
-        <pc:chgData name="Fukui Shin" userId="6902ee70c48ce296" providerId="LiveId" clId="{C8F55A9F-7917-5240-8DE8-05BC06FCB498}" dt="2021-11-08T07:29:24.069" v="52" actId="20577"/>
-        <pc:sldMkLst>
-          <pc:docMk/>
-          <pc:sldMk cId="2447858462" sldId="288"/>
-        </pc:sldMkLst>
-        <pc:spChg chg="mod">
-          <ac:chgData name="Fukui Shin" userId="6902ee70c48ce296" providerId="LiveId" clId="{C8F55A9F-7917-5240-8DE8-05BC06FCB498}" dt="2021-11-08T07:29:24.069" v="52" actId="20577"/>
-          <ac:spMkLst>
-            <pc:docMk/>
-            <pc:sldMk cId="2447858462" sldId="288"/>
-            <ac:spMk id="3" creationId="{7044DDCB-175D-DC41-A5AC-98AE58CE5A61}"/>
-          </ac:spMkLst>
-        </pc:spChg>
-      </pc:sldChg>
-    </pc:docChg>
-  </pc:docChgLst>
-  <pc:docChgLst>
-    <pc:chgData name="Fukui Shin" userId="6902ee70c48ce296" providerId="LiveId" clId="{2E44D2CA-FA2B-C94D-8AB6-439A5019DC12}"/>
-    <pc:docChg chg="undo custSel modSld">
-      <pc:chgData name="Fukui Shin" userId="6902ee70c48ce296" providerId="LiveId" clId="{2E44D2CA-FA2B-C94D-8AB6-439A5019DC12}" dt="2021-05-19T09:37:27.188" v="54" actId="20577"/>
-      <pc:docMkLst>
-        <pc:docMk/>
-      </pc:docMkLst>
-      <pc:sldChg chg="modSp mod">
-        <pc:chgData name="Fukui Shin" userId="6902ee70c48ce296" providerId="LiveId" clId="{2E44D2CA-FA2B-C94D-8AB6-439A5019DC12}" dt="2021-05-19T09:36:53.912" v="5" actId="20577"/>
-        <pc:sldMkLst>
-          <pc:docMk/>
-          <pc:sldMk cId="2432279440" sldId="257"/>
-        </pc:sldMkLst>
-        <pc:spChg chg="mod">
-          <ac:chgData name="Fukui Shin" userId="6902ee70c48ce296" providerId="LiveId" clId="{2E44D2CA-FA2B-C94D-8AB6-439A5019DC12}" dt="2021-05-19T09:36:53.912" v="5" actId="20577"/>
-          <ac:spMkLst>
-            <pc:docMk/>
-            <pc:sldMk cId="2432279440" sldId="257"/>
-            <ac:spMk id="3" creationId="{05D7D93A-BA42-5D47-893C-FE41C03A53E0}"/>
-          </ac:spMkLst>
-        </pc:spChg>
-      </pc:sldChg>
-      <pc:sldChg chg="modSp mod">
-        <pc:chgData name="Fukui Shin" userId="6902ee70c48ce296" providerId="LiveId" clId="{2E44D2CA-FA2B-C94D-8AB6-439A5019DC12}" dt="2021-05-19T09:37:27.188" v="54" actId="20577"/>
-        <pc:sldMkLst>
-          <pc:docMk/>
-          <pc:sldMk cId="323365537" sldId="279"/>
-        </pc:sldMkLst>
-        <pc:spChg chg="mod">
-          <ac:chgData name="Fukui Shin" userId="6902ee70c48ce296" providerId="LiveId" clId="{2E44D2CA-FA2B-C94D-8AB6-439A5019DC12}" dt="2021-05-19T09:37:27.188" v="54" actId="20577"/>
-          <ac:spMkLst>
-            <pc:docMk/>
-            <pc:sldMk cId="323365537" sldId="279"/>
-            <ac:spMk id="2" creationId="{530FA0D9-038A-6744-9604-B7C6B3166D65}"/>
-          </ac:spMkLst>
-        </pc:spChg>
-      </pc:sldChg>
-    </pc:docChg>
-  </pc:docChgLst>
-  <pc:docChgLst>
-    <pc:chgData name="Fukui Shin" userId="6902ee70c48ce296" providerId="LiveId" clId="{FD2ABE22-F822-F64D-BF8C-980B7AF40F0E}"/>
-    <pc:docChg chg="undo redo custSel addSld delSld modSld">
-      <pc:chgData name="Fukui Shin" userId="6902ee70c48ce296" providerId="LiveId" clId="{FD2ABE22-F822-F64D-BF8C-980B7AF40F0E}" dt="2021-08-04T10:47:27.352" v="3347" actId="20577"/>
-      <pc:docMkLst>
-        <pc:docMk/>
-      </pc:docMkLst>
-      <pc:sldChg chg="modSp mod">
-        <pc:chgData name="Fukui Shin" userId="6902ee70c48ce296" providerId="LiveId" clId="{FD2ABE22-F822-F64D-BF8C-980B7AF40F0E}" dt="2021-08-03T17:49:07.210" v="1" actId="20577"/>
-        <pc:sldMkLst>
-          <pc:docMk/>
-          <pc:sldMk cId="2432279440" sldId="257"/>
-        </pc:sldMkLst>
-        <pc:spChg chg="mod">
-          <ac:chgData name="Fukui Shin" userId="6902ee70c48ce296" providerId="LiveId" clId="{FD2ABE22-F822-F64D-BF8C-980B7AF40F0E}" dt="2021-08-03T17:49:07.210" v="1" actId="20577"/>
-          <ac:spMkLst>
-            <pc:docMk/>
-            <pc:sldMk cId="2432279440" sldId="257"/>
-            <ac:spMk id="2" creationId="{9B1D7A41-B18F-4D4C-9F52-84D5CFFFCB44}"/>
-          </ac:spMkLst>
-        </pc:spChg>
-      </pc:sldChg>
-      <pc:sldChg chg="modSp mod">
-        <pc:chgData name="Fukui Shin" userId="6902ee70c48ce296" providerId="LiveId" clId="{FD2ABE22-F822-F64D-BF8C-980B7AF40F0E}" dt="2021-08-04T08:47:13.253" v="1355" actId="20577"/>
-        <pc:sldMkLst>
-          <pc:docMk/>
-          <pc:sldMk cId="1722450886" sldId="274"/>
-        </pc:sldMkLst>
-        <pc:spChg chg="mod">
-          <ac:chgData name="Fukui Shin" userId="6902ee70c48ce296" providerId="LiveId" clId="{FD2ABE22-F822-F64D-BF8C-980B7AF40F0E}" dt="2021-08-04T08:47:13.253" v="1355" actId="20577"/>
-          <ac:spMkLst>
-            <pc:docMk/>
-            <pc:sldMk cId="1722450886" sldId="274"/>
-            <ac:spMk id="3" creationId="{B7EB713B-B0D0-A347-9D4F-48B4383A8075}"/>
-          </ac:spMkLst>
-        </pc:spChg>
-      </pc:sldChg>
-      <pc:sldChg chg="modSp mod">
-        <pc:chgData name="Fukui Shin" userId="6902ee70c48ce296" providerId="LiveId" clId="{FD2ABE22-F822-F64D-BF8C-980B7AF40F0E}" dt="2021-08-04T08:46:54.579" v="1352" actId="20577"/>
-        <pc:sldMkLst>
-          <pc:docMk/>
-          <pc:sldMk cId="623929723" sldId="280"/>
-        </pc:sldMkLst>
-        <pc:spChg chg="mod">
-          <ac:chgData name="Fukui Shin" userId="6902ee70c48ce296" providerId="LiveId" clId="{FD2ABE22-F822-F64D-BF8C-980B7AF40F0E}" dt="2021-08-04T08:46:54.579" v="1352" actId="20577"/>
-          <ac:spMkLst>
-            <pc:docMk/>
-            <pc:sldMk cId="623929723" sldId="280"/>
-            <ac:spMk id="3" creationId="{B7EB713B-B0D0-A347-9D4F-48B4383A8075}"/>
-          </ac:spMkLst>
-        </pc:spChg>
-      </pc:sldChg>
-      <pc:sldChg chg="modSp mod">
-        <pc:chgData name="Fukui Shin" userId="6902ee70c48ce296" providerId="LiveId" clId="{FD2ABE22-F822-F64D-BF8C-980B7AF40F0E}" dt="2021-08-04T08:47:03.988" v="1354" actId="20577"/>
-        <pc:sldMkLst>
-          <pc:docMk/>
-          <pc:sldMk cId="3759911444" sldId="281"/>
-        </pc:sldMkLst>
-        <pc:spChg chg="mod">
-          <ac:chgData name="Fukui Shin" userId="6902ee70c48ce296" providerId="LiveId" clId="{FD2ABE22-F822-F64D-BF8C-980B7AF40F0E}" dt="2021-08-04T08:47:03.988" v="1354" actId="20577"/>
-          <ac:spMkLst>
-            <pc:docMk/>
-            <pc:sldMk cId="3759911444" sldId="281"/>
-            <ac:spMk id="3" creationId="{B7EB713B-B0D0-A347-9D4F-48B4383A8075}"/>
-          </ac:spMkLst>
-        </pc:spChg>
-      </pc:sldChg>
-      <pc:sldChg chg="modSp mod">
-        <pc:chgData name="Fukui Shin" userId="6902ee70c48ce296" providerId="LiveId" clId="{FD2ABE22-F822-F64D-BF8C-980B7AF40F0E}" dt="2021-08-04T07:23:13.161" v="1134" actId="20577"/>
-        <pc:sldMkLst>
-          <pc:docMk/>
-          <pc:sldMk cId="3428185782" sldId="282"/>
-        </pc:sldMkLst>
-        <pc:spChg chg="mod">
-          <ac:chgData name="Fukui Shin" userId="6902ee70c48ce296" providerId="LiveId" clId="{FD2ABE22-F822-F64D-BF8C-980B7AF40F0E}" dt="2021-08-04T07:23:13.161" v="1134" actId="20577"/>
-          <ac:spMkLst>
-            <pc:docMk/>
-            <pc:sldMk cId="3428185782" sldId="282"/>
-            <ac:spMk id="3" creationId="{49E414B3-99D4-2B4A-B335-2BAEFB18D4DF}"/>
-          </ac:spMkLst>
-        </pc:spChg>
-      </pc:sldChg>
-      <pc:sldChg chg="del">
-        <pc:chgData name="Fukui Shin" userId="6902ee70c48ce296" providerId="LiveId" clId="{FD2ABE22-F822-F64D-BF8C-980B7AF40F0E}" dt="2021-08-03T17:56:45.269" v="618" actId="2696"/>
-        <pc:sldMkLst>
-          <pc:docMk/>
-          <pc:sldMk cId="3377275839" sldId="283"/>
-        </pc:sldMkLst>
-      </pc:sldChg>
-      <pc:sldChg chg="modSp new mod">
-        <pc:chgData name="Fukui Shin" userId="6902ee70c48ce296" providerId="LiveId" clId="{FD2ABE22-F822-F64D-BF8C-980B7AF40F0E}" dt="2021-08-04T07:22:25.505" v="1129" actId="20577"/>
-        <pc:sldMkLst>
-          <pc:docMk/>
-          <pc:sldMk cId="2178159451" sldId="284"/>
-        </pc:sldMkLst>
-        <pc:spChg chg="mod">
-          <ac:chgData name="Fukui Shin" userId="6902ee70c48ce296" providerId="LiveId" clId="{FD2ABE22-F822-F64D-BF8C-980B7AF40F0E}" dt="2021-08-03T17:50:32.408" v="54" actId="20577"/>
-          <ac:spMkLst>
-            <pc:docMk/>
-            <pc:sldMk cId="2178159451" sldId="284"/>
-            <ac:spMk id="2" creationId="{ADD62BF2-6FF7-9842-B55F-6A8B6B522A7E}"/>
-          </ac:spMkLst>
-        </pc:spChg>
-        <pc:spChg chg="mod">
-          <ac:chgData name="Fukui Shin" userId="6902ee70c48ce296" providerId="LiveId" clId="{FD2ABE22-F822-F64D-BF8C-980B7AF40F0E}" dt="2021-08-04T07:22:25.505" v="1129" actId="20577"/>
-          <ac:spMkLst>
-            <pc:docMk/>
-            <pc:sldMk cId="2178159451" sldId="284"/>
-            <ac:spMk id="3" creationId="{1805BEF9-DE5C-E743-813A-6F4CE0125DA2}"/>
-          </ac:spMkLst>
-        </pc:spChg>
-      </pc:sldChg>
-      <pc:sldChg chg="modSp new mod">
-        <pc:chgData name="Fukui Shin" userId="6902ee70c48ce296" providerId="LiveId" clId="{FD2ABE22-F822-F64D-BF8C-980B7AF40F0E}" dt="2021-08-04T10:08:13.242" v="2067" actId="20577"/>
-        <pc:sldMkLst>
-          <pc:docMk/>
-          <pc:sldMk cId="4050706010" sldId="285"/>
-        </pc:sldMkLst>
-        <pc:spChg chg="mod">
-          <ac:chgData name="Fukui Shin" userId="6902ee70c48ce296" providerId="LiveId" clId="{FD2ABE22-F822-F64D-BF8C-980B7AF40F0E}" dt="2021-08-04T09:34:10.093" v="1888" actId="20577"/>
-          <ac:spMkLst>
-            <pc:docMk/>
-            <pc:sldMk cId="4050706010" sldId="285"/>
-            <ac:spMk id="2" creationId="{892C59F3-AD8A-C648-98CA-0C3943AE4A58}"/>
-          </ac:spMkLst>
-        </pc:spChg>
-        <pc:spChg chg="mod">
-          <ac:chgData name="Fukui Shin" userId="6902ee70c48ce296" providerId="LiveId" clId="{FD2ABE22-F822-F64D-BF8C-980B7AF40F0E}" dt="2021-08-04T10:08:13.242" v="2067" actId="20577"/>
-          <ac:spMkLst>
-            <pc:docMk/>
-            <pc:sldMk cId="4050706010" sldId="285"/>
-            <ac:spMk id="3" creationId="{2B892BED-13CC-B648-8A24-26DF1294EB9C}"/>
+            <pc:sldMk cId="38973778" sldId="257"/>
+            <ac:spMk id="3" creationId="{FDC69433-5A2E-894F-BCDA-395F53263D77}"/>
           </ac:spMkLst>
         </pc:spChg>
       </pc:sldChg>
       <pc:sldChg chg="addSp modSp new mod">
-        <pc:chgData name="Fukui Shin" userId="6902ee70c48ce296" providerId="LiveId" clId="{FD2ABE22-F822-F64D-BF8C-980B7AF40F0E}" dt="2021-08-04T10:47:27.352" v="3347" actId="20577"/>
+        <pc:chgData name="Fukui Shin" userId="6902ee70c48ce296" providerId="LiveId" clId="{0A6AD86E-D9A5-7149-B3E7-407E133C10AB}" dt="2021-11-25T14:41:06.505" v="1762" actId="20577"/>
         <pc:sldMkLst>
           <pc:docMk/>
-          <pc:sldMk cId="3976745622" sldId="286"/>
+          <pc:sldMk cId="3203436587" sldId="258"/>
         </pc:sldMkLst>
         <pc:spChg chg="mod">
-          <ac:chgData name="Fukui Shin" userId="6902ee70c48ce296" providerId="LiveId" clId="{FD2ABE22-F822-F64D-BF8C-980B7AF40F0E}" dt="2021-08-04T10:36:45.309" v="2710" actId="20577"/>
+          <ac:chgData name="Fukui Shin" userId="6902ee70c48ce296" providerId="LiveId" clId="{0A6AD86E-D9A5-7149-B3E7-407E133C10AB}" dt="2021-11-25T14:41:06.505" v="1762" actId="20577"/>
           <ac:spMkLst>
             <pc:docMk/>
-            <pc:sldMk cId="3976745622" sldId="286"/>
-            <ac:spMk id="2" creationId="{8021A45D-E4FF-5A46-91C6-E4BEF315A871}"/>
+            <pc:sldMk cId="3203436587" sldId="258"/>
+            <ac:spMk id="2" creationId="{5A8207F3-6AF4-9C42-91D3-48B9B0A6A453}"/>
           </ac:spMkLst>
         </pc:spChg>
         <pc:spChg chg="mod">
-          <ac:chgData name="Fukui Shin" userId="6902ee70c48ce296" providerId="LiveId" clId="{FD2ABE22-F822-F64D-BF8C-980B7AF40F0E}" dt="2021-08-04T10:47:27.352" v="3347" actId="20577"/>
+          <ac:chgData name="Fukui Shin" userId="6902ee70c48ce296" providerId="LiveId" clId="{0A6AD86E-D9A5-7149-B3E7-407E133C10AB}" dt="2021-11-25T14:38:21.540" v="1688" actId="20577"/>
           <ac:spMkLst>
             <pc:docMk/>
-            <pc:sldMk cId="3976745622" sldId="286"/>
-            <ac:spMk id="3" creationId="{929FB2F8-884F-DB42-8889-1307E783A82A}"/>
+            <pc:sldMk cId="3203436587" sldId="258"/>
+            <ac:spMk id="3" creationId="{A5CDEF08-4F10-0843-8154-1D98EF69CDC4}"/>
           </ac:spMkLst>
         </pc:spChg>
         <pc:spChg chg="add mod">
-          <ac:chgData name="Fukui Shin" userId="6902ee70c48ce296" providerId="LiveId" clId="{FD2ABE22-F822-F64D-BF8C-980B7AF40F0E}" dt="2021-08-04T10:44:56.682" v="3333" actId="1076"/>
+          <ac:chgData name="Fukui Shin" userId="6902ee70c48ce296" providerId="LiveId" clId="{0A6AD86E-D9A5-7149-B3E7-407E133C10AB}" dt="2021-11-25T14:29:06.091" v="1030" actId="1076"/>
           <ac:spMkLst>
             <pc:docMk/>
-            <pc:sldMk cId="3976745622" sldId="286"/>
-            <ac:spMk id="4" creationId="{9A0B37BF-DF44-4C49-A0C7-B382023DCA3F}"/>
+            <pc:sldMk cId="3203436587" sldId="258"/>
+            <ac:spMk id="4" creationId="{C0FCE579-A876-1D4D-9D68-F23BAB17B627}"/>
           </ac:spMkLst>
         </pc:spChg>
+        <pc:spChg chg="add mod">
+          <ac:chgData name="Fukui Shin" userId="6902ee70c48ce296" providerId="LiveId" clId="{0A6AD86E-D9A5-7149-B3E7-407E133C10AB}" dt="2021-11-25T14:29:41.496" v="1057" actId="1076"/>
+          <ac:spMkLst>
+            <pc:docMk/>
+            <pc:sldMk cId="3203436587" sldId="258"/>
+            <ac:spMk id="5" creationId="{F9929345-FF6F-AF44-BF0E-E17109098771}"/>
+          </ac:spMkLst>
+        </pc:spChg>
+        <pc:spChg chg="add mod">
+          <ac:chgData name="Fukui Shin" userId="6902ee70c48ce296" providerId="LiveId" clId="{0A6AD86E-D9A5-7149-B3E7-407E133C10AB}" dt="2021-11-25T14:33:15.539" v="1267" actId="1076"/>
+          <ac:spMkLst>
+            <pc:docMk/>
+            <pc:sldMk cId="3203436587" sldId="258"/>
+            <ac:spMk id="6" creationId="{866B3623-DD7E-4540-9078-C4C12A8D5059}"/>
+          </ac:spMkLst>
+        </pc:spChg>
+        <pc:spChg chg="add mod">
+          <ac:chgData name="Fukui Shin" userId="6902ee70c48ce296" providerId="LiveId" clId="{0A6AD86E-D9A5-7149-B3E7-407E133C10AB}" dt="2021-11-25T14:31:49.637" v="1237" actId="1076"/>
+          <ac:spMkLst>
+            <pc:docMk/>
+            <pc:sldMk cId="3203436587" sldId="258"/>
+            <ac:spMk id="7" creationId="{5FD02B92-BC24-2149-AE4E-824D2D851EDB}"/>
+          </ac:spMkLst>
+        </pc:spChg>
+        <pc:spChg chg="add mod">
+          <ac:chgData name="Fukui Shin" userId="6902ee70c48ce296" providerId="LiveId" clId="{0A6AD86E-D9A5-7149-B3E7-407E133C10AB}" dt="2021-11-25T14:37:45.747" v="1589" actId="20577"/>
+          <ac:spMkLst>
+            <pc:docMk/>
+            <pc:sldMk cId="3203436587" sldId="258"/>
+            <ac:spMk id="25" creationId="{3A95E26B-9B57-F84D-A60E-1B5B10F9CA44}"/>
+          </ac:spMkLst>
+        </pc:spChg>
+        <pc:spChg chg="add mod">
+          <ac:chgData name="Fukui Shin" userId="6902ee70c48ce296" providerId="LiveId" clId="{0A6AD86E-D9A5-7149-B3E7-407E133C10AB}" dt="2021-11-25T14:34:55.530" v="1414" actId="1076"/>
+          <ac:spMkLst>
+            <pc:docMk/>
+            <pc:sldMk cId="3203436587" sldId="258"/>
+            <ac:spMk id="26" creationId="{10626091-232D-D14C-9B75-3E1EBB9C467F}"/>
+          </ac:spMkLst>
+        </pc:spChg>
+        <pc:spChg chg="add mod">
+          <ac:chgData name="Fukui Shin" userId="6902ee70c48ce296" providerId="LiveId" clId="{0A6AD86E-D9A5-7149-B3E7-407E133C10AB}" dt="2021-11-25T14:35:35.988" v="1478" actId="1076"/>
+          <ac:spMkLst>
+            <pc:docMk/>
+            <pc:sldMk cId="3203436587" sldId="258"/>
+            <ac:spMk id="27" creationId="{95C0703B-387C-4746-A9D1-C7BCB00ED6AB}"/>
+          </ac:spMkLst>
+        </pc:spChg>
+        <pc:cxnChg chg="add mod">
+          <ac:chgData name="Fukui Shin" userId="6902ee70c48ce296" providerId="LiveId" clId="{0A6AD86E-D9A5-7149-B3E7-407E133C10AB}" dt="2021-11-25T14:33:38.942" v="1297" actId="692"/>
+          <ac:cxnSpMkLst>
+            <pc:docMk/>
+            <pc:sldMk cId="3203436587" sldId="258"/>
+            <ac:cxnSpMk id="9" creationId="{58ACE820-8C26-3045-AC9E-6E9B323FBAD1}"/>
+          </ac:cxnSpMkLst>
+        </pc:cxnChg>
+        <pc:cxnChg chg="add mod">
+          <ac:chgData name="Fukui Shin" userId="6902ee70c48ce296" providerId="LiveId" clId="{0A6AD86E-D9A5-7149-B3E7-407E133C10AB}" dt="2021-11-25T14:33:26.914" v="1279" actId="692"/>
+          <ac:cxnSpMkLst>
+            <pc:docMk/>
+            <pc:sldMk cId="3203436587" sldId="258"/>
+            <ac:cxnSpMk id="10" creationId="{DB294122-1253-6E41-8BE3-33925524A7A1}"/>
+          </ac:cxnSpMkLst>
+        </pc:cxnChg>
+        <pc:cxnChg chg="add mod">
+          <ac:chgData name="Fukui Shin" userId="6902ee70c48ce296" providerId="LiveId" clId="{0A6AD86E-D9A5-7149-B3E7-407E133C10AB}" dt="2021-11-25T14:33:45.449" v="1299" actId="692"/>
+          <ac:cxnSpMkLst>
+            <pc:docMk/>
+            <pc:sldMk cId="3203436587" sldId="258"/>
+            <ac:cxnSpMk id="13" creationId="{9553E4A1-3AEA-8145-9D23-A172DEBCBAA2}"/>
+          </ac:cxnSpMkLst>
+        </pc:cxnChg>
+        <pc:cxnChg chg="add mod">
+          <ac:chgData name="Fukui Shin" userId="6902ee70c48ce296" providerId="LiveId" clId="{0A6AD86E-D9A5-7149-B3E7-407E133C10AB}" dt="2021-11-25T14:33:15.539" v="1267" actId="1076"/>
+          <ac:cxnSpMkLst>
+            <pc:docMk/>
+            <pc:sldMk cId="3203436587" sldId="258"/>
+            <ac:cxnSpMk id="20" creationId="{61251FC3-E4A7-164C-88AA-F7678AB971E4}"/>
+          </ac:cxnSpMkLst>
+        </pc:cxnChg>
       </pc:sldChg>
       <pc:sldChg chg="modSp new mod">
-        <pc:chgData name="Fukui Shin" userId="6902ee70c48ce296" providerId="LiveId" clId="{FD2ABE22-F822-F64D-BF8C-980B7AF40F0E}" dt="2021-08-04T10:12:26.711" v="2425" actId="20577"/>
+        <pc:chgData name="Fukui Shin" userId="6902ee70c48ce296" providerId="LiveId" clId="{0A6AD86E-D9A5-7149-B3E7-407E133C10AB}" dt="2021-11-25T15:24:55.768" v="1896" actId="20577"/>
         <pc:sldMkLst>
           <pc:docMk/>
-          <pc:sldMk cId="2009115823" sldId="287"/>
+          <pc:sldMk cId="4089472562" sldId="259"/>
         </pc:sldMkLst>
         <pc:spChg chg="mod">
-          <ac:chgData name="Fukui Shin" userId="6902ee70c48ce296" providerId="LiveId" clId="{FD2ABE22-F822-F64D-BF8C-980B7AF40F0E}" dt="2021-08-04T10:10:33.503" v="2224" actId="20577"/>
+          <ac:chgData name="Fukui Shin" userId="6902ee70c48ce296" providerId="LiveId" clId="{0A6AD86E-D9A5-7149-B3E7-407E133C10AB}" dt="2021-11-25T14:40:02.671" v="1695" actId="20577"/>
           <ac:spMkLst>
             <pc:docMk/>
-            <pc:sldMk cId="2009115823" sldId="287"/>
-            <ac:spMk id="2" creationId="{F1994288-EB8E-A84F-B42C-97ABDD69EAD5}"/>
+            <pc:sldMk cId="4089472562" sldId="259"/>
+            <ac:spMk id="2" creationId="{30189EB3-E20E-E446-9602-17104CBD75A8}"/>
           </ac:spMkLst>
         </pc:spChg>
         <pc:spChg chg="mod">
-          <ac:chgData name="Fukui Shin" userId="6902ee70c48ce296" providerId="LiveId" clId="{FD2ABE22-F822-F64D-BF8C-980B7AF40F0E}" dt="2021-08-04T10:12:26.711" v="2425" actId="20577"/>
+          <ac:chgData name="Fukui Shin" userId="6902ee70c48ce296" providerId="LiveId" clId="{0A6AD86E-D9A5-7149-B3E7-407E133C10AB}" dt="2021-11-25T15:24:55.768" v="1896" actId="20577"/>
           <ac:spMkLst>
             <pc:docMk/>
-            <pc:sldMk cId="2009115823" sldId="287"/>
-            <ac:spMk id="3" creationId="{F17329F4-295F-B840-A01F-3058DFA89E7D}"/>
-          </ac:spMkLst>
-        </pc:spChg>
-      </pc:sldChg>
-      <pc:sldChg chg="modSp new mod">
-        <pc:chgData name="Fukui Shin" userId="6902ee70c48ce296" providerId="LiveId" clId="{FD2ABE22-F822-F64D-BF8C-980B7AF40F0E}" dt="2021-08-04T10:42:32.979" v="3156" actId="20577"/>
-        <pc:sldMkLst>
-          <pc:docMk/>
-          <pc:sldMk cId="2447858462" sldId="288"/>
-        </pc:sldMkLst>
-        <pc:spChg chg="mod">
-          <ac:chgData name="Fukui Shin" userId="6902ee70c48ce296" providerId="LiveId" clId="{FD2ABE22-F822-F64D-BF8C-980B7AF40F0E}" dt="2021-08-04T10:12:45.828" v="2443" actId="20577"/>
-          <ac:spMkLst>
-            <pc:docMk/>
-            <pc:sldMk cId="2447858462" sldId="288"/>
-            <ac:spMk id="2" creationId="{032164F6-0F1B-1549-B553-24334B2E64E3}"/>
-          </ac:spMkLst>
-        </pc:spChg>
-        <pc:spChg chg="mod">
-          <ac:chgData name="Fukui Shin" userId="6902ee70c48ce296" providerId="LiveId" clId="{FD2ABE22-F822-F64D-BF8C-980B7AF40F0E}" dt="2021-08-04T10:42:32.979" v="3156" actId="20577"/>
-          <ac:spMkLst>
-            <pc:docMk/>
-            <pc:sldMk cId="2447858462" sldId="288"/>
-            <ac:spMk id="3" creationId="{7044DDCB-175D-DC41-A5AC-98AE58CE5A61}"/>
+            <pc:sldMk cId="4089472562" sldId="259"/>
+            <ac:spMk id="3" creationId="{DB1543A7-7CD6-674F-9627-7ACC6DEA1310}"/>
           </ac:spMkLst>
         </pc:spChg>
       </pc:sldChg>
     </pc:docChg>
   </pc:docChgLst>
 </pc:chgInfo>
+</file>
+
+<file path=ppt/notesMasters/notesMaster1.xml><?xml version="1.0" encoding="utf-8"?>
+<p:notesMaster xmlns:a="http://schemas.openxmlformats.org/drawingml/2006/main" xmlns:r="http://schemas.openxmlformats.org/officeDocument/2006/relationships" xmlns:p="http://schemas.openxmlformats.org/presentationml/2006/main">
+  <p:cSld>
+    <p:bg>
+      <p:bgRef idx="1001">
+        <a:schemeClr val="bg1"/>
+      </p:bgRef>
+    </p:bg>
+    <p:spTree>
+      <p:nvGrpSpPr>
+        <p:cNvPr id="1" name=""/>
+        <p:cNvGrpSpPr/>
+        <p:nvPr/>
+      </p:nvGrpSpPr>
+      <p:grpSpPr>
+        <a:xfrm>
+          <a:off x="0" y="0"/>
+          <a:ext cx="0" cy="0"/>
+          <a:chOff x="0" y="0"/>
+          <a:chExt cx="0" cy="0"/>
+        </a:xfrm>
+      </p:grpSpPr>
+      <p:sp>
+        <p:nvSpPr>
+          <p:cNvPr id="2" name="ヘッダー プレースホルダー 1"/>
+          <p:cNvSpPr>
+            <a:spLocks noGrp="1"/>
+          </p:cNvSpPr>
+          <p:nvPr>
+            <p:ph type="hdr" sz="quarter"/>
+          </p:nvPr>
+        </p:nvSpPr>
+        <p:spPr>
+          <a:xfrm>
+            <a:off x="0" y="0"/>
+            <a:ext cx="2971800" cy="458788"/>
+          </a:xfrm>
+          <a:prstGeom prst="rect">
+            <a:avLst/>
+          </a:prstGeom>
+        </p:spPr>
+        <p:txBody>
+          <a:bodyPr vert="horz" lIns="91440" tIns="45720" rIns="91440" bIns="45720" rtlCol="0"/>
+          <a:lstStyle>
+            <a:lvl1pPr algn="l">
+              <a:defRPr sz="1200"/>
+            </a:lvl1pPr>
+          </a:lstStyle>
+          <a:p>
+            <a:endParaRPr kumimoji="1" lang="ja-JP" altLang="en-US"/>
+          </a:p>
+        </p:txBody>
+      </p:sp>
+      <p:sp>
+        <p:nvSpPr>
+          <p:cNvPr id="3" name="日付プレースホルダー 2"/>
+          <p:cNvSpPr>
+            <a:spLocks noGrp="1"/>
+          </p:cNvSpPr>
+          <p:nvPr>
+            <p:ph type="dt" idx="1"/>
+          </p:nvPr>
+        </p:nvSpPr>
+        <p:spPr>
+          <a:xfrm>
+            <a:off x="3884613" y="0"/>
+            <a:ext cx="2971800" cy="458788"/>
+          </a:xfrm>
+          <a:prstGeom prst="rect">
+            <a:avLst/>
+          </a:prstGeom>
+        </p:spPr>
+        <p:txBody>
+          <a:bodyPr vert="horz" lIns="91440" tIns="45720" rIns="91440" bIns="45720" rtlCol="0"/>
+          <a:lstStyle>
+            <a:lvl1pPr algn="r">
+              <a:defRPr sz="1200"/>
+            </a:lvl1pPr>
+          </a:lstStyle>
+          <a:p>
+            <a:fld id="{9C1DDC07-861B-2043-96E4-752F1185B018}" type="datetimeFigureOut">
+              <a:rPr kumimoji="1" lang="ja-JP" altLang="en-US" smtClean="0"/>
+              <a:t>2021/11/26</a:t>
+            </a:fld>
+            <a:endParaRPr kumimoji="1" lang="ja-JP" altLang="en-US"/>
+          </a:p>
+        </p:txBody>
+      </p:sp>
+      <p:sp>
+        <p:nvSpPr>
+          <p:cNvPr id="4" name="スライド イメージ プレースホルダー 3"/>
+          <p:cNvSpPr>
+            <a:spLocks noGrp="1" noRot="1" noChangeAspect="1"/>
+          </p:cNvSpPr>
+          <p:nvPr>
+            <p:ph type="sldImg" idx="2"/>
+          </p:nvPr>
+        </p:nvSpPr>
+        <p:spPr>
+          <a:xfrm>
+            <a:off x="685800" y="1143000"/>
+            <a:ext cx="5486400" cy="3086100"/>
+          </a:xfrm>
+          <a:prstGeom prst="rect">
+            <a:avLst/>
+          </a:prstGeom>
+          <a:noFill/>
+          <a:ln w="12700">
+            <a:solidFill>
+              <a:prstClr val="black"/>
+            </a:solidFill>
+          </a:ln>
+        </p:spPr>
+        <p:txBody>
+          <a:bodyPr vert="horz" lIns="91440" tIns="45720" rIns="91440" bIns="45720" rtlCol="0" anchor="ctr"/>
+          <a:lstStyle/>
+          <a:p>
+            <a:endParaRPr lang="ja-JP" altLang="en-US"/>
+          </a:p>
+        </p:txBody>
+      </p:sp>
+      <p:sp>
+        <p:nvSpPr>
+          <p:cNvPr id="5" name="ノート プレースホルダー 4"/>
+          <p:cNvSpPr>
+            <a:spLocks noGrp="1"/>
+          </p:cNvSpPr>
+          <p:nvPr>
+            <p:ph type="body" sz="quarter" idx="3"/>
+          </p:nvPr>
+        </p:nvSpPr>
+        <p:spPr>
+          <a:xfrm>
+            <a:off x="685800" y="4400550"/>
+            <a:ext cx="5486400" cy="3600450"/>
+          </a:xfrm>
+          <a:prstGeom prst="rect">
+            <a:avLst/>
+          </a:prstGeom>
+        </p:spPr>
+        <p:txBody>
+          <a:bodyPr vert="horz" lIns="91440" tIns="45720" rIns="91440" bIns="45720" rtlCol="0"/>
+          <a:lstStyle/>
+          <a:p>
+            <a:pPr lvl="0"/>
+            <a:r>
+              <a:rPr kumimoji="1" lang="ja-JP" altLang="en-US"/>
+              <a:t>マスター テキストの書式設定</a:t>
+            </a:r>
+          </a:p>
+          <a:p>
+            <a:pPr lvl="1"/>
+            <a:r>
+              <a:rPr kumimoji="1" lang="ja-JP" altLang="en-US"/>
+              <a:t>第 </a:t>
+            </a:r>
+            <a:r>
+              <a:rPr kumimoji="1" lang="en-US" altLang="ja-JP"/>
+              <a:t>2 </a:t>
+            </a:r>
+            <a:r>
+              <a:rPr kumimoji="1" lang="ja-JP" altLang="en-US"/>
+              <a:t>レベル</a:t>
+            </a:r>
+          </a:p>
+          <a:p>
+            <a:pPr lvl="2"/>
+            <a:r>
+              <a:rPr kumimoji="1" lang="ja-JP" altLang="en-US"/>
+              <a:t>第 </a:t>
+            </a:r>
+            <a:r>
+              <a:rPr kumimoji="1" lang="en-US" altLang="ja-JP"/>
+              <a:t>3 </a:t>
+            </a:r>
+            <a:r>
+              <a:rPr kumimoji="1" lang="ja-JP" altLang="en-US"/>
+              <a:t>レベル</a:t>
+            </a:r>
+          </a:p>
+          <a:p>
+            <a:pPr lvl="3"/>
+            <a:r>
+              <a:rPr kumimoji="1" lang="ja-JP" altLang="en-US"/>
+              <a:t>第 </a:t>
+            </a:r>
+            <a:r>
+              <a:rPr kumimoji="1" lang="en-US" altLang="ja-JP"/>
+              <a:t>4 </a:t>
+            </a:r>
+            <a:r>
+              <a:rPr kumimoji="1" lang="ja-JP" altLang="en-US"/>
+              <a:t>レベル</a:t>
+            </a:r>
+          </a:p>
+          <a:p>
+            <a:pPr lvl="4"/>
+            <a:r>
+              <a:rPr kumimoji="1" lang="ja-JP" altLang="en-US"/>
+              <a:t>第 </a:t>
+            </a:r>
+            <a:r>
+              <a:rPr kumimoji="1" lang="en-US" altLang="ja-JP"/>
+              <a:t>5 </a:t>
+            </a:r>
+            <a:r>
+              <a:rPr kumimoji="1" lang="ja-JP" altLang="en-US"/>
+              <a:t>レベル</a:t>
+            </a:r>
+          </a:p>
+        </p:txBody>
+      </p:sp>
+      <p:sp>
+        <p:nvSpPr>
+          <p:cNvPr id="6" name="フッター プレースホルダー 5"/>
+          <p:cNvSpPr>
+            <a:spLocks noGrp="1"/>
+          </p:cNvSpPr>
+          <p:nvPr>
+            <p:ph type="ftr" sz="quarter" idx="4"/>
+          </p:nvPr>
+        </p:nvSpPr>
+        <p:spPr>
+          <a:xfrm>
+            <a:off x="0" y="8685213"/>
+            <a:ext cx="2971800" cy="458787"/>
+          </a:xfrm>
+          <a:prstGeom prst="rect">
+            <a:avLst/>
+          </a:prstGeom>
+        </p:spPr>
+        <p:txBody>
+          <a:bodyPr vert="horz" lIns="91440" tIns="45720" rIns="91440" bIns="45720" rtlCol="0" anchor="b"/>
+          <a:lstStyle>
+            <a:lvl1pPr algn="l">
+              <a:defRPr sz="1200"/>
+            </a:lvl1pPr>
+          </a:lstStyle>
+          <a:p>
+            <a:endParaRPr kumimoji="1" lang="ja-JP" altLang="en-US"/>
+          </a:p>
+        </p:txBody>
+      </p:sp>
+      <p:sp>
+        <p:nvSpPr>
+          <p:cNvPr id="7" name="スライド番号プレースホルダー 6"/>
+          <p:cNvSpPr>
+            <a:spLocks noGrp="1"/>
+          </p:cNvSpPr>
+          <p:nvPr>
+            <p:ph type="sldNum" sz="quarter" idx="5"/>
+          </p:nvPr>
+        </p:nvSpPr>
+        <p:spPr>
+          <a:xfrm>
+            <a:off x="3884613" y="8685213"/>
+            <a:ext cx="2971800" cy="458787"/>
+          </a:xfrm>
+          <a:prstGeom prst="rect">
+            <a:avLst/>
+          </a:prstGeom>
+        </p:spPr>
+        <p:txBody>
+          <a:bodyPr vert="horz" lIns="91440" tIns="45720" rIns="91440" bIns="45720" rtlCol="0" anchor="b"/>
+          <a:lstStyle>
+            <a:lvl1pPr algn="r">
+              <a:defRPr sz="1200"/>
+            </a:lvl1pPr>
+          </a:lstStyle>
+          <a:p>
+            <a:fld id="{62B33189-E15E-4D42-B128-20FA02652FAB}" type="slidenum">
+              <a:rPr kumimoji="1" lang="ja-JP" altLang="en-US" smtClean="0"/>
+              <a:t>‹#›</a:t>
+            </a:fld>
+            <a:endParaRPr kumimoji="1" lang="ja-JP" altLang="en-US"/>
+          </a:p>
+        </p:txBody>
+      </p:sp>
+    </p:spTree>
+    <p:extLst>
+      <p:ext uri="{BB962C8B-B14F-4D97-AF65-F5344CB8AC3E}">
+        <p14:creationId xmlns:p14="http://schemas.microsoft.com/office/powerpoint/2010/main" val="2465066993"/>
+      </p:ext>
+    </p:extLst>
+  </p:cSld>
+  <p:clrMap bg1="lt1" tx1="dk1" bg2="lt2" tx2="dk2" accent1="accent1" accent2="accent2" accent3="accent3" accent4="accent4" accent5="accent5" accent6="accent6" hlink="hlink" folHlink="folHlink"/>
+  <p:notesStyle>
+    <a:lvl1pPr marL="0" algn="l" defTabSz="914400" rtl="0" eaLnBrk="1" latinLnBrk="0" hangingPunct="1">
+      <a:defRPr kumimoji="1" sz="1200" kern="1200">
+        <a:solidFill>
+          <a:schemeClr val="tx1"/>
+        </a:solidFill>
+        <a:latin typeface="+mn-lt"/>
+        <a:ea typeface="+mn-ea"/>
+        <a:cs typeface="+mn-cs"/>
+      </a:defRPr>
+    </a:lvl1pPr>
+    <a:lvl2pPr marL="457200" algn="l" defTabSz="914400" rtl="0" eaLnBrk="1" latinLnBrk="0" hangingPunct="1">
+      <a:defRPr kumimoji="1" sz="1200" kern="1200">
+        <a:solidFill>
+          <a:schemeClr val="tx1"/>
+        </a:solidFill>
+        <a:latin typeface="+mn-lt"/>
+        <a:ea typeface="+mn-ea"/>
+        <a:cs typeface="+mn-cs"/>
+      </a:defRPr>
+    </a:lvl2pPr>
+    <a:lvl3pPr marL="914400" algn="l" defTabSz="914400" rtl="0" eaLnBrk="1" latinLnBrk="0" hangingPunct="1">
+      <a:defRPr kumimoji="1" sz="1200" kern="1200">
+        <a:solidFill>
+          <a:schemeClr val="tx1"/>
+        </a:solidFill>
+        <a:latin typeface="+mn-lt"/>
+        <a:ea typeface="+mn-ea"/>
+        <a:cs typeface="+mn-cs"/>
+      </a:defRPr>
+    </a:lvl3pPr>
+    <a:lvl4pPr marL="1371600" algn="l" defTabSz="914400" rtl="0" eaLnBrk="1" latinLnBrk="0" hangingPunct="1">
+      <a:defRPr kumimoji="1" sz="1200" kern="1200">
+        <a:solidFill>
+          <a:schemeClr val="tx1"/>
+        </a:solidFill>
+        <a:latin typeface="+mn-lt"/>
+        <a:ea typeface="+mn-ea"/>
+        <a:cs typeface="+mn-cs"/>
+      </a:defRPr>
+    </a:lvl4pPr>
+    <a:lvl5pPr marL="1828800" algn="l" defTabSz="914400" rtl="0" eaLnBrk="1" latinLnBrk="0" hangingPunct="1">
+      <a:defRPr kumimoji="1" sz="1200" kern="1200">
+        <a:solidFill>
+          <a:schemeClr val="tx1"/>
+        </a:solidFill>
+        <a:latin typeface="+mn-lt"/>
+        <a:ea typeface="+mn-ea"/>
+        <a:cs typeface="+mn-cs"/>
+      </a:defRPr>
+    </a:lvl5pPr>
+    <a:lvl6pPr marL="2286000" algn="l" defTabSz="914400" rtl="0" eaLnBrk="1" latinLnBrk="0" hangingPunct="1">
+      <a:defRPr kumimoji="1" sz="1200" kern="1200">
+        <a:solidFill>
+          <a:schemeClr val="tx1"/>
+        </a:solidFill>
+        <a:latin typeface="+mn-lt"/>
+        <a:ea typeface="+mn-ea"/>
+        <a:cs typeface="+mn-cs"/>
+      </a:defRPr>
+    </a:lvl6pPr>
+    <a:lvl7pPr marL="2743200" algn="l" defTabSz="914400" rtl="0" eaLnBrk="1" latinLnBrk="0" hangingPunct="1">
+      <a:defRPr kumimoji="1" sz="1200" kern="1200">
+        <a:solidFill>
+          <a:schemeClr val="tx1"/>
+        </a:solidFill>
+        <a:latin typeface="+mn-lt"/>
+        <a:ea typeface="+mn-ea"/>
+        <a:cs typeface="+mn-cs"/>
+      </a:defRPr>
+    </a:lvl7pPr>
+    <a:lvl8pPr marL="3200400" algn="l" defTabSz="914400" rtl="0" eaLnBrk="1" latinLnBrk="0" hangingPunct="1">
+      <a:defRPr kumimoji="1" sz="1200" kern="1200">
+        <a:solidFill>
+          <a:schemeClr val="tx1"/>
+        </a:solidFill>
+        <a:latin typeface="+mn-lt"/>
+        <a:ea typeface="+mn-ea"/>
+        <a:cs typeface="+mn-cs"/>
+      </a:defRPr>
+    </a:lvl8pPr>
+    <a:lvl9pPr marL="3657600" algn="l" defTabSz="914400" rtl="0" eaLnBrk="1" latinLnBrk="0" hangingPunct="1">
+      <a:defRPr kumimoji="1" sz="1200" kern="1200">
+        <a:solidFill>
+          <a:schemeClr val="tx1"/>
+        </a:solidFill>
+        <a:latin typeface="+mn-lt"/>
+        <a:ea typeface="+mn-ea"/>
+        <a:cs typeface="+mn-cs"/>
+      </a:defRPr>
+    </a:lvl9pPr>
+  </p:notesStyle>
+</p:notesMaster>
+</file>
+
+<file path=ppt/notesSlides/notesSlide1.xml><?xml version="1.0" encoding="utf-8"?>
+<p:notes xmlns:a="http://schemas.openxmlformats.org/drawingml/2006/main" xmlns:r="http://schemas.openxmlformats.org/officeDocument/2006/relationships" xmlns:p="http://schemas.openxmlformats.org/presentationml/2006/main">
+  <p:cSld>
+    <p:spTree>
+      <p:nvGrpSpPr>
+        <p:cNvPr id="1" name=""/>
+        <p:cNvGrpSpPr/>
+        <p:nvPr/>
+      </p:nvGrpSpPr>
+      <p:grpSpPr>
+        <a:xfrm>
+          <a:off x="0" y="0"/>
+          <a:ext cx="0" cy="0"/>
+          <a:chOff x="0" y="0"/>
+          <a:chExt cx="0" cy="0"/>
+        </a:xfrm>
+      </p:grpSpPr>
+      <p:sp>
+        <p:nvSpPr>
+          <p:cNvPr id="2" name="スライド イメージ プレースホルダー 1"/>
+          <p:cNvSpPr>
+            <a:spLocks noGrp="1" noRot="1" noChangeAspect="1"/>
+          </p:cNvSpPr>
+          <p:nvPr>
+            <p:ph type="sldImg"/>
+          </p:nvPr>
+        </p:nvSpPr>
+        <p:spPr/>
+      </p:sp>
+      <p:sp>
+        <p:nvSpPr>
+          <p:cNvPr id="3" name="ノート プレースホルダー 2"/>
+          <p:cNvSpPr>
+            <a:spLocks noGrp="1"/>
+          </p:cNvSpPr>
+          <p:nvPr>
+            <p:ph type="body" idx="1"/>
+          </p:nvPr>
+        </p:nvSpPr>
+        <p:spPr/>
+        <p:txBody>
+          <a:bodyPr/>
+          <a:lstStyle/>
+          <a:p>
+            <a:endParaRPr kumimoji="1" lang="ja-JP" altLang="en-US"/>
+          </a:p>
+        </p:txBody>
+      </p:sp>
+      <p:sp>
+        <p:nvSpPr>
+          <p:cNvPr id="4" name="スライド番号プレースホルダー 3"/>
+          <p:cNvSpPr>
+            <a:spLocks noGrp="1"/>
+          </p:cNvSpPr>
+          <p:nvPr>
+            <p:ph type="sldNum" sz="quarter" idx="5"/>
+          </p:nvPr>
+        </p:nvSpPr>
+        <p:spPr/>
+        <p:txBody>
+          <a:bodyPr/>
+          <a:lstStyle/>
+          <a:p>
+            <a:fld id="{62B33189-E15E-4D42-B128-20FA02652FAB}" type="slidenum">
+              <a:rPr kumimoji="1" lang="ja-JP" altLang="en-US" smtClean="0"/>
+              <a:t>5</a:t>
+            </a:fld>
+            <a:endParaRPr kumimoji="1" lang="ja-JP" altLang="en-US"/>
+          </a:p>
+        </p:txBody>
+      </p:sp>
+    </p:spTree>
+    <p:extLst>
+      <p:ext uri="{BB962C8B-B14F-4D97-AF65-F5344CB8AC3E}">
+        <p14:creationId xmlns:p14="http://schemas.microsoft.com/office/powerpoint/2010/main" val="3803165349"/>
+      </p:ext>
+    </p:extLst>
+  </p:cSld>
+  <p:clrMapOvr>
+    <a:masterClrMapping/>
+  </p:clrMapOvr>
+</p:notes>
 </file>
 
 <file path=ppt/slideLayouts/slideLayout1.xml><?xml version="1.0" encoding="utf-8"?>
@@ -800,7 +785,7 @@
           <p:cNvPr id="2" name="タイトル 1">
             <a:extLst>
               <a:ext uri="{FF2B5EF4-FFF2-40B4-BE49-F238E27FC236}">
-                <a16:creationId xmlns:a16="http://schemas.microsoft.com/office/drawing/2014/main" id="{19261B2C-1B08-5B4E-902C-C60DF6705A5D}"/>
+                <a16:creationId xmlns:a16="http://schemas.microsoft.com/office/drawing/2014/main" id="{4F491AC4-AE59-3E48-BDFE-925A32F72B7F}"/>
               </a:ext>
             </a:extLst>
           </p:cNvPr>
@@ -837,7 +822,7 @@
           <p:cNvPr id="3" name="字幕 2">
             <a:extLst>
               <a:ext uri="{FF2B5EF4-FFF2-40B4-BE49-F238E27FC236}">
-                <a16:creationId xmlns:a16="http://schemas.microsoft.com/office/drawing/2014/main" id="{217D8C11-0190-414F-A740-954E8CF97E69}"/>
+                <a16:creationId xmlns:a16="http://schemas.microsoft.com/office/drawing/2014/main" id="{43E0B7FE-32B0-8347-AE79-58B93447A3DF}"/>
               </a:ext>
             </a:extLst>
           </p:cNvPr>
@@ -907,7 +892,7 @@
           <p:cNvPr id="4" name="日付プレースホルダー 3">
             <a:extLst>
               <a:ext uri="{FF2B5EF4-FFF2-40B4-BE49-F238E27FC236}">
-                <a16:creationId xmlns:a16="http://schemas.microsoft.com/office/drawing/2014/main" id="{E6CA9B3B-9FAF-3740-9231-6B322C74915A}"/>
+                <a16:creationId xmlns:a16="http://schemas.microsoft.com/office/drawing/2014/main" id="{38C937EF-53FC-7043-A0E5-86B4592FA9E6}"/>
               </a:ext>
             </a:extLst>
           </p:cNvPr>
@@ -923,9 +908,9 @@
           <a:bodyPr/>
           <a:lstStyle/>
           <a:p>
-            <a:fld id="{B9148E87-D767-4243-9E31-2E6D394C8567}" type="datetimeFigureOut">
+            <a:fld id="{F13AAFB1-E51D-594B-AD26-63146CF050D6}" type="datetimeFigureOut">
               <a:rPr kumimoji="1" lang="ja-JP" altLang="en-US" smtClean="0"/>
-              <a:t>2021/11/17</a:t>
+              <a:t>2021/11/26</a:t>
             </a:fld>
             <a:endParaRPr kumimoji="1" lang="ja-JP" altLang="en-US"/>
           </a:p>
@@ -936,7 +921,7 @@
           <p:cNvPr id="5" name="フッター プレースホルダー 4">
             <a:extLst>
               <a:ext uri="{FF2B5EF4-FFF2-40B4-BE49-F238E27FC236}">
-                <a16:creationId xmlns:a16="http://schemas.microsoft.com/office/drawing/2014/main" id="{CF5C0E9E-5B01-9F4E-AAC0-D6FAE2F7FD69}"/>
+                <a16:creationId xmlns:a16="http://schemas.microsoft.com/office/drawing/2014/main" id="{8D5540C5-F05B-0E4D-94DD-E5BB13703030}"/>
               </a:ext>
             </a:extLst>
           </p:cNvPr>
@@ -961,7 +946,7 @@
           <p:cNvPr id="6" name="スライド番号プレースホルダー 5">
             <a:extLst>
               <a:ext uri="{FF2B5EF4-FFF2-40B4-BE49-F238E27FC236}">
-                <a16:creationId xmlns:a16="http://schemas.microsoft.com/office/drawing/2014/main" id="{320FDD68-E289-C74B-BF1D-A30E4366D362}"/>
+                <a16:creationId xmlns:a16="http://schemas.microsoft.com/office/drawing/2014/main" id="{C6959662-6E04-6F4F-81D8-CCB15046FA91}"/>
               </a:ext>
             </a:extLst>
           </p:cNvPr>
@@ -977,7 +962,7 @@
           <a:bodyPr/>
           <a:lstStyle/>
           <a:p>
-            <a:fld id="{36B086C5-84CE-0244-A96A-F90743B3D0F1}" type="slidenum">
+            <a:fld id="{B283C9FD-EDE8-6042-B3E0-B1563EC930DE}" type="slidenum">
               <a:rPr kumimoji="1" lang="ja-JP" altLang="en-US" smtClean="0"/>
               <a:t>‹#›</a:t>
             </a:fld>
@@ -988,7 +973,7 @@
     </p:spTree>
     <p:extLst>
       <p:ext uri="{BB962C8B-B14F-4D97-AF65-F5344CB8AC3E}">
-        <p14:creationId xmlns:p14="http://schemas.microsoft.com/office/powerpoint/2010/main" val="162196146"/>
+        <p14:creationId xmlns:p14="http://schemas.microsoft.com/office/powerpoint/2010/main" val="1510352733"/>
       </p:ext>
     </p:extLst>
   </p:cSld>
@@ -1020,7 +1005,7 @@
           <p:cNvPr id="2" name="タイトル 1">
             <a:extLst>
               <a:ext uri="{FF2B5EF4-FFF2-40B4-BE49-F238E27FC236}">
-                <a16:creationId xmlns:a16="http://schemas.microsoft.com/office/drawing/2014/main" id="{E5B1D9D3-7AA3-3648-92AF-435686827C95}"/>
+                <a16:creationId xmlns:a16="http://schemas.microsoft.com/office/drawing/2014/main" id="{109F0BD2-641A-DD49-9E50-130E22D68AFB}"/>
               </a:ext>
             </a:extLst>
           </p:cNvPr>
@@ -1048,7 +1033,7 @@
           <p:cNvPr id="3" name="縦書きテキスト プレースホルダー 2">
             <a:extLst>
               <a:ext uri="{FF2B5EF4-FFF2-40B4-BE49-F238E27FC236}">
-                <a16:creationId xmlns:a16="http://schemas.microsoft.com/office/drawing/2014/main" id="{59196EE4-893E-AC45-B05A-7EF58AC456CA}"/>
+                <a16:creationId xmlns:a16="http://schemas.microsoft.com/office/drawing/2014/main" id="{9C7AC504-89D6-934C-A444-87D38C6C2225}"/>
               </a:ext>
             </a:extLst>
           </p:cNvPr>
@@ -1137,7 +1122,7 @@
           <p:cNvPr id="4" name="日付プレースホルダー 3">
             <a:extLst>
               <a:ext uri="{FF2B5EF4-FFF2-40B4-BE49-F238E27FC236}">
-                <a16:creationId xmlns:a16="http://schemas.microsoft.com/office/drawing/2014/main" id="{35A6F7DB-7D41-AD4B-BB59-FC4D762BCFE7}"/>
+                <a16:creationId xmlns:a16="http://schemas.microsoft.com/office/drawing/2014/main" id="{CED4B28E-6E11-C24C-8925-BC9F53B937DE}"/>
               </a:ext>
             </a:extLst>
           </p:cNvPr>
@@ -1153,9 +1138,9 @@
           <a:bodyPr/>
           <a:lstStyle/>
           <a:p>
-            <a:fld id="{B9148E87-D767-4243-9E31-2E6D394C8567}" type="datetimeFigureOut">
+            <a:fld id="{F13AAFB1-E51D-594B-AD26-63146CF050D6}" type="datetimeFigureOut">
               <a:rPr kumimoji="1" lang="ja-JP" altLang="en-US" smtClean="0"/>
-              <a:t>2021/11/17</a:t>
+              <a:t>2021/11/26</a:t>
             </a:fld>
             <a:endParaRPr kumimoji="1" lang="ja-JP" altLang="en-US"/>
           </a:p>
@@ -1166,7 +1151,7 @@
           <p:cNvPr id="5" name="フッター プレースホルダー 4">
             <a:extLst>
               <a:ext uri="{FF2B5EF4-FFF2-40B4-BE49-F238E27FC236}">
-                <a16:creationId xmlns:a16="http://schemas.microsoft.com/office/drawing/2014/main" id="{07A0225D-A281-1E42-A2F6-35265889706C}"/>
+                <a16:creationId xmlns:a16="http://schemas.microsoft.com/office/drawing/2014/main" id="{CCD6906A-49EA-214C-BB19-500AAA8787A8}"/>
               </a:ext>
             </a:extLst>
           </p:cNvPr>
@@ -1191,7 +1176,7 @@
           <p:cNvPr id="6" name="スライド番号プレースホルダー 5">
             <a:extLst>
               <a:ext uri="{FF2B5EF4-FFF2-40B4-BE49-F238E27FC236}">
-                <a16:creationId xmlns:a16="http://schemas.microsoft.com/office/drawing/2014/main" id="{25AC29A7-F6E0-AF47-9416-70E595DFD110}"/>
+                <a16:creationId xmlns:a16="http://schemas.microsoft.com/office/drawing/2014/main" id="{9308D596-DA33-0B49-87EA-2DA587F43D2D}"/>
               </a:ext>
             </a:extLst>
           </p:cNvPr>
@@ -1207,7 +1192,7 @@
           <a:bodyPr/>
           <a:lstStyle/>
           <a:p>
-            <a:fld id="{36B086C5-84CE-0244-A96A-F90743B3D0F1}" type="slidenum">
+            <a:fld id="{B283C9FD-EDE8-6042-B3E0-B1563EC930DE}" type="slidenum">
               <a:rPr kumimoji="1" lang="ja-JP" altLang="en-US" smtClean="0"/>
               <a:t>‹#›</a:t>
             </a:fld>
@@ -1218,7 +1203,7 @@
     </p:spTree>
     <p:extLst>
       <p:ext uri="{BB962C8B-B14F-4D97-AF65-F5344CB8AC3E}">
-        <p14:creationId xmlns:p14="http://schemas.microsoft.com/office/powerpoint/2010/main" val="321736289"/>
+        <p14:creationId xmlns:p14="http://schemas.microsoft.com/office/powerpoint/2010/main" val="504424144"/>
       </p:ext>
     </p:extLst>
   </p:cSld>
@@ -1250,7 +1235,7 @@
           <p:cNvPr id="2" name="縦書きタイトル 1">
             <a:extLst>
               <a:ext uri="{FF2B5EF4-FFF2-40B4-BE49-F238E27FC236}">
-                <a16:creationId xmlns:a16="http://schemas.microsoft.com/office/drawing/2014/main" id="{04909E83-6322-224A-AA0A-298EA897BF1C}"/>
+                <a16:creationId xmlns:a16="http://schemas.microsoft.com/office/drawing/2014/main" id="{537EE95A-3CE2-CD4F-9F8D-E23E9EB6E264}"/>
               </a:ext>
             </a:extLst>
           </p:cNvPr>
@@ -1283,7 +1268,7 @@
           <p:cNvPr id="3" name="縦書きテキスト プレースホルダー 2">
             <a:extLst>
               <a:ext uri="{FF2B5EF4-FFF2-40B4-BE49-F238E27FC236}">
-                <a16:creationId xmlns:a16="http://schemas.microsoft.com/office/drawing/2014/main" id="{5D03CC5D-460C-7C44-A471-5599B89B5682}"/>
+                <a16:creationId xmlns:a16="http://schemas.microsoft.com/office/drawing/2014/main" id="{C010A379-A804-E94D-B38A-FEF86D0524E5}"/>
               </a:ext>
             </a:extLst>
           </p:cNvPr>
@@ -1377,7 +1362,7 @@
           <p:cNvPr id="4" name="日付プレースホルダー 3">
             <a:extLst>
               <a:ext uri="{FF2B5EF4-FFF2-40B4-BE49-F238E27FC236}">
-                <a16:creationId xmlns:a16="http://schemas.microsoft.com/office/drawing/2014/main" id="{A3212850-053D-1D4F-B04A-93557592912C}"/>
+                <a16:creationId xmlns:a16="http://schemas.microsoft.com/office/drawing/2014/main" id="{E3F00563-CBFC-1742-AAAA-55090D61D770}"/>
               </a:ext>
             </a:extLst>
           </p:cNvPr>
@@ -1393,9 +1378,9 @@
           <a:bodyPr/>
           <a:lstStyle/>
           <a:p>
-            <a:fld id="{B9148E87-D767-4243-9E31-2E6D394C8567}" type="datetimeFigureOut">
+            <a:fld id="{F13AAFB1-E51D-594B-AD26-63146CF050D6}" type="datetimeFigureOut">
               <a:rPr kumimoji="1" lang="ja-JP" altLang="en-US" smtClean="0"/>
-              <a:t>2021/11/17</a:t>
+              <a:t>2021/11/26</a:t>
             </a:fld>
             <a:endParaRPr kumimoji="1" lang="ja-JP" altLang="en-US"/>
           </a:p>
@@ -1406,7 +1391,7 @@
           <p:cNvPr id="5" name="フッター プレースホルダー 4">
             <a:extLst>
               <a:ext uri="{FF2B5EF4-FFF2-40B4-BE49-F238E27FC236}">
-                <a16:creationId xmlns:a16="http://schemas.microsoft.com/office/drawing/2014/main" id="{9026818D-9F19-E341-BAA9-90F0C58E80D7}"/>
+                <a16:creationId xmlns:a16="http://schemas.microsoft.com/office/drawing/2014/main" id="{38F87659-E383-CD45-820C-4A436CC2F47C}"/>
               </a:ext>
             </a:extLst>
           </p:cNvPr>
@@ -1431,7 +1416,7 @@
           <p:cNvPr id="6" name="スライド番号プレースホルダー 5">
             <a:extLst>
               <a:ext uri="{FF2B5EF4-FFF2-40B4-BE49-F238E27FC236}">
-                <a16:creationId xmlns:a16="http://schemas.microsoft.com/office/drawing/2014/main" id="{11DB6550-B3AB-F54E-9F40-EC0ACA1C937C}"/>
+                <a16:creationId xmlns:a16="http://schemas.microsoft.com/office/drawing/2014/main" id="{882D9D3D-1727-E14C-AB48-AFBBE6E4642D}"/>
               </a:ext>
             </a:extLst>
           </p:cNvPr>
@@ -1447,7 +1432,7 @@
           <a:bodyPr/>
           <a:lstStyle/>
           <a:p>
-            <a:fld id="{36B086C5-84CE-0244-A96A-F90743B3D0F1}" type="slidenum">
+            <a:fld id="{B283C9FD-EDE8-6042-B3E0-B1563EC930DE}" type="slidenum">
               <a:rPr kumimoji="1" lang="ja-JP" altLang="en-US" smtClean="0"/>
               <a:t>‹#›</a:t>
             </a:fld>
@@ -1458,7 +1443,7 @@
     </p:spTree>
     <p:extLst>
       <p:ext uri="{BB962C8B-B14F-4D97-AF65-F5344CB8AC3E}">
-        <p14:creationId xmlns:p14="http://schemas.microsoft.com/office/powerpoint/2010/main" val="3235606318"/>
+        <p14:creationId xmlns:p14="http://schemas.microsoft.com/office/powerpoint/2010/main" val="2680499214"/>
       </p:ext>
     </p:extLst>
   </p:cSld>
@@ -1490,7 +1475,7 @@
           <p:cNvPr id="2" name="タイトル 1">
             <a:extLst>
               <a:ext uri="{FF2B5EF4-FFF2-40B4-BE49-F238E27FC236}">
-                <a16:creationId xmlns:a16="http://schemas.microsoft.com/office/drawing/2014/main" id="{75AFF7E5-63E6-4546-AF2F-527086ED27A7}"/>
+                <a16:creationId xmlns:a16="http://schemas.microsoft.com/office/drawing/2014/main" id="{66D3847B-959B-174E-9A87-509BC3FDCA72}"/>
               </a:ext>
             </a:extLst>
           </p:cNvPr>
@@ -1518,7 +1503,7 @@
           <p:cNvPr id="3" name="コンテンツ プレースホルダー 2">
             <a:extLst>
               <a:ext uri="{FF2B5EF4-FFF2-40B4-BE49-F238E27FC236}">
-                <a16:creationId xmlns:a16="http://schemas.microsoft.com/office/drawing/2014/main" id="{2BDA3852-FA79-F04E-80D6-9A540635BB3C}"/>
+                <a16:creationId xmlns:a16="http://schemas.microsoft.com/office/drawing/2014/main" id="{AEFCDF3D-086C-1B4B-8662-4A8C673BBACB}"/>
               </a:ext>
             </a:extLst>
           </p:cNvPr>
@@ -1607,7 +1592,7 @@
           <p:cNvPr id="4" name="日付プレースホルダー 3">
             <a:extLst>
               <a:ext uri="{FF2B5EF4-FFF2-40B4-BE49-F238E27FC236}">
-                <a16:creationId xmlns:a16="http://schemas.microsoft.com/office/drawing/2014/main" id="{3B97954A-AE74-2D40-A59B-00071230B5D0}"/>
+                <a16:creationId xmlns:a16="http://schemas.microsoft.com/office/drawing/2014/main" id="{1D55D95C-C1CA-194A-9BE6-6B826588CAE8}"/>
               </a:ext>
             </a:extLst>
           </p:cNvPr>
@@ -1623,9 +1608,9 @@
           <a:bodyPr/>
           <a:lstStyle/>
           <a:p>
-            <a:fld id="{B9148E87-D767-4243-9E31-2E6D394C8567}" type="datetimeFigureOut">
+            <a:fld id="{F13AAFB1-E51D-594B-AD26-63146CF050D6}" type="datetimeFigureOut">
               <a:rPr kumimoji="1" lang="ja-JP" altLang="en-US" smtClean="0"/>
-              <a:t>2021/11/17</a:t>
+              <a:t>2021/11/26</a:t>
             </a:fld>
             <a:endParaRPr kumimoji="1" lang="ja-JP" altLang="en-US"/>
           </a:p>
@@ -1636,7 +1621,7 @@
           <p:cNvPr id="5" name="フッター プレースホルダー 4">
             <a:extLst>
               <a:ext uri="{FF2B5EF4-FFF2-40B4-BE49-F238E27FC236}">
-                <a16:creationId xmlns:a16="http://schemas.microsoft.com/office/drawing/2014/main" id="{CA7699EB-50D8-0046-92A4-E6D0244757B1}"/>
+                <a16:creationId xmlns:a16="http://schemas.microsoft.com/office/drawing/2014/main" id="{43C21751-A91B-8744-8A1C-D79037B491EF}"/>
               </a:ext>
             </a:extLst>
           </p:cNvPr>
@@ -1661,7 +1646,7 @@
           <p:cNvPr id="6" name="スライド番号プレースホルダー 5">
             <a:extLst>
               <a:ext uri="{FF2B5EF4-FFF2-40B4-BE49-F238E27FC236}">
-                <a16:creationId xmlns:a16="http://schemas.microsoft.com/office/drawing/2014/main" id="{9FF8AC6E-EAF8-0F43-BD1B-31F9F75C0ED5}"/>
+                <a16:creationId xmlns:a16="http://schemas.microsoft.com/office/drawing/2014/main" id="{A403935C-BDAE-7E45-A73D-61E8A047970C}"/>
               </a:ext>
             </a:extLst>
           </p:cNvPr>
@@ -1677,7 +1662,7 @@
           <a:bodyPr/>
           <a:lstStyle/>
           <a:p>
-            <a:fld id="{36B086C5-84CE-0244-A96A-F90743B3D0F1}" type="slidenum">
+            <a:fld id="{B283C9FD-EDE8-6042-B3E0-B1563EC930DE}" type="slidenum">
               <a:rPr kumimoji="1" lang="ja-JP" altLang="en-US" smtClean="0"/>
               <a:t>‹#›</a:t>
             </a:fld>
@@ -1688,7 +1673,7 @@
     </p:spTree>
     <p:extLst>
       <p:ext uri="{BB962C8B-B14F-4D97-AF65-F5344CB8AC3E}">
-        <p14:creationId xmlns:p14="http://schemas.microsoft.com/office/powerpoint/2010/main" val="1151750811"/>
+        <p14:creationId xmlns:p14="http://schemas.microsoft.com/office/powerpoint/2010/main" val="1130649669"/>
       </p:ext>
     </p:extLst>
   </p:cSld>
@@ -1720,7 +1705,7 @@
           <p:cNvPr id="2" name="タイトル 1">
             <a:extLst>
               <a:ext uri="{FF2B5EF4-FFF2-40B4-BE49-F238E27FC236}">
-                <a16:creationId xmlns:a16="http://schemas.microsoft.com/office/drawing/2014/main" id="{A5938E7E-9713-C749-9714-15A5F44F6084}"/>
+                <a16:creationId xmlns:a16="http://schemas.microsoft.com/office/drawing/2014/main" id="{562E3B8B-9BB1-764F-9E37-F8D23A85FCCB}"/>
               </a:ext>
             </a:extLst>
           </p:cNvPr>
@@ -1757,7 +1742,7 @@
           <p:cNvPr id="3" name="テキスト プレースホルダー 2">
             <a:extLst>
               <a:ext uri="{FF2B5EF4-FFF2-40B4-BE49-F238E27FC236}">
-                <a16:creationId xmlns:a16="http://schemas.microsoft.com/office/drawing/2014/main" id="{7013DD3A-05D0-E84C-BA50-19A92F8CAAEB}"/>
+                <a16:creationId xmlns:a16="http://schemas.microsoft.com/office/drawing/2014/main" id="{613FB604-496B-DB4A-A922-632CB2C71AB5}"/>
               </a:ext>
             </a:extLst>
           </p:cNvPr>
@@ -1882,7 +1867,7 @@
           <p:cNvPr id="4" name="日付プレースホルダー 3">
             <a:extLst>
               <a:ext uri="{FF2B5EF4-FFF2-40B4-BE49-F238E27FC236}">
-                <a16:creationId xmlns:a16="http://schemas.microsoft.com/office/drawing/2014/main" id="{0683BE19-718F-914E-8ADC-878801C2FE79}"/>
+                <a16:creationId xmlns:a16="http://schemas.microsoft.com/office/drawing/2014/main" id="{EB87A0D0-D637-274C-8BCF-32E5B24478CE}"/>
               </a:ext>
             </a:extLst>
           </p:cNvPr>
@@ -1898,9 +1883,9 @@
           <a:bodyPr/>
           <a:lstStyle/>
           <a:p>
-            <a:fld id="{B9148E87-D767-4243-9E31-2E6D394C8567}" type="datetimeFigureOut">
+            <a:fld id="{F13AAFB1-E51D-594B-AD26-63146CF050D6}" type="datetimeFigureOut">
               <a:rPr kumimoji="1" lang="ja-JP" altLang="en-US" smtClean="0"/>
-              <a:t>2021/11/17</a:t>
+              <a:t>2021/11/26</a:t>
             </a:fld>
             <a:endParaRPr kumimoji="1" lang="ja-JP" altLang="en-US"/>
           </a:p>
@@ -1911,7 +1896,7 @@
           <p:cNvPr id="5" name="フッター プレースホルダー 4">
             <a:extLst>
               <a:ext uri="{FF2B5EF4-FFF2-40B4-BE49-F238E27FC236}">
-                <a16:creationId xmlns:a16="http://schemas.microsoft.com/office/drawing/2014/main" id="{1C13BCDA-F675-EF4A-B9AE-F7B1545584F1}"/>
+                <a16:creationId xmlns:a16="http://schemas.microsoft.com/office/drawing/2014/main" id="{1A8B6796-8FFC-7448-8B42-38FB35E9A0AA}"/>
               </a:ext>
             </a:extLst>
           </p:cNvPr>
@@ -1936,7 +1921,7 @@
           <p:cNvPr id="6" name="スライド番号プレースホルダー 5">
             <a:extLst>
               <a:ext uri="{FF2B5EF4-FFF2-40B4-BE49-F238E27FC236}">
-                <a16:creationId xmlns:a16="http://schemas.microsoft.com/office/drawing/2014/main" id="{535D0051-82D3-2D49-AB7F-2CBD62324478}"/>
+                <a16:creationId xmlns:a16="http://schemas.microsoft.com/office/drawing/2014/main" id="{F7F55C30-0237-0D41-97C5-65E4B8F963F2}"/>
               </a:ext>
             </a:extLst>
           </p:cNvPr>
@@ -1952,7 +1937,7 @@
           <a:bodyPr/>
           <a:lstStyle/>
           <a:p>
-            <a:fld id="{36B086C5-84CE-0244-A96A-F90743B3D0F1}" type="slidenum">
+            <a:fld id="{B283C9FD-EDE8-6042-B3E0-B1563EC930DE}" type="slidenum">
               <a:rPr kumimoji="1" lang="ja-JP" altLang="en-US" smtClean="0"/>
               <a:t>‹#›</a:t>
             </a:fld>
@@ -1963,7 +1948,7 @@
     </p:spTree>
     <p:extLst>
       <p:ext uri="{BB962C8B-B14F-4D97-AF65-F5344CB8AC3E}">
-        <p14:creationId xmlns:p14="http://schemas.microsoft.com/office/powerpoint/2010/main" val="3387832546"/>
+        <p14:creationId xmlns:p14="http://schemas.microsoft.com/office/powerpoint/2010/main" val="3933737300"/>
       </p:ext>
     </p:extLst>
   </p:cSld>
@@ -1995,7 +1980,7 @@
           <p:cNvPr id="2" name="タイトル 1">
             <a:extLst>
               <a:ext uri="{FF2B5EF4-FFF2-40B4-BE49-F238E27FC236}">
-                <a16:creationId xmlns:a16="http://schemas.microsoft.com/office/drawing/2014/main" id="{29853B08-C71E-D04E-A593-9FCB568FF616}"/>
+                <a16:creationId xmlns:a16="http://schemas.microsoft.com/office/drawing/2014/main" id="{6B8D852B-78D0-3B4C-A033-FEEA23771B68}"/>
               </a:ext>
             </a:extLst>
           </p:cNvPr>
@@ -2023,7 +2008,7 @@
           <p:cNvPr id="3" name="コンテンツ プレースホルダー 2">
             <a:extLst>
               <a:ext uri="{FF2B5EF4-FFF2-40B4-BE49-F238E27FC236}">
-                <a16:creationId xmlns:a16="http://schemas.microsoft.com/office/drawing/2014/main" id="{09C36F3C-62E9-C04A-A6F4-2EAC88BE4F61}"/>
+                <a16:creationId xmlns:a16="http://schemas.microsoft.com/office/drawing/2014/main" id="{D12F9341-47D9-5E42-A3A5-D82F0A49EF3D}"/>
               </a:ext>
             </a:extLst>
           </p:cNvPr>
@@ -2117,7 +2102,7 @@
           <p:cNvPr id="4" name="コンテンツ プレースホルダー 3">
             <a:extLst>
               <a:ext uri="{FF2B5EF4-FFF2-40B4-BE49-F238E27FC236}">
-                <a16:creationId xmlns:a16="http://schemas.microsoft.com/office/drawing/2014/main" id="{4E8C24BC-EF5F-6540-9B8D-21C73C53DEC6}"/>
+                <a16:creationId xmlns:a16="http://schemas.microsoft.com/office/drawing/2014/main" id="{E25BF7EE-681A-3849-AD53-CB8FD4334502}"/>
               </a:ext>
             </a:extLst>
           </p:cNvPr>
@@ -2211,7 +2196,7 @@
           <p:cNvPr id="5" name="日付プレースホルダー 4">
             <a:extLst>
               <a:ext uri="{FF2B5EF4-FFF2-40B4-BE49-F238E27FC236}">
-                <a16:creationId xmlns:a16="http://schemas.microsoft.com/office/drawing/2014/main" id="{47C9A0FE-8747-904B-BECD-602D283ABA9F}"/>
+                <a16:creationId xmlns:a16="http://schemas.microsoft.com/office/drawing/2014/main" id="{45774FDE-E559-E146-9476-BD95250F0036}"/>
               </a:ext>
             </a:extLst>
           </p:cNvPr>
@@ -2227,9 +2212,9 @@
           <a:bodyPr/>
           <a:lstStyle/>
           <a:p>
-            <a:fld id="{B9148E87-D767-4243-9E31-2E6D394C8567}" type="datetimeFigureOut">
+            <a:fld id="{F13AAFB1-E51D-594B-AD26-63146CF050D6}" type="datetimeFigureOut">
               <a:rPr kumimoji="1" lang="ja-JP" altLang="en-US" smtClean="0"/>
-              <a:t>2021/11/17</a:t>
+              <a:t>2021/11/26</a:t>
             </a:fld>
             <a:endParaRPr kumimoji="1" lang="ja-JP" altLang="en-US"/>
           </a:p>
@@ -2240,7 +2225,7 @@
           <p:cNvPr id="6" name="フッター プレースホルダー 5">
             <a:extLst>
               <a:ext uri="{FF2B5EF4-FFF2-40B4-BE49-F238E27FC236}">
-                <a16:creationId xmlns:a16="http://schemas.microsoft.com/office/drawing/2014/main" id="{6F094974-AA72-D745-88FF-B6AFB39406B7}"/>
+                <a16:creationId xmlns:a16="http://schemas.microsoft.com/office/drawing/2014/main" id="{4B59A13E-6E08-2449-8E68-BD3120BE4BD1}"/>
               </a:ext>
             </a:extLst>
           </p:cNvPr>
@@ -2265,7 +2250,7 @@
           <p:cNvPr id="7" name="スライド番号プレースホルダー 6">
             <a:extLst>
               <a:ext uri="{FF2B5EF4-FFF2-40B4-BE49-F238E27FC236}">
-                <a16:creationId xmlns:a16="http://schemas.microsoft.com/office/drawing/2014/main" id="{1352C103-7D96-1A4E-A6FA-1435E7359C1D}"/>
+                <a16:creationId xmlns:a16="http://schemas.microsoft.com/office/drawing/2014/main" id="{1354B3D4-29DA-4541-B0A1-12B55E4FEE2A}"/>
               </a:ext>
             </a:extLst>
           </p:cNvPr>
@@ -2281,7 +2266,7 @@
           <a:bodyPr/>
           <a:lstStyle/>
           <a:p>
-            <a:fld id="{36B086C5-84CE-0244-A96A-F90743B3D0F1}" type="slidenum">
+            <a:fld id="{B283C9FD-EDE8-6042-B3E0-B1563EC930DE}" type="slidenum">
               <a:rPr kumimoji="1" lang="ja-JP" altLang="en-US" smtClean="0"/>
               <a:t>‹#›</a:t>
             </a:fld>
@@ -2292,7 +2277,7 @@
     </p:spTree>
     <p:extLst>
       <p:ext uri="{BB962C8B-B14F-4D97-AF65-F5344CB8AC3E}">
-        <p14:creationId xmlns:p14="http://schemas.microsoft.com/office/powerpoint/2010/main" val="3836335372"/>
+        <p14:creationId xmlns:p14="http://schemas.microsoft.com/office/powerpoint/2010/main" val="3518975974"/>
       </p:ext>
     </p:extLst>
   </p:cSld>
@@ -2324,7 +2309,7 @@
           <p:cNvPr id="2" name="タイトル 1">
             <a:extLst>
               <a:ext uri="{FF2B5EF4-FFF2-40B4-BE49-F238E27FC236}">
-                <a16:creationId xmlns:a16="http://schemas.microsoft.com/office/drawing/2014/main" id="{E665F257-8849-894B-BE3D-BCAFB287DA5A}"/>
+                <a16:creationId xmlns:a16="http://schemas.microsoft.com/office/drawing/2014/main" id="{856DD309-0902-2545-818E-100C34650E9E}"/>
               </a:ext>
             </a:extLst>
           </p:cNvPr>
@@ -2357,7 +2342,7 @@
           <p:cNvPr id="3" name="テキスト プレースホルダー 2">
             <a:extLst>
               <a:ext uri="{FF2B5EF4-FFF2-40B4-BE49-F238E27FC236}">
-                <a16:creationId xmlns:a16="http://schemas.microsoft.com/office/drawing/2014/main" id="{298A2560-0BE0-D546-BCE1-23F50D45A590}"/>
+                <a16:creationId xmlns:a16="http://schemas.microsoft.com/office/drawing/2014/main" id="{37ACF119-0C80-AB49-A199-BA18907C4306}"/>
               </a:ext>
             </a:extLst>
           </p:cNvPr>
@@ -2428,7 +2413,7 @@
           <p:cNvPr id="4" name="コンテンツ プレースホルダー 3">
             <a:extLst>
               <a:ext uri="{FF2B5EF4-FFF2-40B4-BE49-F238E27FC236}">
-                <a16:creationId xmlns:a16="http://schemas.microsoft.com/office/drawing/2014/main" id="{4313A094-6F0A-B041-A3BE-0F05A4E8D02B}"/>
+                <a16:creationId xmlns:a16="http://schemas.microsoft.com/office/drawing/2014/main" id="{D0BF0251-8E96-5245-BFA4-CBD5B2B63698}"/>
               </a:ext>
             </a:extLst>
           </p:cNvPr>
@@ -2522,7 +2507,7 @@
           <p:cNvPr id="5" name="テキスト プレースホルダー 4">
             <a:extLst>
               <a:ext uri="{FF2B5EF4-FFF2-40B4-BE49-F238E27FC236}">
-                <a16:creationId xmlns:a16="http://schemas.microsoft.com/office/drawing/2014/main" id="{4605ABF5-3F0D-0C4D-B9BF-B98E40964C32}"/>
+                <a16:creationId xmlns:a16="http://schemas.microsoft.com/office/drawing/2014/main" id="{BD19ED37-2D6A-3E48-B388-16148A183485}"/>
               </a:ext>
             </a:extLst>
           </p:cNvPr>
@@ -2593,7 +2578,7 @@
           <p:cNvPr id="6" name="コンテンツ プレースホルダー 5">
             <a:extLst>
               <a:ext uri="{FF2B5EF4-FFF2-40B4-BE49-F238E27FC236}">
-                <a16:creationId xmlns:a16="http://schemas.microsoft.com/office/drawing/2014/main" id="{AA007EC5-B792-E54B-A902-E74DC3BB2FEC}"/>
+                <a16:creationId xmlns:a16="http://schemas.microsoft.com/office/drawing/2014/main" id="{3F381E0B-C01D-9347-9F0E-72B5E32D25C4}"/>
               </a:ext>
             </a:extLst>
           </p:cNvPr>
@@ -2687,7 +2672,7 @@
           <p:cNvPr id="7" name="日付プレースホルダー 6">
             <a:extLst>
               <a:ext uri="{FF2B5EF4-FFF2-40B4-BE49-F238E27FC236}">
-                <a16:creationId xmlns:a16="http://schemas.microsoft.com/office/drawing/2014/main" id="{6C5EB45B-5689-1D44-BC76-BA1118E1132F}"/>
+                <a16:creationId xmlns:a16="http://schemas.microsoft.com/office/drawing/2014/main" id="{01067DAF-DBAC-BE45-8F76-132D05F47024}"/>
               </a:ext>
             </a:extLst>
           </p:cNvPr>
@@ -2703,9 +2688,9 @@
           <a:bodyPr/>
           <a:lstStyle/>
           <a:p>
-            <a:fld id="{B9148E87-D767-4243-9E31-2E6D394C8567}" type="datetimeFigureOut">
+            <a:fld id="{F13AAFB1-E51D-594B-AD26-63146CF050D6}" type="datetimeFigureOut">
               <a:rPr kumimoji="1" lang="ja-JP" altLang="en-US" smtClean="0"/>
-              <a:t>2021/11/17</a:t>
+              <a:t>2021/11/26</a:t>
             </a:fld>
             <a:endParaRPr kumimoji="1" lang="ja-JP" altLang="en-US"/>
           </a:p>
@@ -2716,7 +2701,7 @@
           <p:cNvPr id="8" name="フッター プレースホルダー 7">
             <a:extLst>
               <a:ext uri="{FF2B5EF4-FFF2-40B4-BE49-F238E27FC236}">
-                <a16:creationId xmlns:a16="http://schemas.microsoft.com/office/drawing/2014/main" id="{C178B7BF-6EC1-204A-9010-DDBDCBFACCBA}"/>
+                <a16:creationId xmlns:a16="http://schemas.microsoft.com/office/drawing/2014/main" id="{950CEB68-71D5-944B-B785-66962B8FBDC3}"/>
               </a:ext>
             </a:extLst>
           </p:cNvPr>
@@ -2741,7 +2726,7 @@
           <p:cNvPr id="9" name="スライド番号プレースホルダー 8">
             <a:extLst>
               <a:ext uri="{FF2B5EF4-FFF2-40B4-BE49-F238E27FC236}">
-                <a16:creationId xmlns:a16="http://schemas.microsoft.com/office/drawing/2014/main" id="{F95F73A0-A4C6-8D4D-8F2E-D615F0CB5126}"/>
+                <a16:creationId xmlns:a16="http://schemas.microsoft.com/office/drawing/2014/main" id="{A2833863-AFF2-5041-A510-56C038A0C9B6}"/>
               </a:ext>
             </a:extLst>
           </p:cNvPr>
@@ -2757,7 +2742,7 @@
           <a:bodyPr/>
           <a:lstStyle/>
           <a:p>
-            <a:fld id="{36B086C5-84CE-0244-A96A-F90743B3D0F1}" type="slidenum">
+            <a:fld id="{B283C9FD-EDE8-6042-B3E0-B1563EC930DE}" type="slidenum">
               <a:rPr kumimoji="1" lang="ja-JP" altLang="en-US" smtClean="0"/>
               <a:t>‹#›</a:t>
             </a:fld>
@@ -2768,7 +2753,7 @@
     </p:spTree>
     <p:extLst>
       <p:ext uri="{BB962C8B-B14F-4D97-AF65-F5344CB8AC3E}">
-        <p14:creationId xmlns:p14="http://schemas.microsoft.com/office/powerpoint/2010/main" val="4206671698"/>
+        <p14:creationId xmlns:p14="http://schemas.microsoft.com/office/powerpoint/2010/main" val="3661097970"/>
       </p:ext>
     </p:extLst>
   </p:cSld>
@@ -2800,7 +2785,7 @@
           <p:cNvPr id="2" name="タイトル 1">
             <a:extLst>
               <a:ext uri="{FF2B5EF4-FFF2-40B4-BE49-F238E27FC236}">
-                <a16:creationId xmlns:a16="http://schemas.microsoft.com/office/drawing/2014/main" id="{C39B96E6-6B53-0946-9353-EB642EE77A2A}"/>
+                <a16:creationId xmlns:a16="http://schemas.microsoft.com/office/drawing/2014/main" id="{A494D182-ADC9-874E-902B-F098330C4EEB}"/>
               </a:ext>
             </a:extLst>
           </p:cNvPr>
@@ -2828,7 +2813,7 @@
           <p:cNvPr id="3" name="日付プレースホルダー 2">
             <a:extLst>
               <a:ext uri="{FF2B5EF4-FFF2-40B4-BE49-F238E27FC236}">
-                <a16:creationId xmlns:a16="http://schemas.microsoft.com/office/drawing/2014/main" id="{990F77F1-945C-F54A-8B85-A398DECD59F4}"/>
+                <a16:creationId xmlns:a16="http://schemas.microsoft.com/office/drawing/2014/main" id="{1BCF4DF9-2480-D94C-8367-F32C199EC443}"/>
               </a:ext>
             </a:extLst>
           </p:cNvPr>
@@ -2844,9 +2829,9 @@
           <a:bodyPr/>
           <a:lstStyle/>
           <a:p>
-            <a:fld id="{B9148E87-D767-4243-9E31-2E6D394C8567}" type="datetimeFigureOut">
+            <a:fld id="{F13AAFB1-E51D-594B-AD26-63146CF050D6}" type="datetimeFigureOut">
               <a:rPr kumimoji="1" lang="ja-JP" altLang="en-US" smtClean="0"/>
-              <a:t>2021/11/17</a:t>
+              <a:t>2021/11/26</a:t>
             </a:fld>
             <a:endParaRPr kumimoji="1" lang="ja-JP" altLang="en-US"/>
           </a:p>
@@ -2857,7 +2842,7 @@
           <p:cNvPr id="4" name="フッター プレースホルダー 3">
             <a:extLst>
               <a:ext uri="{FF2B5EF4-FFF2-40B4-BE49-F238E27FC236}">
-                <a16:creationId xmlns:a16="http://schemas.microsoft.com/office/drawing/2014/main" id="{EB8576F0-8B31-D94B-8AC2-1EC48C265BC6}"/>
+                <a16:creationId xmlns:a16="http://schemas.microsoft.com/office/drawing/2014/main" id="{85E45555-E5B5-D642-B68B-F37ECF72D8D6}"/>
               </a:ext>
             </a:extLst>
           </p:cNvPr>
@@ -2882,7 +2867,7 @@
           <p:cNvPr id="5" name="スライド番号プレースホルダー 4">
             <a:extLst>
               <a:ext uri="{FF2B5EF4-FFF2-40B4-BE49-F238E27FC236}">
-                <a16:creationId xmlns:a16="http://schemas.microsoft.com/office/drawing/2014/main" id="{A5CB5FE8-EA7B-974C-A0CD-19597E5A458C}"/>
+                <a16:creationId xmlns:a16="http://schemas.microsoft.com/office/drawing/2014/main" id="{4BCCECDA-C45D-8C45-9B4A-0A8204CADF43}"/>
               </a:ext>
             </a:extLst>
           </p:cNvPr>
@@ -2898,7 +2883,7 @@
           <a:bodyPr/>
           <a:lstStyle/>
           <a:p>
-            <a:fld id="{36B086C5-84CE-0244-A96A-F90743B3D0F1}" type="slidenum">
+            <a:fld id="{B283C9FD-EDE8-6042-B3E0-B1563EC930DE}" type="slidenum">
               <a:rPr kumimoji="1" lang="ja-JP" altLang="en-US" smtClean="0"/>
               <a:t>‹#›</a:t>
             </a:fld>
@@ -2909,7 +2894,7 @@
     </p:spTree>
     <p:extLst>
       <p:ext uri="{BB962C8B-B14F-4D97-AF65-F5344CB8AC3E}">
-        <p14:creationId xmlns:p14="http://schemas.microsoft.com/office/powerpoint/2010/main" val="107545736"/>
+        <p14:creationId xmlns:p14="http://schemas.microsoft.com/office/powerpoint/2010/main" val="3924493060"/>
       </p:ext>
     </p:extLst>
   </p:cSld>
@@ -2941,7 +2926,7 @@
           <p:cNvPr id="2" name="日付プレースホルダー 1">
             <a:extLst>
               <a:ext uri="{FF2B5EF4-FFF2-40B4-BE49-F238E27FC236}">
-                <a16:creationId xmlns:a16="http://schemas.microsoft.com/office/drawing/2014/main" id="{07D45AD4-77D5-5948-8CC6-EF6DD4471A6B}"/>
+                <a16:creationId xmlns:a16="http://schemas.microsoft.com/office/drawing/2014/main" id="{DCF00A6A-3791-5F4D-ABD6-1AB9C47EBBF6}"/>
               </a:ext>
             </a:extLst>
           </p:cNvPr>
@@ -2957,9 +2942,9 @@
           <a:bodyPr/>
           <a:lstStyle/>
           <a:p>
-            <a:fld id="{B9148E87-D767-4243-9E31-2E6D394C8567}" type="datetimeFigureOut">
+            <a:fld id="{F13AAFB1-E51D-594B-AD26-63146CF050D6}" type="datetimeFigureOut">
               <a:rPr kumimoji="1" lang="ja-JP" altLang="en-US" smtClean="0"/>
-              <a:t>2021/11/17</a:t>
+              <a:t>2021/11/26</a:t>
             </a:fld>
             <a:endParaRPr kumimoji="1" lang="ja-JP" altLang="en-US"/>
           </a:p>
@@ -2970,7 +2955,7 @@
           <p:cNvPr id="3" name="フッター プレースホルダー 2">
             <a:extLst>
               <a:ext uri="{FF2B5EF4-FFF2-40B4-BE49-F238E27FC236}">
-                <a16:creationId xmlns:a16="http://schemas.microsoft.com/office/drawing/2014/main" id="{4DA23552-46A3-2B47-BB77-78AC9A101070}"/>
+                <a16:creationId xmlns:a16="http://schemas.microsoft.com/office/drawing/2014/main" id="{7F8529FA-E9A7-E14B-A437-40657F77ABE0}"/>
               </a:ext>
             </a:extLst>
           </p:cNvPr>
@@ -2995,7 +2980,7 @@
           <p:cNvPr id="4" name="スライド番号プレースホルダー 3">
             <a:extLst>
               <a:ext uri="{FF2B5EF4-FFF2-40B4-BE49-F238E27FC236}">
-                <a16:creationId xmlns:a16="http://schemas.microsoft.com/office/drawing/2014/main" id="{F5900DBB-B4A9-3145-A518-EC584CC9DFC8}"/>
+                <a16:creationId xmlns:a16="http://schemas.microsoft.com/office/drawing/2014/main" id="{C506CD50-0643-734C-8F82-F33A4E18B3DE}"/>
               </a:ext>
             </a:extLst>
           </p:cNvPr>
@@ -3011,7 +2996,7 @@
           <a:bodyPr/>
           <a:lstStyle/>
           <a:p>
-            <a:fld id="{36B086C5-84CE-0244-A96A-F90743B3D0F1}" type="slidenum">
+            <a:fld id="{B283C9FD-EDE8-6042-B3E0-B1563EC930DE}" type="slidenum">
               <a:rPr kumimoji="1" lang="ja-JP" altLang="en-US" smtClean="0"/>
               <a:t>‹#›</a:t>
             </a:fld>
@@ -3022,7 +3007,7 @@
     </p:spTree>
     <p:extLst>
       <p:ext uri="{BB962C8B-B14F-4D97-AF65-F5344CB8AC3E}">
-        <p14:creationId xmlns:p14="http://schemas.microsoft.com/office/powerpoint/2010/main" val="3716367635"/>
+        <p14:creationId xmlns:p14="http://schemas.microsoft.com/office/powerpoint/2010/main" val="1666159572"/>
       </p:ext>
     </p:extLst>
   </p:cSld>
@@ -3054,7 +3039,7 @@
           <p:cNvPr id="2" name="タイトル 1">
             <a:extLst>
               <a:ext uri="{FF2B5EF4-FFF2-40B4-BE49-F238E27FC236}">
-                <a16:creationId xmlns:a16="http://schemas.microsoft.com/office/drawing/2014/main" id="{E83E5157-0853-584B-81DF-FAB5C48C74EA}"/>
+                <a16:creationId xmlns:a16="http://schemas.microsoft.com/office/drawing/2014/main" id="{D7D88D96-2500-BD4C-9D15-F82A4284D6B9}"/>
               </a:ext>
             </a:extLst>
           </p:cNvPr>
@@ -3091,7 +3076,7 @@
           <p:cNvPr id="3" name="コンテンツ プレースホルダー 2">
             <a:extLst>
               <a:ext uri="{FF2B5EF4-FFF2-40B4-BE49-F238E27FC236}">
-                <a16:creationId xmlns:a16="http://schemas.microsoft.com/office/drawing/2014/main" id="{D75ABEB1-8AE5-3443-8D02-20D6FEB816CE}"/>
+                <a16:creationId xmlns:a16="http://schemas.microsoft.com/office/drawing/2014/main" id="{FF9D225E-2726-134A-8990-003251309814}"/>
               </a:ext>
             </a:extLst>
           </p:cNvPr>
@@ -3213,7 +3198,7 @@
           <p:cNvPr id="4" name="テキスト プレースホルダー 3">
             <a:extLst>
               <a:ext uri="{FF2B5EF4-FFF2-40B4-BE49-F238E27FC236}">
-                <a16:creationId xmlns:a16="http://schemas.microsoft.com/office/drawing/2014/main" id="{B1760B79-410D-4143-99CC-07833631C98D}"/>
+                <a16:creationId xmlns:a16="http://schemas.microsoft.com/office/drawing/2014/main" id="{99AFDCF9-D652-0642-BE1C-7711BC2E8613}"/>
               </a:ext>
             </a:extLst>
           </p:cNvPr>
@@ -3284,7 +3269,7 @@
           <p:cNvPr id="5" name="日付プレースホルダー 4">
             <a:extLst>
               <a:ext uri="{FF2B5EF4-FFF2-40B4-BE49-F238E27FC236}">
-                <a16:creationId xmlns:a16="http://schemas.microsoft.com/office/drawing/2014/main" id="{68E7134B-14D9-1940-9C3A-D7CDBC47B517}"/>
+                <a16:creationId xmlns:a16="http://schemas.microsoft.com/office/drawing/2014/main" id="{950BBB5D-B74E-5644-8921-6ED4FC4E0954}"/>
               </a:ext>
             </a:extLst>
           </p:cNvPr>
@@ -3300,9 +3285,9 @@
           <a:bodyPr/>
           <a:lstStyle/>
           <a:p>
-            <a:fld id="{B9148E87-D767-4243-9E31-2E6D394C8567}" type="datetimeFigureOut">
+            <a:fld id="{F13AAFB1-E51D-594B-AD26-63146CF050D6}" type="datetimeFigureOut">
               <a:rPr kumimoji="1" lang="ja-JP" altLang="en-US" smtClean="0"/>
-              <a:t>2021/11/17</a:t>
+              <a:t>2021/11/26</a:t>
             </a:fld>
             <a:endParaRPr kumimoji="1" lang="ja-JP" altLang="en-US"/>
           </a:p>
@@ -3313,7 +3298,7 @@
           <p:cNvPr id="6" name="フッター プレースホルダー 5">
             <a:extLst>
               <a:ext uri="{FF2B5EF4-FFF2-40B4-BE49-F238E27FC236}">
-                <a16:creationId xmlns:a16="http://schemas.microsoft.com/office/drawing/2014/main" id="{F57A9545-0B08-E64B-88EE-FFF2CDDA1D12}"/>
+                <a16:creationId xmlns:a16="http://schemas.microsoft.com/office/drawing/2014/main" id="{54E6077B-381E-AD41-801B-EC5264E1E616}"/>
               </a:ext>
             </a:extLst>
           </p:cNvPr>
@@ -3338,7 +3323,7 @@
           <p:cNvPr id="7" name="スライド番号プレースホルダー 6">
             <a:extLst>
               <a:ext uri="{FF2B5EF4-FFF2-40B4-BE49-F238E27FC236}">
-                <a16:creationId xmlns:a16="http://schemas.microsoft.com/office/drawing/2014/main" id="{1440FF87-299C-DB4D-B562-3F81EEB8CF47}"/>
+                <a16:creationId xmlns:a16="http://schemas.microsoft.com/office/drawing/2014/main" id="{09556951-7284-CF4A-B418-3B90894E0E20}"/>
               </a:ext>
             </a:extLst>
           </p:cNvPr>
@@ -3354,7 +3339,7 @@
           <a:bodyPr/>
           <a:lstStyle/>
           <a:p>
-            <a:fld id="{36B086C5-84CE-0244-A96A-F90743B3D0F1}" type="slidenum">
+            <a:fld id="{B283C9FD-EDE8-6042-B3E0-B1563EC930DE}" type="slidenum">
               <a:rPr kumimoji="1" lang="ja-JP" altLang="en-US" smtClean="0"/>
               <a:t>‹#›</a:t>
             </a:fld>
@@ -3365,7 +3350,7 @@
     </p:spTree>
     <p:extLst>
       <p:ext uri="{BB962C8B-B14F-4D97-AF65-F5344CB8AC3E}">
-        <p14:creationId xmlns:p14="http://schemas.microsoft.com/office/powerpoint/2010/main" val="826403982"/>
+        <p14:creationId xmlns:p14="http://schemas.microsoft.com/office/powerpoint/2010/main" val="1058518698"/>
       </p:ext>
     </p:extLst>
   </p:cSld>
@@ -3397,7 +3382,7 @@
           <p:cNvPr id="2" name="タイトル 1">
             <a:extLst>
               <a:ext uri="{FF2B5EF4-FFF2-40B4-BE49-F238E27FC236}">
-                <a16:creationId xmlns:a16="http://schemas.microsoft.com/office/drawing/2014/main" id="{FADE9FB4-EA4B-FE43-AE7F-9E1B0694F116}"/>
+                <a16:creationId xmlns:a16="http://schemas.microsoft.com/office/drawing/2014/main" id="{C9209B15-B8BE-F246-8881-15C6664F93F9}"/>
               </a:ext>
             </a:extLst>
           </p:cNvPr>
@@ -3434,7 +3419,7 @@
           <p:cNvPr id="3" name="図プレースホルダー 2">
             <a:extLst>
               <a:ext uri="{FF2B5EF4-FFF2-40B4-BE49-F238E27FC236}">
-                <a16:creationId xmlns:a16="http://schemas.microsoft.com/office/drawing/2014/main" id="{84D18FF0-1781-6F43-B8A3-9886A965F1C9}"/>
+                <a16:creationId xmlns:a16="http://schemas.microsoft.com/office/drawing/2014/main" id="{B081D6E1-9EAE-DD44-9D11-2DE4ED3B600B}"/>
               </a:ext>
             </a:extLst>
           </p:cNvPr>
@@ -3501,7 +3486,7 @@
           <p:cNvPr id="4" name="テキスト プレースホルダー 3">
             <a:extLst>
               <a:ext uri="{FF2B5EF4-FFF2-40B4-BE49-F238E27FC236}">
-                <a16:creationId xmlns:a16="http://schemas.microsoft.com/office/drawing/2014/main" id="{4F5C5EC3-6D1C-534E-A247-5CEB08B4A12B}"/>
+                <a16:creationId xmlns:a16="http://schemas.microsoft.com/office/drawing/2014/main" id="{B94C3F90-6855-4343-9460-94B4DD8C6526}"/>
               </a:ext>
             </a:extLst>
           </p:cNvPr>
@@ -3572,7 +3557,7 @@
           <p:cNvPr id="5" name="日付プレースホルダー 4">
             <a:extLst>
               <a:ext uri="{FF2B5EF4-FFF2-40B4-BE49-F238E27FC236}">
-                <a16:creationId xmlns:a16="http://schemas.microsoft.com/office/drawing/2014/main" id="{E467F832-6262-A94D-84FE-57151150BD93}"/>
+                <a16:creationId xmlns:a16="http://schemas.microsoft.com/office/drawing/2014/main" id="{3AF1F065-B0EC-D646-AF8A-D6D858D92FF1}"/>
               </a:ext>
             </a:extLst>
           </p:cNvPr>
@@ -3588,9 +3573,9 @@
           <a:bodyPr/>
           <a:lstStyle/>
           <a:p>
-            <a:fld id="{B9148E87-D767-4243-9E31-2E6D394C8567}" type="datetimeFigureOut">
+            <a:fld id="{F13AAFB1-E51D-594B-AD26-63146CF050D6}" type="datetimeFigureOut">
               <a:rPr kumimoji="1" lang="ja-JP" altLang="en-US" smtClean="0"/>
-              <a:t>2021/11/17</a:t>
+              <a:t>2021/11/26</a:t>
             </a:fld>
             <a:endParaRPr kumimoji="1" lang="ja-JP" altLang="en-US"/>
           </a:p>
@@ -3601,7 +3586,7 @@
           <p:cNvPr id="6" name="フッター プレースホルダー 5">
             <a:extLst>
               <a:ext uri="{FF2B5EF4-FFF2-40B4-BE49-F238E27FC236}">
-                <a16:creationId xmlns:a16="http://schemas.microsoft.com/office/drawing/2014/main" id="{F2F197B5-714F-2A4C-899E-07ADBBDD8FF1}"/>
+                <a16:creationId xmlns:a16="http://schemas.microsoft.com/office/drawing/2014/main" id="{BC90CA54-D393-E74E-9F80-18A1514AADD8}"/>
               </a:ext>
             </a:extLst>
           </p:cNvPr>
@@ -3626,7 +3611,7 @@
           <p:cNvPr id="7" name="スライド番号プレースホルダー 6">
             <a:extLst>
               <a:ext uri="{FF2B5EF4-FFF2-40B4-BE49-F238E27FC236}">
-                <a16:creationId xmlns:a16="http://schemas.microsoft.com/office/drawing/2014/main" id="{A3964AD2-D13A-734E-B8E1-CC589D3BAE0E}"/>
+                <a16:creationId xmlns:a16="http://schemas.microsoft.com/office/drawing/2014/main" id="{BF44D8E5-3145-0743-8D25-83C98256C0C4}"/>
               </a:ext>
             </a:extLst>
           </p:cNvPr>
@@ -3642,7 +3627,7 @@
           <a:bodyPr/>
           <a:lstStyle/>
           <a:p>
-            <a:fld id="{36B086C5-84CE-0244-A96A-F90743B3D0F1}" type="slidenum">
+            <a:fld id="{B283C9FD-EDE8-6042-B3E0-B1563EC930DE}" type="slidenum">
               <a:rPr kumimoji="1" lang="ja-JP" altLang="en-US" smtClean="0"/>
               <a:t>‹#›</a:t>
             </a:fld>
@@ -3653,7 +3638,7 @@
     </p:spTree>
     <p:extLst>
       <p:ext uri="{BB962C8B-B14F-4D97-AF65-F5344CB8AC3E}">
-        <p14:creationId xmlns:p14="http://schemas.microsoft.com/office/powerpoint/2010/main" val="3873791372"/>
+        <p14:creationId xmlns:p14="http://schemas.microsoft.com/office/powerpoint/2010/main" val="3646810196"/>
       </p:ext>
     </p:extLst>
   </p:cSld>
@@ -3690,7 +3675,7 @@
           <p:cNvPr id="2" name="タイトル プレースホルダー 1">
             <a:extLst>
               <a:ext uri="{FF2B5EF4-FFF2-40B4-BE49-F238E27FC236}">
-                <a16:creationId xmlns:a16="http://schemas.microsoft.com/office/drawing/2014/main" id="{F6FF65A5-C934-1C49-BBB2-12C2AD94E1D4}"/>
+                <a16:creationId xmlns:a16="http://schemas.microsoft.com/office/drawing/2014/main" id="{B5C6FDDA-32E0-9248-9493-055BCD288B0F}"/>
               </a:ext>
             </a:extLst>
           </p:cNvPr>
@@ -3728,7 +3713,7 @@
           <p:cNvPr id="3" name="テキスト プレースホルダー 2">
             <a:extLst>
               <a:ext uri="{FF2B5EF4-FFF2-40B4-BE49-F238E27FC236}">
-                <a16:creationId xmlns:a16="http://schemas.microsoft.com/office/drawing/2014/main" id="{50029562-A313-4540-9650-2AF5A4E770B2}"/>
+                <a16:creationId xmlns:a16="http://schemas.microsoft.com/office/drawing/2014/main" id="{D906209C-C4D1-8440-9C20-009976FE8A03}"/>
               </a:ext>
             </a:extLst>
           </p:cNvPr>
@@ -3827,7 +3812,7 @@
           <p:cNvPr id="4" name="日付プレースホルダー 3">
             <a:extLst>
               <a:ext uri="{FF2B5EF4-FFF2-40B4-BE49-F238E27FC236}">
-                <a16:creationId xmlns:a16="http://schemas.microsoft.com/office/drawing/2014/main" id="{2BEDF838-0DD6-D34F-B1F3-7FE95CF921CE}"/>
+                <a16:creationId xmlns:a16="http://schemas.microsoft.com/office/drawing/2014/main" id="{60B42CEC-38EA-F54F-A1B9-986DD36180A2}"/>
               </a:ext>
             </a:extLst>
           </p:cNvPr>
@@ -3861,9 +3846,9 @@
             </a:lvl1pPr>
           </a:lstStyle>
           <a:p>
-            <a:fld id="{B9148E87-D767-4243-9E31-2E6D394C8567}" type="datetimeFigureOut">
+            <a:fld id="{F13AAFB1-E51D-594B-AD26-63146CF050D6}" type="datetimeFigureOut">
               <a:rPr kumimoji="1" lang="ja-JP" altLang="en-US" smtClean="0"/>
-              <a:t>2021/11/17</a:t>
+              <a:t>2021/11/26</a:t>
             </a:fld>
             <a:endParaRPr kumimoji="1" lang="ja-JP" altLang="en-US"/>
           </a:p>
@@ -3874,7 +3859,7 @@
           <p:cNvPr id="5" name="フッター プレースホルダー 4">
             <a:extLst>
               <a:ext uri="{FF2B5EF4-FFF2-40B4-BE49-F238E27FC236}">
-                <a16:creationId xmlns:a16="http://schemas.microsoft.com/office/drawing/2014/main" id="{88F1AC2C-8D5F-414B-8509-D2184044A5EC}"/>
+                <a16:creationId xmlns:a16="http://schemas.microsoft.com/office/drawing/2014/main" id="{A7BAA268-BC9A-DA40-8833-BAA5AEA763DF}"/>
               </a:ext>
             </a:extLst>
           </p:cNvPr>
@@ -3917,7 +3902,7 @@
           <p:cNvPr id="6" name="スライド番号プレースホルダー 5">
             <a:extLst>
               <a:ext uri="{FF2B5EF4-FFF2-40B4-BE49-F238E27FC236}">
-                <a16:creationId xmlns:a16="http://schemas.microsoft.com/office/drawing/2014/main" id="{B627056E-572A-0542-8690-ED22B3B6AFFA}"/>
+                <a16:creationId xmlns:a16="http://schemas.microsoft.com/office/drawing/2014/main" id="{6802AFC6-E7BB-3A43-AC0B-B0E404BBF937}"/>
               </a:ext>
             </a:extLst>
           </p:cNvPr>
@@ -3951,7 +3936,7 @@
             </a:lvl1pPr>
           </a:lstStyle>
           <a:p>
-            <a:fld id="{36B086C5-84CE-0244-A96A-F90743B3D0F1}" type="slidenum">
+            <a:fld id="{B283C9FD-EDE8-6042-B3E0-B1563EC930DE}" type="slidenum">
               <a:rPr kumimoji="1" lang="ja-JP" altLang="en-US" smtClean="0"/>
               <a:t>‹#›</a:t>
             </a:fld>
@@ -3962,7 +3947,7 @@
     </p:spTree>
     <p:extLst>
       <p:ext uri="{BB962C8B-B14F-4D97-AF65-F5344CB8AC3E}">
-        <p14:creationId xmlns:p14="http://schemas.microsoft.com/office/powerpoint/2010/main" val="2915191480"/>
+        <p14:creationId xmlns:p14="http://schemas.microsoft.com/office/powerpoint/2010/main" val="2329087346"/>
       </p:ext>
     </p:extLst>
   </p:cSld>
@@ -4285,7 +4270,7 @@
           <p:cNvPr id="2" name="タイトル 1">
             <a:extLst>
               <a:ext uri="{FF2B5EF4-FFF2-40B4-BE49-F238E27FC236}">
-                <a16:creationId xmlns:a16="http://schemas.microsoft.com/office/drawing/2014/main" id="{9B1D7A41-B18F-4D4C-9F52-84D5CFFFCB44}"/>
+                <a16:creationId xmlns:a16="http://schemas.microsoft.com/office/drawing/2014/main" id="{F0699B2A-63F9-F445-9199-AF60FDF12252}"/>
               </a:ext>
             </a:extLst>
           </p:cNvPr>
@@ -4302,13 +4287,14 @@
           <a:lstStyle/>
           <a:p>
             <a:r>
-              <a:rPr kumimoji="1" lang="en-US" altLang="ja-JP" dirty="0"/>
+              <a:rPr lang="en-US" altLang="ja-JP" dirty="0"/>
               <a:t>R</a:t>
             </a:r>
             <a:r>
-              <a:rPr kumimoji="1" lang="ja-JP" altLang="en-US"/>
+              <a:rPr lang="ja-JP" altLang="en-US"/>
               <a:t>初心者講座第２４回</a:t>
             </a:r>
+            <a:endParaRPr kumimoji="1" lang="ja-JP" altLang="en-US"/>
           </a:p>
         </p:txBody>
       </p:sp>
@@ -4317,7 +4303,7 @@
           <p:cNvPr id="3" name="字幕 2">
             <a:extLst>
               <a:ext uri="{FF2B5EF4-FFF2-40B4-BE49-F238E27FC236}">
-                <a16:creationId xmlns:a16="http://schemas.microsoft.com/office/drawing/2014/main" id="{05D7D93A-BA42-5D47-893C-FE41C03A53E0}"/>
+                <a16:creationId xmlns:a16="http://schemas.microsoft.com/office/drawing/2014/main" id="{BC1F8B01-8BED-F344-83E9-93DCE19DE5F3}"/>
               </a:ext>
             </a:extLst>
           </p:cNvPr>
@@ -4335,7 +4321,7 @@
           <a:p>
             <a:r>
               <a:rPr kumimoji="1" lang="ja-JP" altLang="en-US"/>
-              <a:t>正規性のチェック</a:t>
+              <a:t>多重共線性</a:t>
             </a:r>
           </a:p>
         </p:txBody>
@@ -4343,437 +4329,7 @@
     </p:spTree>
     <p:extLst>
       <p:ext uri="{BB962C8B-B14F-4D97-AF65-F5344CB8AC3E}">
-        <p14:creationId xmlns:p14="http://schemas.microsoft.com/office/powerpoint/2010/main" val="2432279440"/>
-      </p:ext>
-    </p:extLst>
-  </p:cSld>
-  <p:clrMapOvr>
-    <a:masterClrMapping/>
-  </p:clrMapOvr>
-</p:sld>
-</file>
-
-<file path=ppt/slides/slide10.xml><?xml version="1.0" encoding="utf-8"?>
-<p:sld xmlns:a="http://schemas.openxmlformats.org/drawingml/2006/main" xmlns:r="http://schemas.openxmlformats.org/officeDocument/2006/relationships" xmlns:p="http://schemas.openxmlformats.org/presentationml/2006/main">
-  <p:cSld>
-    <p:spTree>
-      <p:nvGrpSpPr>
-        <p:cNvPr id="1" name=""/>
-        <p:cNvGrpSpPr/>
-        <p:nvPr/>
-      </p:nvGrpSpPr>
-      <p:grpSpPr>
-        <a:xfrm>
-          <a:off x="0" y="0"/>
-          <a:ext cx="0" cy="0"/>
-          <a:chOff x="0" y="0"/>
-          <a:chExt cx="0" cy="0"/>
-        </a:xfrm>
-      </p:grpSpPr>
-      <p:sp>
-        <p:nvSpPr>
-          <p:cNvPr id="2" name="タイトル 1">
-            <a:extLst>
-              <a:ext uri="{FF2B5EF4-FFF2-40B4-BE49-F238E27FC236}">
-                <a16:creationId xmlns:a16="http://schemas.microsoft.com/office/drawing/2014/main" id="{68BB739B-FF50-7947-89AB-1B70AF4DD3EA}"/>
-              </a:ext>
-            </a:extLst>
-          </p:cNvPr>
-          <p:cNvSpPr>
-            <a:spLocks noGrp="1"/>
-          </p:cNvSpPr>
-          <p:nvPr>
-            <p:ph type="title"/>
-          </p:nvPr>
-        </p:nvSpPr>
-        <p:spPr/>
-        <p:txBody>
-          <a:bodyPr/>
-          <a:lstStyle/>
-          <a:p>
-            <a:r>
-              <a:rPr lang="ja-JP" altLang="en-US"/>
-              <a:t>正規性のチェック</a:t>
-            </a:r>
-            <a:endParaRPr kumimoji="1" lang="ja-JP" altLang="en-US"/>
-          </a:p>
-        </p:txBody>
-      </p:sp>
-      <p:sp>
-        <p:nvSpPr>
-          <p:cNvPr id="3" name="コンテンツ プレースホルダー 2">
-            <a:extLst>
-              <a:ext uri="{FF2B5EF4-FFF2-40B4-BE49-F238E27FC236}">
-                <a16:creationId xmlns:a16="http://schemas.microsoft.com/office/drawing/2014/main" id="{B7EB713B-B0D0-A347-9D4F-48B4383A8075}"/>
-              </a:ext>
-            </a:extLst>
-          </p:cNvPr>
-          <p:cNvSpPr>
-            <a:spLocks noGrp="1"/>
-          </p:cNvSpPr>
-          <p:nvPr>
-            <p:ph idx="1"/>
-          </p:nvPr>
-        </p:nvSpPr>
-        <p:spPr>
-          <a:xfrm>
-            <a:off x="838200" y="1825625"/>
-            <a:ext cx="10756900" cy="4351338"/>
-          </a:xfrm>
-        </p:spPr>
-        <p:txBody>
-          <a:bodyPr>
-            <a:normAutofit/>
-          </a:bodyPr>
-          <a:lstStyle/>
-          <a:p>
-            <a:r>
-              <a:rPr lang="ja-JP" altLang="en-US">
-                <a:solidFill>
-                  <a:schemeClr val="bg2">
-                    <a:lumMod val="50000"/>
-                  </a:schemeClr>
-                </a:solidFill>
-              </a:rPr>
-              <a:t>まず</a:t>
-            </a:r>
-            <a:r>
-              <a:rPr lang="en-US" altLang="ja-JP" dirty="0">
-                <a:solidFill>
-                  <a:schemeClr val="bg2">
-                    <a:lumMod val="50000"/>
-                  </a:schemeClr>
-                </a:solidFill>
-              </a:rPr>
-              <a:t>plot</a:t>
-            </a:r>
-            <a:r>
-              <a:rPr lang="ja-JP" altLang="en-US">
-                <a:solidFill>
-                  <a:schemeClr val="bg2">
-                    <a:lumMod val="50000"/>
-                  </a:schemeClr>
-                </a:solidFill>
-              </a:rPr>
-              <a:t>して可視化</a:t>
-            </a:r>
-            <a:endParaRPr lang="en-US" altLang="ja-JP" dirty="0">
-              <a:solidFill>
-                <a:schemeClr val="bg2">
-                  <a:lumMod val="50000"/>
-                </a:schemeClr>
-              </a:solidFill>
-            </a:endParaRPr>
-          </a:p>
-          <a:p>
-            <a:endParaRPr lang="en-US" altLang="ja-JP" dirty="0"/>
-          </a:p>
-          <a:p>
-            <a:r>
-              <a:rPr lang="ja-JP" altLang="en-US">
-                <a:solidFill>
-                  <a:schemeClr val="bg2">
-                    <a:lumMod val="50000"/>
-                  </a:schemeClr>
-                </a:solidFill>
-              </a:rPr>
-              <a:t>分布からずれていないかチェックのプロット</a:t>
-            </a:r>
-            <a:r>
-              <a:rPr lang="en-US" altLang="ja-JP" dirty="0" err="1">
-                <a:solidFill>
-                  <a:schemeClr val="bg2">
-                    <a:lumMod val="50000"/>
-                  </a:schemeClr>
-                </a:solidFill>
-              </a:rPr>
-              <a:t>QQplot</a:t>
-            </a:r>
-            <a:endParaRPr lang="en-US" altLang="ja-JP" dirty="0">
-              <a:solidFill>
-                <a:schemeClr val="bg2">
-                  <a:lumMod val="50000"/>
-                </a:schemeClr>
-              </a:solidFill>
-            </a:endParaRPr>
-          </a:p>
-          <a:p>
-            <a:pPr marL="457200" lvl="1" indent="0">
-              <a:buNone/>
-            </a:pPr>
-            <a:endParaRPr lang="en-US" altLang="ja-JP" dirty="0">
-              <a:solidFill>
-                <a:schemeClr val="bg2">
-                  <a:lumMod val="50000"/>
-                </a:schemeClr>
-              </a:solidFill>
-            </a:endParaRPr>
-          </a:p>
-          <a:p>
-            <a:r>
-              <a:rPr lang="en-US" altLang="ja-JP" dirty="0"/>
-              <a:t>Shapiro-Wilk</a:t>
-            </a:r>
-            <a:r>
-              <a:rPr lang="ja-JP" altLang="en-US"/>
-              <a:t>検定</a:t>
-            </a:r>
-            <a:endParaRPr lang="en-US" altLang="ja-JP" dirty="0"/>
-          </a:p>
-        </p:txBody>
-      </p:sp>
-    </p:spTree>
-    <p:extLst>
-      <p:ext uri="{BB962C8B-B14F-4D97-AF65-F5344CB8AC3E}">
-        <p14:creationId xmlns:p14="http://schemas.microsoft.com/office/powerpoint/2010/main" val="3759911444"/>
-      </p:ext>
-    </p:extLst>
-  </p:cSld>
-  <p:clrMapOvr>
-    <a:masterClrMapping/>
-  </p:clrMapOvr>
-</p:sld>
-</file>
-
-<file path=ppt/slides/slide11.xml><?xml version="1.0" encoding="utf-8"?>
-<p:sld xmlns:a="http://schemas.openxmlformats.org/drawingml/2006/main" xmlns:r="http://schemas.openxmlformats.org/officeDocument/2006/relationships" xmlns:p="http://schemas.openxmlformats.org/presentationml/2006/main">
-  <p:cSld>
-    <p:spTree>
-      <p:nvGrpSpPr>
-        <p:cNvPr id="1" name=""/>
-        <p:cNvGrpSpPr/>
-        <p:nvPr/>
-      </p:nvGrpSpPr>
-      <p:grpSpPr>
-        <a:xfrm>
-          <a:off x="0" y="0"/>
-          <a:ext cx="0" cy="0"/>
-          <a:chOff x="0" y="0"/>
-          <a:chExt cx="0" cy="0"/>
-        </a:xfrm>
-      </p:grpSpPr>
-      <p:sp>
-        <p:nvSpPr>
-          <p:cNvPr id="2" name="タイトル 1">
-            <a:extLst>
-              <a:ext uri="{FF2B5EF4-FFF2-40B4-BE49-F238E27FC236}">
-                <a16:creationId xmlns:a16="http://schemas.microsoft.com/office/drawing/2014/main" id="{8021A45D-E4FF-5A46-91C6-E4BEF315A871}"/>
-              </a:ext>
-            </a:extLst>
-          </p:cNvPr>
-          <p:cNvSpPr>
-            <a:spLocks noGrp="1"/>
-          </p:cNvSpPr>
-          <p:nvPr>
-            <p:ph type="title"/>
-          </p:nvPr>
-        </p:nvSpPr>
-        <p:spPr/>
-        <p:txBody>
-          <a:bodyPr/>
-          <a:lstStyle/>
-          <a:p>
-            <a:r>
-              <a:rPr kumimoji="1" lang="en-US" altLang="ja-JP" dirty="0"/>
-              <a:t>Shapiro-Wi</a:t>
-            </a:r>
-            <a:r>
-              <a:rPr lang="en-US" altLang="ja-JP" dirty="0"/>
-              <a:t>lk</a:t>
-            </a:r>
-            <a:r>
-              <a:rPr lang="ja-JP" altLang="en-US"/>
-              <a:t>検定</a:t>
-            </a:r>
-            <a:endParaRPr kumimoji="1" lang="ja-JP" altLang="en-US"/>
-          </a:p>
-        </p:txBody>
-      </p:sp>
-      <p:sp>
-        <p:nvSpPr>
-          <p:cNvPr id="3" name="コンテンツ プレースホルダー 2">
-            <a:extLst>
-              <a:ext uri="{FF2B5EF4-FFF2-40B4-BE49-F238E27FC236}">
-                <a16:creationId xmlns:a16="http://schemas.microsoft.com/office/drawing/2014/main" id="{929FB2F8-884F-DB42-8889-1307E783A82A}"/>
-              </a:ext>
-            </a:extLst>
-          </p:cNvPr>
-          <p:cNvSpPr>
-            <a:spLocks noGrp="1"/>
-          </p:cNvSpPr>
-          <p:nvPr>
-            <p:ph idx="1"/>
-          </p:nvPr>
-        </p:nvSpPr>
-        <p:spPr/>
-        <p:txBody>
-          <a:bodyPr>
-            <a:normAutofit fontScale="70000" lnSpcReduction="20000"/>
-          </a:bodyPr>
-          <a:lstStyle/>
-          <a:p>
-            <a:r>
-              <a:rPr lang="ja-JP" altLang="en-US"/>
-              <a:t>得られたデータが正規分布に従うものか否かを調べる検定．</a:t>
-            </a:r>
-            <a:r>
-              <a:rPr lang="en-US" altLang="ja-JP" dirty="0"/>
-              <a:t>p</a:t>
-            </a:r>
-            <a:r>
-              <a:rPr lang="ja-JP" altLang="en-US"/>
-              <a:t>値によってデータが正規分布に従っているかを定量的に確認．</a:t>
-            </a:r>
-            <a:endParaRPr lang="en-US" altLang="ja-JP" dirty="0"/>
-          </a:p>
-          <a:p>
-            <a:endParaRPr kumimoji="1" lang="en-US" altLang="ja-JP" dirty="0"/>
-          </a:p>
-          <a:p>
-            <a:r>
-              <a:rPr lang="ja-JP" altLang="en-US"/>
-              <a:t>帰無仮説は「データが正規分布に従って分布する」</a:t>
-            </a:r>
-            <a:endParaRPr lang="en-US" altLang="ja-JP" dirty="0"/>
-          </a:p>
-          <a:p>
-            <a:endParaRPr lang="en-US" altLang="ja-JP" dirty="0"/>
-          </a:p>
-          <a:p>
-            <a:r>
-              <a:rPr lang="en-US" altLang="ja-JP" dirty="0" err="1"/>
-              <a:t>shapiro.test</a:t>
-            </a:r>
-            <a:r>
-              <a:rPr lang="ja-JP" altLang="en-US"/>
-              <a:t>関数で引数に残差．</a:t>
-            </a:r>
-            <a:endParaRPr lang="en-US" altLang="ja-JP" dirty="0"/>
-          </a:p>
-          <a:p>
-            <a:endParaRPr kumimoji="1" lang="en-US" altLang="ja-JP" dirty="0"/>
-          </a:p>
-          <a:p>
-            <a:endParaRPr kumimoji="1" lang="en-US" altLang="ja-JP" dirty="0"/>
-          </a:p>
-          <a:p>
-            <a:endParaRPr lang="en-US" altLang="ja-JP" dirty="0"/>
-          </a:p>
-          <a:p>
-            <a:endParaRPr lang="en-US" altLang="ja-JP" dirty="0"/>
-          </a:p>
-          <a:p>
-            <a:endParaRPr kumimoji="1" lang="en-US" altLang="ja-JP" dirty="0"/>
-          </a:p>
-          <a:p>
-            <a:r>
-              <a:rPr lang="ja-JP" altLang="en-US"/>
-              <a:t>この場合、有意水準</a:t>
-            </a:r>
-            <a:r>
-              <a:rPr lang="en-US" altLang="ja-JP" dirty="0"/>
-              <a:t>5%</a:t>
-            </a:r>
-            <a:r>
-              <a:rPr lang="ja-JP" altLang="en-US"/>
-              <a:t>とすると、帰無仮説を棄却できない．すなわち、残差は正規分布に従っていない、とはいえない．</a:t>
-            </a:r>
-            <a:endParaRPr kumimoji="1" lang="ja-JP" altLang="en-US"/>
-          </a:p>
-        </p:txBody>
-      </p:sp>
-      <p:sp>
-        <p:nvSpPr>
-          <p:cNvPr id="4" name="正方形/長方形 3">
-            <a:extLst>
-              <a:ext uri="{FF2B5EF4-FFF2-40B4-BE49-F238E27FC236}">
-                <a16:creationId xmlns:a16="http://schemas.microsoft.com/office/drawing/2014/main" id="{9A0B37BF-DF44-4C49-A0C7-B382023DCA3F}"/>
-              </a:ext>
-            </a:extLst>
-          </p:cNvPr>
-          <p:cNvSpPr/>
-          <p:nvPr/>
-        </p:nvSpPr>
-        <p:spPr>
-          <a:xfrm>
-            <a:off x="1866900" y="3592374"/>
-            <a:ext cx="6096000" cy="1754326"/>
-          </a:xfrm>
-          <a:prstGeom prst="rect">
-            <a:avLst/>
-          </a:prstGeom>
-        </p:spPr>
-        <p:txBody>
-          <a:bodyPr wrap="square">
-            <a:spAutoFit/>
-          </a:bodyPr>
-          <a:lstStyle/>
-          <a:p>
-            <a:r>
-              <a:rPr lang="ja-JP" altLang="en-US"/>
-              <a:t>&gt; shapiro.test(x=res_lm$residuals)</a:t>
-            </a:r>
-          </a:p>
-          <a:p>
-            <a:endParaRPr lang="ja-JP" altLang="en-US"/>
-          </a:p>
-          <a:p>
-            <a:r>
-              <a:rPr lang="ja-JP" altLang="en-US"/>
-              <a:t>	Shapiro-Wilk normality test</a:t>
-            </a:r>
-          </a:p>
-          <a:p>
-            <a:endParaRPr lang="ja-JP" altLang="en-US"/>
-          </a:p>
-          <a:p>
-            <a:r>
-              <a:rPr lang="ja-JP" altLang="en-US"/>
-              <a:t>data:  res_lm$residuals</a:t>
-            </a:r>
-          </a:p>
-          <a:p>
-            <a:r>
-              <a:rPr lang="ja-JP" altLang="en-US"/>
-              <a:t>W = 0.9992, p-value = 0.2041</a:t>
-            </a:r>
-          </a:p>
-        </p:txBody>
-      </p:sp>
-      <p:pic>
-        <p:nvPicPr>
-          <p:cNvPr id="5" name="図 4">
-            <a:extLst>
-              <a:ext uri="{FF2B5EF4-FFF2-40B4-BE49-F238E27FC236}">
-                <a16:creationId xmlns:a16="http://schemas.microsoft.com/office/drawing/2014/main" id="{4A6777C8-1A2C-304D-B190-F0372F1983D3}"/>
-              </a:ext>
-            </a:extLst>
-          </p:cNvPr>
-          <p:cNvPicPr>
-            <a:picLocks noChangeAspect="1"/>
-          </p:cNvPicPr>
-          <p:nvPr/>
-        </p:nvPicPr>
-        <p:blipFill>
-          <a:blip r:embed="rId2"/>
-          <a:stretch>
-            <a:fillRect/>
-          </a:stretch>
-        </p:blipFill>
-        <p:spPr>
-          <a:xfrm>
-            <a:off x="7336716" y="2204275"/>
-            <a:ext cx="4324575" cy="3142425"/>
-          </a:xfrm>
-          <a:prstGeom prst="rect">
-            <a:avLst/>
-          </a:prstGeom>
-        </p:spPr>
-      </p:pic>
-    </p:spTree>
-    <p:extLst>
-      <p:ext uri="{BB962C8B-B14F-4D97-AF65-F5344CB8AC3E}">
-        <p14:creationId xmlns:p14="http://schemas.microsoft.com/office/powerpoint/2010/main" val="3976745622"/>
+        <p14:creationId xmlns:p14="http://schemas.microsoft.com/office/powerpoint/2010/main" val="920295292"/>
       </p:ext>
     </p:extLst>
   </p:cSld>
@@ -4805,7 +4361,7 @@
           <p:cNvPr id="2" name="タイトル 1">
             <a:extLst>
               <a:ext uri="{FF2B5EF4-FFF2-40B4-BE49-F238E27FC236}">
-                <a16:creationId xmlns:a16="http://schemas.microsoft.com/office/drawing/2014/main" id="{68BB739B-FF50-7947-89AB-1B70AF4DD3EA}"/>
+                <a16:creationId xmlns:a16="http://schemas.microsoft.com/office/drawing/2014/main" id="{4F724FC6-68AC-DD44-848F-A8479EE585EC}"/>
               </a:ext>
             </a:extLst>
           </p:cNvPr>
@@ -4823,7 +4379,7 @@
           <a:p>
             <a:r>
               <a:rPr kumimoji="1" lang="ja-JP" altLang="en-US"/>
-              <a:t>モデルの結果の診断</a:t>
+              <a:t>説明変数の数と説明力・予測力</a:t>
             </a:r>
           </a:p>
         </p:txBody>
@@ -4833,7 +4389,7 @@
           <p:cNvPr id="3" name="コンテンツ プレースホルダー 2">
             <a:extLst>
               <a:ext uri="{FF2B5EF4-FFF2-40B4-BE49-F238E27FC236}">
-                <a16:creationId xmlns:a16="http://schemas.microsoft.com/office/drawing/2014/main" id="{B7EB713B-B0D0-A347-9D4F-48B4383A8075}"/>
+                <a16:creationId xmlns:a16="http://schemas.microsoft.com/office/drawing/2014/main" id="{FDC69433-5A2E-894F-BCDA-395F53263D77}"/>
               </a:ext>
             </a:extLst>
           </p:cNvPr>
@@ -4844,21 +4400,30 @@
             <p:ph idx="1"/>
           </p:nvPr>
         </p:nvSpPr>
-        <p:spPr>
-          <a:xfrm>
-            <a:off x="838200" y="1825625"/>
-            <a:ext cx="10756900" cy="4351338"/>
-          </a:xfrm>
-        </p:spPr>
-        <p:txBody>
-          <a:bodyPr>
-            <a:normAutofit lnSpcReduction="10000"/>
-          </a:bodyPr>
+        <p:spPr/>
+        <p:txBody>
+          <a:bodyPr/>
           <a:lstStyle/>
           <a:p>
             <a:r>
               <a:rPr lang="ja-JP" altLang="en-US"/>
-              <a:t>線形モデルでも一般化線形モデルでも、目的（応答）変数を説明変数で予測するが、予測値と目的変数にはズレ（誤差）が出る．</a:t>
+              <a:t>回帰分析では説明変数が増えれば残差</a:t>
+            </a:r>
+            <a:r>
+              <a:rPr lang="en-US" altLang="ja-JP" dirty="0"/>
+              <a:t>(</a:t>
+            </a:r>
+            <a:r>
+              <a:rPr lang="ja-JP" altLang="en-US"/>
+              <a:t>逸脱度</a:t>
+            </a:r>
+            <a:r>
+              <a:rPr lang="en-US" altLang="ja-JP" dirty="0"/>
+              <a:t>)</a:t>
+            </a:r>
+            <a:r>
+              <a:rPr lang="ja-JP" altLang="en-US"/>
+              <a:t>は小さくなる．</a:t>
             </a:r>
             <a:endParaRPr lang="en-US" altLang="ja-JP" dirty="0"/>
           </a:p>
@@ -4868,58 +4433,136 @@
           <a:p>
             <a:r>
               <a:rPr lang="ja-JP" altLang="en-US"/>
-              <a:t>誤差が小さく、未観測データでハズレない（汎化性能が高い）モデルが情報量規準などで選ばれる．</a:t>
+              <a:t>目的変数の説明に対する寄与が小さい説明変数はむやみに増やさない．</a:t>
             </a:r>
             <a:endParaRPr lang="en-US" altLang="ja-JP" dirty="0"/>
           </a:p>
           <a:p>
+            <a:pPr lvl="1"/>
+            <a:r>
+              <a:rPr lang="en-US" altLang="ja-JP" dirty="0"/>
+              <a:t>AIC</a:t>
+            </a:r>
+            <a:r>
+              <a:rPr lang="ja-JP" altLang="en-US"/>
+              <a:t>を基準に説明変数を選択．</a:t>
+            </a:r>
             <a:endParaRPr lang="en-US" altLang="ja-JP" dirty="0"/>
           </a:p>
           <a:p>
+            <a:pPr lvl="1"/>
+            <a:r>
+              <a:rPr lang="en-US" altLang="ja-JP" dirty="0"/>
+              <a:t>LM</a:t>
+            </a:r>
             <a:r>
               <a:rPr lang="ja-JP" altLang="en-US"/>
-              <a:t>では、誤差はどれくらい小さいのか？</a:t>
+              <a:t>で無相関検定の検定量</a:t>
+            </a:r>
+            <a:r>
+              <a:rPr lang="en-US" altLang="ja-JP" dirty="0"/>
+              <a:t>(t</a:t>
+            </a:r>
+            <a:r>
+              <a:rPr lang="ja-JP" altLang="en-US"/>
+              <a:t>値</a:t>
+            </a:r>
+            <a:r>
+              <a:rPr lang="en-US" altLang="ja-JP" dirty="0"/>
+              <a:t>)</a:t>
+            </a:r>
+            <a:r>
+              <a:rPr lang="ja-JP" altLang="en-US"/>
+              <a:t>や</a:t>
+            </a:r>
+            <a:r>
+              <a:rPr lang="en-US" altLang="ja-JP" dirty="0"/>
+              <a:t>GLM</a:t>
+            </a:r>
+            <a:r>
+              <a:rPr lang="ja-JP" altLang="en-US"/>
+              <a:t>で</a:t>
+            </a:r>
+            <a:r>
+              <a:rPr lang="en-US" altLang="ja-JP" dirty="0" err="1"/>
+              <a:t>wald</a:t>
+            </a:r>
+            <a:r>
+              <a:rPr lang="ja-JP" altLang="en-US"/>
+              <a:t>検定量</a:t>
+            </a:r>
+            <a:r>
+              <a:rPr lang="en-US" altLang="ja-JP" dirty="0"/>
+              <a:t>(z</a:t>
+            </a:r>
+            <a:r>
+              <a:rPr lang="ja-JP" altLang="en-US"/>
+              <a:t>値</a:t>
+            </a:r>
+            <a:r>
+              <a:rPr lang="en-US" altLang="ja-JP" dirty="0"/>
+              <a:t>)</a:t>
+            </a:r>
+            <a:r>
+              <a:rPr lang="ja-JP" altLang="en-US"/>
+              <a:t>の</a:t>
+            </a:r>
+            <a:r>
+              <a:rPr lang="en-US" altLang="ja-JP" dirty="0"/>
+              <a:t>p</a:t>
+            </a:r>
+            <a:r>
+              <a:rPr lang="ja-JP" altLang="en-US"/>
+              <a:t>値で判断．</a:t>
             </a:r>
             <a:endParaRPr lang="en-US" altLang="ja-JP" dirty="0"/>
           </a:p>
           <a:p>
-            <a:pPr marL="0" indent="0">
-              <a:buNone/>
-            </a:pPr>
+            <a:pPr lvl="2"/>
+            <a:r>
+              <a:rPr lang="ja-JP" altLang="en-US"/>
+              <a:t>推定された係数</a:t>
+            </a:r>
             <a:r>
               <a:rPr lang="en-US" altLang="ja-JP" dirty="0"/>
-              <a:t>	</a:t>
+              <a:t>(Estimated)</a:t>
             </a:r>
             <a:r>
               <a:rPr lang="ja-JP" altLang="en-US"/>
-              <a:t>→残差プロット</a:t>
+              <a:t>に対して推定誤差</a:t>
+            </a:r>
+            <a:r>
+              <a:rPr lang="en-US" altLang="ja-JP" dirty="0"/>
+              <a:t>(Std Error)</a:t>
+            </a:r>
+            <a:r>
+              <a:rPr lang="ja-JP" altLang="en-US"/>
+              <a:t>が大きいかどうか．</a:t>
             </a:r>
             <a:endParaRPr lang="en-US" altLang="ja-JP" dirty="0"/>
           </a:p>
           <a:p>
-            <a:r>
-              <a:rPr lang="ja-JP" altLang="en-US"/>
-              <a:t>予測値と目的変数のズレは誤差構造にちゃんと従ってる？　</a:t>
-            </a:r>
-            <a:endParaRPr lang="en-US" altLang="ja-JP" dirty="0"/>
-          </a:p>
-          <a:p>
-            <a:pPr lvl="1"/>
-            <a:r>
-              <a:rPr lang="ja-JP" altLang="en-US"/>
-              <a:t>線形モデルでは、ズレは正規分布に従っているか？</a:t>
-            </a:r>
-            <a:endParaRPr lang="en-US" altLang="ja-JP" dirty="0"/>
-          </a:p>
-          <a:p>
-            <a:endParaRPr lang="en-US" altLang="ja-JP" dirty="0"/>
+            <a:endParaRPr kumimoji="1" lang="en-US" altLang="ja-JP" dirty="0"/>
+          </a:p>
+          <a:p>
+            <a:r>
+              <a:rPr kumimoji="1" lang="ja-JP" altLang="en-US"/>
+              <a:t>説明変数同士に相関が高い場合も気をつける．</a:t>
+            </a:r>
+            <a:endParaRPr kumimoji="1" lang="en-US" altLang="ja-JP" dirty="0"/>
+          </a:p>
+          <a:p>
+            <a:endParaRPr kumimoji="1" lang="en-US" altLang="ja-JP" dirty="0"/>
+          </a:p>
+          <a:p>
+            <a:endParaRPr kumimoji="1" lang="ja-JP" altLang="en-US"/>
           </a:p>
         </p:txBody>
       </p:sp>
     </p:spTree>
     <p:extLst>
       <p:ext uri="{BB962C8B-B14F-4D97-AF65-F5344CB8AC3E}">
-        <p14:creationId xmlns:p14="http://schemas.microsoft.com/office/powerpoint/2010/main" val="1501767664"/>
+        <p14:creationId xmlns:p14="http://schemas.microsoft.com/office/powerpoint/2010/main" val="38973778"/>
       </p:ext>
     </p:extLst>
   </p:cSld>
@@ -4951,7 +4594,7 @@
           <p:cNvPr id="2" name="タイトル 1">
             <a:extLst>
               <a:ext uri="{FF2B5EF4-FFF2-40B4-BE49-F238E27FC236}">
-                <a16:creationId xmlns:a16="http://schemas.microsoft.com/office/drawing/2014/main" id="{68BB739B-FF50-7947-89AB-1B70AF4DD3EA}"/>
+                <a16:creationId xmlns:a16="http://schemas.microsoft.com/office/drawing/2014/main" id="{5A8207F3-6AF4-9C42-91D3-48B9B0A6A453}"/>
               </a:ext>
             </a:extLst>
           </p:cNvPr>
@@ -4969,8 +4612,13 @@
           <a:p>
             <a:r>
               <a:rPr kumimoji="1" lang="ja-JP" altLang="en-US"/>
-              <a:t>正規性のチェック</a:t>
-            </a:r>
+              <a:t>多重共線性　</a:t>
+            </a:r>
+            <a:r>
+              <a:rPr kumimoji="1" lang="en-US" altLang="ja-JP" dirty="0"/>
+              <a:t>(Multi-collinearity)</a:t>
+            </a:r>
+            <a:endParaRPr kumimoji="1" lang="ja-JP" altLang="en-US"/>
           </a:p>
         </p:txBody>
       </p:sp>
@@ -4979,7 +4627,7 @@
           <p:cNvPr id="3" name="コンテンツ プレースホルダー 2">
             <a:extLst>
               <a:ext uri="{FF2B5EF4-FFF2-40B4-BE49-F238E27FC236}">
-                <a16:creationId xmlns:a16="http://schemas.microsoft.com/office/drawing/2014/main" id="{B7EB713B-B0D0-A347-9D4F-48B4383A8075}"/>
+                <a16:creationId xmlns:a16="http://schemas.microsoft.com/office/drawing/2014/main" id="{A5CDEF08-4F10-0843-8154-1D98EF69CDC4}"/>
               </a:ext>
             </a:extLst>
           </p:cNvPr>
@@ -4989,112 +4637,581 @@
           <p:nvPr>
             <p:ph idx="1"/>
           </p:nvPr>
+        </p:nvSpPr>
+        <p:spPr/>
+        <p:txBody>
+          <a:bodyPr>
+            <a:normAutofit fontScale="92500" lnSpcReduction="20000"/>
+          </a:bodyPr>
+          <a:lstStyle/>
+          <a:p>
+            <a:r>
+              <a:rPr lang="ja-JP" altLang="en-US"/>
+              <a:t>相関の高い説明変数があると、係数の推定が不安定になる．</a:t>
+            </a:r>
+            <a:endParaRPr lang="en-US" altLang="ja-JP" dirty="0"/>
+          </a:p>
+          <a:p>
+            <a:endParaRPr kumimoji="1" lang="en-US" altLang="ja-JP" dirty="0"/>
+          </a:p>
+          <a:p>
+            <a:endParaRPr kumimoji="1" lang="en-US" altLang="ja-JP" dirty="0"/>
+          </a:p>
+          <a:p>
+            <a:endParaRPr lang="en-US" altLang="ja-JP" dirty="0"/>
+          </a:p>
+          <a:p>
+            <a:endParaRPr kumimoji="1" lang="en-US" altLang="ja-JP" dirty="0"/>
+          </a:p>
+          <a:p>
+            <a:endParaRPr lang="en-US" altLang="ja-JP" dirty="0"/>
+          </a:p>
+          <a:p>
+            <a:endParaRPr kumimoji="1" lang="en-US" altLang="ja-JP" dirty="0"/>
+          </a:p>
+          <a:p>
+            <a:endParaRPr lang="en-US" altLang="ja-JP" dirty="0"/>
+          </a:p>
+          <a:p>
+            <a:endParaRPr lang="en-US" altLang="ja-JP" dirty="0"/>
+          </a:p>
+          <a:p>
+            <a:pPr lvl="1"/>
+            <a:r>
+              <a:rPr lang="en-US" altLang="ja-JP" dirty="0" err="1"/>
+              <a:t>e.x</a:t>
+            </a:r>
+            <a:r>
+              <a:rPr lang="en-US" altLang="ja-JP" dirty="0"/>
+              <a:t>.) </a:t>
+            </a:r>
+            <a:r>
+              <a:rPr lang="ja-JP" altLang="en-US"/>
+              <a:t>屋外の日陰にある飼育水槽の水温を気温、日射量で説明する場合など</a:t>
+            </a:r>
+            <a:endParaRPr lang="en-US" altLang="ja-JP" dirty="0"/>
+          </a:p>
+          <a:p>
+            <a:r>
+              <a:rPr kumimoji="1" lang="ja-JP" altLang="en-US"/>
+              <a:t>回帰分析の際に、説明変数同士の相関をチェック．</a:t>
+            </a:r>
+          </a:p>
+        </p:txBody>
+      </p:sp>
+      <p:sp>
+        <p:nvSpPr>
+          <p:cNvPr id="4" name="円/楕円 3">
+            <a:extLst>
+              <a:ext uri="{FF2B5EF4-FFF2-40B4-BE49-F238E27FC236}">
+                <a16:creationId xmlns:a16="http://schemas.microsoft.com/office/drawing/2014/main" id="{C0FCE579-A876-1D4D-9D68-F23BAB17B627}"/>
+              </a:ext>
+            </a:extLst>
+          </p:cNvPr>
+          <p:cNvSpPr/>
+          <p:nvPr/>
         </p:nvSpPr>
         <p:spPr>
           <a:xfrm>
-            <a:off x="838200" y="1825625"/>
-            <a:ext cx="10756900" cy="4351338"/>
+            <a:off x="7373073" y="2777923"/>
+            <a:ext cx="1006997" cy="1006997"/>
           </a:xfrm>
+          <a:prstGeom prst="ellipse">
+            <a:avLst/>
+          </a:prstGeom>
         </p:spPr>
-        <p:txBody>
-          <a:bodyPr>
-            <a:normAutofit/>
+        <p:style>
+          <a:lnRef idx="2">
+            <a:schemeClr val="accent1">
+              <a:shade val="50000"/>
+            </a:schemeClr>
+          </a:lnRef>
+          <a:fillRef idx="1">
+            <a:schemeClr val="accent1"/>
+          </a:fillRef>
+          <a:effectRef idx="0">
+            <a:schemeClr val="accent1"/>
+          </a:effectRef>
+          <a:fontRef idx="minor">
+            <a:schemeClr val="lt1"/>
+          </a:fontRef>
+        </p:style>
+        <p:txBody>
+          <a:bodyPr rtlCol="0" anchor="ctr"/>
+          <a:lstStyle/>
+          <a:p>
+            <a:pPr algn="ctr"/>
+            <a:r>
+              <a:rPr kumimoji="1" lang="ja-JP" altLang="en-US"/>
+              <a:t>目的変数</a:t>
+            </a:r>
+          </a:p>
+        </p:txBody>
+      </p:sp>
+      <p:sp>
+        <p:nvSpPr>
+          <p:cNvPr id="5" name="角丸四角形 4">
+            <a:extLst>
+              <a:ext uri="{FF2B5EF4-FFF2-40B4-BE49-F238E27FC236}">
+                <a16:creationId xmlns:a16="http://schemas.microsoft.com/office/drawing/2014/main" id="{F9929345-FF6F-AF44-BF0E-E17109098771}"/>
+              </a:ext>
+            </a:extLst>
+          </p:cNvPr>
+          <p:cNvSpPr/>
+          <p:nvPr/>
+        </p:nvSpPr>
+        <p:spPr>
+          <a:xfrm>
+            <a:off x="3495555" y="2471869"/>
+            <a:ext cx="1423686" cy="671331"/>
+          </a:xfrm>
+          <a:prstGeom prst="roundRect">
+            <a:avLst/>
+          </a:prstGeom>
+        </p:spPr>
+        <p:style>
+          <a:lnRef idx="2">
+            <a:schemeClr val="accent1">
+              <a:shade val="50000"/>
+            </a:schemeClr>
+          </a:lnRef>
+          <a:fillRef idx="1">
+            <a:schemeClr val="accent1"/>
+          </a:fillRef>
+          <a:effectRef idx="0">
+            <a:schemeClr val="accent1"/>
+          </a:effectRef>
+          <a:fontRef idx="minor">
+            <a:schemeClr val="lt1"/>
+          </a:fontRef>
+        </p:style>
+        <p:txBody>
+          <a:bodyPr rtlCol="0" anchor="ctr"/>
+          <a:lstStyle/>
+          <a:p>
+            <a:pPr algn="ctr"/>
+            <a:r>
+              <a:rPr kumimoji="1" lang="ja-JP" altLang="en-US"/>
+              <a:t>説明変数１</a:t>
+            </a:r>
+          </a:p>
+        </p:txBody>
+      </p:sp>
+      <p:sp>
+        <p:nvSpPr>
+          <p:cNvPr id="6" name="角丸四角形 5">
+            <a:extLst>
+              <a:ext uri="{FF2B5EF4-FFF2-40B4-BE49-F238E27FC236}">
+                <a16:creationId xmlns:a16="http://schemas.microsoft.com/office/drawing/2014/main" id="{866B3623-DD7E-4540-9078-C4C12A8D5059}"/>
+              </a:ext>
+            </a:extLst>
+          </p:cNvPr>
+          <p:cNvSpPr/>
+          <p:nvPr/>
+        </p:nvSpPr>
+        <p:spPr>
+          <a:xfrm>
+            <a:off x="3505628" y="3533170"/>
+            <a:ext cx="1423686" cy="671331"/>
+          </a:xfrm>
+          <a:prstGeom prst="roundRect">
+            <a:avLst/>
+          </a:prstGeom>
+        </p:spPr>
+        <p:style>
+          <a:lnRef idx="2">
+            <a:schemeClr val="accent1">
+              <a:shade val="50000"/>
+            </a:schemeClr>
+          </a:lnRef>
+          <a:fillRef idx="1">
+            <a:schemeClr val="accent1"/>
+          </a:fillRef>
+          <a:effectRef idx="0">
+            <a:schemeClr val="accent1"/>
+          </a:effectRef>
+          <a:fontRef idx="minor">
+            <a:schemeClr val="lt1"/>
+          </a:fontRef>
+        </p:style>
+        <p:txBody>
+          <a:bodyPr rtlCol="0" anchor="ctr"/>
+          <a:lstStyle/>
+          <a:p>
+            <a:pPr algn="ctr"/>
+            <a:r>
+              <a:rPr kumimoji="1" lang="ja-JP" altLang="en-US"/>
+              <a:t>説明変数２</a:t>
+            </a:r>
+          </a:p>
+        </p:txBody>
+      </p:sp>
+      <p:sp>
+        <p:nvSpPr>
+          <p:cNvPr id="7" name="角丸四角形 6">
+            <a:extLst>
+              <a:ext uri="{FF2B5EF4-FFF2-40B4-BE49-F238E27FC236}">
+                <a16:creationId xmlns:a16="http://schemas.microsoft.com/office/drawing/2014/main" id="{5FD02B92-BC24-2149-AE4E-824D2D851EDB}"/>
+              </a:ext>
+            </a:extLst>
+          </p:cNvPr>
+          <p:cNvSpPr/>
+          <p:nvPr/>
+        </p:nvSpPr>
+        <p:spPr>
+          <a:xfrm>
+            <a:off x="5055672" y="4288417"/>
+            <a:ext cx="1423686" cy="671331"/>
+          </a:xfrm>
+          <a:prstGeom prst="roundRect">
+            <a:avLst/>
+          </a:prstGeom>
+        </p:spPr>
+        <p:style>
+          <a:lnRef idx="2">
+            <a:schemeClr val="accent1">
+              <a:shade val="50000"/>
+            </a:schemeClr>
+          </a:lnRef>
+          <a:fillRef idx="1">
+            <a:schemeClr val="accent1"/>
+          </a:fillRef>
+          <a:effectRef idx="0">
+            <a:schemeClr val="accent1"/>
+          </a:effectRef>
+          <a:fontRef idx="minor">
+            <a:schemeClr val="lt1"/>
+          </a:fontRef>
+        </p:style>
+        <p:txBody>
+          <a:bodyPr rtlCol="0" anchor="ctr"/>
+          <a:lstStyle/>
+          <a:p>
+            <a:pPr algn="ctr"/>
+            <a:r>
+              <a:rPr kumimoji="1" lang="ja-JP" altLang="en-US"/>
+              <a:t>説明変数</a:t>
+            </a:r>
+            <a:r>
+              <a:rPr kumimoji="1" lang="en-US" altLang="ja-JP" dirty="0"/>
+              <a:t>3</a:t>
+            </a:r>
+            <a:endParaRPr kumimoji="1" lang="ja-JP" altLang="en-US"/>
+          </a:p>
+        </p:txBody>
+      </p:sp>
+      <p:cxnSp>
+        <p:nvCxnSpPr>
+          <p:cNvPr id="9" name="直線矢印コネクタ 8">
+            <a:extLst>
+              <a:ext uri="{FF2B5EF4-FFF2-40B4-BE49-F238E27FC236}">
+                <a16:creationId xmlns:a16="http://schemas.microsoft.com/office/drawing/2014/main" id="{58ACE820-8C26-3045-AC9E-6E9B323FBAD1}"/>
+              </a:ext>
+            </a:extLst>
+          </p:cNvPr>
+          <p:cNvCxnSpPr>
+            <a:stCxn id="5" idx="3"/>
+            <a:endCxn id="4" idx="2"/>
+          </p:cNvCxnSpPr>
+          <p:nvPr/>
+        </p:nvCxnSpPr>
+        <p:spPr>
+          <a:xfrm>
+            <a:off x="4919241" y="2807535"/>
+            <a:ext cx="2453832" cy="473887"/>
+          </a:xfrm>
+          <a:prstGeom prst="straightConnector1">
+            <a:avLst/>
+          </a:prstGeom>
+          <a:ln w="50800">
+            <a:tailEnd type="triangle"/>
+          </a:ln>
+        </p:spPr>
+        <p:style>
+          <a:lnRef idx="1">
+            <a:schemeClr val="accent1"/>
+          </a:lnRef>
+          <a:fillRef idx="0">
+            <a:schemeClr val="accent1"/>
+          </a:fillRef>
+          <a:effectRef idx="0">
+            <a:schemeClr val="accent1"/>
+          </a:effectRef>
+          <a:fontRef idx="minor">
+            <a:schemeClr val="tx1"/>
+          </a:fontRef>
+        </p:style>
+      </p:cxnSp>
+      <p:cxnSp>
+        <p:nvCxnSpPr>
+          <p:cNvPr id="10" name="直線矢印コネクタ 9">
+            <a:extLst>
+              <a:ext uri="{FF2B5EF4-FFF2-40B4-BE49-F238E27FC236}">
+                <a16:creationId xmlns:a16="http://schemas.microsoft.com/office/drawing/2014/main" id="{DB294122-1253-6E41-8BE3-33925524A7A1}"/>
+              </a:ext>
+            </a:extLst>
+          </p:cNvPr>
+          <p:cNvCxnSpPr>
+            <a:cxnSpLocks/>
+            <a:stCxn id="6" idx="3"/>
+            <a:endCxn id="4" idx="3"/>
+          </p:cNvCxnSpPr>
+          <p:nvPr/>
+        </p:nvCxnSpPr>
+        <p:spPr>
+          <a:xfrm flipV="1">
+            <a:off x="4929314" y="3637449"/>
+            <a:ext cx="2591230" cy="231387"/>
+          </a:xfrm>
+          <a:prstGeom prst="straightConnector1">
+            <a:avLst/>
+          </a:prstGeom>
+          <a:ln w="25400">
+            <a:tailEnd type="triangle"/>
+          </a:ln>
+        </p:spPr>
+        <p:style>
+          <a:lnRef idx="1">
+            <a:schemeClr val="accent1"/>
+          </a:lnRef>
+          <a:fillRef idx="0">
+            <a:schemeClr val="accent1"/>
+          </a:fillRef>
+          <a:effectRef idx="0">
+            <a:schemeClr val="accent1"/>
+          </a:effectRef>
+          <a:fontRef idx="minor">
+            <a:schemeClr val="tx1"/>
+          </a:fontRef>
+        </p:style>
+      </p:cxnSp>
+      <p:cxnSp>
+        <p:nvCxnSpPr>
+          <p:cNvPr id="13" name="直線矢印コネクタ 12">
+            <a:extLst>
+              <a:ext uri="{FF2B5EF4-FFF2-40B4-BE49-F238E27FC236}">
+                <a16:creationId xmlns:a16="http://schemas.microsoft.com/office/drawing/2014/main" id="{9553E4A1-3AEA-8145-9D23-A172DEBCBAA2}"/>
+              </a:ext>
+            </a:extLst>
+          </p:cNvPr>
+          <p:cNvCxnSpPr>
+            <a:cxnSpLocks/>
+            <a:stCxn id="7" idx="3"/>
+            <a:endCxn id="4" idx="4"/>
+          </p:cNvCxnSpPr>
+          <p:nvPr/>
+        </p:nvCxnSpPr>
+        <p:spPr>
+          <a:xfrm flipV="1">
+            <a:off x="6479358" y="3784920"/>
+            <a:ext cx="1397214" cy="839163"/>
+          </a:xfrm>
+          <a:prstGeom prst="straightConnector1">
+            <a:avLst/>
+          </a:prstGeom>
+          <a:ln w="31750">
+            <a:tailEnd type="triangle"/>
+          </a:ln>
+        </p:spPr>
+        <p:style>
+          <a:lnRef idx="1">
+            <a:schemeClr val="accent1"/>
+          </a:lnRef>
+          <a:fillRef idx="0">
+            <a:schemeClr val="accent1"/>
+          </a:fillRef>
+          <a:effectRef idx="0">
+            <a:schemeClr val="accent1"/>
+          </a:effectRef>
+          <a:fontRef idx="minor">
+            <a:schemeClr val="tx1"/>
+          </a:fontRef>
+        </p:style>
+      </p:cxnSp>
+      <p:cxnSp>
+        <p:nvCxnSpPr>
+          <p:cNvPr id="20" name="直線矢印コネクタ 19">
+            <a:extLst>
+              <a:ext uri="{FF2B5EF4-FFF2-40B4-BE49-F238E27FC236}">
+                <a16:creationId xmlns:a16="http://schemas.microsoft.com/office/drawing/2014/main" id="{61251FC3-E4A7-164C-88AA-F7678AB971E4}"/>
+              </a:ext>
+            </a:extLst>
+          </p:cNvPr>
+          <p:cNvCxnSpPr>
+            <a:cxnSpLocks/>
+            <a:stCxn id="5" idx="2"/>
+            <a:endCxn id="6" idx="0"/>
+          </p:cNvCxnSpPr>
+          <p:nvPr/>
+        </p:nvCxnSpPr>
+        <p:spPr>
+          <a:xfrm>
+            <a:off x="4207398" y="3143200"/>
+            <a:ext cx="10073" cy="389970"/>
+          </a:xfrm>
+          <a:prstGeom prst="straightConnector1">
+            <a:avLst/>
+          </a:prstGeom>
+          <a:ln w="50800">
+            <a:solidFill>
+              <a:srgbClr val="FF0000"/>
+            </a:solidFill>
+            <a:headEnd type="triangle"/>
+            <a:tailEnd type="triangle"/>
+          </a:ln>
+        </p:spPr>
+        <p:style>
+          <a:lnRef idx="1">
+            <a:schemeClr val="accent2"/>
+          </a:lnRef>
+          <a:fillRef idx="0">
+            <a:schemeClr val="accent2"/>
+          </a:fillRef>
+          <a:effectRef idx="0">
+            <a:schemeClr val="accent2"/>
+          </a:effectRef>
+          <a:fontRef idx="minor">
+            <a:schemeClr val="tx1"/>
+          </a:fontRef>
+        </p:style>
+      </p:cxnSp>
+      <p:sp>
+        <p:nvSpPr>
+          <p:cNvPr id="25" name="テキスト ボックス 24">
+            <a:extLst>
+              <a:ext uri="{FF2B5EF4-FFF2-40B4-BE49-F238E27FC236}">
+                <a16:creationId xmlns:a16="http://schemas.microsoft.com/office/drawing/2014/main" id="{3A95E26B-9B57-F84D-A60E-1B5B10F9CA44}"/>
+              </a:ext>
+            </a:extLst>
+          </p:cNvPr>
+          <p:cNvSpPr txBox="1"/>
+          <p:nvPr/>
+        </p:nvSpPr>
+        <p:spPr>
+          <a:xfrm>
+            <a:off x="4929314" y="2266842"/>
+            <a:ext cx="3647152" cy="369332"/>
+          </a:xfrm>
+          <a:prstGeom prst="rect">
+            <a:avLst/>
+          </a:prstGeom>
+          <a:noFill/>
+        </p:spPr>
+        <p:txBody>
+          <a:bodyPr wrap="none" rtlCol="0">
+            <a:spAutoFit/>
           </a:bodyPr>
           <a:lstStyle/>
           <a:p>
             <a:r>
               <a:rPr lang="ja-JP" altLang="en-US"/>
-              <a:t>まず</a:t>
-            </a:r>
+              <a:t>実際は</a:t>
+            </a:r>
+            <a:r>
+              <a:rPr kumimoji="1" lang="ja-JP" altLang="en-US"/>
+              <a:t>説明変数１の寄与が大きい</a:t>
+            </a:r>
+          </a:p>
+        </p:txBody>
+      </p:sp>
+      <p:sp>
+        <p:nvSpPr>
+          <p:cNvPr id="26" name="テキスト ボックス 25">
+            <a:extLst>
+              <a:ext uri="{FF2B5EF4-FFF2-40B4-BE49-F238E27FC236}">
+                <a16:creationId xmlns:a16="http://schemas.microsoft.com/office/drawing/2014/main" id="{10626091-232D-D14C-9B75-3E1EBB9C467F}"/>
+              </a:ext>
+            </a:extLst>
+          </p:cNvPr>
+          <p:cNvSpPr txBox="1"/>
+          <p:nvPr/>
+        </p:nvSpPr>
+        <p:spPr>
+          <a:xfrm>
+            <a:off x="1200249" y="3163838"/>
+            <a:ext cx="2852063" cy="369332"/>
+          </a:xfrm>
+          <a:prstGeom prst="rect">
+            <a:avLst/>
+          </a:prstGeom>
+          <a:noFill/>
+        </p:spPr>
+        <p:txBody>
+          <a:bodyPr wrap="none" rtlCol="0">
+            <a:spAutoFit/>
+          </a:bodyPr>
+          <a:lstStyle/>
+          <a:p>
+            <a:r>
+              <a:rPr kumimoji="1" lang="ja-JP" altLang="en-US"/>
+              <a:t>説明変数１と</a:t>
+            </a:r>
+            <a:r>
+              <a:rPr kumimoji="1" lang="en-US" altLang="ja-JP" dirty="0"/>
+              <a:t>2</a:t>
+            </a:r>
+            <a:r>
+              <a:rPr kumimoji="1" lang="ja-JP" altLang="en-US"/>
+              <a:t>に強い相関</a:t>
+            </a:r>
+          </a:p>
+        </p:txBody>
+      </p:sp>
+      <p:sp>
+        <p:nvSpPr>
+          <p:cNvPr id="27" name="テキスト ボックス 26">
+            <a:extLst>
+              <a:ext uri="{FF2B5EF4-FFF2-40B4-BE49-F238E27FC236}">
+                <a16:creationId xmlns:a16="http://schemas.microsoft.com/office/drawing/2014/main" id="{95C0703B-387C-4746-A9D1-C7BCB00ED6AB}"/>
+              </a:ext>
+            </a:extLst>
+          </p:cNvPr>
+          <p:cNvSpPr txBox="1"/>
+          <p:nvPr/>
+        </p:nvSpPr>
+        <p:spPr>
+          <a:xfrm>
+            <a:off x="8380070" y="3980847"/>
+            <a:ext cx="2031325" cy="646331"/>
+          </a:xfrm>
+          <a:prstGeom prst="rect">
+            <a:avLst/>
+          </a:prstGeom>
+          <a:noFill/>
+        </p:spPr>
+        <p:txBody>
+          <a:bodyPr wrap="none" rtlCol="0">
+            <a:spAutoFit/>
+          </a:bodyPr>
+          <a:lstStyle/>
+          <a:p>
+            <a:r>
+              <a:rPr kumimoji="1" lang="ja-JP" altLang="en-US"/>
+              <a:t>推定した係数</a:t>
+            </a:r>
+            <a:r>
+              <a:rPr kumimoji="1" lang="en-US" altLang="ja-JP" dirty="0"/>
+              <a:t>β</a:t>
+            </a:r>
+            <a:r>
+              <a:rPr kumimoji="1" lang="ja-JP" altLang="en-US"/>
+              <a:t>は</a:t>
+            </a:r>
+            <a:endParaRPr kumimoji="1" lang="en-US" altLang="ja-JP" dirty="0"/>
+          </a:p>
+          <a:p>
             <a:r>
               <a:rPr lang="en-US" altLang="ja-JP" dirty="0"/>
-              <a:t>plot</a:t>
-            </a:r>
-            <a:r>
-              <a:rPr lang="ja-JP" altLang="en-US"/>
-              <a:t>して可視化</a:t>
-            </a:r>
-            <a:endParaRPr lang="en-US" altLang="ja-JP" dirty="0"/>
-          </a:p>
-          <a:p>
-            <a:endParaRPr lang="en-US" altLang="ja-JP" dirty="0"/>
-          </a:p>
-          <a:p>
-            <a:r>
-              <a:rPr lang="ja-JP" altLang="en-US">
-                <a:solidFill>
-                  <a:schemeClr val="bg2">
-                    <a:lumMod val="50000"/>
-                  </a:schemeClr>
-                </a:solidFill>
-              </a:rPr>
-              <a:t>分布からずれていないかチェックのプロット；</a:t>
-            </a:r>
-            <a:r>
-              <a:rPr lang="en-US" altLang="ja-JP" dirty="0" err="1">
-                <a:solidFill>
-                  <a:schemeClr val="bg2">
-                    <a:lumMod val="50000"/>
-                  </a:schemeClr>
-                </a:solidFill>
-              </a:rPr>
-              <a:t>QQplot</a:t>
-            </a:r>
-            <a:endParaRPr lang="en-US" altLang="ja-JP" dirty="0">
-              <a:solidFill>
-                <a:schemeClr val="bg2">
-                  <a:lumMod val="50000"/>
-                </a:schemeClr>
-              </a:solidFill>
-            </a:endParaRPr>
-          </a:p>
-          <a:p>
-            <a:pPr marL="457200" lvl="1" indent="0">
-              <a:buNone/>
-            </a:pPr>
-            <a:endParaRPr lang="en-US" altLang="ja-JP" dirty="0">
-              <a:solidFill>
-                <a:schemeClr val="bg2">
-                  <a:lumMod val="50000"/>
-                </a:schemeClr>
-              </a:solidFill>
-            </a:endParaRPr>
-          </a:p>
-          <a:p>
-            <a:r>
-              <a:rPr lang="en-US" altLang="ja-JP" dirty="0">
-                <a:solidFill>
-                  <a:schemeClr val="bg2">
-                    <a:lumMod val="50000"/>
-                  </a:schemeClr>
-                </a:solidFill>
-              </a:rPr>
-              <a:t>Shapiro-Wilk</a:t>
-            </a:r>
-            <a:r>
-              <a:rPr lang="ja-JP" altLang="en-US">
-                <a:solidFill>
-                  <a:schemeClr val="bg2">
-                    <a:lumMod val="50000"/>
-                  </a:schemeClr>
-                </a:solidFill>
-              </a:rPr>
-              <a:t>検定</a:t>
-            </a:r>
-            <a:endParaRPr lang="en-US" altLang="ja-JP" dirty="0">
-              <a:solidFill>
-                <a:schemeClr val="bg2">
-                  <a:lumMod val="50000"/>
-                </a:schemeClr>
-              </a:solidFill>
-            </a:endParaRPr>
+              <a:t>β1 &lt; β2 </a:t>
+            </a:r>
+            <a:endParaRPr kumimoji="1" lang="ja-JP" altLang="en-US"/>
           </a:p>
         </p:txBody>
       </p:sp>
     </p:spTree>
     <p:extLst>
       <p:ext uri="{BB962C8B-B14F-4D97-AF65-F5344CB8AC3E}">
-        <p14:creationId xmlns:p14="http://schemas.microsoft.com/office/powerpoint/2010/main" val="1722450886"/>
+        <p14:creationId xmlns:p14="http://schemas.microsoft.com/office/powerpoint/2010/main" val="3203436587"/>
       </p:ext>
     </p:extLst>
   </p:cSld>
@@ -5126,7 +5243,7 @@
           <p:cNvPr id="2" name="タイトル 1">
             <a:extLst>
               <a:ext uri="{FF2B5EF4-FFF2-40B4-BE49-F238E27FC236}">
-                <a16:creationId xmlns:a16="http://schemas.microsoft.com/office/drawing/2014/main" id="{593893BE-BD11-5648-B363-0A47FB81D8B9}"/>
+                <a16:creationId xmlns:a16="http://schemas.microsoft.com/office/drawing/2014/main" id="{30189EB3-E20E-E446-9602-17104CBD75A8}"/>
               </a:ext>
             </a:extLst>
           </p:cNvPr>
@@ -5143,9 +5260,10 @@
           <a:lstStyle/>
           <a:p>
             <a:r>
-              <a:rPr kumimoji="1" lang="ja-JP" altLang="en-US"/>
-              <a:t>線形モデルの結果をプロット</a:t>
-            </a:r>
+              <a:rPr lang="en-US" altLang="ja-JP" dirty="0"/>
+              <a:t>VIF (Variance Inflation Factor)</a:t>
+            </a:r>
+            <a:endParaRPr kumimoji="1" lang="ja-JP" altLang="en-US"/>
           </a:p>
         </p:txBody>
       </p:sp>
@@ -5154,7 +5272,7 @@
           <p:cNvPr id="3" name="コンテンツ プレースホルダー 2">
             <a:extLst>
               <a:ext uri="{FF2B5EF4-FFF2-40B4-BE49-F238E27FC236}">
-                <a16:creationId xmlns:a16="http://schemas.microsoft.com/office/drawing/2014/main" id="{49E414B3-99D4-2B4A-B335-2BAEFB18D4DF}"/>
+                <a16:creationId xmlns:a16="http://schemas.microsoft.com/office/drawing/2014/main" id="{DB1543A7-7CD6-674F-9627-7ACC6DEA1310}"/>
               </a:ext>
             </a:extLst>
           </p:cNvPr>
@@ -5167,154 +5285,98 @@
         </p:nvSpPr>
         <p:spPr/>
         <p:txBody>
-          <a:bodyPr>
-            <a:normAutofit lnSpcReduction="10000"/>
-          </a:bodyPr>
-          <a:lstStyle/>
-          <a:p>
-            <a:r>
-              <a:rPr kumimoji="1" lang="ja-JP" altLang="en-US"/>
-              <a:t>第</a:t>
+          <a:bodyPr/>
+          <a:lstStyle/>
+          <a:p>
+            <a:r>
+              <a:rPr kumimoji="1" lang="ja-JP" altLang="en-US"/>
+              <a:t>説明変数同士の相関の強さを示す指標の一つ．相関係数</a:t>
+            </a:r>
+            <a:r>
+              <a:rPr kumimoji="1" lang="en-US" altLang="ja-JP" i="1" dirty="0"/>
+              <a:t>r </a:t>
+            </a:r>
+            <a:r>
+              <a:rPr kumimoji="1" lang="ja-JP" altLang="en-US"/>
+              <a:t>を用いて以下で算出．</a:t>
+            </a:r>
+            <a:endParaRPr kumimoji="1" lang="en-US" altLang="ja-JP" dirty="0"/>
+          </a:p>
+          <a:p>
+            <a:pPr lvl="1"/>
+            <a:r>
+              <a:rPr lang="en-US" altLang="ja-JP" dirty="0"/>
+              <a:t>VIF= 1 /(1−</a:t>
+            </a:r>
+            <a:r>
+              <a:rPr lang="en-US" altLang="ja-JP" i="1" dirty="0"/>
+              <a:t>r </a:t>
+            </a:r>
+            <a:r>
+              <a:rPr lang="en-US" altLang="ja-JP" baseline="30000" dirty="0"/>
+              <a:t>2</a:t>
+            </a:r>
+            <a:r>
+              <a:rPr lang="en-US" altLang="ja-JP" dirty="0"/>
+              <a:t>) </a:t>
+            </a:r>
+            <a:r>
+              <a:rPr lang="ja-JP" altLang="en-US"/>
+              <a:t> </a:t>
+            </a:r>
+            <a:endParaRPr lang="en-US" altLang="ja-JP" dirty="0"/>
+          </a:p>
+          <a:p>
+            <a:endParaRPr lang="en-US" altLang="ja-JP" dirty="0"/>
+          </a:p>
+          <a:p>
+            <a:r>
+              <a:rPr kumimoji="1" lang="ja-JP" altLang="en-US"/>
+              <a:t>数値が大きいときに変数を除くことが推奨．（</a:t>
             </a:r>
             <a:r>
               <a:rPr kumimoji="1" lang="en-US" altLang="ja-JP" dirty="0"/>
-              <a:t>12</a:t>
-            </a:r>
-            <a:r>
-              <a:rPr kumimoji="1" lang="ja-JP" altLang="en-US"/>
-              <a:t>回；線形モデル１で生成したシミュレーションデータの線形モデル解析結果を利用．</a:t>
-            </a:r>
-            <a:endParaRPr kumimoji="1" lang="en-US" altLang="ja-JP" dirty="0"/>
-          </a:p>
-          <a:p>
-            <a:pPr lvl="1"/>
-            <a:r>
-              <a:rPr lang="en-US" altLang="ja-JP" dirty="0" err="1"/>
-              <a:t>res_lm</a:t>
+              <a:t>VIF&gt;10</a:t>
+            </a:r>
+            <a:r>
+              <a:rPr kumimoji="1" lang="ja-JP" altLang="en-US"/>
+              <a:t>が目安とされることが多い．</a:t>
+            </a:r>
+            <a:r>
+              <a:rPr lang="ja-JP" altLang="en-US"/>
+              <a:t>このとき</a:t>
+            </a:r>
+            <a:r>
+              <a:rPr lang="en-US" altLang="ja-JP" i="1" dirty="0"/>
+              <a:t>r</a:t>
             </a:r>
             <a:r>
               <a:rPr lang="en-US" altLang="ja-JP" dirty="0"/>
-              <a:t> &lt;- </a:t>
-            </a:r>
-            <a:r>
-              <a:rPr lang="en-US" altLang="ja-JP" dirty="0" err="1"/>
-              <a:t>lm</a:t>
+              <a:t> </a:t>
+            </a:r>
+            <a:r>
+              <a:rPr lang="ja-JP" altLang="en-US"/>
+              <a:t>≒</a:t>
             </a:r>
             <a:r>
               <a:rPr lang="en-US" altLang="ja-JP" dirty="0"/>
-              <a:t>(log(catch)~vessel+temp-1, data=</a:t>
-            </a:r>
-            <a:r>
-              <a:rPr lang="en-US" altLang="ja-JP" dirty="0" err="1"/>
-              <a:t>catch_data</a:t>
-            </a:r>
-            <a:r>
-              <a:rPr lang="en-US" altLang="ja-JP" dirty="0"/>
-              <a:t>)</a:t>
-            </a:r>
-          </a:p>
-          <a:p>
-            <a:pPr lvl="1"/>
-            <a:endParaRPr lang="en-US" altLang="ja-JP" dirty="0"/>
-          </a:p>
-          <a:p>
+              <a:t>0.95</a:t>
+            </a:r>
             <a:r>
               <a:rPr lang="ja-JP" altLang="en-US"/>
-              <a:t>残差は</a:t>
-            </a:r>
-            <a:r>
-              <a:rPr lang="en-US" altLang="ja-JP" dirty="0" err="1"/>
-              <a:t>lm</a:t>
-            </a:r>
-            <a:r>
-              <a:rPr lang="ja-JP" altLang="en-US"/>
-              <a:t>関数の結果オブジェクトの</a:t>
-            </a:r>
-            <a:r>
-              <a:rPr lang="en-US" altLang="ja-JP" dirty="0"/>
-              <a:t>residuals</a:t>
-            </a:r>
-            <a:r>
-              <a:rPr lang="ja-JP" altLang="en-US"/>
-              <a:t>に格納．これをプロットする</a:t>
-            </a:r>
-            <a:r>
-              <a:rPr lang="en-US" altLang="ja-JP" dirty="0"/>
-              <a:t> (</a:t>
-            </a:r>
-            <a:r>
-              <a:rPr lang="ja-JP" altLang="en-US"/>
-              <a:t>第</a:t>
-            </a:r>
-            <a:r>
-              <a:rPr lang="en-US" altLang="ja-JP" dirty="0"/>
-              <a:t>14</a:t>
-            </a:r>
-            <a:r>
-              <a:rPr lang="ja-JP" altLang="en-US"/>
-              <a:t>回参照</a:t>
-            </a:r>
-            <a:r>
-              <a:rPr lang="en-US" altLang="ja-JP" dirty="0"/>
-              <a:t>)</a:t>
-            </a:r>
-            <a:r>
-              <a:rPr lang="ja-JP" altLang="en-US"/>
-              <a:t>．</a:t>
-            </a:r>
-            <a:endParaRPr lang="en-US" altLang="ja-JP" dirty="0"/>
-          </a:p>
-          <a:p>
-            <a:pPr lvl="1"/>
-            <a:r>
-              <a:rPr lang="en-US" altLang="ja-JP" dirty="0"/>
-              <a:t>plot(</a:t>
-            </a:r>
-            <a:r>
-              <a:rPr lang="en-US" altLang="ja-JP" dirty="0" err="1"/>
-              <a:t>res_lm$residuals</a:t>
-            </a:r>
-            <a:r>
-              <a:rPr lang="en-US" altLang="ja-JP" dirty="0"/>
-              <a:t>)</a:t>
-            </a:r>
-          </a:p>
-          <a:p>
-            <a:pPr lvl="1"/>
-            <a:r>
-              <a:rPr lang="en-US" altLang="ja-JP" dirty="0"/>
-              <a:t>hist(</a:t>
-            </a:r>
-            <a:r>
-              <a:rPr lang="en-US" altLang="ja-JP" dirty="0" err="1"/>
-              <a:t>res_lm$residuals</a:t>
-            </a:r>
-            <a:r>
-              <a:rPr lang="en-US" altLang="ja-JP" dirty="0"/>
-              <a:t>)</a:t>
-            </a:r>
-          </a:p>
-          <a:p>
-            <a:pPr lvl="1"/>
-            <a:endParaRPr lang="en-US" altLang="ja-JP" dirty="0"/>
-          </a:p>
-          <a:p>
-            <a:r>
-              <a:rPr lang="en-US" altLang="ja-JP" dirty="0" err="1"/>
-              <a:t>lm</a:t>
-            </a:r>
-            <a:r>
-              <a:rPr lang="ja-JP" altLang="en-US"/>
-              <a:t>では誤差構造が正規分布．残差が正規分布に従っているかを視覚的に確認．</a:t>
-            </a:r>
-            <a:endParaRPr lang="en-US" altLang="ja-JP" dirty="0"/>
+              <a:t>でかなり相関が強い</a:t>
+            </a:r>
+            <a:r>
+              <a:rPr kumimoji="1" lang="ja-JP" altLang="en-US"/>
+              <a:t>）</a:t>
+            </a:r>
           </a:p>
         </p:txBody>
       </p:sp>
     </p:spTree>
     <p:extLst>
       <p:ext uri="{BB962C8B-B14F-4D97-AF65-F5344CB8AC3E}">
-        <p14:creationId xmlns:p14="http://schemas.microsoft.com/office/powerpoint/2010/main" val="3428185782"/>
+        <p14:creationId xmlns:p14="http://schemas.microsoft.com/office/powerpoint/2010/main" val="4089472562"/>
       </p:ext>
     </p:extLst>
   </p:cSld>
@@ -5346,7 +5408,7 @@
           <p:cNvPr id="2" name="タイトル 1">
             <a:extLst>
               <a:ext uri="{FF2B5EF4-FFF2-40B4-BE49-F238E27FC236}">
-                <a16:creationId xmlns:a16="http://schemas.microsoft.com/office/drawing/2014/main" id="{68BB739B-FF50-7947-89AB-1B70AF4DD3EA}"/>
+                <a16:creationId xmlns:a16="http://schemas.microsoft.com/office/drawing/2014/main" id="{199743C8-A9E4-C540-875B-0FE32C6EBFB0}"/>
               </a:ext>
             </a:extLst>
           </p:cNvPr>
@@ -5363,978 +5425,169 @@
           <a:lstStyle/>
           <a:p>
             <a:r>
+              <a:rPr kumimoji="1" lang="en-US" altLang="ja-JP" dirty="0"/>
+              <a:t>R</a:t>
+            </a:r>
+            <a:r>
+              <a:rPr kumimoji="1" lang="ja-JP" altLang="en-US"/>
+              <a:t>で</a:t>
+            </a:r>
+            <a:r>
+              <a:rPr kumimoji="1" lang="en-US" altLang="ja-JP" dirty="0"/>
+              <a:t>VIF</a:t>
+            </a:r>
+            <a:endParaRPr kumimoji="1" lang="ja-JP" altLang="en-US"/>
+          </a:p>
+        </p:txBody>
+      </p:sp>
+      <p:sp>
+        <p:nvSpPr>
+          <p:cNvPr id="3" name="コンテンツ プレースホルダー 2">
+            <a:extLst>
+              <a:ext uri="{FF2B5EF4-FFF2-40B4-BE49-F238E27FC236}">
+                <a16:creationId xmlns:a16="http://schemas.microsoft.com/office/drawing/2014/main" id="{02F3AD6E-A8AA-964C-8EF4-26CD4B7D1443}"/>
+              </a:ext>
+            </a:extLst>
+          </p:cNvPr>
+          <p:cNvSpPr>
+            <a:spLocks noGrp="1"/>
+          </p:cNvSpPr>
+          <p:nvPr>
+            <p:ph idx="1"/>
+          </p:nvPr>
+        </p:nvSpPr>
+        <p:spPr/>
+        <p:txBody>
+          <a:bodyPr>
+            <a:normAutofit fontScale="92500" lnSpcReduction="10000"/>
+          </a:bodyPr>
+          <a:lstStyle/>
+          <a:p>
+            <a:r>
+              <a:rPr kumimoji="1" lang="ja-JP" altLang="en-US"/>
+              <a:t>第</a:t>
+            </a:r>
+            <a:r>
+              <a:rPr kumimoji="1" lang="en-US" altLang="ja-JP" dirty="0"/>
+              <a:t>10</a:t>
+            </a:r>
+            <a:r>
+              <a:rPr kumimoji="1" lang="ja-JP" altLang="en-US"/>
+              <a:t>回で利用した気象データ</a:t>
+            </a:r>
+            <a:r>
+              <a:rPr kumimoji="1" lang="en-US" altLang="ja-JP" dirty="0" err="1"/>
+              <a:t>yokohama.csv</a:t>
+            </a:r>
+            <a:r>
+              <a:rPr kumimoji="1" lang="ja-JP" altLang="en-US"/>
+              <a:t>で試してみよう．</a:t>
+            </a:r>
+            <a:endParaRPr kumimoji="1" lang="en-US" altLang="ja-JP" dirty="0"/>
+          </a:p>
+          <a:p>
+            <a:endParaRPr lang="en-US" altLang="ja-JP" dirty="0"/>
+          </a:p>
+          <a:p>
+            <a:r>
+              <a:rPr kumimoji="1" lang="en-US" altLang="ja-JP" dirty="0"/>
+              <a:t>Tw0</a:t>
+            </a:r>
+            <a:r>
+              <a:rPr kumimoji="1" lang="ja-JP" altLang="en-US"/>
+              <a:t>が裸地水温なので、これを気象要素</a:t>
+            </a:r>
+            <a:r>
+              <a:rPr kumimoji="1" lang="en-US" altLang="ja-JP" dirty="0"/>
+              <a:t>(</a:t>
+            </a:r>
+            <a:r>
+              <a:rPr kumimoji="1" lang="ja-JP" altLang="en-US"/>
+              <a:t>実測値、推定値</a:t>
+            </a:r>
+            <a:r>
+              <a:rPr kumimoji="1" lang="en-US" altLang="ja-JP" dirty="0"/>
+              <a:t>)</a:t>
+            </a:r>
+            <a:r>
+              <a:rPr kumimoji="1" lang="ja-JP" altLang="en-US"/>
+              <a:t>で回帰して説明．</a:t>
+            </a:r>
+            <a:r>
               <a:rPr lang="ja-JP" altLang="en-US"/>
-              <a:t>正規性のチェック</a:t>
-            </a:r>
-            <a:endParaRPr kumimoji="1" lang="ja-JP" altLang="en-US"/>
-          </a:p>
-        </p:txBody>
-      </p:sp>
-      <p:sp>
-        <p:nvSpPr>
-          <p:cNvPr id="3" name="コンテンツ プレースホルダー 2">
-            <a:extLst>
-              <a:ext uri="{FF2B5EF4-FFF2-40B4-BE49-F238E27FC236}">
-                <a16:creationId xmlns:a16="http://schemas.microsoft.com/office/drawing/2014/main" id="{B7EB713B-B0D0-A347-9D4F-48B4383A8075}"/>
-              </a:ext>
-            </a:extLst>
-          </p:cNvPr>
-          <p:cNvSpPr>
-            <a:spLocks noGrp="1"/>
-          </p:cNvSpPr>
-          <p:nvPr>
-            <p:ph idx="1"/>
-          </p:nvPr>
-        </p:nvSpPr>
-        <p:spPr>
-          <a:xfrm>
-            <a:off x="838200" y="1825625"/>
-            <a:ext cx="10756900" cy="4351338"/>
-          </a:xfrm>
-        </p:spPr>
-        <p:txBody>
-          <a:bodyPr>
-            <a:normAutofit/>
-          </a:bodyPr>
-          <a:lstStyle/>
-          <a:p>
-            <a:r>
-              <a:rPr lang="ja-JP" altLang="en-US">
-                <a:solidFill>
-                  <a:schemeClr val="bg2">
-                    <a:lumMod val="50000"/>
-                  </a:schemeClr>
-                </a:solidFill>
+              <a:t>（</a:t>
+            </a:r>
+            <a:r>
+              <a:rPr lang="en-US" altLang="ja-JP" dirty="0">
+                <a:hlinkClick r:id="rId3"/>
               </a:rPr>
-              <a:t>まず</a:t>
-            </a:r>
-            <a:r>
-              <a:rPr lang="en-US" altLang="ja-JP" dirty="0">
-                <a:solidFill>
-                  <a:schemeClr val="bg2">
-                    <a:lumMod val="50000"/>
-                  </a:schemeClr>
-                </a:solidFill>
-              </a:rPr>
-              <a:t>plot</a:t>
-            </a:r>
-            <a:r>
-              <a:rPr lang="ja-JP" altLang="en-US">
-                <a:solidFill>
-                  <a:schemeClr val="bg2">
-                    <a:lumMod val="50000"/>
-                  </a:schemeClr>
-                </a:solidFill>
-              </a:rPr>
-              <a:t>して可視化</a:t>
-            </a:r>
-            <a:endParaRPr lang="en-US" altLang="ja-JP" dirty="0">
-              <a:solidFill>
-                <a:schemeClr val="bg2">
-                  <a:lumMod val="50000"/>
-                </a:schemeClr>
-              </a:solidFill>
-            </a:endParaRPr>
-          </a:p>
-          <a:p>
+              <a:t>https://meteocrop.dc.affrc.go.jp/real/explan_amedas_u.htm</a:t>
+            </a:r>
+            <a:r>
+              <a:rPr lang="ja-JP" altLang="en-US"/>
+              <a:t>）</a:t>
+            </a:r>
             <a:endParaRPr lang="en-US" altLang="ja-JP" dirty="0"/>
           </a:p>
           <a:p>
+            <a:pPr lvl="1"/>
+            <a:endParaRPr kumimoji="1" lang="en-US" altLang="ja-JP" dirty="0"/>
+          </a:p>
+          <a:p>
+            <a:pPr lvl="1"/>
+            <a:r>
+              <a:rPr kumimoji="1" lang="ja-JP" altLang="en-US"/>
+              <a:t>データ数が多いので</a:t>
+            </a:r>
+            <a:r>
+              <a:rPr kumimoji="1" lang="en-US" altLang="ja-JP" dirty="0"/>
+              <a:t>2010</a:t>
+            </a:r>
+            <a:r>
+              <a:rPr kumimoji="1" lang="ja-JP" altLang="en-US"/>
+              <a:t>年以降を使う．</a:t>
+            </a:r>
+            <a:endParaRPr kumimoji="1" lang="en-US" altLang="ja-JP" dirty="0"/>
+          </a:p>
+          <a:p>
+            <a:pPr lvl="1"/>
+            <a:endParaRPr kumimoji="1" lang="en-US" altLang="ja-JP" dirty="0"/>
+          </a:p>
+          <a:p>
+            <a:pPr lvl="1"/>
+            <a:r>
+              <a:rPr lang="en-US" altLang="ja-JP" dirty="0"/>
+              <a:t>Tw0 ~ T + Tmax+Tmin+Pr+e+VPD+RH+RHmin+u+u10max+N+Sd+Ld</a:t>
+            </a:r>
+          </a:p>
+          <a:p>
+            <a:endParaRPr lang="en-US" altLang="ja-JP" dirty="0"/>
+          </a:p>
+          <a:p>
+            <a:r>
+              <a:rPr lang="en-US" altLang="ja-JP" dirty="0"/>
+              <a:t>library(performance)</a:t>
+            </a:r>
             <a:r>
               <a:rPr lang="ja-JP" altLang="en-US"/>
-              <a:t>分布からずれていないかチェックのプロット；</a:t>
+              <a:t>で</a:t>
             </a:r>
             <a:r>
               <a:rPr lang="en-US" altLang="ja-JP" dirty="0" err="1"/>
-              <a:t>QQplot</a:t>
+              <a:t>check_collinearity</a:t>
+            </a:r>
+            <a:r>
+              <a:rPr lang="ja-JP" altLang="en-US"/>
+              <a:t>関数を使ってみる．</a:t>
             </a:r>
             <a:endParaRPr lang="en-US" altLang="ja-JP" dirty="0"/>
-          </a:p>
-          <a:p>
-            <a:pPr marL="457200" lvl="1" indent="0">
-              <a:buNone/>
-            </a:pPr>
-            <a:endParaRPr lang="en-US" altLang="ja-JP" dirty="0">
-              <a:solidFill>
-                <a:schemeClr val="bg2">
-                  <a:lumMod val="50000"/>
-                </a:schemeClr>
-              </a:solidFill>
-            </a:endParaRPr>
-          </a:p>
-          <a:p>
-            <a:r>
-              <a:rPr lang="en-US" altLang="ja-JP" dirty="0">
-                <a:solidFill>
-                  <a:schemeClr val="bg2">
-                    <a:lumMod val="50000"/>
-                  </a:schemeClr>
-                </a:solidFill>
-              </a:rPr>
-              <a:t>Shapiro-Wilk</a:t>
-            </a:r>
-            <a:r>
-              <a:rPr lang="ja-JP" altLang="en-US">
-                <a:solidFill>
-                  <a:schemeClr val="bg2">
-                    <a:lumMod val="50000"/>
-                  </a:schemeClr>
-                </a:solidFill>
-              </a:rPr>
-              <a:t>検定</a:t>
-            </a:r>
-            <a:endParaRPr lang="en-US" altLang="ja-JP" dirty="0">
-              <a:solidFill>
-                <a:schemeClr val="bg2">
-                  <a:lumMod val="50000"/>
-                </a:schemeClr>
-              </a:solidFill>
-            </a:endParaRPr>
           </a:p>
         </p:txBody>
       </p:sp>
     </p:spTree>
     <p:extLst>
       <p:ext uri="{BB962C8B-B14F-4D97-AF65-F5344CB8AC3E}">
-        <p14:creationId xmlns:p14="http://schemas.microsoft.com/office/powerpoint/2010/main" val="623929723"/>
-      </p:ext>
-    </p:extLst>
-  </p:cSld>
-  <p:clrMapOvr>
-    <a:masterClrMapping/>
-  </p:clrMapOvr>
-</p:sld>
-</file>
-
-<file path=ppt/slides/slide6.xml><?xml version="1.0" encoding="utf-8"?>
-<p:sld xmlns:a="http://schemas.openxmlformats.org/drawingml/2006/main" xmlns:r="http://schemas.openxmlformats.org/officeDocument/2006/relationships" xmlns:p="http://schemas.openxmlformats.org/presentationml/2006/main">
-  <p:cSld>
-    <p:spTree>
-      <p:nvGrpSpPr>
-        <p:cNvPr id="1" name=""/>
-        <p:cNvGrpSpPr/>
-        <p:nvPr/>
-      </p:nvGrpSpPr>
-      <p:grpSpPr>
-        <a:xfrm>
-          <a:off x="0" y="0"/>
-          <a:ext cx="0" cy="0"/>
-          <a:chOff x="0" y="0"/>
-          <a:chExt cx="0" cy="0"/>
-        </a:xfrm>
-      </p:grpSpPr>
-      <p:sp>
-        <p:nvSpPr>
-          <p:cNvPr id="2" name="タイトル 1">
-            <a:extLst>
-              <a:ext uri="{FF2B5EF4-FFF2-40B4-BE49-F238E27FC236}">
-                <a16:creationId xmlns:a16="http://schemas.microsoft.com/office/drawing/2014/main" id="{ADD62BF2-6FF7-9842-B55F-6A8B6B522A7E}"/>
-              </a:ext>
-            </a:extLst>
-          </p:cNvPr>
-          <p:cNvSpPr>
-            <a:spLocks noGrp="1"/>
-          </p:cNvSpPr>
-          <p:nvPr>
-            <p:ph type="title"/>
-          </p:nvPr>
-        </p:nvSpPr>
-        <p:spPr/>
-        <p:txBody>
-          <a:bodyPr/>
-          <a:lstStyle/>
-          <a:p>
-            <a:r>
-              <a:rPr kumimoji="1" lang="ja-JP" altLang="en-US"/>
-              <a:t>線形モデルの残差</a:t>
-            </a:r>
-          </a:p>
-        </p:txBody>
-      </p:sp>
-      <p:sp>
-        <p:nvSpPr>
-          <p:cNvPr id="3" name="コンテンツ プレースホルダー 2">
-            <a:extLst>
-              <a:ext uri="{FF2B5EF4-FFF2-40B4-BE49-F238E27FC236}">
-                <a16:creationId xmlns:a16="http://schemas.microsoft.com/office/drawing/2014/main" id="{1805BEF9-DE5C-E743-813A-6F4CE0125DA2}"/>
-              </a:ext>
-            </a:extLst>
-          </p:cNvPr>
-          <p:cNvSpPr>
-            <a:spLocks noGrp="1"/>
-          </p:cNvSpPr>
-          <p:nvPr>
-            <p:ph idx="1"/>
-          </p:nvPr>
-        </p:nvSpPr>
-        <p:spPr/>
-        <p:txBody>
-          <a:bodyPr>
-            <a:normAutofit/>
-          </a:bodyPr>
-          <a:lstStyle/>
-          <a:p>
-            <a:r>
-              <a:rPr kumimoji="1" lang="ja-JP" altLang="en-US"/>
-              <a:t>線形モデルは誤差が正規分布に従うと仮定</a:t>
-            </a:r>
-            <a:endParaRPr kumimoji="1" lang="en-US" altLang="ja-JP" dirty="0"/>
-          </a:p>
-          <a:p>
-            <a:pPr marL="0" indent="0">
-              <a:buNone/>
-            </a:pPr>
-            <a:r>
-              <a:rPr lang="en-US" altLang="ja-JP" dirty="0"/>
-              <a:t>	</a:t>
-            </a:r>
-            <a:r>
-              <a:rPr lang="ja-JP" altLang="en-US"/>
-              <a:t>→</a:t>
-            </a:r>
-            <a:r>
-              <a:rPr kumimoji="1" lang="en-US" altLang="ja-JP" dirty="0" err="1"/>
-              <a:t>lm</a:t>
-            </a:r>
-            <a:r>
-              <a:rPr kumimoji="1" lang="ja-JP" altLang="en-US"/>
-              <a:t>結果オブジェクトの残差は</a:t>
-            </a:r>
-            <a:r>
-              <a:rPr lang="ja-JP" altLang="en-US"/>
-              <a:t>正規分布に従っているはず</a:t>
-            </a:r>
-            <a:endParaRPr lang="en-US" altLang="ja-JP" dirty="0"/>
-          </a:p>
-          <a:p>
-            <a:pPr marL="0" indent="0">
-              <a:buNone/>
-            </a:pPr>
-            <a:endParaRPr kumimoji="1" lang="en-US" altLang="ja-JP" dirty="0"/>
-          </a:p>
-          <a:p>
-            <a:r>
-              <a:rPr kumimoji="1" lang="ja-JP" altLang="en-US"/>
-              <a:t>残差を大きさで並び替えれば（ソートすれば）、理論的に正規分布</a:t>
-            </a:r>
-            <a:r>
-              <a:rPr kumimoji="1" lang="en-US" altLang="ja-JP" dirty="0"/>
-              <a:t>(</a:t>
-            </a:r>
-            <a:r>
-              <a:rPr kumimoji="1" lang="ja-JP" altLang="en-US"/>
-              <a:t>平均０、分散</a:t>
-            </a:r>
-            <a:r>
-              <a:rPr kumimoji="1" lang="en-US" altLang="ja-JP" dirty="0" err="1"/>
-              <a:t>σ</a:t>
-            </a:r>
-            <a:r>
-              <a:rPr kumimoji="1" lang="en-US" altLang="ja-JP" dirty="0"/>
-              <a:t>)</a:t>
-            </a:r>
-            <a:r>
-              <a:rPr kumimoji="1" lang="ja-JP" altLang="en-US"/>
-              <a:t>をデータのサンプルサイズ</a:t>
-            </a:r>
-            <a:r>
-              <a:rPr kumimoji="1" lang="en-US" altLang="ja-JP" dirty="0"/>
-              <a:t>n</a:t>
-            </a:r>
-            <a:r>
-              <a:rPr kumimoji="1" lang="ja-JP" altLang="en-US"/>
-              <a:t>で割った時の順位</a:t>
-            </a:r>
-            <a:r>
-              <a:rPr lang="ja-JP" altLang="en-US"/>
-              <a:t>から求められる期待値に</a:t>
-            </a:r>
-            <a:r>
-              <a:rPr kumimoji="1" lang="ja-JP" altLang="en-US"/>
-              <a:t>相当する値になっているはず</a:t>
-            </a:r>
-            <a:endParaRPr kumimoji="1" lang="en-US" altLang="ja-JP" dirty="0"/>
-          </a:p>
-          <a:p>
-            <a:pPr lvl="1"/>
-            <a:r>
-              <a:rPr lang="ja-JP" altLang="en-US"/>
-              <a:t>この分散</a:t>
-            </a:r>
-            <a:r>
-              <a:rPr lang="en-US" altLang="ja-JP" dirty="0" err="1"/>
-              <a:t>σ</a:t>
-            </a:r>
-            <a:r>
-              <a:rPr lang="ja-JP" altLang="en-US"/>
-              <a:t>の値は係数推定時に得られる（第</a:t>
-            </a:r>
-            <a:r>
-              <a:rPr lang="en-US" altLang="ja-JP" dirty="0"/>
-              <a:t>18</a:t>
-            </a:r>
-            <a:r>
-              <a:rPr lang="ja-JP" altLang="en-US"/>
-              <a:t>回で係数</a:t>
-            </a:r>
-            <a:r>
-              <a:rPr lang="en-US" altLang="ja-JP" dirty="0"/>
-              <a:t>β</a:t>
-            </a:r>
-            <a:r>
-              <a:rPr lang="ja-JP" altLang="en-US"/>
-              <a:t>と分散</a:t>
-            </a:r>
-            <a:r>
-              <a:rPr lang="en-US" altLang="ja-JP" dirty="0"/>
-              <a:t>s</a:t>
-            </a:r>
-            <a:r>
-              <a:rPr lang="ja-JP" altLang="en-US"/>
-              <a:t>を最尤推定）　</a:t>
-            </a:r>
-            <a:endParaRPr kumimoji="1" lang="en-US" altLang="ja-JP" dirty="0"/>
-          </a:p>
-        </p:txBody>
-      </p:sp>
-    </p:spTree>
-    <p:extLst>
-      <p:ext uri="{BB962C8B-B14F-4D97-AF65-F5344CB8AC3E}">
-        <p14:creationId xmlns:p14="http://schemas.microsoft.com/office/powerpoint/2010/main" val="2178159451"/>
-      </p:ext>
-    </p:extLst>
-  </p:cSld>
-  <p:clrMapOvr>
-    <a:masterClrMapping/>
-  </p:clrMapOvr>
-</p:sld>
-</file>
-
-<file path=ppt/slides/slide7.xml><?xml version="1.0" encoding="utf-8"?>
-<p:sld xmlns:a="http://schemas.openxmlformats.org/drawingml/2006/main" xmlns:r="http://schemas.openxmlformats.org/officeDocument/2006/relationships" xmlns:p="http://schemas.openxmlformats.org/presentationml/2006/main">
-  <p:cSld>
-    <p:spTree>
-      <p:nvGrpSpPr>
-        <p:cNvPr id="1" name=""/>
-        <p:cNvGrpSpPr/>
-        <p:nvPr/>
-      </p:nvGrpSpPr>
-      <p:grpSpPr>
-        <a:xfrm>
-          <a:off x="0" y="0"/>
-          <a:ext cx="0" cy="0"/>
-          <a:chOff x="0" y="0"/>
-          <a:chExt cx="0" cy="0"/>
-        </a:xfrm>
-      </p:grpSpPr>
-      <p:sp>
-        <p:nvSpPr>
-          <p:cNvPr id="2" name="タイトル 1">
-            <a:extLst>
-              <a:ext uri="{FF2B5EF4-FFF2-40B4-BE49-F238E27FC236}">
-                <a16:creationId xmlns:a16="http://schemas.microsoft.com/office/drawing/2014/main" id="{892C59F3-AD8A-C648-98CA-0C3943AE4A58}"/>
-              </a:ext>
-            </a:extLst>
-          </p:cNvPr>
-          <p:cNvSpPr>
-            <a:spLocks noGrp="1"/>
-          </p:cNvSpPr>
-          <p:nvPr>
-            <p:ph type="title"/>
-          </p:nvPr>
-        </p:nvSpPr>
-        <p:spPr/>
-        <p:txBody>
-          <a:bodyPr/>
-          <a:lstStyle/>
-          <a:p>
-            <a:r>
-              <a:rPr kumimoji="1" lang="ja-JP" altLang="en-US"/>
-              <a:t>サンプルの順位と分位</a:t>
-            </a:r>
-          </a:p>
-        </p:txBody>
-      </p:sp>
-      <p:sp>
-        <p:nvSpPr>
-          <p:cNvPr id="3" name="コンテンツ プレースホルダー 2">
-            <a:extLst>
-              <a:ext uri="{FF2B5EF4-FFF2-40B4-BE49-F238E27FC236}">
-                <a16:creationId xmlns:a16="http://schemas.microsoft.com/office/drawing/2014/main" id="{2B892BED-13CC-B648-8A24-26DF1294EB9C}"/>
-              </a:ext>
-            </a:extLst>
-          </p:cNvPr>
-          <p:cNvSpPr>
-            <a:spLocks noGrp="1"/>
-          </p:cNvSpPr>
-          <p:nvPr>
-            <p:ph idx="1"/>
-          </p:nvPr>
-        </p:nvSpPr>
-        <p:spPr/>
-        <p:txBody>
-          <a:bodyPr>
-            <a:normAutofit fontScale="85000" lnSpcReduction="20000"/>
-          </a:bodyPr>
-          <a:lstStyle/>
-          <a:p>
-            <a:r>
-              <a:rPr lang="ja-JP" altLang="en-US"/>
-              <a:t>サンプルサイズ</a:t>
-            </a:r>
-            <a:r>
-              <a:rPr lang="en-US" altLang="ja-JP" dirty="0"/>
-              <a:t>n(</a:t>
-            </a:r>
-            <a:r>
-              <a:rPr lang="ja-JP" altLang="en-US"/>
-              <a:t>ここでは</a:t>
-            </a:r>
-            <a:r>
-              <a:rPr lang="en-US" altLang="ja-JP" dirty="0"/>
-              <a:t>100</a:t>
-            </a:r>
-            <a:r>
-              <a:rPr lang="ja-JP" altLang="en-US"/>
-              <a:t>にする</a:t>
-            </a:r>
-            <a:r>
-              <a:rPr lang="en-US" altLang="ja-JP" dirty="0"/>
-              <a:t>)</a:t>
-            </a:r>
-            <a:r>
-              <a:rPr lang="ja-JP" altLang="en-US"/>
-              <a:t>のデータが標準正規分布</a:t>
-            </a:r>
-            <a:r>
-              <a:rPr lang="en-US" altLang="ja-JP" dirty="0"/>
-              <a:t>N~(</a:t>
-            </a:r>
-            <a:r>
-              <a:rPr lang="en-US" altLang="ja-JP" dirty="0" err="1"/>
-              <a:t>μ</a:t>
-            </a:r>
-            <a:r>
-              <a:rPr lang="en-US" altLang="ja-JP" dirty="0"/>
-              <a:t>=0,σ=1)</a:t>
-            </a:r>
-            <a:r>
-              <a:rPr lang="ja-JP" altLang="en-US"/>
-              <a:t>に従って分布している．</a:t>
-            </a:r>
-            <a:endParaRPr lang="en-US" altLang="ja-JP" dirty="0"/>
-          </a:p>
-          <a:p>
-            <a:endParaRPr kumimoji="1" lang="en-US" altLang="ja-JP" dirty="0"/>
-          </a:p>
-          <a:p>
-            <a:r>
-              <a:rPr lang="ja-JP" altLang="en-US"/>
-              <a:t>サンプルを昇順に並び替えたもの</a:t>
-            </a:r>
-            <a:r>
-              <a:rPr lang="en-US" altLang="ja-JP" dirty="0"/>
-              <a:t>(a)</a:t>
-            </a:r>
-            <a:r>
-              <a:rPr lang="ja-JP" altLang="en-US"/>
-              <a:t>と、</a:t>
-            </a:r>
-            <a:r>
-              <a:rPr lang="en-US" altLang="ja-JP" dirty="0"/>
-              <a:t>1</a:t>
-            </a:r>
-            <a:r>
-              <a:rPr lang="ja-JP" altLang="en-US"/>
-              <a:t>から</a:t>
-            </a:r>
-            <a:r>
-              <a:rPr lang="en-US" altLang="ja-JP" dirty="0"/>
-              <a:t>n</a:t>
-            </a:r>
-            <a:r>
-              <a:rPr lang="ja-JP" altLang="en-US"/>
-              <a:t>までの順位で理論的に標準正規分布から得られる期待値</a:t>
-            </a:r>
-            <a:r>
-              <a:rPr lang="en-US" altLang="ja-JP" dirty="0"/>
-              <a:t>(b)</a:t>
-            </a:r>
-            <a:r>
-              <a:rPr lang="ja-JP" altLang="en-US"/>
-              <a:t>を比較する．</a:t>
-            </a:r>
-            <a:endParaRPr lang="en-US" altLang="ja-JP" dirty="0"/>
-          </a:p>
-          <a:p>
-            <a:pPr lvl="1"/>
-            <a:r>
-              <a:rPr lang="ja-JP" altLang="en-US"/>
-              <a:t>サンプルのデータが標準正規分布に従うなら、縦軸に</a:t>
-            </a:r>
-            <a:r>
-              <a:rPr lang="en-US" altLang="ja-JP" dirty="0"/>
-              <a:t>(a)</a:t>
-            </a:r>
-            <a:r>
-              <a:rPr lang="ja-JP" altLang="en-US"/>
-              <a:t>、横軸に</a:t>
-            </a:r>
-            <a:r>
-              <a:rPr lang="en-US" altLang="ja-JP" dirty="0"/>
-              <a:t>(b)</a:t>
-            </a:r>
-            <a:r>
-              <a:rPr lang="ja-JP" altLang="en-US"/>
-              <a:t>をとると直線に乗るはず．</a:t>
-            </a:r>
-            <a:endParaRPr lang="en-US" altLang="ja-JP" dirty="0"/>
-          </a:p>
-          <a:p>
-            <a:pPr lvl="1"/>
-            <a:endParaRPr lang="en-US" altLang="ja-JP" dirty="0"/>
-          </a:p>
-          <a:p>
-            <a:r>
-              <a:rPr kumimoji="1" lang="ja-JP" altLang="en-US"/>
-              <a:t>このサンプルの</a:t>
-            </a:r>
-            <a:r>
-              <a:rPr kumimoji="1" lang="en-US" altLang="ja-JP" dirty="0"/>
-              <a:t>quantile</a:t>
-            </a:r>
-            <a:r>
-              <a:rPr kumimoji="1" lang="ja-JP" altLang="en-US"/>
-              <a:t>と理論的な</a:t>
-            </a:r>
-            <a:r>
-              <a:rPr kumimoji="1" lang="en-US" altLang="ja-JP" dirty="0"/>
-              <a:t>quantile</a:t>
-            </a:r>
-            <a:r>
-              <a:rPr kumimoji="1" lang="ja-JP" altLang="en-US"/>
-              <a:t>の対応関係をプロット</a:t>
-            </a:r>
-            <a:br>
-              <a:rPr kumimoji="1" lang="en-US" altLang="ja-JP" dirty="0"/>
-            </a:br>
-            <a:endParaRPr kumimoji="1" lang="en-US" altLang="ja-JP" dirty="0"/>
-          </a:p>
-          <a:p>
-            <a:pPr lvl="1"/>
-            <a:r>
-              <a:rPr lang="en-US" altLang="ja-JP" dirty="0" err="1"/>
-              <a:t>std_norm_smpl</a:t>
-            </a:r>
-            <a:r>
-              <a:rPr lang="en-US" altLang="ja-JP" dirty="0"/>
-              <a:t> &lt;- </a:t>
-            </a:r>
-            <a:r>
-              <a:rPr lang="en-US" altLang="ja-JP" dirty="0" err="1"/>
-              <a:t>rnorm</a:t>
-            </a:r>
-            <a:r>
-              <a:rPr lang="en-US" altLang="ja-JP" dirty="0"/>
-              <a:t>(100,0,1)</a:t>
-            </a:r>
-          </a:p>
-          <a:p>
-            <a:pPr lvl="1"/>
-            <a:r>
-              <a:rPr lang="en-US" altLang="ja-JP" dirty="0" err="1"/>
-              <a:t>sort</a:t>
-            </a:r>
-            <a:r>
-              <a:rPr kumimoji="1" lang="en-US" altLang="ja-JP" dirty="0" err="1"/>
-              <a:t>_std_norm_s</a:t>
-            </a:r>
-            <a:r>
-              <a:rPr lang="en-US" altLang="ja-JP" dirty="0" err="1"/>
-              <a:t>mpl</a:t>
-            </a:r>
-            <a:r>
-              <a:rPr lang="en-US" altLang="ja-JP" dirty="0"/>
-              <a:t> &lt;- </a:t>
-            </a:r>
-            <a:r>
-              <a:rPr lang="en-US" altLang="ja-JP" dirty="0" err="1"/>
-              <a:t>std_norm_smpl</a:t>
-            </a:r>
-            <a:r>
-              <a:rPr lang="en-US" altLang="ja-JP" dirty="0"/>
-              <a:t>[order(</a:t>
-            </a:r>
-            <a:r>
-              <a:rPr lang="en-US" altLang="ja-JP" dirty="0" err="1"/>
-              <a:t>std_norm_smp,decreasing</a:t>
-            </a:r>
-            <a:r>
-              <a:rPr lang="en-US" altLang="ja-JP" dirty="0"/>
-              <a:t> = F)]</a:t>
-            </a:r>
-          </a:p>
-          <a:p>
-            <a:pPr lvl="1"/>
-            <a:r>
-              <a:rPr kumimoji="1" lang="en-US" altLang="ja-JP" dirty="0" err="1"/>
-              <a:t>theo</a:t>
-            </a:r>
-            <a:r>
-              <a:rPr lang="en-US" altLang="ja-JP" dirty="0" err="1"/>
-              <a:t>r_smpl</a:t>
-            </a:r>
-            <a:r>
-              <a:rPr lang="en-US" altLang="ja-JP" dirty="0"/>
-              <a:t> &lt;- (seq(1,100)-0.5)/100</a:t>
-            </a:r>
-          </a:p>
-          <a:p>
-            <a:pPr lvl="1"/>
-            <a:r>
-              <a:rPr lang="en-US" altLang="ja-JP" dirty="0"/>
-              <a:t>plot(</a:t>
-            </a:r>
-            <a:r>
-              <a:rPr lang="en-US" altLang="ja-JP" dirty="0" err="1"/>
-              <a:t>theor_smp,ord_stdnorm_smp</a:t>
-            </a:r>
-            <a:r>
-              <a:rPr lang="en-US" altLang="ja-JP" dirty="0"/>
-              <a:t>)</a:t>
-            </a:r>
-            <a:endParaRPr kumimoji="1" lang="ja-JP" altLang="en-US"/>
-          </a:p>
-        </p:txBody>
-      </p:sp>
-    </p:spTree>
-    <p:extLst>
-      <p:ext uri="{BB962C8B-B14F-4D97-AF65-F5344CB8AC3E}">
-        <p14:creationId xmlns:p14="http://schemas.microsoft.com/office/powerpoint/2010/main" val="4050706010"/>
-      </p:ext>
-    </p:extLst>
-  </p:cSld>
-  <p:clrMapOvr>
-    <a:masterClrMapping/>
-  </p:clrMapOvr>
-</p:sld>
-</file>
-
-<file path=ppt/slides/slide8.xml><?xml version="1.0" encoding="utf-8"?>
-<p:sld xmlns:a="http://schemas.openxmlformats.org/drawingml/2006/main" xmlns:r="http://schemas.openxmlformats.org/officeDocument/2006/relationships" xmlns:p="http://schemas.openxmlformats.org/presentationml/2006/main">
-  <p:cSld>
-    <p:spTree>
-      <p:nvGrpSpPr>
-        <p:cNvPr id="1" name=""/>
-        <p:cNvGrpSpPr/>
-        <p:nvPr/>
-      </p:nvGrpSpPr>
-      <p:grpSpPr>
-        <a:xfrm>
-          <a:off x="0" y="0"/>
-          <a:ext cx="0" cy="0"/>
-          <a:chOff x="0" y="0"/>
-          <a:chExt cx="0" cy="0"/>
-        </a:xfrm>
-      </p:grpSpPr>
-      <p:sp>
-        <p:nvSpPr>
-          <p:cNvPr id="2" name="タイトル 1">
-            <a:extLst>
-              <a:ext uri="{FF2B5EF4-FFF2-40B4-BE49-F238E27FC236}">
-                <a16:creationId xmlns:a16="http://schemas.microsoft.com/office/drawing/2014/main" id="{F1994288-EB8E-A84F-B42C-97ABDD69EAD5}"/>
-              </a:ext>
-            </a:extLst>
-          </p:cNvPr>
-          <p:cNvSpPr>
-            <a:spLocks noGrp="1"/>
-          </p:cNvSpPr>
-          <p:nvPr>
-            <p:ph type="title"/>
-          </p:nvPr>
-        </p:nvSpPr>
-        <p:spPr/>
-        <p:txBody>
-          <a:bodyPr/>
-          <a:lstStyle/>
-          <a:p>
-            <a:r>
-              <a:rPr kumimoji="1" lang="en-US" altLang="ja-JP" dirty="0" err="1"/>
-              <a:t>qqnorm</a:t>
-            </a:r>
-            <a:r>
-              <a:rPr kumimoji="1" lang="ja-JP" altLang="en-US"/>
-              <a:t>関数</a:t>
-            </a:r>
-          </a:p>
-        </p:txBody>
-      </p:sp>
-      <p:sp>
-        <p:nvSpPr>
-          <p:cNvPr id="3" name="コンテンツ プレースホルダー 2">
-            <a:extLst>
-              <a:ext uri="{FF2B5EF4-FFF2-40B4-BE49-F238E27FC236}">
-                <a16:creationId xmlns:a16="http://schemas.microsoft.com/office/drawing/2014/main" id="{F17329F4-295F-B840-A01F-3058DFA89E7D}"/>
-              </a:ext>
-            </a:extLst>
-          </p:cNvPr>
-          <p:cNvSpPr>
-            <a:spLocks noGrp="1"/>
-          </p:cNvSpPr>
-          <p:nvPr>
-            <p:ph idx="1"/>
-          </p:nvPr>
-        </p:nvSpPr>
-        <p:spPr/>
-        <p:txBody>
-          <a:bodyPr/>
-          <a:lstStyle/>
-          <a:p>
-            <a:r>
-              <a:rPr kumimoji="1" lang="ja-JP" altLang="en-US"/>
-              <a:t>誤差が正規分布であるサンプルである時、</a:t>
-            </a:r>
-            <a:r>
-              <a:rPr lang="en-US" altLang="ja-JP" dirty="0"/>
-              <a:t>Q-</a:t>
-            </a:r>
-            <a:r>
-              <a:rPr lang="en-US" altLang="ja-JP" dirty="0" err="1"/>
-              <a:t>Qplot</a:t>
-            </a:r>
-            <a:r>
-              <a:rPr lang="ja-JP" altLang="en-US"/>
-              <a:t>は</a:t>
-            </a:r>
-            <a:r>
-              <a:rPr lang="en-US" altLang="ja-JP" dirty="0" err="1"/>
-              <a:t>qqnorm</a:t>
-            </a:r>
-            <a:r>
-              <a:rPr lang="ja-JP" altLang="en-US"/>
-              <a:t>関数が使える．</a:t>
-            </a:r>
-            <a:endParaRPr lang="en-US" altLang="ja-JP" dirty="0"/>
-          </a:p>
-          <a:p>
-            <a:pPr lvl="1"/>
-            <a:r>
-              <a:rPr kumimoji="1" lang="en-US" altLang="ja-JP" dirty="0" err="1"/>
-              <a:t>qqnorm</a:t>
-            </a:r>
-            <a:r>
-              <a:rPr kumimoji="1" lang="en-US" altLang="ja-JP" dirty="0"/>
-              <a:t>(</a:t>
-            </a:r>
-            <a:r>
-              <a:rPr kumimoji="1" lang="en-US" altLang="ja-JP" dirty="0" err="1"/>
-              <a:t>std_norm_smpl</a:t>
-            </a:r>
-            <a:r>
-              <a:rPr kumimoji="1" lang="en-US" altLang="ja-JP" dirty="0"/>
-              <a:t>)</a:t>
-            </a:r>
-          </a:p>
-          <a:p>
-            <a:endParaRPr kumimoji="1" lang="en-US" altLang="ja-JP" dirty="0"/>
-          </a:p>
-          <a:p>
-            <a:r>
-              <a:rPr kumimoji="1" lang="ja-JP" altLang="en-US"/>
-              <a:t>この関数は分布の標準化した上で理論値と比べてくれる．線形モデルの結果の残差をそのまま引数に入れる．</a:t>
-            </a:r>
-            <a:endParaRPr kumimoji="1" lang="en-US" altLang="ja-JP" dirty="0"/>
-          </a:p>
-          <a:p>
-            <a:pPr lvl="1"/>
-            <a:r>
-              <a:rPr lang="en-US" altLang="ja-JP" dirty="0" err="1"/>
-              <a:t>qqnorm</a:t>
-            </a:r>
-            <a:r>
-              <a:rPr lang="en-US" altLang="ja-JP" dirty="0"/>
-              <a:t>(</a:t>
-            </a:r>
-            <a:r>
-              <a:rPr lang="en-US" altLang="ja-JP" dirty="0" err="1"/>
-              <a:t>res_lm$residuals</a:t>
-            </a:r>
-            <a:r>
-              <a:rPr lang="en-US" altLang="ja-JP" dirty="0"/>
-              <a:t>)</a:t>
-            </a:r>
-            <a:endParaRPr kumimoji="1" lang="ja-JP" altLang="en-US"/>
-          </a:p>
-        </p:txBody>
-      </p:sp>
-    </p:spTree>
-    <p:extLst>
-      <p:ext uri="{BB962C8B-B14F-4D97-AF65-F5344CB8AC3E}">
-        <p14:creationId xmlns:p14="http://schemas.microsoft.com/office/powerpoint/2010/main" val="2009115823"/>
-      </p:ext>
-    </p:extLst>
-  </p:cSld>
-  <p:clrMapOvr>
-    <a:masterClrMapping/>
-  </p:clrMapOvr>
-</p:sld>
-</file>
-
-<file path=ppt/slides/slide9.xml><?xml version="1.0" encoding="utf-8"?>
-<p:sld xmlns:a="http://schemas.openxmlformats.org/drawingml/2006/main" xmlns:r="http://schemas.openxmlformats.org/officeDocument/2006/relationships" xmlns:p="http://schemas.openxmlformats.org/presentationml/2006/main">
-  <p:cSld>
-    <p:spTree>
-      <p:nvGrpSpPr>
-        <p:cNvPr id="1" name=""/>
-        <p:cNvGrpSpPr/>
-        <p:nvPr/>
-      </p:nvGrpSpPr>
-      <p:grpSpPr>
-        <a:xfrm>
-          <a:off x="0" y="0"/>
-          <a:ext cx="0" cy="0"/>
-          <a:chOff x="0" y="0"/>
-          <a:chExt cx="0" cy="0"/>
-        </a:xfrm>
-      </p:grpSpPr>
-      <p:sp>
-        <p:nvSpPr>
-          <p:cNvPr id="2" name="タイトル 1">
-            <a:extLst>
-              <a:ext uri="{FF2B5EF4-FFF2-40B4-BE49-F238E27FC236}">
-                <a16:creationId xmlns:a16="http://schemas.microsoft.com/office/drawing/2014/main" id="{032164F6-0F1B-1549-B553-24334B2E64E3}"/>
-              </a:ext>
-            </a:extLst>
-          </p:cNvPr>
-          <p:cNvSpPr>
-            <a:spLocks noGrp="1"/>
-          </p:cNvSpPr>
-          <p:nvPr>
-            <p:ph type="title"/>
-          </p:nvPr>
-        </p:nvSpPr>
-        <p:spPr/>
-        <p:txBody>
-          <a:bodyPr/>
-          <a:lstStyle/>
-          <a:p>
-            <a:r>
-              <a:rPr kumimoji="1" lang="en-US" altLang="ja-JP" dirty="0"/>
-              <a:t>GLM</a:t>
-            </a:r>
-            <a:r>
-              <a:rPr kumimoji="1" lang="ja-JP" altLang="en-US"/>
-              <a:t>の残差</a:t>
-            </a:r>
-          </a:p>
-        </p:txBody>
-      </p:sp>
-      <p:sp>
-        <p:nvSpPr>
-          <p:cNvPr id="3" name="コンテンツ プレースホルダー 2">
-            <a:extLst>
-              <a:ext uri="{FF2B5EF4-FFF2-40B4-BE49-F238E27FC236}">
-                <a16:creationId xmlns:a16="http://schemas.microsoft.com/office/drawing/2014/main" id="{7044DDCB-175D-DC41-A5AC-98AE58CE5A61}"/>
-              </a:ext>
-            </a:extLst>
-          </p:cNvPr>
-          <p:cNvSpPr>
-            <a:spLocks noGrp="1"/>
-          </p:cNvSpPr>
-          <p:nvPr>
-            <p:ph idx="1"/>
-          </p:nvPr>
-        </p:nvSpPr>
-        <p:spPr/>
-        <p:txBody>
-          <a:bodyPr/>
-          <a:lstStyle/>
-          <a:p>
-            <a:r>
-              <a:rPr kumimoji="1" lang="ja-JP" altLang="en-US"/>
-              <a:t>誤差分布が正規分布ではない場合、残差は単純に予測値からのズレを使わない．</a:t>
-            </a:r>
-            <a:endParaRPr kumimoji="1" lang="en-US" altLang="ja-JP" dirty="0"/>
-          </a:p>
-          <a:p>
-            <a:pPr lvl="1"/>
-            <a:r>
-              <a:rPr lang="ja-JP" altLang="en-US"/>
-              <a:t>線形予測子の値に依存して誤差の分散が変わるので、線形モデルのように簡単でない．</a:t>
-            </a:r>
-            <a:endParaRPr lang="en-US" altLang="ja-JP" dirty="0"/>
-          </a:p>
-          <a:p>
-            <a:endParaRPr kumimoji="1" lang="en-US" altLang="ja-JP" dirty="0"/>
-          </a:p>
-          <a:p>
-            <a:r>
-              <a:rPr kumimoji="1" lang="ja-JP" altLang="en-US"/>
-              <a:t>代わりに</a:t>
-            </a:r>
-            <a:r>
-              <a:rPr kumimoji="1" lang="en-US" altLang="ja-JP" dirty="0"/>
-              <a:t>residuals</a:t>
-            </a:r>
-            <a:r>
-              <a:rPr kumimoji="1" lang="ja-JP" altLang="en-US"/>
-              <a:t>関数で</a:t>
-            </a:r>
-            <a:r>
-              <a:rPr lang="en-US" altLang="ja-JP" dirty="0"/>
-              <a:t>deviance</a:t>
-            </a:r>
-            <a:r>
-              <a:rPr lang="ja-JP" altLang="en-US"/>
-              <a:t>を指定して取り出す</a:t>
-            </a:r>
-            <a:r>
-              <a:rPr kumimoji="1" lang="ja-JP" altLang="en-US"/>
-              <a:t>．</a:t>
-            </a:r>
-            <a:endParaRPr kumimoji="1" lang="en-US" altLang="ja-JP" dirty="0"/>
-          </a:p>
-          <a:p>
-            <a:pPr lvl="1"/>
-            <a:r>
-              <a:rPr kumimoji="1" lang="en-US" altLang="ja-JP" dirty="0" err="1"/>
-              <a:t>resid_glm</a:t>
-            </a:r>
-            <a:r>
-              <a:rPr kumimoji="1" lang="en-US" altLang="ja-JP" dirty="0"/>
-              <a:t> &lt;- residuals(</a:t>
-            </a:r>
-            <a:r>
-              <a:rPr kumimoji="1" lang="en-US" altLang="ja-JP" dirty="0" err="1"/>
-              <a:t>res_glm</a:t>
-            </a:r>
-            <a:r>
-              <a:rPr kumimoji="1" lang="en-US" altLang="ja-JP" dirty="0"/>
-              <a:t>, type=“deviance”)</a:t>
-            </a:r>
-          </a:p>
-          <a:p>
-            <a:pPr lvl="1"/>
-            <a:r>
-              <a:rPr kumimoji="1" lang="en-US" altLang="ja-JP" dirty="0"/>
-              <a:t>hist(</a:t>
-            </a:r>
-            <a:r>
-              <a:rPr kumimoji="1" lang="en-US" altLang="ja-JP" dirty="0" err="1"/>
-              <a:t>resid_glm</a:t>
-            </a:r>
-            <a:r>
-              <a:rPr kumimoji="1" lang="en-US" altLang="ja-JP" dirty="0"/>
-              <a:t>)</a:t>
-            </a:r>
-            <a:endParaRPr kumimoji="1" lang="ja-JP" altLang="en-US"/>
-          </a:p>
-        </p:txBody>
-      </p:sp>
-    </p:spTree>
-    <p:extLst>
-      <p:ext uri="{BB962C8B-B14F-4D97-AF65-F5344CB8AC3E}">
-        <p14:creationId xmlns:p14="http://schemas.microsoft.com/office/powerpoint/2010/main" val="2447858462"/>
+        <p14:creationId xmlns:p14="http://schemas.microsoft.com/office/powerpoint/2010/main" val="1202530031"/>
       </p:ext>
     </p:extLst>
   </p:cSld>
@@ -6637,4 +5890,299 @@
     </a:ext>
   </a:extLst>
 </a:theme>
+</file>
+
+<file path=ppt/theme/theme2.xml><?xml version="1.0" encoding="utf-8"?>
+<a:theme xmlns:a="http://schemas.openxmlformats.org/drawingml/2006/main" name="Office テーマ">
+  <a:themeElements>
+    <a:clrScheme name="Office">
+      <a:dk1>
+        <a:sysClr val="windowText" lastClr="000000"/>
+      </a:dk1>
+      <a:lt1>
+        <a:sysClr val="window" lastClr="FFFFFF"/>
+      </a:lt1>
+      <a:dk2>
+        <a:srgbClr val="44546A"/>
+      </a:dk2>
+      <a:lt2>
+        <a:srgbClr val="E7E6E6"/>
+      </a:lt2>
+      <a:accent1>
+        <a:srgbClr val="4472C4"/>
+      </a:accent1>
+      <a:accent2>
+        <a:srgbClr val="ED7D31"/>
+      </a:accent2>
+      <a:accent3>
+        <a:srgbClr val="A5A5A5"/>
+      </a:accent3>
+      <a:accent4>
+        <a:srgbClr val="FFC000"/>
+      </a:accent4>
+      <a:accent5>
+        <a:srgbClr val="5B9BD5"/>
+      </a:accent5>
+      <a:accent6>
+        <a:srgbClr val="70AD47"/>
+      </a:accent6>
+      <a:hlink>
+        <a:srgbClr val="0563C1"/>
+      </a:hlink>
+      <a:folHlink>
+        <a:srgbClr val="954F72"/>
+      </a:folHlink>
+    </a:clrScheme>
+    <a:fontScheme name="Office">
+      <a:majorFont>
+        <a:latin typeface="游ゴシック Light" panose="020F0302020204030204"/>
+        <a:ea typeface=""/>
+        <a:cs typeface=""/>
+        <a:font script="Jpan" typeface="游ゴシック Light"/>
+        <a:font script="Hang" typeface="맑은 고딕"/>
+        <a:font script="Hans" typeface="等线 Light"/>
+        <a:font script="Hant" typeface="新細明體"/>
+        <a:font script="Arab" typeface="Times New Roman"/>
+        <a:font script="Hebr" typeface="Times New Roman"/>
+        <a:font script="Thai" typeface="Angsana New"/>
+        <a:font script="Ethi" typeface="Nyala"/>
+        <a:font script="Beng" typeface="Vrinda"/>
+        <a:font script="Gujr" typeface="Shruti"/>
+        <a:font script="Khmr" typeface="MoolBoran"/>
+        <a:font script="Knda" typeface="Tunga"/>
+        <a:font script="Guru" typeface="Raavi"/>
+        <a:font script="Cans" typeface="Euphemia"/>
+        <a:font script="Cher" typeface="Plantagenet Cherokee"/>
+        <a:font script="Yiii" typeface="Microsoft Yi Baiti"/>
+        <a:font script="Tibt" typeface="Microsoft Himalaya"/>
+        <a:font script="Thaa" typeface="MV Boli"/>
+        <a:font script="Deva" typeface="Mangal"/>
+        <a:font script="Telu" typeface="Gautami"/>
+        <a:font script="Taml" typeface="Latha"/>
+        <a:font script="Syrc" typeface="Estrangelo Edessa"/>
+        <a:font script="Orya" typeface="Kalinga"/>
+        <a:font script="Mlym" typeface="Kartika"/>
+        <a:font script="Laoo" typeface="DokChampa"/>
+        <a:font script="Sinh" typeface="Iskoola Pota"/>
+        <a:font script="Mong" typeface="Mongolian Baiti"/>
+        <a:font script="Viet" typeface="Times New Roman"/>
+        <a:font script="Uigh" typeface="Microsoft Uighur"/>
+        <a:font script="Geor" typeface="Sylfaen"/>
+        <a:font script="Armn" typeface="Arial"/>
+        <a:font script="Bugi" typeface="Leelawadee UI"/>
+        <a:font script="Bopo" typeface="Microsoft JhengHei"/>
+        <a:font script="Java" typeface="Javanese Text"/>
+        <a:font script="Lisu" typeface="Segoe UI"/>
+        <a:font script="Mymr" typeface="Myanmar Text"/>
+        <a:font script="Nkoo" typeface="Ebrima"/>
+        <a:font script="Olck" typeface="Nirmala UI"/>
+        <a:font script="Osma" typeface="Ebrima"/>
+        <a:font script="Phag" typeface="Phagspa"/>
+        <a:font script="Syrn" typeface="Estrangelo Edessa"/>
+        <a:font script="Syrj" typeface="Estrangelo Edessa"/>
+        <a:font script="Syre" typeface="Estrangelo Edessa"/>
+        <a:font script="Sora" typeface="Nirmala UI"/>
+        <a:font script="Tale" typeface="Microsoft Tai Le"/>
+        <a:font script="Talu" typeface="Microsoft New Tai Lue"/>
+        <a:font script="Tfng" typeface="Ebrima"/>
+      </a:majorFont>
+      <a:minorFont>
+        <a:latin typeface="游ゴシック" panose="020F0502020204030204"/>
+        <a:ea typeface=""/>
+        <a:cs typeface=""/>
+        <a:font script="Jpan" typeface="游ゴシック"/>
+        <a:font script="Hang" typeface="맑은 고딕"/>
+        <a:font script="Hans" typeface="等线"/>
+        <a:font script="Hant" typeface="新細明體"/>
+        <a:font script="Arab" typeface="Arial"/>
+        <a:font script="Hebr" typeface="Arial"/>
+        <a:font script="Thai" typeface="Cordia New"/>
+        <a:font script="Ethi" typeface="Nyala"/>
+        <a:font script="Beng" typeface="Vrinda"/>
+        <a:font script="Gujr" typeface="Shruti"/>
+        <a:font script="Khmr" typeface="DaunPenh"/>
+        <a:font script="Knda" typeface="Tunga"/>
+        <a:font script="Guru" typeface="Raavi"/>
+        <a:font script="Cans" typeface="Euphemia"/>
+        <a:font script="Cher" typeface="Plantagenet Cherokee"/>
+        <a:font script="Yiii" typeface="Microsoft Yi Baiti"/>
+        <a:font script="Tibt" typeface="Microsoft Himalaya"/>
+        <a:font script="Thaa" typeface="MV Boli"/>
+        <a:font script="Deva" typeface="Mangal"/>
+        <a:font script="Telu" typeface="Gautami"/>
+        <a:font script="Taml" typeface="Latha"/>
+        <a:font script="Syrc" typeface="Estrangelo Edessa"/>
+        <a:font script="Orya" typeface="Kalinga"/>
+        <a:font script="Mlym" typeface="Kartika"/>
+        <a:font script="Laoo" typeface="DokChampa"/>
+        <a:font script="Sinh" typeface="Iskoola Pota"/>
+        <a:font script="Mong" typeface="Mongolian Baiti"/>
+        <a:font script="Viet" typeface="Arial"/>
+        <a:font script="Uigh" typeface="Microsoft Uighur"/>
+        <a:font script="Geor" typeface="Sylfaen"/>
+        <a:font script="Armn" typeface="Arial"/>
+        <a:font script="Bugi" typeface="Leelawadee UI"/>
+        <a:font script="Bopo" typeface="Microsoft JhengHei"/>
+        <a:font script="Java" typeface="Javanese Text"/>
+        <a:font script="Lisu" typeface="Segoe UI"/>
+        <a:font script="Mymr" typeface="Myanmar Text"/>
+        <a:font script="Nkoo" typeface="Ebrima"/>
+        <a:font script="Olck" typeface="Nirmala UI"/>
+        <a:font script="Osma" typeface="Ebrima"/>
+        <a:font script="Phag" typeface="Phagspa"/>
+        <a:font script="Syrn" typeface="Estrangelo Edessa"/>
+        <a:font script="Syrj" typeface="Estrangelo Edessa"/>
+        <a:font script="Syre" typeface="Estrangelo Edessa"/>
+        <a:font script="Sora" typeface="Nirmala UI"/>
+        <a:font script="Tale" typeface="Microsoft Tai Le"/>
+        <a:font script="Talu" typeface="Microsoft New Tai Lue"/>
+        <a:font script="Tfng" typeface="Ebrima"/>
+      </a:minorFont>
+    </a:fontScheme>
+    <a:fmtScheme name="Office">
+      <a:fillStyleLst>
+        <a:solidFill>
+          <a:schemeClr val="phClr"/>
+        </a:solidFill>
+        <a:gradFill rotWithShape="1">
+          <a:gsLst>
+            <a:gs pos="0">
+              <a:schemeClr val="phClr">
+                <a:lumMod val="110000"/>
+                <a:satMod val="105000"/>
+                <a:tint val="67000"/>
+              </a:schemeClr>
+            </a:gs>
+            <a:gs pos="50000">
+              <a:schemeClr val="phClr">
+                <a:lumMod val="105000"/>
+                <a:satMod val="103000"/>
+                <a:tint val="73000"/>
+              </a:schemeClr>
+            </a:gs>
+            <a:gs pos="100000">
+              <a:schemeClr val="phClr">
+                <a:lumMod val="105000"/>
+                <a:satMod val="109000"/>
+                <a:tint val="81000"/>
+              </a:schemeClr>
+            </a:gs>
+          </a:gsLst>
+          <a:lin ang="5400000" scaled="0"/>
+        </a:gradFill>
+        <a:gradFill rotWithShape="1">
+          <a:gsLst>
+            <a:gs pos="0">
+              <a:schemeClr val="phClr">
+                <a:satMod val="103000"/>
+                <a:lumMod val="102000"/>
+                <a:tint val="94000"/>
+              </a:schemeClr>
+            </a:gs>
+            <a:gs pos="50000">
+              <a:schemeClr val="phClr">
+                <a:satMod val="110000"/>
+                <a:lumMod val="100000"/>
+                <a:shade val="100000"/>
+              </a:schemeClr>
+            </a:gs>
+            <a:gs pos="100000">
+              <a:schemeClr val="phClr">
+                <a:lumMod val="99000"/>
+                <a:satMod val="120000"/>
+                <a:shade val="78000"/>
+              </a:schemeClr>
+            </a:gs>
+          </a:gsLst>
+          <a:lin ang="5400000" scaled="0"/>
+        </a:gradFill>
+      </a:fillStyleLst>
+      <a:lnStyleLst>
+        <a:ln w="6350" cap="flat" cmpd="sng" algn="ctr">
+          <a:solidFill>
+            <a:schemeClr val="phClr"/>
+          </a:solidFill>
+          <a:prstDash val="solid"/>
+          <a:miter lim="800000"/>
+        </a:ln>
+        <a:ln w="12700" cap="flat" cmpd="sng" algn="ctr">
+          <a:solidFill>
+            <a:schemeClr val="phClr"/>
+          </a:solidFill>
+          <a:prstDash val="solid"/>
+          <a:miter lim="800000"/>
+        </a:ln>
+        <a:ln w="19050" cap="flat" cmpd="sng" algn="ctr">
+          <a:solidFill>
+            <a:schemeClr val="phClr"/>
+          </a:solidFill>
+          <a:prstDash val="solid"/>
+          <a:miter lim="800000"/>
+        </a:ln>
+      </a:lnStyleLst>
+      <a:effectStyleLst>
+        <a:effectStyle>
+          <a:effectLst/>
+        </a:effectStyle>
+        <a:effectStyle>
+          <a:effectLst/>
+        </a:effectStyle>
+        <a:effectStyle>
+          <a:effectLst>
+            <a:outerShdw blurRad="57150" dist="19050" dir="5400000" algn="ctr" rotWithShape="0">
+              <a:srgbClr val="000000">
+                <a:alpha val="63000"/>
+              </a:srgbClr>
+            </a:outerShdw>
+          </a:effectLst>
+        </a:effectStyle>
+      </a:effectStyleLst>
+      <a:bgFillStyleLst>
+        <a:solidFill>
+          <a:schemeClr val="phClr"/>
+        </a:solidFill>
+        <a:solidFill>
+          <a:schemeClr val="phClr">
+            <a:tint val="95000"/>
+            <a:satMod val="170000"/>
+          </a:schemeClr>
+        </a:solidFill>
+        <a:gradFill rotWithShape="1">
+          <a:gsLst>
+            <a:gs pos="0">
+              <a:schemeClr val="phClr">
+                <a:tint val="93000"/>
+                <a:satMod val="150000"/>
+                <a:shade val="98000"/>
+                <a:lumMod val="102000"/>
+              </a:schemeClr>
+            </a:gs>
+            <a:gs pos="50000">
+              <a:schemeClr val="phClr">
+                <a:tint val="98000"/>
+                <a:satMod val="130000"/>
+                <a:shade val="90000"/>
+                <a:lumMod val="103000"/>
+              </a:schemeClr>
+            </a:gs>
+            <a:gs pos="100000">
+              <a:schemeClr val="phClr">
+                <a:shade val="63000"/>
+                <a:satMod val="120000"/>
+              </a:schemeClr>
+            </a:gs>
+          </a:gsLst>
+          <a:lin ang="5400000" scaled="0"/>
+        </a:gradFill>
+      </a:bgFillStyleLst>
+    </a:fmtScheme>
+  </a:themeElements>
+  <a:objectDefaults/>
+  <a:extraClrSchemeLst/>
+  <a:extLst>
+    <a:ext uri="{05A4C25C-085E-4340-85A3-A5531E510DB2}">
+      <thm15:themeFamily xmlns:thm15="http://schemas.microsoft.com/office/thememl/2012/main" name="Office Theme" id="{62F939B6-93AF-4DB8-9C6B-D6C7DFDC589F}" vid="{4A3C46E8-61CC-4603-A589-7422A47A8E4A}"/>
+    </a:ext>
+  </a:extLst>
+</a:theme>
 </file>
--- a/R/スライド/第24回.pptx
+++ b/R/スライド/第24回.pptx
@@ -4,15 +4,19 @@
   <p:sldMasterIdLst>
     <p:sldMasterId id="2147483648" r:id="rId1"/>
   </p:sldMasterIdLst>
-  <p:notesMasterIdLst>
-    <p:notesMasterId r:id="rId7"/>
-  </p:notesMasterIdLst>
   <p:sldIdLst>
-    <p:sldId id="256" r:id="rId2"/>
-    <p:sldId id="257" r:id="rId3"/>
-    <p:sldId id="258" r:id="rId4"/>
-    <p:sldId id="259" r:id="rId5"/>
-    <p:sldId id="260" r:id="rId6"/>
+    <p:sldId id="257" r:id="rId2"/>
+    <p:sldId id="272" r:id="rId3"/>
+    <p:sldId id="274" r:id="rId4"/>
+    <p:sldId id="282" r:id="rId5"/>
+    <p:sldId id="280" r:id="rId6"/>
+    <p:sldId id="284" r:id="rId7"/>
+    <p:sldId id="285" r:id="rId8"/>
+    <p:sldId id="287" r:id="rId9"/>
+    <p:sldId id="288" r:id="rId10"/>
+    <p:sldId id="289" r:id="rId11"/>
+    <p:sldId id="281" r:id="rId12"/>
+    <p:sldId id="286" r:id="rId13"/>
   </p:sldIdLst>
   <p:sldSz cx="12192000" cy="6858000"/>
   <p:notesSz cx="6858000" cy="9144000"/>
@@ -122,7 +126,7 @@
 <file path=ppt/revisionInfo.xml><?xml version="1.0" encoding="utf-8"?>
 <p1510:revInfo xmlns:a="http://schemas.openxmlformats.org/drawingml/2006/main" xmlns:r="http://schemas.openxmlformats.org/officeDocument/2006/relationships" xmlns:p1510="http://schemas.microsoft.com/office/powerpoint/2015/10/main">
   <p1510:revLst>
-    <p1510:client id="{0A6AD86E-D9A5-7149-B3E7-407E133C10AB}" v="14" dt="2021-11-25T14:39:50.270"/>
+    <p1510:client id="{71876CCD-038C-B241-B95D-B124F60F9931}" v="2" dt="2021-11-28T20:10:33.124"/>
   </p1510:revLst>
 </p1510:revInfo>
 </file>
@@ -130,637 +134,681 @@
 <file path=ppt/changesInfos/changesInfo1.xml><?xml version="1.0" encoding="utf-8"?>
 <pc:chgInfo xmlns:a="http://schemas.openxmlformats.org/drawingml/2006/main" xmlns:r="http://schemas.openxmlformats.org/officeDocument/2006/relationships" xmlns:ac="http://schemas.microsoft.com/office/drawing/2013/main/command" xmlns:pc="http://schemas.microsoft.com/office/powerpoint/2013/main/command">
   <pc:docChgLst>
-    <pc:chgData name="Fukui Shin" userId="6902ee70c48ce296" providerId="LiveId" clId="{0A6AD86E-D9A5-7149-B3E7-407E133C10AB}"/>
+    <pc:chgData name="Fukui Shin" userId="6902ee70c48ce296" providerId="LiveId" clId="{71876CCD-038C-B241-B95D-B124F60F9931}"/>
     <pc:docChg chg="undo custSel addSld modSld">
-      <pc:chgData name="Fukui Shin" userId="6902ee70c48ce296" providerId="LiveId" clId="{0A6AD86E-D9A5-7149-B3E7-407E133C10AB}" dt="2021-11-25T15:24:55.768" v="1896" actId="20577"/>
+      <pc:chgData name="Fukui Shin" userId="6902ee70c48ce296" providerId="LiveId" clId="{71876CCD-038C-B241-B95D-B124F60F9931}" dt="2021-11-28T20:10:36.556" v="540" actId="20577"/>
       <pc:docMkLst>
         <pc:docMk/>
       </pc:docMkLst>
       <pc:sldChg chg="modSp new mod">
-        <pc:chgData name="Fukui Shin" userId="6902ee70c48ce296" providerId="LiveId" clId="{0A6AD86E-D9A5-7149-B3E7-407E133C10AB}" dt="2021-11-25T14:27:10.128" v="836" actId="20577"/>
+        <pc:chgData name="Fukui Shin" userId="6902ee70c48ce296" providerId="LiveId" clId="{71876CCD-038C-B241-B95D-B124F60F9931}" dt="2021-11-28T20:10:36.556" v="540" actId="20577"/>
         <pc:sldMkLst>
           <pc:docMk/>
-          <pc:sldMk cId="38973778" sldId="257"/>
+          <pc:sldMk cId="1212065946" sldId="289"/>
         </pc:sldMkLst>
         <pc:spChg chg="mod">
-          <ac:chgData name="Fukui Shin" userId="6902ee70c48ce296" providerId="LiveId" clId="{0A6AD86E-D9A5-7149-B3E7-407E133C10AB}" dt="2021-11-25T06:02:40.230" v="76" actId="20577"/>
+          <ac:chgData name="Fukui Shin" userId="6902ee70c48ce296" providerId="LiveId" clId="{71876CCD-038C-B241-B95D-B124F60F9931}" dt="2021-11-28T20:03:36.341" v="48" actId="20577"/>
           <ac:spMkLst>
             <pc:docMk/>
-            <pc:sldMk cId="38973778" sldId="257"/>
-            <ac:spMk id="2" creationId="{4F724FC6-68AC-DD44-848F-A8479EE585EC}"/>
+            <pc:sldMk cId="1212065946" sldId="289"/>
+            <ac:spMk id="2" creationId="{862669DD-A863-AE4A-8726-D817A9EC35DD}"/>
           </ac:spMkLst>
         </pc:spChg>
         <pc:spChg chg="mod">
-          <ac:chgData name="Fukui Shin" userId="6902ee70c48ce296" providerId="LiveId" clId="{0A6AD86E-D9A5-7149-B3E7-407E133C10AB}" dt="2021-11-25T14:27:10.128" v="836" actId="20577"/>
+          <ac:chgData name="Fukui Shin" userId="6902ee70c48ce296" providerId="LiveId" clId="{71876CCD-038C-B241-B95D-B124F60F9931}" dt="2021-11-28T20:10:36.556" v="540" actId="20577"/>
           <ac:spMkLst>
             <pc:docMk/>
-            <pc:sldMk cId="38973778" sldId="257"/>
-            <ac:spMk id="3" creationId="{FDC69433-5A2E-894F-BCDA-395F53263D77}"/>
+            <pc:sldMk cId="1212065946" sldId="289"/>
+            <ac:spMk id="3" creationId="{38995141-93AA-E14A-BC71-8290FD95D853}"/>
+          </ac:spMkLst>
+        </pc:spChg>
+      </pc:sldChg>
+    </pc:docChg>
+  </pc:docChgLst>
+  <pc:docChgLst>
+    <pc:chgData name="Fukui Shin" userId="6902ee70c48ce296" providerId="LiveId" clId="{45B1E7A5-405E-B949-93C9-105066568C4B}"/>
+    <pc:docChg chg="undo custSel addSld delSld modSld">
+      <pc:chgData name="Fukui Shin" userId="6902ee70c48ce296" providerId="LiveId" clId="{45B1E7A5-405E-B949-93C9-105066568C4B}" dt="2021-07-07T06:10:42.438" v="2646" actId="20577"/>
+      <pc:docMkLst>
+        <pc:docMk/>
+      </pc:docMkLst>
+      <pc:sldChg chg="modSp mod">
+        <pc:chgData name="Fukui Shin" userId="6902ee70c48ce296" providerId="LiveId" clId="{45B1E7A5-405E-B949-93C9-105066568C4B}" dt="2021-07-01T10:19:19.918" v="163" actId="20577"/>
+        <pc:sldMkLst>
+          <pc:docMk/>
+          <pc:sldMk cId="2432279440" sldId="257"/>
+        </pc:sldMkLst>
+        <pc:spChg chg="mod">
+          <ac:chgData name="Fukui Shin" userId="6902ee70c48ce296" providerId="LiveId" clId="{45B1E7A5-405E-B949-93C9-105066568C4B}" dt="2021-07-01T10:19:19.918" v="163" actId="20577"/>
+          <ac:spMkLst>
+            <pc:docMk/>
+            <pc:sldMk cId="2432279440" sldId="257"/>
+            <ac:spMk id="3" creationId="{05D7D93A-BA42-5D47-893C-FE41C03A53E0}"/>
+          </ac:spMkLst>
+        </pc:spChg>
+      </pc:sldChg>
+      <pc:sldChg chg="del">
+        <pc:chgData name="Fukui Shin" userId="6902ee70c48ce296" providerId="LiveId" clId="{45B1E7A5-405E-B949-93C9-105066568C4B}" dt="2021-06-21T15:45:54.544" v="80" actId="2696"/>
+        <pc:sldMkLst>
+          <pc:docMk/>
+          <pc:sldMk cId="1198899771" sldId="266"/>
+        </pc:sldMkLst>
+      </pc:sldChg>
+      <pc:sldChg chg="modSp mod">
+        <pc:chgData name="Fukui Shin" userId="6902ee70c48ce296" providerId="LiveId" clId="{45B1E7A5-405E-B949-93C9-105066568C4B}" dt="2021-07-03T08:26:30.538" v="848" actId="20577"/>
+        <pc:sldMkLst>
+          <pc:docMk/>
+          <pc:sldMk cId="1501767664" sldId="272"/>
+        </pc:sldMkLst>
+        <pc:spChg chg="mod">
+          <ac:chgData name="Fukui Shin" userId="6902ee70c48ce296" providerId="LiveId" clId="{45B1E7A5-405E-B949-93C9-105066568C4B}" dt="2021-07-03T07:59:04.927" v="165" actId="20577"/>
+          <ac:spMkLst>
+            <pc:docMk/>
+            <pc:sldMk cId="1501767664" sldId="272"/>
+            <ac:spMk id="2" creationId="{68BB739B-FF50-7947-89AB-1B70AF4DD3EA}"/>
+          </ac:spMkLst>
+        </pc:spChg>
+        <pc:spChg chg="mod">
+          <ac:chgData name="Fukui Shin" userId="6902ee70c48ce296" providerId="LiveId" clId="{45B1E7A5-405E-B949-93C9-105066568C4B}" dt="2021-07-03T08:26:30.538" v="848" actId="20577"/>
+          <ac:spMkLst>
+            <pc:docMk/>
+            <pc:sldMk cId="1501767664" sldId="272"/>
+            <ac:spMk id="3" creationId="{B7EB713B-B0D0-A347-9D4F-48B4383A8075}"/>
+          </ac:spMkLst>
+        </pc:spChg>
+      </pc:sldChg>
+      <pc:sldChg chg="modSp mod">
+        <pc:chgData name="Fukui Shin" userId="6902ee70c48ce296" providerId="LiveId" clId="{45B1E7A5-405E-B949-93C9-105066568C4B}" dt="2021-07-03T10:21:03.507" v="1525" actId="20577"/>
+        <pc:sldMkLst>
+          <pc:docMk/>
+          <pc:sldMk cId="1722450886" sldId="274"/>
+        </pc:sldMkLst>
+        <pc:spChg chg="mod">
+          <ac:chgData name="Fukui Shin" userId="6902ee70c48ce296" providerId="LiveId" clId="{45B1E7A5-405E-B949-93C9-105066568C4B}" dt="2021-07-03T08:39:13.034" v="902" actId="20577"/>
+          <ac:spMkLst>
+            <pc:docMk/>
+            <pc:sldMk cId="1722450886" sldId="274"/>
+            <ac:spMk id="2" creationId="{68BB739B-FF50-7947-89AB-1B70AF4DD3EA}"/>
+          </ac:spMkLst>
+        </pc:spChg>
+        <pc:spChg chg="mod">
+          <ac:chgData name="Fukui Shin" userId="6902ee70c48ce296" providerId="LiveId" clId="{45B1E7A5-405E-B949-93C9-105066568C4B}" dt="2021-07-03T10:21:03.507" v="1525" actId="20577"/>
+          <ac:spMkLst>
+            <pc:docMk/>
+            <pc:sldMk cId="1722450886" sldId="274"/>
+            <ac:spMk id="3" creationId="{B7EB713B-B0D0-A347-9D4F-48B4383A8075}"/>
+          </ac:spMkLst>
+        </pc:spChg>
+      </pc:sldChg>
+      <pc:sldChg chg="del">
+        <pc:chgData name="Fukui Shin" userId="6902ee70c48ce296" providerId="LiveId" clId="{45B1E7A5-405E-B949-93C9-105066568C4B}" dt="2021-07-03T08:27:27.529" v="853" actId="2696"/>
+        <pc:sldMkLst>
+          <pc:docMk/>
+          <pc:sldMk cId="3322847216" sldId="276"/>
+        </pc:sldMkLst>
+      </pc:sldChg>
+      <pc:sldChg chg="del">
+        <pc:chgData name="Fukui Shin" userId="6902ee70c48ce296" providerId="LiveId" clId="{45B1E7A5-405E-B949-93C9-105066568C4B}" dt="2021-06-21T15:46:05.443" v="81" actId="2696"/>
+        <pc:sldMkLst>
+          <pc:docMk/>
+          <pc:sldMk cId="3458342540" sldId="278"/>
+        </pc:sldMkLst>
+      </pc:sldChg>
+      <pc:sldChg chg="del">
+        <pc:chgData name="Fukui Shin" userId="6902ee70c48ce296" providerId="LiveId" clId="{45B1E7A5-405E-B949-93C9-105066568C4B}" dt="2021-06-21T15:45:54.544" v="80" actId="2696"/>
+        <pc:sldMkLst>
+          <pc:docMk/>
+          <pc:sldMk cId="323365537" sldId="279"/>
+        </pc:sldMkLst>
+      </pc:sldChg>
+      <pc:sldChg chg="modSp mod">
+        <pc:chgData name="Fukui Shin" userId="6902ee70c48ce296" providerId="LiveId" clId="{45B1E7A5-405E-B949-93C9-105066568C4B}" dt="2021-07-03T10:20:55.075" v="1521" actId="20577"/>
+        <pc:sldMkLst>
+          <pc:docMk/>
+          <pc:sldMk cId="623929723" sldId="280"/>
+        </pc:sldMkLst>
+        <pc:spChg chg="mod">
+          <ac:chgData name="Fukui Shin" userId="6902ee70c48ce296" providerId="LiveId" clId="{45B1E7A5-405E-B949-93C9-105066568C4B}" dt="2021-07-03T08:39:18.908" v="903"/>
+          <ac:spMkLst>
+            <pc:docMk/>
+            <pc:sldMk cId="623929723" sldId="280"/>
+            <ac:spMk id="2" creationId="{68BB739B-FF50-7947-89AB-1B70AF4DD3EA}"/>
+          </ac:spMkLst>
+        </pc:spChg>
+        <pc:spChg chg="mod">
+          <ac:chgData name="Fukui Shin" userId="6902ee70c48ce296" providerId="LiveId" clId="{45B1E7A5-405E-B949-93C9-105066568C4B}" dt="2021-07-03T10:20:55.075" v="1521" actId="20577"/>
+          <ac:spMkLst>
+            <pc:docMk/>
+            <pc:sldMk cId="623929723" sldId="280"/>
+            <ac:spMk id="3" creationId="{B7EB713B-B0D0-A347-9D4F-48B4383A8075}"/>
+          </ac:spMkLst>
+        </pc:spChg>
+      </pc:sldChg>
+      <pc:sldChg chg="modSp mod">
+        <pc:chgData name="Fukui Shin" userId="6902ee70c48ce296" providerId="LiveId" clId="{45B1E7A5-405E-B949-93C9-105066568C4B}" dt="2021-07-03T08:39:23.085" v="904"/>
+        <pc:sldMkLst>
+          <pc:docMk/>
+          <pc:sldMk cId="3759911444" sldId="281"/>
+        </pc:sldMkLst>
+        <pc:spChg chg="mod">
+          <ac:chgData name="Fukui Shin" userId="6902ee70c48ce296" providerId="LiveId" clId="{45B1E7A5-405E-B949-93C9-105066568C4B}" dt="2021-07-03T08:39:23.085" v="904"/>
+          <ac:spMkLst>
+            <pc:docMk/>
+            <pc:sldMk cId="3759911444" sldId="281"/>
+            <ac:spMk id="2" creationId="{68BB739B-FF50-7947-89AB-1B70AF4DD3EA}"/>
+          </ac:spMkLst>
+        </pc:spChg>
+        <pc:spChg chg="mod">
+          <ac:chgData name="Fukui Shin" userId="6902ee70c48ce296" providerId="LiveId" clId="{45B1E7A5-405E-B949-93C9-105066568C4B}" dt="2021-07-03T08:38:54.322" v="894" actId="20577"/>
+          <ac:spMkLst>
+            <pc:docMk/>
+            <pc:sldMk cId="3759911444" sldId="281"/>
+            <ac:spMk id="3" creationId="{B7EB713B-B0D0-A347-9D4F-48B4383A8075}"/>
+          </ac:spMkLst>
+        </pc:spChg>
+      </pc:sldChg>
+      <pc:sldChg chg="modSp new mod">
+        <pc:chgData name="Fukui Shin" userId="6902ee70c48ce296" providerId="LiveId" clId="{45B1E7A5-405E-B949-93C9-105066568C4B}" dt="2021-07-03T09:57:45.826" v="1473" actId="20577"/>
+        <pc:sldMkLst>
+          <pc:docMk/>
+          <pc:sldMk cId="3428185782" sldId="282"/>
+        </pc:sldMkLst>
+        <pc:spChg chg="mod">
+          <ac:chgData name="Fukui Shin" userId="6902ee70c48ce296" providerId="LiveId" clId="{45B1E7A5-405E-B949-93C9-105066568C4B}" dt="2021-07-03T08:50:07.237" v="955" actId="20577"/>
+          <ac:spMkLst>
+            <pc:docMk/>
+            <pc:sldMk cId="3428185782" sldId="282"/>
+            <ac:spMk id="2" creationId="{593893BE-BD11-5648-B363-0A47FB81D8B9}"/>
+          </ac:spMkLst>
+        </pc:spChg>
+        <pc:spChg chg="mod">
+          <ac:chgData name="Fukui Shin" userId="6902ee70c48ce296" providerId="LiveId" clId="{45B1E7A5-405E-B949-93C9-105066568C4B}" dt="2021-07-03T09:57:45.826" v="1473" actId="20577"/>
+          <ac:spMkLst>
+            <pc:docMk/>
+            <pc:sldMk cId="3428185782" sldId="282"/>
+            <ac:spMk id="3" creationId="{49E414B3-99D4-2B4A-B335-2BAEFB18D4DF}"/>
+          </ac:spMkLst>
+        </pc:spChg>
+      </pc:sldChg>
+      <pc:sldChg chg="modSp new mod">
+        <pc:chgData name="Fukui Shin" userId="6902ee70c48ce296" providerId="LiveId" clId="{45B1E7A5-405E-B949-93C9-105066568C4B}" dt="2021-07-07T06:10:42.438" v="2646" actId="20577"/>
+        <pc:sldMkLst>
+          <pc:docMk/>
+          <pc:sldMk cId="3377275839" sldId="283"/>
+        </pc:sldMkLst>
+        <pc:spChg chg="mod">
+          <ac:chgData name="Fukui Shin" userId="6902ee70c48ce296" providerId="LiveId" clId="{45B1E7A5-405E-B949-93C9-105066568C4B}" dt="2021-07-03T10:03:43.320" v="1511" actId="20577"/>
+          <ac:spMkLst>
+            <pc:docMk/>
+            <pc:sldMk cId="3377275839" sldId="283"/>
+            <ac:spMk id="2" creationId="{5B9CD8F7-9DBA-914A-85C6-EB8A0A9532EA}"/>
+          </ac:spMkLst>
+        </pc:spChg>
+        <pc:spChg chg="mod">
+          <ac:chgData name="Fukui Shin" userId="6902ee70c48ce296" providerId="LiveId" clId="{45B1E7A5-405E-B949-93C9-105066568C4B}" dt="2021-07-07T06:10:42.438" v="2646" actId="20577"/>
+          <ac:spMkLst>
+            <pc:docMk/>
+            <pc:sldMk cId="3377275839" sldId="283"/>
+            <ac:spMk id="3" creationId="{41DF497C-D459-C448-B5CA-EE91E35943B8}"/>
+          </ac:spMkLst>
+        </pc:spChg>
+      </pc:sldChg>
+    </pc:docChg>
+  </pc:docChgLst>
+  <pc:docChgLst>
+    <pc:chgData name="Fukui Shin" userId="6902ee70c48ce296" providerId="LiveId" clId="{2E44D2CA-FA2B-C94D-8AB6-439A5019DC12}"/>
+    <pc:docChg chg="undo custSel modSld">
+      <pc:chgData name="Fukui Shin" userId="6902ee70c48ce296" providerId="LiveId" clId="{2E44D2CA-FA2B-C94D-8AB6-439A5019DC12}" dt="2021-05-19T09:37:27.188" v="54" actId="20577"/>
+      <pc:docMkLst>
+        <pc:docMk/>
+      </pc:docMkLst>
+      <pc:sldChg chg="modSp mod">
+        <pc:chgData name="Fukui Shin" userId="6902ee70c48ce296" providerId="LiveId" clId="{2E44D2CA-FA2B-C94D-8AB6-439A5019DC12}" dt="2021-05-19T09:36:53.912" v="5" actId="20577"/>
+        <pc:sldMkLst>
+          <pc:docMk/>
+          <pc:sldMk cId="2432279440" sldId="257"/>
+        </pc:sldMkLst>
+        <pc:spChg chg="mod">
+          <ac:chgData name="Fukui Shin" userId="6902ee70c48ce296" providerId="LiveId" clId="{2E44D2CA-FA2B-C94D-8AB6-439A5019DC12}" dt="2021-05-19T09:36:53.912" v="5" actId="20577"/>
+          <ac:spMkLst>
+            <pc:docMk/>
+            <pc:sldMk cId="2432279440" sldId="257"/>
+            <ac:spMk id="3" creationId="{05D7D93A-BA42-5D47-893C-FE41C03A53E0}"/>
+          </ac:spMkLst>
+        </pc:spChg>
+      </pc:sldChg>
+      <pc:sldChg chg="modSp mod">
+        <pc:chgData name="Fukui Shin" userId="6902ee70c48ce296" providerId="LiveId" clId="{2E44D2CA-FA2B-C94D-8AB6-439A5019DC12}" dt="2021-05-19T09:37:27.188" v="54" actId="20577"/>
+        <pc:sldMkLst>
+          <pc:docMk/>
+          <pc:sldMk cId="323365537" sldId="279"/>
+        </pc:sldMkLst>
+        <pc:spChg chg="mod">
+          <ac:chgData name="Fukui Shin" userId="6902ee70c48ce296" providerId="LiveId" clId="{2E44D2CA-FA2B-C94D-8AB6-439A5019DC12}" dt="2021-05-19T09:37:27.188" v="54" actId="20577"/>
+          <ac:spMkLst>
+            <pc:docMk/>
+            <pc:sldMk cId="323365537" sldId="279"/>
+            <ac:spMk id="2" creationId="{530FA0D9-038A-6744-9604-B7C6B3166D65}"/>
+          </ac:spMkLst>
+        </pc:spChg>
+      </pc:sldChg>
+    </pc:docChg>
+  </pc:docChgLst>
+  <pc:docChgLst>
+    <pc:chgData name="Fukui Shin" userId="6902ee70c48ce296" providerId="LiveId" clId="{C8F55A9F-7917-5240-8DE8-05BC06FCB498}"/>
+    <pc:docChg chg="undo custSel modSld">
+      <pc:chgData name="Fukui Shin" userId="6902ee70c48ce296" providerId="LiveId" clId="{C8F55A9F-7917-5240-8DE8-05BC06FCB498}" dt="2021-11-08T07:29:24.069" v="52" actId="20577"/>
+      <pc:docMkLst>
+        <pc:docMk/>
+      </pc:docMkLst>
+      <pc:sldChg chg="modSp mod">
+        <pc:chgData name="Fukui Shin" userId="6902ee70c48ce296" providerId="LiveId" clId="{C8F55A9F-7917-5240-8DE8-05BC06FCB498}" dt="2021-11-08T07:29:24.069" v="52" actId="20577"/>
+        <pc:sldMkLst>
+          <pc:docMk/>
+          <pc:sldMk cId="2447858462" sldId="288"/>
+        </pc:sldMkLst>
+        <pc:spChg chg="mod">
+          <ac:chgData name="Fukui Shin" userId="6902ee70c48ce296" providerId="LiveId" clId="{C8F55A9F-7917-5240-8DE8-05BC06FCB498}" dt="2021-11-08T07:29:24.069" v="52" actId="20577"/>
+          <ac:spMkLst>
+            <pc:docMk/>
+            <pc:sldMk cId="2447858462" sldId="288"/>
+            <ac:spMk id="3" creationId="{7044DDCB-175D-DC41-A5AC-98AE58CE5A61}"/>
+          </ac:spMkLst>
+        </pc:spChg>
+      </pc:sldChg>
+    </pc:docChg>
+  </pc:docChgLst>
+  <pc:docChgLst>
+    <pc:chgData name="Fukui Shin" userId="6902ee70c48ce296" providerId="LiveId" clId="{FD2ABE22-F822-F64D-BF8C-980B7AF40F0E}"/>
+    <pc:docChg chg="undo redo custSel addSld delSld modSld">
+      <pc:chgData name="Fukui Shin" userId="6902ee70c48ce296" providerId="LiveId" clId="{FD2ABE22-F822-F64D-BF8C-980B7AF40F0E}" dt="2021-08-04T10:47:27.352" v="3347" actId="20577"/>
+      <pc:docMkLst>
+        <pc:docMk/>
+      </pc:docMkLst>
+      <pc:sldChg chg="modSp mod">
+        <pc:chgData name="Fukui Shin" userId="6902ee70c48ce296" providerId="LiveId" clId="{FD2ABE22-F822-F64D-BF8C-980B7AF40F0E}" dt="2021-08-03T17:49:07.210" v="1" actId="20577"/>
+        <pc:sldMkLst>
+          <pc:docMk/>
+          <pc:sldMk cId="2432279440" sldId="257"/>
+        </pc:sldMkLst>
+        <pc:spChg chg="mod">
+          <ac:chgData name="Fukui Shin" userId="6902ee70c48ce296" providerId="LiveId" clId="{FD2ABE22-F822-F64D-BF8C-980B7AF40F0E}" dt="2021-08-03T17:49:07.210" v="1" actId="20577"/>
+          <ac:spMkLst>
+            <pc:docMk/>
+            <pc:sldMk cId="2432279440" sldId="257"/>
+            <ac:spMk id="2" creationId="{9B1D7A41-B18F-4D4C-9F52-84D5CFFFCB44}"/>
+          </ac:spMkLst>
+        </pc:spChg>
+      </pc:sldChg>
+      <pc:sldChg chg="modSp mod">
+        <pc:chgData name="Fukui Shin" userId="6902ee70c48ce296" providerId="LiveId" clId="{FD2ABE22-F822-F64D-BF8C-980B7AF40F0E}" dt="2021-08-04T08:47:13.253" v="1355" actId="20577"/>
+        <pc:sldMkLst>
+          <pc:docMk/>
+          <pc:sldMk cId="1722450886" sldId="274"/>
+        </pc:sldMkLst>
+        <pc:spChg chg="mod">
+          <ac:chgData name="Fukui Shin" userId="6902ee70c48ce296" providerId="LiveId" clId="{FD2ABE22-F822-F64D-BF8C-980B7AF40F0E}" dt="2021-08-04T08:47:13.253" v="1355" actId="20577"/>
+          <ac:spMkLst>
+            <pc:docMk/>
+            <pc:sldMk cId="1722450886" sldId="274"/>
+            <ac:spMk id="3" creationId="{B7EB713B-B0D0-A347-9D4F-48B4383A8075}"/>
+          </ac:spMkLst>
+        </pc:spChg>
+      </pc:sldChg>
+      <pc:sldChg chg="modSp mod">
+        <pc:chgData name="Fukui Shin" userId="6902ee70c48ce296" providerId="LiveId" clId="{FD2ABE22-F822-F64D-BF8C-980B7AF40F0E}" dt="2021-08-04T08:46:54.579" v="1352" actId="20577"/>
+        <pc:sldMkLst>
+          <pc:docMk/>
+          <pc:sldMk cId="623929723" sldId="280"/>
+        </pc:sldMkLst>
+        <pc:spChg chg="mod">
+          <ac:chgData name="Fukui Shin" userId="6902ee70c48ce296" providerId="LiveId" clId="{FD2ABE22-F822-F64D-BF8C-980B7AF40F0E}" dt="2021-08-04T08:46:54.579" v="1352" actId="20577"/>
+          <ac:spMkLst>
+            <pc:docMk/>
+            <pc:sldMk cId="623929723" sldId="280"/>
+            <ac:spMk id="3" creationId="{B7EB713B-B0D0-A347-9D4F-48B4383A8075}"/>
+          </ac:spMkLst>
+        </pc:spChg>
+      </pc:sldChg>
+      <pc:sldChg chg="modSp mod">
+        <pc:chgData name="Fukui Shin" userId="6902ee70c48ce296" providerId="LiveId" clId="{FD2ABE22-F822-F64D-BF8C-980B7AF40F0E}" dt="2021-08-04T08:47:03.988" v="1354" actId="20577"/>
+        <pc:sldMkLst>
+          <pc:docMk/>
+          <pc:sldMk cId="3759911444" sldId="281"/>
+        </pc:sldMkLst>
+        <pc:spChg chg="mod">
+          <ac:chgData name="Fukui Shin" userId="6902ee70c48ce296" providerId="LiveId" clId="{FD2ABE22-F822-F64D-BF8C-980B7AF40F0E}" dt="2021-08-04T08:47:03.988" v="1354" actId="20577"/>
+          <ac:spMkLst>
+            <pc:docMk/>
+            <pc:sldMk cId="3759911444" sldId="281"/>
+            <ac:spMk id="3" creationId="{B7EB713B-B0D0-A347-9D4F-48B4383A8075}"/>
+          </ac:spMkLst>
+        </pc:spChg>
+      </pc:sldChg>
+      <pc:sldChg chg="modSp mod">
+        <pc:chgData name="Fukui Shin" userId="6902ee70c48ce296" providerId="LiveId" clId="{FD2ABE22-F822-F64D-BF8C-980B7AF40F0E}" dt="2021-08-04T07:23:13.161" v="1134" actId="20577"/>
+        <pc:sldMkLst>
+          <pc:docMk/>
+          <pc:sldMk cId="3428185782" sldId="282"/>
+        </pc:sldMkLst>
+        <pc:spChg chg="mod">
+          <ac:chgData name="Fukui Shin" userId="6902ee70c48ce296" providerId="LiveId" clId="{FD2ABE22-F822-F64D-BF8C-980B7AF40F0E}" dt="2021-08-04T07:23:13.161" v="1134" actId="20577"/>
+          <ac:spMkLst>
+            <pc:docMk/>
+            <pc:sldMk cId="3428185782" sldId="282"/>
+            <ac:spMk id="3" creationId="{49E414B3-99D4-2B4A-B335-2BAEFB18D4DF}"/>
+          </ac:spMkLst>
+        </pc:spChg>
+      </pc:sldChg>
+      <pc:sldChg chg="del">
+        <pc:chgData name="Fukui Shin" userId="6902ee70c48ce296" providerId="LiveId" clId="{FD2ABE22-F822-F64D-BF8C-980B7AF40F0E}" dt="2021-08-03T17:56:45.269" v="618" actId="2696"/>
+        <pc:sldMkLst>
+          <pc:docMk/>
+          <pc:sldMk cId="3377275839" sldId="283"/>
+        </pc:sldMkLst>
+      </pc:sldChg>
+      <pc:sldChg chg="modSp new mod">
+        <pc:chgData name="Fukui Shin" userId="6902ee70c48ce296" providerId="LiveId" clId="{FD2ABE22-F822-F64D-BF8C-980B7AF40F0E}" dt="2021-08-04T07:22:25.505" v="1129" actId="20577"/>
+        <pc:sldMkLst>
+          <pc:docMk/>
+          <pc:sldMk cId="2178159451" sldId="284"/>
+        </pc:sldMkLst>
+        <pc:spChg chg="mod">
+          <ac:chgData name="Fukui Shin" userId="6902ee70c48ce296" providerId="LiveId" clId="{FD2ABE22-F822-F64D-BF8C-980B7AF40F0E}" dt="2021-08-03T17:50:32.408" v="54" actId="20577"/>
+          <ac:spMkLst>
+            <pc:docMk/>
+            <pc:sldMk cId="2178159451" sldId="284"/>
+            <ac:spMk id="2" creationId="{ADD62BF2-6FF7-9842-B55F-6A8B6B522A7E}"/>
+          </ac:spMkLst>
+        </pc:spChg>
+        <pc:spChg chg="mod">
+          <ac:chgData name="Fukui Shin" userId="6902ee70c48ce296" providerId="LiveId" clId="{FD2ABE22-F822-F64D-BF8C-980B7AF40F0E}" dt="2021-08-04T07:22:25.505" v="1129" actId="20577"/>
+          <ac:spMkLst>
+            <pc:docMk/>
+            <pc:sldMk cId="2178159451" sldId="284"/>
+            <ac:spMk id="3" creationId="{1805BEF9-DE5C-E743-813A-6F4CE0125DA2}"/>
+          </ac:spMkLst>
+        </pc:spChg>
+      </pc:sldChg>
+      <pc:sldChg chg="modSp new mod">
+        <pc:chgData name="Fukui Shin" userId="6902ee70c48ce296" providerId="LiveId" clId="{FD2ABE22-F822-F64D-BF8C-980B7AF40F0E}" dt="2021-08-04T10:08:13.242" v="2067" actId="20577"/>
+        <pc:sldMkLst>
+          <pc:docMk/>
+          <pc:sldMk cId="4050706010" sldId="285"/>
+        </pc:sldMkLst>
+        <pc:spChg chg="mod">
+          <ac:chgData name="Fukui Shin" userId="6902ee70c48ce296" providerId="LiveId" clId="{FD2ABE22-F822-F64D-BF8C-980B7AF40F0E}" dt="2021-08-04T09:34:10.093" v="1888" actId="20577"/>
+          <ac:spMkLst>
+            <pc:docMk/>
+            <pc:sldMk cId="4050706010" sldId="285"/>
+            <ac:spMk id="2" creationId="{892C59F3-AD8A-C648-98CA-0C3943AE4A58}"/>
+          </ac:spMkLst>
+        </pc:spChg>
+        <pc:spChg chg="mod">
+          <ac:chgData name="Fukui Shin" userId="6902ee70c48ce296" providerId="LiveId" clId="{FD2ABE22-F822-F64D-BF8C-980B7AF40F0E}" dt="2021-08-04T10:08:13.242" v="2067" actId="20577"/>
+          <ac:spMkLst>
+            <pc:docMk/>
+            <pc:sldMk cId="4050706010" sldId="285"/>
+            <ac:spMk id="3" creationId="{2B892BED-13CC-B648-8A24-26DF1294EB9C}"/>
           </ac:spMkLst>
         </pc:spChg>
       </pc:sldChg>
       <pc:sldChg chg="addSp modSp new mod">
-        <pc:chgData name="Fukui Shin" userId="6902ee70c48ce296" providerId="LiveId" clId="{0A6AD86E-D9A5-7149-B3E7-407E133C10AB}" dt="2021-11-25T14:41:06.505" v="1762" actId="20577"/>
+        <pc:chgData name="Fukui Shin" userId="6902ee70c48ce296" providerId="LiveId" clId="{FD2ABE22-F822-F64D-BF8C-980B7AF40F0E}" dt="2021-08-04T10:47:27.352" v="3347" actId="20577"/>
         <pc:sldMkLst>
           <pc:docMk/>
-          <pc:sldMk cId="3203436587" sldId="258"/>
+          <pc:sldMk cId="3976745622" sldId="286"/>
         </pc:sldMkLst>
         <pc:spChg chg="mod">
-          <ac:chgData name="Fukui Shin" userId="6902ee70c48ce296" providerId="LiveId" clId="{0A6AD86E-D9A5-7149-B3E7-407E133C10AB}" dt="2021-11-25T14:41:06.505" v="1762" actId="20577"/>
+          <ac:chgData name="Fukui Shin" userId="6902ee70c48ce296" providerId="LiveId" clId="{FD2ABE22-F822-F64D-BF8C-980B7AF40F0E}" dt="2021-08-04T10:36:45.309" v="2710" actId="20577"/>
           <ac:spMkLst>
             <pc:docMk/>
-            <pc:sldMk cId="3203436587" sldId="258"/>
-            <ac:spMk id="2" creationId="{5A8207F3-6AF4-9C42-91D3-48B9B0A6A453}"/>
+            <pc:sldMk cId="3976745622" sldId="286"/>
+            <ac:spMk id="2" creationId="{8021A45D-E4FF-5A46-91C6-E4BEF315A871}"/>
           </ac:spMkLst>
         </pc:spChg>
         <pc:spChg chg="mod">
-          <ac:chgData name="Fukui Shin" userId="6902ee70c48ce296" providerId="LiveId" clId="{0A6AD86E-D9A5-7149-B3E7-407E133C10AB}" dt="2021-11-25T14:38:21.540" v="1688" actId="20577"/>
+          <ac:chgData name="Fukui Shin" userId="6902ee70c48ce296" providerId="LiveId" clId="{FD2ABE22-F822-F64D-BF8C-980B7AF40F0E}" dt="2021-08-04T10:47:27.352" v="3347" actId="20577"/>
           <ac:spMkLst>
             <pc:docMk/>
-            <pc:sldMk cId="3203436587" sldId="258"/>
-            <ac:spMk id="3" creationId="{A5CDEF08-4F10-0843-8154-1D98EF69CDC4}"/>
+            <pc:sldMk cId="3976745622" sldId="286"/>
+            <ac:spMk id="3" creationId="{929FB2F8-884F-DB42-8889-1307E783A82A}"/>
           </ac:spMkLst>
         </pc:spChg>
         <pc:spChg chg="add mod">
-          <ac:chgData name="Fukui Shin" userId="6902ee70c48ce296" providerId="LiveId" clId="{0A6AD86E-D9A5-7149-B3E7-407E133C10AB}" dt="2021-11-25T14:29:06.091" v="1030" actId="1076"/>
+          <ac:chgData name="Fukui Shin" userId="6902ee70c48ce296" providerId="LiveId" clId="{FD2ABE22-F822-F64D-BF8C-980B7AF40F0E}" dt="2021-08-04T10:44:56.682" v="3333" actId="1076"/>
           <ac:spMkLst>
             <pc:docMk/>
-            <pc:sldMk cId="3203436587" sldId="258"/>
-            <ac:spMk id="4" creationId="{C0FCE579-A876-1D4D-9D68-F23BAB17B627}"/>
+            <pc:sldMk cId="3976745622" sldId="286"/>
+            <ac:spMk id="4" creationId="{9A0B37BF-DF44-4C49-A0C7-B382023DCA3F}"/>
           </ac:spMkLst>
         </pc:spChg>
-        <pc:spChg chg="add mod">
-          <ac:chgData name="Fukui Shin" userId="6902ee70c48ce296" providerId="LiveId" clId="{0A6AD86E-D9A5-7149-B3E7-407E133C10AB}" dt="2021-11-25T14:29:41.496" v="1057" actId="1076"/>
+      </pc:sldChg>
+      <pc:sldChg chg="modSp new mod">
+        <pc:chgData name="Fukui Shin" userId="6902ee70c48ce296" providerId="LiveId" clId="{FD2ABE22-F822-F64D-BF8C-980B7AF40F0E}" dt="2021-08-04T10:12:26.711" v="2425" actId="20577"/>
+        <pc:sldMkLst>
+          <pc:docMk/>
+          <pc:sldMk cId="2009115823" sldId="287"/>
+        </pc:sldMkLst>
+        <pc:spChg chg="mod">
+          <ac:chgData name="Fukui Shin" userId="6902ee70c48ce296" providerId="LiveId" clId="{FD2ABE22-F822-F64D-BF8C-980B7AF40F0E}" dt="2021-08-04T10:10:33.503" v="2224" actId="20577"/>
           <ac:spMkLst>
             <pc:docMk/>
-            <pc:sldMk cId="3203436587" sldId="258"/>
-            <ac:spMk id="5" creationId="{F9929345-FF6F-AF44-BF0E-E17109098771}"/>
-          </ac:spMkLst>
-        </pc:spChg>
-        <pc:spChg chg="add mod">
-          <ac:chgData name="Fukui Shin" userId="6902ee70c48ce296" providerId="LiveId" clId="{0A6AD86E-D9A5-7149-B3E7-407E133C10AB}" dt="2021-11-25T14:33:15.539" v="1267" actId="1076"/>
-          <ac:spMkLst>
-            <pc:docMk/>
-            <pc:sldMk cId="3203436587" sldId="258"/>
-            <ac:spMk id="6" creationId="{866B3623-DD7E-4540-9078-C4C12A8D5059}"/>
-          </ac:spMkLst>
-        </pc:spChg>
-        <pc:spChg chg="add mod">
-          <ac:chgData name="Fukui Shin" userId="6902ee70c48ce296" providerId="LiveId" clId="{0A6AD86E-D9A5-7149-B3E7-407E133C10AB}" dt="2021-11-25T14:31:49.637" v="1237" actId="1076"/>
-          <ac:spMkLst>
-            <pc:docMk/>
-            <pc:sldMk cId="3203436587" sldId="258"/>
-            <ac:spMk id="7" creationId="{5FD02B92-BC24-2149-AE4E-824D2D851EDB}"/>
-          </ac:spMkLst>
-        </pc:spChg>
-        <pc:spChg chg="add mod">
-          <ac:chgData name="Fukui Shin" userId="6902ee70c48ce296" providerId="LiveId" clId="{0A6AD86E-D9A5-7149-B3E7-407E133C10AB}" dt="2021-11-25T14:37:45.747" v="1589" actId="20577"/>
-          <ac:spMkLst>
-            <pc:docMk/>
-            <pc:sldMk cId="3203436587" sldId="258"/>
-            <ac:spMk id="25" creationId="{3A95E26B-9B57-F84D-A60E-1B5B10F9CA44}"/>
-          </ac:spMkLst>
-        </pc:spChg>
-        <pc:spChg chg="add mod">
-          <ac:chgData name="Fukui Shin" userId="6902ee70c48ce296" providerId="LiveId" clId="{0A6AD86E-D9A5-7149-B3E7-407E133C10AB}" dt="2021-11-25T14:34:55.530" v="1414" actId="1076"/>
-          <ac:spMkLst>
-            <pc:docMk/>
-            <pc:sldMk cId="3203436587" sldId="258"/>
-            <ac:spMk id="26" creationId="{10626091-232D-D14C-9B75-3E1EBB9C467F}"/>
-          </ac:spMkLst>
-        </pc:spChg>
-        <pc:spChg chg="add mod">
-          <ac:chgData name="Fukui Shin" userId="6902ee70c48ce296" providerId="LiveId" clId="{0A6AD86E-D9A5-7149-B3E7-407E133C10AB}" dt="2021-11-25T14:35:35.988" v="1478" actId="1076"/>
-          <ac:spMkLst>
-            <pc:docMk/>
-            <pc:sldMk cId="3203436587" sldId="258"/>
-            <ac:spMk id="27" creationId="{95C0703B-387C-4746-A9D1-C7BCB00ED6AB}"/>
-          </ac:spMkLst>
-        </pc:spChg>
-        <pc:cxnChg chg="add mod">
-          <ac:chgData name="Fukui Shin" userId="6902ee70c48ce296" providerId="LiveId" clId="{0A6AD86E-D9A5-7149-B3E7-407E133C10AB}" dt="2021-11-25T14:33:38.942" v="1297" actId="692"/>
-          <ac:cxnSpMkLst>
-            <pc:docMk/>
-            <pc:sldMk cId="3203436587" sldId="258"/>
-            <ac:cxnSpMk id="9" creationId="{58ACE820-8C26-3045-AC9E-6E9B323FBAD1}"/>
-          </ac:cxnSpMkLst>
-        </pc:cxnChg>
-        <pc:cxnChg chg="add mod">
-          <ac:chgData name="Fukui Shin" userId="6902ee70c48ce296" providerId="LiveId" clId="{0A6AD86E-D9A5-7149-B3E7-407E133C10AB}" dt="2021-11-25T14:33:26.914" v="1279" actId="692"/>
-          <ac:cxnSpMkLst>
-            <pc:docMk/>
-            <pc:sldMk cId="3203436587" sldId="258"/>
-            <ac:cxnSpMk id="10" creationId="{DB294122-1253-6E41-8BE3-33925524A7A1}"/>
-          </ac:cxnSpMkLst>
-        </pc:cxnChg>
-        <pc:cxnChg chg="add mod">
-          <ac:chgData name="Fukui Shin" userId="6902ee70c48ce296" providerId="LiveId" clId="{0A6AD86E-D9A5-7149-B3E7-407E133C10AB}" dt="2021-11-25T14:33:45.449" v="1299" actId="692"/>
-          <ac:cxnSpMkLst>
-            <pc:docMk/>
-            <pc:sldMk cId="3203436587" sldId="258"/>
-            <ac:cxnSpMk id="13" creationId="{9553E4A1-3AEA-8145-9D23-A172DEBCBAA2}"/>
-          </ac:cxnSpMkLst>
-        </pc:cxnChg>
-        <pc:cxnChg chg="add mod">
-          <ac:chgData name="Fukui Shin" userId="6902ee70c48ce296" providerId="LiveId" clId="{0A6AD86E-D9A5-7149-B3E7-407E133C10AB}" dt="2021-11-25T14:33:15.539" v="1267" actId="1076"/>
-          <ac:cxnSpMkLst>
-            <pc:docMk/>
-            <pc:sldMk cId="3203436587" sldId="258"/>
-            <ac:cxnSpMk id="20" creationId="{61251FC3-E4A7-164C-88AA-F7678AB971E4}"/>
-          </ac:cxnSpMkLst>
-        </pc:cxnChg>
-      </pc:sldChg>
-      <pc:sldChg chg="modSp new mod">
-        <pc:chgData name="Fukui Shin" userId="6902ee70c48ce296" providerId="LiveId" clId="{0A6AD86E-D9A5-7149-B3E7-407E133C10AB}" dt="2021-11-25T15:24:55.768" v="1896" actId="20577"/>
-        <pc:sldMkLst>
-          <pc:docMk/>
-          <pc:sldMk cId="4089472562" sldId="259"/>
-        </pc:sldMkLst>
-        <pc:spChg chg="mod">
-          <ac:chgData name="Fukui Shin" userId="6902ee70c48ce296" providerId="LiveId" clId="{0A6AD86E-D9A5-7149-B3E7-407E133C10AB}" dt="2021-11-25T14:40:02.671" v="1695" actId="20577"/>
-          <ac:spMkLst>
-            <pc:docMk/>
-            <pc:sldMk cId="4089472562" sldId="259"/>
-            <ac:spMk id="2" creationId="{30189EB3-E20E-E446-9602-17104CBD75A8}"/>
+            <pc:sldMk cId="2009115823" sldId="287"/>
+            <ac:spMk id="2" creationId="{F1994288-EB8E-A84F-B42C-97ABDD69EAD5}"/>
           </ac:spMkLst>
         </pc:spChg>
         <pc:spChg chg="mod">
-          <ac:chgData name="Fukui Shin" userId="6902ee70c48ce296" providerId="LiveId" clId="{0A6AD86E-D9A5-7149-B3E7-407E133C10AB}" dt="2021-11-25T15:24:55.768" v="1896" actId="20577"/>
+          <ac:chgData name="Fukui Shin" userId="6902ee70c48ce296" providerId="LiveId" clId="{FD2ABE22-F822-F64D-BF8C-980B7AF40F0E}" dt="2021-08-04T10:12:26.711" v="2425" actId="20577"/>
           <ac:spMkLst>
             <pc:docMk/>
-            <pc:sldMk cId="4089472562" sldId="259"/>
-            <ac:spMk id="3" creationId="{DB1543A7-7CD6-674F-9627-7ACC6DEA1310}"/>
+            <pc:sldMk cId="2009115823" sldId="287"/>
+            <ac:spMk id="3" creationId="{F17329F4-295F-B840-A01F-3058DFA89E7D}"/>
+          </ac:spMkLst>
+        </pc:spChg>
+      </pc:sldChg>
+      <pc:sldChg chg="modSp new mod">
+        <pc:chgData name="Fukui Shin" userId="6902ee70c48ce296" providerId="LiveId" clId="{FD2ABE22-F822-F64D-BF8C-980B7AF40F0E}" dt="2021-08-04T10:42:32.979" v="3156" actId="20577"/>
+        <pc:sldMkLst>
+          <pc:docMk/>
+          <pc:sldMk cId="2447858462" sldId="288"/>
+        </pc:sldMkLst>
+        <pc:spChg chg="mod">
+          <ac:chgData name="Fukui Shin" userId="6902ee70c48ce296" providerId="LiveId" clId="{FD2ABE22-F822-F64D-BF8C-980B7AF40F0E}" dt="2021-08-04T10:12:45.828" v="2443" actId="20577"/>
+          <ac:spMkLst>
+            <pc:docMk/>
+            <pc:sldMk cId="2447858462" sldId="288"/>
+            <ac:spMk id="2" creationId="{032164F6-0F1B-1549-B553-24334B2E64E3}"/>
+          </ac:spMkLst>
+        </pc:spChg>
+        <pc:spChg chg="mod">
+          <ac:chgData name="Fukui Shin" userId="6902ee70c48ce296" providerId="LiveId" clId="{FD2ABE22-F822-F64D-BF8C-980B7AF40F0E}" dt="2021-08-04T10:42:32.979" v="3156" actId="20577"/>
+          <ac:spMkLst>
+            <pc:docMk/>
+            <pc:sldMk cId="2447858462" sldId="288"/>
+            <ac:spMk id="3" creationId="{7044DDCB-175D-DC41-A5AC-98AE58CE5A61}"/>
+          </ac:spMkLst>
+        </pc:spChg>
+      </pc:sldChg>
+    </pc:docChg>
+  </pc:docChgLst>
+  <pc:docChgLst>
+    <pc:chgData name="Fukui Shin" userId="6902ee70c48ce296" providerId="LiveId" clId="{21E98C23-A232-0046-80A9-DB8AD6915A56}"/>
+    <pc:docChg chg="modSld">
+      <pc:chgData name="Fukui Shin" userId="6902ee70c48ce296" providerId="LiveId" clId="{21E98C23-A232-0046-80A9-DB8AD6915A56}" dt="2021-11-17T03:03:44.101" v="6" actId="1076"/>
+      <pc:docMkLst>
+        <pc:docMk/>
+      </pc:docMkLst>
+      <pc:sldChg chg="addSp modSp mod">
+        <pc:chgData name="Fukui Shin" userId="6902ee70c48ce296" providerId="LiveId" clId="{21E98C23-A232-0046-80A9-DB8AD6915A56}" dt="2021-11-17T03:03:44.101" v="6" actId="1076"/>
+        <pc:sldMkLst>
+          <pc:docMk/>
+          <pc:sldMk cId="3976745622" sldId="286"/>
+        </pc:sldMkLst>
+        <pc:picChg chg="add mod">
+          <ac:chgData name="Fukui Shin" userId="6902ee70c48ce296" providerId="LiveId" clId="{21E98C23-A232-0046-80A9-DB8AD6915A56}" dt="2021-11-17T03:03:44.101" v="6" actId="1076"/>
+          <ac:picMkLst>
+            <pc:docMk/>
+            <pc:sldMk cId="3976745622" sldId="286"/>
+            <ac:picMk id="5" creationId="{4A6777C8-1A2C-304D-B190-F0372F1983D3}"/>
+          </ac:picMkLst>
+        </pc:picChg>
+      </pc:sldChg>
+    </pc:docChg>
+  </pc:docChgLst>
+  <pc:docChgLst>
+    <pc:chgData name="Fukui Shin" userId="6902ee70c48ce296" providerId="LiveId" clId="{123394F6-812E-F94C-B0FC-3923E8ACF34A}"/>
+    <pc:docChg chg="undo custSel addSld delSld modSld">
+      <pc:chgData name="Fukui Shin" userId="6902ee70c48ce296" providerId="LiveId" clId="{123394F6-812E-F94C-B0FC-3923E8ACF34A}" dt="2021-05-21T11:14:00.723" v="667" actId="20577"/>
+      <pc:docMkLst>
+        <pc:docMk/>
+      </pc:docMkLst>
+      <pc:sldChg chg="modSp mod">
+        <pc:chgData name="Fukui Shin" userId="6902ee70c48ce296" providerId="LiveId" clId="{123394F6-812E-F94C-B0FC-3923E8ACF34A}" dt="2021-05-21T11:14:00.723" v="667" actId="20577"/>
+        <pc:sldMkLst>
+          <pc:docMk/>
+          <pc:sldMk cId="2432279440" sldId="257"/>
+        </pc:sldMkLst>
+        <pc:spChg chg="mod">
+          <ac:chgData name="Fukui Shin" userId="6902ee70c48ce296" providerId="LiveId" clId="{123394F6-812E-F94C-B0FC-3923E8ACF34A}" dt="2021-05-20T05:19:41.528" v="1" actId="20577"/>
+          <ac:spMkLst>
+            <pc:docMk/>
+            <pc:sldMk cId="2432279440" sldId="257"/>
+            <ac:spMk id="2" creationId="{9B1D7A41-B18F-4D4C-9F52-84D5CFFFCB44}"/>
+          </ac:spMkLst>
+        </pc:spChg>
+        <pc:spChg chg="mod">
+          <ac:chgData name="Fukui Shin" userId="6902ee70c48ce296" providerId="LiveId" clId="{123394F6-812E-F94C-B0FC-3923E8ACF34A}" dt="2021-05-21T11:14:00.723" v="667" actId="20577"/>
+          <ac:spMkLst>
+            <pc:docMk/>
+            <pc:sldMk cId="2432279440" sldId="257"/>
+            <ac:spMk id="3" creationId="{05D7D93A-BA42-5D47-893C-FE41C03A53E0}"/>
+          </ac:spMkLst>
+        </pc:spChg>
+      </pc:sldChg>
+      <pc:sldChg chg="del">
+        <pc:chgData name="Fukui Shin" userId="6902ee70c48ce296" providerId="LiveId" clId="{123394F6-812E-F94C-B0FC-3923E8ACF34A}" dt="2021-05-21T11:12:10.209" v="562" actId="2696"/>
+        <pc:sldMkLst>
+          <pc:docMk/>
+          <pc:sldMk cId="3601736904" sldId="271"/>
+        </pc:sldMkLst>
+      </pc:sldChg>
+      <pc:sldChg chg="modSp mod">
+        <pc:chgData name="Fukui Shin" userId="6902ee70c48ce296" providerId="LiveId" clId="{123394F6-812E-F94C-B0FC-3923E8ACF34A}" dt="2021-05-21T11:09:48.102" v="548" actId="20577"/>
+        <pc:sldMkLst>
+          <pc:docMk/>
+          <pc:sldMk cId="1501767664" sldId="272"/>
+        </pc:sldMkLst>
+        <pc:spChg chg="mod">
+          <ac:chgData name="Fukui Shin" userId="6902ee70c48ce296" providerId="LiveId" clId="{123394F6-812E-F94C-B0FC-3923E8ACF34A}" dt="2021-05-21T11:09:48.102" v="548" actId="20577"/>
+          <ac:spMkLst>
+            <pc:docMk/>
+            <pc:sldMk cId="1501767664" sldId="272"/>
+            <ac:spMk id="3" creationId="{B7EB713B-B0D0-A347-9D4F-48B4383A8075}"/>
+          </ac:spMkLst>
+        </pc:spChg>
+      </pc:sldChg>
+      <pc:sldChg chg="modSp mod">
+        <pc:chgData name="Fukui Shin" userId="6902ee70c48ce296" providerId="LiveId" clId="{123394F6-812E-F94C-B0FC-3923E8ACF34A}" dt="2021-05-21T11:11:39.725" v="555" actId="207"/>
+        <pc:sldMkLst>
+          <pc:docMk/>
+          <pc:sldMk cId="1722450886" sldId="274"/>
+        </pc:sldMkLst>
+        <pc:spChg chg="mod">
+          <ac:chgData name="Fukui Shin" userId="6902ee70c48ce296" providerId="LiveId" clId="{123394F6-812E-F94C-B0FC-3923E8ACF34A}" dt="2021-05-21T11:11:39.725" v="555" actId="207"/>
+          <ac:spMkLst>
+            <pc:docMk/>
+            <pc:sldMk cId="1722450886" sldId="274"/>
+            <ac:spMk id="3" creationId="{B7EB713B-B0D0-A347-9D4F-48B4383A8075}"/>
+          </ac:spMkLst>
+        </pc:spChg>
+      </pc:sldChg>
+      <pc:sldChg chg="modSp mod">
+        <pc:chgData name="Fukui Shin" userId="6902ee70c48ce296" providerId="LiveId" clId="{123394F6-812E-F94C-B0FC-3923E8ACF34A}" dt="2021-05-21T11:13:21.762" v="650" actId="20577"/>
+        <pc:sldMkLst>
+          <pc:docMk/>
+          <pc:sldMk cId="3322847216" sldId="276"/>
+        </pc:sldMkLst>
+        <pc:spChg chg="mod">
+          <ac:chgData name="Fukui Shin" userId="6902ee70c48ce296" providerId="LiveId" clId="{123394F6-812E-F94C-B0FC-3923E8ACF34A}" dt="2021-05-21T11:13:21.762" v="650" actId="20577"/>
+          <ac:spMkLst>
+            <pc:docMk/>
+            <pc:sldMk cId="3322847216" sldId="276"/>
+            <ac:spMk id="3" creationId="{B7EB713B-B0D0-A347-9D4F-48B4383A8075}"/>
+          </ac:spMkLst>
+        </pc:spChg>
+      </pc:sldChg>
+      <pc:sldChg chg="modSp mod">
+        <pc:chgData name="Fukui Shin" userId="6902ee70c48ce296" providerId="LiveId" clId="{123394F6-812E-F94C-B0FC-3923E8ACF34A}" dt="2021-05-21T10:31:14.371" v="370" actId="1038"/>
+        <pc:sldMkLst>
+          <pc:docMk/>
+          <pc:sldMk cId="3458342540" sldId="278"/>
+        </pc:sldMkLst>
+        <pc:picChg chg="mod">
+          <ac:chgData name="Fukui Shin" userId="6902ee70c48ce296" providerId="LiveId" clId="{123394F6-812E-F94C-B0FC-3923E8ACF34A}" dt="2021-05-21T10:31:11.784" v="368" actId="1038"/>
+          <ac:picMkLst>
+            <pc:docMk/>
+            <pc:sldMk cId="3458342540" sldId="278"/>
+            <ac:picMk id="29" creationId="{754225A0-B928-CB44-98B5-60BBF7110E2C}"/>
+          </ac:picMkLst>
+        </pc:picChg>
+        <pc:picChg chg="mod">
+          <ac:chgData name="Fukui Shin" userId="6902ee70c48ce296" providerId="LiveId" clId="{123394F6-812E-F94C-B0FC-3923E8ACF34A}" dt="2021-05-21T10:31:14.371" v="370" actId="1038"/>
+          <ac:picMkLst>
+            <pc:docMk/>
+            <pc:sldMk cId="3458342540" sldId="278"/>
+            <ac:picMk id="30" creationId="{AD831808-B008-9B4E-A0F1-651865E2E238}"/>
+          </ac:picMkLst>
+        </pc:picChg>
+      </pc:sldChg>
+      <pc:sldChg chg="modSp mod">
+        <pc:chgData name="Fukui Shin" userId="6902ee70c48ce296" providerId="LiveId" clId="{123394F6-812E-F94C-B0FC-3923E8ACF34A}" dt="2021-05-21T11:09:05.627" v="520" actId="20577"/>
+        <pc:sldMkLst>
+          <pc:docMk/>
+          <pc:sldMk cId="323365537" sldId="279"/>
+        </pc:sldMkLst>
+        <pc:spChg chg="mod">
+          <ac:chgData name="Fukui Shin" userId="6902ee70c48ce296" providerId="LiveId" clId="{123394F6-812E-F94C-B0FC-3923E8ACF34A}" dt="2021-05-21T11:09:05.627" v="520" actId="20577"/>
+          <ac:spMkLst>
+            <pc:docMk/>
+            <pc:sldMk cId="323365537" sldId="279"/>
+            <ac:spMk id="3" creationId="{13EA0912-FE78-7647-A2F6-DD372D7B2FCA}"/>
+          </ac:spMkLst>
+        </pc:spChg>
+      </pc:sldChg>
+      <pc:sldChg chg="modSp add mod">
+        <pc:chgData name="Fukui Shin" userId="6902ee70c48ce296" providerId="LiveId" clId="{123394F6-812E-F94C-B0FC-3923E8ACF34A}" dt="2021-05-21T11:11:53.214" v="558" actId="207"/>
+        <pc:sldMkLst>
+          <pc:docMk/>
+          <pc:sldMk cId="623929723" sldId="280"/>
+        </pc:sldMkLst>
+        <pc:spChg chg="mod">
+          <ac:chgData name="Fukui Shin" userId="6902ee70c48ce296" providerId="LiveId" clId="{123394F6-812E-F94C-B0FC-3923E8ACF34A}" dt="2021-05-21T11:11:53.214" v="558" actId="207"/>
+          <ac:spMkLst>
+            <pc:docMk/>
+            <pc:sldMk cId="623929723" sldId="280"/>
+            <ac:spMk id="3" creationId="{B7EB713B-B0D0-A347-9D4F-48B4383A8075}"/>
+          </ac:spMkLst>
+        </pc:spChg>
+      </pc:sldChg>
+      <pc:sldChg chg="modSp add mod">
+        <pc:chgData name="Fukui Shin" userId="6902ee70c48ce296" providerId="LiveId" clId="{123394F6-812E-F94C-B0FC-3923E8ACF34A}" dt="2021-05-21T11:12:06.643" v="561" actId="207"/>
+        <pc:sldMkLst>
+          <pc:docMk/>
+          <pc:sldMk cId="3759911444" sldId="281"/>
+        </pc:sldMkLst>
+        <pc:spChg chg="mod">
+          <ac:chgData name="Fukui Shin" userId="6902ee70c48ce296" providerId="LiveId" clId="{123394F6-812E-F94C-B0FC-3923E8ACF34A}" dt="2021-05-21T11:12:06.643" v="561" actId="207"/>
+          <ac:spMkLst>
+            <pc:docMk/>
+            <pc:sldMk cId="3759911444" sldId="281"/>
+            <ac:spMk id="3" creationId="{B7EB713B-B0D0-A347-9D4F-48B4383A8075}"/>
           </ac:spMkLst>
         </pc:spChg>
       </pc:sldChg>
     </pc:docChg>
   </pc:docChgLst>
 </pc:chgInfo>
-</file>
-
-<file path=ppt/notesMasters/notesMaster1.xml><?xml version="1.0" encoding="utf-8"?>
-<p:notesMaster xmlns:a="http://schemas.openxmlformats.org/drawingml/2006/main" xmlns:r="http://schemas.openxmlformats.org/officeDocument/2006/relationships" xmlns:p="http://schemas.openxmlformats.org/presentationml/2006/main">
-  <p:cSld>
-    <p:bg>
-      <p:bgRef idx="1001">
-        <a:schemeClr val="bg1"/>
-      </p:bgRef>
-    </p:bg>
-    <p:spTree>
-      <p:nvGrpSpPr>
-        <p:cNvPr id="1" name=""/>
-        <p:cNvGrpSpPr/>
-        <p:nvPr/>
-      </p:nvGrpSpPr>
-      <p:grpSpPr>
-        <a:xfrm>
-          <a:off x="0" y="0"/>
-          <a:ext cx="0" cy="0"/>
-          <a:chOff x="0" y="0"/>
-          <a:chExt cx="0" cy="0"/>
-        </a:xfrm>
-      </p:grpSpPr>
-      <p:sp>
-        <p:nvSpPr>
-          <p:cNvPr id="2" name="ヘッダー プレースホルダー 1"/>
-          <p:cNvSpPr>
-            <a:spLocks noGrp="1"/>
-          </p:cNvSpPr>
-          <p:nvPr>
-            <p:ph type="hdr" sz="quarter"/>
-          </p:nvPr>
-        </p:nvSpPr>
-        <p:spPr>
-          <a:xfrm>
-            <a:off x="0" y="0"/>
-            <a:ext cx="2971800" cy="458788"/>
-          </a:xfrm>
-          <a:prstGeom prst="rect">
-            <a:avLst/>
-          </a:prstGeom>
-        </p:spPr>
-        <p:txBody>
-          <a:bodyPr vert="horz" lIns="91440" tIns="45720" rIns="91440" bIns="45720" rtlCol="0"/>
-          <a:lstStyle>
-            <a:lvl1pPr algn="l">
-              <a:defRPr sz="1200"/>
-            </a:lvl1pPr>
-          </a:lstStyle>
-          <a:p>
-            <a:endParaRPr kumimoji="1" lang="ja-JP" altLang="en-US"/>
-          </a:p>
-        </p:txBody>
-      </p:sp>
-      <p:sp>
-        <p:nvSpPr>
-          <p:cNvPr id="3" name="日付プレースホルダー 2"/>
-          <p:cNvSpPr>
-            <a:spLocks noGrp="1"/>
-          </p:cNvSpPr>
-          <p:nvPr>
-            <p:ph type="dt" idx="1"/>
-          </p:nvPr>
-        </p:nvSpPr>
-        <p:spPr>
-          <a:xfrm>
-            <a:off x="3884613" y="0"/>
-            <a:ext cx="2971800" cy="458788"/>
-          </a:xfrm>
-          <a:prstGeom prst="rect">
-            <a:avLst/>
-          </a:prstGeom>
-        </p:spPr>
-        <p:txBody>
-          <a:bodyPr vert="horz" lIns="91440" tIns="45720" rIns="91440" bIns="45720" rtlCol="0"/>
-          <a:lstStyle>
-            <a:lvl1pPr algn="r">
-              <a:defRPr sz="1200"/>
-            </a:lvl1pPr>
-          </a:lstStyle>
-          <a:p>
-            <a:fld id="{9C1DDC07-861B-2043-96E4-752F1185B018}" type="datetimeFigureOut">
-              <a:rPr kumimoji="1" lang="ja-JP" altLang="en-US" smtClean="0"/>
-              <a:t>2021/11/26</a:t>
-            </a:fld>
-            <a:endParaRPr kumimoji="1" lang="ja-JP" altLang="en-US"/>
-          </a:p>
-        </p:txBody>
-      </p:sp>
-      <p:sp>
-        <p:nvSpPr>
-          <p:cNvPr id="4" name="スライド イメージ プレースホルダー 3"/>
-          <p:cNvSpPr>
-            <a:spLocks noGrp="1" noRot="1" noChangeAspect="1"/>
-          </p:cNvSpPr>
-          <p:nvPr>
-            <p:ph type="sldImg" idx="2"/>
-          </p:nvPr>
-        </p:nvSpPr>
-        <p:spPr>
-          <a:xfrm>
-            <a:off x="685800" y="1143000"/>
-            <a:ext cx="5486400" cy="3086100"/>
-          </a:xfrm>
-          <a:prstGeom prst="rect">
-            <a:avLst/>
-          </a:prstGeom>
-          <a:noFill/>
-          <a:ln w="12700">
-            <a:solidFill>
-              <a:prstClr val="black"/>
-            </a:solidFill>
-          </a:ln>
-        </p:spPr>
-        <p:txBody>
-          <a:bodyPr vert="horz" lIns="91440" tIns="45720" rIns="91440" bIns="45720" rtlCol="0" anchor="ctr"/>
-          <a:lstStyle/>
-          <a:p>
-            <a:endParaRPr lang="ja-JP" altLang="en-US"/>
-          </a:p>
-        </p:txBody>
-      </p:sp>
-      <p:sp>
-        <p:nvSpPr>
-          <p:cNvPr id="5" name="ノート プレースホルダー 4"/>
-          <p:cNvSpPr>
-            <a:spLocks noGrp="1"/>
-          </p:cNvSpPr>
-          <p:nvPr>
-            <p:ph type="body" sz="quarter" idx="3"/>
-          </p:nvPr>
-        </p:nvSpPr>
-        <p:spPr>
-          <a:xfrm>
-            <a:off x="685800" y="4400550"/>
-            <a:ext cx="5486400" cy="3600450"/>
-          </a:xfrm>
-          <a:prstGeom prst="rect">
-            <a:avLst/>
-          </a:prstGeom>
-        </p:spPr>
-        <p:txBody>
-          <a:bodyPr vert="horz" lIns="91440" tIns="45720" rIns="91440" bIns="45720" rtlCol="0"/>
-          <a:lstStyle/>
-          <a:p>
-            <a:pPr lvl="0"/>
-            <a:r>
-              <a:rPr kumimoji="1" lang="ja-JP" altLang="en-US"/>
-              <a:t>マスター テキストの書式設定</a:t>
-            </a:r>
-          </a:p>
-          <a:p>
-            <a:pPr lvl="1"/>
-            <a:r>
-              <a:rPr kumimoji="1" lang="ja-JP" altLang="en-US"/>
-              <a:t>第 </a:t>
-            </a:r>
-            <a:r>
-              <a:rPr kumimoji="1" lang="en-US" altLang="ja-JP"/>
-              <a:t>2 </a:t>
-            </a:r>
-            <a:r>
-              <a:rPr kumimoji="1" lang="ja-JP" altLang="en-US"/>
-              <a:t>レベル</a:t>
-            </a:r>
-          </a:p>
-          <a:p>
-            <a:pPr lvl="2"/>
-            <a:r>
-              <a:rPr kumimoji="1" lang="ja-JP" altLang="en-US"/>
-              <a:t>第 </a:t>
-            </a:r>
-            <a:r>
-              <a:rPr kumimoji="1" lang="en-US" altLang="ja-JP"/>
-              <a:t>3 </a:t>
-            </a:r>
-            <a:r>
-              <a:rPr kumimoji="1" lang="ja-JP" altLang="en-US"/>
-              <a:t>レベル</a:t>
-            </a:r>
-          </a:p>
-          <a:p>
-            <a:pPr lvl="3"/>
-            <a:r>
-              <a:rPr kumimoji="1" lang="ja-JP" altLang="en-US"/>
-              <a:t>第 </a:t>
-            </a:r>
-            <a:r>
-              <a:rPr kumimoji="1" lang="en-US" altLang="ja-JP"/>
-              <a:t>4 </a:t>
-            </a:r>
-            <a:r>
-              <a:rPr kumimoji="1" lang="ja-JP" altLang="en-US"/>
-              <a:t>レベル</a:t>
-            </a:r>
-          </a:p>
-          <a:p>
-            <a:pPr lvl="4"/>
-            <a:r>
-              <a:rPr kumimoji="1" lang="ja-JP" altLang="en-US"/>
-              <a:t>第 </a:t>
-            </a:r>
-            <a:r>
-              <a:rPr kumimoji="1" lang="en-US" altLang="ja-JP"/>
-              <a:t>5 </a:t>
-            </a:r>
-            <a:r>
-              <a:rPr kumimoji="1" lang="ja-JP" altLang="en-US"/>
-              <a:t>レベル</a:t>
-            </a:r>
-          </a:p>
-        </p:txBody>
-      </p:sp>
-      <p:sp>
-        <p:nvSpPr>
-          <p:cNvPr id="6" name="フッター プレースホルダー 5"/>
-          <p:cNvSpPr>
-            <a:spLocks noGrp="1"/>
-          </p:cNvSpPr>
-          <p:nvPr>
-            <p:ph type="ftr" sz="quarter" idx="4"/>
-          </p:nvPr>
-        </p:nvSpPr>
-        <p:spPr>
-          <a:xfrm>
-            <a:off x="0" y="8685213"/>
-            <a:ext cx="2971800" cy="458787"/>
-          </a:xfrm>
-          <a:prstGeom prst="rect">
-            <a:avLst/>
-          </a:prstGeom>
-        </p:spPr>
-        <p:txBody>
-          <a:bodyPr vert="horz" lIns="91440" tIns="45720" rIns="91440" bIns="45720" rtlCol="0" anchor="b"/>
-          <a:lstStyle>
-            <a:lvl1pPr algn="l">
-              <a:defRPr sz="1200"/>
-            </a:lvl1pPr>
-          </a:lstStyle>
-          <a:p>
-            <a:endParaRPr kumimoji="1" lang="ja-JP" altLang="en-US"/>
-          </a:p>
-        </p:txBody>
-      </p:sp>
-      <p:sp>
-        <p:nvSpPr>
-          <p:cNvPr id="7" name="スライド番号プレースホルダー 6"/>
-          <p:cNvSpPr>
-            <a:spLocks noGrp="1"/>
-          </p:cNvSpPr>
-          <p:nvPr>
-            <p:ph type="sldNum" sz="quarter" idx="5"/>
-          </p:nvPr>
-        </p:nvSpPr>
-        <p:spPr>
-          <a:xfrm>
-            <a:off x="3884613" y="8685213"/>
-            <a:ext cx="2971800" cy="458787"/>
-          </a:xfrm>
-          <a:prstGeom prst="rect">
-            <a:avLst/>
-          </a:prstGeom>
-        </p:spPr>
-        <p:txBody>
-          <a:bodyPr vert="horz" lIns="91440" tIns="45720" rIns="91440" bIns="45720" rtlCol="0" anchor="b"/>
-          <a:lstStyle>
-            <a:lvl1pPr algn="r">
-              <a:defRPr sz="1200"/>
-            </a:lvl1pPr>
-          </a:lstStyle>
-          <a:p>
-            <a:fld id="{62B33189-E15E-4D42-B128-20FA02652FAB}" type="slidenum">
-              <a:rPr kumimoji="1" lang="ja-JP" altLang="en-US" smtClean="0"/>
-              <a:t>‹#›</a:t>
-            </a:fld>
-            <a:endParaRPr kumimoji="1" lang="ja-JP" altLang="en-US"/>
-          </a:p>
-        </p:txBody>
-      </p:sp>
-    </p:spTree>
-    <p:extLst>
-      <p:ext uri="{BB962C8B-B14F-4D97-AF65-F5344CB8AC3E}">
-        <p14:creationId xmlns:p14="http://schemas.microsoft.com/office/powerpoint/2010/main" val="2465066993"/>
-      </p:ext>
-    </p:extLst>
-  </p:cSld>
-  <p:clrMap bg1="lt1" tx1="dk1" bg2="lt2" tx2="dk2" accent1="accent1" accent2="accent2" accent3="accent3" accent4="accent4" accent5="accent5" accent6="accent6" hlink="hlink" folHlink="folHlink"/>
-  <p:notesStyle>
-    <a:lvl1pPr marL="0" algn="l" defTabSz="914400" rtl="0" eaLnBrk="1" latinLnBrk="0" hangingPunct="1">
-      <a:defRPr kumimoji="1" sz="1200" kern="1200">
-        <a:solidFill>
-          <a:schemeClr val="tx1"/>
-        </a:solidFill>
-        <a:latin typeface="+mn-lt"/>
-        <a:ea typeface="+mn-ea"/>
-        <a:cs typeface="+mn-cs"/>
-      </a:defRPr>
-    </a:lvl1pPr>
-    <a:lvl2pPr marL="457200" algn="l" defTabSz="914400" rtl="0" eaLnBrk="1" latinLnBrk="0" hangingPunct="1">
-      <a:defRPr kumimoji="1" sz="1200" kern="1200">
-        <a:solidFill>
-          <a:schemeClr val="tx1"/>
-        </a:solidFill>
-        <a:latin typeface="+mn-lt"/>
-        <a:ea typeface="+mn-ea"/>
-        <a:cs typeface="+mn-cs"/>
-      </a:defRPr>
-    </a:lvl2pPr>
-    <a:lvl3pPr marL="914400" algn="l" defTabSz="914400" rtl="0" eaLnBrk="1" latinLnBrk="0" hangingPunct="1">
-      <a:defRPr kumimoji="1" sz="1200" kern="1200">
-        <a:solidFill>
-          <a:schemeClr val="tx1"/>
-        </a:solidFill>
-        <a:latin typeface="+mn-lt"/>
-        <a:ea typeface="+mn-ea"/>
-        <a:cs typeface="+mn-cs"/>
-      </a:defRPr>
-    </a:lvl3pPr>
-    <a:lvl4pPr marL="1371600" algn="l" defTabSz="914400" rtl="0" eaLnBrk="1" latinLnBrk="0" hangingPunct="1">
-      <a:defRPr kumimoji="1" sz="1200" kern="1200">
-        <a:solidFill>
-          <a:schemeClr val="tx1"/>
-        </a:solidFill>
-        <a:latin typeface="+mn-lt"/>
-        <a:ea typeface="+mn-ea"/>
-        <a:cs typeface="+mn-cs"/>
-      </a:defRPr>
-    </a:lvl4pPr>
-    <a:lvl5pPr marL="1828800" algn="l" defTabSz="914400" rtl="0" eaLnBrk="1" latinLnBrk="0" hangingPunct="1">
-      <a:defRPr kumimoji="1" sz="1200" kern="1200">
-        <a:solidFill>
-          <a:schemeClr val="tx1"/>
-        </a:solidFill>
-        <a:latin typeface="+mn-lt"/>
-        <a:ea typeface="+mn-ea"/>
-        <a:cs typeface="+mn-cs"/>
-      </a:defRPr>
-    </a:lvl5pPr>
-    <a:lvl6pPr marL="2286000" algn="l" defTabSz="914400" rtl="0" eaLnBrk="1" latinLnBrk="0" hangingPunct="1">
-      <a:defRPr kumimoji="1" sz="1200" kern="1200">
-        <a:solidFill>
-          <a:schemeClr val="tx1"/>
-        </a:solidFill>
-        <a:latin typeface="+mn-lt"/>
-        <a:ea typeface="+mn-ea"/>
-        <a:cs typeface="+mn-cs"/>
-      </a:defRPr>
-    </a:lvl6pPr>
-    <a:lvl7pPr marL="2743200" algn="l" defTabSz="914400" rtl="0" eaLnBrk="1" latinLnBrk="0" hangingPunct="1">
-      <a:defRPr kumimoji="1" sz="1200" kern="1200">
-        <a:solidFill>
-          <a:schemeClr val="tx1"/>
-        </a:solidFill>
-        <a:latin typeface="+mn-lt"/>
-        <a:ea typeface="+mn-ea"/>
-        <a:cs typeface="+mn-cs"/>
-      </a:defRPr>
-    </a:lvl7pPr>
-    <a:lvl8pPr marL="3200400" algn="l" defTabSz="914400" rtl="0" eaLnBrk="1" latinLnBrk="0" hangingPunct="1">
-      <a:defRPr kumimoji="1" sz="1200" kern="1200">
-        <a:solidFill>
-          <a:schemeClr val="tx1"/>
-        </a:solidFill>
-        <a:latin typeface="+mn-lt"/>
-        <a:ea typeface="+mn-ea"/>
-        <a:cs typeface="+mn-cs"/>
-      </a:defRPr>
-    </a:lvl8pPr>
-    <a:lvl9pPr marL="3657600" algn="l" defTabSz="914400" rtl="0" eaLnBrk="1" latinLnBrk="0" hangingPunct="1">
-      <a:defRPr kumimoji="1" sz="1200" kern="1200">
-        <a:solidFill>
-          <a:schemeClr val="tx1"/>
-        </a:solidFill>
-        <a:latin typeface="+mn-lt"/>
-        <a:ea typeface="+mn-ea"/>
-        <a:cs typeface="+mn-cs"/>
-      </a:defRPr>
-    </a:lvl9pPr>
-  </p:notesStyle>
-</p:notesMaster>
-</file>
-
-<file path=ppt/notesSlides/notesSlide1.xml><?xml version="1.0" encoding="utf-8"?>
-<p:notes xmlns:a="http://schemas.openxmlformats.org/drawingml/2006/main" xmlns:r="http://schemas.openxmlformats.org/officeDocument/2006/relationships" xmlns:p="http://schemas.openxmlformats.org/presentationml/2006/main">
-  <p:cSld>
-    <p:spTree>
-      <p:nvGrpSpPr>
-        <p:cNvPr id="1" name=""/>
-        <p:cNvGrpSpPr/>
-        <p:nvPr/>
-      </p:nvGrpSpPr>
-      <p:grpSpPr>
-        <a:xfrm>
-          <a:off x="0" y="0"/>
-          <a:ext cx="0" cy="0"/>
-          <a:chOff x="0" y="0"/>
-          <a:chExt cx="0" cy="0"/>
-        </a:xfrm>
-      </p:grpSpPr>
-      <p:sp>
-        <p:nvSpPr>
-          <p:cNvPr id="2" name="スライド イメージ プレースホルダー 1"/>
-          <p:cNvSpPr>
-            <a:spLocks noGrp="1" noRot="1" noChangeAspect="1"/>
-          </p:cNvSpPr>
-          <p:nvPr>
-            <p:ph type="sldImg"/>
-          </p:nvPr>
-        </p:nvSpPr>
-        <p:spPr/>
-      </p:sp>
-      <p:sp>
-        <p:nvSpPr>
-          <p:cNvPr id="3" name="ノート プレースホルダー 2"/>
-          <p:cNvSpPr>
-            <a:spLocks noGrp="1"/>
-          </p:cNvSpPr>
-          <p:nvPr>
-            <p:ph type="body" idx="1"/>
-          </p:nvPr>
-        </p:nvSpPr>
-        <p:spPr/>
-        <p:txBody>
-          <a:bodyPr/>
-          <a:lstStyle/>
-          <a:p>
-            <a:endParaRPr kumimoji="1" lang="ja-JP" altLang="en-US"/>
-          </a:p>
-        </p:txBody>
-      </p:sp>
-      <p:sp>
-        <p:nvSpPr>
-          <p:cNvPr id="4" name="スライド番号プレースホルダー 3"/>
-          <p:cNvSpPr>
-            <a:spLocks noGrp="1"/>
-          </p:cNvSpPr>
-          <p:nvPr>
-            <p:ph type="sldNum" sz="quarter" idx="5"/>
-          </p:nvPr>
-        </p:nvSpPr>
-        <p:spPr/>
-        <p:txBody>
-          <a:bodyPr/>
-          <a:lstStyle/>
-          <a:p>
-            <a:fld id="{62B33189-E15E-4D42-B128-20FA02652FAB}" type="slidenum">
-              <a:rPr kumimoji="1" lang="ja-JP" altLang="en-US" smtClean="0"/>
-              <a:t>5</a:t>
-            </a:fld>
-            <a:endParaRPr kumimoji="1" lang="ja-JP" altLang="en-US"/>
-          </a:p>
-        </p:txBody>
-      </p:sp>
-    </p:spTree>
-    <p:extLst>
-      <p:ext uri="{BB962C8B-B14F-4D97-AF65-F5344CB8AC3E}">
-        <p14:creationId xmlns:p14="http://schemas.microsoft.com/office/powerpoint/2010/main" val="3803165349"/>
-      </p:ext>
-    </p:extLst>
-  </p:cSld>
-  <p:clrMapOvr>
-    <a:masterClrMapping/>
-  </p:clrMapOvr>
-</p:notes>
 </file>
 
 <file path=ppt/slideLayouts/slideLayout1.xml><?xml version="1.0" encoding="utf-8"?>
@@ -785,7 +833,7 @@
           <p:cNvPr id="2" name="タイトル 1">
             <a:extLst>
               <a:ext uri="{FF2B5EF4-FFF2-40B4-BE49-F238E27FC236}">
-                <a16:creationId xmlns:a16="http://schemas.microsoft.com/office/drawing/2014/main" id="{4F491AC4-AE59-3E48-BDFE-925A32F72B7F}"/>
+                <a16:creationId xmlns:a16="http://schemas.microsoft.com/office/drawing/2014/main" id="{19261B2C-1B08-5B4E-902C-C60DF6705A5D}"/>
               </a:ext>
             </a:extLst>
           </p:cNvPr>
@@ -822,7 +870,7 @@
           <p:cNvPr id="3" name="字幕 2">
             <a:extLst>
               <a:ext uri="{FF2B5EF4-FFF2-40B4-BE49-F238E27FC236}">
-                <a16:creationId xmlns:a16="http://schemas.microsoft.com/office/drawing/2014/main" id="{43E0B7FE-32B0-8347-AE79-58B93447A3DF}"/>
+                <a16:creationId xmlns:a16="http://schemas.microsoft.com/office/drawing/2014/main" id="{217D8C11-0190-414F-A740-954E8CF97E69}"/>
               </a:ext>
             </a:extLst>
           </p:cNvPr>
@@ -892,7 +940,7 @@
           <p:cNvPr id="4" name="日付プレースホルダー 3">
             <a:extLst>
               <a:ext uri="{FF2B5EF4-FFF2-40B4-BE49-F238E27FC236}">
-                <a16:creationId xmlns:a16="http://schemas.microsoft.com/office/drawing/2014/main" id="{38C937EF-53FC-7043-A0E5-86B4592FA9E6}"/>
+                <a16:creationId xmlns:a16="http://schemas.microsoft.com/office/drawing/2014/main" id="{E6CA9B3B-9FAF-3740-9231-6B322C74915A}"/>
               </a:ext>
             </a:extLst>
           </p:cNvPr>
@@ -908,9 +956,9 @@
           <a:bodyPr/>
           <a:lstStyle/>
           <a:p>
-            <a:fld id="{F13AAFB1-E51D-594B-AD26-63146CF050D6}" type="datetimeFigureOut">
+            <a:fld id="{B9148E87-D767-4243-9E31-2E6D394C8567}" type="datetimeFigureOut">
               <a:rPr kumimoji="1" lang="ja-JP" altLang="en-US" smtClean="0"/>
-              <a:t>2021/11/26</a:t>
+              <a:t>2021/11/29</a:t>
             </a:fld>
             <a:endParaRPr kumimoji="1" lang="ja-JP" altLang="en-US"/>
           </a:p>
@@ -921,7 +969,7 @@
           <p:cNvPr id="5" name="フッター プレースホルダー 4">
             <a:extLst>
               <a:ext uri="{FF2B5EF4-FFF2-40B4-BE49-F238E27FC236}">
-                <a16:creationId xmlns:a16="http://schemas.microsoft.com/office/drawing/2014/main" id="{8D5540C5-F05B-0E4D-94DD-E5BB13703030}"/>
+                <a16:creationId xmlns:a16="http://schemas.microsoft.com/office/drawing/2014/main" id="{CF5C0E9E-5B01-9F4E-AAC0-D6FAE2F7FD69}"/>
               </a:ext>
             </a:extLst>
           </p:cNvPr>
@@ -946,7 +994,7 @@
           <p:cNvPr id="6" name="スライド番号プレースホルダー 5">
             <a:extLst>
               <a:ext uri="{FF2B5EF4-FFF2-40B4-BE49-F238E27FC236}">
-                <a16:creationId xmlns:a16="http://schemas.microsoft.com/office/drawing/2014/main" id="{C6959662-6E04-6F4F-81D8-CCB15046FA91}"/>
+                <a16:creationId xmlns:a16="http://schemas.microsoft.com/office/drawing/2014/main" id="{320FDD68-E289-C74B-BF1D-A30E4366D362}"/>
               </a:ext>
             </a:extLst>
           </p:cNvPr>
@@ -962,7 +1010,7 @@
           <a:bodyPr/>
           <a:lstStyle/>
           <a:p>
-            <a:fld id="{B283C9FD-EDE8-6042-B3E0-B1563EC930DE}" type="slidenum">
+            <a:fld id="{36B086C5-84CE-0244-A96A-F90743B3D0F1}" type="slidenum">
               <a:rPr kumimoji="1" lang="ja-JP" altLang="en-US" smtClean="0"/>
               <a:t>‹#›</a:t>
             </a:fld>
@@ -973,7 +1021,7 @@
     </p:spTree>
     <p:extLst>
       <p:ext uri="{BB962C8B-B14F-4D97-AF65-F5344CB8AC3E}">
-        <p14:creationId xmlns:p14="http://schemas.microsoft.com/office/powerpoint/2010/main" val="1510352733"/>
+        <p14:creationId xmlns:p14="http://schemas.microsoft.com/office/powerpoint/2010/main" val="162196146"/>
       </p:ext>
     </p:extLst>
   </p:cSld>
@@ -1005,7 +1053,7 @@
           <p:cNvPr id="2" name="タイトル 1">
             <a:extLst>
               <a:ext uri="{FF2B5EF4-FFF2-40B4-BE49-F238E27FC236}">
-                <a16:creationId xmlns:a16="http://schemas.microsoft.com/office/drawing/2014/main" id="{109F0BD2-641A-DD49-9E50-130E22D68AFB}"/>
+                <a16:creationId xmlns:a16="http://schemas.microsoft.com/office/drawing/2014/main" id="{E5B1D9D3-7AA3-3648-92AF-435686827C95}"/>
               </a:ext>
             </a:extLst>
           </p:cNvPr>
@@ -1033,7 +1081,7 @@
           <p:cNvPr id="3" name="縦書きテキスト プレースホルダー 2">
             <a:extLst>
               <a:ext uri="{FF2B5EF4-FFF2-40B4-BE49-F238E27FC236}">
-                <a16:creationId xmlns:a16="http://schemas.microsoft.com/office/drawing/2014/main" id="{9C7AC504-89D6-934C-A444-87D38C6C2225}"/>
+                <a16:creationId xmlns:a16="http://schemas.microsoft.com/office/drawing/2014/main" id="{59196EE4-893E-AC45-B05A-7EF58AC456CA}"/>
               </a:ext>
             </a:extLst>
           </p:cNvPr>
@@ -1122,7 +1170,7 @@
           <p:cNvPr id="4" name="日付プレースホルダー 3">
             <a:extLst>
               <a:ext uri="{FF2B5EF4-FFF2-40B4-BE49-F238E27FC236}">
-                <a16:creationId xmlns:a16="http://schemas.microsoft.com/office/drawing/2014/main" id="{CED4B28E-6E11-C24C-8925-BC9F53B937DE}"/>
+                <a16:creationId xmlns:a16="http://schemas.microsoft.com/office/drawing/2014/main" id="{35A6F7DB-7D41-AD4B-BB59-FC4D762BCFE7}"/>
               </a:ext>
             </a:extLst>
           </p:cNvPr>
@@ -1138,9 +1186,9 @@
           <a:bodyPr/>
           <a:lstStyle/>
           <a:p>
-            <a:fld id="{F13AAFB1-E51D-594B-AD26-63146CF050D6}" type="datetimeFigureOut">
+            <a:fld id="{B9148E87-D767-4243-9E31-2E6D394C8567}" type="datetimeFigureOut">
               <a:rPr kumimoji="1" lang="ja-JP" altLang="en-US" smtClean="0"/>
-              <a:t>2021/11/26</a:t>
+              <a:t>2021/11/29</a:t>
             </a:fld>
             <a:endParaRPr kumimoji="1" lang="ja-JP" altLang="en-US"/>
           </a:p>
@@ -1151,7 +1199,7 @@
           <p:cNvPr id="5" name="フッター プレースホルダー 4">
             <a:extLst>
               <a:ext uri="{FF2B5EF4-FFF2-40B4-BE49-F238E27FC236}">
-                <a16:creationId xmlns:a16="http://schemas.microsoft.com/office/drawing/2014/main" id="{CCD6906A-49EA-214C-BB19-500AAA8787A8}"/>
+                <a16:creationId xmlns:a16="http://schemas.microsoft.com/office/drawing/2014/main" id="{07A0225D-A281-1E42-A2F6-35265889706C}"/>
               </a:ext>
             </a:extLst>
           </p:cNvPr>
@@ -1176,7 +1224,7 @@
           <p:cNvPr id="6" name="スライド番号プレースホルダー 5">
             <a:extLst>
               <a:ext uri="{FF2B5EF4-FFF2-40B4-BE49-F238E27FC236}">
-                <a16:creationId xmlns:a16="http://schemas.microsoft.com/office/drawing/2014/main" id="{9308D596-DA33-0B49-87EA-2DA587F43D2D}"/>
+                <a16:creationId xmlns:a16="http://schemas.microsoft.com/office/drawing/2014/main" id="{25AC29A7-F6E0-AF47-9416-70E595DFD110}"/>
               </a:ext>
             </a:extLst>
           </p:cNvPr>
@@ -1192,7 +1240,7 @@
           <a:bodyPr/>
           <a:lstStyle/>
           <a:p>
-            <a:fld id="{B283C9FD-EDE8-6042-B3E0-B1563EC930DE}" type="slidenum">
+            <a:fld id="{36B086C5-84CE-0244-A96A-F90743B3D0F1}" type="slidenum">
               <a:rPr kumimoji="1" lang="ja-JP" altLang="en-US" smtClean="0"/>
               <a:t>‹#›</a:t>
             </a:fld>
@@ -1203,7 +1251,7 @@
     </p:spTree>
     <p:extLst>
       <p:ext uri="{BB962C8B-B14F-4D97-AF65-F5344CB8AC3E}">
-        <p14:creationId xmlns:p14="http://schemas.microsoft.com/office/powerpoint/2010/main" val="504424144"/>
+        <p14:creationId xmlns:p14="http://schemas.microsoft.com/office/powerpoint/2010/main" val="321736289"/>
       </p:ext>
     </p:extLst>
   </p:cSld>
@@ -1235,7 +1283,7 @@
           <p:cNvPr id="2" name="縦書きタイトル 1">
             <a:extLst>
               <a:ext uri="{FF2B5EF4-FFF2-40B4-BE49-F238E27FC236}">
-                <a16:creationId xmlns:a16="http://schemas.microsoft.com/office/drawing/2014/main" id="{537EE95A-3CE2-CD4F-9F8D-E23E9EB6E264}"/>
+                <a16:creationId xmlns:a16="http://schemas.microsoft.com/office/drawing/2014/main" id="{04909E83-6322-224A-AA0A-298EA897BF1C}"/>
               </a:ext>
             </a:extLst>
           </p:cNvPr>
@@ -1268,7 +1316,7 @@
           <p:cNvPr id="3" name="縦書きテキスト プレースホルダー 2">
             <a:extLst>
               <a:ext uri="{FF2B5EF4-FFF2-40B4-BE49-F238E27FC236}">
-                <a16:creationId xmlns:a16="http://schemas.microsoft.com/office/drawing/2014/main" id="{C010A379-A804-E94D-B38A-FEF86D0524E5}"/>
+                <a16:creationId xmlns:a16="http://schemas.microsoft.com/office/drawing/2014/main" id="{5D03CC5D-460C-7C44-A471-5599B89B5682}"/>
               </a:ext>
             </a:extLst>
           </p:cNvPr>
@@ -1362,7 +1410,7 @@
           <p:cNvPr id="4" name="日付プレースホルダー 3">
             <a:extLst>
               <a:ext uri="{FF2B5EF4-FFF2-40B4-BE49-F238E27FC236}">
-                <a16:creationId xmlns:a16="http://schemas.microsoft.com/office/drawing/2014/main" id="{E3F00563-CBFC-1742-AAAA-55090D61D770}"/>
+                <a16:creationId xmlns:a16="http://schemas.microsoft.com/office/drawing/2014/main" id="{A3212850-053D-1D4F-B04A-93557592912C}"/>
               </a:ext>
             </a:extLst>
           </p:cNvPr>
@@ -1378,9 +1426,9 @@
           <a:bodyPr/>
           <a:lstStyle/>
           <a:p>
-            <a:fld id="{F13AAFB1-E51D-594B-AD26-63146CF050D6}" type="datetimeFigureOut">
+            <a:fld id="{B9148E87-D767-4243-9E31-2E6D394C8567}" type="datetimeFigureOut">
               <a:rPr kumimoji="1" lang="ja-JP" altLang="en-US" smtClean="0"/>
-              <a:t>2021/11/26</a:t>
+              <a:t>2021/11/29</a:t>
             </a:fld>
             <a:endParaRPr kumimoji="1" lang="ja-JP" altLang="en-US"/>
           </a:p>
@@ -1391,7 +1439,7 @@
           <p:cNvPr id="5" name="フッター プレースホルダー 4">
             <a:extLst>
               <a:ext uri="{FF2B5EF4-FFF2-40B4-BE49-F238E27FC236}">
-                <a16:creationId xmlns:a16="http://schemas.microsoft.com/office/drawing/2014/main" id="{38F87659-E383-CD45-820C-4A436CC2F47C}"/>
+                <a16:creationId xmlns:a16="http://schemas.microsoft.com/office/drawing/2014/main" id="{9026818D-9F19-E341-BAA9-90F0C58E80D7}"/>
               </a:ext>
             </a:extLst>
           </p:cNvPr>
@@ -1416,7 +1464,7 @@
           <p:cNvPr id="6" name="スライド番号プレースホルダー 5">
             <a:extLst>
               <a:ext uri="{FF2B5EF4-FFF2-40B4-BE49-F238E27FC236}">
-                <a16:creationId xmlns:a16="http://schemas.microsoft.com/office/drawing/2014/main" id="{882D9D3D-1727-E14C-AB48-AFBBE6E4642D}"/>
+                <a16:creationId xmlns:a16="http://schemas.microsoft.com/office/drawing/2014/main" id="{11DB6550-B3AB-F54E-9F40-EC0ACA1C937C}"/>
               </a:ext>
             </a:extLst>
           </p:cNvPr>
@@ -1432,7 +1480,7 @@
           <a:bodyPr/>
           <a:lstStyle/>
           <a:p>
-            <a:fld id="{B283C9FD-EDE8-6042-B3E0-B1563EC930DE}" type="slidenum">
+            <a:fld id="{36B086C5-84CE-0244-A96A-F90743B3D0F1}" type="slidenum">
               <a:rPr kumimoji="1" lang="ja-JP" altLang="en-US" smtClean="0"/>
               <a:t>‹#›</a:t>
             </a:fld>
@@ -1443,7 +1491,7 @@
     </p:spTree>
     <p:extLst>
       <p:ext uri="{BB962C8B-B14F-4D97-AF65-F5344CB8AC3E}">
-        <p14:creationId xmlns:p14="http://schemas.microsoft.com/office/powerpoint/2010/main" val="2680499214"/>
+        <p14:creationId xmlns:p14="http://schemas.microsoft.com/office/powerpoint/2010/main" val="3235606318"/>
       </p:ext>
     </p:extLst>
   </p:cSld>
@@ -1475,7 +1523,7 @@
           <p:cNvPr id="2" name="タイトル 1">
             <a:extLst>
               <a:ext uri="{FF2B5EF4-FFF2-40B4-BE49-F238E27FC236}">
-                <a16:creationId xmlns:a16="http://schemas.microsoft.com/office/drawing/2014/main" id="{66D3847B-959B-174E-9A87-509BC3FDCA72}"/>
+                <a16:creationId xmlns:a16="http://schemas.microsoft.com/office/drawing/2014/main" id="{75AFF7E5-63E6-4546-AF2F-527086ED27A7}"/>
               </a:ext>
             </a:extLst>
           </p:cNvPr>
@@ -1503,7 +1551,7 @@
           <p:cNvPr id="3" name="コンテンツ プレースホルダー 2">
             <a:extLst>
               <a:ext uri="{FF2B5EF4-FFF2-40B4-BE49-F238E27FC236}">
-                <a16:creationId xmlns:a16="http://schemas.microsoft.com/office/drawing/2014/main" id="{AEFCDF3D-086C-1B4B-8662-4A8C673BBACB}"/>
+                <a16:creationId xmlns:a16="http://schemas.microsoft.com/office/drawing/2014/main" id="{2BDA3852-FA79-F04E-80D6-9A540635BB3C}"/>
               </a:ext>
             </a:extLst>
           </p:cNvPr>
@@ -1592,7 +1640,7 @@
           <p:cNvPr id="4" name="日付プレースホルダー 3">
             <a:extLst>
               <a:ext uri="{FF2B5EF4-FFF2-40B4-BE49-F238E27FC236}">
-                <a16:creationId xmlns:a16="http://schemas.microsoft.com/office/drawing/2014/main" id="{1D55D95C-C1CA-194A-9BE6-6B826588CAE8}"/>
+                <a16:creationId xmlns:a16="http://schemas.microsoft.com/office/drawing/2014/main" id="{3B97954A-AE74-2D40-A59B-00071230B5D0}"/>
               </a:ext>
             </a:extLst>
           </p:cNvPr>
@@ -1608,9 +1656,9 @@
           <a:bodyPr/>
           <a:lstStyle/>
           <a:p>
-            <a:fld id="{F13AAFB1-E51D-594B-AD26-63146CF050D6}" type="datetimeFigureOut">
+            <a:fld id="{B9148E87-D767-4243-9E31-2E6D394C8567}" type="datetimeFigureOut">
               <a:rPr kumimoji="1" lang="ja-JP" altLang="en-US" smtClean="0"/>
-              <a:t>2021/11/26</a:t>
+              <a:t>2021/11/29</a:t>
             </a:fld>
             <a:endParaRPr kumimoji="1" lang="ja-JP" altLang="en-US"/>
           </a:p>
@@ -1621,7 +1669,7 @@
           <p:cNvPr id="5" name="フッター プレースホルダー 4">
             <a:extLst>
               <a:ext uri="{FF2B5EF4-FFF2-40B4-BE49-F238E27FC236}">
-                <a16:creationId xmlns:a16="http://schemas.microsoft.com/office/drawing/2014/main" id="{43C21751-A91B-8744-8A1C-D79037B491EF}"/>
+                <a16:creationId xmlns:a16="http://schemas.microsoft.com/office/drawing/2014/main" id="{CA7699EB-50D8-0046-92A4-E6D0244757B1}"/>
               </a:ext>
             </a:extLst>
           </p:cNvPr>
@@ -1646,7 +1694,7 @@
           <p:cNvPr id="6" name="スライド番号プレースホルダー 5">
             <a:extLst>
               <a:ext uri="{FF2B5EF4-FFF2-40B4-BE49-F238E27FC236}">
-                <a16:creationId xmlns:a16="http://schemas.microsoft.com/office/drawing/2014/main" id="{A403935C-BDAE-7E45-A73D-61E8A047970C}"/>
+                <a16:creationId xmlns:a16="http://schemas.microsoft.com/office/drawing/2014/main" id="{9FF8AC6E-EAF8-0F43-BD1B-31F9F75C0ED5}"/>
               </a:ext>
             </a:extLst>
           </p:cNvPr>
@@ -1662,7 +1710,7 @@
           <a:bodyPr/>
           <a:lstStyle/>
           <a:p>
-            <a:fld id="{B283C9FD-EDE8-6042-B3E0-B1563EC930DE}" type="slidenum">
+            <a:fld id="{36B086C5-84CE-0244-A96A-F90743B3D0F1}" type="slidenum">
               <a:rPr kumimoji="1" lang="ja-JP" altLang="en-US" smtClean="0"/>
               <a:t>‹#›</a:t>
             </a:fld>
@@ -1673,7 +1721,7 @@
     </p:spTree>
     <p:extLst>
       <p:ext uri="{BB962C8B-B14F-4D97-AF65-F5344CB8AC3E}">
-        <p14:creationId xmlns:p14="http://schemas.microsoft.com/office/powerpoint/2010/main" val="1130649669"/>
+        <p14:creationId xmlns:p14="http://schemas.microsoft.com/office/powerpoint/2010/main" val="1151750811"/>
       </p:ext>
     </p:extLst>
   </p:cSld>
@@ -1705,7 +1753,7 @@
           <p:cNvPr id="2" name="タイトル 1">
             <a:extLst>
               <a:ext uri="{FF2B5EF4-FFF2-40B4-BE49-F238E27FC236}">
-                <a16:creationId xmlns:a16="http://schemas.microsoft.com/office/drawing/2014/main" id="{562E3B8B-9BB1-764F-9E37-F8D23A85FCCB}"/>
+                <a16:creationId xmlns:a16="http://schemas.microsoft.com/office/drawing/2014/main" id="{A5938E7E-9713-C749-9714-15A5F44F6084}"/>
               </a:ext>
             </a:extLst>
           </p:cNvPr>
@@ -1742,7 +1790,7 @@
           <p:cNvPr id="3" name="テキスト プレースホルダー 2">
             <a:extLst>
               <a:ext uri="{FF2B5EF4-FFF2-40B4-BE49-F238E27FC236}">
-                <a16:creationId xmlns:a16="http://schemas.microsoft.com/office/drawing/2014/main" id="{613FB604-496B-DB4A-A922-632CB2C71AB5}"/>
+                <a16:creationId xmlns:a16="http://schemas.microsoft.com/office/drawing/2014/main" id="{7013DD3A-05D0-E84C-BA50-19A92F8CAAEB}"/>
               </a:ext>
             </a:extLst>
           </p:cNvPr>
@@ -1867,7 +1915,7 @@
           <p:cNvPr id="4" name="日付プレースホルダー 3">
             <a:extLst>
               <a:ext uri="{FF2B5EF4-FFF2-40B4-BE49-F238E27FC236}">
-                <a16:creationId xmlns:a16="http://schemas.microsoft.com/office/drawing/2014/main" id="{EB87A0D0-D637-274C-8BCF-32E5B24478CE}"/>
+                <a16:creationId xmlns:a16="http://schemas.microsoft.com/office/drawing/2014/main" id="{0683BE19-718F-914E-8ADC-878801C2FE79}"/>
               </a:ext>
             </a:extLst>
           </p:cNvPr>
@@ -1883,9 +1931,9 @@
           <a:bodyPr/>
           <a:lstStyle/>
           <a:p>
-            <a:fld id="{F13AAFB1-E51D-594B-AD26-63146CF050D6}" type="datetimeFigureOut">
+            <a:fld id="{B9148E87-D767-4243-9E31-2E6D394C8567}" type="datetimeFigureOut">
               <a:rPr kumimoji="1" lang="ja-JP" altLang="en-US" smtClean="0"/>
-              <a:t>2021/11/26</a:t>
+              <a:t>2021/11/29</a:t>
             </a:fld>
             <a:endParaRPr kumimoji="1" lang="ja-JP" altLang="en-US"/>
           </a:p>
@@ -1896,7 +1944,7 @@
           <p:cNvPr id="5" name="フッター プレースホルダー 4">
             <a:extLst>
               <a:ext uri="{FF2B5EF4-FFF2-40B4-BE49-F238E27FC236}">
-                <a16:creationId xmlns:a16="http://schemas.microsoft.com/office/drawing/2014/main" id="{1A8B6796-8FFC-7448-8B42-38FB35E9A0AA}"/>
+                <a16:creationId xmlns:a16="http://schemas.microsoft.com/office/drawing/2014/main" id="{1C13BCDA-F675-EF4A-B9AE-F7B1545584F1}"/>
               </a:ext>
             </a:extLst>
           </p:cNvPr>
@@ -1921,7 +1969,7 @@
           <p:cNvPr id="6" name="スライド番号プレースホルダー 5">
             <a:extLst>
               <a:ext uri="{FF2B5EF4-FFF2-40B4-BE49-F238E27FC236}">
-                <a16:creationId xmlns:a16="http://schemas.microsoft.com/office/drawing/2014/main" id="{F7F55C30-0237-0D41-97C5-65E4B8F963F2}"/>
+                <a16:creationId xmlns:a16="http://schemas.microsoft.com/office/drawing/2014/main" id="{535D0051-82D3-2D49-AB7F-2CBD62324478}"/>
               </a:ext>
             </a:extLst>
           </p:cNvPr>
@@ -1937,7 +1985,7 @@
           <a:bodyPr/>
           <a:lstStyle/>
           <a:p>
-            <a:fld id="{B283C9FD-EDE8-6042-B3E0-B1563EC930DE}" type="slidenum">
+            <a:fld id="{36B086C5-84CE-0244-A96A-F90743B3D0F1}" type="slidenum">
               <a:rPr kumimoji="1" lang="ja-JP" altLang="en-US" smtClean="0"/>
               <a:t>‹#›</a:t>
             </a:fld>
@@ -1948,7 +1996,7 @@
     </p:spTree>
     <p:extLst>
       <p:ext uri="{BB962C8B-B14F-4D97-AF65-F5344CB8AC3E}">
-        <p14:creationId xmlns:p14="http://schemas.microsoft.com/office/powerpoint/2010/main" val="3933737300"/>
+        <p14:creationId xmlns:p14="http://schemas.microsoft.com/office/powerpoint/2010/main" val="3387832546"/>
       </p:ext>
     </p:extLst>
   </p:cSld>
@@ -1980,7 +2028,7 @@
           <p:cNvPr id="2" name="タイトル 1">
             <a:extLst>
               <a:ext uri="{FF2B5EF4-FFF2-40B4-BE49-F238E27FC236}">
-                <a16:creationId xmlns:a16="http://schemas.microsoft.com/office/drawing/2014/main" id="{6B8D852B-78D0-3B4C-A033-FEEA23771B68}"/>
+                <a16:creationId xmlns:a16="http://schemas.microsoft.com/office/drawing/2014/main" id="{29853B08-C71E-D04E-A593-9FCB568FF616}"/>
               </a:ext>
             </a:extLst>
           </p:cNvPr>
@@ -2008,7 +2056,7 @@
           <p:cNvPr id="3" name="コンテンツ プレースホルダー 2">
             <a:extLst>
               <a:ext uri="{FF2B5EF4-FFF2-40B4-BE49-F238E27FC236}">
-                <a16:creationId xmlns:a16="http://schemas.microsoft.com/office/drawing/2014/main" id="{D12F9341-47D9-5E42-A3A5-D82F0A49EF3D}"/>
+                <a16:creationId xmlns:a16="http://schemas.microsoft.com/office/drawing/2014/main" id="{09C36F3C-62E9-C04A-A6F4-2EAC88BE4F61}"/>
               </a:ext>
             </a:extLst>
           </p:cNvPr>
@@ -2102,7 +2150,7 @@
           <p:cNvPr id="4" name="コンテンツ プレースホルダー 3">
             <a:extLst>
               <a:ext uri="{FF2B5EF4-FFF2-40B4-BE49-F238E27FC236}">
-                <a16:creationId xmlns:a16="http://schemas.microsoft.com/office/drawing/2014/main" id="{E25BF7EE-681A-3849-AD53-CB8FD4334502}"/>
+                <a16:creationId xmlns:a16="http://schemas.microsoft.com/office/drawing/2014/main" id="{4E8C24BC-EF5F-6540-9B8D-21C73C53DEC6}"/>
               </a:ext>
             </a:extLst>
           </p:cNvPr>
@@ -2196,7 +2244,7 @@
           <p:cNvPr id="5" name="日付プレースホルダー 4">
             <a:extLst>
               <a:ext uri="{FF2B5EF4-FFF2-40B4-BE49-F238E27FC236}">
-                <a16:creationId xmlns:a16="http://schemas.microsoft.com/office/drawing/2014/main" id="{45774FDE-E559-E146-9476-BD95250F0036}"/>
+                <a16:creationId xmlns:a16="http://schemas.microsoft.com/office/drawing/2014/main" id="{47C9A0FE-8747-904B-BECD-602D283ABA9F}"/>
               </a:ext>
             </a:extLst>
           </p:cNvPr>
@@ -2212,9 +2260,9 @@
           <a:bodyPr/>
           <a:lstStyle/>
           <a:p>
-            <a:fld id="{F13AAFB1-E51D-594B-AD26-63146CF050D6}" type="datetimeFigureOut">
+            <a:fld id="{B9148E87-D767-4243-9E31-2E6D394C8567}" type="datetimeFigureOut">
               <a:rPr kumimoji="1" lang="ja-JP" altLang="en-US" smtClean="0"/>
-              <a:t>2021/11/26</a:t>
+              <a:t>2021/11/29</a:t>
             </a:fld>
             <a:endParaRPr kumimoji="1" lang="ja-JP" altLang="en-US"/>
           </a:p>
@@ -2225,7 +2273,7 @@
           <p:cNvPr id="6" name="フッター プレースホルダー 5">
             <a:extLst>
               <a:ext uri="{FF2B5EF4-FFF2-40B4-BE49-F238E27FC236}">
-                <a16:creationId xmlns:a16="http://schemas.microsoft.com/office/drawing/2014/main" id="{4B59A13E-6E08-2449-8E68-BD3120BE4BD1}"/>
+                <a16:creationId xmlns:a16="http://schemas.microsoft.com/office/drawing/2014/main" id="{6F094974-AA72-D745-88FF-B6AFB39406B7}"/>
               </a:ext>
             </a:extLst>
           </p:cNvPr>
@@ -2250,7 +2298,7 @@
           <p:cNvPr id="7" name="スライド番号プレースホルダー 6">
             <a:extLst>
               <a:ext uri="{FF2B5EF4-FFF2-40B4-BE49-F238E27FC236}">
-                <a16:creationId xmlns:a16="http://schemas.microsoft.com/office/drawing/2014/main" id="{1354B3D4-29DA-4541-B0A1-12B55E4FEE2A}"/>
+                <a16:creationId xmlns:a16="http://schemas.microsoft.com/office/drawing/2014/main" id="{1352C103-7D96-1A4E-A6FA-1435E7359C1D}"/>
               </a:ext>
             </a:extLst>
           </p:cNvPr>
@@ -2266,7 +2314,7 @@
           <a:bodyPr/>
           <a:lstStyle/>
           <a:p>
-            <a:fld id="{B283C9FD-EDE8-6042-B3E0-B1563EC930DE}" type="slidenum">
+            <a:fld id="{36B086C5-84CE-0244-A96A-F90743B3D0F1}" type="slidenum">
               <a:rPr kumimoji="1" lang="ja-JP" altLang="en-US" smtClean="0"/>
               <a:t>‹#›</a:t>
             </a:fld>
@@ -2277,7 +2325,7 @@
     </p:spTree>
     <p:extLst>
       <p:ext uri="{BB962C8B-B14F-4D97-AF65-F5344CB8AC3E}">
-        <p14:creationId xmlns:p14="http://schemas.microsoft.com/office/powerpoint/2010/main" val="3518975974"/>
+        <p14:creationId xmlns:p14="http://schemas.microsoft.com/office/powerpoint/2010/main" val="3836335372"/>
       </p:ext>
     </p:extLst>
   </p:cSld>
@@ -2309,7 +2357,7 @@
           <p:cNvPr id="2" name="タイトル 1">
             <a:extLst>
               <a:ext uri="{FF2B5EF4-FFF2-40B4-BE49-F238E27FC236}">
-                <a16:creationId xmlns:a16="http://schemas.microsoft.com/office/drawing/2014/main" id="{856DD309-0902-2545-818E-100C34650E9E}"/>
+                <a16:creationId xmlns:a16="http://schemas.microsoft.com/office/drawing/2014/main" id="{E665F257-8849-894B-BE3D-BCAFB287DA5A}"/>
               </a:ext>
             </a:extLst>
           </p:cNvPr>
@@ -2342,7 +2390,7 @@
           <p:cNvPr id="3" name="テキスト プレースホルダー 2">
             <a:extLst>
               <a:ext uri="{FF2B5EF4-FFF2-40B4-BE49-F238E27FC236}">
-                <a16:creationId xmlns:a16="http://schemas.microsoft.com/office/drawing/2014/main" id="{37ACF119-0C80-AB49-A199-BA18907C4306}"/>
+                <a16:creationId xmlns:a16="http://schemas.microsoft.com/office/drawing/2014/main" id="{298A2560-0BE0-D546-BCE1-23F50D45A590}"/>
               </a:ext>
             </a:extLst>
           </p:cNvPr>
@@ -2413,7 +2461,7 @@
           <p:cNvPr id="4" name="コンテンツ プレースホルダー 3">
             <a:extLst>
               <a:ext uri="{FF2B5EF4-FFF2-40B4-BE49-F238E27FC236}">
-                <a16:creationId xmlns:a16="http://schemas.microsoft.com/office/drawing/2014/main" id="{D0BF0251-8E96-5245-BFA4-CBD5B2B63698}"/>
+                <a16:creationId xmlns:a16="http://schemas.microsoft.com/office/drawing/2014/main" id="{4313A094-6F0A-B041-A3BE-0F05A4E8D02B}"/>
               </a:ext>
             </a:extLst>
           </p:cNvPr>
@@ -2507,7 +2555,7 @@
           <p:cNvPr id="5" name="テキスト プレースホルダー 4">
             <a:extLst>
               <a:ext uri="{FF2B5EF4-FFF2-40B4-BE49-F238E27FC236}">
-                <a16:creationId xmlns:a16="http://schemas.microsoft.com/office/drawing/2014/main" id="{BD19ED37-2D6A-3E48-B388-16148A183485}"/>
+                <a16:creationId xmlns:a16="http://schemas.microsoft.com/office/drawing/2014/main" id="{4605ABF5-3F0D-0C4D-B9BF-B98E40964C32}"/>
               </a:ext>
             </a:extLst>
           </p:cNvPr>
@@ -2578,7 +2626,7 @@
           <p:cNvPr id="6" name="コンテンツ プレースホルダー 5">
             <a:extLst>
               <a:ext uri="{FF2B5EF4-FFF2-40B4-BE49-F238E27FC236}">
-                <a16:creationId xmlns:a16="http://schemas.microsoft.com/office/drawing/2014/main" id="{3F381E0B-C01D-9347-9F0E-72B5E32D25C4}"/>
+                <a16:creationId xmlns:a16="http://schemas.microsoft.com/office/drawing/2014/main" id="{AA007EC5-B792-E54B-A902-E74DC3BB2FEC}"/>
               </a:ext>
             </a:extLst>
           </p:cNvPr>
@@ -2672,7 +2720,7 @@
           <p:cNvPr id="7" name="日付プレースホルダー 6">
             <a:extLst>
               <a:ext uri="{FF2B5EF4-FFF2-40B4-BE49-F238E27FC236}">
-                <a16:creationId xmlns:a16="http://schemas.microsoft.com/office/drawing/2014/main" id="{01067DAF-DBAC-BE45-8F76-132D05F47024}"/>
+                <a16:creationId xmlns:a16="http://schemas.microsoft.com/office/drawing/2014/main" id="{6C5EB45B-5689-1D44-BC76-BA1118E1132F}"/>
               </a:ext>
             </a:extLst>
           </p:cNvPr>
@@ -2688,9 +2736,9 @@
           <a:bodyPr/>
           <a:lstStyle/>
           <a:p>
-            <a:fld id="{F13AAFB1-E51D-594B-AD26-63146CF050D6}" type="datetimeFigureOut">
+            <a:fld id="{B9148E87-D767-4243-9E31-2E6D394C8567}" type="datetimeFigureOut">
               <a:rPr kumimoji="1" lang="ja-JP" altLang="en-US" smtClean="0"/>
-              <a:t>2021/11/26</a:t>
+              <a:t>2021/11/29</a:t>
             </a:fld>
             <a:endParaRPr kumimoji="1" lang="ja-JP" altLang="en-US"/>
           </a:p>
@@ -2701,7 +2749,7 @@
           <p:cNvPr id="8" name="フッター プレースホルダー 7">
             <a:extLst>
               <a:ext uri="{FF2B5EF4-FFF2-40B4-BE49-F238E27FC236}">
-                <a16:creationId xmlns:a16="http://schemas.microsoft.com/office/drawing/2014/main" id="{950CEB68-71D5-944B-B785-66962B8FBDC3}"/>
+                <a16:creationId xmlns:a16="http://schemas.microsoft.com/office/drawing/2014/main" id="{C178B7BF-6EC1-204A-9010-DDBDCBFACCBA}"/>
               </a:ext>
             </a:extLst>
           </p:cNvPr>
@@ -2726,7 +2774,7 @@
           <p:cNvPr id="9" name="スライド番号プレースホルダー 8">
             <a:extLst>
               <a:ext uri="{FF2B5EF4-FFF2-40B4-BE49-F238E27FC236}">
-                <a16:creationId xmlns:a16="http://schemas.microsoft.com/office/drawing/2014/main" id="{A2833863-AFF2-5041-A510-56C038A0C9B6}"/>
+                <a16:creationId xmlns:a16="http://schemas.microsoft.com/office/drawing/2014/main" id="{F95F73A0-A4C6-8D4D-8F2E-D615F0CB5126}"/>
               </a:ext>
             </a:extLst>
           </p:cNvPr>
@@ -2742,7 +2790,7 @@
           <a:bodyPr/>
           <a:lstStyle/>
           <a:p>
-            <a:fld id="{B283C9FD-EDE8-6042-B3E0-B1563EC930DE}" type="slidenum">
+            <a:fld id="{36B086C5-84CE-0244-A96A-F90743B3D0F1}" type="slidenum">
               <a:rPr kumimoji="1" lang="ja-JP" altLang="en-US" smtClean="0"/>
               <a:t>‹#›</a:t>
             </a:fld>
@@ -2753,7 +2801,7 @@
     </p:spTree>
     <p:extLst>
       <p:ext uri="{BB962C8B-B14F-4D97-AF65-F5344CB8AC3E}">
-        <p14:creationId xmlns:p14="http://schemas.microsoft.com/office/powerpoint/2010/main" val="3661097970"/>
+        <p14:creationId xmlns:p14="http://schemas.microsoft.com/office/powerpoint/2010/main" val="4206671698"/>
       </p:ext>
     </p:extLst>
   </p:cSld>
@@ -2785,7 +2833,7 @@
           <p:cNvPr id="2" name="タイトル 1">
             <a:extLst>
               <a:ext uri="{FF2B5EF4-FFF2-40B4-BE49-F238E27FC236}">
-                <a16:creationId xmlns:a16="http://schemas.microsoft.com/office/drawing/2014/main" id="{A494D182-ADC9-874E-902B-F098330C4EEB}"/>
+                <a16:creationId xmlns:a16="http://schemas.microsoft.com/office/drawing/2014/main" id="{C39B96E6-6B53-0946-9353-EB642EE77A2A}"/>
               </a:ext>
             </a:extLst>
           </p:cNvPr>
@@ -2813,7 +2861,7 @@
           <p:cNvPr id="3" name="日付プレースホルダー 2">
             <a:extLst>
               <a:ext uri="{FF2B5EF4-FFF2-40B4-BE49-F238E27FC236}">
-                <a16:creationId xmlns:a16="http://schemas.microsoft.com/office/drawing/2014/main" id="{1BCF4DF9-2480-D94C-8367-F32C199EC443}"/>
+                <a16:creationId xmlns:a16="http://schemas.microsoft.com/office/drawing/2014/main" id="{990F77F1-945C-F54A-8B85-A398DECD59F4}"/>
               </a:ext>
             </a:extLst>
           </p:cNvPr>
@@ -2829,9 +2877,9 @@
           <a:bodyPr/>
           <a:lstStyle/>
           <a:p>
-            <a:fld id="{F13AAFB1-E51D-594B-AD26-63146CF050D6}" type="datetimeFigureOut">
+            <a:fld id="{B9148E87-D767-4243-9E31-2E6D394C8567}" type="datetimeFigureOut">
               <a:rPr kumimoji="1" lang="ja-JP" altLang="en-US" smtClean="0"/>
-              <a:t>2021/11/26</a:t>
+              <a:t>2021/11/29</a:t>
             </a:fld>
             <a:endParaRPr kumimoji="1" lang="ja-JP" altLang="en-US"/>
           </a:p>
@@ -2842,7 +2890,7 @@
           <p:cNvPr id="4" name="フッター プレースホルダー 3">
             <a:extLst>
               <a:ext uri="{FF2B5EF4-FFF2-40B4-BE49-F238E27FC236}">
-                <a16:creationId xmlns:a16="http://schemas.microsoft.com/office/drawing/2014/main" id="{85E45555-E5B5-D642-B68B-F37ECF72D8D6}"/>
+                <a16:creationId xmlns:a16="http://schemas.microsoft.com/office/drawing/2014/main" id="{EB8576F0-8B31-D94B-8AC2-1EC48C265BC6}"/>
               </a:ext>
             </a:extLst>
           </p:cNvPr>
@@ -2867,7 +2915,7 @@
           <p:cNvPr id="5" name="スライド番号プレースホルダー 4">
             <a:extLst>
               <a:ext uri="{FF2B5EF4-FFF2-40B4-BE49-F238E27FC236}">
-                <a16:creationId xmlns:a16="http://schemas.microsoft.com/office/drawing/2014/main" id="{4BCCECDA-C45D-8C45-9B4A-0A8204CADF43}"/>
+                <a16:creationId xmlns:a16="http://schemas.microsoft.com/office/drawing/2014/main" id="{A5CB5FE8-EA7B-974C-A0CD-19597E5A458C}"/>
               </a:ext>
             </a:extLst>
           </p:cNvPr>
@@ -2883,7 +2931,7 @@
           <a:bodyPr/>
           <a:lstStyle/>
           <a:p>
-            <a:fld id="{B283C9FD-EDE8-6042-B3E0-B1563EC930DE}" type="slidenum">
+            <a:fld id="{36B086C5-84CE-0244-A96A-F90743B3D0F1}" type="slidenum">
               <a:rPr kumimoji="1" lang="ja-JP" altLang="en-US" smtClean="0"/>
               <a:t>‹#›</a:t>
             </a:fld>
@@ -2894,7 +2942,7 @@
     </p:spTree>
     <p:extLst>
       <p:ext uri="{BB962C8B-B14F-4D97-AF65-F5344CB8AC3E}">
-        <p14:creationId xmlns:p14="http://schemas.microsoft.com/office/powerpoint/2010/main" val="3924493060"/>
+        <p14:creationId xmlns:p14="http://schemas.microsoft.com/office/powerpoint/2010/main" val="107545736"/>
       </p:ext>
     </p:extLst>
   </p:cSld>
@@ -2926,7 +2974,7 @@
           <p:cNvPr id="2" name="日付プレースホルダー 1">
             <a:extLst>
               <a:ext uri="{FF2B5EF4-FFF2-40B4-BE49-F238E27FC236}">
-                <a16:creationId xmlns:a16="http://schemas.microsoft.com/office/drawing/2014/main" id="{DCF00A6A-3791-5F4D-ABD6-1AB9C47EBBF6}"/>
+                <a16:creationId xmlns:a16="http://schemas.microsoft.com/office/drawing/2014/main" id="{07D45AD4-77D5-5948-8CC6-EF6DD4471A6B}"/>
               </a:ext>
             </a:extLst>
           </p:cNvPr>
@@ -2942,9 +2990,9 @@
           <a:bodyPr/>
           <a:lstStyle/>
           <a:p>
-            <a:fld id="{F13AAFB1-E51D-594B-AD26-63146CF050D6}" type="datetimeFigureOut">
+            <a:fld id="{B9148E87-D767-4243-9E31-2E6D394C8567}" type="datetimeFigureOut">
               <a:rPr kumimoji="1" lang="ja-JP" altLang="en-US" smtClean="0"/>
-              <a:t>2021/11/26</a:t>
+              <a:t>2021/11/29</a:t>
             </a:fld>
             <a:endParaRPr kumimoji="1" lang="ja-JP" altLang="en-US"/>
           </a:p>
@@ -2955,7 +3003,7 @@
           <p:cNvPr id="3" name="フッター プレースホルダー 2">
             <a:extLst>
               <a:ext uri="{FF2B5EF4-FFF2-40B4-BE49-F238E27FC236}">
-                <a16:creationId xmlns:a16="http://schemas.microsoft.com/office/drawing/2014/main" id="{7F8529FA-E9A7-E14B-A437-40657F77ABE0}"/>
+                <a16:creationId xmlns:a16="http://schemas.microsoft.com/office/drawing/2014/main" id="{4DA23552-46A3-2B47-BB77-78AC9A101070}"/>
               </a:ext>
             </a:extLst>
           </p:cNvPr>
@@ -2980,7 +3028,7 @@
           <p:cNvPr id="4" name="スライド番号プレースホルダー 3">
             <a:extLst>
               <a:ext uri="{FF2B5EF4-FFF2-40B4-BE49-F238E27FC236}">
-                <a16:creationId xmlns:a16="http://schemas.microsoft.com/office/drawing/2014/main" id="{C506CD50-0643-734C-8F82-F33A4E18B3DE}"/>
+                <a16:creationId xmlns:a16="http://schemas.microsoft.com/office/drawing/2014/main" id="{F5900DBB-B4A9-3145-A518-EC584CC9DFC8}"/>
               </a:ext>
             </a:extLst>
           </p:cNvPr>
@@ -2996,7 +3044,7 @@
           <a:bodyPr/>
           <a:lstStyle/>
           <a:p>
-            <a:fld id="{B283C9FD-EDE8-6042-B3E0-B1563EC930DE}" type="slidenum">
+            <a:fld id="{36B086C5-84CE-0244-A96A-F90743B3D0F1}" type="slidenum">
               <a:rPr kumimoji="1" lang="ja-JP" altLang="en-US" smtClean="0"/>
               <a:t>‹#›</a:t>
             </a:fld>
@@ -3007,7 +3055,7 @@
     </p:spTree>
     <p:extLst>
       <p:ext uri="{BB962C8B-B14F-4D97-AF65-F5344CB8AC3E}">
-        <p14:creationId xmlns:p14="http://schemas.microsoft.com/office/powerpoint/2010/main" val="1666159572"/>
+        <p14:creationId xmlns:p14="http://schemas.microsoft.com/office/powerpoint/2010/main" val="3716367635"/>
       </p:ext>
     </p:extLst>
   </p:cSld>
@@ -3039,7 +3087,7 @@
           <p:cNvPr id="2" name="タイトル 1">
             <a:extLst>
               <a:ext uri="{FF2B5EF4-FFF2-40B4-BE49-F238E27FC236}">
-                <a16:creationId xmlns:a16="http://schemas.microsoft.com/office/drawing/2014/main" id="{D7D88D96-2500-BD4C-9D15-F82A4284D6B9}"/>
+                <a16:creationId xmlns:a16="http://schemas.microsoft.com/office/drawing/2014/main" id="{E83E5157-0853-584B-81DF-FAB5C48C74EA}"/>
               </a:ext>
             </a:extLst>
           </p:cNvPr>
@@ -3076,7 +3124,7 @@
           <p:cNvPr id="3" name="コンテンツ プレースホルダー 2">
             <a:extLst>
               <a:ext uri="{FF2B5EF4-FFF2-40B4-BE49-F238E27FC236}">
-                <a16:creationId xmlns:a16="http://schemas.microsoft.com/office/drawing/2014/main" id="{FF9D225E-2726-134A-8990-003251309814}"/>
+                <a16:creationId xmlns:a16="http://schemas.microsoft.com/office/drawing/2014/main" id="{D75ABEB1-8AE5-3443-8D02-20D6FEB816CE}"/>
               </a:ext>
             </a:extLst>
           </p:cNvPr>
@@ -3198,7 +3246,7 @@
           <p:cNvPr id="4" name="テキスト プレースホルダー 3">
             <a:extLst>
               <a:ext uri="{FF2B5EF4-FFF2-40B4-BE49-F238E27FC236}">
-                <a16:creationId xmlns:a16="http://schemas.microsoft.com/office/drawing/2014/main" id="{99AFDCF9-D652-0642-BE1C-7711BC2E8613}"/>
+                <a16:creationId xmlns:a16="http://schemas.microsoft.com/office/drawing/2014/main" id="{B1760B79-410D-4143-99CC-07833631C98D}"/>
               </a:ext>
             </a:extLst>
           </p:cNvPr>
@@ -3269,7 +3317,7 @@
           <p:cNvPr id="5" name="日付プレースホルダー 4">
             <a:extLst>
               <a:ext uri="{FF2B5EF4-FFF2-40B4-BE49-F238E27FC236}">
-                <a16:creationId xmlns:a16="http://schemas.microsoft.com/office/drawing/2014/main" id="{950BBB5D-B74E-5644-8921-6ED4FC4E0954}"/>
+                <a16:creationId xmlns:a16="http://schemas.microsoft.com/office/drawing/2014/main" id="{68E7134B-14D9-1940-9C3A-D7CDBC47B517}"/>
               </a:ext>
             </a:extLst>
           </p:cNvPr>
@@ -3285,9 +3333,9 @@
           <a:bodyPr/>
           <a:lstStyle/>
           <a:p>
-            <a:fld id="{F13AAFB1-E51D-594B-AD26-63146CF050D6}" type="datetimeFigureOut">
+            <a:fld id="{B9148E87-D767-4243-9E31-2E6D394C8567}" type="datetimeFigureOut">
               <a:rPr kumimoji="1" lang="ja-JP" altLang="en-US" smtClean="0"/>
-              <a:t>2021/11/26</a:t>
+              <a:t>2021/11/29</a:t>
             </a:fld>
             <a:endParaRPr kumimoji="1" lang="ja-JP" altLang="en-US"/>
           </a:p>
@@ -3298,7 +3346,7 @@
           <p:cNvPr id="6" name="フッター プレースホルダー 5">
             <a:extLst>
               <a:ext uri="{FF2B5EF4-FFF2-40B4-BE49-F238E27FC236}">
-                <a16:creationId xmlns:a16="http://schemas.microsoft.com/office/drawing/2014/main" id="{54E6077B-381E-AD41-801B-EC5264E1E616}"/>
+                <a16:creationId xmlns:a16="http://schemas.microsoft.com/office/drawing/2014/main" id="{F57A9545-0B08-E64B-88EE-FFF2CDDA1D12}"/>
               </a:ext>
             </a:extLst>
           </p:cNvPr>
@@ -3323,7 +3371,7 @@
           <p:cNvPr id="7" name="スライド番号プレースホルダー 6">
             <a:extLst>
               <a:ext uri="{FF2B5EF4-FFF2-40B4-BE49-F238E27FC236}">
-                <a16:creationId xmlns:a16="http://schemas.microsoft.com/office/drawing/2014/main" id="{09556951-7284-CF4A-B418-3B90894E0E20}"/>
+                <a16:creationId xmlns:a16="http://schemas.microsoft.com/office/drawing/2014/main" id="{1440FF87-299C-DB4D-B562-3F81EEB8CF47}"/>
               </a:ext>
             </a:extLst>
           </p:cNvPr>
@@ -3339,7 +3387,7 @@
           <a:bodyPr/>
           <a:lstStyle/>
           <a:p>
-            <a:fld id="{B283C9FD-EDE8-6042-B3E0-B1563EC930DE}" type="slidenum">
+            <a:fld id="{36B086C5-84CE-0244-A96A-F90743B3D0F1}" type="slidenum">
               <a:rPr kumimoji="1" lang="ja-JP" altLang="en-US" smtClean="0"/>
               <a:t>‹#›</a:t>
             </a:fld>
@@ -3350,7 +3398,7 @@
     </p:spTree>
     <p:extLst>
       <p:ext uri="{BB962C8B-B14F-4D97-AF65-F5344CB8AC3E}">
-        <p14:creationId xmlns:p14="http://schemas.microsoft.com/office/powerpoint/2010/main" val="1058518698"/>
+        <p14:creationId xmlns:p14="http://schemas.microsoft.com/office/powerpoint/2010/main" val="826403982"/>
       </p:ext>
     </p:extLst>
   </p:cSld>
@@ -3382,7 +3430,7 @@
           <p:cNvPr id="2" name="タイトル 1">
             <a:extLst>
               <a:ext uri="{FF2B5EF4-FFF2-40B4-BE49-F238E27FC236}">
-                <a16:creationId xmlns:a16="http://schemas.microsoft.com/office/drawing/2014/main" id="{C9209B15-B8BE-F246-8881-15C6664F93F9}"/>
+                <a16:creationId xmlns:a16="http://schemas.microsoft.com/office/drawing/2014/main" id="{FADE9FB4-EA4B-FE43-AE7F-9E1B0694F116}"/>
               </a:ext>
             </a:extLst>
           </p:cNvPr>
@@ -3419,7 +3467,7 @@
           <p:cNvPr id="3" name="図プレースホルダー 2">
             <a:extLst>
               <a:ext uri="{FF2B5EF4-FFF2-40B4-BE49-F238E27FC236}">
-                <a16:creationId xmlns:a16="http://schemas.microsoft.com/office/drawing/2014/main" id="{B081D6E1-9EAE-DD44-9D11-2DE4ED3B600B}"/>
+                <a16:creationId xmlns:a16="http://schemas.microsoft.com/office/drawing/2014/main" id="{84D18FF0-1781-6F43-B8A3-9886A965F1C9}"/>
               </a:ext>
             </a:extLst>
           </p:cNvPr>
@@ -3486,7 +3534,7 @@
           <p:cNvPr id="4" name="テキスト プレースホルダー 3">
             <a:extLst>
               <a:ext uri="{FF2B5EF4-FFF2-40B4-BE49-F238E27FC236}">
-                <a16:creationId xmlns:a16="http://schemas.microsoft.com/office/drawing/2014/main" id="{B94C3F90-6855-4343-9460-94B4DD8C6526}"/>
+                <a16:creationId xmlns:a16="http://schemas.microsoft.com/office/drawing/2014/main" id="{4F5C5EC3-6D1C-534E-A247-5CEB08B4A12B}"/>
               </a:ext>
             </a:extLst>
           </p:cNvPr>
@@ -3557,7 +3605,7 @@
           <p:cNvPr id="5" name="日付プレースホルダー 4">
             <a:extLst>
               <a:ext uri="{FF2B5EF4-FFF2-40B4-BE49-F238E27FC236}">
-                <a16:creationId xmlns:a16="http://schemas.microsoft.com/office/drawing/2014/main" id="{3AF1F065-B0EC-D646-AF8A-D6D858D92FF1}"/>
+                <a16:creationId xmlns:a16="http://schemas.microsoft.com/office/drawing/2014/main" id="{E467F832-6262-A94D-84FE-57151150BD93}"/>
               </a:ext>
             </a:extLst>
           </p:cNvPr>
@@ -3573,9 +3621,9 @@
           <a:bodyPr/>
           <a:lstStyle/>
           <a:p>
-            <a:fld id="{F13AAFB1-E51D-594B-AD26-63146CF050D6}" type="datetimeFigureOut">
+            <a:fld id="{B9148E87-D767-4243-9E31-2E6D394C8567}" type="datetimeFigureOut">
               <a:rPr kumimoji="1" lang="ja-JP" altLang="en-US" smtClean="0"/>
-              <a:t>2021/11/26</a:t>
+              <a:t>2021/11/29</a:t>
             </a:fld>
             <a:endParaRPr kumimoji="1" lang="ja-JP" altLang="en-US"/>
           </a:p>
@@ -3586,7 +3634,7 @@
           <p:cNvPr id="6" name="フッター プレースホルダー 5">
             <a:extLst>
               <a:ext uri="{FF2B5EF4-FFF2-40B4-BE49-F238E27FC236}">
-                <a16:creationId xmlns:a16="http://schemas.microsoft.com/office/drawing/2014/main" id="{BC90CA54-D393-E74E-9F80-18A1514AADD8}"/>
+                <a16:creationId xmlns:a16="http://schemas.microsoft.com/office/drawing/2014/main" id="{F2F197B5-714F-2A4C-899E-07ADBBDD8FF1}"/>
               </a:ext>
             </a:extLst>
           </p:cNvPr>
@@ -3611,7 +3659,7 @@
           <p:cNvPr id="7" name="スライド番号プレースホルダー 6">
             <a:extLst>
               <a:ext uri="{FF2B5EF4-FFF2-40B4-BE49-F238E27FC236}">
-                <a16:creationId xmlns:a16="http://schemas.microsoft.com/office/drawing/2014/main" id="{BF44D8E5-3145-0743-8D25-83C98256C0C4}"/>
+                <a16:creationId xmlns:a16="http://schemas.microsoft.com/office/drawing/2014/main" id="{A3964AD2-D13A-734E-B8E1-CC589D3BAE0E}"/>
               </a:ext>
             </a:extLst>
           </p:cNvPr>
@@ -3627,7 +3675,7 @@
           <a:bodyPr/>
           <a:lstStyle/>
           <a:p>
-            <a:fld id="{B283C9FD-EDE8-6042-B3E0-B1563EC930DE}" type="slidenum">
+            <a:fld id="{36B086C5-84CE-0244-A96A-F90743B3D0F1}" type="slidenum">
               <a:rPr kumimoji="1" lang="ja-JP" altLang="en-US" smtClean="0"/>
               <a:t>‹#›</a:t>
             </a:fld>
@@ -3638,7 +3686,7 @@
     </p:spTree>
     <p:extLst>
       <p:ext uri="{BB962C8B-B14F-4D97-AF65-F5344CB8AC3E}">
-        <p14:creationId xmlns:p14="http://schemas.microsoft.com/office/powerpoint/2010/main" val="3646810196"/>
+        <p14:creationId xmlns:p14="http://schemas.microsoft.com/office/powerpoint/2010/main" val="3873791372"/>
       </p:ext>
     </p:extLst>
   </p:cSld>
@@ -3675,7 +3723,7 @@
           <p:cNvPr id="2" name="タイトル プレースホルダー 1">
             <a:extLst>
               <a:ext uri="{FF2B5EF4-FFF2-40B4-BE49-F238E27FC236}">
-                <a16:creationId xmlns:a16="http://schemas.microsoft.com/office/drawing/2014/main" id="{B5C6FDDA-32E0-9248-9493-055BCD288B0F}"/>
+                <a16:creationId xmlns:a16="http://schemas.microsoft.com/office/drawing/2014/main" id="{F6FF65A5-C934-1C49-BBB2-12C2AD94E1D4}"/>
               </a:ext>
             </a:extLst>
           </p:cNvPr>
@@ -3713,7 +3761,7 @@
           <p:cNvPr id="3" name="テキスト プレースホルダー 2">
             <a:extLst>
               <a:ext uri="{FF2B5EF4-FFF2-40B4-BE49-F238E27FC236}">
-                <a16:creationId xmlns:a16="http://schemas.microsoft.com/office/drawing/2014/main" id="{D906209C-C4D1-8440-9C20-009976FE8A03}"/>
+                <a16:creationId xmlns:a16="http://schemas.microsoft.com/office/drawing/2014/main" id="{50029562-A313-4540-9650-2AF5A4E770B2}"/>
               </a:ext>
             </a:extLst>
           </p:cNvPr>
@@ -3812,7 +3860,7 @@
           <p:cNvPr id="4" name="日付プレースホルダー 3">
             <a:extLst>
               <a:ext uri="{FF2B5EF4-FFF2-40B4-BE49-F238E27FC236}">
-                <a16:creationId xmlns:a16="http://schemas.microsoft.com/office/drawing/2014/main" id="{60B42CEC-38EA-F54F-A1B9-986DD36180A2}"/>
+                <a16:creationId xmlns:a16="http://schemas.microsoft.com/office/drawing/2014/main" id="{2BEDF838-0DD6-D34F-B1F3-7FE95CF921CE}"/>
               </a:ext>
             </a:extLst>
           </p:cNvPr>
@@ -3846,9 +3894,9 @@
             </a:lvl1pPr>
           </a:lstStyle>
           <a:p>
-            <a:fld id="{F13AAFB1-E51D-594B-AD26-63146CF050D6}" type="datetimeFigureOut">
+            <a:fld id="{B9148E87-D767-4243-9E31-2E6D394C8567}" type="datetimeFigureOut">
               <a:rPr kumimoji="1" lang="ja-JP" altLang="en-US" smtClean="0"/>
-              <a:t>2021/11/26</a:t>
+              <a:t>2021/11/29</a:t>
             </a:fld>
             <a:endParaRPr kumimoji="1" lang="ja-JP" altLang="en-US"/>
           </a:p>
@@ -3859,7 +3907,7 @@
           <p:cNvPr id="5" name="フッター プレースホルダー 4">
             <a:extLst>
               <a:ext uri="{FF2B5EF4-FFF2-40B4-BE49-F238E27FC236}">
-                <a16:creationId xmlns:a16="http://schemas.microsoft.com/office/drawing/2014/main" id="{A7BAA268-BC9A-DA40-8833-BAA5AEA763DF}"/>
+                <a16:creationId xmlns:a16="http://schemas.microsoft.com/office/drawing/2014/main" id="{88F1AC2C-8D5F-414B-8509-D2184044A5EC}"/>
               </a:ext>
             </a:extLst>
           </p:cNvPr>
@@ -3902,7 +3950,7 @@
           <p:cNvPr id="6" name="スライド番号プレースホルダー 5">
             <a:extLst>
               <a:ext uri="{FF2B5EF4-FFF2-40B4-BE49-F238E27FC236}">
-                <a16:creationId xmlns:a16="http://schemas.microsoft.com/office/drawing/2014/main" id="{6802AFC6-E7BB-3A43-AC0B-B0E404BBF937}"/>
+                <a16:creationId xmlns:a16="http://schemas.microsoft.com/office/drawing/2014/main" id="{B627056E-572A-0542-8690-ED22B3B6AFFA}"/>
               </a:ext>
             </a:extLst>
           </p:cNvPr>
@@ -3936,7 +3984,7 @@
             </a:lvl1pPr>
           </a:lstStyle>
           <a:p>
-            <a:fld id="{B283C9FD-EDE8-6042-B3E0-B1563EC930DE}" type="slidenum">
+            <a:fld id="{36B086C5-84CE-0244-A96A-F90743B3D0F1}" type="slidenum">
               <a:rPr kumimoji="1" lang="ja-JP" altLang="en-US" smtClean="0"/>
               <a:t>‹#›</a:t>
             </a:fld>
@@ -3947,7 +3995,7 @@
     </p:spTree>
     <p:extLst>
       <p:ext uri="{BB962C8B-B14F-4D97-AF65-F5344CB8AC3E}">
-        <p14:creationId xmlns:p14="http://schemas.microsoft.com/office/powerpoint/2010/main" val="2329087346"/>
+        <p14:creationId xmlns:p14="http://schemas.microsoft.com/office/powerpoint/2010/main" val="2915191480"/>
       </p:ext>
     </p:extLst>
   </p:cSld>
@@ -4270,7 +4318,7 @@
           <p:cNvPr id="2" name="タイトル 1">
             <a:extLst>
               <a:ext uri="{FF2B5EF4-FFF2-40B4-BE49-F238E27FC236}">
-                <a16:creationId xmlns:a16="http://schemas.microsoft.com/office/drawing/2014/main" id="{F0699B2A-63F9-F445-9199-AF60FDF12252}"/>
+                <a16:creationId xmlns:a16="http://schemas.microsoft.com/office/drawing/2014/main" id="{9B1D7A41-B18F-4D4C-9F52-84D5CFFFCB44}"/>
               </a:ext>
             </a:extLst>
           </p:cNvPr>
@@ -4287,14 +4335,13 @@
           <a:lstStyle/>
           <a:p>
             <a:r>
-              <a:rPr lang="en-US" altLang="ja-JP" dirty="0"/>
+              <a:rPr kumimoji="1" lang="en-US" altLang="ja-JP" dirty="0"/>
               <a:t>R</a:t>
             </a:r>
             <a:r>
-              <a:rPr lang="ja-JP" altLang="en-US"/>
+              <a:rPr kumimoji="1" lang="ja-JP" altLang="en-US"/>
               <a:t>初心者講座第２４回</a:t>
             </a:r>
-            <a:endParaRPr kumimoji="1" lang="ja-JP" altLang="en-US"/>
           </a:p>
         </p:txBody>
       </p:sp>
@@ -4303,7 +4350,7 @@
           <p:cNvPr id="3" name="字幕 2">
             <a:extLst>
               <a:ext uri="{FF2B5EF4-FFF2-40B4-BE49-F238E27FC236}">
-                <a16:creationId xmlns:a16="http://schemas.microsoft.com/office/drawing/2014/main" id="{BC1F8B01-8BED-F344-83E9-93DCE19DE5F3}"/>
+                <a16:creationId xmlns:a16="http://schemas.microsoft.com/office/drawing/2014/main" id="{05D7D93A-BA42-5D47-893C-FE41C03A53E0}"/>
               </a:ext>
             </a:extLst>
           </p:cNvPr>
@@ -4321,7 +4368,7 @@
           <a:p>
             <a:r>
               <a:rPr kumimoji="1" lang="ja-JP" altLang="en-US"/>
-              <a:t>多重共線性</a:t>
+              <a:t>正規性のチェック</a:t>
             </a:r>
           </a:p>
         </p:txBody>
@@ -4329,7 +4376,670 @@
     </p:spTree>
     <p:extLst>
       <p:ext uri="{BB962C8B-B14F-4D97-AF65-F5344CB8AC3E}">
-        <p14:creationId xmlns:p14="http://schemas.microsoft.com/office/powerpoint/2010/main" val="920295292"/>
+        <p14:creationId xmlns:p14="http://schemas.microsoft.com/office/powerpoint/2010/main" val="2432279440"/>
+      </p:ext>
+    </p:extLst>
+  </p:cSld>
+  <p:clrMapOvr>
+    <a:masterClrMapping/>
+  </p:clrMapOvr>
+</p:sld>
+</file>
+
+<file path=ppt/slides/slide10.xml><?xml version="1.0" encoding="utf-8"?>
+<p:sld xmlns:a="http://schemas.openxmlformats.org/drawingml/2006/main" xmlns:r="http://schemas.openxmlformats.org/officeDocument/2006/relationships" xmlns:p="http://schemas.openxmlformats.org/presentationml/2006/main">
+  <p:cSld>
+    <p:spTree>
+      <p:nvGrpSpPr>
+        <p:cNvPr id="1" name=""/>
+        <p:cNvGrpSpPr/>
+        <p:nvPr/>
+      </p:nvGrpSpPr>
+      <p:grpSpPr>
+        <a:xfrm>
+          <a:off x="0" y="0"/>
+          <a:ext cx="0" cy="0"/>
+          <a:chOff x="0" y="0"/>
+          <a:chExt cx="0" cy="0"/>
+        </a:xfrm>
+      </p:grpSpPr>
+      <p:sp>
+        <p:nvSpPr>
+          <p:cNvPr id="2" name="タイトル 1">
+            <a:extLst>
+              <a:ext uri="{FF2B5EF4-FFF2-40B4-BE49-F238E27FC236}">
+                <a16:creationId xmlns:a16="http://schemas.microsoft.com/office/drawing/2014/main" id="{862669DD-A863-AE4A-8726-D817A9EC35DD}"/>
+              </a:ext>
+            </a:extLst>
+          </p:cNvPr>
+          <p:cNvSpPr>
+            <a:spLocks noGrp="1"/>
+          </p:cNvSpPr>
+          <p:nvPr>
+            <p:ph type="title"/>
+          </p:nvPr>
+        </p:nvSpPr>
+        <p:spPr/>
+        <p:txBody>
+          <a:bodyPr/>
+          <a:lstStyle/>
+          <a:p>
+            <a:r>
+              <a:rPr kumimoji="1" lang="en-US" altLang="ja-JP" dirty="0" err="1"/>
+              <a:t>lm</a:t>
+            </a:r>
+            <a:r>
+              <a:rPr lang="en-US" altLang="ja-JP" dirty="0"/>
+              <a:t> </a:t>
+            </a:r>
+            <a:r>
+              <a:rPr kumimoji="1" lang="en-US" altLang="ja-JP" dirty="0"/>
+              <a:t>(</a:t>
+            </a:r>
+            <a:r>
+              <a:rPr kumimoji="1" lang="en-US" altLang="ja-JP" dirty="0" err="1"/>
+              <a:t>glm</a:t>
+            </a:r>
+            <a:r>
+              <a:rPr kumimoji="1" lang="en-US" altLang="ja-JP" dirty="0"/>
+              <a:t>)</a:t>
+            </a:r>
+            <a:r>
+              <a:rPr kumimoji="1" lang="ja-JP" altLang="en-US"/>
+              <a:t>結果オブジェクトを</a:t>
+            </a:r>
+            <a:r>
+              <a:rPr kumimoji="1" lang="en-US" altLang="ja-JP" dirty="0"/>
+              <a:t>plot</a:t>
+            </a:r>
+            <a:r>
+              <a:rPr kumimoji="1" lang="ja-JP" altLang="en-US"/>
+              <a:t>する</a:t>
+            </a:r>
+          </a:p>
+        </p:txBody>
+      </p:sp>
+      <p:sp>
+        <p:nvSpPr>
+          <p:cNvPr id="3" name="コンテンツ プレースホルダー 2">
+            <a:extLst>
+              <a:ext uri="{FF2B5EF4-FFF2-40B4-BE49-F238E27FC236}">
+                <a16:creationId xmlns:a16="http://schemas.microsoft.com/office/drawing/2014/main" id="{38995141-93AA-E14A-BC71-8290FD95D853}"/>
+              </a:ext>
+            </a:extLst>
+          </p:cNvPr>
+          <p:cNvSpPr>
+            <a:spLocks noGrp="1"/>
+          </p:cNvSpPr>
+          <p:nvPr>
+            <p:ph idx="1"/>
+          </p:nvPr>
+        </p:nvSpPr>
+        <p:spPr/>
+        <p:txBody>
+          <a:bodyPr/>
+          <a:lstStyle/>
+          <a:p>
+            <a:r>
+              <a:rPr kumimoji="1" lang="en-US" altLang="ja-JP" dirty="0" err="1"/>
+              <a:t>lm</a:t>
+            </a:r>
+            <a:r>
+              <a:rPr kumimoji="1" lang="en-US" altLang="ja-JP" dirty="0"/>
+              <a:t>, </a:t>
+            </a:r>
+            <a:r>
+              <a:rPr kumimoji="1" lang="en-US" altLang="ja-JP" dirty="0" err="1"/>
+              <a:t>glm</a:t>
+            </a:r>
+            <a:r>
+              <a:rPr kumimoji="1" lang="ja-JP" altLang="en-US"/>
+              <a:t>のオブジェクトを</a:t>
+            </a:r>
+            <a:r>
+              <a:rPr kumimoji="1" lang="en-US" altLang="ja-JP" dirty="0"/>
+              <a:t>plot</a:t>
+            </a:r>
+            <a:r>
+              <a:rPr kumimoji="1" lang="ja-JP" altLang="en-US"/>
+              <a:t>関すの引数に入れると以下の診断結果を返す．</a:t>
+            </a:r>
+            <a:endParaRPr kumimoji="1" lang="en-US" altLang="ja-JP" dirty="0"/>
+          </a:p>
+          <a:p>
+            <a:pPr lvl="1"/>
+            <a:r>
+              <a:rPr lang="en-US" altLang="ja-JP" dirty="0"/>
+              <a:t>Residual vs Fitted</a:t>
+            </a:r>
+            <a:r>
+              <a:rPr lang="ja-JP" altLang="en-US"/>
+              <a:t>のプロット</a:t>
+            </a:r>
+            <a:endParaRPr lang="en-US" altLang="ja-JP" dirty="0"/>
+          </a:p>
+          <a:p>
+            <a:pPr lvl="1"/>
+            <a:r>
+              <a:rPr lang="en-US" altLang="ja-JP" dirty="0"/>
+              <a:t>Residual </a:t>
+            </a:r>
+            <a:r>
+              <a:rPr lang="ja-JP" altLang="en-US"/>
+              <a:t>の</a:t>
+            </a:r>
+            <a:r>
+              <a:rPr lang="en-US" altLang="ja-JP" dirty="0" err="1"/>
+              <a:t>qq</a:t>
+            </a:r>
+            <a:r>
+              <a:rPr lang="ja-JP" altLang="en-US"/>
+              <a:t>プロット</a:t>
+            </a:r>
+            <a:endParaRPr lang="en-US" altLang="ja-JP" dirty="0"/>
+          </a:p>
+          <a:p>
+            <a:pPr lvl="1"/>
+            <a:r>
+              <a:rPr lang="en-US" altLang="ja-JP" dirty="0"/>
+              <a:t>Scale-Location </a:t>
+            </a:r>
+          </a:p>
+          <a:p>
+            <a:pPr lvl="2"/>
+            <a:r>
+              <a:rPr lang="ja-JP" altLang="en-US"/>
+              <a:t>標準化した残差の絶対値に対してルートをとったもの．標準化残差の絶対値が</a:t>
+            </a:r>
+            <a:r>
+              <a:rPr lang="en-US" altLang="ja-JP" dirty="0"/>
+              <a:t>2</a:t>
+            </a:r>
+            <a:r>
+              <a:rPr lang="ja-JP" altLang="en-US"/>
+              <a:t>より大きい場合、標準化残差が大きいと見なされ、外れ値とされることがある．</a:t>
+            </a:r>
+            <a:endParaRPr lang="en-US" altLang="ja-JP" dirty="0"/>
+          </a:p>
+          <a:p>
+            <a:pPr lvl="1"/>
+            <a:r>
+              <a:rPr lang="en-US" altLang="ja-JP" dirty="0"/>
+              <a:t>Residual vs </a:t>
+            </a:r>
+            <a:r>
+              <a:rPr lang="en-US" altLang="ja-JP" dirty="0" err="1"/>
+              <a:t>Levarege</a:t>
+            </a:r>
+            <a:r>
+              <a:rPr lang="ja-JP" altLang="en-US"/>
+              <a:t> </a:t>
+            </a:r>
+            <a:endParaRPr lang="en-US" altLang="ja-JP" dirty="0"/>
+          </a:p>
+          <a:p>
+            <a:pPr lvl="2"/>
+            <a:r>
+              <a:rPr lang="ja-JP" altLang="en-US"/>
+              <a:t>モデルの係数を決定するのに支配的なデータを示す．</a:t>
+            </a:r>
+            <a:r>
+              <a:rPr lang="en-US" altLang="ja-JP" dirty="0"/>
+              <a:t>Cook</a:t>
+            </a:r>
+            <a:r>
+              <a:rPr lang="ja-JP" altLang="en-US"/>
+              <a:t>距離が示されており、これが</a:t>
+            </a:r>
+            <a:r>
+              <a:rPr lang="en-US" altLang="ja-JP" dirty="0"/>
+              <a:t>0.5</a:t>
+            </a:r>
+            <a:r>
+              <a:rPr lang="ja-JP" altLang="en-US"/>
+              <a:t>を超えると支配力が強いとみなされ、そのデータは外れ値処理をすることがある．</a:t>
+            </a:r>
+            <a:endParaRPr lang="en-US" altLang="ja-JP" dirty="0"/>
+          </a:p>
+          <a:p>
+            <a:endParaRPr kumimoji="1" lang="ja-JP" altLang="en-US"/>
+          </a:p>
+        </p:txBody>
+      </p:sp>
+    </p:spTree>
+    <p:extLst>
+      <p:ext uri="{BB962C8B-B14F-4D97-AF65-F5344CB8AC3E}">
+        <p14:creationId xmlns:p14="http://schemas.microsoft.com/office/powerpoint/2010/main" val="1212065946"/>
+      </p:ext>
+    </p:extLst>
+  </p:cSld>
+  <p:clrMapOvr>
+    <a:masterClrMapping/>
+  </p:clrMapOvr>
+</p:sld>
+</file>
+
+<file path=ppt/slides/slide11.xml><?xml version="1.0" encoding="utf-8"?>
+<p:sld xmlns:a="http://schemas.openxmlformats.org/drawingml/2006/main" xmlns:r="http://schemas.openxmlformats.org/officeDocument/2006/relationships" xmlns:p="http://schemas.openxmlformats.org/presentationml/2006/main">
+  <p:cSld>
+    <p:spTree>
+      <p:nvGrpSpPr>
+        <p:cNvPr id="1" name=""/>
+        <p:cNvGrpSpPr/>
+        <p:nvPr/>
+      </p:nvGrpSpPr>
+      <p:grpSpPr>
+        <a:xfrm>
+          <a:off x="0" y="0"/>
+          <a:ext cx="0" cy="0"/>
+          <a:chOff x="0" y="0"/>
+          <a:chExt cx="0" cy="0"/>
+        </a:xfrm>
+      </p:grpSpPr>
+      <p:sp>
+        <p:nvSpPr>
+          <p:cNvPr id="2" name="タイトル 1">
+            <a:extLst>
+              <a:ext uri="{FF2B5EF4-FFF2-40B4-BE49-F238E27FC236}">
+                <a16:creationId xmlns:a16="http://schemas.microsoft.com/office/drawing/2014/main" id="{68BB739B-FF50-7947-89AB-1B70AF4DD3EA}"/>
+              </a:ext>
+            </a:extLst>
+          </p:cNvPr>
+          <p:cNvSpPr>
+            <a:spLocks noGrp="1"/>
+          </p:cNvSpPr>
+          <p:nvPr>
+            <p:ph type="title"/>
+          </p:nvPr>
+        </p:nvSpPr>
+        <p:spPr/>
+        <p:txBody>
+          <a:bodyPr/>
+          <a:lstStyle/>
+          <a:p>
+            <a:r>
+              <a:rPr lang="ja-JP" altLang="en-US"/>
+              <a:t>正規性のチェック</a:t>
+            </a:r>
+            <a:endParaRPr kumimoji="1" lang="ja-JP" altLang="en-US"/>
+          </a:p>
+        </p:txBody>
+      </p:sp>
+      <p:sp>
+        <p:nvSpPr>
+          <p:cNvPr id="3" name="コンテンツ プレースホルダー 2">
+            <a:extLst>
+              <a:ext uri="{FF2B5EF4-FFF2-40B4-BE49-F238E27FC236}">
+                <a16:creationId xmlns:a16="http://schemas.microsoft.com/office/drawing/2014/main" id="{B7EB713B-B0D0-A347-9D4F-48B4383A8075}"/>
+              </a:ext>
+            </a:extLst>
+          </p:cNvPr>
+          <p:cNvSpPr>
+            <a:spLocks noGrp="1"/>
+          </p:cNvSpPr>
+          <p:nvPr>
+            <p:ph idx="1"/>
+          </p:nvPr>
+        </p:nvSpPr>
+        <p:spPr>
+          <a:xfrm>
+            <a:off x="838200" y="1825625"/>
+            <a:ext cx="10756900" cy="4351338"/>
+          </a:xfrm>
+        </p:spPr>
+        <p:txBody>
+          <a:bodyPr>
+            <a:normAutofit/>
+          </a:bodyPr>
+          <a:lstStyle/>
+          <a:p>
+            <a:r>
+              <a:rPr lang="ja-JP" altLang="en-US">
+                <a:solidFill>
+                  <a:schemeClr val="bg2">
+                    <a:lumMod val="50000"/>
+                  </a:schemeClr>
+                </a:solidFill>
+              </a:rPr>
+              <a:t>まず</a:t>
+            </a:r>
+            <a:r>
+              <a:rPr lang="en-US" altLang="ja-JP" dirty="0">
+                <a:solidFill>
+                  <a:schemeClr val="bg2">
+                    <a:lumMod val="50000"/>
+                  </a:schemeClr>
+                </a:solidFill>
+              </a:rPr>
+              <a:t>plot</a:t>
+            </a:r>
+            <a:r>
+              <a:rPr lang="ja-JP" altLang="en-US">
+                <a:solidFill>
+                  <a:schemeClr val="bg2">
+                    <a:lumMod val="50000"/>
+                  </a:schemeClr>
+                </a:solidFill>
+              </a:rPr>
+              <a:t>して可視化</a:t>
+            </a:r>
+            <a:endParaRPr lang="en-US" altLang="ja-JP" dirty="0">
+              <a:solidFill>
+                <a:schemeClr val="bg2">
+                  <a:lumMod val="50000"/>
+                </a:schemeClr>
+              </a:solidFill>
+            </a:endParaRPr>
+          </a:p>
+          <a:p>
+            <a:endParaRPr lang="en-US" altLang="ja-JP" dirty="0"/>
+          </a:p>
+          <a:p>
+            <a:r>
+              <a:rPr lang="ja-JP" altLang="en-US">
+                <a:solidFill>
+                  <a:schemeClr val="bg2">
+                    <a:lumMod val="50000"/>
+                  </a:schemeClr>
+                </a:solidFill>
+              </a:rPr>
+              <a:t>分布からずれていないかチェックのプロット</a:t>
+            </a:r>
+            <a:r>
+              <a:rPr lang="en-US" altLang="ja-JP" dirty="0" err="1">
+                <a:solidFill>
+                  <a:schemeClr val="bg2">
+                    <a:lumMod val="50000"/>
+                  </a:schemeClr>
+                </a:solidFill>
+              </a:rPr>
+              <a:t>QQplot</a:t>
+            </a:r>
+            <a:endParaRPr lang="en-US" altLang="ja-JP" dirty="0">
+              <a:solidFill>
+                <a:schemeClr val="bg2">
+                  <a:lumMod val="50000"/>
+                </a:schemeClr>
+              </a:solidFill>
+            </a:endParaRPr>
+          </a:p>
+          <a:p>
+            <a:pPr marL="457200" lvl="1" indent="0">
+              <a:buNone/>
+            </a:pPr>
+            <a:endParaRPr lang="en-US" altLang="ja-JP" dirty="0">
+              <a:solidFill>
+                <a:schemeClr val="bg2">
+                  <a:lumMod val="50000"/>
+                </a:schemeClr>
+              </a:solidFill>
+            </a:endParaRPr>
+          </a:p>
+          <a:p>
+            <a:r>
+              <a:rPr lang="en-US" altLang="ja-JP" dirty="0"/>
+              <a:t>Shapiro-Wilk</a:t>
+            </a:r>
+            <a:r>
+              <a:rPr lang="ja-JP" altLang="en-US"/>
+              <a:t>検定</a:t>
+            </a:r>
+            <a:endParaRPr lang="en-US" altLang="ja-JP" dirty="0"/>
+          </a:p>
+        </p:txBody>
+      </p:sp>
+    </p:spTree>
+    <p:extLst>
+      <p:ext uri="{BB962C8B-B14F-4D97-AF65-F5344CB8AC3E}">
+        <p14:creationId xmlns:p14="http://schemas.microsoft.com/office/powerpoint/2010/main" val="3759911444"/>
+      </p:ext>
+    </p:extLst>
+  </p:cSld>
+  <p:clrMapOvr>
+    <a:masterClrMapping/>
+  </p:clrMapOvr>
+</p:sld>
+</file>
+
+<file path=ppt/slides/slide12.xml><?xml version="1.0" encoding="utf-8"?>
+<p:sld xmlns:a="http://schemas.openxmlformats.org/drawingml/2006/main" xmlns:r="http://schemas.openxmlformats.org/officeDocument/2006/relationships" xmlns:p="http://schemas.openxmlformats.org/presentationml/2006/main">
+  <p:cSld>
+    <p:spTree>
+      <p:nvGrpSpPr>
+        <p:cNvPr id="1" name=""/>
+        <p:cNvGrpSpPr/>
+        <p:nvPr/>
+      </p:nvGrpSpPr>
+      <p:grpSpPr>
+        <a:xfrm>
+          <a:off x="0" y="0"/>
+          <a:ext cx="0" cy="0"/>
+          <a:chOff x="0" y="0"/>
+          <a:chExt cx="0" cy="0"/>
+        </a:xfrm>
+      </p:grpSpPr>
+      <p:sp>
+        <p:nvSpPr>
+          <p:cNvPr id="2" name="タイトル 1">
+            <a:extLst>
+              <a:ext uri="{FF2B5EF4-FFF2-40B4-BE49-F238E27FC236}">
+                <a16:creationId xmlns:a16="http://schemas.microsoft.com/office/drawing/2014/main" id="{8021A45D-E4FF-5A46-91C6-E4BEF315A871}"/>
+              </a:ext>
+            </a:extLst>
+          </p:cNvPr>
+          <p:cNvSpPr>
+            <a:spLocks noGrp="1"/>
+          </p:cNvSpPr>
+          <p:nvPr>
+            <p:ph type="title"/>
+          </p:nvPr>
+        </p:nvSpPr>
+        <p:spPr/>
+        <p:txBody>
+          <a:bodyPr/>
+          <a:lstStyle/>
+          <a:p>
+            <a:r>
+              <a:rPr kumimoji="1" lang="en-US" altLang="ja-JP" dirty="0"/>
+              <a:t>Shapiro-Wi</a:t>
+            </a:r>
+            <a:r>
+              <a:rPr lang="en-US" altLang="ja-JP" dirty="0"/>
+              <a:t>lk</a:t>
+            </a:r>
+            <a:r>
+              <a:rPr lang="ja-JP" altLang="en-US"/>
+              <a:t>検定</a:t>
+            </a:r>
+            <a:endParaRPr kumimoji="1" lang="ja-JP" altLang="en-US"/>
+          </a:p>
+        </p:txBody>
+      </p:sp>
+      <p:sp>
+        <p:nvSpPr>
+          <p:cNvPr id="3" name="コンテンツ プレースホルダー 2">
+            <a:extLst>
+              <a:ext uri="{FF2B5EF4-FFF2-40B4-BE49-F238E27FC236}">
+                <a16:creationId xmlns:a16="http://schemas.microsoft.com/office/drawing/2014/main" id="{929FB2F8-884F-DB42-8889-1307E783A82A}"/>
+              </a:ext>
+            </a:extLst>
+          </p:cNvPr>
+          <p:cNvSpPr>
+            <a:spLocks noGrp="1"/>
+          </p:cNvSpPr>
+          <p:nvPr>
+            <p:ph idx="1"/>
+          </p:nvPr>
+        </p:nvSpPr>
+        <p:spPr/>
+        <p:txBody>
+          <a:bodyPr>
+            <a:normAutofit fontScale="70000" lnSpcReduction="20000"/>
+          </a:bodyPr>
+          <a:lstStyle/>
+          <a:p>
+            <a:r>
+              <a:rPr lang="ja-JP" altLang="en-US"/>
+              <a:t>得られたデータが正規分布に従うものか否かを調べる検定．</a:t>
+            </a:r>
+            <a:r>
+              <a:rPr lang="en-US" altLang="ja-JP" dirty="0"/>
+              <a:t>p</a:t>
+            </a:r>
+            <a:r>
+              <a:rPr lang="ja-JP" altLang="en-US"/>
+              <a:t>値によってデータが正規分布に従っているかを定量的に確認．</a:t>
+            </a:r>
+            <a:endParaRPr lang="en-US" altLang="ja-JP" dirty="0"/>
+          </a:p>
+          <a:p>
+            <a:endParaRPr kumimoji="1" lang="en-US" altLang="ja-JP" dirty="0"/>
+          </a:p>
+          <a:p>
+            <a:r>
+              <a:rPr lang="ja-JP" altLang="en-US"/>
+              <a:t>帰無仮説は「データが正規分布に従って分布する」</a:t>
+            </a:r>
+            <a:endParaRPr lang="en-US" altLang="ja-JP" dirty="0"/>
+          </a:p>
+          <a:p>
+            <a:endParaRPr lang="en-US" altLang="ja-JP" dirty="0"/>
+          </a:p>
+          <a:p>
+            <a:r>
+              <a:rPr lang="en-US" altLang="ja-JP" dirty="0" err="1"/>
+              <a:t>shapiro.test</a:t>
+            </a:r>
+            <a:r>
+              <a:rPr lang="ja-JP" altLang="en-US"/>
+              <a:t>関数で引数に残差．</a:t>
+            </a:r>
+            <a:endParaRPr lang="en-US" altLang="ja-JP" dirty="0"/>
+          </a:p>
+          <a:p>
+            <a:endParaRPr kumimoji="1" lang="en-US" altLang="ja-JP" dirty="0"/>
+          </a:p>
+          <a:p>
+            <a:endParaRPr kumimoji="1" lang="en-US" altLang="ja-JP" dirty="0"/>
+          </a:p>
+          <a:p>
+            <a:endParaRPr lang="en-US" altLang="ja-JP" dirty="0"/>
+          </a:p>
+          <a:p>
+            <a:endParaRPr lang="en-US" altLang="ja-JP" dirty="0"/>
+          </a:p>
+          <a:p>
+            <a:endParaRPr kumimoji="1" lang="en-US" altLang="ja-JP" dirty="0"/>
+          </a:p>
+          <a:p>
+            <a:r>
+              <a:rPr lang="ja-JP" altLang="en-US"/>
+              <a:t>この場合、有意水準</a:t>
+            </a:r>
+            <a:r>
+              <a:rPr lang="en-US" altLang="ja-JP" dirty="0"/>
+              <a:t>5%</a:t>
+            </a:r>
+            <a:r>
+              <a:rPr lang="ja-JP" altLang="en-US"/>
+              <a:t>とすると、帰無仮説を棄却できない．すなわち、残差は正規分布に従っていない、とはいえない．</a:t>
+            </a:r>
+            <a:endParaRPr kumimoji="1" lang="ja-JP" altLang="en-US"/>
+          </a:p>
+        </p:txBody>
+      </p:sp>
+      <p:sp>
+        <p:nvSpPr>
+          <p:cNvPr id="4" name="正方形/長方形 3">
+            <a:extLst>
+              <a:ext uri="{FF2B5EF4-FFF2-40B4-BE49-F238E27FC236}">
+                <a16:creationId xmlns:a16="http://schemas.microsoft.com/office/drawing/2014/main" id="{9A0B37BF-DF44-4C49-A0C7-B382023DCA3F}"/>
+              </a:ext>
+            </a:extLst>
+          </p:cNvPr>
+          <p:cNvSpPr/>
+          <p:nvPr/>
+        </p:nvSpPr>
+        <p:spPr>
+          <a:xfrm>
+            <a:off x="1866900" y="3592374"/>
+            <a:ext cx="6096000" cy="1754326"/>
+          </a:xfrm>
+          <a:prstGeom prst="rect">
+            <a:avLst/>
+          </a:prstGeom>
+        </p:spPr>
+        <p:txBody>
+          <a:bodyPr wrap="square">
+            <a:spAutoFit/>
+          </a:bodyPr>
+          <a:lstStyle/>
+          <a:p>
+            <a:r>
+              <a:rPr lang="ja-JP" altLang="en-US"/>
+              <a:t>&gt; shapiro.test(x=res_lm$residuals)</a:t>
+            </a:r>
+          </a:p>
+          <a:p>
+            <a:endParaRPr lang="ja-JP" altLang="en-US"/>
+          </a:p>
+          <a:p>
+            <a:r>
+              <a:rPr lang="ja-JP" altLang="en-US"/>
+              <a:t>	Shapiro-Wilk normality test</a:t>
+            </a:r>
+          </a:p>
+          <a:p>
+            <a:endParaRPr lang="ja-JP" altLang="en-US"/>
+          </a:p>
+          <a:p>
+            <a:r>
+              <a:rPr lang="ja-JP" altLang="en-US"/>
+              <a:t>data:  res_lm$residuals</a:t>
+            </a:r>
+          </a:p>
+          <a:p>
+            <a:r>
+              <a:rPr lang="ja-JP" altLang="en-US"/>
+              <a:t>W = 0.9992, p-value = 0.2041</a:t>
+            </a:r>
+          </a:p>
+        </p:txBody>
+      </p:sp>
+      <p:pic>
+        <p:nvPicPr>
+          <p:cNvPr id="5" name="図 4">
+            <a:extLst>
+              <a:ext uri="{FF2B5EF4-FFF2-40B4-BE49-F238E27FC236}">
+                <a16:creationId xmlns:a16="http://schemas.microsoft.com/office/drawing/2014/main" id="{4A6777C8-1A2C-304D-B190-F0372F1983D3}"/>
+              </a:ext>
+            </a:extLst>
+          </p:cNvPr>
+          <p:cNvPicPr>
+            <a:picLocks noChangeAspect="1"/>
+          </p:cNvPicPr>
+          <p:nvPr/>
+        </p:nvPicPr>
+        <p:blipFill>
+          <a:blip r:embed="rId2"/>
+          <a:stretch>
+            <a:fillRect/>
+          </a:stretch>
+        </p:blipFill>
+        <p:spPr>
+          <a:xfrm>
+            <a:off x="7336716" y="2204275"/>
+            <a:ext cx="4324575" cy="3142425"/>
+          </a:xfrm>
+          <a:prstGeom prst="rect">
+            <a:avLst/>
+          </a:prstGeom>
+        </p:spPr>
+      </p:pic>
+    </p:spTree>
+    <p:extLst>
+      <p:ext uri="{BB962C8B-B14F-4D97-AF65-F5344CB8AC3E}">
+        <p14:creationId xmlns:p14="http://schemas.microsoft.com/office/powerpoint/2010/main" val="3976745622"/>
       </p:ext>
     </p:extLst>
   </p:cSld>
@@ -4361,7 +5071,7 @@
           <p:cNvPr id="2" name="タイトル 1">
             <a:extLst>
               <a:ext uri="{FF2B5EF4-FFF2-40B4-BE49-F238E27FC236}">
-                <a16:creationId xmlns:a16="http://schemas.microsoft.com/office/drawing/2014/main" id="{4F724FC6-68AC-DD44-848F-A8479EE585EC}"/>
+                <a16:creationId xmlns:a16="http://schemas.microsoft.com/office/drawing/2014/main" id="{68BB739B-FF50-7947-89AB-1B70AF4DD3EA}"/>
               </a:ext>
             </a:extLst>
           </p:cNvPr>
@@ -4379,7 +5089,7 @@
           <a:p>
             <a:r>
               <a:rPr kumimoji="1" lang="ja-JP" altLang="en-US"/>
-              <a:t>説明変数の数と説明力・予測力</a:t>
+              <a:t>モデルの結果の診断</a:t>
             </a:r>
           </a:p>
         </p:txBody>
@@ -4389,7 +5099,7 @@
           <p:cNvPr id="3" name="コンテンツ プレースホルダー 2">
             <a:extLst>
               <a:ext uri="{FF2B5EF4-FFF2-40B4-BE49-F238E27FC236}">
-                <a16:creationId xmlns:a16="http://schemas.microsoft.com/office/drawing/2014/main" id="{FDC69433-5A2E-894F-BCDA-395F53263D77}"/>
+                <a16:creationId xmlns:a16="http://schemas.microsoft.com/office/drawing/2014/main" id="{B7EB713B-B0D0-A347-9D4F-48B4383A8075}"/>
               </a:ext>
             </a:extLst>
           </p:cNvPr>
@@ -4400,169 +5110,82 @@
             <p:ph idx="1"/>
           </p:nvPr>
         </p:nvSpPr>
-        <p:spPr/>
-        <p:txBody>
-          <a:bodyPr/>
+        <p:spPr>
+          <a:xfrm>
+            <a:off x="838200" y="1825625"/>
+            <a:ext cx="10756900" cy="4351338"/>
+          </a:xfrm>
+        </p:spPr>
+        <p:txBody>
+          <a:bodyPr>
+            <a:normAutofit lnSpcReduction="10000"/>
+          </a:bodyPr>
           <a:lstStyle/>
           <a:p>
             <a:r>
               <a:rPr lang="ja-JP" altLang="en-US"/>
-              <a:t>回帰分析では説明変数が増えれば残差</a:t>
-            </a:r>
+              <a:t>線形モデルでも一般化線形モデルでも、目的（応答）変数を説明変数で予測するが、予測値と目的変数にはズレ（誤差）が出る．</a:t>
+            </a:r>
+            <a:endParaRPr lang="en-US" altLang="ja-JP" dirty="0"/>
+          </a:p>
+          <a:p>
+            <a:endParaRPr lang="en-US" altLang="ja-JP" dirty="0"/>
+          </a:p>
+          <a:p>
+            <a:r>
+              <a:rPr lang="ja-JP" altLang="en-US"/>
+              <a:t>誤差が小さく、未観測データでハズレない（汎化性能が高い）モデルが情報量規準などで選ばれる．</a:t>
+            </a:r>
+            <a:endParaRPr lang="en-US" altLang="ja-JP" dirty="0"/>
+          </a:p>
+          <a:p>
+            <a:endParaRPr lang="en-US" altLang="ja-JP" dirty="0"/>
+          </a:p>
+          <a:p>
+            <a:r>
+              <a:rPr lang="ja-JP" altLang="en-US"/>
+              <a:t>では、誤差はどれくらい小さいのか？</a:t>
+            </a:r>
+            <a:endParaRPr lang="en-US" altLang="ja-JP" dirty="0"/>
+          </a:p>
+          <a:p>
+            <a:pPr marL="0" indent="0">
+              <a:buNone/>
+            </a:pPr>
             <a:r>
               <a:rPr lang="en-US" altLang="ja-JP" dirty="0"/>
-              <a:t>(</a:t>
+              <a:t>	</a:t>
             </a:r>
             <a:r>
               <a:rPr lang="ja-JP" altLang="en-US"/>
-              <a:t>逸脱度</a:t>
-            </a:r>
-            <a:r>
-              <a:rPr lang="en-US" altLang="ja-JP" dirty="0"/>
-              <a:t>)</a:t>
-            </a:r>
+              <a:t>→残差プロット</a:t>
+            </a:r>
+            <a:endParaRPr lang="en-US" altLang="ja-JP" dirty="0"/>
+          </a:p>
+          <a:p>
             <a:r>
               <a:rPr lang="ja-JP" altLang="en-US"/>
-              <a:t>は小さくなる．</a:t>
+              <a:t>予測値と目的変数のズレは誤差構造にちゃんと従ってる？　</a:t>
             </a:r>
             <a:endParaRPr lang="en-US" altLang="ja-JP" dirty="0"/>
           </a:p>
           <a:p>
+            <a:pPr lvl="1"/>
+            <a:r>
+              <a:rPr lang="ja-JP" altLang="en-US"/>
+              <a:t>線形モデルでは、ズレは正規分布に従っているか？</a:t>
+            </a:r>
             <a:endParaRPr lang="en-US" altLang="ja-JP" dirty="0"/>
           </a:p>
           <a:p>
-            <a:r>
-              <a:rPr lang="ja-JP" altLang="en-US"/>
-              <a:t>目的変数の説明に対する寄与が小さい説明変数はむやみに増やさない．</a:t>
-            </a:r>
             <a:endParaRPr lang="en-US" altLang="ja-JP" dirty="0"/>
-          </a:p>
-          <a:p>
-            <a:pPr lvl="1"/>
-            <a:r>
-              <a:rPr lang="en-US" altLang="ja-JP" dirty="0"/>
-              <a:t>AIC</a:t>
-            </a:r>
-            <a:r>
-              <a:rPr lang="ja-JP" altLang="en-US"/>
-              <a:t>を基準に説明変数を選択．</a:t>
-            </a:r>
-            <a:endParaRPr lang="en-US" altLang="ja-JP" dirty="0"/>
-          </a:p>
-          <a:p>
-            <a:pPr lvl="1"/>
-            <a:r>
-              <a:rPr lang="en-US" altLang="ja-JP" dirty="0"/>
-              <a:t>LM</a:t>
-            </a:r>
-            <a:r>
-              <a:rPr lang="ja-JP" altLang="en-US"/>
-              <a:t>で無相関検定の検定量</a:t>
-            </a:r>
-            <a:r>
-              <a:rPr lang="en-US" altLang="ja-JP" dirty="0"/>
-              <a:t>(t</a:t>
-            </a:r>
-            <a:r>
-              <a:rPr lang="ja-JP" altLang="en-US"/>
-              <a:t>値</a:t>
-            </a:r>
-            <a:r>
-              <a:rPr lang="en-US" altLang="ja-JP" dirty="0"/>
-              <a:t>)</a:t>
-            </a:r>
-            <a:r>
-              <a:rPr lang="ja-JP" altLang="en-US"/>
-              <a:t>や</a:t>
-            </a:r>
-            <a:r>
-              <a:rPr lang="en-US" altLang="ja-JP" dirty="0"/>
-              <a:t>GLM</a:t>
-            </a:r>
-            <a:r>
-              <a:rPr lang="ja-JP" altLang="en-US"/>
-              <a:t>で</a:t>
-            </a:r>
-            <a:r>
-              <a:rPr lang="en-US" altLang="ja-JP" dirty="0" err="1"/>
-              <a:t>wald</a:t>
-            </a:r>
-            <a:r>
-              <a:rPr lang="ja-JP" altLang="en-US"/>
-              <a:t>検定量</a:t>
-            </a:r>
-            <a:r>
-              <a:rPr lang="en-US" altLang="ja-JP" dirty="0"/>
-              <a:t>(z</a:t>
-            </a:r>
-            <a:r>
-              <a:rPr lang="ja-JP" altLang="en-US"/>
-              <a:t>値</a:t>
-            </a:r>
-            <a:r>
-              <a:rPr lang="en-US" altLang="ja-JP" dirty="0"/>
-              <a:t>)</a:t>
-            </a:r>
-            <a:r>
-              <a:rPr lang="ja-JP" altLang="en-US"/>
-              <a:t>の</a:t>
-            </a:r>
-            <a:r>
-              <a:rPr lang="en-US" altLang="ja-JP" dirty="0"/>
-              <a:t>p</a:t>
-            </a:r>
-            <a:r>
-              <a:rPr lang="ja-JP" altLang="en-US"/>
-              <a:t>値で判断．</a:t>
-            </a:r>
-            <a:endParaRPr lang="en-US" altLang="ja-JP" dirty="0"/>
-          </a:p>
-          <a:p>
-            <a:pPr lvl="2"/>
-            <a:r>
-              <a:rPr lang="ja-JP" altLang="en-US"/>
-              <a:t>推定された係数</a:t>
-            </a:r>
-            <a:r>
-              <a:rPr lang="en-US" altLang="ja-JP" dirty="0"/>
-              <a:t>(Estimated)</a:t>
-            </a:r>
-            <a:r>
-              <a:rPr lang="ja-JP" altLang="en-US"/>
-              <a:t>に対して推定誤差</a:t>
-            </a:r>
-            <a:r>
-              <a:rPr lang="en-US" altLang="ja-JP" dirty="0"/>
-              <a:t>(Std Error)</a:t>
-            </a:r>
-            <a:r>
-              <a:rPr lang="ja-JP" altLang="en-US"/>
-              <a:t>が大きいかどうか．</a:t>
-            </a:r>
-            <a:endParaRPr lang="en-US" altLang="ja-JP" dirty="0"/>
-          </a:p>
-          <a:p>
-            <a:endParaRPr kumimoji="1" lang="en-US" altLang="ja-JP" dirty="0"/>
-          </a:p>
-          <a:p>
-            <a:r>
-              <a:rPr kumimoji="1" lang="ja-JP" altLang="en-US"/>
-              <a:t>説明変数同士に相関が高い場合も気をつける．</a:t>
-            </a:r>
-            <a:endParaRPr kumimoji="1" lang="en-US" altLang="ja-JP" dirty="0"/>
-          </a:p>
-          <a:p>
-            <a:endParaRPr kumimoji="1" lang="en-US" altLang="ja-JP" dirty="0"/>
-          </a:p>
-          <a:p>
-            <a:endParaRPr kumimoji="1" lang="ja-JP" altLang="en-US"/>
           </a:p>
         </p:txBody>
       </p:sp>
     </p:spTree>
     <p:extLst>
       <p:ext uri="{BB962C8B-B14F-4D97-AF65-F5344CB8AC3E}">
-        <p14:creationId xmlns:p14="http://schemas.microsoft.com/office/powerpoint/2010/main" val="38973778"/>
+        <p14:creationId xmlns:p14="http://schemas.microsoft.com/office/powerpoint/2010/main" val="1501767664"/>
       </p:ext>
     </p:extLst>
   </p:cSld>
@@ -4594,7 +5217,7 @@
           <p:cNvPr id="2" name="タイトル 1">
             <a:extLst>
               <a:ext uri="{FF2B5EF4-FFF2-40B4-BE49-F238E27FC236}">
-                <a16:creationId xmlns:a16="http://schemas.microsoft.com/office/drawing/2014/main" id="{5A8207F3-6AF4-9C42-91D3-48B9B0A6A453}"/>
+                <a16:creationId xmlns:a16="http://schemas.microsoft.com/office/drawing/2014/main" id="{68BB739B-FF50-7947-89AB-1B70AF4DD3EA}"/>
               </a:ext>
             </a:extLst>
           </p:cNvPr>
@@ -4612,13 +5235,8 @@
           <a:p>
             <a:r>
               <a:rPr kumimoji="1" lang="ja-JP" altLang="en-US"/>
-              <a:t>多重共線性　</a:t>
-            </a:r>
-            <a:r>
-              <a:rPr kumimoji="1" lang="en-US" altLang="ja-JP" dirty="0"/>
-              <a:t>(Multi-collinearity)</a:t>
-            </a:r>
-            <a:endParaRPr kumimoji="1" lang="ja-JP" altLang="en-US"/>
+              <a:t>正規性のチェック</a:t>
+            </a:r>
           </a:p>
         </p:txBody>
       </p:sp>
@@ -4627,7 +5245,7 @@
           <p:cNvPr id="3" name="コンテンツ プレースホルダー 2">
             <a:extLst>
               <a:ext uri="{FF2B5EF4-FFF2-40B4-BE49-F238E27FC236}">
-                <a16:creationId xmlns:a16="http://schemas.microsoft.com/office/drawing/2014/main" id="{A5CDEF08-4F10-0843-8154-1D98EF69CDC4}"/>
+                <a16:creationId xmlns:a16="http://schemas.microsoft.com/office/drawing/2014/main" id="{B7EB713B-B0D0-A347-9D4F-48B4383A8075}"/>
               </a:ext>
             </a:extLst>
           </p:cNvPr>
@@ -4637,581 +5255,112 @@
           <p:nvPr>
             <p:ph idx="1"/>
           </p:nvPr>
-        </p:nvSpPr>
-        <p:spPr/>
-        <p:txBody>
-          <a:bodyPr>
-            <a:normAutofit fontScale="92500" lnSpcReduction="20000"/>
-          </a:bodyPr>
-          <a:lstStyle/>
-          <a:p>
-            <a:r>
-              <a:rPr lang="ja-JP" altLang="en-US"/>
-              <a:t>相関の高い説明変数があると、係数の推定が不安定になる．</a:t>
-            </a:r>
-            <a:endParaRPr lang="en-US" altLang="ja-JP" dirty="0"/>
-          </a:p>
-          <a:p>
-            <a:endParaRPr kumimoji="1" lang="en-US" altLang="ja-JP" dirty="0"/>
-          </a:p>
-          <a:p>
-            <a:endParaRPr kumimoji="1" lang="en-US" altLang="ja-JP" dirty="0"/>
-          </a:p>
-          <a:p>
-            <a:endParaRPr lang="en-US" altLang="ja-JP" dirty="0"/>
-          </a:p>
-          <a:p>
-            <a:endParaRPr kumimoji="1" lang="en-US" altLang="ja-JP" dirty="0"/>
-          </a:p>
-          <a:p>
-            <a:endParaRPr lang="en-US" altLang="ja-JP" dirty="0"/>
-          </a:p>
-          <a:p>
-            <a:endParaRPr kumimoji="1" lang="en-US" altLang="ja-JP" dirty="0"/>
-          </a:p>
-          <a:p>
-            <a:endParaRPr lang="en-US" altLang="ja-JP" dirty="0"/>
-          </a:p>
-          <a:p>
-            <a:endParaRPr lang="en-US" altLang="ja-JP" dirty="0"/>
-          </a:p>
-          <a:p>
-            <a:pPr lvl="1"/>
-            <a:r>
-              <a:rPr lang="en-US" altLang="ja-JP" dirty="0" err="1"/>
-              <a:t>e.x</a:t>
-            </a:r>
-            <a:r>
-              <a:rPr lang="en-US" altLang="ja-JP" dirty="0"/>
-              <a:t>.) </a:t>
-            </a:r>
-            <a:r>
-              <a:rPr lang="ja-JP" altLang="en-US"/>
-              <a:t>屋外の日陰にある飼育水槽の水温を気温、日射量で説明する場合など</a:t>
-            </a:r>
-            <a:endParaRPr lang="en-US" altLang="ja-JP" dirty="0"/>
-          </a:p>
-          <a:p>
-            <a:r>
-              <a:rPr kumimoji="1" lang="ja-JP" altLang="en-US"/>
-              <a:t>回帰分析の際に、説明変数同士の相関をチェック．</a:t>
-            </a:r>
-          </a:p>
-        </p:txBody>
-      </p:sp>
-      <p:sp>
-        <p:nvSpPr>
-          <p:cNvPr id="4" name="円/楕円 3">
-            <a:extLst>
-              <a:ext uri="{FF2B5EF4-FFF2-40B4-BE49-F238E27FC236}">
-                <a16:creationId xmlns:a16="http://schemas.microsoft.com/office/drawing/2014/main" id="{C0FCE579-A876-1D4D-9D68-F23BAB17B627}"/>
-              </a:ext>
-            </a:extLst>
-          </p:cNvPr>
-          <p:cNvSpPr/>
-          <p:nvPr/>
         </p:nvSpPr>
         <p:spPr>
           <a:xfrm>
-            <a:off x="7373073" y="2777923"/>
-            <a:ext cx="1006997" cy="1006997"/>
+            <a:off x="838200" y="1825625"/>
+            <a:ext cx="10756900" cy="4351338"/>
           </a:xfrm>
-          <a:prstGeom prst="ellipse">
-            <a:avLst/>
-          </a:prstGeom>
         </p:spPr>
-        <p:style>
-          <a:lnRef idx="2">
-            <a:schemeClr val="accent1">
-              <a:shade val="50000"/>
-            </a:schemeClr>
-          </a:lnRef>
-          <a:fillRef idx="1">
-            <a:schemeClr val="accent1"/>
-          </a:fillRef>
-          <a:effectRef idx="0">
-            <a:schemeClr val="accent1"/>
-          </a:effectRef>
-          <a:fontRef idx="minor">
-            <a:schemeClr val="lt1"/>
-          </a:fontRef>
-        </p:style>
-        <p:txBody>
-          <a:bodyPr rtlCol="0" anchor="ctr"/>
-          <a:lstStyle/>
-          <a:p>
-            <a:pPr algn="ctr"/>
-            <a:r>
-              <a:rPr kumimoji="1" lang="ja-JP" altLang="en-US"/>
-              <a:t>目的変数</a:t>
-            </a:r>
-          </a:p>
-        </p:txBody>
-      </p:sp>
-      <p:sp>
-        <p:nvSpPr>
-          <p:cNvPr id="5" name="角丸四角形 4">
-            <a:extLst>
-              <a:ext uri="{FF2B5EF4-FFF2-40B4-BE49-F238E27FC236}">
-                <a16:creationId xmlns:a16="http://schemas.microsoft.com/office/drawing/2014/main" id="{F9929345-FF6F-AF44-BF0E-E17109098771}"/>
-              </a:ext>
-            </a:extLst>
-          </p:cNvPr>
-          <p:cNvSpPr/>
-          <p:nvPr/>
-        </p:nvSpPr>
-        <p:spPr>
-          <a:xfrm>
-            <a:off x="3495555" y="2471869"/>
-            <a:ext cx="1423686" cy="671331"/>
-          </a:xfrm>
-          <a:prstGeom prst="roundRect">
-            <a:avLst/>
-          </a:prstGeom>
-        </p:spPr>
-        <p:style>
-          <a:lnRef idx="2">
-            <a:schemeClr val="accent1">
-              <a:shade val="50000"/>
-            </a:schemeClr>
-          </a:lnRef>
-          <a:fillRef idx="1">
-            <a:schemeClr val="accent1"/>
-          </a:fillRef>
-          <a:effectRef idx="0">
-            <a:schemeClr val="accent1"/>
-          </a:effectRef>
-          <a:fontRef idx="minor">
-            <a:schemeClr val="lt1"/>
-          </a:fontRef>
-        </p:style>
-        <p:txBody>
-          <a:bodyPr rtlCol="0" anchor="ctr"/>
-          <a:lstStyle/>
-          <a:p>
-            <a:pPr algn="ctr"/>
-            <a:r>
-              <a:rPr kumimoji="1" lang="ja-JP" altLang="en-US"/>
-              <a:t>説明変数１</a:t>
-            </a:r>
-          </a:p>
-        </p:txBody>
-      </p:sp>
-      <p:sp>
-        <p:nvSpPr>
-          <p:cNvPr id="6" name="角丸四角形 5">
-            <a:extLst>
-              <a:ext uri="{FF2B5EF4-FFF2-40B4-BE49-F238E27FC236}">
-                <a16:creationId xmlns:a16="http://schemas.microsoft.com/office/drawing/2014/main" id="{866B3623-DD7E-4540-9078-C4C12A8D5059}"/>
-              </a:ext>
-            </a:extLst>
-          </p:cNvPr>
-          <p:cNvSpPr/>
-          <p:nvPr/>
-        </p:nvSpPr>
-        <p:spPr>
-          <a:xfrm>
-            <a:off x="3505628" y="3533170"/>
-            <a:ext cx="1423686" cy="671331"/>
-          </a:xfrm>
-          <a:prstGeom prst="roundRect">
-            <a:avLst/>
-          </a:prstGeom>
-        </p:spPr>
-        <p:style>
-          <a:lnRef idx="2">
-            <a:schemeClr val="accent1">
-              <a:shade val="50000"/>
-            </a:schemeClr>
-          </a:lnRef>
-          <a:fillRef idx="1">
-            <a:schemeClr val="accent1"/>
-          </a:fillRef>
-          <a:effectRef idx="0">
-            <a:schemeClr val="accent1"/>
-          </a:effectRef>
-          <a:fontRef idx="minor">
-            <a:schemeClr val="lt1"/>
-          </a:fontRef>
-        </p:style>
-        <p:txBody>
-          <a:bodyPr rtlCol="0" anchor="ctr"/>
-          <a:lstStyle/>
-          <a:p>
-            <a:pPr algn="ctr"/>
-            <a:r>
-              <a:rPr kumimoji="1" lang="ja-JP" altLang="en-US"/>
-              <a:t>説明変数２</a:t>
-            </a:r>
-          </a:p>
-        </p:txBody>
-      </p:sp>
-      <p:sp>
-        <p:nvSpPr>
-          <p:cNvPr id="7" name="角丸四角形 6">
-            <a:extLst>
-              <a:ext uri="{FF2B5EF4-FFF2-40B4-BE49-F238E27FC236}">
-                <a16:creationId xmlns:a16="http://schemas.microsoft.com/office/drawing/2014/main" id="{5FD02B92-BC24-2149-AE4E-824D2D851EDB}"/>
-              </a:ext>
-            </a:extLst>
-          </p:cNvPr>
-          <p:cNvSpPr/>
-          <p:nvPr/>
-        </p:nvSpPr>
-        <p:spPr>
-          <a:xfrm>
-            <a:off x="5055672" y="4288417"/>
-            <a:ext cx="1423686" cy="671331"/>
-          </a:xfrm>
-          <a:prstGeom prst="roundRect">
-            <a:avLst/>
-          </a:prstGeom>
-        </p:spPr>
-        <p:style>
-          <a:lnRef idx="2">
-            <a:schemeClr val="accent1">
-              <a:shade val="50000"/>
-            </a:schemeClr>
-          </a:lnRef>
-          <a:fillRef idx="1">
-            <a:schemeClr val="accent1"/>
-          </a:fillRef>
-          <a:effectRef idx="0">
-            <a:schemeClr val="accent1"/>
-          </a:effectRef>
-          <a:fontRef idx="minor">
-            <a:schemeClr val="lt1"/>
-          </a:fontRef>
-        </p:style>
-        <p:txBody>
-          <a:bodyPr rtlCol="0" anchor="ctr"/>
-          <a:lstStyle/>
-          <a:p>
-            <a:pPr algn="ctr"/>
-            <a:r>
-              <a:rPr kumimoji="1" lang="ja-JP" altLang="en-US"/>
-              <a:t>説明変数</a:t>
-            </a:r>
-            <a:r>
-              <a:rPr kumimoji="1" lang="en-US" altLang="ja-JP" dirty="0"/>
-              <a:t>3</a:t>
-            </a:r>
-            <a:endParaRPr kumimoji="1" lang="ja-JP" altLang="en-US"/>
-          </a:p>
-        </p:txBody>
-      </p:sp>
-      <p:cxnSp>
-        <p:nvCxnSpPr>
-          <p:cNvPr id="9" name="直線矢印コネクタ 8">
-            <a:extLst>
-              <a:ext uri="{FF2B5EF4-FFF2-40B4-BE49-F238E27FC236}">
-                <a16:creationId xmlns:a16="http://schemas.microsoft.com/office/drawing/2014/main" id="{58ACE820-8C26-3045-AC9E-6E9B323FBAD1}"/>
-              </a:ext>
-            </a:extLst>
-          </p:cNvPr>
-          <p:cNvCxnSpPr>
-            <a:stCxn id="5" idx="3"/>
-            <a:endCxn id="4" idx="2"/>
-          </p:cNvCxnSpPr>
-          <p:nvPr/>
-        </p:nvCxnSpPr>
-        <p:spPr>
-          <a:xfrm>
-            <a:off x="4919241" y="2807535"/>
-            <a:ext cx="2453832" cy="473887"/>
-          </a:xfrm>
-          <a:prstGeom prst="straightConnector1">
-            <a:avLst/>
-          </a:prstGeom>
-          <a:ln w="50800">
-            <a:tailEnd type="triangle"/>
-          </a:ln>
-        </p:spPr>
-        <p:style>
-          <a:lnRef idx="1">
-            <a:schemeClr val="accent1"/>
-          </a:lnRef>
-          <a:fillRef idx="0">
-            <a:schemeClr val="accent1"/>
-          </a:fillRef>
-          <a:effectRef idx="0">
-            <a:schemeClr val="accent1"/>
-          </a:effectRef>
-          <a:fontRef idx="minor">
-            <a:schemeClr val="tx1"/>
-          </a:fontRef>
-        </p:style>
-      </p:cxnSp>
-      <p:cxnSp>
-        <p:nvCxnSpPr>
-          <p:cNvPr id="10" name="直線矢印コネクタ 9">
-            <a:extLst>
-              <a:ext uri="{FF2B5EF4-FFF2-40B4-BE49-F238E27FC236}">
-                <a16:creationId xmlns:a16="http://schemas.microsoft.com/office/drawing/2014/main" id="{DB294122-1253-6E41-8BE3-33925524A7A1}"/>
-              </a:ext>
-            </a:extLst>
-          </p:cNvPr>
-          <p:cNvCxnSpPr>
-            <a:cxnSpLocks/>
-            <a:stCxn id="6" idx="3"/>
-            <a:endCxn id="4" idx="3"/>
-          </p:cNvCxnSpPr>
-          <p:nvPr/>
-        </p:nvCxnSpPr>
-        <p:spPr>
-          <a:xfrm flipV="1">
-            <a:off x="4929314" y="3637449"/>
-            <a:ext cx="2591230" cy="231387"/>
-          </a:xfrm>
-          <a:prstGeom prst="straightConnector1">
-            <a:avLst/>
-          </a:prstGeom>
-          <a:ln w="25400">
-            <a:tailEnd type="triangle"/>
-          </a:ln>
-        </p:spPr>
-        <p:style>
-          <a:lnRef idx="1">
-            <a:schemeClr val="accent1"/>
-          </a:lnRef>
-          <a:fillRef idx="0">
-            <a:schemeClr val="accent1"/>
-          </a:fillRef>
-          <a:effectRef idx="0">
-            <a:schemeClr val="accent1"/>
-          </a:effectRef>
-          <a:fontRef idx="minor">
-            <a:schemeClr val="tx1"/>
-          </a:fontRef>
-        </p:style>
-      </p:cxnSp>
-      <p:cxnSp>
-        <p:nvCxnSpPr>
-          <p:cNvPr id="13" name="直線矢印コネクタ 12">
-            <a:extLst>
-              <a:ext uri="{FF2B5EF4-FFF2-40B4-BE49-F238E27FC236}">
-                <a16:creationId xmlns:a16="http://schemas.microsoft.com/office/drawing/2014/main" id="{9553E4A1-3AEA-8145-9D23-A172DEBCBAA2}"/>
-              </a:ext>
-            </a:extLst>
-          </p:cNvPr>
-          <p:cNvCxnSpPr>
-            <a:cxnSpLocks/>
-            <a:stCxn id="7" idx="3"/>
-            <a:endCxn id="4" idx="4"/>
-          </p:cNvCxnSpPr>
-          <p:nvPr/>
-        </p:nvCxnSpPr>
-        <p:spPr>
-          <a:xfrm flipV="1">
-            <a:off x="6479358" y="3784920"/>
-            <a:ext cx="1397214" cy="839163"/>
-          </a:xfrm>
-          <a:prstGeom prst="straightConnector1">
-            <a:avLst/>
-          </a:prstGeom>
-          <a:ln w="31750">
-            <a:tailEnd type="triangle"/>
-          </a:ln>
-        </p:spPr>
-        <p:style>
-          <a:lnRef idx="1">
-            <a:schemeClr val="accent1"/>
-          </a:lnRef>
-          <a:fillRef idx="0">
-            <a:schemeClr val="accent1"/>
-          </a:fillRef>
-          <a:effectRef idx="0">
-            <a:schemeClr val="accent1"/>
-          </a:effectRef>
-          <a:fontRef idx="minor">
-            <a:schemeClr val="tx1"/>
-          </a:fontRef>
-        </p:style>
-      </p:cxnSp>
-      <p:cxnSp>
-        <p:nvCxnSpPr>
-          <p:cNvPr id="20" name="直線矢印コネクタ 19">
-            <a:extLst>
-              <a:ext uri="{FF2B5EF4-FFF2-40B4-BE49-F238E27FC236}">
-                <a16:creationId xmlns:a16="http://schemas.microsoft.com/office/drawing/2014/main" id="{61251FC3-E4A7-164C-88AA-F7678AB971E4}"/>
-              </a:ext>
-            </a:extLst>
-          </p:cNvPr>
-          <p:cNvCxnSpPr>
-            <a:cxnSpLocks/>
-            <a:stCxn id="5" idx="2"/>
-            <a:endCxn id="6" idx="0"/>
-          </p:cNvCxnSpPr>
-          <p:nvPr/>
-        </p:nvCxnSpPr>
-        <p:spPr>
-          <a:xfrm>
-            <a:off x="4207398" y="3143200"/>
-            <a:ext cx="10073" cy="389970"/>
-          </a:xfrm>
-          <a:prstGeom prst="straightConnector1">
-            <a:avLst/>
-          </a:prstGeom>
-          <a:ln w="50800">
-            <a:solidFill>
-              <a:srgbClr val="FF0000"/>
-            </a:solidFill>
-            <a:headEnd type="triangle"/>
-            <a:tailEnd type="triangle"/>
-          </a:ln>
-        </p:spPr>
-        <p:style>
-          <a:lnRef idx="1">
-            <a:schemeClr val="accent2"/>
-          </a:lnRef>
-          <a:fillRef idx="0">
-            <a:schemeClr val="accent2"/>
-          </a:fillRef>
-          <a:effectRef idx="0">
-            <a:schemeClr val="accent2"/>
-          </a:effectRef>
-          <a:fontRef idx="minor">
-            <a:schemeClr val="tx1"/>
-          </a:fontRef>
-        </p:style>
-      </p:cxnSp>
-      <p:sp>
-        <p:nvSpPr>
-          <p:cNvPr id="25" name="テキスト ボックス 24">
-            <a:extLst>
-              <a:ext uri="{FF2B5EF4-FFF2-40B4-BE49-F238E27FC236}">
-                <a16:creationId xmlns:a16="http://schemas.microsoft.com/office/drawing/2014/main" id="{3A95E26B-9B57-F84D-A60E-1B5B10F9CA44}"/>
-              </a:ext>
-            </a:extLst>
-          </p:cNvPr>
-          <p:cNvSpPr txBox="1"/>
-          <p:nvPr/>
-        </p:nvSpPr>
-        <p:spPr>
-          <a:xfrm>
-            <a:off x="4929314" y="2266842"/>
-            <a:ext cx="3647152" cy="369332"/>
-          </a:xfrm>
-          <a:prstGeom prst="rect">
-            <a:avLst/>
-          </a:prstGeom>
-          <a:noFill/>
-        </p:spPr>
-        <p:txBody>
-          <a:bodyPr wrap="none" rtlCol="0">
-            <a:spAutoFit/>
+        <p:txBody>
+          <a:bodyPr>
+            <a:normAutofit/>
           </a:bodyPr>
           <a:lstStyle/>
           <a:p>
             <a:r>
               <a:rPr lang="ja-JP" altLang="en-US"/>
-              <a:t>実際は</a:t>
-            </a:r>
-            <a:r>
-              <a:rPr kumimoji="1" lang="ja-JP" altLang="en-US"/>
-              <a:t>説明変数１の寄与が大きい</a:t>
-            </a:r>
-          </a:p>
-        </p:txBody>
-      </p:sp>
-      <p:sp>
-        <p:nvSpPr>
-          <p:cNvPr id="26" name="テキスト ボックス 25">
-            <a:extLst>
-              <a:ext uri="{FF2B5EF4-FFF2-40B4-BE49-F238E27FC236}">
-                <a16:creationId xmlns:a16="http://schemas.microsoft.com/office/drawing/2014/main" id="{10626091-232D-D14C-9B75-3E1EBB9C467F}"/>
-              </a:ext>
-            </a:extLst>
-          </p:cNvPr>
-          <p:cNvSpPr txBox="1"/>
-          <p:nvPr/>
-        </p:nvSpPr>
-        <p:spPr>
-          <a:xfrm>
-            <a:off x="1200249" y="3163838"/>
-            <a:ext cx="2852063" cy="369332"/>
-          </a:xfrm>
-          <a:prstGeom prst="rect">
-            <a:avLst/>
-          </a:prstGeom>
-          <a:noFill/>
-        </p:spPr>
-        <p:txBody>
-          <a:bodyPr wrap="none" rtlCol="0">
-            <a:spAutoFit/>
-          </a:bodyPr>
-          <a:lstStyle/>
-          <a:p>
-            <a:r>
-              <a:rPr kumimoji="1" lang="ja-JP" altLang="en-US"/>
-              <a:t>説明変数１と</a:t>
-            </a:r>
-            <a:r>
-              <a:rPr kumimoji="1" lang="en-US" altLang="ja-JP" dirty="0"/>
-              <a:t>2</a:t>
-            </a:r>
-            <a:r>
-              <a:rPr kumimoji="1" lang="ja-JP" altLang="en-US"/>
-              <a:t>に強い相関</a:t>
-            </a:r>
-          </a:p>
-        </p:txBody>
-      </p:sp>
-      <p:sp>
-        <p:nvSpPr>
-          <p:cNvPr id="27" name="テキスト ボックス 26">
-            <a:extLst>
-              <a:ext uri="{FF2B5EF4-FFF2-40B4-BE49-F238E27FC236}">
-                <a16:creationId xmlns:a16="http://schemas.microsoft.com/office/drawing/2014/main" id="{95C0703B-387C-4746-A9D1-C7BCB00ED6AB}"/>
-              </a:ext>
-            </a:extLst>
-          </p:cNvPr>
-          <p:cNvSpPr txBox="1"/>
-          <p:nvPr/>
-        </p:nvSpPr>
-        <p:spPr>
-          <a:xfrm>
-            <a:off x="8380070" y="3980847"/>
-            <a:ext cx="2031325" cy="646331"/>
-          </a:xfrm>
-          <a:prstGeom prst="rect">
-            <a:avLst/>
-          </a:prstGeom>
-          <a:noFill/>
-        </p:spPr>
-        <p:txBody>
-          <a:bodyPr wrap="none" rtlCol="0">
-            <a:spAutoFit/>
-          </a:bodyPr>
-          <a:lstStyle/>
-          <a:p>
-            <a:r>
-              <a:rPr kumimoji="1" lang="ja-JP" altLang="en-US"/>
-              <a:t>推定した係数</a:t>
-            </a:r>
-            <a:r>
-              <a:rPr kumimoji="1" lang="en-US" altLang="ja-JP" dirty="0"/>
-              <a:t>β</a:t>
-            </a:r>
-            <a:r>
-              <a:rPr kumimoji="1" lang="ja-JP" altLang="en-US"/>
-              <a:t>は</a:t>
-            </a:r>
-            <a:endParaRPr kumimoji="1" lang="en-US" altLang="ja-JP" dirty="0"/>
-          </a:p>
-          <a:p>
+              <a:t>まず</a:t>
+            </a:r>
             <a:r>
               <a:rPr lang="en-US" altLang="ja-JP" dirty="0"/>
-              <a:t>β1 &lt; β2 </a:t>
-            </a:r>
-            <a:endParaRPr kumimoji="1" lang="ja-JP" altLang="en-US"/>
+              <a:t>plot</a:t>
+            </a:r>
+            <a:r>
+              <a:rPr lang="ja-JP" altLang="en-US"/>
+              <a:t>して可視化</a:t>
+            </a:r>
+            <a:endParaRPr lang="en-US" altLang="ja-JP" dirty="0"/>
+          </a:p>
+          <a:p>
+            <a:endParaRPr lang="en-US" altLang="ja-JP" dirty="0"/>
+          </a:p>
+          <a:p>
+            <a:r>
+              <a:rPr lang="ja-JP" altLang="en-US">
+                <a:solidFill>
+                  <a:schemeClr val="bg2">
+                    <a:lumMod val="50000"/>
+                  </a:schemeClr>
+                </a:solidFill>
+              </a:rPr>
+              <a:t>分布からずれていないかチェックのプロット；</a:t>
+            </a:r>
+            <a:r>
+              <a:rPr lang="en-US" altLang="ja-JP" dirty="0" err="1">
+                <a:solidFill>
+                  <a:schemeClr val="bg2">
+                    <a:lumMod val="50000"/>
+                  </a:schemeClr>
+                </a:solidFill>
+              </a:rPr>
+              <a:t>QQplot</a:t>
+            </a:r>
+            <a:endParaRPr lang="en-US" altLang="ja-JP" dirty="0">
+              <a:solidFill>
+                <a:schemeClr val="bg2">
+                  <a:lumMod val="50000"/>
+                </a:schemeClr>
+              </a:solidFill>
+            </a:endParaRPr>
+          </a:p>
+          <a:p>
+            <a:pPr marL="457200" lvl="1" indent="0">
+              <a:buNone/>
+            </a:pPr>
+            <a:endParaRPr lang="en-US" altLang="ja-JP" dirty="0">
+              <a:solidFill>
+                <a:schemeClr val="bg2">
+                  <a:lumMod val="50000"/>
+                </a:schemeClr>
+              </a:solidFill>
+            </a:endParaRPr>
+          </a:p>
+          <a:p>
+            <a:r>
+              <a:rPr lang="en-US" altLang="ja-JP" dirty="0">
+                <a:solidFill>
+                  <a:schemeClr val="bg2">
+                    <a:lumMod val="50000"/>
+                  </a:schemeClr>
+                </a:solidFill>
+              </a:rPr>
+              <a:t>Shapiro-Wilk</a:t>
+            </a:r>
+            <a:r>
+              <a:rPr lang="ja-JP" altLang="en-US">
+                <a:solidFill>
+                  <a:schemeClr val="bg2">
+                    <a:lumMod val="50000"/>
+                  </a:schemeClr>
+                </a:solidFill>
+              </a:rPr>
+              <a:t>検定</a:t>
+            </a:r>
+            <a:endParaRPr lang="en-US" altLang="ja-JP" dirty="0">
+              <a:solidFill>
+                <a:schemeClr val="bg2">
+                  <a:lumMod val="50000"/>
+                </a:schemeClr>
+              </a:solidFill>
+            </a:endParaRPr>
           </a:p>
         </p:txBody>
       </p:sp>
     </p:spTree>
     <p:extLst>
       <p:ext uri="{BB962C8B-B14F-4D97-AF65-F5344CB8AC3E}">
-        <p14:creationId xmlns:p14="http://schemas.microsoft.com/office/powerpoint/2010/main" val="3203436587"/>
+        <p14:creationId xmlns:p14="http://schemas.microsoft.com/office/powerpoint/2010/main" val="1722450886"/>
       </p:ext>
     </p:extLst>
   </p:cSld>
@@ -5243,7 +5392,7 @@
           <p:cNvPr id="2" name="タイトル 1">
             <a:extLst>
               <a:ext uri="{FF2B5EF4-FFF2-40B4-BE49-F238E27FC236}">
-                <a16:creationId xmlns:a16="http://schemas.microsoft.com/office/drawing/2014/main" id="{30189EB3-E20E-E446-9602-17104CBD75A8}"/>
+                <a16:creationId xmlns:a16="http://schemas.microsoft.com/office/drawing/2014/main" id="{593893BE-BD11-5648-B363-0A47FB81D8B9}"/>
               </a:ext>
             </a:extLst>
           </p:cNvPr>
@@ -5260,123 +5409,178 @@
           <a:lstStyle/>
           <a:p>
             <a:r>
+              <a:rPr kumimoji="1" lang="ja-JP" altLang="en-US"/>
+              <a:t>線形モデルの結果をプロット</a:t>
+            </a:r>
+          </a:p>
+        </p:txBody>
+      </p:sp>
+      <p:sp>
+        <p:nvSpPr>
+          <p:cNvPr id="3" name="コンテンツ プレースホルダー 2">
+            <a:extLst>
+              <a:ext uri="{FF2B5EF4-FFF2-40B4-BE49-F238E27FC236}">
+                <a16:creationId xmlns:a16="http://schemas.microsoft.com/office/drawing/2014/main" id="{49E414B3-99D4-2B4A-B335-2BAEFB18D4DF}"/>
+              </a:ext>
+            </a:extLst>
+          </p:cNvPr>
+          <p:cNvSpPr>
+            <a:spLocks noGrp="1"/>
+          </p:cNvSpPr>
+          <p:nvPr>
+            <p:ph idx="1"/>
+          </p:nvPr>
+        </p:nvSpPr>
+        <p:spPr/>
+        <p:txBody>
+          <a:bodyPr>
+            <a:normAutofit lnSpcReduction="10000"/>
+          </a:bodyPr>
+          <a:lstStyle/>
+          <a:p>
+            <a:r>
+              <a:rPr kumimoji="1" lang="ja-JP" altLang="en-US"/>
+              <a:t>第</a:t>
+            </a:r>
+            <a:r>
+              <a:rPr kumimoji="1" lang="en-US" altLang="ja-JP" dirty="0"/>
+              <a:t>12</a:t>
+            </a:r>
+            <a:r>
+              <a:rPr kumimoji="1" lang="ja-JP" altLang="en-US"/>
+              <a:t>回；線形モデル１で生成したシミュレーションデータの線形モデル解析結果を利用．</a:t>
+            </a:r>
+            <a:endParaRPr kumimoji="1" lang="en-US" altLang="ja-JP" dirty="0"/>
+          </a:p>
+          <a:p>
+            <a:pPr lvl="1"/>
+            <a:r>
+              <a:rPr lang="en-US" altLang="ja-JP" dirty="0" err="1"/>
+              <a:t>res_lm</a:t>
+            </a:r>
+            <a:r>
               <a:rPr lang="en-US" altLang="ja-JP" dirty="0"/>
-              <a:t>VIF (Variance Inflation Factor)</a:t>
-            </a:r>
-            <a:endParaRPr kumimoji="1" lang="ja-JP" altLang="en-US"/>
-          </a:p>
-        </p:txBody>
-      </p:sp>
-      <p:sp>
-        <p:nvSpPr>
-          <p:cNvPr id="3" name="コンテンツ プレースホルダー 2">
-            <a:extLst>
-              <a:ext uri="{FF2B5EF4-FFF2-40B4-BE49-F238E27FC236}">
-                <a16:creationId xmlns:a16="http://schemas.microsoft.com/office/drawing/2014/main" id="{DB1543A7-7CD6-674F-9627-7ACC6DEA1310}"/>
-              </a:ext>
-            </a:extLst>
-          </p:cNvPr>
-          <p:cNvSpPr>
-            <a:spLocks noGrp="1"/>
-          </p:cNvSpPr>
-          <p:nvPr>
-            <p:ph idx="1"/>
-          </p:nvPr>
-        </p:nvSpPr>
-        <p:spPr/>
-        <p:txBody>
-          <a:bodyPr/>
-          <a:lstStyle/>
-          <a:p>
-            <a:r>
-              <a:rPr kumimoji="1" lang="ja-JP" altLang="en-US"/>
-              <a:t>説明変数同士の相関の強さを示す指標の一つ．相関係数</a:t>
-            </a:r>
-            <a:r>
-              <a:rPr kumimoji="1" lang="en-US" altLang="ja-JP" i="1" dirty="0"/>
-              <a:t>r </a:t>
-            </a:r>
-            <a:r>
-              <a:rPr kumimoji="1" lang="ja-JP" altLang="en-US"/>
-              <a:t>を用いて以下で算出．</a:t>
-            </a:r>
-            <a:endParaRPr kumimoji="1" lang="en-US" altLang="ja-JP" dirty="0"/>
+              <a:t> &lt;- </a:t>
+            </a:r>
+            <a:r>
+              <a:rPr lang="en-US" altLang="ja-JP" dirty="0" err="1"/>
+              <a:t>lm</a:t>
+            </a:r>
+            <a:r>
+              <a:rPr lang="en-US" altLang="ja-JP" dirty="0"/>
+              <a:t>(log(catch)~vessel+temp-1, data=</a:t>
+            </a:r>
+            <a:r>
+              <a:rPr lang="en-US" altLang="ja-JP" dirty="0" err="1"/>
+              <a:t>catch_data</a:t>
+            </a:r>
+            <a:r>
+              <a:rPr lang="en-US" altLang="ja-JP" dirty="0"/>
+              <a:t>)</a:t>
+            </a:r>
           </a:p>
           <a:p>
             <a:pPr lvl="1"/>
+            <a:endParaRPr lang="en-US" altLang="ja-JP" dirty="0"/>
+          </a:p>
+          <a:p>
+            <a:r>
+              <a:rPr lang="ja-JP" altLang="en-US"/>
+              <a:t>残差は</a:t>
+            </a:r>
+            <a:r>
+              <a:rPr lang="en-US" altLang="ja-JP" dirty="0" err="1"/>
+              <a:t>lm</a:t>
+            </a:r>
+            <a:r>
+              <a:rPr lang="ja-JP" altLang="en-US"/>
+              <a:t>関数の結果オブジェクトの</a:t>
+            </a:r>
             <a:r>
               <a:rPr lang="en-US" altLang="ja-JP" dirty="0"/>
-              <a:t>VIF= 1 /(1−</a:t>
-            </a:r>
-            <a:r>
-              <a:rPr lang="en-US" altLang="ja-JP" i="1" dirty="0"/>
-              <a:t>r </a:t>
-            </a:r>
-            <a:r>
-              <a:rPr lang="en-US" altLang="ja-JP" baseline="30000" dirty="0"/>
-              <a:t>2</a:t>
+              <a:t>residuals</a:t>
+            </a:r>
+            <a:r>
+              <a:rPr lang="ja-JP" altLang="en-US"/>
+              <a:t>に格納．これをプロットする</a:t>
             </a:r>
             <a:r>
               <a:rPr lang="en-US" altLang="ja-JP" dirty="0"/>
-              <a:t>) </a:t>
+              <a:t> (</a:t>
             </a:r>
             <a:r>
               <a:rPr lang="ja-JP" altLang="en-US"/>
-              <a:t> </a:t>
+              <a:t>第</a:t>
+            </a:r>
+            <a:r>
+              <a:rPr lang="en-US" altLang="ja-JP" dirty="0"/>
+              <a:t>14</a:t>
+            </a:r>
+            <a:r>
+              <a:rPr lang="ja-JP" altLang="en-US"/>
+              <a:t>回参照</a:t>
+            </a:r>
+            <a:r>
+              <a:rPr lang="en-US" altLang="ja-JP" dirty="0"/>
+              <a:t>)</a:t>
+            </a:r>
+            <a:r>
+              <a:rPr lang="ja-JP" altLang="en-US"/>
+              <a:t>．</a:t>
             </a:r>
             <a:endParaRPr lang="en-US" altLang="ja-JP" dirty="0"/>
           </a:p>
           <a:p>
+            <a:pPr lvl="1"/>
+            <a:r>
+              <a:rPr lang="en-US" altLang="ja-JP" dirty="0"/>
+              <a:t>plot(</a:t>
+            </a:r>
+            <a:r>
+              <a:rPr lang="en-US" altLang="ja-JP" dirty="0" err="1"/>
+              <a:t>res_lm$residuals</a:t>
+            </a:r>
+            <a:r>
+              <a:rPr lang="en-US" altLang="ja-JP" dirty="0"/>
+              <a:t>)</a:t>
+            </a:r>
+          </a:p>
+          <a:p>
+            <a:pPr lvl="1"/>
+            <a:r>
+              <a:rPr lang="en-US" altLang="ja-JP" dirty="0"/>
+              <a:t>hist(</a:t>
+            </a:r>
+            <a:r>
+              <a:rPr lang="en-US" altLang="ja-JP" dirty="0" err="1"/>
+              <a:t>res_lm$residuals</a:t>
+            </a:r>
+            <a:r>
+              <a:rPr lang="en-US" altLang="ja-JP" dirty="0"/>
+              <a:t>)</a:t>
+            </a:r>
+          </a:p>
+          <a:p>
+            <a:pPr lvl="1"/>
             <a:endParaRPr lang="en-US" altLang="ja-JP" dirty="0"/>
           </a:p>
           <a:p>
             <a:r>
-              <a:rPr kumimoji="1" lang="ja-JP" altLang="en-US"/>
-              <a:t>数値が大きいときに変数を除くことが推奨．（</a:t>
-            </a:r>
-            <a:r>
-              <a:rPr kumimoji="1" lang="en-US" altLang="ja-JP" dirty="0"/>
-              <a:t>VIF&gt;10</a:t>
-            </a:r>
-            <a:r>
-              <a:rPr kumimoji="1" lang="ja-JP" altLang="en-US"/>
-              <a:t>が目安とされることが多い．</a:t>
+              <a:rPr lang="en-US" altLang="ja-JP" dirty="0" err="1"/>
+              <a:t>lm</a:t>
             </a:r>
             <a:r>
               <a:rPr lang="ja-JP" altLang="en-US"/>
-              <a:t>このとき</a:t>
-            </a:r>
-            <a:r>
-              <a:rPr lang="en-US" altLang="ja-JP" i="1" dirty="0"/>
-              <a:t>r</a:t>
-            </a:r>
-            <a:r>
-              <a:rPr lang="en-US" altLang="ja-JP" dirty="0"/>
-              <a:t> </a:t>
-            </a:r>
-            <a:r>
-              <a:rPr lang="ja-JP" altLang="en-US"/>
-              <a:t>≒</a:t>
-            </a:r>
-            <a:r>
-              <a:rPr lang="en-US" altLang="ja-JP" dirty="0"/>
-              <a:t>0.95</a:t>
-            </a:r>
-            <a:r>
-              <a:rPr lang="ja-JP" altLang="en-US"/>
-              <a:t>でかなり相関が強い</a:t>
-            </a:r>
-            <a:r>
-              <a:rPr kumimoji="1" lang="ja-JP" altLang="en-US"/>
-              <a:t>）</a:t>
-            </a:r>
+              <a:t>では誤差構造が正規分布．残差が正規分布に従っているかを視覚的に確認．</a:t>
+            </a:r>
+            <a:endParaRPr lang="en-US" altLang="ja-JP" dirty="0"/>
           </a:p>
         </p:txBody>
       </p:sp>
     </p:spTree>
     <p:extLst>
       <p:ext uri="{BB962C8B-B14F-4D97-AF65-F5344CB8AC3E}">
-        <p14:creationId xmlns:p14="http://schemas.microsoft.com/office/powerpoint/2010/main" val="4089472562"/>
+        <p14:creationId xmlns:p14="http://schemas.microsoft.com/office/powerpoint/2010/main" val="3428185782"/>
       </p:ext>
     </p:extLst>
   </p:cSld>
@@ -5408,7 +5612,7 @@
           <p:cNvPr id="2" name="タイトル 1">
             <a:extLst>
               <a:ext uri="{FF2B5EF4-FFF2-40B4-BE49-F238E27FC236}">
-                <a16:creationId xmlns:a16="http://schemas.microsoft.com/office/drawing/2014/main" id="{199743C8-A9E4-C540-875B-0FE32C6EBFB0}"/>
+                <a16:creationId xmlns:a16="http://schemas.microsoft.com/office/drawing/2014/main" id="{68BB739B-FF50-7947-89AB-1B70AF4DD3EA}"/>
               </a:ext>
             </a:extLst>
           </p:cNvPr>
@@ -5425,16 +5629,8 @@
           <a:lstStyle/>
           <a:p>
             <a:r>
-              <a:rPr kumimoji="1" lang="en-US" altLang="ja-JP" dirty="0"/>
-              <a:t>R</a:t>
-            </a:r>
-            <a:r>
-              <a:rPr kumimoji="1" lang="ja-JP" altLang="en-US"/>
-              <a:t>で</a:t>
-            </a:r>
-            <a:r>
-              <a:rPr kumimoji="1" lang="en-US" altLang="ja-JP" dirty="0"/>
-              <a:t>VIF</a:t>
+              <a:rPr lang="ja-JP" altLang="en-US"/>
+              <a:t>正規性のチェック</a:t>
             </a:r>
             <a:endParaRPr kumimoji="1" lang="ja-JP" altLang="en-US"/>
           </a:p>
@@ -5445,7 +5641,7 @@
           <p:cNvPr id="3" name="コンテンツ プレースホルダー 2">
             <a:extLst>
               <a:ext uri="{FF2B5EF4-FFF2-40B4-BE49-F238E27FC236}">
-                <a16:creationId xmlns:a16="http://schemas.microsoft.com/office/drawing/2014/main" id="{02F3AD6E-A8AA-964C-8EF4-26CD4B7D1443}"/>
+                <a16:creationId xmlns:a16="http://schemas.microsoft.com/office/drawing/2014/main" id="{B7EB713B-B0D0-A347-9D4F-48B4383A8075}"/>
               </a:ext>
             </a:extLst>
           </p:cNvPr>
@@ -5456,138 +5652,955 @@
             <p:ph idx="1"/>
           </p:nvPr>
         </p:nvSpPr>
-        <p:spPr/>
+        <p:spPr>
+          <a:xfrm>
+            <a:off x="838200" y="1825625"/>
+            <a:ext cx="10756900" cy="4351338"/>
+          </a:xfrm>
+        </p:spPr>
         <p:txBody>
           <a:bodyPr>
-            <a:normAutofit fontScale="92500" lnSpcReduction="10000"/>
+            <a:normAutofit/>
           </a:bodyPr>
           <a:lstStyle/>
           <a:p>
             <a:r>
-              <a:rPr kumimoji="1" lang="ja-JP" altLang="en-US"/>
-              <a:t>第</a:t>
-            </a:r>
-            <a:r>
-              <a:rPr kumimoji="1" lang="en-US" altLang="ja-JP" dirty="0"/>
-              <a:t>10</a:t>
-            </a:r>
-            <a:r>
-              <a:rPr kumimoji="1" lang="ja-JP" altLang="en-US"/>
-              <a:t>回で利用した気象データ</a:t>
-            </a:r>
-            <a:r>
-              <a:rPr kumimoji="1" lang="en-US" altLang="ja-JP" dirty="0" err="1"/>
-              <a:t>yokohama.csv</a:t>
-            </a:r>
-            <a:r>
-              <a:rPr kumimoji="1" lang="ja-JP" altLang="en-US"/>
-              <a:t>で試してみよう．</a:t>
-            </a:r>
-            <a:endParaRPr kumimoji="1" lang="en-US" altLang="ja-JP" dirty="0"/>
+              <a:rPr lang="ja-JP" altLang="en-US">
+                <a:solidFill>
+                  <a:schemeClr val="bg2">
+                    <a:lumMod val="50000"/>
+                  </a:schemeClr>
+                </a:solidFill>
+              </a:rPr>
+              <a:t>まず</a:t>
+            </a:r>
+            <a:r>
+              <a:rPr lang="en-US" altLang="ja-JP" dirty="0">
+                <a:solidFill>
+                  <a:schemeClr val="bg2">
+                    <a:lumMod val="50000"/>
+                  </a:schemeClr>
+                </a:solidFill>
+              </a:rPr>
+              <a:t>plot</a:t>
+            </a:r>
+            <a:r>
+              <a:rPr lang="ja-JP" altLang="en-US">
+                <a:solidFill>
+                  <a:schemeClr val="bg2">
+                    <a:lumMod val="50000"/>
+                  </a:schemeClr>
+                </a:solidFill>
+              </a:rPr>
+              <a:t>して可視化</a:t>
+            </a:r>
+            <a:endParaRPr lang="en-US" altLang="ja-JP" dirty="0">
+              <a:solidFill>
+                <a:schemeClr val="bg2">
+                  <a:lumMod val="50000"/>
+                </a:schemeClr>
+              </a:solidFill>
+            </a:endParaRPr>
           </a:p>
           <a:p>
             <a:endParaRPr lang="en-US" altLang="ja-JP" dirty="0"/>
           </a:p>
           <a:p>
             <a:r>
-              <a:rPr kumimoji="1" lang="en-US" altLang="ja-JP" dirty="0"/>
-              <a:t>Tw0</a:t>
-            </a:r>
-            <a:r>
-              <a:rPr kumimoji="1" lang="ja-JP" altLang="en-US"/>
-              <a:t>が裸地水温なので、これを気象要素</a:t>
-            </a:r>
-            <a:r>
-              <a:rPr kumimoji="1" lang="en-US" altLang="ja-JP" dirty="0"/>
-              <a:t>(</a:t>
-            </a:r>
-            <a:r>
-              <a:rPr kumimoji="1" lang="ja-JP" altLang="en-US"/>
-              <a:t>実測値、推定値</a:t>
-            </a:r>
-            <a:r>
-              <a:rPr kumimoji="1" lang="en-US" altLang="ja-JP" dirty="0"/>
-              <a:t>)</a:t>
-            </a:r>
-            <a:r>
-              <a:rPr kumimoji="1" lang="ja-JP" altLang="en-US"/>
-              <a:t>で回帰して説明．</a:t>
-            </a:r>
-            <a:r>
               <a:rPr lang="ja-JP" altLang="en-US"/>
-              <a:t>（</a:t>
-            </a:r>
+              <a:t>分布からずれていないかチェックのプロット；</a:t>
+            </a:r>
+            <a:r>
+              <a:rPr lang="en-US" altLang="ja-JP" dirty="0" err="1"/>
+              <a:t>QQplot</a:t>
+            </a:r>
+            <a:endParaRPr lang="en-US" altLang="ja-JP" dirty="0"/>
+          </a:p>
+          <a:p>
+            <a:pPr marL="457200" lvl="1" indent="0">
+              <a:buNone/>
+            </a:pPr>
+            <a:endParaRPr lang="en-US" altLang="ja-JP" dirty="0">
+              <a:solidFill>
+                <a:schemeClr val="bg2">
+                  <a:lumMod val="50000"/>
+                </a:schemeClr>
+              </a:solidFill>
+            </a:endParaRPr>
+          </a:p>
+          <a:p>
             <a:r>
               <a:rPr lang="en-US" altLang="ja-JP" dirty="0">
-                <a:hlinkClick r:id="rId3"/>
+                <a:solidFill>
+                  <a:schemeClr val="bg2">
+                    <a:lumMod val="50000"/>
+                  </a:schemeClr>
+                </a:solidFill>
               </a:rPr>
-              <a:t>https://meteocrop.dc.affrc.go.jp/real/explan_amedas_u.htm</a:t>
-            </a:r>
-            <a:r>
-              <a:rPr lang="ja-JP" altLang="en-US"/>
-              <a:t>）</a:t>
-            </a:r>
-            <a:endParaRPr lang="en-US" altLang="ja-JP" dirty="0"/>
-          </a:p>
-          <a:p>
-            <a:pPr lvl="1"/>
-            <a:endParaRPr kumimoji="1" lang="en-US" altLang="ja-JP" dirty="0"/>
-          </a:p>
-          <a:p>
-            <a:pPr lvl="1"/>
-            <a:r>
-              <a:rPr kumimoji="1" lang="ja-JP" altLang="en-US"/>
-              <a:t>データ数が多いので</a:t>
-            </a:r>
-            <a:r>
-              <a:rPr kumimoji="1" lang="en-US" altLang="ja-JP" dirty="0"/>
-              <a:t>2010</a:t>
-            </a:r>
-            <a:r>
-              <a:rPr kumimoji="1" lang="ja-JP" altLang="en-US"/>
-              <a:t>年以降を使う．</a:t>
-            </a:r>
-            <a:endParaRPr kumimoji="1" lang="en-US" altLang="ja-JP" dirty="0"/>
-          </a:p>
-          <a:p>
-            <a:pPr lvl="1"/>
-            <a:endParaRPr kumimoji="1" lang="en-US" altLang="ja-JP" dirty="0"/>
-          </a:p>
-          <a:p>
-            <a:pPr lvl="1"/>
-            <a:r>
-              <a:rPr lang="en-US" altLang="ja-JP" dirty="0"/>
-              <a:t>Tw0 ~ T + Tmax+Tmin+Pr+e+VPD+RH+RHmin+u+u10max+N+Sd+Ld</a:t>
-            </a:r>
-          </a:p>
-          <a:p>
-            <a:endParaRPr lang="en-US" altLang="ja-JP" dirty="0"/>
-          </a:p>
-          <a:p>
-            <a:r>
-              <a:rPr lang="en-US" altLang="ja-JP" dirty="0"/>
-              <a:t>library(performance)</a:t>
-            </a:r>
-            <a:r>
-              <a:rPr lang="ja-JP" altLang="en-US"/>
-              <a:t>で</a:t>
-            </a:r>
-            <a:r>
-              <a:rPr lang="en-US" altLang="ja-JP" dirty="0" err="1"/>
-              <a:t>check_collinearity</a:t>
-            </a:r>
-            <a:r>
-              <a:rPr lang="ja-JP" altLang="en-US"/>
-              <a:t>関数を使ってみる．</a:t>
-            </a:r>
-            <a:endParaRPr lang="en-US" altLang="ja-JP" dirty="0"/>
+              <a:t>Shapiro-Wilk</a:t>
+            </a:r>
+            <a:r>
+              <a:rPr lang="ja-JP" altLang="en-US">
+                <a:solidFill>
+                  <a:schemeClr val="bg2">
+                    <a:lumMod val="50000"/>
+                  </a:schemeClr>
+                </a:solidFill>
+              </a:rPr>
+              <a:t>検定</a:t>
+            </a:r>
+            <a:endParaRPr lang="en-US" altLang="ja-JP" dirty="0">
+              <a:solidFill>
+                <a:schemeClr val="bg2">
+                  <a:lumMod val="50000"/>
+                </a:schemeClr>
+              </a:solidFill>
+            </a:endParaRPr>
           </a:p>
         </p:txBody>
       </p:sp>
     </p:spTree>
     <p:extLst>
       <p:ext uri="{BB962C8B-B14F-4D97-AF65-F5344CB8AC3E}">
-        <p14:creationId xmlns:p14="http://schemas.microsoft.com/office/powerpoint/2010/main" val="1202530031"/>
+        <p14:creationId xmlns:p14="http://schemas.microsoft.com/office/powerpoint/2010/main" val="623929723"/>
+      </p:ext>
+    </p:extLst>
+  </p:cSld>
+  <p:clrMapOvr>
+    <a:masterClrMapping/>
+  </p:clrMapOvr>
+</p:sld>
+</file>
+
+<file path=ppt/slides/slide6.xml><?xml version="1.0" encoding="utf-8"?>
+<p:sld xmlns:a="http://schemas.openxmlformats.org/drawingml/2006/main" xmlns:r="http://schemas.openxmlformats.org/officeDocument/2006/relationships" xmlns:p="http://schemas.openxmlformats.org/presentationml/2006/main">
+  <p:cSld>
+    <p:spTree>
+      <p:nvGrpSpPr>
+        <p:cNvPr id="1" name=""/>
+        <p:cNvGrpSpPr/>
+        <p:nvPr/>
+      </p:nvGrpSpPr>
+      <p:grpSpPr>
+        <a:xfrm>
+          <a:off x="0" y="0"/>
+          <a:ext cx="0" cy="0"/>
+          <a:chOff x="0" y="0"/>
+          <a:chExt cx="0" cy="0"/>
+        </a:xfrm>
+      </p:grpSpPr>
+      <p:sp>
+        <p:nvSpPr>
+          <p:cNvPr id="2" name="タイトル 1">
+            <a:extLst>
+              <a:ext uri="{FF2B5EF4-FFF2-40B4-BE49-F238E27FC236}">
+                <a16:creationId xmlns:a16="http://schemas.microsoft.com/office/drawing/2014/main" id="{ADD62BF2-6FF7-9842-B55F-6A8B6B522A7E}"/>
+              </a:ext>
+            </a:extLst>
+          </p:cNvPr>
+          <p:cNvSpPr>
+            <a:spLocks noGrp="1"/>
+          </p:cNvSpPr>
+          <p:nvPr>
+            <p:ph type="title"/>
+          </p:nvPr>
+        </p:nvSpPr>
+        <p:spPr/>
+        <p:txBody>
+          <a:bodyPr/>
+          <a:lstStyle/>
+          <a:p>
+            <a:r>
+              <a:rPr kumimoji="1" lang="ja-JP" altLang="en-US"/>
+              <a:t>線形モデルの残差</a:t>
+            </a:r>
+          </a:p>
+        </p:txBody>
+      </p:sp>
+      <p:sp>
+        <p:nvSpPr>
+          <p:cNvPr id="3" name="コンテンツ プレースホルダー 2">
+            <a:extLst>
+              <a:ext uri="{FF2B5EF4-FFF2-40B4-BE49-F238E27FC236}">
+                <a16:creationId xmlns:a16="http://schemas.microsoft.com/office/drawing/2014/main" id="{1805BEF9-DE5C-E743-813A-6F4CE0125DA2}"/>
+              </a:ext>
+            </a:extLst>
+          </p:cNvPr>
+          <p:cNvSpPr>
+            <a:spLocks noGrp="1"/>
+          </p:cNvSpPr>
+          <p:nvPr>
+            <p:ph idx="1"/>
+          </p:nvPr>
+        </p:nvSpPr>
+        <p:spPr/>
+        <p:txBody>
+          <a:bodyPr>
+            <a:normAutofit/>
+          </a:bodyPr>
+          <a:lstStyle/>
+          <a:p>
+            <a:r>
+              <a:rPr kumimoji="1" lang="ja-JP" altLang="en-US"/>
+              <a:t>線形モデルは誤差が正規分布に従うと仮定</a:t>
+            </a:r>
+            <a:endParaRPr kumimoji="1" lang="en-US" altLang="ja-JP" dirty="0"/>
+          </a:p>
+          <a:p>
+            <a:pPr marL="0" indent="0">
+              <a:buNone/>
+            </a:pPr>
+            <a:r>
+              <a:rPr lang="en-US" altLang="ja-JP" dirty="0"/>
+              <a:t>	</a:t>
+            </a:r>
+            <a:r>
+              <a:rPr lang="ja-JP" altLang="en-US"/>
+              <a:t>→</a:t>
+            </a:r>
+            <a:r>
+              <a:rPr kumimoji="1" lang="en-US" altLang="ja-JP" dirty="0" err="1"/>
+              <a:t>lm</a:t>
+            </a:r>
+            <a:r>
+              <a:rPr kumimoji="1" lang="ja-JP" altLang="en-US"/>
+              <a:t>結果オブジェクトの残差は</a:t>
+            </a:r>
+            <a:r>
+              <a:rPr lang="ja-JP" altLang="en-US"/>
+              <a:t>正規分布に従っているはず</a:t>
+            </a:r>
+            <a:endParaRPr lang="en-US" altLang="ja-JP" dirty="0"/>
+          </a:p>
+          <a:p>
+            <a:pPr marL="0" indent="0">
+              <a:buNone/>
+            </a:pPr>
+            <a:endParaRPr kumimoji="1" lang="en-US" altLang="ja-JP" dirty="0"/>
+          </a:p>
+          <a:p>
+            <a:r>
+              <a:rPr kumimoji="1" lang="ja-JP" altLang="en-US"/>
+              <a:t>残差を大きさで並び替えれば（ソートすれば）、理論的に正規分布</a:t>
+            </a:r>
+            <a:r>
+              <a:rPr kumimoji="1" lang="en-US" altLang="ja-JP" dirty="0"/>
+              <a:t>(</a:t>
+            </a:r>
+            <a:r>
+              <a:rPr kumimoji="1" lang="ja-JP" altLang="en-US"/>
+              <a:t>平均０、分散</a:t>
+            </a:r>
+            <a:r>
+              <a:rPr kumimoji="1" lang="en-US" altLang="ja-JP" dirty="0" err="1"/>
+              <a:t>σ</a:t>
+            </a:r>
+            <a:r>
+              <a:rPr kumimoji="1" lang="en-US" altLang="ja-JP" dirty="0"/>
+              <a:t>)</a:t>
+            </a:r>
+            <a:r>
+              <a:rPr kumimoji="1" lang="ja-JP" altLang="en-US"/>
+              <a:t>をデータのサンプルサイズ</a:t>
+            </a:r>
+            <a:r>
+              <a:rPr kumimoji="1" lang="en-US" altLang="ja-JP" dirty="0"/>
+              <a:t>n</a:t>
+            </a:r>
+            <a:r>
+              <a:rPr kumimoji="1" lang="ja-JP" altLang="en-US"/>
+              <a:t>で割った時の順位</a:t>
+            </a:r>
+            <a:r>
+              <a:rPr lang="ja-JP" altLang="en-US"/>
+              <a:t>から求められる期待値に</a:t>
+            </a:r>
+            <a:r>
+              <a:rPr kumimoji="1" lang="ja-JP" altLang="en-US"/>
+              <a:t>相当する値になっているはず</a:t>
+            </a:r>
+            <a:endParaRPr kumimoji="1" lang="en-US" altLang="ja-JP" dirty="0"/>
+          </a:p>
+          <a:p>
+            <a:pPr lvl="1"/>
+            <a:r>
+              <a:rPr lang="ja-JP" altLang="en-US"/>
+              <a:t>この分散</a:t>
+            </a:r>
+            <a:r>
+              <a:rPr lang="en-US" altLang="ja-JP" dirty="0" err="1"/>
+              <a:t>σ</a:t>
+            </a:r>
+            <a:r>
+              <a:rPr lang="ja-JP" altLang="en-US"/>
+              <a:t>の値は係数推定時に得られる（第</a:t>
+            </a:r>
+            <a:r>
+              <a:rPr lang="en-US" altLang="ja-JP" dirty="0"/>
+              <a:t>18</a:t>
+            </a:r>
+            <a:r>
+              <a:rPr lang="ja-JP" altLang="en-US"/>
+              <a:t>回で係数</a:t>
+            </a:r>
+            <a:r>
+              <a:rPr lang="en-US" altLang="ja-JP" dirty="0"/>
+              <a:t>β</a:t>
+            </a:r>
+            <a:r>
+              <a:rPr lang="ja-JP" altLang="en-US"/>
+              <a:t>と分散</a:t>
+            </a:r>
+            <a:r>
+              <a:rPr lang="en-US" altLang="ja-JP" dirty="0"/>
+              <a:t>s</a:t>
+            </a:r>
+            <a:r>
+              <a:rPr lang="ja-JP" altLang="en-US"/>
+              <a:t>を最尤推定）　</a:t>
+            </a:r>
+            <a:endParaRPr kumimoji="1" lang="en-US" altLang="ja-JP" dirty="0"/>
+          </a:p>
+        </p:txBody>
+      </p:sp>
+    </p:spTree>
+    <p:extLst>
+      <p:ext uri="{BB962C8B-B14F-4D97-AF65-F5344CB8AC3E}">
+        <p14:creationId xmlns:p14="http://schemas.microsoft.com/office/powerpoint/2010/main" val="2178159451"/>
+      </p:ext>
+    </p:extLst>
+  </p:cSld>
+  <p:clrMapOvr>
+    <a:masterClrMapping/>
+  </p:clrMapOvr>
+</p:sld>
+</file>
+
+<file path=ppt/slides/slide7.xml><?xml version="1.0" encoding="utf-8"?>
+<p:sld xmlns:a="http://schemas.openxmlformats.org/drawingml/2006/main" xmlns:r="http://schemas.openxmlformats.org/officeDocument/2006/relationships" xmlns:p="http://schemas.openxmlformats.org/presentationml/2006/main">
+  <p:cSld>
+    <p:spTree>
+      <p:nvGrpSpPr>
+        <p:cNvPr id="1" name=""/>
+        <p:cNvGrpSpPr/>
+        <p:nvPr/>
+      </p:nvGrpSpPr>
+      <p:grpSpPr>
+        <a:xfrm>
+          <a:off x="0" y="0"/>
+          <a:ext cx="0" cy="0"/>
+          <a:chOff x="0" y="0"/>
+          <a:chExt cx="0" cy="0"/>
+        </a:xfrm>
+      </p:grpSpPr>
+      <p:sp>
+        <p:nvSpPr>
+          <p:cNvPr id="2" name="タイトル 1">
+            <a:extLst>
+              <a:ext uri="{FF2B5EF4-FFF2-40B4-BE49-F238E27FC236}">
+                <a16:creationId xmlns:a16="http://schemas.microsoft.com/office/drawing/2014/main" id="{892C59F3-AD8A-C648-98CA-0C3943AE4A58}"/>
+              </a:ext>
+            </a:extLst>
+          </p:cNvPr>
+          <p:cNvSpPr>
+            <a:spLocks noGrp="1"/>
+          </p:cNvSpPr>
+          <p:nvPr>
+            <p:ph type="title"/>
+          </p:nvPr>
+        </p:nvSpPr>
+        <p:spPr/>
+        <p:txBody>
+          <a:bodyPr/>
+          <a:lstStyle/>
+          <a:p>
+            <a:r>
+              <a:rPr kumimoji="1" lang="ja-JP" altLang="en-US"/>
+              <a:t>サンプルの順位と分位</a:t>
+            </a:r>
+          </a:p>
+        </p:txBody>
+      </p:sp>
+      <p:sp>
+        <p:nvSpPr>
+          <p:cNvPr id="3" name="コンテンツ プレースホルダー 2">
+            <a:extLst>
+              <a:ext uri="{FF2B5EF4-FFF2-40B4-BE49-F238E27FC236}">
+                <a16:creationId xmlns:a16="http://schemas.microsoft.com/office/drawing/2014/main" id="{2B892BED-13CC-B648-8A24-26DF1294EB9C}"/>
+              </a:ext>
+            </a:extLst>
+          </p:cNvPr>
+          <p:cNvSpPr>
+            <a:spLocks noGrp="1"/>
+          </p:cNvSpPr>
+          <p:nvPr>
+            <p:ph idx="1"/>
+          </p:nvPr>
+        </p:nvSpPr>
+        <p:spPr/>
+        <p:txBody>
+          <a:bodyPr>
+            <a:normAutofit fontScale="85000" lnSpcReduction="20000"/>
+          </a:bodyPr>
+          <a:lstStyle/>
+          <a:p>
+            <a:r>
+              <a:rPr lang="ja-JP" altLang="en-US"/>
+              <a:t>サンプルサイズ</a:t>
+            </a:r>
+            <a:r>
+              <a:rPr lang="en-US" altLang="ja-JP" dirty="0"/>
+              <a:t>n(</a:t>
+            </a:r>
+            <a:r>
+              <a:rPr lang="ja-JP" altLang="en-US"/>
+              <a:t>ここでは</a:t>
+            </a:r>
+            <a:r>
+              <a:rPr lang="en-US" altLang="ja-JP" dirty="0"/>
+              <a:t>100</a:t>
+            </a:r>
+            <a:r>
+              <a:rPr lang="ja-JP" altLang="en-US"/>
+              <a:t>にする</a:t>
+            </a:r>
+            <a:r>
+              <a:rPr lang="en-US" altLang="ja-JP" dirty="0"/>
+              <a:t>)</a:t>
+            </a:r>
+            <a:r>
+              <a:rPr lang="ja-JP" altLang="en-US"/>
+              <a:t>のデータが標準正規分布</a:t>
+            </a:r>
+            <a:r>
+              <a:rPr lang="en-US" altLang="ja-JP" dirty="0"/>
+              <a:t>N~(</a:t>
+            </a:r>
+            <a:r>
+              <a:rPr lang="en-US" altLang="ja-JP" dirty="0" err="1"/>
+              <a:t>μ</a:t>
+            </a:r>
+            <a:r>
+              <a:rPr lang="en-US" altLang="ja-JP" dirty="0"/>
+              <a:t>=0,σ=1)</a:t>
+            </a:r>
+            <a:r>
+              <a:rPr lang="ja-JP" altLang="en-US"/>
+              <a:t>に従って分布している．</a:t>
+            </a:r>
+            <a:endParaRPr lang="en-US" altLang="ja-JP" dirty="0"/>
+          </a:p>
+          <a:p>
+            <a:endParaRPr kumimoji="1" lang="en-US" altLang="ja-JP" dirty="0"/>
+          </a:p>
+          <a:p>
+            <a:r>
+              <a:rPr lang="ja-JP" altLang="en-US"/>
+              <a:t>サンプルを昇順に並び替えたもの</a:t>
+            </a:r>
+            <a:r>
+              <a:rPr lang="en-US" altLang="ja-JP" dirty="0"/>
+              <a:t>(a)</a:t>
+            </a:r>
+            <a:r>
+              <a:rPr lang="ja-JP" altLang="en-US"/>
+              <a:t>と、</a:t>
+            </a:r>
+            <a:r>
+              <a:rPr lang="en-US" altLang="ja-JP" dirty="0"/>
+              <a:t>1</a:t>
+            </a:r>
+            <a:r>
+              <a:rPr lang="ja-JP" altLang="en-US"/>
+              <a:t>から</a:t>
+            </a:r>
+            <a:r>
+              <a:rPr lang="en-US" altLang="ja-JP" dirty="0"/>
+              <a:t>n</a:t>
+            </a:r>
+            <a:r>
+              <a:rPr lang="ja-JP" altLang="en-US"/>
+              <a:t>までの順位で理論的に標準正規分布から得られる期待値</a:t>
+            </a:r>
+            <a:r>
+              <a:rPr lang="en-US" altLang="ja-JP" dirty="0"/>
+              <a:t>(b)</a:t>
+            </a:r>
+            <a:r>
+              <a:rPr lang="ja-JP" altLang="en-US"/>
+              <a:t>を比較する．</a:t>
+            </a:r>
+            <a:endParaRPr lang="en-US" altLang="ja-JP" dirty="0"/>
+          </a:p>
+          <a:p>
+            <a:pPr lvl="1"/>
+            <a:r>
+              <a:rPr lang="ja-JP" altLang="en-US"/>
+              <a:t>サンプルのデータが標準正規分布に従うなら、縦軸に</a:t>
+            </a:r>
+            <a:r>
+              <a:rPr lang="en-US" altLang="ja-JP" dirty="0"/>
+              <a:t>(a)</a:t>
+            </a:r>
+            <a:r>
+              <a:rPr lang="ja-JP" altLang="en-US"/>
+              <a:t>、横軸に</a:t>
+            </a:r>
+            <a:r>
+              <a:rPr lang="en-US" altLang="ja-JP" dirty="0"/>
+              <a:t>(b)</a:t>
+            </a:r>
+            <a:r>
+              <a:rPr lang="ja-JP" altLang="en-US"/>
+              <a:t>をとると直線に乗るはず．</a:t>
+            </a:r>
+            <a:endParaRPr lang="en-US" altLang="ja-JP" dirty="0"/>
+          </a:p>
+          <a:p>
+            <a:pPr lvl="1"/>
+            <a:endParaRPr lang="en-US" altLang="ja-JP" dirty="0"/>
+          </a:p>
+          <a:p>
+            <a:r>
+              <a:rPr kumimoji="1" lang="ja-JP" altLang="en-US"/>
+              <a:t>このサンプルの</a:t>
+            </a:r>
+            <a:r>
+              <a:rPr kumimoji="1" lang="en-US" altLang="ja-JP" dirty="0"/>
+              <a:t>quantile</a:t>
+            </a:r>
+            <a:r>
+              <a:rPr kumimoji="1" lang="ja-JP" altLang="en-US"/>
+              <a:t>と理論的な</a:t>
+            </a:r>
+            <a:r>
+              <a:rPr kumimoji="1" lang="en-US" altLang="ja-JP" dirty="0"/>
+              <a:t>quantile</a:t>
+            </a:r>
+            <a:r>
+              <a:rPr kumimoji="1" lang="ja-JP" altLang="en-US"/>
+              <a:t>の対応関係をプロット</a:t>
+            </a:r>
+            <a:br>
+              <a:rPr kumimoji="1" lang="en-US" altLang="ja-JP" dirty="0"/>
+            </a:br>
+            <a:endParaRPr kumimoji="1" lang="en-US" altLang="ja-JP" dirty="0"/>
+          </a:p>
+          <a:p>
+            <a:pPr lvl="1"/>
+            <a:r>
+              <a:rPr lang="en-US" altLang="ja-JP" dirty="0" err="1"/>
+              <a:t>std_norm_smpl</a:t>
+            </a:r>
+            <a:r>
+              <a:rPr lang="en-US" altLang="ja-JP" dirty="0"/>
+              <a:t> &lt;- </a:t>
+            </a:r>
+            <a:r>
+              <a:rPr lang="en-US" altLang="ja-JP" dirty="0" err="1"/>
+              <a:t>rnorm</a:t>
+            </a:r>
+            <a:r>
+              <a:rPr lang="en-US" altLang="ja-JP" dirty="0"/>
+              <a:t>(100,0,1)</a:t>
+            </a:r>
+          </a:p>
+          <a:p>
+            <a:pPr lvl="1"/>
+            <a:r>
+              <a:rPr lang="en-US" altLang="ja-JP" dirty="0" err="1"/>
+              <a:t>sort</a:t>
+            </a:r>
+            <a:r>
+              <a:rPr kumimoji="1" lang="en-US" altLang="ja-JP" dirty="0" err="1"/>
+              <a:t>_std_norm_s</a:t>
+            </a:r>
+            <a:r>
+              <a:rPr lang="en-US" altLang="ja-JP" dirty="0" err="1"/>
+              <a:t>mpl</a:t>
+            </a:r>
+            <a:r>
+              <a:rPr lang="en-US" altLang="ja-JP" dirty="0"/>
+              <a:t> &lt;- </a:t>
+            </a:r>
+            <a:r>
+              <a:rPr lang="en-US" altLang="ja-JP" dirty="0" err="1"/>
+              <a:t>std_norm_smpl</a:t>
+            </a:r>
+            <a:r>
+              <a:rPr lang="en-US" altLang="ja-JP" dirty="0"/>
+              <a:t>[order(</a:t>
+            </a:r>
+            <a:r>
+              <a:rPr lang="en-US" altLang="ja-JP" dirty="0" err="1"/>
+              <a:t>std_norm_smp,decreasing</a:t>
+            </a:r>
+            <a:r>
+              <a:rPr lang="en-US" altLang="ja-JP" dirty="0"/>
+              <a:t> = F)]</a:t>
+            </a:r>
+          </a:p>
+          <a:p>
+            <a:pPr lvl="1"/>
+            <a:r>
+              <a:rPr kumimoji="1" lang="en-US" altLang="ja-JP" dirty="0" err="1"/>
+              <a:t>theo</a:t>
+            </a:r>
+            <a:r>
+              <a:rPr lang="en-US" altLang="ja-JP" dirty="0" err="1"/>
+              <a:t>r_smpl</a:t>
+            </a:r>
+            <a:r>
+              <a:rPr lang="en-US" altLang="ja-JP" dirty="0"/>
+              <a:t> &lt;- (seq(1,100)-0.5)/100</a:t>
+            </a:r>
+          </a:p>
+          <a:p>
+            <a:pPr lvl="1"/>
+            <a:r>
+              <a:rPr lang="en-US" altLang="ja-JP" dirty="0"/>
+              <a:t>plot(</a:t>
+            </a:r>
+            <a:r>
+              <a:rPr lang="en-US" altLang="ja-JP" dirty="0" err="1"/>
+              <a:t>theor_smp,ord_stdnorm_smp</a:t>
+            </a:r>
+            <a:r>
+              <a:rPr lang="en-US" altLang="ja-JP" dirty="0"/>
+              <a:t>)</a:t>
+            </a:r>
+            <a:endParaRPr kumimoji="1" lang="ja-JP" altLang="en-US"/>
+          </a:p>
+        </p:txBody>
+      </p:sp>
+    </p:spTree>
+    <p:extLst>
+      <p:ext uri="{BB962C8B-B14F-4D97-AF65-F5344CB8AC3E}">
+        <p14:creationId xmlns:p14="http://schemas.microsoft.com/office/powerpoint/2010/main" val="4050706010"/>
+      </p:ext>
+    </p:extLst>
+  </p:cSld>
+  <p:clrMapOvr>
+    <a:masterClrMapping/>
+  </p:clrMapOvr>
+</p:sld>
+</file>
+
+<file path=ppt/slides/slide8.xml><?xml version="1.0" encoding="utf-8"?>
+<p:sld xmlns:a="http://schemas.openxmlformats.org/drawingml/2006/main" xmlns:r="http://schemas.openxmlformats.org/officeDocument/2006/relationships" xmlns:p="http://schemas.openxmlformats.org/presentationml/2006/main">
+  <p:cSld>
+    <p:spTree>
+      <p:nvGrpSpPr>
+        <p:cNvPr id="1" name=""/>
+        <p:cNvGrpSpPr/>
+        <p:nvPr/>
+      </p:nvGrpSpPr>
+      <p:grpSpPr>
+        <a:xfrm>
+          <a:off x="0" y="0"/>
+          <a:ext cx="0" cy="0"/>
+          <a:chOff x="0" y="0"/>
+          <a:chExt cx="0" cy="0"/>
+        </a:xfrm>
+      </p:grpSpPr>
+      <p:sp>
+        <p:nvSpPr>
+          <p:cNvPr id="2" name="タイトル 1">
+            <a:extLst>
+              <a:ext uri="{FF2B5EF4-FFF2-40B4-BE49-F238E27FC236}">
+                <a16:creationId xmlns:a16="http://schemas.microsoft.com/office/drawing/2014/main" id="{F1994288-EB8E-A84F-B42C-97ABDD69EAD5}"/>
+              </a:ext>
+            </a:extLst>
+          </p:cNvPr>
+          <p:cNvSpPr>
+            <a:spLocks noGrp="1"/>
+          </p:cNvSpPr>
+          <p:nvPr>
+            <p:ph type="title"/>
+          </p:nvPr>
+        </p:nvSpPr>
+        <p:spPr/>
+        <p:txBody>
+          <a:bodyPr/>
+          <a:lstStyle/>
+          <a:p>
+            <a:r>
+              <a:rPr kumimoji="1" lang="en-US" altLang="ja-JP" dirty="0" err="1"/>
+              <a:t>qqnorm</a:t>
+            </a:r>
+            <a:r>
+              <a:rPr kumimoji="1" lang="ja-JP" altLang="en-US"/>
+              <a:t>関数</a:t>
+            </a:r>
+          </a:p>
+        </p:txBody>
+      </p:sp>
+      <p:sp>
+        <p:nvSpPr>
+          <p:cNvPr id="3" name="コンテンツ プレースホルダー 2">
+            <a:extLst>
+              <a:ext uri="{FF2B5EF4-FFF2-40B4-BE49-F238E27FC236}">
+                <a16:creationId xmlns:a16="http://schemas.microsoft.com/office/drawing/2014/main" id="{F17329F4-295F-B840-A01F-3058DFA89E7D}"/>
+              </a:ext>
+            </a:extLst>
+          </p:cNvPr>
+          <p:cNvSpPr>
+            <a:spLocks noGrp="1"/>
+          </p:cNvSpPr>
+          <p:nvPr>
+            <p:ph idx="1"/>
+          </p:nvPr>
+        </p:nvSpPr>
+        <p:spPr/>
+        <p:txBody>
+          <a:bodyPr/>
+          <a:lstStyle/>
+          <a:p>
+            <a:r>
+              <a:rPr kumimoji="1" lang="ja-JP" altLang="en-US"/>
+              <a:t>誤差が正規分布であるサンプルである時、</a:t>
+            </a:r>
+            <a:r>
+              <a:rPr lang="en-US" altLang="ja-JP" dirty="0"/>
+              <a:t>Q-</a:t>
+            </a:r>
+            <a:r>
+              <a:rPr lang="en-US" altLang="ja-JP" dirty="0" err="1"/>
+              <a:t>Qplot</a:t>
+            </a:r>
+            <a:r>
+              <a:rPr lang="ja-JP" altLang="en-US"/>
+              <a:t>は</a:t>
+            </a:r>
+            <a:r>
+              <a:rPr lang="en-US" altLang="ja-JP" dirty="0" err="1"/>
+              <a:t>qqnorm</a:t>
+            </a:r>
+            <a:r>
+              <a:rPr lang="ja-JP" altLang="en-US"/>
+              <a:t>関数が使える．</a:t>
+            </a:r>
+            <a:endParaRPr lang="en-US" altLang="ja-JP" dirty="0"/>
+          </a:p>
+          <a:p>
+            <a:pPr lvl="1"/>
+            <a:r>
+              <a:rPr kumimoji="1" lang="en-US" altLang="ja-JP" dirty="0" err="1"/>
+              <a:t>qqnorm</a:t>
+            </a:r>
+            <a:r>
+              <a:rPr kumimoji="1" lang="en-US" altLang="ja-JP" dirty="0"/>
+              <a:t>(</a:t>
+            </a:r>
+            <a:r>
+              <a:rPr kumimoji="1" lang="en-US" altLang="ja-JP" dirty="0" err="1"/>
+              <a:t>std_norm_smpl</a:t>
+            </a:r>
+            <a:r>
+              <a:rPr kumimoji="1" lang="en-US" altLang="ja-JP" dirty="0"/>
+              <a:t>)</a:t>
+            </a:r>
+          </a:p>
+          <a:p>
+            <a:endParaRPr kumimoji="1" lang="en-US" altLang="ja-JP" dirty="0"/>
+          </a:p>
+          <a:p>
+            <a:r>
+              <a:rPr kumimoji="1" lang="ja-JP" altLang="en-US"/>
+              <a:t>この関数は分布の標準化した上で理論値と比べてくれる．線形モデルの結果の残差をそのまま引数に入れる．</a:t>
+            </a:r>
+            <a:endParaRPr kumimoji="1" lang="en-US" altLang="ja-JP" dirty="0"/>
+          </a:p>
+          <a:p>
+            <a:pPr lvl="1"/>
+            <a:r>
+              <a:rPr lang="en-US" altLang="ja-JP" dirty="0" err="1"/>
+              <a:t>qqnorm</a:t>
+            </a:r>
+            <a:r>
+              <a:rPr lang="en-US" altLang="ja-JP" dirty="0"/>
+              <a:t>(</a:t>
+            </a:r>
+            <a:r>
+              <a:rPr lang="en-US" altLang="ja-JP" dirty="0" err="1"/>
+              <a:t>res_lm$residuals</a:t>
+            </a:r>
+            <a:r>
+              <a:rPr lang="en-US" altLang="ja-JP" dirty="0"/>
+              <a:t>)</a:t>
+            </a:r>
+            <a:endParaRPr kumimoji="1" lang="ja-JP" altLang="en-US"/>
+          </a:p>
+        </p:txBody>
+      </p:sp>
+    </p:spTree>
+    <p:extLst>
+      <p:ext uri="{BB962C8B-B14F-4D97-AF65-F5344CB8AC3E}">
+        <p14:creationId xmlns:p14="http://schemas.microsoft.com/office/powerpoint/2010/main" val="2009115823"/>
+      </p:ext>
+    </p:extLst>
+  </p:cSld>
+  <p:clrMapOvr>
+    <a:masterClrMapping/>
+  </p:clrMapOvr>
+</p:sld>
+</file>
+
+<file path=ppt/slides/slide9.xml><?xml version="1.0" encoding="utf-8"?>
+<p:sld xmlns:a="http://schemas.openxmlformats.org/drawingml/2006/main" xmlns:r="http://schemas.openxmlformats.org/officeDocument/2006/relationships" xmlns:p="http://schemas.openxmlformats.org/presentationml/2006/main">
+  <p:cSld>
+    <p:spTree>
+      <p:nvGrpSpPr>
+        <p:cNvPr id="1" name=""/>
+        <p:cNvGrpSpPr/>
+        <p:nvPr/>
+      </p:nvGrpSpPr>
+      <p:grpSpPr>
+        <a:xfrm>
+          <a:off x="0" y="0"/>
+          <a:ext cx="0" cy="0"/>
+          <a:chOff x="0" y="0"/>
+          <a:chExt cx="0" cy="0"/>
+        </a:xfrm>
+      </p:grpSpPr>
+      <p:sp>
+        <p:nvSpPr>
+          <p:cNvPr id="2" name="タイトル 1">
+            <a:extLst>
+              <a:ext uri="{FF2B5EF4-FFF2-40B4-BE49-F238E27FC236}">
+                <a16:creationId xmlns:a16="http://schemas.microsoft.com/office/drawing/2014/main" id="{032164F6-0F1B-1549-B553-24334B2E64E3}"/>
+              </a:ext>
+            </a:extLst>
+          </p:cNvPr>
+          <p:cNvSpPr>
+            <a:spLocks noGrp="1"/>
+          </p:cNvSpPr>
+          <p:nvPr>
+            <p:ph type="title"/>
+          </p:nvPr>
+        </p:nvSpPr>
+        <p:spPr/>
+        <p:txBody>
+          <a:bodyPr/>
+          <a:lstStyle/>
+          <a:p>
+            <a:r>
+              <a:rPr kumimoji="1" lang="en-US" altLang="ja-JP" dirty="0"/>
+              <a:t>GLM</a:t>
+            </a:r>
+            <a:r>
+              <a:rPr kumimoji="1" lang="ja-JP" altLang="en-US"/>
+              <a:t>の残差</a:t>
+            </a:r>
+          </a:p>
+        </p:txBody>
+      </p:sp>
+      <p:sp>
+        <p:nvSpPr>
+          <p:cNvPr id="3" name="コンテンツ プレースホルダー 2">
+            <a:extLst>
+              <a:ext uri="{FF2B5EF4-FFF2-40B4-BE49-F238E27FC236}">
+                <a16:creationId xmlns:a16="http://schemas.microsoft.com/office/drawing/2014/main" id="{7044DDCB-175D-DC41-A5AC-98AE58CE5A61}"/>
+              </a:ext>
+            </a:extLst>
+          </p:cNvPr>
+          <p:cNvSpPr>
+            <a:spLocks noGrp="1"/>
+          </p:cNvSpPr>
+          <p:nvPr>
+            <p:ph idx="1"/>
+          </p:nvPr>
+        </p:nvSpPr>
+        <p:spPr/>
+        <p:txBody>
+          <a:bodyPr/>
+          <a:lstStyle/>
+          <a:p>
+            <a:r>
+              <a:rPr kumimoji="1" lang="ja-JP" altLang="en-US"/>
+              <a:t>誤差分布が正規分布ではない場合、残差は単純に予測値からのズレを使わない．</a:t>
+            </a:r>
+            <a:endParaRPr kumimoji="1" lang="en-US" altLang="ja-JP" dirty="0"/>
+          </a:p>
+          <a:p>
+            <a:pPr lvl="1"/>
+            <a:r>
+              <a:rPr lang="ja-JP" altLang="en-US"/>
+              <a:t>線形予測子の値に依存して誤差の分散が変わるので、線形モデルのように簡単でない．</a:t>
+            </a:r>
+            <a:endParaRPr lang="en-US" altLang="ja-JP" dirty="0"/>
+          </a:p>
+          <a:p>
+            <a:endParaRPr kumimoji="1" lang="en-US" altLang="ja-JP" dirty="0"/>
+          </a:p>
+          <a:p>
+            <a:r>
+              <a:rPr kumimoji="1" lang="ja-JP" altLang="en-US"/>
+              <a:t>代わりに</a:t>
+            </a:r>
+            <a:r>
+              <a:rPr kumimoji="1" lang="en-US" altLang="ja-JP" dirty="0"/>
+              <a:t>residuals</a:t>
+            </a:r>
+            <a:r>
+              <a:rPr kumimoji="1" lang="ja-JP" altLang="en-US"/>
+              <a:t>関数で</a:t>
+            </a:r>
+            <a:r>
+              <a:rPr lang="en-US" altLang="ja-JP" dirty="0"/>
+              <a:t>deviance</a:t>
+            </a:r>
+            <a:r>
+              <a:rPr lang="ja-JP" altLang="en-US"/>
+              <a:t>を指定して取り出す</a:t>
+            </a:r>
+            <a:r>
+              <a:rPr kumimoji="1" lang="ja-JP" altLang="en-US"/>
+              <a:t>．</a:t>
+            </a:r>
+            <a:endParaRPr kumimoji="1" lang="en-US" altLang="ja-JP" dirty="0"/>
+          </a:p>
+          <a:p>
+            <a:pPr lvl="1"/>
+            <a:r>
+              <a:rPr kumimoji="1" lang="en-US" altLang="ja-JP" dirty="0" err="1"/>
+              <a:t>resid_glm</a:t>
+            </a:r>
+            <a:r>
+              <a:rPr kumimoji="1" lang="en-US" altLang="ja-JP" dirty="0"/>
+              <a:t> &lt;- residuals(</a:t>
+            </a:r>
+            <a:r>
+              <a:rPr kumimoji="1" lang="en-US" altLang="ja-JP" dirty="0" err="1"/>
+              <a:t>res_glm</a:t>
+            </a:r>
+            <a:r>
+              <a:rPr kumimoji="1" lang="en-US" altLang="ja-JP" dirty="0"/>
+              <a:t>, type=“deviance”)</a:t>
+            </a:r>
+          </a:p>
+          <a:p>
+            <a:pPr lvl="1"/>
+            <a:r>
+              <a:rPr kumimoji="1" lang="en-US" altLang="ja-JP" dirty="0"/>
+              <a:t>hist(</a:t>
+            </a:r>
+            <a:r>
+              <a:rPr kumimoji="1" lang="en-US" altLang="ja-JP" dirty="0" err="1"/>
+              <a:t>resid_glm</a:t>
+            </a:r>
+            <a:r>
+              <a:rPr kumimoji="1" lang="en-US" altLang="ja-JP" dirty="0"/>
+              <a:t>)</a:t>
+            </a:r>
+            <a:endParaRPr kumimoji="1" lang="ja-JP" altLang="en-US"/>
+          </a:p>
+        </p:txBody>
+      </p:sp>
+    </p:spTree>
+    <p:extLst>
+      <p:ext uri="{BB962C8B-B14F-4D97-AF65-F5344CB8AC3E}">
+        <p14:creationId xmlns:p14="http://schemas.microsoft.com/office/powerpoint/2010/main" val="2447858462"/>
       </p:ext>
     </p:extLst>
   </p:cSld>
@@ -5890,299 +6903,4 @@
     </a:ext>
   </a:extLst>
 </a:theme>
-</file>
-
-<file path=ppt/theme/theme2.xml><?xml version="1.0" encoding="utf-8"?>
-<a:theme xmlns:a="http://schemas.openxmlformats.org/drawingml/2006/main" name="Office テーマ">
-  <a:themeElements>
-    <a:clrScheme name="Office">
-      <a:dk1>
-        <a:sysClr val="windowText" lastClr="000000"/>
-      </a:dk1>
-      <a:lt1>
-        <a:sysClr val="window" lastClr="FFFFFF"/>
-      </a:lt1>
-      <a:dk2>
-        <a:srgbClr val="44546A"/>
-      </a:dk2>
-      <a:lt2>
-        <a:srgbClr val="E7E6E6"/>
-      </a:lt2>
-      <a:accent1>
-        <a:srgbClr val="4472C4"/>
-      </a:accent1>
-      <a:accent2>
-        <a:srgbClr val="ED7D31"/>
-      </a:accent2>
-      <a:accent3>
-        <a:srgbClr val="A5A5A5"/>
-      </a:accent3>
-      <a:accent4>
-        <a:srgbClr val="FFC000"/>
-      </a:accent4>
-      <a:accent5>
-        <a:srgbClr val="5B9BD5"/>
-      </a:accent5>
-      <a:accent6>
-        <a:srgbClr val="70AD47"/>
-      </a:accent6>
-      <a:hlink>
-        <a:srgbClr val="0563C1"/>
-      </a:hlink>
-      <a:folHlink>
-        <a:srgbClr val="954F72"/>
-      </a:folHlink>
-    </a:clrScheme>
-    <a:fontScheme name="Office">
-      <a:majorFont>
-        <a:latin typeface="游ゴシック Light" panose="020F0302020204030204"/>
-        <a:ea typeface=""/>
-        <a:cs typeface=""/>
-        <a:font script="Jpan" typeface="游ゴシック Light"/>
-        <a:font script="Hang" typeface="맑은 고딕"/>
-        <a:font script="Hans" typeface="等线 Light"/>
-        <a:font script="Hant" typeface="新細明體"/>
-        <a:font script="Arab" typeface="Times New Roman"/>
-        <a:font script="Hebr" typeface="Times New Roman"/>
-        <a:font script="Thai" typeface="Angsana New"/>
-        <a:font script="Ethi" typeface="Nyala"/>
-        <a:font script="Beng" typeface="Vrinda"/>
-        <a:font script="Gujr" typeface="Shruti"/>
-        <a:font script="Khmr" typeface="MoolBoran"/>
-        <a:font script="Knda" typeface="Tunga"/>
-        <a:font script="Guru" typeface="Raavi"/>
-        <a:font script="Cans" typeface="Euphemia"/>
-        <a:font script="Cher" typeface="Plantagenet Cherokee"/>
-        <a:font script="Yiii" typeface="Microsoft Yi Baiti"/>
-        <a:font script="Tibt" typeface="Microsoft Himalaya"/>
-        <a:font script="Thaa" typeface="MV Boli"/>
-        <a:font script="Deva" typeface="Mangal"/>
-        <a:font script="Telu" typeface="Gautami"/>
-        <a:font script="Taml" typeface="Latha"/>
-        <a:font script="Syrc" typeface="Estrangelo Edessa"/>
-        <a:font script="Orya" typeface="Kalinga"/>
-        <a:font script="Mlym" typeface="Kartika"/>
-        <a:font script="Laoo" typeface="DokChampa"/>
-        <a:font script="Sinh" typeface="Iskoola Pota"/>
-        <a:font script="Mong" typeface="Mongolian Baiti"/>
-        <a:font script="Viet" typeface="Times New Roman"/>
-        <a:font script="Uigh" typeface="Microsoft Uighur"/>
-        <a:font script="Geor" typeface="Sylfaen"/>
-        <a:font script="Armn" typeface="Arial"/>
-        <a:font script="Bugi" typeface="Leelawadee UI"/>
-        <a:font script="Bopo" typeface="Microsoft JhengHei"/>
-        <a:font script="Java" typeface="Javanese Text"/>
-        <a:font script="Lisu" typeface="Segoe UI"/>
-        <a:font script="Mymr" typeface="Myanmar Text"/>
-        <a:font script="Nkoo" typeface="Ebrima"/>
-        <a:font script="Olck" typeface="Nirmala UI"/>
-        <a:font script="Osma" typeface="Ebrima"/>
-        <a:font script="Phag" typeface="Phagspa"/>
-        <a:font script="Syrn" typeface="Estrangelo Edessa"/>
-        <a:font script="Syrj" typeface="Estrangelo Edessa"/>
-        <a:font script="Syre" typeface="Estrangelo Edessa"/>
-        <a:font script="Sora" typeface="Nirmala UI"/>
-        <a:font script="Tale" typeface="Microsoft Tai Le"/>
-        <a:font script="Talu" typeface="Microsoft New Tai Lue"/>
-        <a:font script="Tfng" typeface="Ebrima"/>
-      </a:majorFont>
-      <a:minorFont>
-        <a:latin typeface="游ゴシック" panose="020F0502020204030204"/>
-        <a:ea typeface=""/>
-        <a:cs typeface=""/>
-        <a:font script="Jpan" typeface="游ゴシック"/>
-        <a:font script="Hang" typeface="맑은 고딕"/>
-        <a:font script="Hans" typeface="等线"/>
-        <a:font script="Hant" typeface="新細明體"/>
-        <a:font script="Arab" typeface="Arial"/>
-        <a:font script="Hebr" typeface="Arial"/>
-        <a:font script="Thai" typeface="Cordia New"/>
-        <a:font script="Ethi" typeface="Nyala"/>
-        <a:font script="Beng" typeface="Vrinda"/>
-        <a:font script="Gujr" typeface="Shruti"/>
-        <a:font script="Khmr" typeface="DaunPenh"/>
-        <a:font script="Knda" typeface="Tunga"/>
-        <a:font script="Guru" typeface="Raavi"/>
-        <a:font script="Cans" typeface="Euphemia"/>
-        <a:font script="Cher" typeface="Plantagenet Cherokee"/>
-        <a:font script="Yiii" typeface="Microsoft Yi Baiti"/>
-        <a:font script="Tibt" typeface="Microsoft Himalaya"/>
-        <a:font script="Thaa" typeface="MV Boli"/>
-        <a:font script="Deva" typeface="Mangal"/>
-        <a:font script="Telu" typeface="Gautami"/>
-        <a:font script="Taml" typeface="Latha"/>
-        <a:font script="Syrc" typeface="Estrangelo Edessa"/>
-        <a:font script="Orya" typeface="Kalinga"/>
-        <a:font script="Mlym" typeface="Kartika"/>
-        <a:font script="Laoo" typeface="DokChampa"/>
-        <a:font script="Sinh" typeface="Iskoola Pota"/>
-        <a:font script="Mong" typeface="Mongolian Baiti"/>
-        <a:font script="Viet" typeface="Arial"/>
-        <a:font script="Uigh" typeface="Microsoft Uighur"/>
-        <a:font script="Geor" typeface="Sylfaen"/>
-        <a:font script="Armn" typeface="Arial"/>
-        <a:font script="Bugi" typeface="Leelawadee UI"/>
-        <a:font script="Bopo" typeface="Microsoft JhengHei"/>
-        <a:font script="Java" typeface="Javanese Text"/>
-        <a:font script="Lisu" typeface="Segoe UI"/>
-        <a:font script="Mymr" typeface="Myanmar Text"/>
-        <a:font script="Nkoo" typeface="Ebrima"/>
-        <a:font script="Olck" typeface="Nirmala UI"/>
-        <a:font script="Osma" typeface="Ebrima"/>
-        <a:font script="Phag" typeface="Phagspa"/>
-        <a:font script="Syrn" typeface="Estrangelo Edessa"/>
-        <a:font script="Syrj" typeface="Estrangelo Edessa"/>
-        <a:font script="Syre" typeface="Estrangelo Edessa"/>
-        <a:font script="Sora" typeface="Nirmala UI"/>
-        <a:font script="Tale" typeface="Microsoft Tai Le"/>
-        <a:font script="Talu" typeface="Microsoft New Tai Lue"/>
-        <a:font script="Tfng" typeface="Ebrima"/>
-      </a:minorFont>
-    </a:fontScheme>
-    <a:fmtScheme name="Office">
-      <a:fillStyleLst>
-        <a:solidFill>
-          <a:schemeClr val="phClr"/>
-        </a:solidFill>
-        <a:gradFill rotWithShape="1">
-          <a:gsLst>
-            <a:gs pos="0">
-              <a:schemeClr val="phClr">
-                <a:lumMod val="110000"/>
-                <a:satMod val="105000"/>
-                <a:tint val="67000"/>
-              </a:schemeClr>
-            </a:gs>
-            <a:gs pos="50000">
-              <a:schemeClr val="phClr">
-                <a:lumMod val="105000"/>
-                <a:satMod val="103000"/>
-                <a:tint val="73000"/>
-              </a:schemeClr>
-            </a:gs>
-            <a:gs pos="100000">
-              <a:schemeClr val="phClr">
-                <a:lumMod val="105000"/>
-                <a:satMod val="109000"/>
-                <a:tint val="81000"/>
-              </a:schemeClr>
-            </a:gs>
-          </a:gsLst>
-          <a:lin ang="5400000" scaled="0"/>
-        </a:gradFill>
-        <a:gradFill rotWithShape="1">
-          <a:gsLst>
-            <a:gs pos="0">
-              <a:schemeClr val="phClr">
-                <a:satMod val="103000"/>
-                <a:lumMod val="102000"/>
-                <a:tint val="94000"/>
-              </a:schemeClr>
-            </a:gs>
-            <a:gs pos="50000">
-              <a:schemeClr val="phClr">
-                <a:satMod val="110000"/>
-                <a:lumMod val="100000"/>
-                <a:shade val="100000"/>
-              </a:schemeClr>
-            </a:gs>
-            <a:gs pos="100000">
-              <a:schemeClr val="phClr">
-                <a:lumMod val="99000"/>
-                <a:satMod val="120000"/>
-                <a:shade val="78000"/>
-              </a:schemeClr>
-            </a:gs>
-          </a:gsLst>
-          <a:lin ang="5400000" scaled="0"/>
-        </a:gradFill>
-      </a:fillStyleLst>
-      <a:lnStyleLst>
-        <a:ln w="6350" cap="flat" cmpd="sng" algn="ctr">
-          <a:solidFill>
-            <a:schemeClr val="phClr"/>
-          </a:solidFill>
-          <a:prstDash val="solid"/>
-          <a:miter lim="800000"/>
-        </a:ln>
-        <a:ln w="12700" cap="flat" cmpd="sng" algn="ctr">
-          <a:solidFill>
-            <a:schemeClr val="phClr"/>
-          </a:solidFill>
-          <a:prstDash val="solid"/>
-          <a:miter lim="800000"/>
-        </a:ln>
-        <a:ln w="19050" cap="flat" cmpd="sng" algn="ctr">
-          <a:solidFill>
-            <a:schemeClr val="phClr"/>
-          </a:solidFill>
-          <a:prstDash val="solid"/>
-          <a:miter lim="800000"/>
-        </a:ln>
-      </a:lnStyleLst>
-      <a:effectStyleLst>
-        <a:effectStyle>
-          <a:effectLst/>
-        </a:effectStyle>
-        <a:effectStyle>
-          <a:effectLst/>
-        </a:effectStyle>
-        <a:effectStyle>
-          <a:effectLst>
-            <a:outerShdw blurRad="57150" dist="19050" dir="5400000" algn="ctr" rotWithShape="0">
-              <a:srgbClr val="000000">
-                <a:alpha val="63000"/>
-              </a:srgbClr>
-            </a:outerShdw>
-          </a:effectLst>
-        </a:effectStyle>
-      </a:effectStyleLst>
-      <a:bgFillStyleLst>
-        <a:solidFill>
-          <a:schemeClr val="phClr"/>
-        </a:solidFill>
-        <a:solidFill>
-          <a:schemeClr val="phClr">
-            <a:tint val="95000"/>
-            <a:satMod val="170000"/>
-          </a:schemeClr>
-        </a:solidFill>
-        <a:gradFill rotWithShape="1">
-          <a:gsLst>
-            <a:gs pos="0">
-              <a:schemeClr val="phClr">
-                <a:tint val="93000"/>
-                <a:satMod val="150000"/>
-                <a:shade val="98000"/>
-                <a:lumMod val="102000"/>
-              </a:schemeClr>
-            </a:gs>
-            <a:gs pos="50000">
-              <a:schemeClr val="phClr">
-                <a:tint val="98000"/>
-                <a:satMod val="130000"/>
-                <a:shade val="90000"/>
-                <a:lumMod val="103000"/>
-              </a:schemeClr>
-            </a:gs>
-            <a:gs pos="100000">
-              <a:schemeClr val="phClr">
-                <a:shade val="63000"/>
-                <a:satMod val="120000"/>
-              </a:schemeClr>
-            </a:gs>
-          </a:gsLst>
-          <a:lin ang="5400000" scaled="0"/>
-        </a:gradFill>
-      </a:bgFillStyleLst>
-    </a:fmtScheme>
-  </a:themeElements>
-  <a:objectDefaults/>
-  <a:extraClrSchemeLst/>
-  <a:extLst>
-    <a:ext uri="{05A4C25C-085E-4340-85A3-A5531E510DB2}">
-      <thm15:themeFamily xmlns:thm15="http://schemas.microsoft.com/office/thememl/2012/main" name="Office Theme" id="{62F939B6-93AF-4DB8-9C6B-D6C7DFDC589F}" vid="{4A3C46E8-61CC-4603-A589-7422A47A8E4A}"/>
-    </a:ext>
-  </a:extLst>
-</a:theme>
 </file>
--- a/R/スライド/第24回.pptx
+++ b/R/スライド/第24回.pptx
@@ -4,19 +4,16 @@
   <p:sldMasterIdLst>
     <p:sldMasterId id="2147483648" r:id="rId1"/>
   </p:sldMasterIdLst>
+  <p:notesMasterIdLst>
+    <p:notesMasterId r:id="rId8"/>
+  </p:notesMasterIdLst>
   <p:sldIdLst>
-    <p:sldId id="257" r:id="rId2"/>
-    <p:sldId id="272" r:id="rId3"/>
-    <p:sldId id="274" r:id="rId4"/>
-    <p:sldId id="282" r:id="rId5"/>
-    <p:sldId id="280" r:id="rId6"/>
-    <p:sldId id="284" r:id="rId7"/>
-    <p:sldId id="285" r:id="rId8"/>
-    <p:sldId id="287" r:id="rId9"/>
-    <p:sldId id="288" r:id="rId10"/>
-    <p:sldId id="289" r:id="rId11"/>
-    <p:sldId id="281" r:id="rId12"/>
-    <p:sldId id="286" r:id="rId13"/>
+    <p:sldId id="256" r:id="rId2"/>
+    <p:sldId id="257" r:id="rId3"/>
+    <p:sldId id="258" r:id="rId4"/>
+    <p:sldId id="259" r:id="rId5"/>
+    <p:sldId id="261" r:id="rId6"/>
+    <p:sldId id="260" r:id="rId7"/>
   </p:sldIdLst>
   <p:sldSz cx="12192000" cy="6858000"/>
   <p:notesSz cx="6858000" cy="9144000"/>
@@ -123,692 +120,553 @@
 </p:presentation>
 </file>
 
-<file path=ppt/revisionInfo.xml><?xml version="1.0" encoding="utf-8"?>
-<p1510:revInfo xmlns:a="http://schemas.openxmlformats.org/drawingml/2006/main" xmlns:r="http://schemas.openxmlformats.org/officeDocument/2006/relationships" xmlns:p1510="http://schemas.microsoft.com/office/powerpoint/2015/10/main">
-  <p1510:revLst>
-    <p1510:client id="{71876CCD-038C-B241-B95D-B124F60F9931}" v="2" dt="2021-11-28T20:10:33.124"/>
-  </p1510:revLst>
-</p1510:revInfo>
+<file path=ppt/notesMasters/notesMaster1.xml><?xml version="1.0" encoding="utf-8"?>
+<p:notesMaster xmlns:a="http://schemas.openxmlformats.org/drawingml/2006/main" xmlns:r="http://schemas.openxmlformats.org/officeDocument/2006/relationships" xmlns:p="http://schemas.openxmlformats.org/presentationml/2006/main">
+  <p:cSld>
+    <p:bg>
+      <p:bgRef idx="1001">
+        <a:schemeClr val="bg1"/>
+      </p:bgRef>
+    </p:bg>
+    <p:spTree>
+      <p:nvGrpSpPr>
+        <p:cNvPr id="1" name=""/>
+        <p:cNvGrpSpPr/>
+        <p:nvPr/>
+      </p:nvGrpSpPr>
+      <p:grpSpPr>
+        <a:xfrm>
+          <a:off x="0" y="0"/>
+          <a:ext cx="0" cy="0"/>
+          <a:chOff x="0" y="0"/>
+          <a:chExt cx="0" cy="0"/>
+        </a:xfrm>
+      </p:grpSpPr>
+      <p:sp>
+        <p:nvSpPr>
+          <p:cNvPr id="2" name="ヘッダー プレースホルダー 1"/>
+          <p:cNvSpPr>
+            <a:spLocks noGrp="1"/>
+          </p:cNvSpPr>
+          <p:nvPr>
+            <p:ph type="hdr" sz="quarter"/>
+          </p:nvPr>
+        </p:nvSpPr>
+        <p:spPr>
+          <a:xfrm>
+            <a:off x="0" y="0"/>
+            <a:ext cx="2971800" cy="458788"/>
+          </a:xfrm>
+          <a:prstGeom prst="rect">
+            <a:avLst/>
+          </a:prstGeom>
+        </p:spPr>
+        <p:txBody>
+          <a:bodyPr vert="horz" lIns="91440" tIns="45720" rIns="91440" bIns="45720" rtlCol="0"/>
+          <a:lstStyle>
+            <a:lvl1pPr algn="l">
+              <a:defRPr sz="1200"/>
+            </a:lvl1pPr>
+          </a:lstStyle>
+          <a:p>
+            <a:endParaRPr kumimoji="1" lang="ja-JP" altLang="en-US"/>
+          </a:p>
+        </p:txBody>
+      </p:sp>
+      <p:sp>
+        <p:nvSpPr>
+          <p:cNvPr id="3" name="日付プレースホルダー 2"/>
+          <p:cNvSpPr>
+            <a:spLocks noGrp="1"/>
+          </p:cNvSpPr>
+          <p:nvPr>
+            <p:ph type="dt" idx="1"/>
+          </p:nvPr>
+        </p:nvSpPr>
+        <p:spPr>
+          <a:xfrm>
+            <a:off x="3884613" y="0"/>
+            <a:ext cx="2971800" cy="458788"/>
+          </a:xfrm>
+          <a:prstGeom prst="rect">
+            <a:avLst/>
+          </a:prstGeom>
+        </p:spPr>
+        <p:txBody>
+          <a:bodyPr vert="horz" lIns="91440" tIns="45720" rIns="91440" bIns="45720" rtlCol="0"/>
+          <a:lstStyle>
+            <a:lvl1pPr algn="r">
+              <a:defRPr sz="1200"/>
+            </a:lvl1pPr>
+          </a:lstStyle>
+          <a:p>
+            <a:fld id="{9C1DDC07-861B-2043-96E4-752F1185B018}" type="datetimeFigureOut">
+              <a:rPr kumimoji="1" lang="ja-JP" altLang="en-US" smtClean="0"/>
+              <a:t>2021/11/29</a:t>
+            </a:fld>
+            <a:endParaRPr kumimoji="1" lang="ja-JP" altLang="en-US"/>
+          </a:p>
+        </p:txBody>
+      </p:sp>
+      <p:sp>
+        <p:nvSpPr>
+          <p:cNvPr id="4" name="スライド イメージ プレースホルダー 3"/>
+          <p:cNvSpPr>
+            <a:spLocks noGrp="1" noRot="1" noChangeAspect="1"/>
+          </p:cNvSpPr>
+          <p:nvPr>
+            <p:ph type="sldImg" idx="2"/>
+          </p:nvPr>
+        </p:nvSpPr>
+        <p:spPr>
+          <a:xfrm>
+            <a:off x="685800" y="1143000"/>
+            <a:ext cx="5486400" cy="3086100"/>
+          </a:xfrm>
+          <a:prstGeom prst="rect">
+            <a:avLst/>
+          </a:prstGeom>
+          <a:noFill/>
+          <a:ln w="12700">
+            <a:solidFill>
+              <a:prstClr val="black"/>
+            </a:solidFill>
+          </a:ln>
+        </p:spPr>
+        <p:txBody>
+          <a:bodyPr vert="horz" lIns="91440" tIns="45720" rIns="91440" bIns="45720" rtlCol="0" anchor="ctr"/>
+          <a:lstStyle/>
+          <a:p>
+            <a:endParaRPr lang="ja-JP" altLang="en-US"/>
+          </a:p>
+        </p:txBody>
+      </p:sp>
+      <p:sp>
+        <p:nvSpPr>
+          <p:cNvPr id="5" name="ノート プレースホルダー 4"/>
+          <p:cNvSpPr>
+            <a:spLocks noGrp="1"/>
+          </p:cNvSpPr>
+          <p:nvPr>
+            <p:ph type="body" sz="quarter" idx="3"/>
+          </p:nvPr>
+        </p:nvSpPr>
+        <p:spPr>
+          <a:xfrm>
+            <a:off x="685800" y="4400550"/>
+            <a:ext cx="5486400" cy="3600450"/>
+          </a:xfrm>
+          <a:prstGeom prst="rect">
+            <a:avLst/>
+          </a:prstGeom>
+        </p:spPr>
+        <p:txBody>
+          <a:bodyPr vert="horz" lIns="91440" tIns="45720" rIns="91440" bIns="45720" rtlCol="0"/>
+          <a:lstStyle/>
+          <a:p>
+            <a:pPr lvl="0"/>
+            <a:r>
+              <a:rPr kumimoji="1" lang="ja-JP" altLang="en-US"/>
+              <a:t>マスター テキストの書式設定</a:t>
+            </a:r>
+          </a:p>
+          <a:p>
+            <a:pPr lvl="1"/>
+            <a:r>
+              <a:rPr kumimoji="1" lang="ja-JP" altLang="en-US"/>
+              <a:t>第 </a:t>
+            </a:r>
+            <a:r>
+              <a:rPr kumimoji="1" lang="en-US" altLang="ja-JP"/>
+              <a:t>2 </a:t>
+            </a:r>
+            <a:r>
+              <a:rPr kumimoji="1" lang="ja-JP" altLang="en-US"/>
+              <a:t>レベル</a:t>
+            </a:r>
+          </a:p>
+          <a:p>
+            <a:pPr lvl="2"/>
+            <a:r>
+              <a:rPr kumimoji="1" lang="ja-JP" altLang="en-US"/>
+              <a:t>第 </a:t>
+            </a:r>
+            <a:r>
+              <a:rPr kumimoji="1" lang="en-US" altLang="ja-JP"/>
+              <a:t>3 </a:t>
+            </a:r>
+            <a:r>
+              <a:rPr kumimoji="1" lang="ja-JP" altLang="en-US"/>
+              <a:t>レベル</a:t>
+            </a:r>
+          </a:p>
+          <a:p>
+            <a:pPr lvl="3"/>
+            <a:r>
+              <a:rPr kumimoji="1" lang="ja-JP" altLang="en-US"/>
+              <a:t>第 </a:t>
+            </a:r>
+            <a:r>
+              <a:rPr kumimoji="1" lang="en-US" altLang="ja-JP"/>
+              <a:t>4 </a:t>
+            </a:r>
+            <a:r>
+              <a:rPr kumimoji="1" lang="ja-JP" altLang="en-US"/>
+              <a:t>レベル</a:t>
+            </a:r>
+          </a:p>
+          <a:p>
+            <a:pPr lvl="4"/>
+            <a:r>
+              <a:rPr kumimoji="1" lang="ja-JP" altLang="en-US"/>
+              <a:t>第 </a:t>
+            </a:r>
+            <a:r>
+              <a:rPr kumimoji="1" lang="en-US" altLang="ja-JP"/>
+              <a:t>5 </a:t>
+            </a:r>
+            <a:r>
+              <a:rPr kumimoji="1" lang="ja-JP" altLang="en-US"/>
+              <a:t>レベル</a:t>
+            </a:r>
+          </a:p>
+        </p:txBody>
+      </p:sp>
+      <p:sp>
+        <p:nvSpPr>
+          <p:cNvPr id="6" name="フッター プレースホルダー 5"/>
+          <p:cNvSpPr>
+            <a:spLocks noGrp="1"/>
+          </p:cNvSpPr>
+          <p:nvPr>
+            <p:ph type="ftr" sz="quarter" idx="4"/>
+          </p:nvPr>
+        </p:nvSpPr>
+        <p:spPr>
+          <a:xfrm>
+            <a:off x="0" y="8685213"/>
+            <a:ext cx="2971800" cy="458787"/>
+          </a:xfrm>
+          <a:prstGeom prst="rect">
+            <a:avLst/>
+          </a:prstGeom>
+        </p:spPr>
+        <p:txBody>
+          <a:bodyPr vert="horz" lIns="91440" tIns="45720" rIns="91440" bIns="45720" rtlCol="0" anchor="b"/>
+          <a:lstStyle>
+            <a:lvl1pPr algn="l">
+              <a:defRPr sz="1200"/>
+            </a:lvl1pPr>
+          </a:lstStyle>
+          <a:p>
+            <a:endParaRPr kumimoji="1" lang="ja-JP" altLang="en-US"/>
+          </a:p>
+        </p:txBody>
+      </p:sp>
+      <p:sp>
+        <p:nvSpPr>
+          <p:cNvPr id="7" name="スライド番号プレースホルダー 6"/>
+          <p:cNvSpPr>
+            <a:spLocks noGrp="1"/>
+          </p:cNvSpPr>
+          <p:nvPr>
+            <p:ph type="sldNum" sz="quarter" idx="5"/>
+          </p:nvPr>
+        </p:nvSpPr>
+        <p:spPr>
+          <a:xfrm>
+            <a:off x="3884613" y="8685213"/>
+            <a:ext cx="2971800" cy="458787"/>
+          </a:xfrm>
+          <a:prstGeom prst="rect">
+            <a:avLst/>
+          </a:prstGeom>
+        </p:spPr>
+        <p:txBody>
+          <a:bodyPr vert="horz" lIns="91440" tIns="45720" rIns="91440" bIns="45720" rtlCol="0" anchor="b"/>
+          <a:lstStyle>
+            <a:lvl1pPr algn="r">
+              <a:defRPr sz="1200"/>
+            </a:lvl1pPr>
+          </a:lstStyle>
+          <a:p>
+            <a:fld id="{62B33189-E15E-4D42-B128-20FA02652FAB}" type="slidenum">
+              <a:rPr kumimoji="1" lang="ja-JP" altLang="en-US" smtClean="0"/>
+              <a:t>‹#›</a:t>
+            </a:fld>
+            <a:endParaRPr kumimoji="1" lang="ja-JP" altLang="en-US"/>
+          </a:p>
+        </p:txBody>
+      </p:sp>
+    </p:spTree>
+    <p:extLst>
+      <p:ext uri="{BB962C8B-B14F-4D97-AF65-F5344CB8AC3E}">
+        <p14:creationId xmlns:p14="http://schemas.microsoft.com/office/powerpoint/2010/main" val="2465066993"/>
+      </p:ext>
+    </p:extLst>
+  </p:cSld>
+  <p:clrMap bg1="lt1" tx1="dk1" bg2="lt2" tx2="dk2" accent1="accent1" accent2="accent2" accent3="accent3" accent4="accent4" accent5="accent5" accent6="accent6" hlink="hlink" folHlink="folHlink"/>
+  <p:notesStyle>
+    <a:lvl1pPr marL="0" algn="l" defTabSz="914400" rtl="0" eaLnBrk="1" latinLnBrk="0" hangingPunct="1">
+      <a:defRPr kumimoji="1" sz="1200" kern="1200">
+        <a:solidFill>
+          <a:schemeClr val="tx1"/>
+        </a:solidFill>
+        <a:latin typeface="+mn-lt"/>
+        <a:ea typeface="+mn-ea"/>
+        <a:cs typeface="+mn-cs"/>
+      </a:defRPr>
+    </a:lvl1pPr>
+    <a:lvl2pPr marL="457200" algn="l" defTabSz="914400" rtl="0" eaLnBrk="1" latinLnBrk="0" hangingPunct="1">
+      <a:defRPr kumimoji="1" sz="1200" kern="1200">
+        <a:solidFill>
+          <a:schemeClr val="tx1"/>
+        </a:solidFill>
+        <a:latin typeface="+mn-lt"/>
+        <a:ea typeface="+mn-ea"/>
+        <a:cs typeface="+mn-cs"/>
+      </a:defRPr>
+    </a:lvl2pPr>
+    <a:lvl3pPr marL="914400" algn="l" defTabSz="914400" rtl="0" eaLnBrk="1" latinLnBrk="0" hangingPunct="1">
+      <a:defRPr kumimoji="1" sz="1200" kern="1200">
+        <a:solidFill>
+          <a:schemeClr val="tx1"/>
+        </a:solidFill>
+        <a:latin typeface="+mn-lt"/>
+        <a:ea typeface="+mn-ea"/>
+        <a:cs typeface="+mn-cs"/>
+      </a:defRPr>
+    </a:lvl3pPr>
+    <a:lvl4pPr marL="1371600" algn="l" defTabSz="914400" rtl="0" eaLnBrk="1" latinLnBrk="0" hangingPunct="1">
+      <a:defRPr kumimoji="1" sz="1200" kern="1200">
+        <a:solidFill>
+          <a:schemeClr val="tx1"/>
+        </a:solidFill>
+        <a:latin typeface="+mn-lt"/>
+        <a:ea typeface="+mn-ea"/>
+        <a:cs typeface="+mn-cs"/>
+      </a:defRPr>
+    </a:lvl4pPr>
+    <a:lvl5pPr marL="1828800" algn="l" defTabSz="914400" rtl="0" eaLnBrk="1" latinLnBrk="0" hangingPunct="1">
+      <a:defRPr kumimoji="1" sz="1200" kern="1200">
+        <a:solidFill>
+          <a:schemeClr val="tx1"/>
+        </a:solidFill>
+        <a:latin typeface="+mn-lt"/>
+        <a:ea typeface="+mn-ea"/>
+        <a:cs typeface="+mn-cs"/>
+      </a:defRPr>
+    </a:lvl5pPr>
+    <a:lvl6pPr marL="2286000" algn="l" defTabSz="914400" rtl="0" eaLnBrk="1" latinLnBrk="0" hangingPunct="1">
+      <a:defRPr kumimoji="1" sz="1200" kern="1200">
+        <a:solidFill>
+          <a:schemeClr val="tx1"/>
+        </a:solidFill>
+        <a:latin typeface="+mn-lt"/>
+        <a:ea typeface="+mn-ea"/>
+        <a:cs typeface="+mn-cs"/>
+      </a:defRPr>
+    </a:lvl6pPr>
+    <a:lvl7pPr marL="2743200" algn="l" defTabSz="914400" rtl="0" eaLnBrk="1" latinLnBrk="0" hangingPunct="1">
+      <a:defRPr kumimoji="1" sz="1200" kern="1200">
+        <a:solidFill>
+          <a:schemeClr val="tx1"/>
+        </a:solidFill>
+        <a:latin typeface="+mn-lt"/>
+        <a:ea typeface="+mn-ea"/>
+        <a:cs typeface="+mn-cs"/>
+      </a:defRPr>
+    </a:lvl7pPr>
+    <a:lvl8pPr marL="3200400" algn="l" defTabSz="914400" rtl="0" eaLnBrk="1" latinLnBrk="0" hangingPunct="1">
+      <a:defRPr kumimoji="1" sz="1200" kern="1200">
+        <a:solidFill>
+          <a:schemeClr val="tx1"/>
+        </a:solidFill>
+        <a:latin typeface="+mn-lt"/>
+        <a:ea typeface="+mn-ea"/>
+        <a:cs typeface="+mn-cs"/>
+      </a:defRPr>
+    </a:lvl8pPr>
+    <a:lvl9pPr marL="3657600" algn="l" defTabSz="914400" rtl="0" eaLnBrk="1" latinLnBrk="0" hangingPunct="1">
+      <a:defRPr kumimoji="1" sz="1200" kern="1200">
+        <a:solidFill>
+          <a:schemeClr val="tx1"/>
+        </a:solidFill>
+        <a:latin typeface="+mn-lt"/>
+        <a:ea typeface="+mn-ea"/>
+        <a:cs typeface="+mn-cs"/>
+      </a:defRPr>
+    </a:lvl9pPr>
+  </p:notesStyle>
+</p:notesMaster>
 </file>
 
-<file path=ppt/changesInfos/changesInfo1.xml><?xml version="1.0" encoding="utf-8"?>
-<pc:chgInfo xmlns:a="http://schemas.openxmlformats.org/drawingml/2006/main" xmlns:r="http://schemas.openxmlformats.org/officeDocument/2006/relationships" xmlns:ac="http://schemas.microsoft.com/office/drawing/2013/main/command" xmlns:pc="http://schemas.microsoft.com/office/powerpoint/2013/main/command">
-  <pc:docChgLst>
-    <pc:chgData name="Fukui Shin" userId="6902ee70c48ce296" providerId="LiveId" clId="{71876CCD-038C-B241-B95D-B124F60F9931}"/>
-    <pc:docChg chg="undo custSel addSld modSld">
-      <pc:chgData name="Fukui Shin" userId="6902ee70c48ce296" providerId="LiveId" clId="{71876CCD-038C-B241-B95D-B124F60F9931}" dt="2021-11-28T20:10:36.556" v="540" actId="20577"/>
-      <pc:docMkLst>
-        <pc:docMk/>
-      </pc:docMkLst>
-      <pc:sldChg chg="modSp new mod">
-        <pc:chgData name="Fukui Shin" userId="6902ee70c48ce296" providerId="LiveId" clId="{71876CCD-038C-B241-B95D-B124F60F9931}" dt="2021-11-28T20:10:36.556" v="540" actId="20577"/>
-        <pc:sldMkLst>
-          <pc:docMk/>
-          <pc:sldMk cId="1212065946" sldId="289"/>
-        </pc:sldMkLst>
-        <pc:spChg chg="mod">
-          <ac:chgData name="Fukui Shin" userId="6902ee70c48ce296" providerId="LiveId" clId="{71876CCD-038C-B241-B95D-B124F60F9931}" dt="2021-11-28T20:03:36.341" v="48" actId="20577"/>
-          <ac:spMkLst>
-            <pc:docMk/>
-            <pc:sldMk cId="1212065946" sldId="289"/>
-            <ac:spMk id="2" creationId="{862669DD-A863-AE4A-8726-D817A9EC35DD}"/>
-          </ac:spMkLst>
-        </pc:spChg>
-        <pc:spChg chg="mod">
-          <ac:chgData name="Fukui Shin" userId="6902ee70c48ce296" providerId="LiveId" clId="{71876CCD-038C-B241-B95D-B124F60F9931}" dt="2021-11-28T20:10:36.556" v="540" actId="20577"/>
-          <ac:spMkLst>
-            <pc:docMk/>
-            <pc:sldMk cId="1212065946" sldId="289"/>
-            <ac:spMk id="3" creationId="{38995141-93AA-E14A-BC71-8290FD95D853}"/>
-          </ac:spMkLst>
-        </pc:spChg>
-      </pc:sldChg>
-    </pc:docChg>
-  </pc:docChgLst>
-  <pc:docChgLst>
-    <pc:chgData name="Fukui Shin" userId="6902ee70c48ce296" providerId="LiveId" clId="{45B1E7A5-405E-B949-93C9-105066568C4B}"/>
-    <pc:docChg chg="undo custSel addSld delSld modSld">
-      <pc:chgData name="Fukui Shin" userId="6902ee70c48ce296" providerId="LiveId" clId="{45B1E7A5-405E-B949-93C9-105066568C4B}" dt="2021-07-07T06:10:42.438" v="2646" actId="20577"/>
-      <pc:docMkLst>
-        <pc:docMk/>
-      </pc:docMkLst>
-      <pc:sldChg chg="modSp mod">
-        <pc:chgData name="Fukui Shin" userId="6902ee70c48ce296" providerId="LiveId" clId="{45B1E7A5-405E-B949-93C9-105066568C4B}" dt="2021-07-01T10:19:19.918" v="163" actId="20577"/>
-        <pc:sldMkLst>
-          <pc:docMk/>
-          <pc:sldMk cId="2432279440" sldId="257"/>
-        </pc:sldMkLst>
-        <pc:spChg chg="mod">
-          <ac:chgData name="Fukui Shin" userId="6902ee70c48ce296" providerId="LiveId" clId="{45B1E7A5-405E-B949-93C9-105066568C4B}" dt="2021-07-01T10:19:19.918" v="163" actId="20577"/>
-          <ac:spMkLst>
-            <pc:docMk/>
-            <pc:sldMk cId="2432279440" sldId="257"/>
-            <ac:spMk id="3" creationId="{05D7D93A-BA42-5D47-893C-FE41C03A53E0}"/>
-          </ac:spMkLst>
-        </pc:spChg>
-      </pc:sldChg>
-      <pc:sldChg chg="del">
-        <pc:chgData name="Fukui Shin" userId="6902ee70c48ce296" providerId="LiveId" clId="{45B1E7A5-405E-B949-93C9-105066568C4B}" dt="2021-06-21T15:45:54.544" v="80" actId="2696"/>
-        <pc:sldMkLst>
-          <pc:docMk/>
-          <pc:sldMk cId="1198899771" sldId="266"/>
-        </pc:sldMkLst>
-      </pc:sldChg>
-      <pc:sldChg chg="modSp mod">
-        <pc:chgData name="Fukui Shin" userId="6902ee70c48ce296" providerId="LiveId" clId="{45B1E7A5-405E-B949-93C9-105066568C4B}" dt="2021-07-03T08:26:30.538" v="848" actId="20577"/>
-        <pc:sldMkLst>
-          <pc:docMk/>
-          <pc:sldMk cId="1501767664" sldId="272"/>
-        </pc:sldMkLst>
-        <pc:spChg chg="mod">
-          <ac:chgData name="Fukui Shin" userId="6902ee70c48ce296" providerId="LiveId" clId="{45B1E7A5-405E-B949-93C9-105066568C4B}" dt="2021-07-03T07:59:04.927" v="165" actId="20577"/>
-          <ac:spMkLst>
-            <pc:docMk/>
-            <pc:sldMk cId="1501767664" sldId="272"/>
-            <ac:spMk id="2" creationId="{68BB739B-FF50-7947-89AB-1B70AF4DD3EA}"/>
-          </ac:spMkLst>
-        </pc:spChg>
-        <pc:spChg chg="mod">
-          <ac:chgData name="Fukui Shin" userId="6902ee70c48ce296" providerId="LiveId" clId="{45B1E7A5-405E-B949-93C9-105066568C4B}" dt="2021-07-03T08:26:30.538" v="848" actId="20577"/>
-          <ac:spMkLst>
-            <pc:docMk/>
-            <pc:sldMk cId="1501767664" sldId="272"/>
-            <ac:spMk id="3" creationId="{B7EB713B-B0D0-A347-9D4F-48B4383A8075}"/>
-          </ac:spMkLst>
-        </pc:spChg>
-      </pc:sldChg>
-      <pc:sldChg chg="modSp mod">
-        <pc:chgData name="Fukui Shin" userId="6902ee70c48ce296" providerId="LiveId" clId="{45B1E7A5-405E-B949-93C9-105066568C4B}" dt="2021-07-03T10:21:03.507" v="1525" actId="20577"/>
-        <pc:sldMkLst>
-          <pc:docMk/>
-          <pc:sldMk cId="1722450886" sldId="274"/>
-        </pc:sldMkLst>
-        <pc:spChg chg="mod">
-          <ac:chgData name="Fukui Shin" userId="6902ee70c48ce296" providerId="LiveId" clId="{45B1E7A5-405E-B949-93C9-105066568C4B}" dt="2021-07-03T08:39:13.034" v="902" actId="20577"/>
-          <ac:spMkLst>
-            <pc:docMk/>
-            <pc:sldMk cId="1722450886" sldId="274"/>
-            <ac:spMk id="2" creationId="{68BB739B-FF50-7947-89AB-1B70AF4DD3EA}"/>
-          </ac:spMkLst>
-        </pc:spChg>
-        <pc:spChg chg="mod">
-          <ac:chgData name="Fukui Shin" userId="6902ee70c48ce296" providerId="LiveId" clId="{45B1E7A5-405E-B949-93C9-105066568C4B}" dt="2021-07-03T10:21:03.507" v="1525" actId="20577"/>
-          <ac:spMkLst>
-            <pc:docMk/>
-            <pc:sldMk cId="1722450886" sldId="274"/>
-            <ac:spMk id="3" creationId="{B7EB713B-B0D0-A347-9D4F-48B4383A8075}"/>
-          </ac:spMkLst>
-        </pc:spChg>
-      </pc:sldChg>
-      <pc:sldChg chg="del">
-        <pc:chgData name="Fukui Shin" userId="6902ee70c48ce296" providerId="LiveId" clId="{45B1E7A5-405E-B949-93C9-105066568C4B}" dt="2021-07-03T08:27:27.529" v="853" actId="2696"/>
-        <pc:sldMkLst>
-          <pc:docMk/>
-          <pc:sldMk cId="3322847216" sldId="276"/>
-        </pc:sldMkLst>
-      </pc:sldChg>
-      <pc:sldChg chg="del">
-        <pc:chgData name="Fukui Shin" userId="6902ee70c48ce296" providerId="LiveId" clId="{45B1E7A5-405E-B949-93C9-105066568C4B}" dt="2021-06-21T15:46:05.443" v="81" actId="2696"/>
-        <pc:sldMkLst>
-          <pc:docMk/>
-          <pc:sldMk cId="3458342540" sldId="278"/>
-        </pc:sldMkLst>
-      </pc:sldChg>
-      <pc:sldChg chg="del">
-        <pc:chgData name="Fukui Shin" userId="6902ee70c48ce296" providerId="LiveId" clId="{45B1E7A5-405E-B949-93C9-105066568C4B}" dt="2021-06-21T15:45:54.544" v="80" actId="2696"/>
-        <pc:sldMkLst>
-          <pc:docMk/>
-          <pc:sldMk cId="323365537" sldId="279"/>
-        </pc:sldMkLst>
-      </pc:sldChg>
-      <pc:sldChg chg="modSp mod">
-        <pc:chgData name="Fukui Shin" userId="6902ee70c48ce296" providerId="LiveId" clId="{45B1E7A5-405E-B949-93C9-105066568C4B}" dt="2021-07-03T10:20:55.075" v="1521" actId="20577"/>
-        <pc:sldMkLst>
-          <pc:docMk/>
-          <pc:sldMk cId="623929723" sldId="280"/>
-        </pc:sldMkLst>
-        <pc:spChg chg="mod">
-          <ac:chgData name="Fukui Shin" userId="6902ee70c48ce296" providerId="LiveId" clId="{45B1E7A5-405E-B949-93C9-105066568C4B}" dt="2021-07-03T08:39:18.908" v="903"/>
-          <ac:spMkLst>
-            <pc:docMk/>
-            <pc:sldMk cId="623929723" sldId="280"/>
-            <ac:spMk id="2" creationId="{68BB739B-FF50-7947-89AB-1B70AF4DD3EA}"/>
-          </ac:spMkLst>
-        </pc:spChg>
-        <pc:spChg chg="mod">
-          <ac:chgData name="Fukui Shin" userId="6902ee70c48ce296" providerId="LiveId" clId="{45B1E7A5-405E-B949-93C9-105066568C4B}" dt="2021-07-03T10:20:55.075" v="1521" actId="20577"/>
-          <ac:spMkLst>
-            <pc:docMk/>
-            <pc:sldMk cId="623929723" sldId="280"/>
-            <ac:spMk id="3" creationId="{B7EB713B-B0D0-A347-9D4F-48B4383A8075}"/>
-          </ac:spMkLst>
-        </pc:spChg>
-      </pc:sldChg>
-      <pc:sldChg chg="modSp mod">
-        <pc:chgData name="Fukui Shin" userId="6902ee70c48ce296" providerId="LiveId" clId="{45B1E7A5-405E-B949-93C9-105066568C4B}" dt="2021-07-03T08:39:23.085" v="904"/>
-        <pc:sldMkLst>
-          <pc:docMk/>
-          <pc:sldMk cId="3759911444" sldId="281"/>
-        </pc:sldMkLst>
-        <pc:spChg chg="mod">
-          <ac:chgData name="Fukui Shin" userId="6902ee70c48ce296" providerId="LiveId" clId="{45B1E7A5-405E-B949-93C9-105066568C4B}" dt="2021-07-03T08:39:23.085" v="904"/>
-          <ac:spMkLst>
-            <pc:docMk/>
-            <pc:sldMk cId="3759911444" sldId="281"/>
-            <ac:spMk id="2" creationId="{68BB739B-FF50-7947-89AB-1B70AF4DD3EA}"/>
-          </ac:spMkLst>
-        </pc:spChg>
-        <pc:spChg chg="mod">
-          <ac:chgData name="Fukui Shin" userId="6902ee70c48ce296" providerId="LiveId" clId="{45B1E7A5-405E-B949-93C9-105066568C4B}" dt="2021-07-03T08:38:54.322" v="894" actId="20577"/>
-          <ac:spMkLst>
-            <pc:docMk/>
-            <pc:sldMk cId="3759911444" sldId="281"/>
-            <ac:spMk id="3" creationId="{B7EB713B-B0D0-A347-9D4F-48B4383A8075}"/>
-          </ac:spMkLst>
-        </pc:spChg>
-      </pc:sldChg>
-      <pc:sldChg chg="modSp new mod">
-        <pc:chgData name="Fukui Shin" userId="6902ee70c48ce296" providerId="LiveId" clId="{45B1E7A5-405E-B949-93C9-105066568C4B}" dt="2021-07-03T09:57:45.826" v="1473" actId="20577"/>
-        <pc:sldMkLst>
-          <pc:docMk/>
-          <pc:sldMk cId="3428185782" sldId="282"/>
-        </pc:sldMkLst>
-        <pc:spChg chg="mod">
-          <ac:chgData name="Fukui Shin" userId="6902ee70c48ce296" providerId="LiveId" clId="{45B1E7A5-405E-B949-93C9-105066568C4B}" dt="2021-07-03T08:50:07.237" v="955" actId="20577"/>
-          <ac:spMkLst>
-            <pc:docMk/>
-            <pc:sldMk cId="3428185782" sldId="282"/>
-            <ac:spMk id="2" creationId="{593893BE-BD11-5648-B363-0A47FB81D8B9}"/>
-          </ac:spMkLst>
-        </pc:spChg>
-        <pc:spChg chg="mod">
-          <ac:chgData name="Fukui Shin" userId="6902ee70c48ce296" providerId="LiveId" clId="{45B1E7A5-405E-B949-93C9-105066568C4B}" dt="2021-07-03T09:57:45.826" v="1473" actId="20577"/>
-          <ac:spMkLst>
-            <pc:docMk/>
-            <pc:sldMk cId="3428185782" sldId="282"/>
-            <ac:spMk id="3" creationId="{49E414B3-99D4-2B4A-B335-2BAEFB18D4DF}"/>
-          </ac:spMkLst>
-        </pc:spChg>
-      </pc:sldChg>
-      <pc:sldChg chg="modSp new mod">
-        <pc:chgData name="Fukui Shin" userId="6902ee70c48ce296" providerId="LiveId" clId="{45B1E7A5-405E-B949-93C9-105066568C4B}" dt="2021-07-07T06:10:42.438" v="2646" actId="20577"/>
-        <pc:sldMkLst>
-          <pc:docMk/>
-          <pc:sldMk cId="3377275839" sldId="283"/>
-        </pc:sldMkLst>
-        <pc:spChg chg="mod">
-          <ac:chgData name="Fukui Shin" userId="6902ee70c48ce296" providerId="LiveId" clId="{45B1E7A5-405E-B949-93C9-105066568C4B}" dt="2021-07-03T10:03:43.320" v="1511" actId="20577"/>
-          <ac:spMkLst>
-            <pc:docMk/>
-            <pc:sldMk cId="3377275839" sldId="283"/>
-            <ac:spMk id="2" creationId="{5B9CD8F7-9DBA-914A-85C6-EB8A0A9532EA}"/>
-          </ac:spMkLst>
-        </pc:spChg>
-        <pc:spChg chg="mod">
-          <ac:chgData name="Fukui Shin" userId="6902ee70c48ce296" providerId="LiveId" clId="{45B1E7A5-405E-B949-93C9-105066568C4B}" dt="2021-07-07T06:10:42.438" v="2646" actId="20577"/>
-          <ac:spMkLst>
-            <pc:docMk/>
-            <pc:sldMk cId="3377275839" sldId="283"/>
-            <ac:spMk id="3" creationId="{41DF497C-D459-C448-B5CA-EE91E35943B8}"/>
-          </ac:spMkLst>
-        </pc:spChg>
-      </pc:sldChg>
-    </pc:docChg>
-  </pc:docChgLst>
-  <pc:docChgLst>
-    <pc:chgData name="Fukui Shin" userId="6902ee70c48ce296" providerId="LiveId" clId="{2E44D2CA-FA2B-C94D-8AB6-439A5019DC12}"/>
-    <pc:docChg chg="undo custSel modSld">
-      <pc:chgData name="Fukui Shin" userId="6902ee70c48ce296" providerId="LiveId" clId="{2E44D2CA-FA2B-C94D-8AB6-439A5019DC12}" dt="2021-05-19T09:37:27.188" v="54" actId="20577"/>
-      <pc:docMkLst>
-        <pc:docMk/>
-      </pc:docMkLst>
-      <pc:sldChg chg="modSp mod">
-        <pc:chgData name="Fukui Shin" userId="6902ee70c48ce296" providerId="LiveId" clId="{2E44D2CA-FA2B-C94D-8AB6-439A5019DC12}" dt="2021-05-19T09:36:53.912" v="5" actId="20577"/>
-        <pc:sldMkLst>
-          <pc:docMk/>
-          <pc:sldMk cId="2432279440" sldId="257"/>
-        </pc:sldMkLst>
-        <pc:spChg chg="mod">
-          <ac:chgData name="Fukui Shin" userId="6902ee70c48ce296" providerId="LiveId" clId="{2E44D2CA-FA2B-C94D-8AB6-439A5019DC12}" dt="2021-05-19T09:36:53.912" v="5" actId="20577"/>
-          <ac:spMkLst>
-            <pc:docMk/>
-            <pc:sldMk cId="2432279440" sldId="257"/>
-            <ac:spMk id="3" creationId="{05D7D93A-BA42-5D47-893C-FE41C03A53E0}"/>
-          </ac:spMkLst>
-        </pc:spChg>
-      </pc:sldChg>
-      <pc:sldChg chg="modSp mod">
-        <pc:chgData name="Fukui Shin" userId="6902ee70c48ce296" providerId="LiveId" clId="{2E44D2CA-FA2B-C94D-8AB6-439A5019DC12}" dt="2021-05-19T09:37:27.188" v="54" actId="20577"/>
-        <pc:sldMkLst>
-          <pc:docMk/>
-          <pc:sldMk cId="323365537" sldId="279"/>
-        </pc:sldMkLst>
-        <pc:spChg chg="mod">
-          <ac:chgData name="Fukui Shin" userId="6902ee70c48ce296" providerId="LiveId" clId="{2E44D2CA-FA2B-C94D-8AB6-439A5019DC12}" dt="2021-05-19T09:37:27.188" v="54" actId="20577"/>
-          <ac:spMkLst>
-            <pc:docMk/>
-            <pc:sldMk cId="323365537" sldId="279"/>
-            <ac:spMk id="2" creationId="{530FA0D9-038A-6744-9604-B7C6B3166D65}"/>
-          </ac:spMkLst>
-        </pc:spChg>
-      </pc:sldChg>
-    </pc:docChg>
-  </pc:docChgLst>
-  <pc:docChgLst>
-    <pc:chgData name="Fukui Shin" userId="6902ee70c48ce296" providerId="LiveId" clId="{C8F55A9F-7917-5240-8DE8-05BC06FCB498}"/>
-    <pc:docChg chg="undo custSel modSld">
-      <pc:chgData name="Fukui Shin" userId="6902ee70c48ce296" providerId="LiveId" clId="{C8F55A9F-7917-5240-8DE8-05BC06FCB498}" dt="2021-11-08T07:29:24.069" v="52" actId="20577"/>
-      <pc:docMkLst>
-        <pc:docMk/>
-      </pc:docMkLst>
-      <pc:sldChg chg="modSp mod">
-        <pc:chgData name="Fukui Shin" userId="6902ee70c48ce296" providerId="LiveId" clId="{C8F55A9F-7917-5240-8DE8-05BC06FCB498}" dt="2021-11-08T07:29:24.069" v="52" actId="20577"/>
-        <pc:sldMkLst>
-          <pc:docMk/>
-          <pc:sldMk cId="2447858462" sldId="288"/>
-        </pc:sldMkLst>
-        <pc:spChg chg="mod">
-          <ac:chgData name="Fukui Shin" userId="6902ee70c48ce296" providerId="LiveId" clId="{C8F55A9F-7917-5240-8DE8-05BC06FCB498}" dt="2021-11-08T07:29:24.069" v="52" actId="20577"/>
-          <ac:spMkLst>
-            <pc:docMk/>
-            <pc:sldMk cId="2447858462" sldId="288"/>
-            <ac:spMk id="3" creationId="{7044DDCB-175D-DC41-A5AC-98AE58CE5A61}"/>
-          </ac:spMkLst>
-        </pc:spChg>
-      </pc:sldChg>
-    </pc:docChg>
-  </pc:docChgLst>
-  <pc:docChgLst>
-    <pc:chgData name="Fukui Shin" userId="6902ee70c48ce296" providerId="LiveId" clId="{FD2ABE22-F822-F64D-BF8C-980B7AF40F0E}"/>
-    <pc:docChg chg="undo redo custSel addSld delSld modSld">
-      <pc:chgData name="Fukui Shin" userId="6902ee70c48ce296" providerId="LiveId" clId="{FD2ABE22-F822-F64D-BF8C-980B7AF40F0E}" dt="2021-08-04T10:47:27.352" v="3347" actId="20577"/>
-      <pc:docMkLst>
-        <pc:docMk/>
-      </pc:docMkLst>
-      <pc:sldChg chg="modSp mod">
-        <pc:chgData name="Fukui Shin" userId="6902ee70c48ce296" providerId="LiveId" clId="{FD2ABE22-F822-F64D-BF8C-980B7AF40F0E}" dt="2021-08-03T17:49:07.210" v="1" actId="20577"/>
-        <pc:sldMkLst>
-          <pc:docMk/>
-          <pc:sldMk cId="2432279440" sldId="257"/>
-        </pc:sldMkLst>
-        <pc:spChg chg="mod">
-          <ac:chgData name="Fukui Shin" userId="6902ee70c48ce296" providerId="LiveId" clId="{FD2ABE22-F822-F64D-BF8C-980B7AF40F0E}" dt="2021-08-03T17:49:07.210" v="1" actId="20577"/>
-          <ac:spMkLst>
-            <pc:docMk/>
-            <pc:sldMk cId="2432279440" sldId="257"/>
-            <ac:spMk id="2" creationId="{9B1D7A41-B18F-4D4C-9F52-84D5CFFFCB44}"/>
-          </ac:spMkLst>
-        </pc:spChg>
-      </pc:sldChg>
-      <pc:sldChg chg="modSp mod">
-        <pc:chgData name="Fukui Shin" userId="6902ee70c48ce296" providerId="LiveId" clId="{FD2ABE22-F822-F64D-BF8C-980B7AF40F0E}" dt="2021-08-04T08:47:13.253" v="1355" actId="20577"/>
-        <pc:sldMkLst>
-          <pc:docMk/>
-          <pc:sldMk cId="1722450886" sldId="274"/>
-        </pc:sldMkLst>
-        <pc:spChg chg="mod">
-          <ac:chgData name="Fukui Shin" userId="6902ee70c48ce296" providerId="LiveId" clId="{FD2ABE22-F822-F64D-BF8C-980B7AF40F0E}" dt="2021-08-04T08:47:13.253" v="1355" actId="20577"/>
-          <ac:spMkLst>
-            <pc:docMk/>
-            <pc:sldMk cId="1722450886" sldId="274"/>
-            <ac:spMk id="3" creationId="{B7EB713B-B0D0-A347-9D4F-48B4383A8075}"/>
-          </ac:spMkLst>
-        </pc:spChg>
-      </pc:sldChg>
-      <pc:sldChg chg="modSp mod">
-        <pc:chgData name="Fukui Shin" userId="6902ee70c48ce296" providerId="LiveId" clId="{FD2ABE22-F822-F64D-BF8C-980B7AF40F0E}" dt="2021-08-04T08:46:54.579" v="1352" actId="20577"/>
-        <pc:sldMkLst>
-          <pc:docMk/>
-          <pc:sldMk cId="623929723" sldId="280"/>
-        </pc:sldMkLst>
-        <pc:spChg chg="mod">
-          <ac:chgData name="Fukui Shin" userId="6902ee70c48ce296" providerId="LiveId" clId="{FD2ABE22-F822-F64D-BF8C-980B7AF40F0E}" dt="2021-08-04T08:46:54.579" v="1352" actId="20577"/>
-          <ac:spMkLst>
-            <pc:docMk/>
-            <pc:sldMk cId="623929723" sldId="280"/>
-            <ac:spMk id="3" creationId="{B7EB713B-B0D0-A347-9D4F-48B4383A8075}"/>
-          </ac:spMkLst>
-        </pc:spChg>
-      </pc:sldChg>
-      <pc:sldChg chg="modSp mod">
-        <pc:chgData name="Fukui Shin" userId="6902ee70c48ce296" providerId="LiveId" clId="{FD2ABE22-F822-F64D-BF8C-980B7AF40F0E}" dt="2021-08-04T08:47:03.988" v="1354" actId="20577"/>
-        <pc:sldMkLst>
-          <pc:docMk/>
-          <pc:sldMk cId="3759911444" sldId="281"/>
-        </pc:sldMkLst>
-        <pc:spChg chg="mod">
-          <ac:chgData name="Fukui Shin" userId="6902ee70c48ce296" providerId="LiveId" clId="{FD2ABE22-F822-F64D-BF8C-980B7AF40F0E}" dt="2021-08-04T08:47:03.988" v="1354" actId="20577"/>
-          <ac:spMkLst>
-            <pc:docMk/>
-            <pc:sldMk cId="3759911444" sldId="281"/>
-            <ac:spMk id="3" creationId="{B7EB713B-B0D0-A347-9D4F-48B4383A8075}"/>
-          </ac:spMkLst>
-        </pc:spChg>
-      </pc:sldChg>
-      <pc:sldChg chg="modSp mod">
-        <pc:chgData name="Fukui Shin" userId="6902ee70c48ce296" providerId="LiveId" clId="{FD2ABE22-F822-F64D-BF8C-980B7AF40F0E}" dt="2021-08-04T07:23:13.161" v="1134" actId="20577"/>
-        <pc:sldMkLst>
-          <pc:docMk/>
-          <pc:sldMk cId="3428185782" sldId="282"/>
-        </pc:sldMkLst>
-        <pc:spChg chg="mod">
-          <ac:chgData name="Fukui Shin" userId="6902ee70c48ce296" providerId="LiveId" clId="{FD2ABE22-F822-F64D-BF8C-980B7AF40F0E}" dt="2021-08-04T07:23:13.161" v="1134" actId="20577"/>
-          <ac:spMkLst>
-            <pc:docMk/>
-            <pc:sldMk cId="3428185782" sldId="282"/>
-            <ac:spMk id="3" creationId="{49E414B3-99D4-2B4A-B335-2BAEFB18D4DF}"/>
-          </ac:spMkLst>
-        </pc:spChg>
-      </pc:sldChg>
-      <pc:sldChg chg="del">
-        <pc:chgData name="Fukui Shin" userId="6902ee70c48ce296" providerId="LiveId" clId="{FD2ABE22-F822-F64D-BF8C-980B7AF40F0E}" dt="2021-08-03T17:56:45.269" v="618" actId="2696"/>
-        <pc:sldMkLst>
-          <pc:docMk/>
-          <pc:sldMk cId="3377275839" sldId="283"/>
-        </pc:sldMkLst>
-      </pc:sldChg>
-      <pc:sldChg chg="modSp new mod">
-        <pc:chgData name="Fukui Shin" userId="6902ee70c48ce296" providerId="LiveId" clId="{FD2ABE22-F822-F64D-BF8C-980B7AF40F0E}" dt="2021-08-04T07:22:25.505" v="1129" actId="20577"/>
-        <pc:sldMkLst>
-          <pc:docMk/>
-          <pc:sldMk cId="2178159451" sldId="284"/>
-        </pc:sldMkLst>
-        <pc:spChg chg="mod">
-          <ac:chgData name="Fukui Shin" userId="6902ee70c48ce296" providerId="LiveId" clId="{FD2ABE22-F822-F64D-BF8C-980B7AF40F0E}" dt="2021-08-03T17:50:32.408" v="54" actId="20577"/>
-          <ac:spMkLst>
-            <pc:docMk/>
-            <pc:sldMk cId="2178159451" sldId="284"/>
-            <ac:spMk id="2" creationId="{ADD62BF2-6FF7-9842-B55F-6A8B6B522A7E}"/>
-          </ac:spMkLst>
-        </pc:spChg>
-        <pc:spChg chg="mod">
-          <ac:chgData name="Fukui Shin" userId="6902ee70c48ce296" providerId="LiveId" clId="{FD2ABE22-F822-F64D-BF8C-980B7AF40F0E}" dt="2021-08-04T07:22:25.505" v="1129" actId="20577"/>
-          <ac:spMkLst>
-            <pc:docMk/>
-            <pc:sldMk cId="2178159451" sldId="284"/>
-            <ac:spMk id="3" creationId="{1805BEF9-DE5C-E743-813A-6F4CE0125DA2}"/>
-          </ac:spMkLst>
-        </pc:spChg>
-      </pc:sldChg>
-      <pc:sldChg chg="modSp new mod">
-        <pc:chgData name="Fukui Shin" userId="6902ee70c48ce296" providerId="LiveId" clId="{FD2ABE22-F822-F64D-BF8C-980B7AF40F0E}" dt="2021-08-04T10:08:13.242" v="2067" actId="20577"/>
-        <pc:sldMkLst>
-          <pc:docMk/>
-          <pc:sldMk cId="4050706010" sldId="285"/>
-        </pc:sldMkLst>
-        <pc:spChg chg="mod">
-          <ac:chgData name="Fukui Shin" userId="6902ee70c48ce296" providerId="LiveId" clId="{FD2ABE22-F822-F64D-BF8C-980B7AF40F0E}" dt="2021-08-04T09:34:10.093" v="1888" actId="20577"/>
-          <ac:spMkLst>
-            <pc:docMk/>
-            <pc:sldMk cId="4050706010" sldId="285"/>
-            <ac:spMk id="2" creationId="{892C59F3-AD8A-C648-98CA-0C3943AE4A58}"/>
-          </ac:spMkLst>
-        </pc:spChg>
-        <pc:spChg chg="mod">
-          <ac:chgData name="Fukui Shin" userId="6902ee70c48ce296" providerId="LiveId" clId="{FD2ABE22-F822-F64D-BF8C-980B7AF40F0E}" dt="2021-08-04T10:08:13.242" v="2067" actId="20577"/>
-          <ac:spMkLst>
-            <pc:docMk/>
-            <pc:sldMk cId="4050706010" sldId="285"/>
-            <ac:spMk id="3" creationId="{2B892BED-13CC-B648-8A24-26DF1294EB9C}"/>
-          </ac:spMkLst>
-        </pc:spChg>
-      </pc:sldChg>
-      <pc:sldChg chg="addSp modSp new mod">
-        <pc:chgData name="Fukui Shin" userId="6902ee70c48ce296" providerId="LiveId" clId="{FD2ABE22-F822-F64D-BF8C-980B7AF40F0E}" dt="2021-08-04T10:47:27.352" v="3347" actId="20577"/>
-        <pc:sldMkLst>
-          <pc:docMk/>
-          <pc:sldMk cId="3976745622" sldId="286"/>
-        </pc:sldMkLst>
-        <pc:spChg chg="mod">
-          <ac:chgData name="Fukui Shin" userId="6902ee70c48ce296" providerId="LiveId" clId="{FD2ABE22-F822-F64D-BF8C-980B7AF40F0E}" dt="2021-08-04T10:36:45.309" v="2710" actId="20577"/>
-          <ac:spMkLst>
-            <pc:docMk/>
-            <pc:sldMk cId="3976745622" sldId="286"/>
-            <ac:spMk id="2" creationId="{8021A45D-E4FF-5A46-91C6-E4BEF315A871}"/>
-          </ac:spMkLst>
-        </pc:spChg>
-        <pc:spChg chg="mod">
-          <ac:chgData name="Fukui Shin" userId="6902ee70c48ce296" providerId="LiveId" clId="{FD2ABE22-F822-F64D-BF8C-980B7AF40F0E}" dt="2021-08-04T10:47:27.352" v="3347" actId="20577"/>
-          <ac:spMkLst>
-            <pc:docMk/>
-            <pc:sldMk cId="3976745622" sldId="286"/>
-            <ac:spMk id="3" creationId="{929FB2F8-884F-DB42-8889-1307E783A82A}"/>
-          </ac:spMkLst>
-        </pc:spChg>
-        <pc:spChg chg="add mod">
-          <ac:chgData name="Fukui Shin" userId="6902ee70c48ce296" providerId="LiveId" clId="{FD2ABE22-F822-F64D-BF8C-980B7AF40F0E}" dt="2021-08-04T10:44:56.682" v="3333" actId="1076"/>
-          <ac:spMkLst>
-            <pc:docMk/>
-            <pc:sldMk cId="3976745622" sldId="286"/>
-            <ac:spMk id="4" creationId="{9A0B37BF-DF44-4C49-A0C7-B382023DCA3F}"/>
-          </ac:spMkLst>
-        </pc:spChg>
-      </pc:sldChg>
-      <pc:sldChg chg="modSp new mod">
-        <pc:chgData name="Fukui Shin" userId="6902ee70c48ce296" providerId="LiveId" clId="{FD2ABE22-F822-F64D-BF8C-980B7AF40F0E}" dt="2021-08-04T10:12:26.711" v="2425" actId="20577"/>
-        <pc:sldMkLst>
-          <pc:docMk/>
-          <pc:sldMk cId="2009115823" sldId="287"/>
-        </pc:sldMkLst>
-        <pc:spChg chg="mod">
-          <ac:chgData name="Fukui Shin" userId="6902ee70c48ce296" providerId="LiveId" clId="{FD2ABE22-F822-F64D-BF8C-980B7AF40F0E}" dt="2021-08-04T10:10:33.503" v="2224" actId="20577"/>
-          <ac:spMkLst>
-            <pc:docMk/>
-            <pc:sldMk cId="2009115823" sldId="287"/>
-            <ac:spMk id="2" creationId="{F1994288-EB8E-A84F-B42C-97ABDD69EAD5}"/>
-          </ac:spMkLst>
-        </pc:spChg>
-        <pc:spChg chg="mod">
-          <ac:chgData name="Fukui Shin" userId="6902ee70c48ce296" providerId="LiveId" clId="{FD2ABE22-F822-F64D-BF8C-980B7AF40F0E}" dt="2021-08-04T10:12:26.711" v="2425" actId="20577"/>
-          <ac:spMkLst>
-            <pc:docMk/>
-            <pc:sldMk cId="2009115823" sldId="287"/>
-            <ac:spMk id="3" creationId="{F17329F4-295F-B840-A01F-3058DFA89E7D}"/>
-          </ac:spMkLst>
-        </pc:spChg>
-      </pc:sldChg>
-      <pc:sldChg chg="modSp new mod">
-        <pc:chgData name="Fukui Shin" userId="6902ee70c48ce296" providerId="LiveId" clId="{FD2ABE22-F822-F64D-BF8C-980B7AF40F0E}" dt="2021-08-04T10:42:32.979" v="3156" actId="20577"/>
-        <pc:sldMkLst>
-          <pc:docMk/>
-          <pc:sldMk cId="2447858462" sldId="288"/>
-        </pc:sldMkLst>
-        <pc:spChg chg="mod">
-          <ac:chgData name="Fukui Shin" userId="6902ee70c48ce296" providerId="LiveId" clId="{FD2ABE22-F822-F64D-BF8C-980B7AF40F0E}" dt="2021-08-04T10:12:45.828" v="2443" actId="20577"/>
-          <ac:spMkLst>
-            <pc:docMk/>
-            <pc:sldMk cId="2447858462" sldId="288"/>
-            <ac:spMk id="2" creationId="{032164F6-0F1B-1549-B553-24334B2E64E3}"/>
-          </ac:spMkLst>
-        </pc:spChg>
-        <pc:spChg chg="mod">
-          <ac:chgData name="Fukui Shin" userId="6902ee70c48ce296" providerId="LiveId" clId="{FD2ABE22-F822-F64D-BF8C-980B7AF40F0E}" dt="2021-08-04T10:42:32.979" v="3156" actId="20577"/>
-          <ac:spMkLst>
-            <pc:docMk/>
-            <pc:sldMk cId="2447858462" sldId="288"/>
-            <ac:spMk id="3" creationId="{7044DDCB-175D-DC41-A5AC-98AE58CE5A61}"/>
-          </ac:spMkLst>
-        </pc:spChg>
-      </pc:sldChg>
-    </pc:docChg>
-  </pc:docChgLst>
-  <pc:docChgLst>
-    <pc:chgData name="Fukui Shin" userId="6902ee70c48ce296" providerId="LiveId" clId="{21E98C23-A232-0046-80A9-DB8AD6915A56}"/>
-    <pc:docChg chg="modSld">
-      <pc:chgData name="Fukui Shin" userId="6902ee70c48ce296" providerId="LiveId" clId="{21E98C23-A232-0046-80A9-DB8AD6915A56}" dt="2021-11-17T03:03:44.101" v="6" actId="1076"/>
-      <pc:docMkLst>
-        <pc:docMk/>
-      </pc:docMkLst>
-      <pc:sldChg chg="addSp modSp mod">
-        <pc:chgData name="Fukui Shin" userId="6902ee70c48ce296" providerId="LiveId" clId="{21E98C23-A232-0046-80A9-DB8AD6915A56}" dt="2021-11-17T03:03:44.101" v="6" actId="1076"/>
-        <pc:sldMkLst>
-          <pc:docMk/>
-          <pc:sldMk cId="3976745622" sldId="286"/>
-        </pc:sldMkLst>
-        <pc:picChg chg="add mod">
-          <ac:chgData name="Fukui Shin" userId="6902ee70c48ce296" providerId="LiveId" clId="{21E98C23-A232-0046-80A9-DB8AD6915A56}" dt="2021-11-17T03:03:44.101" v="6" actId="1076"/>
-          <ac:picMkLst>
-            <pc:docMk/>
-            <pc:sldMk cId="3976745622" sldId="286"/>
-            <ac:picMk id="5" creationId="{4A6777C8-1A2C-304D-B190-F0372F1983D3}"/>
-          </ac:picMkLst>
-        </pc:picChg>
-      </pc:sldChg>
-    </pc:docChg>
-  </pc:docChgLst>
-  <pc:docChgLst>
-    <pc:chgData name="Fukui Shin" userId="6902ee70c48ce296" providerId="LiveId" clId="{123394F6-812E-F94C-B0FC-3923E8ACF34A}"/>
-    <pc:docChg chg="undo custSel addSld delSld modSld">
-      <pc:chgData name="Fukui Shin" userId="6902ee70c48ce296" providerId="LiveId" clId="{123394F6-812E-F94C-B0FC-3923E8ACF34A}" dt="2021-05-21T11:14:00.723" v="667" actId="20577"/>
-      <pc:docMkLst>
-        <pc:docMk/>
-      </pc:docMkLst>
-      <pc:sldChg chg="modSp mod">
-        <pc:chgData name="Fukui Shin" userId="6902ee70c48ce296" providerId="LiveId" clId="{123394F6-812E-F94C-B0FC-3923E8ACF34A}" dt="2021-05-21T11:14:00.723" v="667" actId="20577"/>
-        <pc:sldMkLst>
-          <pc:docMk/>
-          <pc:sldMk cId="2432279440" sldId="257"/>
-        </pc:sldMkLst>
-        <pc:spChg chg="mod">
-          <ac:chgData name="Fukui Shin" userId="6902ee70c48ce296" providerId="LiveId" clId="{123394F6-812E-F94C-B0FC-3923E8ACF34A}" dt="2021-05-20T05:19:41.528" v="1" actId="20577"/>
-          <ac:spMkLst>
-            <pc:docMk/>
-            <pc:sldMk cId="2432279440" sldId="257"/>
-            <ac:spMk id="2" creationId="{9B1D7A41-B18F-4D4C-9F52-84D5CFFFCB44}"/>
-          </ac:spMkLst>
-        </pc:spChg>
-        <pc:spChg chg="mod">
-          <ac:chgData name="Fukui Shin" userId="6902ee70c48ce296" providerId="LiveId" clId="{123394F6-812E-F94C-B0FC-3923E8ACF34A}" dt="2021-05-21T11:14:00.723" v="667" actId="20577"/>
-          <ac:spMkLst>
-            <pc:docMk/>
-            <pc:sldMk cId="2432279440" sldId="257"/>
-            <ac:spMk id="3" creationId="{05D7D93A-BA42-5D47-893C-FE41C03A53E0}"/>
-          </ac:spMkLst>
-        </pc:spChg>
-      </pc:sldChg>
-      <pc:sldChg chg="del">
-        <pc:chgData name="Fukui Shin" userId="6902ee70c48ce296" providerId="LiveId" clId="{123394F6-812E-F94C-B0FC-3923E8ACF34A}" dt="2021-05-21T11:12:10.209" v="562" actId="2696"/>
-        <pc:sldMkLst>
-          <pc:docMk/>
-          <pc:sldMk cId="3601736904" sldId="271"/>
-        </pc:sldMkLst>
-      </pc:sldChg>
-      <pc:sldChg chg="modSp mod">
-        <pc:chgData name="Fukui Shin" userId="6902ee70c48ce296" providerId="LiveId" clId="{123394F6-812E-F94C-B0FC-3923E8ACF34A}" dt="2021-05-21T11:09:48.102" v="548" actId="20577"/>
-        <pc:sldMkLst>
-          <pc:docMk/>
-          <pc:sldMk cId="1501767664" sldId="272"/>
-        </pc:sldMkLst>
-        <pc:spChg chg="mod">
-          <ac:chgData name="Fukui Shin" userId="6902ee70c48ce296" providerId="LiveId" clId="{123394F6-812E-F94C-B0FC-3923E8ACF34A}" dt="2021-05-21T11:09:48.102" v="548" actId="20577"/>
-          <ac:spMkLst>
-            <pc:docMk/>
-            <pc:sldMk cId="1501767664" sldId="272"/>
-            <ac:spMk id="3" creationId="{B7EB713B-B0D0-A347-9D4F-48B4383A8075}"/>
-          </ac:spMkLst>
-        </pc:spChg>
-      </pc:sldChg>
-      <pc:sldChg chg="modSp mod">
-        <pc:chgData name="Fukui Shin" userId="6902ee70c48ce296" providerId="LiveId" clId="{123394F6-812E-F94C-B0FC-3923E8ACF34A}" dt="2021-05-21T11:11:39.725" v="555" actId="207"/>
-        <pc:sldMkLst>
-          <pc:docMk/>
-          <pc:sldMk cId="1722450886" sldId="274"/>
-        </pc:sldMkLst>
-        <pc:spChg chg="mod">
-          <ac:chgData name="Fukui Shin" userId="6902ee70c48ce296" providerId="LiveId" clId="{123394F6-812E-F94C-B0FC-3923E8ACF34A}" dt="2021-05-21T11:11:39.725" v="555" actId="207"/>
-          <ac:spMkLst>
-            <pc:docMk/>
-            <pc:sldMk cId="1722450886" sldId="274"/>
-            <ac:spMk id="3" creationId="{B7EB713B-B0D0-A347-9D4F-48B4383A8075}"/>
-          </ac:spMkLst>
-        </pc:spChg>
-      </pc:sldChg>
-      <pc:sldChg chg="modSp mod">
-        <pc:chgData name="Fukui Shin" userId="6902ee70c48ce296" providerId="LiveId" clId="{123394F6-812E-F94C-B0FC-3923E8ACF34A}" dt="2021-05-21T11:13:21.762" v="650" actId="20577"/>
-        <pc:sldMkLst>
-          <pc:docMk/>
-          <pc:sldMk cId="3322847216" sldId="276"/>
-        </pc:sldMkLst>
-        <pc:spChg chg="mod">
-          <ac:chgData name="Fukui Shin" userId="6902ee70c48ce296" providerId="LiveId" clId="{123394F6-812E-F94C-B0FC-3923E8ACF34A}" dt="2021-05-21T11:13:21.762" v="650" actId="20577"/>
-          <ac:spMkLst>
-            <pc:docMk/>
-            <pc:sldMk cId="3322847216" sldId="276"/>
-            <ac:spMk id="3" creationId="{B7EB713B-B0D0-A347-9D4F-48B4383A8075}"/>
-          </ac:spMkLst>
-        </pc:spChg>
-      </pc:sldChg>
-      <pc:sldChg chg="modSp mod">
-        <pc:chgData name="Fukui Shin" userId="6902ee70c48ce296" providerId="LiveId" clId="{123394F6-812E-F94C-B0FC-3923E8ACF34A}" dt="2021-05-21T10:31:14.371" v="370" actId="1038"/>
-        <pc:sldMkLst>
-          <pc:docMk/>
-          <pc:sldMk cId="3458342540" sldId="278"/>
-        </pc:sldMkLst>
-        <pc:picChg chg="mod">
-          <ac:chgData name="Fukui Shin" userId="6902ee70c48ce296" providerId="LiveId" clId="{123394F6-812E-F94C-B0FC-3923E8ACF34A}" dt="2021-05-21T10:31:11.784" v="368" actId="1038"/>
-          <ac:picMkLst>
-            <pc:docMk/>
-            <pc:sldMk cId="3458342540" sldId="278"/>
-            <ac:picMk id="29" creationId="{754225A0-B928-CB44-98B5-60BBF7110E2C}"/>
-          </ac:picMkLst>
-        </pc:picChg>
-        <pc:picChg chg="mod">
-          <ac:chgData name="Fukui Shin" userId="6902ee70c48ce296" providerId="LiveId" clId="{123394F6-812E-F94C-B0FC-3923E8ACF34A}" dt="2021-05-21T10:31:14.371" v="370" actId="1038"/>
-          <ac:picMkLst>
-            <pc:docMk/>
-            <pc:sldMk cId="3458342540" sldId="278"/>
-            <ac:picMk id="30" creationId="{AD831808-B008-9B4E-A0F1-651865E2E238}"/>
-          </ac:picMkLst>
-        </pc:picChg>
-      </pc:sldChg>
-      <pc:sldChg chg="modSp mod">
-        <pc:chgData name="Fukui Shin" userId="6902ee70c48ce296" providerId="LiveId" clId="{123394F6-812E-F94C-B0FC-3923E8ACF34A}" dt="2021-05-21T11:09:05.627" v="520" actId="20577"/>
-        <pc:sldMkLst>
-          <pc:docMk/>
-          <pc:sldMk cId="323365537" sldId="279"/>
-        </pc:sldMkLst>
-        <pc:spChg chg="mod">
-          <ac:chgData name="Fukui Shin" userId="6902ee70c48ce296" providerId="LiveId" clId="{123394F6-812E-F94C-B0FC-3923E8ACF34A}" dt="2021-05-21T11:09:05.627" v="520" actId="20577"/>
-          <ac:spMkLst>
-            <pc:docMk/>
-            <pc:sldMk cId="323365537" sldId="279"/>
-            <ac:spMk id="3" creationId="{13EA0912-FE78-7647-A2F6-DD372D7B2FCA}"/>
-          </ac:spMkLst>
-        </pc:spChg>
-      </pc:sldChg>
-      <pc:sldChg chg="modSp add mod">
-        <pc:chgData name="Fukui Shin" userId="6902ee70c48ce296" providerId="LiveId" clId="{123394F6-812E-F94C-B0FC-3923E8ACF34A}" dt="2021-05-21T11:11:53.214" v="558" actId="207"/>
-        <pc:sldMkLst>
-          <pc:docMk/>
-          <pc:sldMk cId="623929723" sldId="280"/>
-        </pc:sldMkLst>
-        <pc:spChg chg="mod">
-          <ac:chgData name="Fukui Shin" userId="6902ee70c48ce296" providerId="LiveId" clId="{123394F6-812E-F94C-B0FC-3923E8ACF34A}" dt="2021-05-21T11:11:53.214" v="558" actId="207"/>
-          <ac:spMkLst>
-            <pc:docMk/>
-            <pc:sldMk cId="623929723" sldId="280"/>
-            <ac:spMk id="3" creationId="{B7EB713B-B0D0-A347-9D4F-48B4383A8075}"/>
-          </ac:spMkLst>
-        </pc:spChg>
-      </pc:sldChg>
-      <pc:sldChg chg="modSp add mod">
-        <pc:chgData name="Fukui Shin" userId="6902ee70c48ce296" providerId="LiveId" clId="{123394F6-812E-F94C-B0FC-3923E8ACF34A}" dt="2021-05-21T11:12:06.643" v="561" actId="207"/>
-        <pc:sldMkLst>
-          <pc:docMk/>
-          <pc:sldMk cId="3759911444" sldId="281"/>
-        </pc:sldMkLst>
-        <pc:spChg chg="mod">
-          <ac:chgData name="Fukui Shin" userId="6902ee70c48ce296" providerId="LiveId" clId="{123394F6-812E-F94C-B0FC-3923E8ACF34A}" dt="2021-05-21T11:12:06.643" v="561" actId="207"/>
-          <ac:spMkLst>
-            <pc:docMk/>
-            <pc:sldMk cId="3759911444" sldId="281"/>
-            <ac:spMk id="3" creationId="{B7EB713B-B0D0-A347-9D4F-48B4383A8075}"/>
-          </ac:spMkLst>
-        </pc:spChg>
-      </pc:sldChg>
-    </pc:docChg>
-  </pc:docChgLst>
-</pc:chgInfo>
+<file path=ppt/notesSlides/notesSlide1.xml><?xml version="1.0" encoding="utf-8"?>
+<p:notes xmlns:a="http://schemas.openxmlformats.org/drawingml/2006/main" xmlns:r="http://schemas.openxmlformats.org/officeDocument/2006/relationships" xmlns:p="http://schemas.openxmlformats.org/presentationml/2006/main">
+  <p:cSld>
+    <p:spTree>
+      <p:nvGrpSpPr>
+        <p:cNvPr id="1" name=""/>
+        <p:cNvGrpSpPr/>
+        <p:nvPr/>
+      </p:nvGrpSpPr>
+      <p:grpSpPr>
+        <a:xfrm>
+          <a:off x="0" y="0"/>
+          <a:ext cx="0" cy="0"/>
+          <a:chOff x="0" y="0"/>
+          <a:chExt cx="0" cy="0"/>
+        </a:xfrm>
+      </p:grpSpPr>
+      <p:sp>
+        <p:nvSpPr>
+          <p:cNvPr id="2" name="スライド イメージ プレースホルダー 1"/>
+          <p:cNvSpPr>
+            <a:spLocks noGrp="1" noRot="1" noChangeAspect="1"/>
+          </p:cNvSpPr>
+          <p:nvPr>
+            <p:ph type="sldImg"/>
+          </p:nvPr>
+        </p:nvSpPr>
+        <p:spPr/>
+      </p:sp>
+      <p:sp>
+        <p:nvSpPr>
+          <p:cNvPr id="3" name="ノート プレースホルダー 2"/>
+          <p:cNvSpPr>
+            <a:spLocks noGrp="1"/>
+          </p:cNvSpPr>
+          <p:nvPr>
+            <p:ph type="body" idx="1"/>
+          </p:nvPr>
+        </p:nvSpPr>
+        <p:spPr/>
+        <p:txBody>
+          <a:bodyPr/>
+          <a:lstStyle/>
+          <a:p>
+            <a:endParaRPr kumimoji="1" lang="ja-JP" altLang="en-US"/>
+          </a:p>
+        </p:txBody>
+      </p:sp>
+      <p:sp>
+        <p:nvSpPr>
+          <p:cNvPr id="4" name="スライド番号プレースホルダー 3"/>
+          <p:cNvSpPr>
+            <a:spLocks noGrp="1"/>
+          </p:cNvSpPr>
+          <p:nvPr>
+            <p:ph type="sldNum" sz="quarter" idx="5"/>
+          </p:nvPr>
+        </p:nvSpPr>
+        <p:spPr/>
+        <p:txBody>
+          <a:bodyPr/>
+          <a:lstStyle/>
+          <a:p>
+            <a:fld id="{62B33189-E15E-4D42-B128-20FA02652FAB}" type="slidenum">
+              <a:rPr kumimoji="1" lang="ja-JP" altLang="en-US" smtClean="0"/>
+              <a:t>5</a:t>
+            </a:fld>
+            <a:endParaRPr kumimoji="1" lang="ja-JP" altLang="en-US"/>
+          </a:p>
+        </p:txBody>
+      </p:sp>
+    </p:spTree>
+    <p:extLst>
+      <p:ext uri="{BB962C8B-B14F-4D97-AF65-F5344CB8AC3E}">
+        <p14:creationId xmlns:p14="http://schemas.microsoft.com/office/powerpoint/2010/main" val="979282913"/>
+      </p:ext>
+    </p:extLst>
+  </p:cSld>
+  <p:clrMapOvr>
+    <a:masterClrMapping/>
+  </p:clrMapOvr>
+</p:notes>
+</file>
+
+<file path=ppt/notesSlides/notesSlide2.xml><?xml version="1.0" encoding="utf-8"?>
+<p:notes xmlns:a="http://schemas.openxmlformats.org/drawingml/2006/main" xmlns:r="http://schemas.openxmlformats.org/officeDocument/2006/relationships" xmlns:p="http://schemas.openxmlformats.org/presentationml/2006/main">
+  <p:cSld>
+    <p:spTree>
+      <p:nvGrpSpPr>
+        <p:cNvPr id="1" name=""/>
+        <p:cNvGrpSpPr/>
+        <p:nvPr/>
+      </p:nvGrpSpPr>
+      <p:grpSpPr>
+        <a:xfrm>
+          <a:off x="0" y="0"/>
+          <a:ext cx="0" cy="0"/>
+          <a:chOff x="0" y="0"/>
+          <a:chExt cx="0" cy="0"/>
+        </a:xfrm>
+      </p:grpSpPr>
+      <p:sp>
+        <p:nvSpPr>
+          <p:cNvPr id="2" name="スライド イメージ プレースホルダー 1"/>
+          <p:cNvSpPr>
+            <a:spLocks noGrp="1" noRot="1" noChangeAspect="1"/>
+          </p:cNvSpPr>
+          <p:nvPr>
+            <p:ph type="sldImg"/>
+          </p:nvPr>
+        </p:nvSpPr>
+        <p:spPr/>
+      </p:sp>
+      <p:sp>
+        <p:nvSpPr>
+          <p:cNvPr id="3" name="ノート プレースホルダー 2"/>
+          <p:cNvSpPr>
+            <a:spLocks noGrp="1"/>
+          </p:cNvSpPr>
+          <p:nvPr>
+            <p:ph type="body" idx="1"/>
+          </p:nvPr>
+        </p:nvSpPr>
+        <p:spPr/>
+        <p:txBody>
+          <a:bodyPr/>
+          <a:lstStyle/>
+          <a:p>
+            <a:endParaRPr kumimoji="1" lang="ja-JP" altLang="en-US"/>
+          </a:p>
+        </p:txBody>
+      </p:sp>
+      <p:sp>
+        <p:nvSpPr>
+          <p:cNvPr id="4" name="スライド番号プレースホルダー 3"/>
+          <p:cNvSpPr>
+            <a:spLocks noGrp="1"/>
+          </p:cNvSpPr>
+          <p:nvPr>
+            <p:ph type="sldNum" sz="quarter" idx="5"/>
+          </p:nvPr>
+        </p:nvSpPr>
+        <p:spPr/>
+        <p:txBody>
+          <a:bodyPr/>
+          <a:lstStyle/>
+          <a:p>
+            <a:fld id="{62B33189-E15E-4D42-B128-20FA02652FAB}" type="slidenum">
+              <a:rPr kumimoji="1" lang="ja-JP" altLang="en-US" smtClean="0"/>
+              <a:t>6</a:t>
+            </a:fld>
+            <a:endParaRPr kumimoji="1" lang="ja-JP" altLang="en-US"/>
+          </a:p>
+        </p:txBody>
+      </p:sp>
+    </p:spTree>
+    <p:extLst>
+      <p:ext uri="{BB962C8B-B14F-4D97-AF65-F5344CB8AC3E}">
+        <p14:creationId xmlns:p14="http://schemas.microsoft.com/office/powerpoint/2010/main" val="3803165349"/>
+      </p:ext>
+    </p:extLst>
+  </p:cSld>
+  <p:clrMapOvr>
+    <a:masterClrMapping/>
+  </p:clrMapOvr>
+</p:notes>
 </file>
 
 <file path=ppt/slideLayouts/slideLayout1.xml><?xml version="1.0" encoding="utf-8"?>
@@ -833,7 +691,7 @@
           <p:cNvPr id="2" name="タイトル 1">
             <a:extLst>
               <a:ext uri="{FF2B5EF4-FFF2-40B4-BE49-F238E27FC236}">
-                <a16:creationId xmlns:a16="http://schemas.microsoft.com/office/drawing/2014/main" id="{19261B2C-1B08-5B4E-902C-C60DF6705A5D}"/>
+                <a16:creationId xmlns:a16="http://schemas.microsoft.com/office/drawing/2014/main" id="{4F491AC4-AE59-3E48-BDFE-925A32F72B7F}"/>
               </a:ext>
             </a:extLst>
           </p:cNvPr>
@@ -870,7 +728,7 @@
           <p:cNvPr id="3" name="字幕 2">
             <a:extLst>
               <a:ext uri="{FF2B5EF4-FFF2-40B4-BE49-F238E27FC236}">
-                <a16:creationId xmlns:a16="http://schemas.microsoft.com/office/drawing/2014/main" id="{217D8C11-0190-414F-A740-954E8CF97E69}"/>
+                <a16:creationId xmlns:a16="http://schemas.microsoft.com/office/drawing/2014/main" id="{43E0B7FE-32B0-8347-AE79-58B93447A3DF}"/>
               </a:ext>
             </a:extLst>
           </p:cNvPr>
@@ -940,7 +798,7 @@
           <p:cNvPr id="4" name="日付プレースホルダー 3">
             <a:extLst>
               <a:ext uri="{FF2B5EF4-FFF2-40B4-BE49-F238E27FC236}">
-                <a16:creationId xmlns:a16="http://schemas.microsoft.com/office/drawing/2014/main" id="{E6CA9B3B-9FAF-3740-9231-6B322C74915A}"/>
+                <a16:creationId xmlns:a16="http://schemas.microsoft.com/office/drawing/2014/main" id="{38C937EF-53FC-7043-A0E5-86B4592FA9E6}"/>
               </a:ext>
             </a:extLst>
           </p:cNvPr>
@@ -956,7 +814,7 @@
           <a:bodyPr/>
           <a:lstStyle/>
           <a:p>
-            <a:fld id="{B9148E87-D767-4243-9E31-2E6D394C8567}" type="datetimeFigureOut">
+            <a:fld id="{F13AAFB1-E51D-594B-AD26-63146CF050D6}" type="datetimeFigureOut">
               <a:rPr kumimoji="1" lang="ja-JP" altLang="en-US" smtClean="0"/>
               <a:t>2021/11/29</a:t>
             </a:fld>
@@ -969,7 +827,7 @@
           <p:cNvPr id="5" name="フッター プレースホルダー 4">
             <a:extLst>
               <a:ext uri="{FF2B5EF4-FFF2-40B4-BE49-F238E27FC236}">
-                <a16:creationId xmlns:a16="http://schemas.microsoft.com/office/drawing/2014/main" id="{CF5C0E9E-5B01-9F4E-AAC0-D6FAE2F7FD69}"/>
+                <a16:creationId xmlns:a16="http://schemas.microsoft.com/office/drawing/2014/main" id="{8D5540C5-F05B-0E4D-94DD-E5BB13703030}"/>
               </a:ext>
             </a:extLst>
           </p:cNvPr>
@@ -994,7 +852,7 @@
           <p:cNvPr id="6" name="スライド番号プレースホルダー 5">
             <a:extLst>
               <a:ext uri="{FF2B5EF4-FFF2-40B4-BE49-F238E27FC236}">
-                <a16:creationId xmlns:a16="http://schemas.microsoft.com/office/drawing/2014/main" id="{320FDD68-E289-C74B-BF1D-A30E4366D362}"/>
+                <a16:creationId xmlns:a16="http://schemas.microsoft.com/office/drawing/2014/main" id="{C6959662-6E04-6F4F-81D8-CCB15046FA91}"/>
               </a:ext>
             </a:extLst>
           </p:cNvPr>
@@ -1010,7 +868,7 @@
           <a:bodyPr/>
           <a:lstStyle/>
           <a:p>
-            <a:fld id="{36B086C5-84CE-0244-A96A-F90743B3D0F1}" type="slidenum">
+            <a:fld id="{B283C9FD-EDE8-6042-B3E0-B1563EC930DE}" type="slidenum">
               <a:rPr kumimoji="1" lang="ja-JP" altLang="en-US" smtClean="0"/>
               <a:t>‹#›</a:t>
             </a:fld>
@@ -1021,7 +879,7 @@
     </p:spTree>
     <p:extLst>
       <p:ext uri="{BB962C8B-B14F-4D97-AF65-F5344CB8AC3E}">
-        <p14:creationId xmlns:p14="http://schemas.microsoft.com/office/powerpoint/2010/main" val="162196146"/>
+        <p14:creationId xmlns:p14="http://schemas.microsoft.com/office/powerpoint/2010/main" val="1510352733"/>
       </p:ext>
     </p:extLst>
   </p:cSld>
@@ -1053,7 +911,7 @@
           <p:cNvPr id="2" name="タイトル 1">
             <a:extLst>
               <a:ext uri="{FF2B5EF4-FFF2-40B4-BE49-F238E27FC236}">
-                <a16:creationId xmlns:a16="http://schemas.microsoft.com/office/drawing/2014/main" id="{E5B1D9D3-7AA3-3648-92AF-435686827C95}"/>
+                <a16:creationId xmlns:a16="http://schemas.microsoft.com/office/drawing/2014/main" id="{109F0BD2-641A-DD49-9E50-130E22D68AFB}"/>
               </a:ext>
             </a:extLst>
           </p:cNvPr>
@@ -1081,7 +939,7 @@
           <p:cNvPr id="3" name="縦書きテキスト プレースホルダー 2">
             <a:extLst>
               <a:ext uri="{FF2B5EF4-FFF2-40B4-BE49-F238E27FC236}">
-                <a16:creationId xmlns:a16="http://schemas.microsoft.com/office/drawing/2014/main" id="{59196EE4-893E-AC45-B05A-7EF58AC456CA}"/>
+                <a16:creationId xmlns:a16="http://schemas.microsoft.com/office/drawing/2014/main" id="{9C7AC504-89D6-934C-A444-87D38C6C2225}"/>
               </a:ext>
             </a:extLst>
           </p:cNvPr>
@@ -1170,7 +1028,7 @@
           <p:cNvPr id="4" name="日付プレースホルダー 3">
             <a:extLst>
               <a:ext uri="{FF2B5EF4-FFF2-40B4-BE49-F238E27FC236}">
-                <a16:creationId xmlns:a16="http://schemas.microsoft.com/office/drawing/2014/main" id="{35A6F7DB-7D41-AD4B-BB59-FC4D762BCFE7}"/>
+                <a16:creationId xmlns:a16="http://schemas.microsoft.com/office/drawing/2014/main" id="{CED4B28E-6E11-C24C-8925-BC9F53B937DE}"/>
               </a:ext>
             </a:extLst>
           </p:cNvPr>
@@ -1186,7 +1044,7 @@
           <a:bodyPr/>
           <a:lstStyle/>
           <a:p>
-            <a:fld id="{B9148E87-D767-4243-9E31-2E6D394C8567}" type="datetimeFigureOut">
+            <a:fld id="{F13AAFB1-E51D-594B-AD26-63146CF050D6}" type="datetimeFigureOut">
               <a:rPr kumimoji="1" lang="ja-JP" altLang="en-US" smtClean="0"/>
               <a:t>2021/11/29</a:t>
             </a:fld>
@@ -1199,7 +1057,7 @@
           <p:cNvPr id="5" name="フッター プレースホルダー 4">
             <a:extLst>
               <a:ext uri="{FF2B5EF4-FFF2-40B4-BE49-F238E27FC236}">
-                <a16:creationId xmlns:a16="http://schemas.microsoft.com/office/drawing/2014/main" id="{07A0225D-A281-1E42-A2F6-35265889706C}"/>
+                <a16:creationId xmlns:a16="http://schemas.microsoft.com/office/drawing/2014/main" id="{CCD6906A-49EA-214C-BB19-500AAA8787A8}"/>
               </a:ext>
             </a:extLst>
           </p:cNvPr>
@@ -1224,7 +1082,7 @@
           <p:cNvPr id="6" name="スライド番号プレースホルダー 5">
             <a:extLst>
               <a:ext uri="{FF2B5EF4-FFF2-40B4-BE49-F238E27FC236}">
-                <a16:creationId xmlns:a16="http://schemas.microsoft.com/office/drawing/2014/main" id="{25AC29A7-F6E0-AF47-9416-70E595DFD110}"/>
+                <a16:creationId xmlns:a16="http://schemas.microsoft.com/office/drawing/2014/main" id="{9308D596-DA33-0B49-87EA-2DA587F43D2D}"/>
               </a:ext>
             </a:extLst>
           </p:cNvPr>
@@ -1240,7 +1098,7 @@
           <a:bodyPr/>
           <a:lstStyle/>
           <a:p>
-            <a:fld id="{36B086C5-84CE-0244-A96A-F90743B3D0F1}" type="slidenum">
+            <a:fld id="{B283C9FD-EDE8-6042-B3E0-B1563EC930DE}" type="slidenum">
               <a:rPr kumimoji="1" lang="ja-JP" altLang="en-US" smtClean="0"/>
               <a:t>‹#›</a:t>
             </a:fld>
@@ -1251,7 +1109,7 @@
     </p:spTree>
     <p:extLst>
       <p:ext uri="{BB962C8B-B14F-4D97-AF65-F5344CB8AC3E}">
-        <p14:creationId xmlns:p14="http://schemas.microsoft.com/office/powerpoint/2010/main" val="321736289"/>
+        <p14:creationId xmlns:p14="http://schemas.microsoft.com/office/powerpoint/2010/main" val="504424144"/>
       </p:ext>
     </p:extLst>
   </p:cSld>
@@ -1283,7 +1141,7 @@
           <p:cNvPr id="2" name="縦書きタイトル 1">
             <a:extLst>
               <a:ext uri="{FF2B5EF4-FFF2-40B4-BE49-F238E27FC236}">
-                <a16:creationId xmlns:a16="http://schemas.microsoft.com/office/drawing/2014/main" id="{04909E83-6322-224A-AA0A-298EA897BF1C}"/>
+                <a16:creationId xmlns:a16="http://schemas.microsoft.com/office/drawing/2014/main" id="{537EE95A-3CE2-CD4F-9F8D-E23E9EB6E264}"/>
               </a:ext>
             </a:extLst>
           </p:cNvPr>
@@ -1316,7 +1174,7 @@
           <p:cNvPr id="3" name="縦書きテキスト プレースホルダー 2">
             <a:extLst>
               <a:ext uri="{FF2B5EF4-FFF2-40B4-BE49-F238E27FC236}">
-                <a16:creationId xmlns:a16="http://schemas.microsoft.com/office/drawing/2014/main" id="{5D03CC5D-460C-7C44-A471-5599B89B5682}"/>
+                <a16:creationId xmlns:a16="http://schemas.microsoft.com/office/drawing/2014/main" id="{C010A379-A804-E94D-B38A-FEF86D0524E5}"/>
               </a:ext>
             </a:extLst>
           </p:cNvPr>
@@ -1410,7 +1268,7 @@
           <p:cNvPr id="4" name="日付プレースホルダー 3">
             <a:extLst>
               <a:ext uri="{FF2B5EF4-FFF2-40B4-BE49-F238E27FC236}">
-                <a16:creationId xmlns:a16="http://schemas.microsoft.com/office/drawing/2014/main" id="{A3212850-053D-1D4F-B04A-93557592912C}"/>
+                <a16:creationId xmlns:a16="http://schemas.microsoft.com/office/drawing/2014/main" id="{E3F00563-CBFC-1742-AAAA-55090D61D770}"/>
               </a:ext>
             </a:extLst>
           </p:cNvPr>
@@ -1426,7 +1284,7 @@
           <a:bodyPr/>
           <a:lstStyle/>
           <a:p>
-            <a:fld id="{B9148E87-D767-4243-9E31-2E6D394C8567}" type="datetimeFigureOut">
+            <a:fld id="{F13AAFB1-E51D-594B-AD26-63146CF050D6}" type="datetimeFigureOut">
               <a:rPr kumimoji="1" lang="ja-JP" altLang="en-US" smtClean="0"/>
               <a:t>2021/11/29</a:t>
             </a:fld>
@@ -1439,7 +1297,7 @@
           <p:cNvPr id="5" name="フッター プレースホルダー 4">
             <a:extLst>
               <a:ext uri="{FF2B5EF4-FFF2-40B4-BE49-F238E27FC236}">
-                <a16:creationId xmlns:a16="http://schemas.microsoft.com/office/drawing/2014/main" id="{9026818D-9F19-E341-BAA9-90F0C58E80D7}"/>
+                <a16:creationId xmlns:a16="http://schemas.microsoft.com/office/drawing/2014/main" id="{38F87659-E383-CD45-820C-4A436CC2F47C}"/>
               </a:ext>
             </a:extLst>
           </p:cNvPr>
@@ -1464,7 +1322,7 @@
           <p:cNvPr id="6" name="スライド番号プレースホルダー 5">
             <a:extLst>
               <a:ext uri="{FF2B5EF4-FFF2-40B4-BE49-F238E27FC236}">
-                <a16:creationId xmlns:a16="http://schemas.microsoft.com/office/drawing/2014/main" id="{11DB6550-B3AB-F54E-9F40-EC0ACA1C937C}"/>
+                <a16:creationId xmlns:a16="http://schemas.microsoft.com/office/drawing/2014/main" id="{882D9D3D-1727-E14C-AB48-AFBBE6E4642D}"/>
               </a:ext>
             </a:extLst>
           </p:cNvPr>
@@ -1480,7 +1338,7 @@
           <a:bodyPr/>
           <a:lstStyle/>
           <a:p>
-            <a:fld id="{36B086C5-84CE-0244-A96A-F90743B3D0F1}" type="slidenum">
+            <a:fld id="{B283C9FD-EDE8-6042-B3E0-B1563EC930DE}" type="slidenum">
               <a:rPr kumimoji="1" lang="ja-JP" altLang="en-US" smtClean="0"/>
               <a:t>‹#›</a:t>
             </a:fld>
@@ -1491,7 +1349,7 @@
     </p:spTree>
     <p:extLst>
       <p:ext uri="{BB962C8B-B14F-4D97-AF65-F5344CB8AC3E}">
-        <p14:creationId xmlns:p14="http://schemas.microsoft.com/office/powerpoint/2010/main" val="3235606318"/>
+        <p14:creationId xmlns:p14="http://schemas.microsoft.com/office/powerpoint/2010/main" val="2680499214"/>
       </p:ext>
     </p:extLst>
   </p:cSld>
@@ -1523,7 +1381,7 @@
           <p:cNvPr id="2" name="タイトル 1">
             <a:extLst>
               <a:ext uri="{FF2B5EF4-FFF2-40B4-BE49-F238E27FC236}">
-                <a16:creationId xmlns:a16="http://schemas.microsoft.com/office/drawing/2014/main" id="{75AFF7E5-63E6-4546-AF2F-527086ED27A7}"/>
+                <a16:creationId xmlns:a16="http://schemas.microsoft.com/office/drawing/2014/main" id="{66D3847B-959B-174E-9A87-509BC3FDCA72}"/>
               </a:ext>
             </a:extLst>
           </p:cNvPr>
@@ -1551,7 +1409,7 @@
           <p:cNvPr id="3" name="コンテンツ プレースホルダー 2">
             <a:extLst>
               <a:ext uri="{FF2B5EF4-FFF2-40B4-BE49-F238E27FC236}">
-                <a16:creationId xmlns:a16="http://schemas.microsoft.com/office/drawing/2014/main" id="{2BDA3852-FA79-F04E-80D6-9A540635BB3C}"/>
+                <a16:creationId xmlns:a16="http://schemas.microsoft.com/office/drawing/2014/main" id="{AEFCDF3D-086C-1B4B-8662-4A8C673BBACB}"/>
               </a:ext>
             </a:extLst>
           </p:cNvPr>
@@ -1640,7 +1498,7 @@
           <p:cNvPr id="4" name="日付プレースホルダー 3">
             <a:extLst>
               <a:ext uri="{FF2B5EF4-FFF2-40B4-BE49-F238E27FC236}">
-                <a16:creationId xmlns:a16="http://schemas.microsoft.com/office/drawing/2014/main" id="{3B97954A-AE74-2D40-A59B-00071230B5D0}"/>
+                <a16:creationId xmlns:a16="http://schemas.microsoft.com/office/drawing/2014/main" id="{1D55D95C-C1CA-194A-9BE6-6B826588CAE8}"/>
               </a:ext>
             </a:extLst>
           </p:cNvPr>
@@ -1656,7 +1514,7 @@
           <a:bodyPr/>
           <a:lstStyle/>
           <a:p>
-            <a:fld id="{B9148E87-D767-4243-9E31-2E6D394C8567}" type="datetimeFigureOut">
+            <a:fld id="{F13AAFB1-E51D-594B-AD26-63146CF050D6}" type="datetimeFigureOut">
               <a:rPr kumimoji="1" lang="ja-JP" altLang="en-US" smtClean="0"/>
               <a:t>2021/11/29</a:t>
             </a:fld>
@@ -1669,7 +1527,7 @@
           <p:cNvPr id="5" name="フッター プレースホルダー 4">
             <a:extLst>
               <a:ext uri="{FF2B5EF4-FFF2-40B4-BE49-F238E27FC236}">
-                <a16:creationId xmlns:a16="http://schemas.microsoft.com/office/drawing/2014/main" id="{CA7699EB-50D8-0046-92A4-E6D0244757B1}"/>
+                <a16:creationId xmlns:a16="http://schemas.microsoft.com/office/drawing/2014/main" id="{43C21751-A91B-8744-8A1C-D79037B491EF}"/>
               </a:ext>
             </a:extLst>
           </p:cNvPr>
@@ -1694,7 +1552,7 @@
           <p:cNvPr id="6" name="スライド番号プレースホルダー 5">
             <a:extLst>
               <a:ext uri="{FF2B5EF4-FFF2-40B4-BE49-F238E27FC236}">
-                <a16:creationId xmlns:a16="http://schemas.microsoft.com/office/drawing/2014/main" id="{9FF8AC6E-EAF8-0F43-BD1B-31F9F75C0ED5}"/>
+                <a16:creationId xmlns:a16="http://schemas.microsoft.com/office/drawing/2014/main" id="{A403935C-BDAE-7E45-A73D-61E8A047970C}"/>
               </a:ext>
             </a:extLst>
           </p:cNvPr>
@@ -1710,7 +1568,7 @@
           <a:bodyPr/>
           <a:lstStyle/>
           <a:p>
-            <a:fld id="{36B086C5-84CE-0244-A96A-F90743B3D0F1}" type="slidenum">
+            <a:fld id="{B283C9FD-EDE8-6042-B3E0-B1563EC930DE}" type="slidenum">
               <a:rPr kumimoji="1" lang="ja-JP" altLang="en-US" smtClean="0"/>
               <a:t>‹#›</a:t>
             </a:fld>
@@ -1721,7 +1579,7 @@
     </p:spTree>
     <p:extLst>
       <p:ext uri="{BB962C8B-B14F-4D97-AF65-F5344CB8AC3E}">
-        <p14:creationId xmlns:p14="http://schemas.microsoft.com/office/powerpoint/2010/main" val="1151750811"/>
+        <p14:creationId xmlns:p14="http://schemas.microsoft.com/office/powerpoint/2010/main" val="1130649669"/>
       </p:ext>
     </p:extLst>
   </p:cSld>
@@ -1753,7 +1611,7 @@
           <p:cNvPr id="2" name="タイトル 1">
             <a:extLst>
               <a:ext uri="{FF2B5EF4-FFF2-40B4-BE49-F238E27FC236}">
-                <a16:creationId xmlns:a16="http://schemas.microsoft.com/office/drawing/2014/main" id="{A5938E7E-9713-C749-9714-15A5F44F6084}"/>
+                <a16:creationId xmlns:a16="http://schemas.microsoft.com/office/drawing/2014/main" id="{562E3B8B-9BB1-764F-9E37-F8D23A85FCCB}"/>
               </a:ext>
             </a:extLst>
           </p:cNvPr>
@@ -1790,7 +1648,7 @@
           <p:cNvPr id="3" name="テキスト プレースホルダー 2">
             <a:extLst>
               <a:ext uri="{FF2B5EF4-FFF2-40B4-BE49-F238E27FC236}">
-                <a16:creationId xmlns:a16="http://schemas.microsoft.com/office/drawing/2014/main" id="{7013DD3A-05D0-E84C-BA50-19A92F8CAAEB}"/>
+                <a16:creationId xmlns:a16="http://schemas.microsoft.com/office/drawing/2014/main" id="{613FB604-496B-DB4A-A922-632CB2C71AB5}"/>
               </a:ext>
             </a:extLst>
           </p:cNvPr>
@@ -1915,7 +1773,7 @@
           <p:cNvPr id="4" name="日付プレースホルダー 3">
             <a:extLst>
               <a:ext uri="{FF2B5EF4-FFF2-40B4-BE49-F238E27FC236}">
-                <a16:creationId xmlns:a16="http://schemas.microsoft.com/office/drawing/2014/main" id="{0683BE19-718F-914E-8ADC-878801C2FE79}"/>
+                <a16:creationId xmlns:a16="http://schemas.microsoft.com/office/drawing/2014/main" id="{EB87A0D0-D637-274C-8BCF-32E5B24478CE}"/>
               </a:ext>
             </a:extLst>
           </p:cNvPr>
@@ -1931,7 +1789,7 @@
           <a:bodyPr/>
           <a:lstStyle/>
           <a:p>
-            <a:fld id="{B9148E87-D767-4243-9E31-2E6D394C8567}" type="datetimeFigureOut">
+            <a:fld id="{F13AAFB1-E51D-594B-AD26-63146CF050D6}" type="datetimeFigureOut">
               <a:rPr kumimoji="1" lang="ja-JP" altLang="en-US" smtClean="0"/>
               <a:t>2021/11/29</a:t>
             </a:fld>
@@ -1944,7 +1802,7 @@
           <p:cNvPr id="5" name="フッター プレースホルダー 4">
             <a:extLst>
               <a:ext uri="{FF2B5EF4-FFF2-40B4-BE49-F238E27FC236}">
-                <a16:creationId xmlns:a16="http://schemas.microsoft.com/office/drawing/2014/main" id="{1C13BCDA-F675-EF4A-B9AE-F7B1545584F1}"/>
+                <a16:creationId xmlns:a16="http://schemas.microsoft.com/office/drawing/2014/main" id="{1A8B6796-8FFC-7448-8B42-38FB35E9A0AA}"/>
               </a:ext>
             </a:extLst>
           </p:cNvPr>
@@ -1969,7 +1827,7 @@
           <p:cNvPr id="6" name="スライド番号プレースホルダー 5">
             <a:extLst>
               <a:ext uri="{FF2B5EF4-FFF2-40B4-BE49-F238E27FC236}">
-                <a16:creationId xmlns:a16="http://schemas.microsoft.com/office/drawing/2014/main" id="{535D0051-82D3-2D49-AB7F-2CBD62324478}"/>
+                <a16:creationId xmlns:a16="http://schemas.microsoft.com/office/drawing/2014/main" id="{F7F55C30-0237-0D41-97C5-65E4B8F963F2}"/>
               </a:ext>
             </a:extLst>
           </p:cNvPr>
@@ -1985,7 +1843,7 @@
           <a:bodyPr/>
           <a:lstStyle/>
           <a:p>
-            <a:fld id="{36B086C5-84CE-0244-A96A-F90743B3D0F1}" type="slidenum">
+            <a:fld id="{B283C9FD-EDE8-6042-B3E0-B1563EC930DE}" type="slidenum">
               <a:rPr kumimoji="1" lang="ja-JP" altLang="en-US" smtClean="0"/>
               <a:t>‹#›</a:t>
             </a:fld>
@@ -1996,7 +1854,7 @@
     </p:spTree>
     <p:extLst>
       <p:ext uri="{BB962C8B-B14F-4D97-AF65-F5344CB8AC3E}">
-        <p14:creationId xmlns:p14="http://schemas.microsoft.com/office/powerpoint/2010/main" val="3387832546"/>
+        <p14:creationId xmlns:p14="http://schemas.microsoft.com/office/powerpoint/2010/main" val="3933737300"/>
       </p:ext>
     </p:extLst>
   </p:cSld>
@@ -2028,7 +1886,7 @@
           <p:cNvPr id="2" name="タイトル 1">
             <a:extLst>
               <a:ext uri="{FF2B5EF4-FFF2-40B4-BE49-F238E27FC236}">
-                <a16:creationId xmlns:a16="http://schemas.microsoft.com/office/drawing/2014/main" id="{29853B08-C71E-D04E-A593-9FCB568FF616}"/>
+                <a16:creationId xmlns:a16="http://schemas.microsoft.com/office/drawing/2014/main" id="{6B8D852B-78D0-3B4C-A033-FEEA23771B68}"/>
               </a:ext>
             </a:extLst>
           </p:cNvPr>
@@ -2056,7 +1914,7 @@
           <p:cNvPr id="3" name="コンテンツ プレースホルダー 2">
             <a:extLst>
               <a:ext uri="{FF2B5EF4-FFF2-40B4-BE49-F238E27FC236}">
-                <a16:creationId xmlns:a16="http://schemas.microsoft.com/office/drawing/2014/main" id="{09C36F3C-62E9-C04A-A6F4-2EAC88BE4F61}"/>
+                <a16:creationId xmlns:a16="http://schemas.microsoft.com/office/drawing/2014/main" id="{D12F9341-47D9-5E42-A3A5-D82F0A49EF3D}"/>
               </a:ext>
             </a:extLst>
           </p:cNvPr>
@@ -2150,7 +2008,7 @@
           <p:cNvPr id="4" name="コンテンツ プレースホルダー 3">
             <a:extLst>
               <a:ext uri="{FF2B5EF4-FFF2-40B4-BE49-F238E27FC236}">
-                <a16:creationId xmlns:a16="http://schemas.microsoft.com/office/drawing/2014/main" id="{4E8C24BC-EF5F-6540-9B8D-21C73C53DEC6}"/>
+                <a16:creationId xmlns:a16="http://schemas.microsoft.com/office/drawing/2014/main" id="{E25BF7EE-681A-3849-AD53-CB8FD4334502}"/>
               </a:ext>
             </a:extLst>
           </p:cNvPr>
@@ -2244,7 +2102,7 @@
           <p:cNvPr id="5" name="日付プレースホルダー 4">
             <a:extLst>
               <a:ext uri="{FF2B5EF4-FFF2-40B4-BE49-F238E27FC236}">
-                <a16:creationId xmlns:a16="http://schemas.microsoft.com/office/drawing/2014/main" id="{47C9A0FE-8747-904B-BECD-602D283ABA9F}"/>
+                <a16:creationId xmlns:a16="http://schemas.microsoft.com/office/drawing/2014/main" id="{45774FDE-E559-E146-9476-BD95250F0036}"/>
               </a:ext>
             </a:extLst>
           </p:cNvPr>
@@ -2260,7 +2118,7 @@
           <a:bodyPr/>
           <a:lstStyle/>
           <a:p>
-            <a:fld id="{B9148E87-D767-4243-9E31-2E6D394C8567}" type="datetimeFigureOut">
+            <a:fld id="{F13AAFB1-E51D-594B-AD26-63146CF050D6}" type="datetimeFigureOut">
               <a:rPr kumimoji="1" lang="ja-JP" altLang="en-US" smtClean="0"/>
               <a:t>2021/11/29</a:t>
             </a:fld>
@@ -2273,7 +2131,7 @@
           <p:cNvPr id="6" name="フッター プレースホルダー 5">
             <a:extLst>
               <a:ext uri="{FF2B5EF4-FFF2-40B4-BE49-F238E27FC236}">
-                <a16:creationId xmlns:a16="http://schemas.microsoft.com/office/drawing/2014/main" id="{6F094974-AA72-D745-88FF-B6AFB39406B7}"/>
+                <a16:creationId xmlns:a16="http://schemas.microsoft.com/office/drawing/2014/main" id="{4B59A13E-6E08-2449-8E68-BD3120BE4BD1}"/>
               </a:ext>
             </a:extLst>
           </p:cNvPr>
@@ -2298,7 +2156,7 @@
           <p:cNvPr id="7" name="スライド番号プレースホルダー 6">
             <a:extLst>
               <a:ext uri="{FF2B5EF4-FFF2-40B4-BE49-F238E27FC236}">
-                <a16:creationId xmlns:a16="http://schemas.microsoft.com/office/drawing/2014/main" id="{1352C103-7D96-1A4E-A6FA-1435E7359C1D}"/>
+                <a16:creationId xmlns:a16="http://schemas.microsoft.com/office/drawing/2014/main" id="{1354B3D4-29DA-4541-B0A1-12B55E4FEE2A}"/>
               </a:ext>
             </a:extLst>
           </p:cNvPr>
@@ -2314,7 +2172,7 @@
           <a:bodyPr/>
           <a:lstStyle/>
           <a:p>
-            <a:fld id="{36B086C5-84CE-0244-A96A-F90743B3D0F1}" type="slidenum">
+            <a:fld id="{B283C9FD-EDE8-6042-B3E0-B1563EC930DE}" type="slidenum">
               <a:rPr kumimoji="1" lang="ja-JP" altLang="en-US" smtClean="0"/>
               <a:t>‹#›</a:t>
             </a:fld>
@@ -2325,7 +2183,7 @@
     </p:spTree>
     <p:extLst>
       <p:ext uri="{BB962C8B-B14F-4D97-AF65-F5344CB8AC3E}">
-        <p14:creationId xmlns:p14="http://schemas.microsoft.com/office/powerpoint/2010/main" val="3836335372"/>
+        <p14:creationId xmlns:p14="http://schemas.microsoft.com/office/powerpoint/2010/main" val="3518975974"/>
       </p:ext>
     </p:extLst>
   </p:cSld>
@@ -2357,7 +2215,7 @@
           <p:cNvPr id="2" name="タイトル 1">
             <a:extLst>
               <a:ext uri="{FF2B5EF4-FFF2-40B4-BE49-F238E27FC236}">
-                <a16:creationId xmlns:a16="http://schemas.microsoft.com/office/drawing/2014/main" id="{E665F257-8849-894B-BE3D-BCAFB287DA5A}"/>
+                <a16:creationId xmlns:a16="http://schemas.microsoft.com/office/drawing/2014/main" id="{856DD309-0902-2545-818E-100C34650E9E}"/>
               </a:ext>
             </a:extLst>
           </p:cNvPr>
@@ -2390,7 +2248,7 @@
           <p:cNvPr id="3" name="テキスト プレースホルダー 2">
             <a:extLst>
               <a:ext uri="{FF2B5EF4-FFF2-40B4-BE49-F238E27FC236}">
-                <a16:creationId xmlns:a16="http://schemas.microsoft.com/office/drawing/2014/main" id="{298A2560-0BE0-D546-BCE1-23F50D45A590}"/>
+                <a16:creationId xmlns:a16="http://schemas.microsoft.com/office/drawing/2014/main" id="{37ACF119-0C80-AB49-A199-BA18907C4306}"/>
               </a:ext>
             </a:extLst>
           </p:cNvPr>
@@ -2461,7 +2319,7 @@
           <p:cNvPr id="4" name="コンテンツ プレースホルダー 3">
             <a:extLst>
               <a:ext uri="{FF2B5EF4-FFF2-40B4-BE49-F238E27FC236}">
-                <a16:creationId xmlns:a16="http://schemas.microsoft.com/office/drawing/2014/main" id="{4313A094-6F0A-B041-A3BE-0F05A4E8D02B}"/>
+                <a16:creationId xmlns:a16="http://schemas.microsoft.com/office/drawing/2014/main" id="{D0BF0251-8E96-5245-BFA4-CBD5B2B63698}"/>
               </a:ext>
             </a:extLst>
           </p:cNvPr>
@@ -2555,7 +2413,7 @@
           <p:cNvPr id="5" name="テキスト プレースホルダー 4">
             <a:extLst>
               <a:ext uri="{FF2B5EF4-FFF2-40B4-BE49-F238E27FC236}">
-                <a16:creationId xmlns:a16="http://schemas.microsoft.com/office/drawing/2014/main" id="{4605ABF5-3F0D-0C4D-B9BF-B98E40964C32}"/>
+                <a16:creationId xmlns:a16="http://schemas.microsoft.com/office/drawing/2014/main" id="{BD19ED37-2D6A-3E48-B388-16148A183485}"/>
               </a:ext>
             </a:extLst>
           </p:cNvPr>
@@ -2626,7 +2484,7 @@
           <p:cNvPr id="6" name="コンテンツ プレースホルダー 5">
             <a:extLst>
               <a:ext uri="{FF2B5EF4-FFF2-40B4-BE49-F238E27FC236}">
-                <a16:creationId xmlns:a16="http://schemas.microsoft.com/office/drawing/2014/main" id="{AA007EC5-B792-E54B-A902-E74DC3BB2FEC}"/>
+                <a16:creationId xmlns:a16="http://schemas.microsoft.com/office/drawing/2014/main" id="{3F381E0B-C01D-9347-9F0E-72B5E32D25C4}"/>
               </a:ext>
             </a:extLst>
           </p:cNvPr>
@@ -2720,7 +2578,7 @@
           <p:cNvPr id="7" name="日付プレースホルダー 6">
             <a:extLst>
               <a:ext uri="{FF2B5EF4-FFF2-40B4-BE49-F238E27FC236}">
-                <a16:creationId xmlns:a16="http://schemas.microsoft.com/office/drawing/2014/main" id="{6C5EB45B-5689-1D44-BC76-BA1118E1132F}"/>
+                <a16:creationId xmlns:a16="http://schemas.microsoft.com/office/drawing/2014/main" id="{01067DAF-DBAC-BE45-8F76-132D05F47024}"/>
               </a:ext>
             </a:extLst>
           </p:cNvPr>
@@ -2736,7 +2594,7 @@
           <a:bodyPr/>
           <a:lstStyle/>
           <a:p>
-            <a:fld id="{B9148E87-D767-4243-9E31-2E6D394C8567}" type="datetimeFigureOut">
+            <a:fld id="{F13AAFB1-E51D-594B-AD26-63146CF050D6}" type="datetimeFigureOut">
               <a:rPr kumimoji="1" lang="ja-JP" altLang="en-US" smtClean="0"/>
               <a:t>2021/11/29</a:t>
             </a:fld>
@@ -2749,7 +2607,7 @@
           <p:cNvPr id="8" name="フッター プレースホルダー 7">
             <a:extLst>
               <a:ext uri="{FF2B5EF4-FFF2-40B4-BE49-F238E27FC236}">
-                <a16:creationId xmlns:a16="http://schemas.microsoft.com/office/drawing/2014/main" id="{C178B7BF-6EC1-204A-9010-DDBDCBFACCBA}"/>
+                <a16:creationId xmlns:a16="http://schemas.microsoft.com/office/drawing/2014/main" id="{950CEB68-71D5-944B-B785-66962B8FBDC3}"/>
               </a:ext>
             </a:extLst>
           </p:cNvPr>
@@ -2774,7 +2632,7 @@
           <p:cNvPr id="9" name="スライド番号プレースホルダー 8">
             <a:extLst>
               <a:ext uri="{FF2B5EF4-FFF2-40B4-BE49-F238E27FC236}">
-                <a16:creationId xmlns:a16="http://schemas.microsoft.com/office/drawing/2014/main" id="{F95F73A0-A4C6-8D4D-8F2E-D615F0CB5126}"/>
+                <a16:creationId xmlns:a16="http://schemas.microsoft.com/office/drawing/2014/main" id="{A2833863-AFF2-5041-A510-56C038A0C9B6}"/>
               </a:ext>
             </a:extLst>
           </p:cNvPr>
@@ -2790,7 +2648,7 @@
           <a:bodyPr/>
           <a:lstStyle/>
           <a:p>
-            <a:fld id="{36B086C5-84CE-0244-A96A-F90743B3D0F1}" type="slidenum">
+            <a:fld id="{B283C9FD-EDE8-6042-B3E0-B1563EC930DE}" type="slidenum">
               <a:rPr kumimoji="1" lang="ja-JP" altLang="en-US" smtClean="0"/>
               <a:t>‹#›</a:t>
             </a:fld>
@@ -2801,7 +2659,7 @@
     </p:spTree>
     <p:extLst>
       <p:ext uri="{BB962C8B-B14F-4D97-AF65-F5344CB8AC3E}">
-        <p14:creationId xmlns:p14="http://schemas.microsoft.com/office/powerpoint/2010/main" val="4206671698"/>
+        <p14:creationId xmlns:p14="http://schemas.microsoft.com/office/powerpoint/2010/main" val="3661097970"/>
       </p:ext>
     </p:extLst>
   </p:cSld>
@@ -2833,7 +2691,7 @@
           <p:cNvPr id="2" name="タイトル 1">
             <a:extLst>
               <a:ext uri="{FF2B5EF4-FFF2-40B4-BE49-F238E27FC236}">
-                <a16:creationId xmlns:a16="http://schemas.microsoft.com/office/drawing/2014/main" id="{C39B96E6-6B53-0946-9353-EB642EE77A2A}"/>
+                <a16:creationId xmlns:a16="http://schemas.microsoft.com/office/drawing/2014/main" id="{A494D182-ADC9-874E-902B-F098330C4EEB}"/>
               </a:ext>
             </a:extLst>
           </p:cNvPr>
@@ -2861,7 +2719,7 @@
           <p:cNvPr id="3" name="日付プレースホルダー 2">
             <a:extLst>
               <a:ext uri="{FF2B5EF4-FFF2-40B4-BE49-F238E27FC236}">
-                <a16:creationId xmlns:a16="http://schemas.microsoft.com/office/drawing/2014/main" id="{990F77F1-945C-F54A-8B85-A398DECD59F4}"/>
+                <a16:creationId xmlns:a16="http://schemas.microsoft.com/office/drawing/2014/main" id="{1BCF4DF9-2480-D94C-8367-F32C199EC443}"/>
               </a:ext>
             </a:extLst>
           </p:cNvPr>
@@ -2877,7 +2735,7 @@
           <a:bodyPr/>
           <a:lstStyle/>
           <a:p>
-            <a:fld id="{B9148E87-D767-4243-9E31-2E6D394C8567}" type="datetimeFigureOut">
+            <a:fld id="{F13AAFB1-E51D-594B-AD26-63146CF050D6}" type="datetimeFigureOut">
               <a:rPr kumimoji="1" lang="ja-JP" altLang="en-US" smtClean="0"/>
               <a:t>2021/11/29</a:t>
             </a:fld>
@@ -2890,7 +2748,7 @@
           <p:cNvPr id="4" name="フッター プレースホルダー 3">
             <a:extLst>
               <a:ext uri="{FF2B5EF4-FFF2-40B4-BE49-F238E27FC236}">
-                <a16:creationId xmlns:a16="http://schemas.microsoft.com/office/drawing/2014/main" id="{EB8576F0-8B31-D94B-8AC2-1EC48C265BC6}"/>
+                <a16:creationId xmlns:a16="http://schemas.microsoft.com/office/drawing/2014/main" id="{85E45555-E5B5-D642-B68B-F37ECF72D8D6}"/>
               </a:ext>
             </a:extLst>
           </p:cNvPr>
@@ -2915,7 +2773,7 @@
           <p:cNvPr id="5" name="スライド番号プレースホルダー 4">
             <a:extLst>
               <a:ext uri="{FF2B5EF4-FFF2-40B4-BE49-F238E27FC236}">
-                <a16:creationId xmlns:a16="http://schemas.microsoft.com/office/drawing/2014/main" id="{A5CB5FE8-EA7B-974C-A0CD-19597E5A458C}"/>
+                <a16:creationId xmlns:a16="http://schemas.microsoft.com/office/drawing/2014/main" id="{4BCCECDA-C45D-8C45-9B4A-0A8204CADF43}"/>
               </a:ext>
             </a:extLst>
           </p:cNvPr>
@@ -2931,7 +2789,7 @@
           <a:bodyPr/>
           <a:lstStyle/>
           <a:p>
-            <a:fld id="{36B086C5-84CE-0244-A96A-F90743B3D0F1}" type="slidenum">
+            <a:fld id="{B283C9FD-EDE8-6042-B3E0-B1563EC930DE}" type="slidenum">
               <a:rPr kumimoji="1" lang="ja-JP" altLang="en-US" smtClean="0"/>
               <a:t>‹#›</a:t>
             </a:fld>
@@ -2942,7 +2800,7 @@
     </p:spTree>
     <p:extLst>
       <p:ext uri="{BB962C8B-B14F-4D97-AF65-F5344CB8AC3E}">
-        <p14:creationId xmlns:p14="http://schemas.microsoft.com/office/powerpoint/2010/main" val="107545736"/>
+        <p14:creationId xmlns:p14="http://schemas.microsoft.com/office/powerpoint/2010/main" val="3924493060"/>
       </p:ext>
     </p:extLst>
   </p:cSld>
@@ -2974,7 +2832,7 @@
           <p:cNvPr id="2" name="日付プレースホルダー 1">
             <a:extLst>
               <a:ext uri="{FF2B5EF4-FFF2-40B4-BE49-F238E27FC236}">
-                <a16:creationId xmlns:a16="http://schemas.microsoft.com/office/drawing/2014/main" id="{07D45AD4-77D5-5948-8CC6-EF6DD4471A6B}"/>
+                <a16:creationId xmlns:a16="http://schemas.microsoft.com/office/drawing/2014/main" id="{DCF00A6A-3791-5F4D-ABD6-1AB9C47EBBF6}"/>
               </a:ext>
             </a:extLst>
           </p:cNvPr>
@@ -2990,7 +2848,7 @@
           <a:bodyPr/>
           <a:lstStyle/>
           <a:p>
-            <a:fld id="{B9148E87-D767-4243-9E31-2E6D394C8567}" type="datetimeFigureOut">
+            <a:fld id="{F13AAFB1-E51D-594B-AD26-63146CF050D6}" type="datetimeFigureOut">
               <a:rPr kumimoji="1" lang="ja-JP" altLang="en-US" smtClean="0"/>
               <a:t>2021/11/29</a:t>
             </a:fld>
@@ -3003,7 +2861,7 @@
           <p:cNvPr id="3" name="フッター プレースホルダー 2">
             <a:extLst>
               <a:ext uri="{FF2B5EF4-FFF2-40B4-BE49-F238E27FC236}">
-                <a16:creationId xmlns:a16="http://schemas.microsoft.com/office/drawing/2014/main" id="{4DA23552-46A3-2B47-BB77-78AC9A101070}"/>
+                <a16:creationId xmlns:a16="http://schemas.microsoft.com/office/drawing/2014/main" id="{7F8529FA-E9A7-E14B-A437-40657F77ABE0}"/>
               </a:ext>
             </a:extLst>
           </p:cNvPr>
@@ -3028,7 +2886,7 @@
           <p:cNvPr id="4" name="スライド番号プレースホルダー 3">
             <a:extLst>
               <a:ext uri="{FF2B5EF4-FFF2-40B4-BE49-F238E27FC236}">
-                <a16:creationId xmlns:a16="http://schemas.microsoft.com/office/drawing/2014/main" id="{F5900DBB-B4A9-3145-A518-EC584CC9DFC8}"/>
+                <a16:creationId xmlns:a16="http://schemas.microsoft.com/office/drawing/2014/main" id="{C506CD50-0643-734C-8F82-F33A4E18B3DE}"/>
               </a:ext>
             </a:extLst>
           </p:cNvPr>
@@ -3044,7 +2902,7 @@
           <a:bodyPr/>
           <a:lstStyle/>
           <a:p>
-            <a:fld id="{36B086C5-84CE-0244-A96A-F90743B3D0F1}" type="slidenum">
+            <a:fld id="{B283C9FD-EDE8-6042-B3E0-B1563EC930DE}" type="slidenum">
               <a:rPr kumimoji="1" lang="ja-JP" altLang="en-US" smtClean="0"/>
               <a:t>‹#›</a:t>
             </a:fld>
@@ -3055,7 +2913,7 @@
     </p:spTree>
     <p:extLst>
       <p:ext uri="{BB962C8B-B14F-4D97-AF65-F5344CB8AC3E}">
-        <p14:creationId xmlns:p14="http://schemas.microsoft.com/office/powerpoint/2010/main" val="3716367635"/>
+        <p14:creationId xmlns:p14="http://schemas.microsoft.com/office/powerpoint/2010/main" val="1666159572"/>
       </p:ext>
     </p:extLst>
   </p:cSld>
@@ -3087,7 +2945,7 @@
           <p:cNvPr id="2" name="タイトル 1">
             <a:extLst>
               <a:ext uri="{FF2B5EF4-FFF2-40B4-BE49-F238E27FC236}">
-                <a16:creationId xmlns:a16="http://schemas.microsoft.com/office/drawing/2014/main" id="{E83E5157-0853-584B-81DF-FAB5C48C74EA}"/>
+                <a16:creationId xmlns:a16="http://schemas.microsoft.com/office/drawing/2014/main" id="{D7D88D96-2500-BD4C-9D15-F82A4284D6B9}"/>
               </a:ext>
             </a:extLst>
           </p:cNvPr>
@@ -3124,7 +2982,7 @@
           <p:cNvPr id="3" name="コンテンツ プレースホルダー 2">
             <a:extLst>
               <a:ext uri="{FF2B5EF4-FFF2-40B4-BE49-F238E27FC236}">
-                <a16:creationId xmlns:a16="http://schemas.microsoft.com/office/drawing/2014/main" id="{D75ABEB1-8AE5-3443-8D02-20D6FEB816CE}"/>
+                <a16:creationId xmlns:a16="http://schemas.microsoft.com/office/drawing/2014/main" id="{FF9D225E-2726-134A-8990-003251309814}"/>
               </a:ext>
             </a:extLst>
           </p:cNvPr>
@@ -3246,7 +3104,7 @@
           <p:cNvPr id="4" name="テキスト プレースホルダー 3">
             <a:extLst>
               <a:ext uri="{FF2B5EF4-FFF2-40B4-BE49-F238E27FC236}">
-                <a16:creationId xmlns:a16="http://schemas.microsoft.com/office/drawing/2014/main" id="{B1760B79-410D-4143-99CC-07833631C98D}"/>
+                <a16:creationId xmlns:a16="http://schemas.microsoft.com/office/drawing/2014/main" id="{99AFDCF9-D652-0642-BE1C-7711BC2E8613}"/>
               </a:ext>
             </a:extLst>
           </p:cNvPr>
@@ -3317,7 +3175,7 @@
           <p:cNvPr id="5" name="日付プレースホルダー 4">
             <a:extLst>
               <a:ext uri="{FF2B5EF4-FFF2-40B4-BE49-F238E27FC236}">
-                <a16:creationId xmlns:a16="http://schemas.microsoft.com/office/drawing/2014/main" id="{68E7134B-14D9-1940-9C3A-D7CDBC47B517}"/>
+                <a16:creationId xmlns:a16="http://schemas.microsoft.com/office/drawing/2014/main" id="{950BBB5D-B74E-5644-8921-6ED4FC4E0954}"/>
               </a:ext>
             </a:extLst>
           </p:cNvPr>
@@ -3333,7 +3191,7 @@
           <a:bodyPr/>
           <a:lstStyle/>
           <a:p>
-            <a:fld id="{B9148E87-D767-4243-9E31-2E6D394C8567}" type="datetimeFigureOut">
+            <a:fld id="{F13AAFB1-E51D-594B-AD26-63146CF050D6}" type="datetimeFigureOut">
               <a:rPr kumimoji="1" lang="ja-JP" altLang="en-US" smtClean="0"/>
               <a:t>2021/11/29</a:t>
             </a:fld>
@@ -3346,7 +3204,7 @@
           <p:cNvPr id="6" name="フッター プレースホルダー 5">
             <a:extLst>
               <a:ext uri="{FF2B5EF4-FFF2-40B4-BE49-F238E27FC236}">
-                <a16:creationId xmlns:a16="http://schemas.microsoft.com/office/drawing/2014/main" id="{F57A9545-0B08-E64B-88EE-FFF2CDDA1D12}"/>
+                <a16:creationId xmlns:a16="http://schemas.microsoft.com/office/drawing/2014/main" id="{54E6077B-381E-AD41-801B-EC5264E1E616}"/>
               </a:ext>
             </a:extLst>
           </p:cNvPr>
@@ -3371,7 +3229,7 @@
           <p:cNvPr id="7" name="スライド番号プレースホルダー 6">
             <a:extLst>
               <a:ext uri="{FF2B5EF4-FFF2-40B4-BE49-F238E27FC236}">
-                <a16:creationId xmlns:a16="http://schemas.microsoft.com/office/drawing/2014/main" id="{1440FF87-299C-DB4D-B562-3F81EEB8CF47}"/>
+                <a16:creationId xmlns:a16="http://schemas.microsoft.com/office/drawing/2014/main" id="{09556951-7284-CF4A-B418-3B90894E0E20}"/>
               </a:ext>
             </a:extLst>
           </p:cNvPr>
@@ -3387,7 +3245,7 @@
           <a:bodyPr/>
           <a:lstStyle/>
           <a:p>
-            <a:fld id="{36B086C5-84CE-0244-A96A-F90743B3D0F1}" type="slidenum">
+            <a:fld id="{B283C9FD-EDE8-6042-B3E0-B1563EC930DE}" type="slidenum">
               <a:rPr kumimoji="1" lang="ja-JP" altLang="en-US" smtClean="0"/>
               <a:t>‹#›</a:t>
             </a:fld>
@@ -3398,7 +3256,7 @@
     </p:spTree>
     <p:extLst>
       <p:ext uri="{BB962C8B-B14F-4D97-AF65-F5344CB8AC3E}">
-        <p14:creationId xmlns:p14="http://schemas.microsoft.com/office/powerpoint/2010/main" val="826403982"/>
+        <p14:creationId xmlns:p14="http://schemas.microsoft.com/office/powerpoint/2010/main" val="1058518698"/>
       </p:ext>
     </p:extLst>
   </p:cSld>
@@ -3430,7 +3288,7 @@
           <p:cNvPr id="2" name="タイトル 1">
             <a:extLst>
               <a:ext uri="{FF2B5EF4-FFF2-40B4-BE49-F238E27FC236}">
-                <a16:creationId xmlns:a16="http://schemas.microsoft.com/office/drawing/2014/main" id="{FADE9FB4-EA4B-FE43-AE7F-9E1B0694F116}"/>
+                <a16:creationId xmlns:a16="http://schemas.microsoft.com/office/drawing/2014/main" id="{C9209B15-B8BE-F246-8881-15C6664F93F9}"/>
               </a:ext>
             </a:extLst>
           </p:cNvPr>
@@ -3467,7 +3325,7 @@
           <p:cNvPr id="3" name="図プレースホルダー 2">
             <a:extLst>
               <a:ext uri="{FF2B5EF4-FFF2-40B4-BE49-F238E27FC236}">
-                <a16:creationId xmlns:a16="http://schemas.microsoft.com/office/drawing/2014/main" id="{84D18FF0-1781-6F43-B8A3-9886A965F1C9}"/>
+                <a16:creationId xmlns:a16="http://schemas.microsoft.com/office/drawing/2014/main" id="{B081D6E1-9EAE-DD44-9D11-2DE4ED3B600B}"/>
               </a:ext>
             </a:extLst>
           </p:cNvPr>
@@ -3534,7 +3392,7 @@
           <p:cNvPr id="4" name="テキスト プレースホルダー 3">
             <a:extLst>
               <a:ext uri="{FF2B5EF4-FFF2-40B4-BE49-F238E27FC236}">
-                <a16:creationId xmlns:a16="http://schemas.microsoft.com/office/drawing/2014/main" id="{4F5C5EC3-6D1C-534E-A247-5CEB08B4A12B}"/>
+                <a16:creationId xmlns:a16="http://schemas.microsoft.com/office/drawing/2014/main" id="{B94C3F90-6855-4343-9460-94B4DD8C6526}"/>
               </a:ext>
             </a:extLst>
           </p:cNvPr>
@@ -3605,7 +3463,7 @@
           <p:cNvPr id="5" name="日付プレースホルダー 4">
             <a:extLst>
               <a:ext uri="{FF2B5EF4-FFF2-40B4-BE49-F238E27FC236}">
-                <a16:creationId xmlns:a16="http://schemas.microsoft.com/office/drawing/2014/main" id="{E467F832-6262-A94D-84FE-57151150BD93}"/>
+                <a16:creationId xmlns:a16="http://schemas.microsoft.com/office/drawing/2014/main" id="{3AF1F065-B0EC-D646-AF8A-D6D858D92FF1}"/>
               </a:ext>
             </a:extLst>
           </p:cNvPr>
@@ -3621,7 +3479,7 @@
           <a:bodyPr/>
           <a:lstStyle/>
           <a:p>
-            <a:fld id="{B9148E87-D767-4243-9E31-2E6D394C8567}" type="datetimeFigureOut">
+            <a:fld id="{F13AAFB1-E51D-594B-AD26-63146CF050D6}" type="datetimeFigureOut">
               <a:rPr kumimoji="1" lang="ja-JP" altLang="en-US" smtClean="0"/>
               <a:t>2021/11/29</a:t>
             </a:fld>
@@ -3634,7 +3492,7 @@
           <p:cNvPr id="6" name="フッター プレースホルダー 5">
             <a:extLst>
               <a:ext uri="{FF2B5EF4-FFF2-40B4-BE49-F238E27FC236}">
-                <a16:creationId xmlns:a16="http://schemas.microsoft.com/office/drawing/2014/main" id="{F2F197B5-714F-2A4C-899E-07ADBBDD8FF1}"/>
+                <a16:creationId xmlns:a16="http://schemas.microsoft.com/office/drawing/2014/main" id="{BC90CA54-D393-E74E-9F80-18A1514AADD8}"/>
               </a:ext>
             </a:extLst>
           </p:cNvPr>
@@ -3659,7 +3517,7 @@
           <p:cNvPr id="7" name="スライド番号プレースホルダー 6">
             <a:extLst>
               <a:ext uri="{FF2B5EF4-FFF2-40B4-BE49-F238E27FC236}">
-                <a16:creationId xmlns:a16="http://schemas.microsoft.com/office/drawing/2014/main" id="{A3964AD2-D13A-734E-B8E1-CC589D3BAE0E}"/>
+                <a16:creationId xmlns:a16="http://schemas.microsoft.com/office/drawing/2014/main" id="{BF44D8E5-3145-0743-8D25-83C98256C0C4}"/>
               </a:ext>
             </a:extLst>
           </p:cNvPr>
@@ -3675,7 +3533,7 @@
           <a:bodyPr/>
           <a:lstStyle/>
           <a:p>
-            <a:fld id="{36B086C5-84CE-0244-A96A-F90743B3D0F1}" type="slidenum">
+            <a:fld id="{B283C9FD-EDE8-6042-B3E0-B1563EC930DE}" type="slidenum">
               <a:rPr kumimoji="1" lang="ja-JP" altLang="en-US" smtClean="0"/>
               <a:t>‹#›</a:t>
             </a:fld>
@@ -3686,7 +3544,7 @@
     </p:spTree>
     <p:extLst>
       <p:ext uri="{BB962C8B-B14F-4D97-AF65-F5344CB8AC3E}">
-        <p14:creationId xmlns:p14="http://schemas.microsoft.com/office/powerpoint/2010/main" val="3873791372"/>
+        <p14:creationId xmlns:p14="http://schemas.microsoft.com/office/powerpoint/2010/main" val="3646810196"/>
       </p:ext>
     </p:extLst>
   </p:cSld>
@@ -3723,7 +3581,7 @@
           <p:cNvPr id="2" name="タイトル プレースホルダー 1">
             <a:extLst>
               <a:ext uri="{FF2B5EF4-FFF2-40B4-BE49-F238E27FC236}">
-                <a16:creationId xmlns:a16="http://schemas.microsoft.com/office/drawing/2014/main" id="{F6FF65A5-C934-1C49-BBB2-12C2AD94E1D4}"/>
+                <a16:creationId xmlns:a16="http://schemas.microsoft.com/office/drawing/2014/main" id="{B5C6FDDA-32E0-9248-9493-055BCD288B0F}"/>
               </a:ext>
             </a:extLst>
           </p:cNvPr>
@@ -3761,7 +3619,7 @@
           <p:cNvPr id="3" name="テキスト プレースホルダー 2">
             <a:extLst>
               <a:ext uri="{FF2B5EF4-FFF2-40B4-BE49-F238E27FC236}">
-                <a16:creationId xmlns:a16="http://schemas.microsoft.com/office/drawing/2014/main" id="{50029562-A313-4540-9650-2AF5A4E770B2}"/>
+                <a16:creationId xmlns:a16="http://schemas.microsoft.com/office/drawing/2014/main" id="{D906209C-C4D1-8440-9C20-009976FE8A03}"/>
               </a:ext>
             </a:extLst>
           </p:cNvPr>
@@ -3860,7 +3718,7 @@
           <p:cNvPr id="4" name="日付プレースホルダー 3">
             <a:extLst>
               <a:ext uri="{FF2B5EF4-FFF2-40B4-BE49-F238E27FC236}">
-                <a16:creationId xmlns:a16="http://schemas.microsoft.com/office/drawing/2014/main" id="{2BEDF838-0DD6-D34F-B1F3-7FE95CF921CE}"/>
+                <a16:creationId xmlns:a16="http://schemas.microsoft.com/office/drawing/2014/main" id="{60B42CEC-38EA-F54F-A1B9-986DD36180A2}"/>
               </a:ext>
             </a:extLst>
           </p:cNvPr>
@@ -3894,7 +3752,7 @@
             </a:lvl1pPr>
           </a:lstStyle>
           <a:p>
-            <a:fld id="{B9148E87-D767-4243-9E31-2E6D394C8567}" type="datetimeFigureOut">
+            <a:fld id="{F13AAFB1-E51D-594B-AD26-63146CF050D6}" type="datetimeFigureOut">
               <a:rPr kumimoji="1" lang="ja-JP" altLang="en-US" smtClean="0"/>
               <a:t>2021/11/29</a:t>
             </a:fld>
@@ -3907,7 +3765,7 @@
           <p:cNvPr id="5" name="フッター プレースホルダー 4">
             <a:extLst>
               <a:ext uri="{FF2B5EF4-FFF2-40B4-BE49-F238E27FC236}">
-                <a16:creationId xmlns:a16="http://schemas.microsoft.com/office/drawing/2014/main" id="{88F1AC2C-8D5F-414B-8509-D2184044A5EC}"/>
+                <a16:creationId xmlns:a16="http://schemas.microsoft.com/office/drawing/2014/main" id="{A7BAA268-BC9A-DA40-8833-BAA5AEA763DF}"/>
               </a:ext>
             </a:extLst>
           </p:cNvPr>
@@ -3950,7 +3808,7 @@
           <p:cNvPr id="6" name="スライド番号プレースホルダー 5">
             <a:extLst>
               <a:ext uri="{FF2B5EF4-FFF2-40B4-BE49-F238E27FC236}">
-                <a16:creationId xmlns:a16="http://schemas.microsoft.com/office/drawing/2014/main" id="{B627056E-572A-0542-8690-ED22B3B6AFFA}"/>
+                <a16:creationId xmlns:a16="http://schemas.microsoft.com/office/drawing/2014/main" id="{6802AFC6-E7BB-3A43-AC0B-B0E404BBF937}"/>
               </a:ext>
             </a:extLst>
           </p:cNvPr>
@@ -3984,7 +3842,7 @@
             </a:lvl1pPr>
           </a:lstStyle>
           <a:p>
-            <a:fld id="{36B086C5-84CE-0244-A96A-F90743B3D0F1}" type="slidenum">
+            <a:fld id="{B283C9FD-EDE8-6042-B3E0-B1563EC930DE}" type="slidenum">
               <a:rPr kumimoji="1" lang="ja-JP" altLang="en-US" smtClean="0"/>
               <a:t>‹#›</a:t>
             </a:fld>
@@ -3995,7 +3853,7 @@
     </p:spTree>
     <p:extLst>
       <p:ext uri="{BB962C8B-B14F-4D97-AF65-F5344CB8AC3E}">
-        <p14:creationId xmlns:p14="http://schemas.microsoft.com/office/powerpoint/2010/main" val="2915191480"/>
+        <p14:creationId xmlns:p14="http://schemas.microsoft.com/office/powerpoint/2010/main" val="2329087346"/>
       </p:ext>
     </p:extLst>
   </p:cSld>
@@ -4318,7 +4176,7 @@
           <p:cNvPr id="2" name="タイトル 1">
             <a:extLst>
               <a:ext uri="{FF2B5EF4-FFF2-40B4-BE49-F238E27FC236}">
-                <a16:creationId xmlns:a16="http://schemas.microsoft.com/office/drawing/2014/main" id="{9B1D7A41-B18F-4D4C-9F52-84D5CFFFCB44}"/>
+                <a16:creationId xmlns:a16="http://schemas.microsoft.com/office/drawing/2014/main" id="{F0699B2A-63F9-F445-9199-AF60FDF12252}"/>
               </a:ext>
             </a:extLst>
           </p:cNvPr>
@@ -4335,13 +4193,14 @@
           <a:lstStyle/>
           <a:p>
             <a:r>
-              <a:rPr kumimoji="1" lang="en-US" altLang="ja-JP" dirty="0"/>
+              <a:rPr lang="en-US" altLang="ja-JP" dirty="0"/>
               <a:t>R</a:t>
             </a:r>
             <a:r>
-              <a:rPr kumimoji="1" lang="ja-JP" altLang="en-US"/>
+              <a:rPr lang="ja-JP" altLang="en-US"/>
               <a:t>初心者講座第２４回</a:t>
             </a:r>
+            <a:endParaRPr kumimoji="1" lang="ja-JP" altLang="en-US"/>
           </a:p>
         </p:txBody>
       </p:sp>
@@ -4350,7 +4209,7 @@
           <p:cNvPr id="3" name="字幕 2">
             <a:extLst>
               <a:ext uri="{FF2B5EF4-FFF2-40B4-BE49-F238E27FC236}">
-                <a16:creationId xmlns:a16="http://schemas.microsoft.com/office/drawing/2014/main" id="{05D7D93A-BA42-5D47-893C-FE41C03A53E0}"/>
+                <a16:creationId xmlns:a16="http://schemas.microsoft.com/office/drawing/2014/main" id="{BC1F8B01-8BED-F344-83E9-93DCE19DE5F3}"/>
               </a:ext>
             </a:extLst>
           </p:cNvPr>
@@ -4368,7 +4227,7 @@
           <a:p>
             <a:r>
               <a:rPr kumimoji="1" lang="ja-JP" altLang="en-US"/>
-              <a:t>正規性のチェック</a:t>
+              <a:t>多重共線性</a:t>
             </a:r>
           </a:p>
         </p:txBody>
@@ -4376,670 +4235,7 @@
     </p:spTree>
     <p:extLst>
       <p:ext uri="{BB962C8B-B14F-4D97-AF65-F5344CB8AC3E}">
-        <p14:creationId xmlns:p14="http://schemas.microsoft.com/office/powerpoint/2010/main" val="2432279440"/>
-      </p:ext>
-    </p:extLst>
-  </p:cSld>
-  <p:clrMapOvr>
-    <a:masterClrMapping/>
-  </p:clrMapOvr>
-</p:sld>
-</file>
-
-<file path=ppt/slides/slide10.xml><?xml version="1.0" encoding="utf-8"?>
-<p:sld xmlns:a="http://schemas.openxmlformats.org/drawingml/2006/main" xmlns:r="http://schemas.openxmlformats.org/officeDocument/2006/relationships" xmlns:p="http://schemas.openxmlformats.org/presentationml/2006/main">
-  <p:cSld>
-    <p:spTree>
-      <p:nvGrpSpPr>
-        <p:cNvPr id="1" name=""/>
-        <p:cNvGrpSpPr/>
-        <p:nvPr/>
-      </p:nvGrpSpPr>
-      <p:grpSpPr>
-        <a:xfrm>
-          <a:off x="0" y="0"/>
-          <a:ext cx="0" cy="0"/>
-          <a:chOff x="0" y="0"/>
-          <a:chExt cx="0" cy="0"/>
-        </a:xfrm>
-      </p:grpSpPr>
-      <p:sp>
-        <p:nvSpPr>
-          <p:cNvPr id="2" name="タイトル 1">
-            <a:extLst>
-              <a:ext uri="{FF2B5EF4-FFF2-40B4-BE49-F238E27FC236}">
-                <a16:creationId xmlns:a16="http://schemas.microsoft.com/office/drawing/2014/main" id="{862669DD-A863-AE4A-8726-D817A9EC35DD}"/>
-              </a:ext>
-            </a:extLst>
-          </p:cNvPr>
-          <p:cNvSpPr>
-            <a:spLocks noGrp="1"/>
-          </p:cNvSpPr>
-          <p:nvPr>
-            <p:ph type="title"/>
-          </p:nvPr>
-        </p:nvSpPr>
-        <p:spPr/>
-        <p:txBody>
-          <a:bodyPr/>
-          <a:lstStyle/>
-          <a:p>
-            <a:r>
-              <a:rPr kumimoji="1" lang="en-US" altLang="ja-JP" dirty="0" err="1"/>
-              <a:t>lm</a:t>
-            </a:r>
-            <a:r>
-              <a:rPr lang="en-US" altLang="ja-JP" dirty="0"/>
-              <a:t> </a:t>
-            </a:r>
-            <a:r>
-              <a:rPr kumimoji="1" lang="en-US" altLang="ja-JP" dirty="0"/>
-              <a:t>(</a:t>
-            </a:r>
-            <a:r>
-              <a:rPr kumimoji="1" lang="en-US" altLang="ja-JP" dirty="0" err="1"/>
-              <a:t>glm</a:t>
-            </a:r>
-            <a:r>
-              <a:rPr kumimoji="1" lang="en-US" altLang="ja-JP" dirty="0"/>
-              <a:t>)</a:t>
-            </a:r>
-            <a:r>
-              <a:rPr kumimoji="1" lang="ja-JP" altLang="en-US"/>
-              <a:t>結果オブジェクトを</a:t>
-            </a:r>
-            <a:r>
-              <a:rPr kumimoji="1" lang="en-US" altLang="ja-JP" dirty="0"/>
-              <a:t>plot</a:t>
-            </a:r>
-            <a:r>
-              <a:rPr kumimoji="1" lang="ja-JP" altLang="en-US"/>
-              <a:t>する</a:t>
-            </a:r>
-          </a:p>
-        </p:txBody>
-      </p:sp>
-      <p:sp>
-        <p:nvSpPr>
-          <p:cNvPr id="3" name="コンテンツ プレースホルダー 2">
-            <a:extLst>
-              <a:ext uri="{FF2B5EF4-FFF2-40B4-BE49-F238E27FC236}">
-                <a16:creationId xmlns:a16="http://schemas.microsoft.com/office/drawing/2014/main" id="{38995141-93AA-E14A-BC71-8290FD95D853}"/>
-              </a:ext>
-            </a:extLst>
-          </p:cNvPr>
-          <p:cNvSpPr>
-            <a:spLocks noGrp="1"/>
-          </p:cNvSpPr>
-          <p:nvPr>
-            <p:ph idx="1"/>
-          </p:nvPr>
-        </p:nvSpPr>
-        <p:spPr/>
-        <p:txBody>
-          <a:bodyPr/>
-          <a:lstStyle/>
-          <a:p>
-            <a:r>
-              <a:rPr kumimoji="1" lang="en-US" altLang="ja-JP" dirty="0" err="1"/>
-              <a:t>lm</a:t>
-            </a:r>
-            <a:r>
-              <a:rPr kumimoji="1" lang="en-US" altLang="ja-JP" dirty="0"/>
-              <a:t>, </a:t>
-            </a:r>
-            <a:r>
-              <a:rPr kumimoji="1" lang="en-US" altLang="ja-JP" dirty="0" err="1"/>
-              <a:t>glm</a:t>
-            </a:r>
-            <a:r>
-              <a:rPr kumimoji="1" lang="ja-JP" altLang="en-US"/>
-              <a:t>のオブジェクトを</a:t>
-            </a:r>
-            <a:r>
-              <a:rPr kumimoji="1" lang="en-US" altLang="ja-JP" dirty="0"/>
-              <a:t>plot</a:t>
-            </a:r>
-            <a:r>
-              <a:rPr kumimoji="1" lang="ja-JP" altLang="en-US"/>
-              <a:t>関すの引数に入れると以下の診断結果を返す．</a:t>
-            </a:r>
-            <a:endParaRPr kumimoji="1" lang="en-US" altLang="ja-JP" dirty="0"/>
-          </a:p>
-          <a:p>
-            <a:pPr lvl="1"/>
-            <a:r>
-              <a:rPr lang="en-US" altLang="ja-JP" dirty="0"/>
-              <a:t>Residual vs Fitted</a:t>
-            </a:r>
-            <a:r>
-              <a:rPr lang="ja-JP" altLang="en-US"/>
-              <a:t>のプロット</a:t>
-            </a:r>
-            <a:endParaRPr lang="en-US" altLang="ja-JP" dirty="0"/>
-          </a:p>
-          <a:p>
-            <a:pPr lvl="1"/>
-            <a:r>
-              <a:rPr lang="en-US" altLang="ja-JP" dirty="0"/>
-              <a:t>Residual </a:t>
-            </a:r>
-            <a:r>
-              <a:rPr lang="ja-JP" altLang="en-US"/>
-              <a:t>の</a:t>
-            </a:r>
-            <a:r>
-              <a:rPr lang="en-US" altLang="ja-JP" dirty="0" err="1"/>
-              <a:t>qq</a:t>
-            </a:r>
-            <a:r>
-              <a:rPr lang="ja-JP" altLang="en-US"/>
-              <a:t>プロット</a:t>
-            </a:r>
-            <a:endParaRPr lang="en-US" altLang="ja-JP" dirty="0"/>
-          </a:p>
-          <a:p>
-            <a:pPr lvl="1"/>
-            <a:r>
-              <a:rPr lang="en-US" altLang="ja-JP" dirty="0"/>
-              <a:t>Scale-Location </a:t>
-            </a:r>
-          </a:p>
-          <a:p>
-            <a:pPr lvl="2"/>
-            <a:r>
-              <a:rPr lang="ja-JP" altLang="en-US"/>
-              <a:t>標準化した残差の絶対値に対してルートをとったもの．標準化残差の絶対値が</a:t>
-            </a:r>
-            <a:r>
-              <a:rPr lang="en-US" altLang="ja-JP" dirty="0"/>
-              <a:t>2</a:t>
-            </a:r>
-            <a:r>
-              <a:rPr lang="ja-JP" altLang="en-US"/>
-              <a:t>より大きい場合、標準化残差が大きいと見なされ、外れ値とされることがある．</a:t>
-            </a:r>
-            <a:endParaRPr lang="en-US" altLang="ja-JP" dirty="0"/>
-          </a:p>
-          <a:p>
-            <a:pPr lvl="1"/>
-            <a:r>
-              <a:rPr lang="en-US" altLang="ja-JP" dirty="0"/>
-              <a:t>Residual vs </a:t>
-            </a:r>
-            <a:r>
-              <a:rPr lang="en-US" altLang="ja-JP" dirty="0" err="1"/>
-              <a:t>Levarege</a:t>
-            </a:r>
-            <a:r>
-              <a:rPr lang="ja-JP" altLang="en-US"/>
-              <a:t> </a:t>
-            </a:r>
-            <a:endParaRPr lang="en-US" altLang="ja-JP" dirty="0"/>
-          </a:p>
-          <a:p>
-            <a:pPr lvl="2"/>
-            <a:r>
-              <a:rPr lang="ja-JP" altLang="en-US"/>
-              <a:t>モデルの係数を決定するのに支配的なデータを示す．</a:t>
-            </a:r>
-            <a:r>
-              <a:rPr lang="en-US" altLang="ja-JP" dirty="0"/>
-              <a:t>Cook</a:t>
-            </a:r>
-            <a:r>
-              <a:rPr lang="ja-JP" altLang="en-US"/>
-              <a:t>距離が示されており、これが</a:t>
-            </a:r>
-            <a:r>
-              <a:rPr lang="en-US" altLang="ja-JP" dirty="0"/>
-              <a:t>0.5</a:t>
-            </a:r>
-            <a:r>
-              <a:rPr lang="ja-JP" altLang="en-US"/>
-              <a:t>を超えると支配力が強いとみなされ、そのデータは外れ値処理をすることがある．</a:t>
-            </a:r>
-            <a:endParaRPr lang="en-US" altLang="ja-JP" dirty="0"/>
-          </a:p>
-          <a:p>
-            <a:endParaRPr kumimoji="1" lang="ja-JP" altLang="en-US"/>
-          </a:p>
-        </p:txBody>
-      </p:sp>
-    </p:spTree>
-    <p:extLst>
-      <p:ext uri="{BB962C8B-B14F-4D97-AF65-F5344CB8AC3E}">
-        <p14:creationId xmlns:p14="http://schemas.microsoft.com/office/powerpoint/2010/main" val="1212065946"/>
-      </p:ext>
-    </p:extLst>
-  </p:cSld>
-  <p:clrMapOvr>
-    <a:masterClrMapping/>
-  </p:clrMapOvr>
-</p:sld>
-</file>
-
-<file path=ppt/slides/slide11.xml><?xml version="1.0" encoding="utf-8"?>
-<p:sld xmlns:a="http://schemas.openxmlformats.org/drawingml/2006/main" xmlns:r="http://schemas.openxmlformats.org/officeDocument/2006/relationships" xmlns:p="http://schemas.openxmlformats.org/presentationml/2006/main">
-  <p:cSld>
-    <p:spTree>
-      <p:nvGrpSpPr>
-        <p:cNvPr id="1" name=""/>
-        <p:cNvGrpSpPr/>
-        <p:nvPr/>
-      </p:nvGrpSpPr>
-      <p:grpSpPr>
-        <a:xfrm>
-          <a:off x="0" y="0"/>
-          <a:ext cx="0" cy="0"/>
-          <a:chOff x="0" y="0"/>
-          <a:chExt cx="0" cy="0"/>
-        </a:xfrm>
-      </p:grpSpPr>
-      <p:sp>
-        <p:nvSpPr>
-          <p:cNvPr id="2" name="タイトル 1">
-            <a:extLst>
-              <a:ext uri="{FF2B5EF4-FFF2-40B4-BE49-F238E27FC236}">
-                <a16:creationId xmlns:a16="http://schemas.microsoft.com/office/drawing/2014/main" id="{68BB739B-FF50-7947-89AB-1B70AF4DD3EA}"/>
-              </a:ext>
-            </a:extLst>
-          </p:cNvPr>
-          <p:cNvSpPr>
-            <a:spLocks noGrp="1"/>
-          </p:cNvSpPr>
-          <p:nvPr>
-            <p:ph type="title"/>
-          </p:nvPr>
-        </p:nvSpPr>
-        <p:spPr/>
-        <p:txBody>
-          <a:bodyPr/>
-          <a:lstStyle/>
-          <a:p>
-            <a:r>
-              <a:rPr lang="ja-JP" altLang="en-US"/>
-              <a:t>正規性のチェック</a:t>
-            </a:r>
-            <a:endParaRPr kumimoji="1" lang="ja-JP" altLang="en-US"/>
-          </a:p>
-        </p:txBody>
-      </p:sp>
-      <p:sp>
-        <p:nvSpPr>
-          <p:cNvPr id="3" name="コンテンツ プレースホルダー 2">
-            <a:extLst>
-              <a:ext uri="{FF2B5EF4-FFF2-40B4-BE49-F238E27FC236}">
-                <a16:creationId xmlns:a16="http://schemas.microsoft.com/office/drawing/2014/main" id="{B7EB713B-B0D0-A347-9D4F-48B4383A8075}"/>
-              </a:ext>
-            </a:extLst>
-          </p:cNvPr>
-          <p:cNvSpPr>
-            <a:spLocks noGrp="1"/>
-          </p:cNvSpPr>
-          <p:nvPr>
-            <p:ph idx="1"/>
-          </p:nvPr>
-        </p:nvSpPr>
-        <p:spPr>
-          <a:xfrm>
-            <a:off x="838200" y="1825625"/>
-            <a:ext cx="10756900" cy="4351338"/>
-          </a:xfrm>
-        </p:spPr>
-        <p:txBody>
-          <a:bodyPr>
-            <a:normAutofit/>
-          </a:bodyPr>
-          <a:lstStyle/>
-          <a:p>
-            <a:r>
-              <a:rPr lang="ja-JP" altLang="en-US">
-                <a:solidFill>
-                  <a:schemeClr val="bg2">
-                    <a:lumMod val="50000"/>
-                  </a:schemeClr>
-                </a:solidFill>
-              </a:rPr>
-              <a:t>まず</a:t>
-            </a:r>
-            <a:r>
-              <a:rPr lang="en-US" altLang="ja-JP" dirty="0">
-                <a:solidFill>
-                  <a:schemeClr val="bg2">
-                    <a:lumMod val="50000"/>
-                  </a:schemeClr>
-                </a:solidFill>
-              </a:rPr>
-              <a:t>plot</a:t>
-            </a:r>
-            <a:r>
-              <a:rPr lang="ja-JP" altLang="en-US">
-                <a:solidFill>
-                  <a:schemeClr val="bg2">
-                    <a:lumMod val="50000"/>
-                  </a:schemeClr>
-                </a:solidFill>
-              </a:rPr>
-              <a:t>して可視化</a:t>
-            </a:r>
-            <a:endParaRPr lang="en-US" altLang="ja-JP" dirty="0">
-              <a:solidFill>
-                <a:schemeClr val="bg2">
-                  <a:lumMod val="50000"/>
-                </a:schemeClr>
-              </a:solidFill>
-            </a:endParaRPr>
-          </a:p>
-          <a:p>
-            <a:endParaRPr lang="en-US" altLang="ja-JP" dirty="0"/>
-          </a:p>
-          <a:p>
-            <a:r>
-              <a:rPr lang="ja-JP" altLang="en-US">
-                <a:solidFill>
-                  <a:schemeClr val="bg2">
-                    <a:lumMod val="50000"/>
-                  </a:schemeClr>
-                </a:solidFill>
-              </a:rPr>
-              <a:t>分布からずれていないかチェックのプロット</a:t>
-            </a:r>
-            <a:r>
-              <a:rPr lang="en-US" altLang="ja-JP" dirty="0" err="1">
-                <a:solidFill>
-                  <a:schemeClr val="bg2">
-                    <a:lumMod val="50000"/>
-                  </a:schemeClr>
-                </a:solidFill>
-              </a:rPr>
-              <a:t>QQplot</a:t>
-            </a:r>
-            <a:endParaRPr lang="en-US" altLang="ja-JP" dirty="0">
-              <a:solidFill>
-                <a:schemeClr val="bg2">
-                  <a:lumMod val="50000"/>
-                </a:schemeClr>
-              </a:solidFill>
-            </a:endParaRPr>
-          </a:p>
-          <a:p>
-            <a:pPr marL="457200" lvl="1" indent="0">
-              <a:buNone/>
-            </a:pPr>
-            <a:endParaRPr lang="en-US" altLang="ja-JP" dirty="0">
-              <a:solidFill>
-                <a:schemeClr val="bg2">
-                  <a:lumMod val="50000"/>
-                </a:schemeClr>
-              </a:solidFill>
-            </a:endParaRPr>
-          </a:p>
-          <a:p>
-            <a:r>
-              <a:rPr lang="en-US" altLang="ja-JP" dirty="0"/>
-              <a:t>Shapiro-Wilk</a:t>
-            </a:r>
-            <a:r>
-              <a:rPr lang="ja-JP" altLang="en-US"/>
-              <a:t>検定</a:t>
-            </a:r>
-            <a:endParaRPr lang="en-US" altLang="ja-JP" dirty="0"/>
-          </a:p>
-        </p:txBody>
-      </p:sp>
-    </p:spTree>
-    <p:extLst>
-      <p:ext uri="{BB962C8B-B14F-4D97-AF65-F5344CB8AC3E}">
-        <p14:creationId xmlns:p14="http://schemas.microsoft.com/office/powerpoint/2010/main" val="3759911444"/>
-      </p:ext>
-    </p:extLst>
-  </p:cSld>
-  <p:clrMapOvr>
-    <a:masterClrMapping/>
-  </p:clrMapOvr>
-</p:sld>
-</file>
-
-<file path=ppt/slides/slide12.xml><?xml version="1.0" encoding="utf-8"?>
-<p:sld xmlns:a="http://schemas.openxmlformats.org/drawingml/2006/main" xmlns:r="http://schemas.openxmlformats.org/officeDocument/2006/relationships" xmlns:p="http://schemas.openxmlformats.org/presentationml/2006/main">
-  <p:cSld>
-    <p:spTree>
-      <p:nvGrpSpPr>
-        <p:cNvPr id="1" name=""/>
-        <p:cNvGrpSpPr/>
-        <p:nvPr/>
-      </p:nvGrpSpPr>
-      <p:grpSpPr>
-        <a:xfrm>
-          <a:off x="0" y="0"/>
-          <a:ext cx="0" cy="0"/>
-          <a:chOff x="0" y="0"/>
-          <a:chExt cx="0" cy="0"/>
-        </a:xfrm>
-      </p:grpSpPr>
-      <p:sp>
-        <p:nvSpPr>
-          <p:cNvPr id="2" name="タイトル 1">
-            <a:extLst>
-              <a:ext uri="{FF2B5EF4-FFF2-40B4-BE49-F238E27FC236}">
-                <a16:creationId xmlns:a16="http://schemas.microsoft.com/office/drawing/2014/main" id="{8021A45D-E4FF-5A46-91C6-E4BEF315A871}"/>
-              </a:ext>
-            </a:extLst>
-          </p:cNvPr>
-          <p:cNvSpPr>
-            <a:spLocks noGrp="1"/>
-          </p:cNvSpPr>
-          <p:nvPr>
-            <p:ph type="title"/>
-          </p:nvPr>
-        </p:nvSpPr>
-        <p:spPr/>
-        <p:txBody>
-          <a:bodyPr/>
-          <a:lstStyle/>
-          <a:p>
-            <a:r>
-              <a:rPr kumimoji="1" lang="en-US" altLang="ja-JP" dirty="0"/>
-              <a:t>Shapiro-Wi</a:t>
-            </a:r>
-            <a:r>
-              <a:rPr lang="en-US" altLang="ja-JP" dirty="0"/>
-              <a:t>lk</a:t>
-            </a:r>
-            <a:r>
-              <a:rPr lang="ja-JP" altLang="en-US"/>
-              <a:t>検定</a:t>
-            </a:r>
-            <a:endParaRPr kumimoji="1" lang="ja-JP" altLang="en-US"/>
-          </a:p>
-        </p:txBody>
-      </p:sp>
-      <p:sp>
-        <p:nvSpPr>
-          <p:cNvPr id="3" name="コンテンツ プレースホルダー 2">
-            <a:extLst>
-              <a:ext uri="{FF2B5EF4-FFF2-40B4-BE49-F238E27FC236}">
-                <a16:creationId xmlns:a16="http://schemas.microsoft.com/office/drawing/2014/main" id="{929FB2F8-884F-DB42-8889-1307E783A82A}"/>
-              </a:ext>
-            </a:extLst>
-          </p:cNvPr>
-          <p:cNvSpPr>
-            <a:spLocks noGrp="1"/>
-          </p:cNvSpPr>
-          <p:nvPr>
-            <p:ph idx="1"/>
-          </p:nvPr>
-        </p:nvSpPr>
-        <p:spPr/>
-        <p:txBody>
-          <a:bodyPr>
-            <a:normAutofit fontScale="70000" lnSpcReduction="20000"/>
-          </a:bodyPr>
-          <a:lstStyle/>
-          <a:p>
-            <a:r>
-              <a:rPr lang="ja-JP" altLang="en-US"/>
-              <a:t>得られたデータが正規分布に従うものか否かを調べる検定．</a:t>
-            </a:r>
-            <a:r>
-              <a:rPr lang="en-US" altLang="ja-JP" dirty="0"/>
-              <a:t>p</a:t>
-            </a:r>
-            <a:r>
-              <a:rPr lang="ja-JP" altLang="en-US"/>
-              <a:t>値によってデータが正規分布に従っているかを定量的に確認．</a:t>
-            </a:r>
-            <a:endParaRPr lang="en-US" altLang="ja-JP" dirty="0"/>
-          </a:p>
-          <a:p>
-            <a:endParaRPr kumimoji="1" lang="en-US" altLang="ja-JP" dirty="0"/>
-          </a:p>
-          <a:p>
-            <a:r>
-              <a:rPr lang="ja-JP" altLang="en-US"/>
-              <a:t>帰無仮説は「データが正規分布に従って分布する」</a:t>
-            </a:r>
-            <a:endParaRPr lang="en-US" altLang="ja-JP" dirty="0"/>
-          </a:p>
-          <a:p>
-            <a:endParaRPr lang="en-US" altLang="ja-JP" dirty="0"/>
-          </a:p>
-          <a:p>
-            <a:r>
-              <a:rPr lang="en-US" altLang="ja-JP" dirty="0" err="1"/>
-              <a:t>shapiro.test</a:t>
-            </a:r>
-            <a:r>
-              <a:rPr lang="ja-JP" altLang="en-US"/>
-              <a:t>関数で引数に残差．</a:t>
-            </a:r>
-            <a:endParaRPr lang="en-US" altLang="ja-JP" dirty="0"/>
-          </a:p>
-          <a:p>
-            <a:endParaRPr kumimoji="1" lang="en-US" altLang="ja-JP" dirty="0"/>
-          </a:p>
-          <a:p>
-            <a:endParaRPr kumimoji="1" lang="en-US" altLang="ja-JP" dirty="0"/>
-          </a:p>
-          <a:p>
-            <a:endParaRPr lang="en-US" altLang="ja-JP" dirty="0"/>
-          </a:p>
-          <a:p>
-            <a:endParaRPr lang="en-US" altLang="ja-JP" dirty="0"/>
-          </a:p>
-          <a:p>
-            <a:endParaRPr kumimoji="1" lang="en-US" altLang="ja-JP" dirty="0"/>
-          </a:p>
-          <a:p>
-            <a:r>
-              <a:rPr lang="ja-JP" altLang="en-US"/>
-              <a:t>この場合、有意水準</a:t>
-            </a:r>
-            <a:r>
-              <a:rPr lang="en-US" altLang="ja-JP" dirty="0"/>
-              <a:t>5%</a:t>
-            </a:r>
-            <a:r>
-              <a:rPr lang="ja-JP" altLang="en-US"/>
-              <a:t>とすると、帰無仮説を棄却できない．すなわち、残差は正規分布に従っていない、とはいえない．</a:t>
-            </a:r>
-            <a:endParaRPr kumimoji="1" lang="ja-JP" altLang="en-US"/>
-          </a:p>
-        </p:txBody>
-      </p:sp>
-      <p:sp>
-        <p:nvSpPr>
-          <p:cNvPr id="4" name="正方形/長方形 3">
-            <a:extLst>
-              <a:ext uri="{FF2B5EF4-FFF2-40B4-BE49-F238E27FC236}">
-                <a16:creationId xmlns:a16="http://schemas.microsoft.com/office/drawing/2014/main" id="{9A0B37BF-DF44-4C49-A0C7-B382023DCA3F}"/>
-              </a:ext>
-            </a:extLst>
-          </p:cNvPr>
-          <p:cNvSpPr/>
-          <p:nvPr/>
-        </p:nvSpPr>
-        <p:spPr>
-          <a:xfrm>
-            <a:off x="1866900" y="3592374"/>
-            <a:ext cx="6096000" cy="1754326"/>
-          </a:xfrm>
-          <a:prstGeom prst="rect">
-            <a:avLst/>
-          </a:prstGeom>
-        </p:spPr>
-        <p:txBody>
-          <a:bodyPr wrap="square">
-            <a:spAutoFit/>
-          </a:bodyPr>
-          <a:lstStyle/>
-          <a:p>
-            <a:r>
-              <a:rPr lang="ja-JP" altLang="en-US"/>
-              <a:t>&gt; shapiro.test(x=res_lm$residuals)</a:t>
-            </a:r>
-          </a:p>
-          <a:p>
-            <a:endParaRPr lang="ja-JP" altLang="en-US"/>
-          </a:p>
-          <a:p>
-            <a:r>
-              <a:rPr lang="ja-JP" altLang="en-US"/>
-              <a:t>	Shapiro-Wilk normality test</a:t>
-            </a:r>
-          </a:p>
-          <a:p>
-            <a:endParaRPr lang="ja-JP" altLang="en-US"/>
-          </a:p>
-          <a:p>
-            <a:r>
-              <a:rPr lang="ja-JP" altLang="en-US"/>
-              <a:t>data:  res_lm$residuals</a:t>
-            </a:r>
-          </a:p>
-          <a:p>
-            <a:r>
-              <a:rPr lang="ja-JP" altLang="en-US"/>
-              <a:t>W = 0.9992, p-value = 0.2041</a:t>
-            </a:r>
-          </a:p>
-        </p:txBody>
-      </p:sp>
-      <p:pic>
-        <p:nvPicPr>
-          <p:cNvPr id="5" name="図 4">
-            <a:extLst>
-              <a:ext uri="{FF2B5EF4-FFF2-40B4-BE49-F238E27FC236}">
-                <a16:creationId xmlns:a16="http://schemas.microsoft.com/office/drawing/2014/main" id="{4A6777C8-1A2C-304D-B190-F0372F1983D3}"/>
-              </a:ext>
-            </a:extLst>
-          </p:cNvPr>
-          <p:cNvPicPr>
-            <a:picLocks noChangeAspect="1"/>
-          </p:cNvPicPr>
-          <p:nvPr/>
-        </p:nvPicPr>
-        <p:blipFill>
-          <a:blip r:embed="rId2"/>
-          <a:stretch>
-            <a:fillRect/>
-          </a:stretch>
-        </p:blipFill>
-        <p:spPr>
-          <a:xfrm>
-            <a:off x="7336716" y="2204275"/>
-            <a:ext cx="4324575" cy="3142425"/>
-          </a:xfrm>
-          <a:prstGeom prst="rect">
-            <a:avLst/>
-          </a:prstGeom>
-        </p:spPr>
-      </p:pic>
-    </p:spTree>
-    <p:extLst>
-      <p:ext uri="{BB962C8B-B14F-4D97-AF65-F5344CB8AC3E}">
-        <p14:creationId xmlns:p14="http://schemas.microsoft.com/office/powerpoint/2010/main" val="3976745622"/>
+        <p14:creationId xmlns:p14="http://schemas.microsoft.com/office/powerpoint/2010/main" val="920295292"/>
       </p:ext>
     </p:extLst>
   </p:cSld>
@@ -5071,7 +4267,7 @@
           <p:cNvPr id="2" name="タイトル 1">
             <a:extLst>
               <a:ext uri="{FF2B5EF4-FFF2-40B4-BE49-F238E27FC236}">
-                <a16:creationId xmlns:a16="http://schemas.microsoft.com/office/drawing/2014/main" id="{68BB739B-FF50-7947-89AB-1B70AF4DD3EA}"/>
+                <a16:creationId xmlns:a16="http://schemas.microsoft.com/office/drawing/2014/main" id="{4F724FC6-68AC-DD44-848F-A8479EE585EC}"/>
               </a:ext>
             </a:extLst>
           </p:cNvPr>
@@ -5089,7 +4285,7 @@
           <a:p>
             <a:r>
               <a:rPr kumimoji="1" lang="ja-JP" altLang="en-US"/>
-              <a:t>モデルの結果の診断</a:t>
+              <a:t>説明変数の数と説明力・予測力</a:t>
             </a:r>
           </a:p>
         </p:txBody>
@@ -5099,7 +4295,7 @@
           <p:cNvPr id="3" name="コンテンツ プレースホルダー 2">
             <a:extLst>
               <a:ext uri="{FF2B5EF4-FFF2-40B4-BE49-F238E27FC236}">
-                <a16:creationId xmlns:a16="http://schemas.microsoft.com/office/drawing/2014/main" id="{B7EB713B-B0D0-A347-9D4F-48B4383A8075}"/>
+                <a16:creationId xmlns:a16="http://schemas.microsoft.com/office/drawing/2014/main" id="{FDC69433-5A2E-894F-BCDA-395F53263D77}"/>
               </a:ext>
             </a:extLst>
           </p:cNvPr>
@@ -5110,21 +4306,30 @@
             <p:ph idx="1"/>
           </p:nvPr>
         </p:nvSpPr>
-        <p:spPr>
-          <a:xfrm>
-            <a:off x="838200" y="1825625"/>
-            <a:ext cx="10756900" cy="4351338"/>
-          </a:xfrm>
-        </p:spPr>
-        <p:txBody>
-          <a:bodyPr>
-            <a:normAutofit lnSpcReduction="10000"/>
-          </a:bodyPr>
+        <p:spPr/>
+        <p:txBody>
+          <a:bodyPr/>
           <a:lstStyle/>
           <a:p>
             <a:r>
               <a:rPr lang="ja-JP" altLang="en-US"/>
-              <a:t>線形モデルでも一般化線形モデルでも、目的（応答）変数を説明変数で予測するが、予測値と目的変数にはズレ（誤差）が出る．</a:t>
+              <a:t>回帰分析では説明変数が増えれば残差</a:t>
+            </a:r>
+            <a:r>
+              <a:rPr lang="en-US" altLang="ja-JP" dirty="0"/>
+              <a:t>(</a:t>
+            </a:r>
+            <a:r>
+              <a:rPr lang="ja-JP" altLang="en-US"/>
+              <a:t>逸脱度</a:t>
+            </a:r>
+            <a:r>
+              <a:rPr lang="en-US" altLang="ja-JP" dirty="0"/>
+              <a:t>)</a:t>
+            </a:r>
+            <a:r>
+              <a:rPr lang="ja-JP" altLang="en-US"/>
+              <a:t>は小さくなる．</a:t>
             </a:r>
             <a:endParaRPr lang="en-US" altLang="ja-JP" dirty="0"/>
           </a:p>
@@ -5134,58 +4339,136 @@
           <a:p>
             <a:r>
               <a:rPr lang="ja-JP" altLang="en-US"/>
-              <a:t>誤差が小さく、未観測データでハズレない（汎化性能が高い）モデルが情報量規準などで選ばれる．</a:t>
+              <a:t>目的変数の説明に対する寄与が小さい説明変数はむやみに増やさない．</a:t>
             </a:r>
             <a:endParaRPr lang="en-US" altLang="ja-JP" dirty="0"/>
           </a:p>
           <a:p>
+            <a:pPr lvl="1"/>
+            <a:r>
+              <a:rPr lang="en-US" altLang="ja-JP" dirty="0"/>
+              <a:t>AIC</a:t>
+            </a:r>
+            <a:r>
+              <a:rPr lang="ja-JP" altLang="en-US"/>
+              <a:t>を基準に説明変数を選択．</a:t>
+            </a:r>
             <a:endParaRPr lang="en-US" altLang="ja-JP" dirty="0"/>
           </a:p>
           <a:p>
+            <a:pPr lvl="1"/>
+            <a:r>
+              <a:rPr lang="en-US" altLang="ja-JP" dirty="0"/>
+              <a:t>LM</a:t>
+            </a:r>
             <a:r>
               <a:rPr lang="ja-JP" altLang="en-US"/>
-              <a:t>では、誤差はどれくらい小さいのか？</a:t>
+              <a:t>で無相関検定の検定量</a:t>
+            </a:r>
+            <a:r>
+              <a:rPr lang="en-US" altLang="ja-JP" dirty="0"/>
+              <a:t>(t</a:t>
+            </a:r>
+            <a:r>
+              <a:rPr lang="ja-JP" altLang="en-US"/>
+              <a:t>値</a:t>
+            </a:r>
+            <a:r>
+              <a:rPr lang="en-US" altLang="ja-JP" dirty="0"/>
+              <a:t>)</a:t>
+            </a:r>
+            <a:r>
+              <a:rPr lang="ja-JP" altLang="en-US"/>
+              <a:t>や</a:t>
+            </a:r>
+            <a:r>
+              <a:rPr lang="en-US" altLang="ja-JP" dirty="0"/>
+              <a:t>GLM</a:t>
+            </a:r>
+            <a:r>
+              <a:rPr lang="ja-JP" altLang="en-US"/>
+              <a:t>で</a:t>
+            </a:r>
+            <a:r>
+              <a:rPr lang="en-US" altLang="ja-JP" dirty="0" err="1"/>
+              <a:t>wald</a:t>
+            </a:r>
+            <a:r>
+              <a:rPr lang="ja-JP" altLang="en-US"/>
+              <a:t>検定量</a:t>
+            </a:r>
+            <a:r>
+              <a:rPr lang="en-US" altLang="ja-JP" dirty="0"/>
+              <a:t>(z</a:t>
+            </a:r>
+            <a:r>
+              <a:rPr lang="ja-JP" altLang="en-US"/>
+              <a:t>値</a:t>
+            </a:r>
+            <a:r>
+              <a:rPr lang="en-US" altLang="ja-JP" dirty="0"/>
+              <a:t>)</a:t>
+            </a:r>
+            <a:r>
+              <a:rPr lang="ja-JP" altLang="en-US"/>
+              <a:t>の</a:t>
+            </a:r>
+            <a:r>
+              <a:rPr lang="en-US" altLang="ja-JP" dirty="0"/>
+              <a:t>p</a:t>
+            </a:r>
+            <a:r>
+              <a:rPr lang="ja-JP" altLang="en-US"/>
+              <a:t>値で判断．</a:t>
             </a:r>
             <a:endParaRPr lang="en-US" altLang="ja-JP" dirty="0"/>
           </a:p>
           <a:p>
-            <a:pPr marL="0" indent="0">
-              <a:buNone/>
-            </a:pPr>
+            <a:pPr lvl="2"/>
+            <a:r>
+              <a:rPr lang="ja-JP" altLang="en-US"/>
+              <a:t>推定された係数</a:t>
+            </a:r>
             <a:r>
               <a:rPr lang="en-US" altLang="ja-JP" dirty="0"/>
-              <a:t>	</a:t>
+              <a:t>(Estimated)</a:t>
             </a:r>
             <a:r>
               <a:rPr lang="ja-JP" altLang="en-US"/>
-              <a:t>→残差プロット</a:t>
+              <a:t>に対して推定誤差</a:t>
+            </a:r>
+            <a:r>
+              <a:rPr lang="en-US" altLang="ja-JP" dirty="0"/>
+              <a:t>(Std Error)</a:t>
+            </a:r>
+            <a:r>
+              <a:rPr lang="ja-JP" altLang="en-US"/>
+              <a:t>が大きいかどうか．</a:t>
             </a:r>
             <a:endParaRPr lang="en-US" altLang="ja-JP" dirty="0"/>
           </a:p>
           <a:p>
-            <a:r>
-              <a:rPr lang="ja-JP" altLang="en-US"/>
-              <a:t>予測値と目的変数のズレは誤差構造にちゃんと従ってる？　</a:t>
-            </a:r>
-            <a:endParaRPr lang="en-US" altLang="ja-JP" dirty="0"/>
-          </a:p>
-          <a:p>
-            <a:pPr lvl="1"/>
-            <a:r>
-              <a:rPr lang="ja-JP" altLang="en-US"/>
-              <a:t>線形モデルでは、ズレは正規分布に従っているか？</a:t>
-            </a:r>
-            <a:endParaRPr lang="en-US" altLang="ja-JP" dirty="0"/>
-          </a:p>
-          <a:p>
-            <a:endParaRPr lang="en-US" altLang="ja-JP" dirty="0"/>
+            <a:endParaRPr kumimoji="1" lang="en-US" altLang="ja-JP" dirty="0"/>
+          </a:p>
+          <a:p>
+            <a:r>
+              <a:rPr kumimoji="1" lang="ja-JP" altLang="en-US"/>
+              <a:t>説明変数同士に相関が高い場合も気をつける．</a:t>
+            </a:r>
+            <a:endParaRPr kumimoji="1" lang="en-US" altLang="ja-JP" dirty="0"/>
+          </a:p>
+          <a:p>
+            <a:endParaRPr kumimoji="1" lang="en-US" altLang="ja-JP" dirty="0"/>
+          </a:p>
+          <a:p>
+            <a:endParaRPr kumimoji="1" lang="ja-JP" altLang="en-US"/>
           </a:p>
         </p:txBody>
       </p:sp>
     </p:spTree>
     <p:extLst>
       <p:ext uri="{BB962C8B-B14F-4D97-AF65-F5344CB8AC3E}">
-        <p14:creationId xmlns:p14="http://schemas.microsoft.com/office/powerpoint/2010/main" val="1501767664"/>
+        <p14:creationId xmlns:p14="http://schemas.microsoft.com/office/powerpoint/2010/main" val="38973778"/>
       </p:ext>
     </p:extLst>
   </p:cSld>
@@ -5217,7 +4500,7 @@
           <p:cNvPr id="2" name="タイトル 1">
             <a:extLst>
               <a:ext uri="{FF2B5EF4-FFF2-40B4-BE49-F238E27FC236}">
-                <a16:creationId xmlns:a16="http://schemas.microsoft.com/office/drawing/2014/main" id="{68BB739B-FF50-7947-89AB-1B70AF4DD3EA}"/>
+                <a16:creationId xmlns:a16="http://schemas.microsoft.com/office/drawing/2014/main" id="{5A8207F3-6AF4-9C42-91D3-48B9B0A6A453}"/>
               </a:ext>
             </a:extLst>
           </p:cNvPr>
@@ -5235,8 +4518,13 @@
           <a:p>
             <a:r>
               <a:rPr kumimoji="1" lang="ja-JP" altLang="en-US"/>
-              <a:t>正規性のチェック</a:t>
-            </a:r>
+              <a:t>多重共線性　</a:t>
+            </a:r>
+            <a:r>
+              <a:rPr kumimoji="1" lang="en-US" altLang="ja-JP" dirty="0"/>
+              <a:t>(Multi-collinearity)</a:t>
+            </a:r>
+            <a:endParaRPr kumimoji="1" lang="ja-JP" altLang="en-US"/>
           </a:p>
         </p:txBody>
       </p:sp>
@@ -5245,7 +4533,7 @@
           <p:cNvPr id="3" name="コンテンツ プレースホルダー 2">
             <a:extLst>
               <a:ext uri="{FF2B5EF4-FFF2-40B4-BE49-F238E27FC236}">
-                <a16:creationId xmlns:a16="http://schemas.microsoft.com/office/drawing/2014/main" id="{B7EB713B-B0D0-A347-9D4F-48B4383A8075}"/>
+                <a16:creationId xmlns:a16="http://schemas.microsoft.com/office/drawing/2014/main" id="{A5CDEF08-4F10-0843-8154-1D98EF69CDC4}"/>
               </a:ext>
             </a:extLst>
           </p:cNvPr>
@@ -5255,112 +4543,581 @@
           <p:nvPr>
             <p:ph idx="1"/>
           </p:nvPr>
+        </p:nvSpPr>
+        <p:spPr/>
+        <p:txBody>
+          <a:bodyPr>
+            <a:normAutofit fontScale="92500" lnSpcReduction="20000"/>
+          </a:bodyPr>
+          <a:lstStyle/>
+          <a:p>
+            <a:r>
+              <a:rPr lang="ja-JP" altLang="en-US"/>
+              <a:t>相関の高い説明変数があると、係数の推定が不安定になる．</a:t>
+            </a:r>
+            <a:endParaRPr lang="en-US" altLang="ja-JP" dirty="0"/>
+          </a:p>
+          <a:p>
+            <a:endParaRPr kumimoji="1" lang="en-US" altLang="ja-JP" dirty="0"/>
+          </a:p>
+          <a:p>
+            <a:endParaRPr kumimoji="1" lang="en-US" altLang="ja-JP" dirty="0"/>
+          </a:p>
+          <a:p>
+            <a:endParaRPr lang="en-US" altLang="ja-JP" dirty="0"/>
+          </a:p>
+          <a:p>
+            <a:endParaRPr kumimoji="1" lang="en-US" altLang="ja-JP" dirty="0"/>
+          </a:p>
+          <a:p>
+            <a:endParaRPr lang="en-US" altLang="ja-JP" dirty="0"/>
+          </a:p>
+          <a:p>
+            <a:endParaRPr kumimoji="1" lang="en-US" altLang="ja-JP" dirty="0"/>
+          </a:p>
+          <a:p>
+            <a:endParaRPr lang="en-US" altLang="ja-JP" dirty="0"/>
+          </a:p>
+          <a:p>
+            <a:endParaRPr lang="en-US" altLang="ja-JP" dirty="0"/>
+          </a:p>
+          <a:p>
+            <a:pPr lvl="1"/>
+            <a:r>
+              <a:rPr lang="en-US" altLang="ja-JP" dirty="0" err="1"/>
+              <a:t>e.x</a:t>
+            </a:r>
+            <a:r>
+              <a:rPr lang="en-US" altLang="ja-JP" dirty="0"/>
+              <a:t>.) </a:t>
+            </a:r>
+            <a:r>
+              <a:rPr lang="ja-JP" altLang="en-US"/>
+              <a:t>屋外の日陰にある飼育水槽の水温を気温、日射量で説明する場合など</a:t>
+            </a:r>
+            <a:endParaRPr lang="en-US" altLang="ja-JP" dirty="0"/>
+          </a:p>
+          <a:p>
+            <a:r>
+              <a:rPr kumimoji="1" lang="ja-JP" altLang="en-US"/>
+              <a:t>回帰分析の際に、説明変数同士の相関をチェック．</a:t>
+            </a:r>
+          </a:p>
+        </p:txBody>
+      </p:sp>
+      <p:sp>
+        <p:nvSpPr>
+          <p:cNvPr id="4" name="円/楕円 3">
+            <a:extLst>
+              <a:ext uri="{FF2B5EF4-FFF2-40B4-BE49-F238E27FC236}">
+                <a16:creationId xmlns:a16="http://schemas.microsoft.com/office/drawing/2014/main" id="{C0FCE579-A876-1D4D-9D68-F23BAB17B627}"/>
+              </a:ext>
+            </a:extLst>
+          </p:cNvPr>
+          <p:cNvSpPr/>
+          <p:nvPr/>
         </p:nvSpPr>
         <p:spPr>
           <a:xfrm>
-            <a:off x="838200" y="1825625"/>
-            <a:ext cx="10756900" cy="4351338"/>
+            <a:off x="7373073" y="2777923"/>
+            <a:ext cx="1006997" cy="1006997"/>
           </a:xfrm>
+          <a:prstGeom prst="ellipse">
+            <a:avLst/>
+          </a:prstGeom>
         </p:spPr>
-        <p:txBody>
-          <a:bodyPr>
-            <a:normAutofit/>
+        <p:style>
+          <a:lnRef idx="2">
+            <a:schemeClr val="accent1">
+              <a:shade val="50000"/>
+            </a:schemeClr>
+          </a:lnRef>
+          <a:fillRef idx="1">
+            <a:schemeClr val="accent1"/>
+          </a:fillRef>
+          <a:effectRef idx="0">
+            <a:schemeClr val="accent1"/>
+          </a:effectRef>
+          <a:fontRef idx="minor">
+            <a:schemeClr val="lt1"/>
+          </a:fontRef>
+        </p:style>
+        <p:txBody>
+          <a:bodyPr rtlCol="0" anchor="ctr"/>
+          <a:lstStyle/>
+          <a:p>
+            <a:pPr algn="ctr"/>
+            <a:r>
+              <a:rPr kumimoji="1" lang="ja-JP" altLang="en-US"/>
+              <a:t>目的変数</a:t>
+            </a:r>
+          </a:p>
+        </p:txBody>
+      </p:sp>
+      <p:sp>
+        <p:nvSpPr>
+          <p:cNvPr id="5" name="角丸四角形 4">
+            <a:extLst>
+              <a:ext uri="{FF2B5EF4-FFF2-40B4-BE49-F238E27FC236}">
+                <a16:creationId xmlns:a16="http://schemas.microsoft.com/office/drawing/2014/main" id="{F9929345-FF6F-AF44-BF0E-E17109098771}"/>
+              </a:ext>
+            </a:extLst>
+          </p:cNvPr>
+          <p:cNvSpPr/>
+          <p:nvPr/>
+        </p:nvSpPr>
+        <p:spPr>
+          <a:xfrm>
+            <a:off x="3495555" y="2471869"/>
+            <a:ext cx="1423686" cy="671331"/>
+          </a:xfrm>
+          <a:prstGeom prst="roundRect">
+            <a:avLst/>
+          </a:prstGeom>
+        </p:spPr>
+        <p:style>
+          <a:lnRef idx="2">
+            <a:schemeClr val="accent1">
+              <a:shade val="50000"/>
+            </a:schemeClr>
+          </a:lnRef>
+          <a:fillRef idx="1">
+            <a:schemeClr val="accent1"/>
+          </a:fillRef>
+          <a:effectRef idx="0">
+            <a:schemeClr val="accent1"/>
+          </a:effectRef>
+          <a:fontRef idx="minor">
+            <a:schemeClr val="lt1"/>
+          </a:fontRef>
+        </p:style>
+        <p:txBody>
+          <a:bodyPr rtlCol="0" anchor="ctr"/>
+          <a:lstStyle/>
+          <a:p>
+            <a:pPr algn="ctr"/>
+            <a:r>
+              <a:rPr kumimoji="1" lang="ja-JP" altLang="en-US"/>
+              <a:t>説明変数１</a:t>
+            </a:r>
+          </a:p>
+        </p:txBody>
+      </p:sp>
+      <p:sp>
+        <p:nvSpPr>
+          <p:cNvPr id="6" name="角丸四角形 5">
+            <a:extLst>
+              <a:ext uri="{FF2B5EF4-FFF2-40B4-BE49-F238E27FC236}">
+                <a16:creationId xmlns:a16="http://schemas.microsoft.com/office/drawing/2014/main" id="{866B3623-DD7E-4540-9078-C4C12A8D5059}"/>
+              </a:ext>
+            </a:extLst>
+          </p:cNvPr>
+          <p:cNvSpPr/>
+          <p:nvPr/>
+        </p:nvSpPr>
+        <p:spPr>
+          <a:xfrm>
+            <a:off x="3505628" y="3533170"/>
+            <a:ext cx="1423686" cy="671331"/>
+          </a:xfrm>
+          <a:prstGeom prst="roundRect">
+            <a:avLst/>
+          </a:prstGeom>
+        </p:spPr>
+        <p:style>
+          <a:lnRef idx="2">
+            <a:schemeClr val="accent1">
+              <a:shade val="50000"/>
+            </a:schemeClr>
+          </a:lnRef>
+          <a:fillRef idx="1">
+            <a:schemeClr val="accent1"/>
+          </a:fillRef>
+          <a:effectRef idx="0">
+            <a:schemeClr val="accent1"/>
+          </a:effectRef>
+          <a:fontRef idx="minor">
+            <a:schemeClr val="lt1"/>
+          </a:fontRef>
+        </p:style>
+        <p:txBody>
+          <a:bodyPr rtlCol="0" anchor="ctr"/>
+          <a:lstStyle/>
+          <a:p>
+            <a:pPr algn="ctr"/>
+            <a:r>
+              <a:rPr kumimoji="1" lang="ja-JP" altLang="en-US"/>
+              <a:t>説明変数２</a:t>
+            </a:r>
+          </a:p>
+        </p:txBody>
+      </p:sp>
+      <p:sp>
+        <p:nvSpPr>
+          <p:cNvPr id="7" name="角丸四角形 6">
+            <a:extLst>
+              <a:ext uri="{FF2B5EF4-FFF2-40B4-BE49-F238E27FC236}">
+                <a16:creationId xmlns:a16="http://schemas.microsoft.com/office/drawing/2014/main" id="{5FD02B92-BC24-2149-AE4E-824D2D851EDB}"/>
+              </a:ext>
+            </a:extLst>
+          </p:cNvPr>
+          <p:cNvSpPr/>
+          <p:nvPr/>
+        </p:nvSpPr>
+        <p:spPr>
+          <a:xfrm>
+            <a:off x="5055672" y="4288417"/>
+            <a:ext cx="1423686" cy="671331"/>
+          </a:xfrm>
+          <a:prstGeom prst="roundRect">
+            <a:avLst/>
+          </a:prstGeom>
+        </p:spPr>
+        <p:style>
+          <a:lnRef idx="2">
+            <a:schemeClr val="accent1">
+              <a:shade val="50000"/>
+            </a:schemeClr>
+          </a:lnRef>
+          <a:fillRef idx="1">
+            <a:schemeClr val="accent1"/>
+          </a:fillRef>
+          <a:effectRef idx="0">
+            <a:schemeClr val="accent1"/>
+          </a:effectRef>
+          <a:fontRef idx="minor">
+            <a:schemeClr val="lt1"/>
+          </a:fontRef>
+        </p:style>
+        <p:txBody>
+          <a:bodyPr rtlCol="0" anchor="ctr"/>
+          <a:lstStyle/>
+          <a:p>
+            <a:pPr algn="ctr"/>
+            <a:r>
+              <a:rPr kumimoji="1" lang="ja-JP" altLang="en-US"/>
+              <a:t>説明変数</a:t>
+            </a:r>
+            <a:r>
+              <a:rPr kumimoji="1" lang="en-US" altLang="ja-JP" dirty="0"/>
+              <a:t>3</a:t>
+            </a:r>
+            <a:endParaRPr kumimoji="1" lang="ja-JP" altLang="en-US"/>
+          </a:p>
+        </p:txBody>
+      </p:sp>
+      <p:cxnSp>
+        <p:nvCxnSpPr>
+          <p:cNvPr id="9" name="直線矢印コネクタ 8">
+            <a:extLst>
+              <a:ext uri="{FF2B5EF4-FFF2-40B4-BE49-F238E27FC236}">
+                <a16:creationId xmlns:a16="http://schemas.microsoft.com/office/drawing/2014/main" id="{58ACE820-8C26-3045-AC9E-6E9B323FBAD1}"/>
+              </a:ext>
+            </a:extLst>
+          </p:cNvPr>
+          <p:cNvCxnSpPr>
+            <a:stCxn id="5" idx="3"/>
+            <a:endCxn id="4" idx="2"/>
+          </p:cNvCxnSpPr>
+          <p:nvPr/>
+        </p:nvCxnSpPr>
+        <p:spPr>
+          <a:xfrm>
+            <a:off x="4919241" y="2807535"/>
+            <a:ext cx="2453832" cy="473887"/>
+          </a:xfrm>
+          <a:prstGeom prst="straightConnector1">
+            <a:avLst/>
+          </a:prstGeom>
+          <a:ln w="50800">
+            <a:tailEnd type="triangle"/>
+          </a:ln>
+        </p:spPr>
+        <p:style>
+          <a:lnRef idx="1">
+            <a:schemeClr val="accent1"/>
+          </a:lnRef>
+          <a:fillRef idx="0">
+            <a:schemeClr val="accent1"/>
+          </a:fillRef>
+          <a:effectRef idx="0">
+            <a:schemeClr val="accent1"/>
+          </a:effectRef>
+          <a:fontRef idx="minor">
+            <a:schemeClr val="tx1"/>
+          </a:fontRef>
+        </p:style>
+      </p:cxnSp>
+      <p:cxnSp>
+        <p:nvCxnSpPr>
+          <p:cNvPr id="10" name="直線矢印コネクタ 9">
+            <a:extLst>
+              <a:ext uri="{FF2B5EF4-FFF2-40B4-BE49-F238E27FC236}">
+                <a16:creationId xmlns:a16="http://schemas.microsoft.com/office/drawing/2014/main" id="{DB294122-1253-6E41-8BE3-33925524A7A1}"/>
+              </a:ext>
+            </a:extLst>
+          </p:cNvPr>
+          <p:cNvCxnSpPr>
+            <a:cxnSpLocks/>
+            <a:stCxn id="6" idx="3"/>
+            <a:endCxn id="4" idx="3"/>
+          </p:cNvCxnSpPr>
+          <p:nvPr/>
+        </p:nvCxnSpPr>
+        <p:spPr>
+          <a:xfrm flipV="1">
+            <a:off x="4929314" y="3637449"/>
+            <a:ext cx="2591230" cy="231387"/>
+          </a:xfrm>
+          <a:prstGeom prst="straightConnector1">
+            <a:avLst/>
+          </a:prstGeom>
+          <a:ln w="25400">
+            <a:tailEnd type="triangle"/>
+          </a:ln>
+        </p:spPr>
+        <p:style>
+          <a:lnRef idx="1">
+            <a:schemeClr val="accent1"/>
+          </a:lnRef>
+          <a:fillRef idx="0">
+            <a:schemeClr val="accent1"/>
+          </a:fillRef>
+          <a:effectRef idx="0">
+            <a:schemeClr val="accent1"/>
+          </a:effectRef>
+          <a:fontRef idx="minor">
+            <a:schemeClr val="tx1"/>
+          </a:fontRef>
+        </p:style>
+      </p:cxnSp>
+      <p:cxnSp>
+        <p:nvCxnSpPr>
+          <p:cNvPr id="13" name="直線矢印コネクタ 12">
+            <a:extLst>
+              <a:ext uri="{FF2B5EF4-FFF2-40B4-BE49-F238E27FC236}">
+                <a16:creationId xmlns:a16="http://schemas.microsoft.com/office/drawing/2014/main" id="{9553E4A1-3AEA-8145-9D23-A172DEBCBAA2}"/>
+              </a:ext>
+            </a:extLst>
+          </p:cNvPr>
+          <p:cNvCxnSpPr>
+            <a:cxnSpLocks/>
+            <a:stCxn id="7" idx="3"/>
+            <a:endCxn id="4" idx="4"/>
+          </p:cNvCxnSpPr>
+          <p:nvPr/>
+        </p:nvCxnSpPr>
+        <p:spPr>
+          <a:xfrm flipV="1">
+            <a:off x="6479358" y="3784920"/>
+            <a:ext cx="1397214" cy="839163"/>
+          </a:xfrm>
+          <a:prstGeom prst="straightConnector1">
+            <a:avLst/>
+          </a:prstGeom>
+          <a:ln w="31750">
+            <a:tailEnd type="triangle"/>
+          </a:ln>
+        </p:spPr>
+        <p:style>
+          <a:lnRef idx="1">
+            <a:schemeClr val="accent1"/>
+          </a:lnRef>
+          <a:fillRef idx="0">
+            <a:schemeClr val="accent1"/>
+          </a:fillRef>
+          <a:effectRef idx="0">
+            <a:schemeClr val="accent1"/>
+          </a:effectRef>
+          <a:fontRef idx="minor">
+            <a:schemeClr val="tx1"/>
+          </a:fontRef>
+        </p:style>
+      </p:cxnSp>
+      <p:cxnSp>
+        <p:nvCxnSpPr>
+          <p:cNvPr id="20" name="直線矢印コネクタ 19">
+            <a:extLst>
+              <a:ext uri="{FF2B5EF4-FFF2-40B4-BE49-F238E27FC236}">
+                <a16:creationId xmlns:a16="http://schemas.microsoft.com/office/drawing/2014/main" id="{61251FC3-E4A7-164C-88AA-F7678AB971E4}"/>
+              </a:ext>
+            </a:extLst>
+          </p:cNvPr>
+          <p:cNvCxnSpPr>
+            <a:cxnSpLocks/>
+            <a:stCxn id="5" idx="2"/>
+            <a:endCxn id="6" idx="0"/>
+          </p:cNvCxnSpPr>
+          <p:nvPr/>
+        </p:nvCxnSpPr>
+        <p:spPr>
+          <a:xfrm>
+            <a:off x="4207398" y="3143200"/>
+            <a:ext cx="10073" cy="389970"/>
+          </a:xfrm>
+          <a:prstGeom prst="straightConnector1">
+            <a:avLst/>
+          </a:prstGeom>
+          <a:ln w="50800">
+            <a:solidFill>
+              <a:srgbClr val="FF0000"/>
+            </a:solidFill>
+            <a:headEnd type="triangle"/>
+            <a:tailEnd type="triangle"/>
+          </a:ln>
+        </p:spPr>
+        <p:style>
+          <a:lnRef idx="1">
+            <a:schemeClr val="accent2"/>
+          </a:lnRef>
+          <a:fillRef idx="0">
+            <a:schemeClr val="accent2"/>
+          </a:fillRef>
+          <a:effectRef idx="0">
+            <a:schemeClr val="accent2"/>
+          </a:effectRef>
+          <a:fontRef idx="minor">
+            <a:schemeClr val="tx1"/>
+          </a:fontRef>
+        </p:style>
+      </p:cxnSp>
+      <p:sp>
+        <p:nvSpPr>
+          <p:cNvPr id="25" name="テキスト ボックス 24">
+            <a:extLst>
+              <a:ext uri="{FF2B5EF4-FFF2-40B4-BE49-F238E27FC236}">
+                <a16:creationId xmlns:a16="http://schemas.microsoft.com/office/drawing/2014/main" id="{3A95E26B-9B57-F84D-A60E-1B5B10F9CA44}"/>
+              </a:ext>
+            </a:extLst>
+          </p:cNvPr>
+          <p:cNvSpPr txBox="1"/>
+          <p:nvPr/>
+        </p:nvSpPr>
+        <p:spPr>
+          <a:xfrm>
+            <a:off x="4929314" y="2266842"/>
+            <a:ext cx="3647152" cy="369332"/>
+          </a:xfrm>
+          <a:prstGeom prst="rect">
+            <a:avLst/>
+          </a:prstGeom>
+          <a:noFill/>
+        </p:spPr>
+        <p:txBody>
+          <a:bodyPr wrap="none" rtlCol="0">
+            <a:spAutoFit/>
           </a:bodyPr>
           <a:lstStyle/>
           <a:p>
             <a:r>
               <a:rPr lang="ja-JP" altLang="en-US"/>
-              <a:t>まず</a:t>
-            </a:r>
+              <a:t>実際は</a:t>
+            </a:r>
+            <a:r>
+              <a:rPr kumimoji="1" lang="ja-JP" altLang="en-US"/>
+              <a:t>説明変数１の寄与が大きい</a:t>
+            </a:r>
+          </a:p>
+        </p:txBody>
+      </p:sp>
+      <p:sp>
+        <p:nvSpPr>
+          <p:cNvPr id="26" name="テキスト ボックス 25">
+            <a:extLst>
+              <a:ext uri="{FF2B5EF4-FFF2-40B4-BE49-F238E27FC236}">
+                <a16:creationId xmlns:a16="http://schemas.microsoft.com/office/drawing/2014/main" id="{10626091-232D-D14C-9B75-3E1EBB9C467F}"/>
+              </a:ext>
+            </a:extLst>
+          </p:cNvPr>
+          <p:cNvSpPr txBox="1"/>
+          <p:nvPr/>
+        </p:nvSpPr>
+        <p:spPr>
+          <a:xfrm>
+            <a:off x="1200249" y="3163838"/>
+            <a:ext cx="2852063" cy="369332"/>
+          </a:xfrm>
+          <a:prstGeom prst="rect">
+            <a:avLst/>
+          </a:prstGeom>
+          <a:noFill/>
+        </p:spPr>
+        <p:txBody>
+          <a:bodyPr wrap="none" rtlCol="0">
+            <a:spAutoFit/>
+          </a:bodyPr>
+          <a:lstStyle/>
+          <a:p>
+            <a:r>
+              <a:rPr kumimoji="1" lang="ja-JP" altLang="en-US"/>
+              <a:t>説明変数１と</a:t>
+            </a:r>
+            <a:r>
+              <a:rPr kumimoji="1" lang="en-US" altLang="ja-JP" dirty="0"/>
+              <a:t>2</a:t>
+            </a:r>
+            <a:r>
+              <a:rPr kumimoji="1" lang="ja-JP" altLang="en-US"/>
+              <a:t>に強い相関</a:t>
+            </a:r>
+          </a:p>
+        </p:txBody>
+      </p:sp>
+      <p:sp>
+        <p:nvSpPr>
+          <p:cNvPr id="27" name="テキスト ボックス 26">
+            <a:extLst>
+              <a:ext uri="{FF2B5EF4-FFF2-40B4-BE49-F238E27FC236}">
+                <a16:creationId xmlns:a16="http://schemas.microsoft.com/office/drawing/2014/main" id="{95C0703B-387C-4746-A9D1-C7BCB00ED6AB}"/>
+              </a:ext>
+            </a:extLst>
+          </p:cNvPr>
+          <p:cNvSpPr txBox="1"/>
+          <p:nvPr/>
+        </p:nvSpPr>
+        <p:spPr>
+          <a:xfrm>
+            <a:off x="8380070" y="3980847"/>
+            <a:ext cx="2031325" cy="646331"/>
+          </a:xfrm>
+          <a:prstGeom prst="rect">
+            <a:avLst/>
+          </a:prstGeom>
+          <a:noFill/>
+        </p:spPr>
+        <p:txBody>
+          <a:bodyPr wrap="none" rtlCol="0">
+            <a:spAutoFit/>
+          </a:bodyPr>
+          <a:lstStyle/>
+          <a:p>
+            <a:r>
+              <a:rPr kumimoji="1" lang="ja-JP" altLang="en-US"/>
+              <a:t>推定した係数</a:t>
+            </a:r>
+            <a:r>
+              <a:rPr kumimoji="1" lang="en-US" altLang="ja-JP" dirty="0"/>
+              <a:t>β</a:t>
+            </a:r>
+            <a:r>
+              <a:rPr kumimoji="1" lang="ja-JP" altLang="en-US"/>
+              <a:t>は</a:t>
+            </a:r>
+            <a:endParaRPr kumimoji="1" lang="en-US" altLang="ja-JP" dirty="0"/>
+          </a:p>
+          <a:p>
             <a:r>
               <a:rPr lang="en-US" altLang="ja-JP" dirty="0"/>
-              <a:t>plot</a:t>
-            </a:r>
-            <a:r>
-              <a:rPr lang="ja-JP" altLang="en-US"/>
-              <a:t>して可視化</a:t>
-            </a:r>
-            <a:endParaRPr lang="en-US" altLang="ja-JP" dirty="0"/>
-          </a:p>
-          <a:p>
-            <a:endParaRPr lang="en-US" altLang="ja-JP" dirty="0"/>
-          </a:p>
-          <a:p>
-            <a:r>
-              <a:rPr lang="ja-JP" altLang="en-US">
-                <a:solidFill>
-                  <a:schemeClr val="bg2">
-                    <a:lumMod val="50000"/>
-                  </a:schemeClr>
-                </a:solidFill>
-              </a:rPr>
-              <a:t>分布からずれていないかチェックのプロット；</a:t>
-            </a:r>
-            <a:r>
-              <a:rPr lang="en-US" altLang="ja-JP" dirty="0" err="1">
-                <a:solidFill>
-                  <a:schemeClr val="bg2">
-                    <a:lumMod val="50000"/>
-                  </a:schemeClr>
-                </a:solidFill>
-              </a:rPr>
-              <a:t>QQplot</a:t>
-            </a:r>
-            <a:endParaRPr lang="en-US" altLang="ja-JP" dirty="0">
-              <a:solidFill>
-                <a:schemeClr val="bg2">
-                  <a:lumMod val="50000"/>
-                </a:schemeClr>
-              </a:solidFill>
-            </a:endParaRPr>
-          </a:p>
-          <a:p>
-            <a:pPr marL="457200" lvl="1" indent="0">
-              <a:buNone/>
-            </a:pPr>
-            <a:endParaRPr lang="en-US" altLang="ja-JP" dirty="0">
-              <a:solidFill>
-                <a:schemeClr val="bg2">
-                  <a:lumMod val="50000"/>
-                </a:schemeClr>
-              </a:solidFill>
-            </a:endParaRPr>
-          </a:p>
-          <a:p>
-            <a:r>
-              <a:rPr lang="en-US" altLang="ja-JP" dirty="0">
-                <a:solidFill>
-                  <a:schemeClr val="bg2">
-                    <a:lumMod val="50000"/>
-                  </a:schemeClr>
-                </a:solidFill>
-              </a:rPr>
-              <a:t>Shapiro-Wilk</a:t>
-            </a:r>
-            <a:r>
-              <a:rPr lang="ja-JP" altLang="en-US">
-                <a:solidFill>
-                  <a:schemeClr val="bg2">
-                    <a:lumMod val="50000"/>
-                  </a:schemeClr>
-                </a:solidFill>
-              </a:rPr>
-              <a:t>検定</a:t>
-            </a:r>
-            <a:endParaRPr lang="en-US" altLang="ja-JP" dirty="0">
-              <a:solidFill>
-                <a:schemeClr val="bg2">
-                  <a:lumMod val="50000"/>
-                </a:schemeClr>
-              </a:solidFill>
-            </a:endParaRPr>
+              <a:t>β1 &lt; β2 </a:t>
+            </a:r>
+            <a:endParaRPr kumimoji="1" lang="ja-JP" altLang="en-US"/>
           </a:p>
         </p:txBody>
       </p:sp>
     </p:spTree>
     <p:extLst>
       <p:ext uri="{BB962C8B-B14F-4D97-AF65-F5344CB8AC3E}">
-        <p14:creationId xmlns:p14="http://schemas.microsoft.com/office/powerpoint/2010/main" val="1722450886"/>
+        <p14:creationId xmlns:p14="http://schemas.microsoft.com/office/powerpoint/2010/main" val="3203436587"/>
       </p:ext>
     </p:extLst>
   </p:cSld>
@@ -5392,7 +5149,7 @@
           <p:cNvPr id="2" name="タイトル 1">
             <a:extLst>
               <a:ext uri="{FF2B5EF4-FFF2-40B4-BE49-F238E27FC236}">
-                <a16:creationId xmlns:a16="http://schemas.microsoft.com/office/drawing/2014/main" id="{593893BE-BD11-5648-B363-0A47FB81D8B9}"/>
+                <a16:creationId xmlns:a16="http://schemas.microsoft.com/office/drawing/2014/main" id="{30189EB3-E20E-E446-9602-17104CBD75A8}"/>
               </a:ext>
             </a:extLst>
           </p:cNvPr>
@@ -5409,9 +5166,10 @@
           <a:lstStyle/>
           <a:p>
             <a:r>
-              <a:rPr kumimoji="1" lang="ja-JP" altLang="en-US"/>
-              <a:t>線形モデルの結果をプロット</a:t>
-            </a:r>
+              <a:rPr lang="en-US" altLang="ja-JP" dirty="0"/>
+              <a:t>VIF (Variance Inflation Factor)</a:t>
+            </a:r>
+            <a:endParaRPr kumimoji="1" lang="ja-JP" altLang="en-US"/>
           </a:p>
         </p:txBody>
       </p:sp>
@@ -5420,7 +5178,7 @@
           <p:cNvPr id="3" name="コンテンツ プレースホルダー 2">
             <a:extLst>
               <a:ext uri="{FF2B5EF4-FFF2-40B4-BE49-F238E27FC236}">
-                <a16:creationId xmlns:a16="http://schemas.microsoft.com/office/drawing/2014/main" id="{49E414B3-99D4-2B4A-B335-2BAEFB18D4DF}"/>
+                <a16:creationId xmlns:a16="http://schemas.microsoft.com/office/drawing/2014/main" id="{DB1543A7-7CD6-674F-9627-7ACC6DEA1310}"/>
               </a:ext>
             </a:extLst>
           </p:cNvPr>
@@ -5434,153 +5192,117 @@
         <p:spPr/>
         <p:txBody>
           <a:bodyPr>
-            <a:normAutofit lnSpcReduction="10000"/>
+            <a:normAutofit/>
           </a:bodyPr>
           <a:lstStyle/>
           <a:p>
             <a:r>
               <a:rPr kumimoji="1" lang="ja-JP" altLang="en-US"/>
-              <a:t>第</a:t>
+              <a:t>説明変数同士の相関の強さを示す指標の一つ．</a:t>
+            </a:r>
+            <a:endParaRPr kumimoji="1" lang="en-US" altLang="ja-JP" dirty="0"/>
+          </a:p>
+          <a:p>
+            <a:endParaRPr lang="en-US" altLang="ja-JP" dirty="0"/>
+          </a:p>
+          <a:p>
+            <a:r>
+              <a:rPr kumimoji="1" lang="ja-JP" altLang="en-US"/>
+              <a:t>（解析対象の目的変数を除き）説明変数を一つずつ目的変数にとり直した場合の</a:t>
+            </a:r>
+            <a:r>
+              <a:rPr lang="ja-JP" altLang="en-US"/>
+              <a:t>決定係数</a:t>
+            </a:r>
+            <a:r>
+              <a:rPr lang="en-US" altLang="ja-JP" i="1" dirty="0"/>
+              <a:t>r </a:t>
+            </a:r>
+            <a:r>
+              <a:rPr lang="en-US" altLang="ja-JP" baseline="30000" dirty="0"/>
+              <a:t>2</a:t>
+            </a:r>
+            <a:r>
+              <a:rPr kumimoji="1" lang="ja-JP" altLang="en-US"/>
+              <a:t>を用いて以下で算出．</a:t>
+            </a:r>
+            <a:endParaRPr kumimoji="1" lang="en-US" altLang="ja-JP" dirty="0"/>
+          </a:p>
+          <a:p>
+            <a:pPr lvl="1"/>
+            <a:r>
+              <a:rPr lang="en-US" altLang="ja-JP" dirty="0"/>
+              <a:t>VIF= 1 /(1−</a:t>
+            </a:r>
+            <a:r>
+              <a:rPr lang="en-US" altLang="ja-JP" i="1" dirty="0"/>
+              <a:t>r </a:t>
+            </a:r>
+            <a:r>
+              <a:rPr lang="en-US" altLang="ja-JP" baseline="30000" dirty="0"/>
+              <a:t>2</a:t>
+            </a:r>
+            <a:r>
+              <a:rPr lang="en-US" altLang="ja-JP" dirty="0"/>
+              <a:t>) </a:t>
+            </a:r>
+            <a:r>
+              <a:rPr lang="ja-JP" altLang="en-US"/>
+              <a:t> </a:t>
+            </a:r>
+            <a:endParaRPr lang="en-US" altLang="ja-JP" dirty="0"/>
+          </a:p>
+          <a:p>
+            <a:endParaRPr lang="en-US" altLang="ja-JP" dirty="0"/>
+          </a:p>
+          <a:p>
+            <a:r>
+              <a:rPr kumimoji="1" lang="ja-JP" altLang="en-US"/>
+              <a:t>数値が大きいときに変数を除くことが推奨．（</a:t>
             </a:r>
             <a:r>
               <a:rPr kumimoji="1" lang="en-US" altLang="ja-JP" dirty="0"/>
-              <a:t>12</a:t>
-            </a:r>
-            <a:r>
-              <a:rPr kumimoji="1" lang="ja-JP" altLang="en-US"/>
-              <a:t>回；線形モデル１で生成したシミュレーションデータの線形モデル解析結果を利用．</a:t>
-            </a:r>
-            <a:endParaRPr kumimoji="1" lang="en-US" altLang="ja-JP" dirty="0"/>
-          </a:p>
-          <a:p>
-            <a:pPr lvl="1"/>
-            <a:r>
-              <a:rPr lang="en-US" altLang="ja-JP" dirty="0" err="1"/>
-              <a:t>res_lm</a:t>
+              <a:t>VIF&gt;10</a:t>
+            </a:r>
+            <a:r>
+              <a:rPr kumimoji="1" lang="ja-JP" altLang="en-US"/>
+              <a:t>が目安とされることが多い．</a:t>
+            </a:r>
+            <a:r>
+              <a:rPr lang="ja-JP" altLang="en-US"/>
+              <a:t>このとき</a:t>
+            </a:r>
+            <a:r>
+              <a:rPr lang="en-US" altLang="ja-JP" i="1" dirty="0"/>
+              <a:t>r</a:t>
             </a:r>
             <a:r>
               <a:rPr lang="en-US" altLang="ja-JP" dirty="0"/>
-              <a:t> &lt;- </a:t>
-            </a:r>
-            <a:r>
-              <a:rPr lang="en-US" altLang="ja-JP" dirty="0" err="1"/>
-              <a:t>lm</a:t>
+              <a:t> </a:t>
+            </a:r>
+            <a:r>
+              <a:rPr lang="ja-JP" altLang="en-US"/>
+              <a:t>≒</a:t>
             </a:r>
             <a:r>
               <a:rPr lang="en-US" altLang="ja-JP" dirty="0"/>
-              <a:t>(log(catch)~vessel+temp-1, data=</a:t>
-            </a:r>
-            <a:r>
-              <a:rPr lang="en-US" altLang="ja-JP" dirty="0" err="1"/>
-              <a:t>catch_data</a:t>
-            </a:r>
-            <a:r>
-              <a:rPr lang="en-US" altLang="ja-JP" dirty="0"/>
-              <a:t>)</a:t>
-            </a:r>
-          </a:p>
-          <a:p>
-            <a:pPr lvl="1"/>
-            <a:endParaRPr lang="en-US" altLang="ja-JP" dirty="0"/>
-          </a:p>
-          <a:p>
+              <a:t>0.95</a:t>
+            </a:r>
             <a:r>
               <a:rPr lang="ja-JP" altLang="en-US"/>
-              <a:t>残差は</a:t>
-            </a:r>
-            <a:r>
-              <a:rPr lang="en-US" altLang="ja-JP" dirty="0" err="1"/>
-              <a:t>lm</a:t>
-            </a:r>
-            <a:r>
-              <a:rPr lang="ja-JP" altLang="en-US"/>
-              <a:t>関数の結果オブジェクトの</a:t>
-            </a:r>
-            <a:r>
-              <a:rPr lang="en-US" altLang="ja-JP" dirty="0"/>
-              <a:t>residuals</a:t>
-            </a:r>
-            <a:r>
-              <a:rPr lang="ja-JP" altLang="en-US"/>
-              <a:t>に格納．これをプロットする</a:t>
-            </a:r>
-            <a:r>
-              <a:rPr lang="en-US" altLang="ja-JP" dirty="0"/>
-              <a:t> (</a:t>
-            </a:r>
-            <a:r>
-              <a:rPr lang="ja-JP" altLang="en-US"/>
-              <a:t>第</a:t>
-            </a:r>
-            <a:r>
-              <a:rPr lang="en-US" altLang="ja-JP" dirty="0"/>
-              <a:t>14</a:t>
-            </a:r>
-            <a:r>
-              <a:rPr lang="ja-JP" altLang="en-US"/>
-              <a:t>回参照</a:t>
-            </a:r>
-            <a:r>
-              <a:rPr lang="en-US" altLang="ja-JP" dirty="0"/>
-              <a:t>)</a:t>
-            </a:r>
-            <a:r>
-              <a:rPr lang="ja-JP" altLang="en-US"/>
-              <a:t>．</a:t>
-            </a:r>
-            <a:endParaRPr lang="en-US" altLang="ja-JP" dirty="0"/>
-          </a:p>
-          <a:p>
-            <a:pPr lvl="1"/>
-            <a:r>
-              <a:rPr lang="en-US" altLang="ja-JP" dirty="0"/>
-              <a:t>plot(</a:t>
-            </a:r>
-            <a:r>
-              <a:rPr lang="en-US" altLang="ja-JP" dirty="0" err="1"/>
-              <a:t>res_lm$residuals</a:t>
-            </a:r>
-            <a:r>
-              <a:rPr lang="en-US" altLang="ja-JP" dirty="0"/>
-              <a:t>)</a:t>
-            </a:r>
-          </a:p>
-          <a:p>
-            <a:pPr lvl="1"/>
-            <a:r>
-              <a:rPr lang="en-US" altLang="ja-JP" dirty="0"/>
-              <a:t>hist(</a:t>
-            </a:r>
-            <a:r>
-              <a:rPr lang="en-US" altLang="ja-JP" dirty="0" err="1"/>
-              <a:t>res_lm$residuals</a:t>
-            </a:r>
-            <a:r>
-              <a:rPr lang="en-US" altLang="ja-JP" dirty="0"/>
-              <a:t>)</a:t>
-            </a:r>
-          </a:p>
-          <a:p>
-            <a:pPr lvl="1"/>
-            <a:endParaRPr lang="en-US" altLang="ja-JP" dirty="0"/>
-          </a:p>
-          <a:p>
-            <a:r>
-              <a:rPr lang="en-US" altLang="ja-JP" dirty="0" err="1"/>
-              <a:t>lm</a:t>
-            </a:r>
-            <a:r>
-              <a:rPr lang="ja-JP" altLang="en-US"/>
-              <a:t>では誤差構造が正規分布．残差が正規分布に従っているかを視覚的に確認．</a:t>
-            </a:r>
-            <a:endParaRPr lang="en-US" altLang="ja-JP" dirty="0"/>
+              <a:t>でかなり相関が強い</a:t>
+            </a:r>
+            <a:r>
+              <a:rPr kumimoji="1" lang="ja-JP" altLang="en-US"/>
+              <a:t>）</a:t>
+            </a:r>
           </a:p>
         </p:txBody>
       </p:sp>
     </p:spTree>
     <p:extLst>
       <p:ext uri="{BB962C8B-B14F-4D97-AF65-F5344CB8AC3E}">
-        <p14:creationId xmlns:p14="http://schemas.microsoft.com/office/powerpoint/2010/main" val="3428185782"/>
+        <p14:creationId xmlns:p14="http://schemas.microsoft.com/office/powerpoint/2010/main" val="4089472562"/>
       </p:ext>
     </p:extLst>
   </p:cSld>
@@ -5612,7 +5334,7 @@
           <p:cNvPr id="2" name="タイトル 1">
             <a:extLst>
               <a:ext uri="{FF2B5EF4-FFF2-40B4-BE49-F238E27FC236}">
-                <a16:creationId xmlns:a16="http://schemas.microsoft.com/office/drawing/2014/main" id="{68BB739B-FF50-7947-89AB-1B70AF4DD3EA}"/>
+                <a16:creationId xmlns:a16="http://schemas.microsoft.com/office/drawing/2014/main" id="{3F6B5629-0FA3-1940-B7CA-024FFC072B93}"/>
               </a:ext>
             </a:extLst>
           </p:cNvPr>
@@ -5630,7 +5352,7 @@
           <a:p>
             <a:r>
               <a:rPr lang="ja-JP" altLang="en-US"/>
-              <a:t>正規性のチェック</a:t>
+              <a:t>線形モデルの決定係数</a:t>
             </a:r>
             <a:endParaRPr kumimoji="1" lang="ja-JP" altLang="en-US"/>
           </a:p>
@@ -5641,7 +5363,7 @@
           <p:cNvPr id="3" name="コンテンツ プレースホルダー 2">
             <a:extLst>
               <a:ext uri="{FF2B5EF4-FFF2-40B4-BE49-F238E27FC236}">
-                <a16:creationId xmlns:a16="http://schemas.microsoft.com/office/drawing/2014/main" id="{B7EB713B-B0D0-A347-9D4F-48B4383A8075}"/>
+                <a16:creationId xmlns:a16="http://schemas.microsoft.com/office/drawing/2014/main" id="{81DB0DBE-E7D7-6F4B-8832-44FD5C331C84}"/>
               </a:ext>
             </a:extLst>
           </p:cNvPr>
@@ -5655,7 +5377,7 @@
         <p:spPr>
           <a:xfrm>
             <a:off x="838200" y="1825625"/>
-            <a:ext cx="10756900" cy="4351338"/>
+            <a:ext cx="10515600" cy="4834482"/>
           </a:xfrm>
         </p:spPr>
         <p:txBody>
@@ -5665,104 +5387,2018 @@
           <a:lstStyle/>
           <a:p>
             <a:r>
-              <a:rPr lang="ja-JP" altLang="en-US">
+              <a:rPr kumimoji="1" lang="ja-JP" altLang="en-US"/>
+              <a:t>各変数の平均値からのズレ（全変動）を回帰による予測の寄与（回帰変動）、残差の寄与（残差変動）に分解できる．</a:t>
+            </a:r>
+            <a:endParaRPr kumimoji="1" lang="en-US" altLang="ja-JP" dirty="0"/>
+          </a:p>
+          <a:p>
+            <a:pPr lvl="1"/>
+            <a:r>
+              <a:rPr lang="ja-JP" altLang="en-US"/>
+              <a:t>説明変数が一つ</a:t>
+            </a:r>
+            <a:r>
+              <a:rPr lang="en-US" altLang="ja-JP" dirty="0"/>
+              <a:t>(</a:t>
+            </a:r>
+            <a:r>
+              <a:rPr lang="en-US" altLang="ja-JP" i="1" dirty="0"/>
+              <a:t>x</a:t>
+            </a:r>
+            <a:r>
+              <a:rPr lang="en-US" altLang="ja-JP" dirty="0"/>
+              <a:t>)</a:t>
+            </a:r>
+            <a:r>
+              <a:rPr lang="ja-JP" altLang="en-US"/>
+              <a:t>しかない単回帰の場合．</a:t>
+            </a:r>
+            <a:endParaRPr lang="en-US" altLang="ja-JP" dirty="0"/>
+          </a:p>
+          <a:p>
+            <a:endParaRPr kumimoji="1" lang="en-US" altLang="ja-JP" dirty="0"/>
+          </a:p>
+          <a:p>
+            <a:endParaRPr lang="en-US" altLang="ja-JP" dirty="0"/>
+          </a:p>
+          <a:p>
+            <a:endParaRPr kumimoji="1" lang="en-US" altLang="ja-JP" dirty="0"/>
+          </a:p>
+          <a:p>
+            <a:endParaRPr lang="en-US" altLang="ja-JP" dirty="0"/>
+          </a:p>
+          <a:p>
+            <a:endParaRPr kumimoji="1" lang="en-US" altLang="ja-JP" dirty="0"/>
+          </a:p>
+          <a:p>
+            <a:endParaRPr kumimoji="1" lang="en-US" altLang="ja-JP" dirty="0"/>
+          </a:p>
+          <a:p>
+            <a:r>
+              <a:rPr lang="en-US" altLang="ja-JP" i="1" dirty="0"/>
+              <a:t>R</a:t>
+            </a:r>
+            <a:r>
+              <a:rPr lang="ja-JP" altLang="en-US" i="1"/>
+              <a:t> </a:t>
+            </a:r>
+            <a:r>
+              <a:rPr lang="en-US" altLang="ja-JP" baseline="30000" dirty="0"/>
+              <a:t>2</a:t>
+            </a:r>
+            <a:r>
+              <a:rPr lang="en-US" altLang="ja-JP" dirty="0"/>
+              <a:t>= </a:t>
+            </a:r>
+            <a:r>
+              <a:rPr lang="ja-JP" altLang="en-US"/>
+              <a:t>回帰変動</a:t>
+            </a:r>
+            <a:r>
+              <a:rPr lang="en-US" altLang="ja-JP" dirty="0"/>
+              <a:t>/</a:t>
+            </a:r>
+            <a:r>
+              <a:rPr lang="ja-JP" altLang="en-US"/>
+              <a:t>全変動</a:t>
+            </a:r>
+            <a:r>
+              <a:rPr lang="en-US" altLang="ja-JP" dirty="0"/>
+              <a:t>=1−</a:t>
+            </a:r>
+            <a:r>
+              <a:rPr lang="ja-JP" altLang="en-US"/>
+              <a:t>残差変動</a:t>
+            </a:r>
+            <a:r>
+              <a:rPr lang="en-US" altLang="ja-JP" dirty="0"/>
+              <a:t>/</a:t>
+            </a:r>
+            <a:r>
+              <a:rPr lang="ja-JP" altLang="en-US"/>
+              <a:t>全変動</a:t>
+            </a:r>
+            <a:endParaRPr lang="en-US" altLang="ja-JP" dirty="0"/>
+          </a:p>
+          <a:p>
+            <a:endParaRPr kumimoji="1" lang="en-US" altLang="ja-JP" dirty="0"/>
+          </a:p>
+          <a:p>
+            <a:endParaRPr kumimoji="1" lang="ja-JP" altLang="en-US"/>
+          </a:p>
+        </p:txBody>
+      </p:sp>
+      <p:grpSp>
+        <p:nvGrpSpPr>
+          <p:cNvPr id="41" name="グループ化 40">
+            <a:extLst>
+              <a:ext uri="{FF2B5EF4-FFF2-40B4-BE49-F238E27FC236}">
+                <a16:creationId xmlns:a16="http://schemas.microsoft.com/office/drawing/2014/main" id="{3A397841-D6E3-8246-924F-4CDB39D51A8D}"/>
+              </a:ext>
+            </a:extLst>
+          </p:cNvPr>
+          <p:cNvGrpSpPr/>
+          <p:nvPr/>
+        </p:nvGrpSpPr>
+        <p:grpSpPr>
+          <a:xfrm>
+            <a:off x="1857257" y="3083934"/>
+            <a:ext cx="8776420" cy="2932576"/>
+            <a:chOff x="2291914" y="3113382"/>
+            <a:chExt cx="9164817" cy="3274605"/>
+          </a:xfrm>
+        </p:grpSpPr>
+        <p:cxnSp>
+          <p:nvCxnSpPr>
+            <p:cNvPr id="5" name="直線矢印コネクタ 4">
+              <a:extLst>
+                <a:ext uri="{FF2B5EF4-FFF2-40B4-BE49-F238E27FC236}">
+                  <a16:creationId xmlns:a16="http://schemas.microsoft.com/office/drawing/2014/main" id="{29F9A421-F120-B84C-97D8-CBFC7621667F}"/>
+                </a:ext>
+              </a:extLst>
+            </p:cNvPr>
+            <p:cNvCxnSpPr>
+              <a:cxnSpLocks/>
+            </p:cNvCxnSpPr>
+            <p:nvPr/>
+          </p:nvCxnSpPr>
+          <p:spPr>
+            <a:xfrm>
+              <a:off x="3024496" y="6130345"/>
+              <a:ext cx="4985830" cy="11447"/>
+            </a:xfrm>
+            <a:prstGeom prst="straightConnector1">
+              <a:avLst/>
+            </a:prstGeom>
+            <a:ln w="34925">
+              <a:solidFill>
+                <a:schemeClr val="tx1"/>
+              </a:solidFill>
+              <a:tailEnd type="triangle"/>
+            </a:ln>
+          </p:spPr>
+          <p:style>
+            <a:lnRef idx="1">
+              <a:schemeClr val="accent1"/>
+            </a:lnRef>
+            <a:fillRef idx="0">
+              <a:schemeClr val="accent1"/>
+            </a:fillRef>
+            <a:effectRef idx="0">
+              <a:schemeClr val="accent1"/>
+            </a:effectRef>
+            <a:fontRef idx="minor">
+              <a:schemeClr val="tx1"/>
+            </a:fontRef>
+          </p:style>
+        </p:cxnSp>
+        <p:cxnSp>
+          <p:nvCxnSpPr>
+            <p:cNvPr id="8" name="直線矢印コネクタ 7">
+              <a:extLst>
+                <a:ext uri="{FF2B5EF4-FFF2-40B4-BE49-F238E27FC236}">
+                  <a16:creationId xmlns:a16="http://schemas.microsoft.com/office/drawing/2014/main" id="{0F136A11-6BDE-5C43-8A1C-C0902238789F}"/>
+                </a:ext>
+              </a:extLst>
+            </p:cNvPr>
+            <p:cNvCxnSpPr>
+              <a:cxnSpLocks/>
+            </p:cNvCxnSpPr>
+            <p:nvPr/>
+          </p:nvCxnSpPr>
+          <p:spPr>
+            <a:xfrm flipV="1">
+              <a:off x="3024496" y="3382381"/>
+              <a:ext cx="0" cy="2747963"/>
+            </a:xfrm>
+            <a:prstGeom prst="straightConnector1">
+              <a:avLst/>
+            </a:prstGeom>
+            <a:ln w="34925">
+              <a:solidFill>
+                <a:schemeClr val="tx1"/>
+              </a:solidFill>
+              <a:tailEnd type="triangle"/>
+            </a:ln>
+          </p:spPr>
+          <p:style>
+            <a:lnRef idx="1">
+              <a:schemeClr val="accent1"/>
+            </a:lnRef>
+            <a:fillRef idx="0">
+              <a:schemeClr val="accent1"/>
+            </a:fillRef>
+            <a:effectRef idx="0">
+              <a:schemeClr val="accent1"/>
+            </a:effectRef>
+            <a:fontRef idx="minor">
+              <a:schemeClr val="tx1"/>
+            </a:fontRef>
+          </p:style>
+        </p:cxnSp>
+        <p:cxnSp>
+          <p:nvCxnSpPr>
+            <p:cNvPr id="11" name="直線矢印コネクタ 10">
+              <a:extLst>
+                <a:ext uri="{FF2B5EF4-FFF2-40B4-BE49-F238E27FC236}">
+                  <a16:creationId xmlns:a16="http://schemas.microsoft.com/office/drawing/2014/main" id="{3CE4B4D8-3716-814D-B044-F61A9C93109F}"/>
+                </a:ext>
+              </a:extLst>
+            </p:cNvPr>
+            <p:cNvCxnSpPr>
+              <a:cxnSpLocks/>
+            </p:cNvCxnSpPr>
+            <p:nvPr/>
+          </p:nvCxnSpPr>
+          <p:spPr>
+            <a:xfrm flipV="1">
+              <a:off x="2291914" y="4001294"/>
+              <a:ext cx="5718412" cy="2129050"/>
+            </a:xfrm>
+            <a:prstGeom prst="straightConnector1">
+              <a:avLst/>
+            </a:prstGeom>
+            <a:ln w="25400">
+              <a:solidFill>
+                <a:schemeClr val="accent1">
+                  <a:lumMod val="75000"/>
+                </a:schemeClr>
+              </a:solidFill>
+              <a:tailEnd type="none"/>
+            </a:ln>
+          </p:spPr>
+          <p:style>
+            <a:lnRef idx="1">
+              <a:schemeClr val="accent1"/>
+            </a:lnRef>
+            <a:fillRef idx="0">
+              <a:schemeClr val="accent1"/>
+            </a:fillRef>
+            <a:effectRef idx="0">
+              <a:schemeClr val="accent1"/>
+            </a:effectRef>
+            <a:fontRef idx="minor">
+              <a:schemeClr val="tx1"/>
+            </a:fontRef>
+          </p:style>
+        </p:cxnSp>
+        <p:sp>
+          <p:nvSpPr>
+            <p:cNvPr id="14" name="テキスト ボックス 13">
+              <a:extLst>
+                <a:ext uri="{FF2B5EF4-FFF2-40B4-BE49-F238E27FC236}">
+                  <a16:creationId xmlns:a16="http://schemas.microsoft.com/office/drawing/2014/main" id="{F8E10A13-5D96-D94B-83E4-29BBF448238C}"/>
+                </a:ext>
+              </a:extLst>
+            </p:cNvPr>
+            <p:cNvSpPr txBox="1"/>
+            <p:nvPr/>
+          </p:nvSpPr>
+          <p:spPr>
+            <a:xfrm>
+              <a:off x="8011236" y="6018655"/>
+              <a:ext cx="296876" cy="369332"/>
+            </a:xfrm>
+            <a:prstGeom prst="rect">
+              <a:avLst/>
+            </a:prstGeom>
+            <a:noFill/>
+          </p:spPr>
+          <p:txBody>
+            <a:bodyPr wrap="none" rtlCol="0">
+              <a:spAutoFit/>
+            </a:bodyPr>
+            <a:lstStyle/>
+            <a:p>
+              <a:r>
+                <a:rPr kumimoji="1" lang="en-US" altLang="ja-JP" i="1" dirty="0"/>
+                <a:t>x</a:t>
+              </a:r>
+              <a:endParaRPr kumimoji="1" lang="ja-JP" altLang="en-US" i="1"/>
+            </a:p>
+          </p:txBody>
+        </p:sp>
+        <p:sp>
+          <p:nvSpPr>
+            <p:cNvPr id="15" name="テキスト ボックス 14">
+              <a:extLst>
+                <a:ext uri="{FF2B5EF4-FFF2-40B4-BE49-F238E27FC236}">
+                  <a16:creationId xmlns:a16="http://schemas.microsoft.com/office/drawing/2014/main" id="{31498420-6968-0147-9A6C-02844B38CA2C}"/>
+                </a:ext>
+              </a:extLst>
+            </p:cNvPr>
+            <p:cNvSpPr txBox="1"/>
+            <p:nvPr/>
+          </p:nvSpPr>
+          <p:spPr>
+            <a:xfrm>
+              <a:off x="2724247" y="3113382"/>
+              <a:ext cx="296876" cy="369332"/>
+            </a:xfrm>
+            <a:prstGeom prst="rect">
+              <a:avLst/>
+            </a:prstGeom>
+            <a:noFill/>
+          </p:spPr>
+          <p:txBody>
+            <a:bodyPr wrap="none" rtlCol="0">
+              <a:spAutoFit/>
+            </a:bodyPr>
+            <a:lstStyle/>
+            <a:p>
+              <a:r>
+                <a:rPr kumimoji="1" lang="en-US" altLang="ja-JP" i="1" dirty="0"/>
+                <a:t>y</a:t>
+              </a:r>
+              <a:endParaRPr kumimoji="1" lang="ja-JP" altLang="en-US" i="1"/>
+            </a:p>
+          </p:txBody>
+        </p:sp>
+        <p:cxnSp>
+          <p:nvCxnSpPr>
+            <p:cNvPr id="16" name="直線矢印コネクタ 15">
+              <a:extLst>
+                <a:ext uri="{FF2B5EF4-FFF2-40B4-BE49-F238E27FC236}">
+                  <a16:creationId xmlns:a16="http://schemas.microsoft.com/office/drawing/2014/main" id="{E2F9C110-8B81-3940-B202-23F3683646EC}"/>
+                </a:ext>
+              </a:extLst>
+            </p:cNvPr>
+            <p:cNvCxnSpPr>
+              <a:cxnSpLocks/>
+              <a:endCxn id="18" idx="1"/>
+            </p:cNvCxnSpPr>
+            <p:nvPr/>
+          </p:nvCxnSpPr>
+          <p:spPr>
+            <a:xfrm flipV="1">
+              <a:off x="2518087" y="5219865"/>
+              <a:ext cx="5790025" cy="6116"/>
+            </a:xfrm>
+            <a:prstGeom prst="straightConnector1">
+              <a:avLst/>
+            </a:prstGeom>
+            <a:ln w="12700">
+              <a:solidFill>
+                <a:schemeClr val="accent6">
+                  <a:lumMod val="75000"/>
+                </a:schemeClr>
+              </a:solidFill>
+              <a:prstDash val="dash"/>
+              <a:tailEnd type="none"/>
+            </a:ln>
+          </p:spPr>
+          <p:style>
+            <a:lnRef idx="1">
+              <a:schemeClr val="accent1"/>
+            </a:lnRef>
+            <a:fillRef idx="0">
+              <a:schemeClr val="accent1"/>
+            </a:fillRef>
+            <a:effectRef idx="0">
+              <a:schemeClr val="accent1"/>
+            </a:effectRef>
+            <a:fontRef idx="minor">
+              <a:schemeClr val="tx1"/>
+            </a:fontRef>
+          </p:style>
+        </p:cxnSp>
+        <p:sp>
+          <p:nvSpPr>
+            <p:cNvPr id="18" name="テキスト ボックス 17">
+              <a:extLst>
+                <a:ext uri="{FF2B5EF4-FFF2-40B4-BE49-F238E27FC236}">
+                  <a16:creationId xmlns:a16="http://schemas.microsoft.com/office/drawing/2014/main" id="{BF27DD62-7DAD-774B-B01F-1B22BCEF2299}"/>
+                </a:ext>
+              </a:extLst>
+            </p:cNvPr>
+            <p:cNvSpPr txBox="1"/>
+            <p:nvPr/>
+          </p:nvSpPr>
+          <p:spPr>
+            <a:xfrm>
+              <a:off x="8308112" y="5035199"/>
+              <a:ext cx="3148619" cy="369332"/>
+            </a:xfrm>
+            <a:prstGeom prst="rect">
+              <a:avLst/>
+            </a:prstGeom>
+            <a:noFill/>
+          </p:spPr>
+          <p:txBody>
+            <a:bodyPr wrap="none" rtlCol="0">
+              <a:spAutoFit/>
+            </a:bodyPr>
+            <a:lstStyle/>
+            <a:p>
+              <a:r>
+                <a:rPr lang="en-US" altLang="ja-JP" i="1" dirty="0">
+                  <a:solidFill>
+                    <a:schemeClr val="accent6">
+                      <a:lumMod val="75000"/>
+                    </a:schemeClr>
+                  </a:solidFill>
+                </a:rPr>
+                <a:t>y </a:t>
+              </a:r>
+              <a:r>
+                <a:rPr kumimoji="1" lang="ja-JP" altLang="en-US">
+                  <a:solidFill>
+                    <a:schemeClr val="accent6">
+                      <a:lumMod val="75000"/>
+                    </a:schemeClr>
+                  </a:solidFill>
+                </a:rPr>
+                <a:t>の平均値</a:t>
+              </a:r>
+              <a:r>
+                <a:rPr kumimoji="1" lang="en-US" altLang="ja-JP" dirty="0">
+                  <a:solidFill>
+                    <a:schemeClr val="accent6">
+                      <a:lumMod val="75000"/>
+                    </a:schemeClr>
+                  </a:solidFill>
+                </a:rPr>
+                <a:t> (</a:t>
+              </a:r>
+              <a:r>
+                <a:rPr kumimoji="1" lang="ja-JP" altLang="en-US">
+                  <a:solidFill>
+                    <a:schemeClr val="accent6">
+                      <a:lumMod val="75000"/>
+                    </a:schemeClr>
+                  </a:solidFill>
+                </a:rPr>
+                <a:t>傾き０で無相関</a:t>
+              </a:r>
+              <a:r>
+                <a:rPr kumimoji="1" lang="en-US" altLang="ja-JP" dirty="0">
+                  <a:solidFill>
+                    <a:schemeClr val="accent6">
+                      <a:lumMod val="75000"/>
+                    </a:schemeClr>
+                  </a:solidFill>
+                </a:rPr>
+                <a:t>)</a:t>
+              </a:r>
+              <a:endParaRPr kumimoji="1" lang="ja-JP" altLang="en-US">
                 <a:solidFill>
-                  <a:schemeClr val="bg2">
-                    <a:lumMod val="50000"/>
+                  <a:schemeClr val="accent6">
+                    <a:lumMod val="75000"/>
                   </a:schemeClr>
                 </a:solidFill>
-              </a:rPr>
-              <a:t>まず</a:t>
-            </a:r>
-            <a:r>
-              <a:rPr lang="en-US" altLang="ja-JP" dirty="0">
-                <a:solidFill>
-                  <a:schemeClr val="bg2">
-                    <a:lumMod val="50000"/>
-                  </a:schemeClr>
-                </a:solidFill>
-              </a:rPr>
-              <a:t>plot</a:t>
-            </a:r>
-            <a:r>
-              <a:rPr lang="ja-JP" altLang="en-US">
-                <a:solidFill>
-                  <a:schemeClr val="bg2">
-                    <a:lumMod val="50000"/>
-                  </a:schemeClr>
-                </a:solidFill>
-              </a:rPr>
-              <a:t>して可視化</a:t>
-            </a:r>
-            <a:endParaRPr lang="en-US" altLang="ja-JP" dirty="0">
+              </a:endParaRPr>
+            </a:p>
+          </p:txBody>
+        </p:sp>
+        <p:sp>
+          <p:nvSpPr>
+            <p:cNvPr id="21" name="円/楕円 20">
+              <a:extLst>
+                <a:ext uri="{FF2B5EF4-FFF2-40B4-BE49-F238E27FC236}">
+                  <a16:creationId xmlns:a16="http://schemas.microsoft.com/office/drawing/2014/main" id="{FB7624E1-4613-AA4D-BA33-8BB2F8C298DC}"/>
+                </a:ext>
+              </a:extLst>
+            </p:cNvPr>
+            <p:cNvSpPr/>
+            <p:nvPr/>
+          </p:nvSpPr>
+          <p:spPr>
+            <a:xfrm>
+              <a:off x="6329908" y="3688312"/>
+              <a:ext cx="109182" cy="109182"/>
+            </a:xfrm>
+            <a:prstGeom prst="ellipse">
+              <a:avLst/>
+            </a:prstGeom>
+            <a:solidFill>
+              <a:schemeClr val="tx1"/>
+            </a:solidFill>
+          </p:spPr>
+          <p:style>
+            <a:lnRef idx="2">
+              <a:schemeClr val="accent1">
+                <a:shade val="50000"/>
+              </a:schemeClr>
+            </a:lnRef>
+            <a:fillRef idx="1">
+              <a:schemeClr val="accent1"/>
+            </a:fillRef>
+            <a:effectRef idx="0">
+              <a:schemeClr val="accent1"/>
+            </a:effectRef>
+            <a:fontRef idx="minor">
+              <a:schemeClr val="lt1"/>
+            </a:fontRef>
+          </p:style>
+          <p:txBody>
+            <a:bodyPr rtlCol="0" anchor="ctr"/>
+            <a:lstStyle/>
+            <a:p>
+              <a:pPr algn="ctr"/>
+              <a:endParaRPr kumimoji="1" lang="ja-JP" altLang="en-US"/>
+            </a:p>
+          </p:txBody>
+        </p:sp>
+        <p:cxnSp>
+          <p:nvCxnSpPr>
+            <p:cNvPr id="22" name="直線矢印コネクタ 21">
+              <a:extLst>
+                <a:ext uri="{FF2B5EF4-FFF2-40B4-BE49-F238E27FC236}">
+                  <a16:creationId xmlns:a16="http://schemas.microsoft.com/office/drawing/2014/main" id="{A7977A20-E309-CD4A-A634-3C60E8ECE38D}"/>
+                </a:ext>
+              </a:extLst>
+            </p:cNvPr>
+            <p:cNvCxnSpPr>
+              <a:cxnSpLocks/>
+              <a:endCxn id="21" idx="4"/>
+            </p:cNvCxnSpPr>
+            <p:nvPr/>
+          </p:nvCxnSpPr>
+          <p:spPr>
+            <a:xfrm flipV="1">
+              <a:off x="6384499" y="3797494"/>
+              <a:ext cx="0" cy="1399061"/>
+            </a:xfrm>
+            <a:prstGeom prst="straightConnector1">
+              <a:avLst/>
+            </a:prstGeom>
+            <a:ln w="41275">
               <a:solidFill>
-                <a:schemeClr val="bg2">
-                  <a:lumMod val="50000"/>
+                <a:srgbClr val="C00000"/>
+              </a:solidFill>
+              <a:prstDash val="dash"/>
+              <a:tailEnd type="none"/>
+            </a:ln>
+          </p:spPr>
+          <p:style>
+            <a:lnRef idx="1">
+              <a:schemeClr val="accent1"/>
+            </a:lnRef>
+            <a:fillRef idx="0">
+              <a:schemeClr val="accent1"/>
+            </a:fillRef>
+            <a:effectRef idx="0">
+              <a:schemeClr val="accent1"/>
+            </a:effectRef>
+            <a:fontRef idx="minor">
+              <a:schemeClr val="tx1"/>
+            </a:fontRef>
+          </p:style>
+        </p:cxnSp>
+        <p:sp>
+          <p:nvSpPr>
+            <p:cNvPr id="28" name="右中かっこ 27">
+              <a:extLst>
+                <a:ext uri="{FF2B5EF4-FFF2-40B4-BE49-F238E27FC236}">
+                  <a16:creationId xmlns:a16="http://schemas.microsoft.com/office/drawing/2014/main" id="{B47E2353-F27A-0342-8CE6-08C87395098F}"/>
+                </a:ext>
+              </a:extLst>
+            </p:cNvPr>
+            <p:cNvSpPr/>
+            <p:nvPr/>
+          </p:nvSpPr>
+          <p:spPr>
+            <a:xfrm>
+              <a:off x="6439090" y="3797494"/>
+              <a:ext cx="384762" cy="1399061"/>
+            </a:xfrm>
+            <a:prstGeom prst="rightBrace">
+              <a:avLst>
+                <a:gd name="adj1" fmla="val 8333"/>
+                <a:gd name="adj2" fmla="val 63657"/>
+              </a:avLst>
+            </a:prstGeom>
+            <a:ln>
+              <a:solidFill>
+                <a:srgbClr val="C00000"/>
+              </a:solidFill>
+            </a:ln>
+          </p:spPr>
+          <p:style>
+            <a:lnRef idx="1">
+              <a:schemeClr val="accent1"/>
+            </a:lnRef>
+            <a:fillRef idx="0">
+              <a:schemeClr val="accent1"/>
+            </a:fillRef>
+            <a:effectRef idx="0">
+              <a:schemeClr val="accent1"/>
+            </a:effectRef>
+            <a:fontRef idx="minor">
+              <a:schemeClr val="tx1"/>
+            </a:fontRef>
+          </p:style>
+          <p:txBody>
+            <a:bodyPr rtlCol="0" anchor="ctr"/>
+            <a:lstStyle/>
+            <a:p>
+              <a:pPr algn="ctr"/>
+              <a:endParaRPr kumimoji="1" lang="ja-JP" altLang="en-US"/>
+            </a:p>
+          </p:txBody>
+        </p:sp>
+        <mc:AlternateContent xmlns:mc="http://schemas.openxmlformats.org/markup-compatibility/2006" xmlns:a14="http://schemas.microsoft.com/office/drawing/2010/main">
+          <mc:Choice Requires="a14">
+            <p:sp>
+              <p:nvSpPr>
+                <p:cNvPr id="29" name="テキスト ボックス 28">
+                  <a:extLst>
+                    <a:ext uri="{FF2B5EF4-FFF2-40B4-BE49-F238E27FC236}">
+                      <a16:creationId xmlns:a16="http://schemas.microsoft.com/office/drawing/2014/main" id="{80126787-83B1-0044-ADB0-EC31EF3FF52C}"/>
+                    </a:ext>
+                  </a:extLst>
+                </p:cNvPr>
+                <p:cNvSpPr txBox="1"/>
+                <p:nvPr/>
+              </p:nvSpPr>
+              <p:spPr>
+                <a:xfrm>
+                  <a:off x="6792930" y="4548727"/>
+                  <a:ext cx="2458815" cy="369332"/>
+                </a:xfrm>
+                <a:prstGeom prst="rect">
+                  <a:avLst/>
+                </a:prstGeom>
+                <a:noFill/>
+              </p:spPr>
+              <p:txBody>
+                <a:bodyPr wrap="none" rtlCol="0">
+                  <a:spAutoFit/>
+                </a:bodyPr>
+                <a:lstStyle/>
+                <a:p>
+                  <a:r>
+                    <a:rPr lang="ja-JP" altLang="en-US"/>
+                    <a:t>平均からのズレ</a:t>
+                  </a:r>
+                  <a14:m>
+                    <m:oMath xmlns:m="http://schemas.openxmlformats.org/officeDocument/2006/math">
+                      <m:r>
+                        <a:rPr lang="en-US" altLang="ja-JP" i="1" dirty="0">
+                          <a:latin typeface="Cambria Math" panose="02040503050406030204" pitchFamily="18" charset="0"/>
+                        </a:rPr>
+                        <m:t> </m:t>
+                      </m:r>
+                      <m:sSub>
+                        <m:sSubPr>
+                          <m:ctrlPr>
+                            <a:rPr lang="en-US" altLang="ja-JP" i="1" dirty="0" smtClean="0">
+                              <a:latin typeface="Cambria Math" panose="02040503050406030204" pitchFamily="18" charset="0"/>
+                            </a:rPr>
+                          </m:ctrlPr>
+                        </m:sSubPr>
+                        <m:e>
+                          <m:r>
+                            <a:rPr lang="en-US" altLang="ja-JP" b="0" i="1" dirty="0" smtClean="0">
+                              <a:latin typeface="Cambria Math" panose="02040503050406030204" pitchFamily="18" charset="0"/>
+                            </a:rPr>
+                            <m:t>𝑦</m:t>
+                          </m:r>
+                        </m:e>
+                        <m:sub>
+                          <m:r>
+                            <a:rPr lang="en-US" altLang="ja-JP" b="0" i="1" dirty="0" smtClean="0">
+                              <a:latin typeface="Cambria Math" panose="02040503050406030204" pitchFamily="18" charset="0"/>
+                            </a:rPr>
+                            <m:t>𝑖</m:t>
+                          </m:r>
+                        </m:sub>
+                      </m:sSub>
+                      <m:r>
+                        <a:rPr lang="en-US" altLang="ja-JP" b="0" i="1" dirty="0" smtClean="0">
+                          <a:latin typeface="Cambria Math" panose="02040503050406030204" pitchFamily="18" charset="0"/>
+                        </a:rPr>
+                        <m:t>−</m:t>
+                      </m:r>
+                      <m:acc>
+                        <m:accPr>
+                          <m:chr m:val="̅"/>
+                          <m:ctrlPr>
+                            <a:rPr lang="en-US" altLang="ja-JP" i="1" dirty="0">
+                              <a:latin typeface="Cambria Math" panose="02040503050406030204" pitchFamily="18" charset="0"/>
+                            </a:rPr>
+                          </m:ctrlPr>
+                        </m:accPr>
+                        <m:e>
+                          <m:r>
+                            <a:rPr lang="en-US" altLang="ja-JP" i="1" dirty="0">
+                              <a:latin typeface="Cambria Math" panose="02040503050406030204" pitchFamily="18" charset="0"/>
+                            </a:rPr>
+                            <m:t>𝑦</m:t>
+                          </m:r>
+                        </m:e>
+                      </m:acc>
+                    </m:oMath>
+                  </a14:m>
+                  <a:endParaRPr kumimoji="1" lang="ja-JP" altLang="en-US"/>
+                </a:p>
+              </p:txBody>
+            </p:sp>
+          </mc:Choice>
+          <mc:Fallback xmlns="">
+            <p:sp>
+              <p:nvSpPr>
+                <p:cNvPr id="29" name="テキスト ボックス 28">
+                  <a:extLst>
+                    <a:ext uri="{FF2B5EF4-FFF2-40B4-BE49-F238E27FC236}">
+                      <a16:creationId xmlns:a16="http://schemas.microsoft.com/office/drawing/2014/main" id="{80126787-83B1-0044-ADB0-EC31EF3FF52C}"/>
+                    </a:ext>
+                  </a:extLst>
+                </p:cNvPr>
+                <p:cNvSpPr txBox="1">
+                  <a:spLocks noRot="1" noChangeAspect="1" noMove="1" noResize="1" noEditPoints="1" noAdjustHandles="1" noChangeArrowheads="1" noChangeShapeType="1" noTextEdit="1"/>
+                </p:cNvSpPr>
+                <p:nvPr/>
+              </p:nvSpPr>
+              <p:spPr>
+                <a:xfrm>
+                  <a:off x="6792930" y="4548727"/>
+                  <a:ext cx="2458815" cy="369332"/>
+                </a:xfrm>
+                <a:prstGeom prst="rect">
+                  <a:avLst/>
+                </a:prstGeom>
+                <a:blipFill>
+                  <a:blip r:embed="rId3"/>
+                  <a:stretch>
+                    <a:fillRect l="-2139" t="-11111" r="-2674" b="-40741"/>
+                  </a:stretch>
+                </a:blipFill>
+              </p:spPr>
+              <p:txBody>
+                <a:bodyPr/>
+                <a:lstStyle/>
+                <a:p>
+                  <a:r>
+                    <a:rPr lang="ja-JP" altLang="en-US">
+                      <a:noFill/>
+                    </a:rPr>
+                    <a:t> </a:t>
+                  </a:r>
+                </a:p>
+              </p:txBody>
+            </p:sp>
+          </mc:Fallback>
+        </mc:AlternateContent>
+        <p:sp>
+          <p:nvSpPr>
+            <p:cNvPr id="30" name="右中かっこ 29">
+              <a:extLst>
+                <a:ext uri="{FF2B5EF4-FFF2-40B4-BE49-F238E27FC236}">
+                  <a16:creationId xmlns:a16="http://schemas.microsoft.com/office/drawing/2014/main" id="{B32DC110-43B6-984F-883A-BDDEBCA2F8CB}"/>
+                </a:ext>
+              </a:extLst>
+            </p:cNvPr>
+            <p:cNvSpPr/>
+            <p:nvPr/>
+          </p:nvSpPr>
+          <p:spPr>
+            <a:xfrm rot="10800000">
+              <a:off x="5944728" y="3797493"/>
+              <a:ext cx="323409" cy="766473"/>
+            </a:xfrm>
+            <a:prstGeom prst="rightBrace">
+              <a:avLst>
+                <a:gd name="adj1" fmla="val 8333"/>
+                <a:gd name="adj2" fmla="val 63657"/>
+              </a:avLst>
+            </a:prstGeom>
+            <a:ln>
+              <a:solidFill>
+                <a:schemeClr val="accent4">
+                  <a:lumMod val="75000"/>
                 </a:schemeClr>
               </a:solidFill>
-            </a:endParaRPr>
-          </a:p>
-          <a:p>
-            <a:endParaRPr lang="en-US" altLang="ja-JP" dirty="0"/>
-          </a:p>
-          <a:p>
-            <a:r>
-              <a:rPr lang="ja-JP" altLang="en-US"/>
-              <a:t>分布からずれていないかチェックのプロット；</a:t>
-            </a:r>
-            <a:r>
-              <a:rPr lang="en-US" altLang="ja-JP" dirty="0" err="1"/>
-              <a:t>QQplot</a:t>
-            </a:r>
-            <a:endParaRPr lang="en-US" altLang="ja-JP" dirty="0"/>
-          </a:p>
-          <a:p>
-            <a:pPr marL="457200" lvl="1" indent="0">
-              <a:buNone/>
-            </a:pPr>
-            <a:endParaRPr lang="en-US" altLang="ja-JP" dirty="0">
+            </a:ln>
+          </p:spPr>
+          <p:style>
+            <a:lnRef idx="1">
+              <a:schemeClr val="accent1"/>
+            </a:lnRef>
+            <a:fillRef idx="0">
+              <a:schemeClr val="accent1"/>
+            </a:fillRef>
+            <a:effectRef idx="0">
+              <a:schemeClr val="accent1"/>
+            </a:effectRef>
+            <a:fontRef idx="minor">
+              <a:schemeClr val="tx1"/>
+            </a:fontRef>
+          </p:style>
+          <p:txBody>
+            <a:bodyPr rtlCol="0" anchor="ctr"/>
+            <a:lstStyle/>
+            <a:p>
+              <a:pPr algn="ctr"/>
+              <a:endParaRPr kumimoji="1" lang="ja-JP" altLang="en-US"/>
+            </a:p>
+          </p:txBody>
+        </p:sp>
+        <p:sp>
+          <p:nvSpPr>
+            <p:cNvPr id="31" name="右中かっこ 30">
+              <a:extLst>
+                <a:ext uri="{FF2B5EF4-FFF2-40B4-BE49-F238E27FC236}">
+                  <a16:creationId xmlns:a16="http://schemas.microsoft.com/office/drawing/2014/main" id="{F8E49C16-517D-A647-B65C-84A9FD2BC61C}"/>
+                </a:ext>
+              </a:extLst>
+            </p:cNvPr>
+            <p:cNvSpPr/>
+            <p:nvPr/>
+          </p:nvSpPr>
+          <p:spPr>
+            <a:xfrm rot="10800000">
+              <a:off x="5743203" y="4587276"/>
+              <a:ext cx="582797" cy="609276"/>
+            </a:xfrm>
+            <a:prstGeom prst="rightBrace">
+              <a:avLst>
+                <a:gd name="adj1" fmla="val 0"/>
+                <a:gd name="adj2" fmla="val 72500"/>
+              </a:avLst>
+            </a:prstGeom>
+            <a:ln>
               <a:solidFill>
-                <a:schemeClr val="bg2">
-                  <a:lumMod val="50000"/>
-                </a:schemeClr>
+                <a:schemeClr val="accent2"/>
               </a:solidFill>
-            </a:endParaRPr>
-          </a:p>
-          <a:p>
-            <a:r>
-              <a:rPr lang="en-US" altLang="ja-JP" dirty="0">
-                <a:solidFill>
-                  <a:schemeClr val="bg2">
-                    <a:lumMod val="50000"/>
-                  </a:schemeClr>
-                </a:solidFill>
-              </a:rPr>
-              <a:t>Shapiro-Wilk</a:t>
-            </a:r>
-            <a:r>
-              <a:rPr lang="ja-JP" altLang="en-US">
-                <a:solidFill>
-                  <a:schemeClr val="bg2">
-                    <a:lumMod val="50000"/>
-                  </a:schemeClr>
-                </a:solidFill>
-              </a:rPr>
-              <a:t>検定</a:t>
-            </a:r>
-            <a:endParaRPr lang="en-US" altLang="ja-JP" dirty="0">
-              <a:solidFill>
-                <a:schemeClr val="bg2">
-                  <a:lumMod val="50000"/>
-                </a:schemeClr>
-              </a:solidFill>
-            </a:endParaRPr>
-          </a:p>
-        </p:txBody>
-      </p:sp>
+            </a:ln>
+          </p:spPr>
+          <p:style>
+            <a:lnRef idx="1">
+              <a:schemeClr val="accent1"/>
+            </a:lnRef>
+            <a:fillRef idx="0">
+              <a:schemeClr val="accent1"/>
+            </a:fillRef>
+            <a:effectRef idx="0">
+              <a:schemeClr val="accent1"/>
+            </a:effectRef>
+            <a:fontRef idx="minor">
+              <a:schemeClr val="tx1"/>
+            </a:fontRef>
+          </p:style>
+          <p:txBody>
+            <a:bodyPr rtlCol="0" anchor="ctr"/>
+            <a:lstStyle/>
+            <a:p>
+              <a:pPr algn="ctr"/>
+              <a:endParaRPr kumimoji="1" lang="ja-JP" altLang="en-US"/>
+            </a:p>
+          </p:txBody>
+        </p:sp>
+        <mc:AlternateContent xmlns:mc="http://schemas.openxmlformats.org/markup-compatibility/2006" xmlns:a14="http://schemas.microsoft.com/office/drawing/2010/main">
+          <mc:Choice Requires="a14">
+            <p:sp>
+              <p:nvSpPr>
+                <p:cNvPr id="32" name="テキスト ボックス 31">
+                  <a:extLst>
+                    <a:ext uri="{FF2B5EF4-FFF2-40B4-BE49-F238E27FC236}">
+                      <a16:creationId xmlns:a16="http://schemas.microsoft.com/office/drawing/2014/main" id="{547C8AF6-E846-F244-92CF-3CD772216D0C}"/>
+                    </a:ext>
+                  </a:extLst>
+                </p:cNvPr>
+                <p:cNvSpPr txBox="1"/>
+                <p:nvPr/>
+              </p:nvSpPr>
+              <p:spPr>
+                <a:xfrm>
+                  <a:off x="3628295" y="3779008"/>
+                  <a:ext cx="2368815" cy="646331"/>
+                </a:xfrm>
+                <a:prstGeom prst="rect">
+                  <a:avLst/>
+                </a:prstGeom>
+                <a:noFill/>
+              </p:spPr>
+              <p:txBody>
+                <a:bodyPr wrap="square" rtlCol="0">
+                  <a:spAutoFit/>
+                </a:bodyPr>
+                <a:lstStyle/>
+                <a:p>
+                  <a:r>
+                    <a:rPr kumimoji="1" lang="ja-JP" altLang="en-US"/>
+                    <a:t>回帰予測からの</a:t>
+                  </a:r>
+                  <a:r>
+                    <a:rPr lang="ja-JP" altLang="en-US"/>
+                    <a:t>残差</a:t>
+                  </a:r>
+                  <a:endParaRPr lang="en-US" altLang="ja-JP" dirty="0"/>
+                </a:p>
+                <a:p>
+                  <a:pPr/>
+                  <a14:m>
+                    <m:oMathPara xmlns:m="http://schemas.openxmlformats.org/officeDocument/2006/math">
+                      <m:oMathParaPr>
+                        <m:jc m:val="centerGroup"/>
+                      </m:oMathParaPr>
+                      <m:oMath xmlns:m="http://schemas.openxmlformats.org/officeDocument/2006/math">
+                        <m:sSub>
+                          <m:sSubPr>
+                            <m:ctrlPr>
+                              <a:rPr lang="en-US" altLang="ja-JP" b="0" i="1" dirty="0" smtClean="0">
+                                <a:latin typeface="Cambria Math" panose="02040503050406030204" pitchFamily="18" charset="0"/>
+                              </a:rPr>
+                            </m:ctrlPr>
+                          </m:sSubPr>
+                          <m:e>
+                            <m:r>
+                              <a:rPr lang="en-US" altLang="ja-JP" b="0" i="1" dirty="0" smtClean="0">
+                                <a:latin typeface="Cambria Math" panose="02040503050406030204" pitchFamily="18" charset="0"/>
+                              </a:rPr>
+                              <m:t>𝑒</m:t>
+                            </m:r>
+                          </m:e>
+                          <m:sub>
+                            <m:r>
+                              <a:rPr lang="en-US" altLang="ja-JP" b="0" i="1" dirty="0" smtClean="0">
+                                <a:latin typeface="Cambria Math" panose="02040503050406030204" pitchFamily="18" charset="0"/>
+                              </a:rPr>
+                              <m:t>𝑖</m:t>
+                            </m:r>
+                          </m:sub>
+                        </m:sSub>
+                        <m:r>
+                          <a:rPr lang="en-US" altLang="ja-JP" b="0" i="0" dirty="0" smtClean="0">
+                            <a:latin typeface="Cambria Math" panose="02040503050406030204" pitchFamily="18" charset="0"/>
+                          </a:rPr>
+                          <m:t>=</m:t>
+                        </m:r>
+                        <m:sSub>
+                          <m:sSubPr>
+                            <m:ctrlPr>
+                              <a:rPr lang="en-US" altLang="ja-JP" i="1" dirty="0">
+                                <a:latin typeface="Cambria Math" panose="02040503050406030204" pitchFamily="18" charset="0"/>
+                              </a:rPr>
+                            </m:ctrlPr>
+                          </m:sSubPr>
+                          <m:e>
+                            <m:r>
+                              <a:rPr lang="en-US" altLang="ja-JP" i="1" dirty="0">
+                                <a:latin typeface="Cambria Math" panose="02040503050406030204" pitchFamily="18" charset="0"/>
+                              </a:rPr>
+                              <m:t>𝑦</m:t>
+                            </m:r>
+                          </m:e>
+                          <m:sub>
+                            <m:r>
+                              <a:rPr lang="en-US" altLang="ja-JP" i="1" dirty="0">
+                                <a:latin typeface="Cambria Math" panose="02040503050406030204" pitchFamily="18" charset="0"/>
+                              </a:rPr>
+                              <m:t>𝑖</m:t>
+                            </m:r>
+                          </m:sub>
+                        </m:sSub>
+                        <m:r>
+                          <a:rPr lang="en-US" altLang="ja-JP" i="1" dirty="0">
+                            <a:latin typeface="Cambria Math" panose="02040503050406030204" pitchFamily="18" charset="0"/>
+                          </a:rPr>
+                          <m:t>−</m:t>
+                        </m:r>
+                        <m:sSub>
+                          <m:sSubPr>
+                            <m:ctrlPr>
+                              <a:rPr lang="en-US" altLang="ja-JP" i="1" dirty="0" smtClean="0">
+                                <a:latin typeface="Cambria Math" panose="02040503050406030204" pitchFamily="18" charset="0"/>
+                              </a:rPr>
+                            </m:ctrlPr>
+                          </m:sSubPr>
+                          <m:e>
+                            <m:acc>
+                              <m:accPr>
+                                <m:chr m:val="̂"/>
+                                <m:ctrlPr>
+                                  <a:rPr lang="en-US" altLang="ja-JP" i="1" dirty="0" smtClean="0">
+                                    <a:latin typeface="Cambria Math" panose="02040503050406030204" pitchFamily="18" charset="0"/>
+                                  </a:rPr>
+                                </m:ctrlPr>
+                              </m:accPr>
+                              <m:e>
+                                <m:r>
+                                  <a:rPr lang="en-US" altLang="ja-JP" b="0" i="1" dirty="0" smtClean="0">
+                                    <a:latin typeface="Cambria Math" panose="02040503050406030204" pitchFamily="18" charset="0"/>
+                                  </a:rPr>
+                                  <m:t>𝑦</m:t>
+                                </m:r>
+                              </m:e>
+                            </m:acc>
+                          </m:e>
+                          <m:sub>
+                            <m:r>
+                              <a:rPr lang="en-US" altLang="ja-JP" b="0" i="1" dirty="0" smtClean="0">
+                                <a:latin typeface="Cambria Math" panose="02040503050406030204" pitchFamily="18" charset="0"/>
+                              </a:rPr>
+                              <m:t>𝑖</m:t>
+                            </m:r>
+                          </m:sub>
+                        </m:sSub>
+                      </m:oMath>
+                    </m:oMathPara>
+                  </a14:m>
+                  <a:endParaRPr kumimoji="1" lang="ja-JP" altLang="en-US"/>
+                </a:p>
+              </p:txBody>
+            </p:sp>
+          </mc:Choice>
+          <mc:Fallback xmlns="">
+            <p:sp>
+              <p:nvSpPr>
+                <p:cNvPr id="32" name="テキスト ボックス 31">
+                  <a:extLst>
+                    <a:ext uri="{FF2B5EF4-FFF2-40B4-BE49-F238E27FC236}">
+                      <a16:creationId xmlns:a16="http://schemas.microsoft.com/office/drawing/2014/main" id="{547C8AF6-E846-F244-92CF-3CD772216D0C}"/>
+                    </a:ext>
+                  </a:extLst>
+                </p:cNvPr>
+                <p:cNvSpPr txBox="1">
+                  <a:spLocks noRot="1" noChangeAspect="1" noMove="1" noResize="1" noEditPoints="1" noAdjustHandles="1" noChangeArrowheads="1" noChangeShapeType="1" noTextEdit="1"/>
+                </p:cNvSpPr>
+                <p:nvPr/>
+              </p:nvSpPr>
+              <p:spPr>
+                <a:xfrm>
+                  <a:off x="3628295" y="3779008"/>
+                  <a:ext cx="2368815" cy="646331"/>
+                </a:xfrm>
+                <a:prstGeom prst="rect">
+                  <a:avLst/>
+                </a:prstGeom>
+                <a:blipFill>
+                  <a:blip r:embed="rId4"/>
+                  <a:stretch>
+                    <a:fillRect l="-2793" t="-4255" r="-1117" b="-14894"/>
+                  </a:stretch>
+                </a:blipFill>
+              </p:spPr>
+              <p:txBody>
+                <a:bodyPr/>
+                <a:lstStyle/>
+                <a:p>
+                  <a:r>
+                    <a:rPr lang="ja-JP" altLang="en-US">
+                      <a:noFill/>
+                    </a:rPr>
+                    <a:t> </a:t>
+                  </a:r>
+                </a:p>
+              </p:txBody>
+            </p:sp>
+          </mc:Fallback>
+        </mc:AlternateContent>
+        <mc:AlternateContent xmlns:mc="http://schemas.openxmlformats.org/markup-compatibility/2006" xmlns:a14="http://schemas.microsoft.com/office/drawing/2010/main">
+          <mc:Choice Requires="a14">
+            <p:sp>
+              <p:nvSpPr>
+                <p:cNvPr id="33" name="テキスト ボックス 32">
+                  <a:extLst>
+                    <a:ext uri="{FF2B5EF4-FFF2-40B4-BE49-F238E27FC236}">
+                      <a16:creationId xmlns:a16="http://schemas.microsoft.com/office/drawing/2014/main" id="{32137EF7-C897-D541-AA79-8D9512CADC49}"/>
+                    </a:ext>
+                  </a:extLst>
+                </p:cNvPr>
+                <p:cNvSpPr txBox="1"/>
+                <p:nvPr/>
+              </p:nvSpPr>
+              <p:spPr>
+                <a:xfrm>
+                  <a:off x="2931212" y="4556570"/>
+                  <a:ext cx="2854698" cy="714625"/>
+                </a:xfrm>
+                <a:prstGeom prst="rect">
+                  <a:avLst/>
+                </a:prstGeom>
+                <a:noFill/>
+              </p:spPr>
+              <p:txBody>
+                <a:bodyPr wrap="square" rtlCol="0">
+                  <a:spAutoFit/>
+                </a:bodyPr>
+                <a:lstStyle/>
+                <a:p>
+                  <a:pPr algn="r"/>
+                  <a:r>
+                    <a:rPr kumimoji="1" lang="ja-JP" altLang="en-US"/>
+                    <a:t>平均からの予測値のズレ</a:t>
+                  </a:r>
+                  <a:endParaRPr kumimoji="1" lang="en-US" altLang="ja-JP" dirty="0"/>
+                </a:p>
+                <a:p>
+                  <a:pPr algn="r"/>
+                  <a14:m>
+                    <m:oMathPara xmlns:m="http://schemas.openxmlformats.org/officeDocument/2006/math">
+                      <m:oMathParaPr>
+                        <m:jc m:val="centerGroup"/>
+                      </m:oMathParaPr>
+                      <m:oMath xmlns:m="http://schemas.openxmlformats.org/officeDocument/2006/math">
+                        <m:sSub>
+                          <m:sSubPr>
+                            <m:ctrlPr>
+                              <a:rPr lang="en-US" altLang="ja-JP" i="1" dirty="0">
+                                <a:latin typeface="Cambria Math" panose="02040503050406030204" pitchFamily="18" charset="0"/>
+                              </a:rPr>
+                            </m:ctrlPr>
+                          </m:sSubPr>
+                          <m:e>
+                            <m:acc>
+                              <m:accPr>
+                                <m:chr m:val="̂"/>
+                                <m:ctrlPr>
+                                  <a:rPr lang="en-US" altLang="ja-JP" i="1" dirty="0">
+                                    <a:latin typeface="Cambria Math" panose="02040503050406030204" pitchFamily="18" charset="0"/>
+                                  </a:rPr>
+                                </m:ctrlPr>
+                              </m:accPr>
+                              <m:e>
+                                <m:r>
+                                  <a:rPr lang="en-US" altLang="ja-JP" i="1" dirty="0">
+                                    <a:latin typeface="Cambria Math" panose="02040503050406030204" pitchFamily="18" charset="0"/>
+                                  </a:rPr>
+                                  <m:t>𝑦</m:t>
+                                </m:r>
+                              </m:e>
+                            </m:acc>
+                          </m:e>
+                          <m:sub>
+                            <m:r>
+                              <a:rPr lang="en-US" altLang="ja-JP" i="1" dirty="0">
+                                <a:latin typeface="Cambria Math" panose="02040503050406030204" pitchFamily="18" charset="0"/>
+                              </a:rPr>
+                              <m:t>𝑖</m:t>
+                            </m:r>
+                          </m:sub>
+                        </m:sSub>
+                        <m:r>
+                          <a:rPr lang="en-US" altLang="ja-JP" i="1" dirty="0">
+                            <a:latin typeface="Cambria Math" panose="02040503050406030204" pitchFamily="18" charset="0"/>
+                          </a:rPr>
+                          <m:t>−</m:t>
+                        </m:r>
+                        <m:acc>
+                          <m:accPr>
+                            <m:chr m:val="̅"/>
+                            <m:ctrlPr>
+                              <a:rPr lang="en-US" altLang="ja-JP" i="1" dirty="0" smtClean="0">
+                                <a:latin typeface="Cambria Math" panose="02040503050406030204" pitchFamily="18" charset="0"/>
+                              </a:rPr>
+                            </m:ctrlPr>
+                          </m:accPr>
+                          <m:e>
+                            <m:r>
+                              <a:rPr lang="en-US" altLang="ja-JP" b="0" i="1" dirty="0" smtClean="0">
+                                <a:latin typeface="Cambria Math" panose="02040503050406030204" pitchFamily="18" charset="0"/>
+                              </a:rPr>
+                              <m:t>𝑦</m:t>
+                            </m:r>
+                          </m:e>
+                        </m:acc>
+                      </m:oMath>
+                    </m:oMathPara>
+                  </a14:m>
+                  <a:endParaRPr kumimoji="1" lang="ja-JP" altLang="en-US" baseline="-25000"/>
+                </a:p>
+              </p:txBody>
+            </p:sp>
+          </mc:Choice>
+          <mc:Fallback xmlns="">
+            <p:sp>
+              <p:nvSpPr>
+                <p:cNvPr id="33" name="テキスト ボックス 32">
+                  <a:extLst>
+                    <a:ext uri="{FF2B5EF4-FFF2-40B4-BE49-F238E27FC236}">
+                      <a16:creationId xmlns:a16="http://schemas.microsoft.com/office/drawing/2014/main" id="{32137EF7-C897-D541-AA79-8D9512CADC49}"/>
+                    </a:ext>
+                  </a:extLst>
+                </p:cNvPr>
+                <p:cNvSpPr txBox="1">
+                  <a:spLocks noRot="1" noChangeAspect="1" noMove="1" noResize="1" noEditPoints="1" noAdjustHandles="1" noChangeArrowheads="1" noChangeShapeType="1" noTextEdit="1"/>
+                </p:cNvSpPr>
+                <p:nvPr/>
+              </p:nvSpPr>
+              <p:spPr>
+                <a:xfrm>
+                  <a:off x="2931212" y="4556570"/>
+                  <a:ext cx="2854698" cy="714625"/>
+                </a:xfrm>
+                <a:prstGeom prst="rect">
+                  <a:avLst/>
+                </a:prstGeom>
+                <a:blipFill>
+                  <a:blip r:embed="rId5"/>
+                  <a:stretch>
+                    <a:fillRect l="-926" t="-3846" r="-1852" b="-3846"/>
+                  </a:stretch>
+                </a:blipFill>
+              </p:spPr>
+              <p:txBody>
+                <a:bodyPr/>
+                <a:lstStyle/>
+                <a:p>
+                  <a:r>
+                    <a:rPr lang="ja-JP" altLang="en-US">
+                      <a:noFill/>
+                    </a:rPr>
+                    <a:t> </a:t>
+                  </a:r>
+                </a:p>
+              </p:txBody>
+            </p:sp>
+          </mc:Fallback>
+        </mc:AlternateContent>
+        <p:sp>
+          <p:nvSpPr>
+            <p:cNvPr id="34" name="テキスト ボックス 33">
+              <a:extLst>
+                <a:ext uri="{FF2B5EF4-FFF2-40B4-BE49-F238E27FC236}">
+                  <a16:creationId xmlns:a16="http://schemas.microsoft.com/office/drawing/2014/main" id="{A3301B16-EB03-CC4F-90A7-05361E934845}"/>
+                </a:ext>
+              </a:extLst>
+            </p:cNvPr>
+            <p:cNvSpPr txBox="1"/>
+            <p:nvPr/>
+          </p:nvSpPr>
+          <p:spPr>
+            <a:xfrm>
+              <a:off x="5939225" y="3150892"/>
+              <a:ext cx="938077" cy="646331"/>
+            </a:xfrm>
+            <a:prstGeom prst="rect">
+              <a:avLst/>
+            </a:prstGeom>
+            <a:noFill/>
+          </p:spPr>
+          <p:txBody>
+            <a:bodyPr wrap="none" rtlCol="0">
+              <a:spAutoFit/>
+            </a:bodyPr>
+            <a:lstStyle/>
+            <a:p>
+              <a:r>
+                <a:rPr kumimoji="1" lang="ja-JP" altLang="en-US"/>
+                <a:t>データ</a:t>
+              </a:r>
+              <a:r>
+                <a:rPr kumimoji="1" lang="en-US" altLang="ja-JP" dirty="0" err="1"/>
+                <a:t>i</a:t>
+              </a:r>
+              <a:endParaRPr kumimoji="1" lang="en-US" altLang="ja-JP" dirty="0"/>
+            </a:p>
+            <a:p>
+              <a:r>
+                <a:rPr kumimoji="1" lang="en-US" altLang="ja-JP" dirty="0"/>
+                <a:t>(</a:t>
+              </a:r>
+              <a:r>
+                <a:rPr kumimoji="1" lang="en-US" altLang="ja-JP" i="1" dirty="0"/>
+                <a:t>x</a:t>
+              </a:r>
+              <a:r>
+                <a:rPr kumimoji="1" lang="en-US" altLang="ja-JP" baseline="-25000" dirty="0"/>
+                <a:t>i</a:t>
+              </a:r>
+              <a:r>
+                <a:rPr kumimoji="1" lang="en-US" altLang="ja-JP" dirty="0"/>
+                <a:t>, </a:t>
+              </a:r>
+              <a:r>
+                <a:rPr kumimoji="1" lang="en-US" altLang="ja-JP" i="1" dirty="0" err="1"/>
+                <a:t>y</a:t>
+              </a:r>
+              <a:r>
+                <a:rPr kumimoji="1" lang="en-US" altLang="ja-JP" baseline="-25000" dirty="0" err="1"/>
+                <a:t>i</a:t>
+              </a:r>
+              <a:r>
+                <a:rPr kumimoji="1" lang="en-US" altLang="ja-JP" dirty="0"/>
+                <a:t>)</a:t>
+              </a:r>
+              <a:endParaRPr kumimoji="1" lang="ja-JP" altLang="en-US"/>
+            </a:p>
+          </p:txBody>
+        </p:sp>
+      </p:grpSp>
+      <mc:AlternateContent xmlns:mc="http://schemas.openxmlformats.org/markup-compatibility/2006" xmlns:a14="http://schemas.microsoft.com/office/drawing/2010/main">
+        <mc:Choice Requires="a14">
+          <p:sp>
+            <p:nvSpPr>
+              <p:cNvPr id="36" name="テキスト ボックス 35">
+                <a:extLst>
+                  <a:ext uri="{FF2B5EF4-FFF2-40B4-BE49-F238E27FC236}">
+                    <a16:creationId xmlns:a16="http://schemas.microsoft.com/office/drawing/2014/main" id="{1B2B34E1-4E73-B14B-87D5-3734F999F972}"/>
+                  </a:ext>
+                </a:extLst>
+              </p:cNvPr>
+              <p:cNvSpPr txBox="1"/>
+              <p:nvPr/>
+            </p:nvSpPr>
+            <p:spPr>
+              <a:xfrm>
+                <a:off x="8581606" y="2932519"/>
+                <a:ext cx="3386312" cy="375872"/>
+              </a:xfrm>
+              <a:prstGeom prst="rect">
+                <a:avLst/>
+              </a:prstGeom>
+              <a:noFill/>
+            </p:spPr>
+            <p:txBody>
+              <a:bodyPr wrap="none" rtlCol="0">
+                <a:spAutoFit/>
+              </a:bodyPr>
+              <a:lstStyle/>
+              <a:p>
+                <a:r>
+                  <a:rPr lang="ja-JP" altLang="en-US"/>
+                  <a:t>全変動の平方和　</a:t>
+                </a:r>
+                <a14:m>
+                  <m:oMath xmlns:m="http://schemas.openxmlformats.org/officeDocument/2006/math">
+                    <m:nary>
+                      <m:naryPr>
+                        <m:chr m:val="∑"/>
+                        <m:ctrlPr>
+                          <a:rPr lang="ja-JP" altLang="en-US" i="1" smtClean="0">
+                            <a:latin typeface="Cambria Math" panose="02040503050406030204" pitchFamily="18" charset="0"/>
+                          </a:rPr>
+                        </m:ctrlPr>
+                      </m:naryPr>
+                      <m:sub>
+                        <m:r>
+                          <m:rPr>
+                            <m:brk m:alnAt="23"/>
+                          </m:rPr>
+                          <a:rPr lang="en-US" altLang="ja-JP" b="0" i="1" smtClean="0">
+                            <a:latin typeface="Cambria Math" panose="02040503050406030204" pitchFamily="18" charset="0"/>
+                          </a:rPr>
+                          <m:t>𝑖</m:t>
+                        </m:r>
+                        <m:r>
+                          <a:rPr lang="en-US" altLang="ja-JP" b="0" i="1" smtClean="0">
+                            <a:latin typeface="Cambria Math" panose="02040503050406030204" pitchFamily="18" charset="0"/>
+                          </a:rPr>
+                          <m:t>=1</m:t>
+                        </m:r>
+                      </m:sub>
+                      <m:sup>
+                        <m:r>
+                          <a:rPr lang="en-US" altLang="ja-JP" b="0" i="1" smtClean="0">
+                            <a:latin typeface="Cambria Math" panose="02040503050406030204" pitchFamily="18" charset="0"/>
+                          </a:rPr>
+                          <m:t>𝑛</m:t>
+                        </m:r>
+                      </m:sup>
+                      <m:e>
+                        <m:sSup>
+                          <m:sSupPr>
+                            <m:ctrlPr>
+                              <a:rPr lang="en-US" altLang="ja-JP" b="0" i="1" smtClean="0">
+                                <a:latin typeface="Cambria Math" panose="02040503050406030204" pitchFamily="18" charset="0"/>
+                              </a:rPr>
+                            </m:ctrlPr>
+                          </m:sSupPr>
+                          <m:e>
+                            <m:r>
+                              <a:rPr lang="en-US" altLang="ja-JP" b="0" i="1" smtClean="0">
+                                <a:latin typeface="Cambria Math" panose="02040503050406030204" pitchFamily="18" charset="0"/>
+                              </a:rPr>
+                              <m:t>(</m:t>
+                            </m:r>
+                            <m:sSub>
+                              <m:sSubPr>
+                                <m:ctrlPr>
+                                  <a:rPr lang="en-US" altLang="ja-JP" b="0" i="1" smtClean="0">
+                                    <a:latin typeface="Cambria Math" panose="02040503050406030204" pitchFamily="18" charset="0"/>
+                                  </a:rPr>
+                                </m:ctrlPr>
+                              </m:sSubPr>
+                              <m:e>
+                                <m:r>
+                                  <a:rPr lang="en-US" altLang="ja-JP" b="0" i="1" smtClean="0">
+                                    <a:latin typeface="Cambria Math" panose="02040503050406030204" pitchFamily="18" charset="0"/>
+                                  </a:rPr>
+                                  <m:t>𝑦</m:t>
+                                </m:r>
+                              </m:e>
+                              <m:sub>
+                                <m:r>
+                                  <a:rPr lang="en-US" altLang="ja-JP" b="0" i="1" smtClean="0">
+                                    <a:latin typeface="Cambria Math" panose="02040503050406030204" pitchFamily="18" charset="0"/>
+                                  </a:rPr>
+                                  <m:t>𝑖</m:t>
+                                </m:r>
+                              </m:sub>
+                            </m:sSub>
+                            <m:r>
+                              <a:rPr lang="en-US" altLang="ja-JP" b="0" i="1" smtClean="0">
+                                <a:latin typeface="Cambria Math" panose="02040503050406030204" pitchFamily="18" charset="0"/>
+                              </a:rPr>
+                              <m:t>−</m:t>
+                            </m:r>
+                            <m:acc>
+                              <m:accPr>
+                                <m:chr m:val="̅"/>
+                                <m:ctrlPr>
+                                  <a:rPr lang="en-US" altLang="ja-JP" b="0" i="1" smtClean="0">
+                                    <a:latin typeface="Cambria Math" panose="02040503050406030204" pitchFamily="18" charset="0"/>
+                                  </a:rPr>
+                                </m:ctrlPr>
+                              </m:accPr>
+                              <m:e>
+                                <m:r>
+                                  <a:rPr lang="en-US" altLang="ja-JP" b="0" i="1" smtClean="0">
+                                    <a:latin typeface="Cambria Math" panose="02040503050406030204" pitchFamily="18" charset="0"/>
+                                  </a:rPr>
+                                  <m:t>𝑦</m:t>
+                                </m:r>
+                              </m:e>
+                            </m:acc>
+                            <m:r>
+                              <a:rPr lang="en-US" altLang="ja-JP" b="0" i="1" smtClean="0">
+                                <a:latin typeface="Cambria Math" panose="02040503050406030204" pitchFamily="18" charset="0"/>
+                              </a:rPr>
+                              <m:t>)</m:t>
+                            </m:r>
+                          </m:e>
+                          <m:sup>
+                            <m:r>
+                              <a:rPr lang="en-US" altLang="ja-JP" b="0" i="1" smtClean="0">
+                                <a:latin typeface="Cambria Math" panose="02040503050406030204" pitchFamily="18" charset="0"/>
+                              </a:rPr>
+                              <m:t>2</m:t>
+                            </m:r>
+                          </m:sup>
+                        </m:sSup>
+                      </m:e>
+                    </m:nary>
+                  </m:oMath>
+                </a14:m>
+                <a:endParaRPr kumimoji="1" lang="ja-JP" altLang="en-US"/>
+              </a:p>
+            </p:txBody>
+          </p:sp>
+        </mc:Choice>
+        <mc:Fallback xmlns="">
+          <p:sp>
+            <p:nvSpPr>
+              <p:cNvPr id="36" name="テキスト ボックス 35">
+                <a:extLst>
+                  <a:ext uri="{FF2B5EF4-FFF2-40B4-BE49-F238E27FC236}">
+                    <a16:creationId xmlns:a16="http://schemas.microsoft.com/office/drawing/2014/main" id="{1B2B34E1-4E73-B14B-87D5-3734F999F972}"/>
+                  </a:ext>
+                </a:extLst>
+              </p:cNvPr>
+              <p:cNvSpPr txBox="1">
+                <a:spLocks noRot="1" noChangeAspect="1" noMove="1" noResize="1" noEditPoints="1" noAdjustHandles="1" noChangeArrowheads="1" noChangeShapeType="1" noTextEdit="1"/>
+              </p:cNvSpPr>
+              <p:nvPr/>
+            </p:nvSpPr>
+            <p:spPr>
+              <a:xfrm>
+                <a:off x="8581606" y="2932519"/>
+                <a:ext cx="3386312" cy="375872"/>
+              </a:xfrm>
+              <a:prstGeom prst="rect">
+                <a:avLst/>
+              </a:prstGeom>
+              <a:blipFill>
+                <a:blip r:embed="rId6"/>
+                <a:stretch>
+                  <a:fillRect l="-1493" t="-106452" b="-161290"/>
+                </a:stretch>
+              </a:blipFill>
+            </p:spPr>
+            <p:txBody>
+              <a:bodyPr/>
+              <a:lstStyle/>
+              <a:p>
+                <a:r>
+                  <a:rPr lang="ja-JP" altLang="en-US">
+                    <a:noFill/>
+                  </a:rPr>
+                  <a:t> </a:t>
+                </a:r>
+              </a:p>
+            </p:txBody>
+          </p:sp>
+        </mc:Fallback>
+      </mc:AlternateContent>
+      <mc:AlternateContent xmlns:mc="http://schemas.openxmlformats.org/markup-compatibility/2006" xmlns:a14="http://schemas.microsoft.com/office/drawing/2010/main">
+        <mc:Choice Requires="a14">
+          <p:sp>
+            <p:nvSpPr>
+              <p:cNvPr id="37" name="テキスト ボックス 36">
+                <a:extLst>
+                  <a:ext uri="{FF2B5EF4-FFF2-40B4-BE49-F238E27FC236}">
+                    <a16:creationId xmlns:a16="http://schemas.microsoft.com/office/drawing/2014/main" id="{073F3369-6A73-EC44-B5AA-2425B0FA4C05}"/>
+                  </a:ext>
+                </a:extLst>
+              </p:cNvPr>
+              <p:cNvSpPr txBox="1"/>
+              <p:nvPr/>
+            </p:nvSpPr>
+            <p:spPr>
+              <a:xfrm>
+                <a:off x="8468402" y="3573971"/>
+                <a:ext cx="3714543" cy="375872"/>
+              </a:xfrm>
+              <a:prstGeom prst="rect">
+                <a:avLst/>
+              </a:prstGeom>
+              <a:noFill/>
+            </p:spPr>
+            <p:txBody>
+              <a:bodyPr wrap="none" rtlCol="0">
+                <a:spAutoFit/>
+              </a:bodyPr>
+              <a:lstStyle/>
+              <a:p>
+                <a:r>
+                  <a:rPr lang="ja-JP" altLang="en-US"/>
+                  <a:t>回帰変動の平方和　</a:t>
+                </a:r>
+                <a14:m>
+                  <m:oMath xmlns:m="http://schemas.openxmlformats.org/officeDocument/2006/math">
+                    <m:nary>
+                      <m:naryPr>
+                        <m:chr m:val="∑"/>
+                        <m:ctrlPr>
+                          <a:rPr lang="ja-JP" altLang="en-US" i="1" smtClean="0">
+                            <a:latin typeface="Cambria Math" panose="02040503050406030204" pitchFamily="18" charset="0"/>
+                          </a:rPr>
+                        </m:ctrlPr>
+                      </m:naryPr>
+                      <m:sub>
+                        <m:r>
+                          <m:rPr>
+                            <m:brk m:alnAt="23"/>
+                          </m:rPr>
+                          <a:rPr lang="en-US" altLang="ja-JP" b="0" i="1" smtClean="0">
+                            <a:latin typeface="Cambria Math" panose="02040503050406030204" pitchFamily="18" charset="0"/>
+                          </a:rPr>
+                          <m:t>𝑖</m:t>
+                        </m:r>
+                        <m:r>
+                          <a:rPr lang="en-US" altLang="ja-JP" b="0" i="1" smtClean="0">
+                            <a:latin typeface="Cambria Math" panose="02040503050406030204" pitchFamily="18" charset="0"/>
+                          </a:rPr>
+                          <m:t>=1</m:t>
+                        </m:r>
+                      </m:sub>
+                      <m:sup>
+                        <m:r>
+                          <a:rPr lang="en-US" altLang="ja-JP" b="0" i="1" smtClean="0">
+                            <a:latin typeface="Cambria Math" panose="02040503050406030204" pitchFamily="18" charset="0"/>
+                          </a:rPr>
+                          <m:t>𝑛</m:t>
+                        </m:r>
+                      </m:sup>
+                      <m:e>
+                        <m:sSup>
+                          <m:sSupPr>
+                            <m:ctrlPr>
+                              <a:rPr lang="en-US" altLang="ja-JP" b="0" i="1" smtClean="0">
+                                <a:latin typeface="Cambria Math" panose="02040503050406030204" pitchFamily="18" charset="0"/>
+                              </a:rPr>
+                            </m:ctrlPr>
+                          </m:sSupPr>
+                          <m:e>
+                            <m:r>
+                              <a:rPr lang="en-US" altLang="ja-JP" b="0" i="1" smtClean="0">
+                                <a:latin typeface="Cambria Math" panose="02040503050406030204" pitchFamily="18" charset="0"/>
+                              </a:rPr>
+                              <m:t>(</m:t>
+                            </m:r>
+                            <m:acc>
+                              <m:accPr>
+                                <m:chr m:val="̂"/>
+                                <m:ctrlPr>
+                                  <a:rPr lang="en-US" altLang="ja-JP" b="0" i="1" smtClean="0">
+                                    <a:latin typeface="Cambria Math" panose="02040503050406030204" pitchFamily="18" charset="0"/>
+                                  </a:rPr>
+                                </m:ctrlPr>
+                              </m:accPr>
+                              <m:e>
+                                <m:sSub>
+                                  <m:sSubPr>
+                                    <m:ctrlPr>
+                                      <a:rPr lang="en-US" altLang="ja-JP" b="0" i="1" smtClean="0">
+                                        <a:latin typeface="Cambria Math" panose="02040503050406030204" pitchFamily="18" charset="0"/>
+                                      </a:rPr>
+                                    </m:ctrlPr>
+                                  </m:sSubPr>
+                                  <m:e>
+                                    <m:r>
+                                      <a:rPr lang="en-US" altLang="ja-JP" b="0" i="1" smtClean="0">
+                                        <a:latin typeface="Cambria Math" panose="02040503050406030204" pitchFamily="18" charset="0"/>
+                                      </a:rPr>
+                                      <m:t>𝑦</m:t>
+                                    </m:r>
+                                  </m:e>
+                                  <m:sub>
+                                    <m:r>
+                                      <a:rPr lang="en-US" altLang="ja-JP" b="0" i="1" smtClean="0">
+                                        <a:latin typeface="Cambria Math" panose="02040503050406030204" pitchFamily="18" charset="0"/>
+                                      </a:rPr>
+                                      <m:t>𝑖</m:t>
+                                    </m:r>
+                                  </m:sub>
+                                </m:sSub>
+                              </m:e>
+                            </m:acc>
+                            <m:r>
+                              <a:rPr lang="en-US" altLang="ja-JP" b="0" i="1" smtClean="0">
+                                <a:latin typeface="Cambria Math" panose="02040503050406030204" pitchFamily="18" charset="0"/>
+                              </a:rPr>
+                              <m:t>−</m:t>
+                            </m:r>
+                            <m:acc>
+                              <m:accPr>
+                                <m:chr m:val="̅"/>
+                                <m:ctrlPr>
+                                  <a:rPr lang="en-US" altLang="ja-JP" b="0" i="1" smtClean="0">
+                                    <a:latin typeface="Cambria Math" panose="02040503050406030204" pitchFamily="18" charset="0"/>
+                                  </a:rPr>
+                                </m:ctrlPr>
+                              </m:accPr>
+                              <m:e>
+                                <m:r>
+                                  <a:rPr lang="en-US" altLang="ja-JP" b="0" i="1" smtClean="0">
+                                    <a:latin typeface="Cambria Math" panose="02040503050406030204" pitchFamily="18" charset="0"/>
+                                  </a:rPr>
+                                  <m:t>𝑦</m:t>
+                                </m:r>
+                              </m:e>
+                            </m:acc>
+                            <m:r>
+                              <a:rPr lang="en-US" altLang="ja-JP" b="0" i="1" smtClean="0">
+                                <a:latin typeface="Cambria Math" panose="02040503050406030204" pitchFamily="18" charset="0"/>
+                              </a:rPr>
+                              <m:t>)</m:t>
+                            </m:r>
+                          </m:e>
+                          <m:sup>
+                            <m:r>
+                              <a:rPr lang="en-US" altLang="ja-JP" b="0" i="1" smtClean="0">
+                                <a:latin typeface="Cambria Math" panose="02040503050406030204" pitchFamily="18" charset="0"/>
+                              </a:rPr>
+                              <m:t>2</m:t>
+                            </m:r>
+                          </m:sup>
+                        </m:sSup>
+                      </m:e>
+                    </m:nary>
+                  </m:oMath>
+                </a14:m>
+                <a:endParaRPr kumimoji="1" lang="ja-JP" altLang="en-US"/>
+              </a:p>
+            </p:txBody>
+          </p:sp>
+        </mc:Choice>
+        <mc:Fallback xmlns="">
+          <p:sp>
+            <p:nvSpPr>
+              <p:cNvPr id="37" name="テキスト ボックス 36">
+                <a:extLst>
+                  <a:ext uri="{FF2B5EF4-FFF2-40B4-BE49-F238E27FC236}">
+                    <a16:creationId xmlns:a16="http://schemas.microsoft.com/office/drawing/2014/main" id="{073F3369-6A73-EC44-B5AA-2425B0FA4C05}"/>
+                  </a:ext>
+                </a:extLst>
+              </p:cNvPr>
+              <p:cNvSpPr txBox="1">
+                <a:spLocks noRot="1" noChangeAspect="1" noMove="1" noResize="1" noEditPoints="1" noAdjustHandles="1" noChangeArrowheads="1" noChangeShapeType="1" noTextEdit="1"/>
+              </p:cNvSpPr>
+              <p:nvPr/>
+            </p:nvSpPr>
+            <p:spPr>
+              <a:xfrm>
+                <a:off x="8468402" y="3573971"/>
+                <a:ext cx="3714543" cy="375872"/>
+              </a:xfrm>
+              <a:prstGeom prst="rect">
+                <a:avLst/>
+              </a:prstGeom>
+              <a:blipFill>
+                <a:blip r:embed="rId7"/>
+                <a:stretch>
+                  <a:fillRect l="-1361" t="-106452" b="-158065"/>
+                </a:stretch>
+              </a:blipFill>
+            </p:spPr>
+            <p:txBody>
+              <a:bodyPr/>
+              <a:lstStyle/>
+              <a:p>
+                <a:r>
+                  <a:rPr lang="ja-JP" altLang="en-US">
+                    <a:noFill/>
+                  </a:rPr>
+                  <a:t> </a:t>
+                </a:r>
+              </a:p>
+            </p:txBody>
+          </p:sp>
+        </mc:Fallback>
+      </mc:AlternateContent>
+      <p:sp>
+        <p:nvSpPr>
+          <p:cNvPr id="38" name="テキスト ボックス 37">
+            <a:extLst>
+              <a:ext uri="{FF2B5EF4-FFF2-40B4-BE49-F238E27FC236}">
+                <a16:creationId xmlns:a16="http://schemas.microsoft.com/office/drawing/2014/main" id="{90C1E423-49DD-994F-AE4C-05D4003A884B}"/>
+              </a:ext>
+            </a:extLst>
+          </p:cNvPr>
+          <p:cNvSpPr txBox="1"/>
+          <p:nvPr/>
+        </p:nvSpPr>
+        <p:spPr>
+          <a:xfrm rot="5400000">
+            <a:off x="9972116" y="3263007"/>
+            <a:ext cx="351378" cy="369332"/>
+          </a:xfrm>
+          <a:prstGeom prst="rect">
+            <a:avLst/>
+          </a:prstGeom>
+          <a:noFill/>
+        </p:spPr>
+        <p:txBody>
+          <a:bodyPr wrap="none" rtlCol="0">
+            <a:spAutoFit/>
+          </a:bodyPr>
+          <a:lstStyle/>
+          <a:p>
+            <a:r>
+              <a:rPr kumimoji="1" lang="en-US" altLang="ja-JP" dirty="0"/>
+              <a:t>=</a:t>
+            </a:r>
+            <a:endParaRPr kumimoji="1" lang="ja-JP" altLang="en-US"/>
+          </a:p>
+        </p:txBody>
+      </p:sp>
+      <p:sp>
+        <p:nvSpPr>
+          <p:cNvPr id="39" name="テキスト ボックス 38">
+            <a:extLst>
+              <a:ext uri="{FF2B5EF4-FFF2-40B4-BE49-F238E27FC236}">
+                <a16:creationId xmlns:a16="http://schemas.microsoft.com/office/drawing/2014/main" id="{2E643EAE-7F9B-1640-9722-62ED6F6A1BCD}"/>
+              </a:ext>
+            </a:extLst>
+          </p:cNvPr>
+          <p:cNvSpPr txBox="1"/>
+          <p:nvPr/>
+        </p:nvSpPr>
+        <p:spPr>
+          <a:xfrm rot="5400000">
+            <a:off x="9942328" y="3824847"/>
+            <a:ext cx="415498" cy="369332"/>
+          </a:xfrm>
+          <a:prstGeom prst="rect">
+            <a:avLst/>
+          </a:prstGeom>
+          <a:noFill/>
+        </p:spPr>
+        <p:txBody>
+          <a:bodyPr wrap="none" rtlCol="0">
+            <a:spAutoFit/>
+          </a:bodyPr>
+          <a:lstStyle/>
+          <a:p>
+            <a:r>
+              <a:rPr kumimoji="1" lang="ja-JP" altLang="en-US"/>
+              <a:t>＋</a:t>
+            </a:r>
+          </a:p>
+        </p:txBody>
+      </p:sp>
+      <mc:AlternateContent xmlns:mc="http://schemas.openxmlformats.org/markup-compatibility/2006" xmlns:a14="http://schemas.microsoft.com/office/drawing/2010/main">
+        <mc:Choice Requires="a14">
+          <p:sp>
+            <p:nvSpPr>
+              <p:cNvPr id="40" name="テキスト ボックス 39">
+                <a:extLst>
+                  <a:ext uri="{FF2B5EF4-FFF2-40B4-BE49-F238E27FC236}">
+                    <a16:creationId xmlns:a16="http://schemas.microsoft.com/office/drawing/2014/main" id="{7D573105-16A2-224D-BFD1-F9C6F963DD46}"/>
+                  </a:ext>
+                </a:extLst>
+              </p:cNvPr>
+              <p:cNvSpPr txBox="1"/>
+              <p:nvPr/>
+            </p:nvSpPr>
+            <p:spPr>
+              <a:xfrm>
+                <a:off x="8468402" y="4094695"/>
+                <a:ext cx="3680816" cy="375872"/>
+              </a:xfrm>
+              <a:prstGeom prst="rect">
+                <a:avLst/>
+              </a:prstGeom>
+              <a:noFill/>
+            </p:spPr>
+            <p:txBody>
+              <a:bodyPr wrap="none" rtlCol="0">
+                <a:spAutoFit/>
+              </a:bodyPr>
+              <a:lstStyle/>
+              <a:p>
+                <a:r>
+                  <a:rPr lang="ja-JP" altLang="en-US"/>
+                  <a:t>残差変動の平方和　</a:t>
+                </a:r>
+                <a14:m>
+                  <m:oMath xmlns:m="http://schemas.openxmlformats.org/officeDocument/2006/math">
+                    <m:nary>
+                      <m:naryPr>
+                        <m:chr m:val="∑"/>
+                        <m:ctrlPr>
+                          <a:rPr lang="ja-JP" altLang="en-US" i="1" smtClean="0">
+                            <a:latin typeface="Cambria Math" panose="02040503050406030204" pitchFamily="18" charset="0"/>
+                          </a:rPr>
+                        </m:ctrlPr>
+                      </m:naryPr>
+                      <m:sub>
+                        <m:r>
+                          <m:rPr>
+                            <m:brk m:alnAt="23"/>
+                          </m:rPr>
+                          <a:rPr lang="en-US" altLang="ja-JP" b="0" i="1" smtClean="0">
+                            <a:latin typeface="Cambria Math" panose="02040503050406030204" pitchFamily="18" charset="0"/>
+                          </a:rPr>
+                          <m:t>𝑖</m:t>
+                        </m:r>
+                        <m:r>
+                          <a:rPr lang="en-US" altLang="ja-JP" b="0" i="1" smtClean="0">
+                            <a:latin typeface="Cambria Math" panose="02040503050406030204" pitchFamily="18" charset="0"/>
+                          </a:rPr>
+                          <m:t>=1</m:t>
+                        </m:r>
+                      </m:sub>
+                      <m:sup>
+                        <m:r>
+                          <a:rPr lang="en-US" altLang="ja-JP" b="0" i="1" smtClean="0">
+                            <a:latin typeface="Cambria Math" panose="02040503050406030204" pitchFamily="18" charset="0"/>
+                          </a:rPr>
+                          <m:t>𝑛</m:t>
+                        </m:r>
+                      </m:sup>
+                      <m:e>
+                        <m:sSup>
+                          <m:sSupPr>
+                            <m:ctrlPr>
+                              <a:rPr lang="en-US" altLang="ja-JP" b="0" i="1" smtClean="0">
+                                <a:latin typeface="Cambria Math" panose="02040503050406030204" pitchFamily="18" charset="0"/>
+                              </a:rPr>
+                            </m:ctrlPr>
+                          </m:sSupPr>
+                          <m:e>
+                            <m:r>
+                              <a:rPr lang="en-US" altLang="ja-JP" b="0" i="1" smtClean="0">
+                                <a:latin typeface="Cambria Math" panose="02040503050406030204" pitchFamily="18" charset="0"/>
+                              </a:rPr>
+                              <m:t>(</m:t>
+                            </m:r>
+                            <m:sSub>
+                              <m:sSubPr>
+                                <m:ctrlPr>
+                                  <a:rPr lang="en-US" altLang="ja-JP" b="0" i="1" smtClean="0">
+                                    <a:latin typeface="Cambria Math" panose="02040503050406030204" pitchFamily="18" charset="0"/>
+                                  </a:rPr>
+                                </m:ctrlPr>
+                              </m:sSubPr>
+                              <m:e>
+                                <m:r>
+                                  <a:rPr lang="en-US" altLang="ja-JP" b="0" i="1" smtClean="0">
+                                    <a:latin typeface="Cambria Math" panose="02040503050406030204" pitchFamily="18" charset="0"/>
+                                  </a:rPr>
+                                  <m:t>𝑦</m:t>
+                                </m:r>
+                              </m:e>
+                              <m:sub>
+                                <m:r>
+                                  <a:rPr lang="en-US" altLang="ja-JP" b="0" i="1" smtClean="0">
+                                    <a:latin typeface="Cambria Math" panose="02040503050406030204" pitchFamily="18" charset="0"/>
+                                  </a:rPr>
+                                  <m:t>𝑖</m:t>
+                                </m:r>
+                              </m:sub>
+                            </m:sSub>
+                            <m:r>
+                              <a:rPr lang="en-US" altLang="ja-JP" b="0" i="1" smtClean="0">
+                                <a:latin typeface="Cambria Math" panose="02040503050406030204" pitchFamily="18" charset="0"/>
+                              </a:rPr>
+                              <m:t>−</m:t>
+                            </m:r>
+                            <m:acc>
+                              <m:accPr>
+                                <m:chr m:val="̂"/>
+                                <m:ctrlPr>
+                                  <a:rPr lang="en-US" altLang="ja-JP" i="1">
+                                    <a:latin typeface="Cambria Math" panose="02040503050406030204" pitchFamily="18" charset="0"/>
+                                  </a:rPr>
+                                </m:ctrlPr>
+                              </m:accPr>
+                              <m:e>
+                                <m:sSub>
+                                  <m:sSubPr>
+                                    <m:ctrlPr>
+                                      <a:rPr lang="en-US" altLang="ja-JP" i="1">
+                                        <a:latin typeface="Cambria Math" panose="02040503050406030204" pitchFamily="18" charset="0"/>
+                                      </a:rPr>
+                                    </m:ctrlPr>
+                                  </m:sSubPr>
+                                  <m:e>
+                                    <m:r>
+                                      <a:rPr lang="en-US" altLang="ja-JP" i="1">
+                                        <a:latin typeface="Cambria Math" panose="02040503050406030204" pitchFamily="18" charset="0"/>
+                                      </a:rPr>
+                                      <m:t>𝑦</m:t>
+                                    </m:r>
+                                  </m:e>
+                                  <m:sub>
+                                    <m:r>
+                                      <a:rPr lang="en-US" altLang="ja-JP" i="1">
+                                        <a:latin typeface="Cambria Math" panose="02040503050406030204" pitchFamily="18" charset="0"/>
+                                      </a:rPr>
+                                      <m:t>𝑖</m:t>
+                                    </m:r>
+                                  </m:sub>
+                                </m:sSub>
+                              </m:e>
+                            </m:acc>
+                            <m:r>
+                              <a:rPr lang="en-US" altLang="ja-JP" b="0" i="1" smtClean="0">
+                                <a:latin typeface="Cambria Math" panose="02040503050406030204" pitchFamily="18" charset="0"/>
+                              </a:rPr>
+                              <m:t>)</m:t>
+                            </m:r>
+                          </m:e>
+                          <m:sup>
+                            <m:r>
+                              <a:rPr lang="en-US" altLang="ja-JP" b="0" i="1" smtClean="0">
+                                <a:latin typeface="Cambria Math" panose="02040503050406030204" pitchFamily="18" charset="0"/>
+                              </a:rPr>
+                              <m:t>2</m:t>
+                            </m:r>
+                          </m:sup>
+                        </m:sSup>
+                      </m:e>
+                    </m:nary>
+                  </m:oMath>
+                </a14:m>
+                <a:endParaRPr kumimoji="1" lang="ja-JP" altLang="en-US"/>
+              </a:p>
+            </p:txBody>
+          </p:sp>
+        </mc:Choice>
+        <mc:Fallback xmlns="">
+          <p:sp>
+            <p:nvSpPr>
+              <p:cNvPr id="40" name="テキスト ボックス 39">
+                <a:extLst>
+                  <a:ext uri="{FF2B5EF4-FFF2-40B4-BE49-F238E27FC236}">
+                    <a16:creationId xmlns:a16="http://schemas.microsoft.com/office/drawing/2014/main" id="{7D573105-16A2-224D-BFD1-F9C6F963DD46}"/>
+                  </a:ext>
+                </a:extLst>
+              </p:cNvPr>
+              <p:cNvSpPr txBox="1">
+                <a:spLocks noRot="1" noChangeAspect="1" noMove="1" noResize="1" noEditPoints="1" noAdjustHandles="1" noChangeArrowheads="1" noChangeShapeType="1" noTextEdit="1"/>
+              </p:cNvSpPr>
+              <p:nvPr/>
+            </p:nvSpPr>
+            <p:spPr>
+              <a:xfrm>
+                <a:off x="8468402" y="4094695"/>
+                <a:ext cx="3680816" cy="375872"/>
+              </a:xfrm>
+              <a:prstGeom prst="rect">
+                <a:avLst/>
+              </a:prstGeom>
+              <a:blipFill>
+                <a:blip r:embed="rId8"/>
+                <a:stretch>
+                  <a:fillRect l="-1375" t="-113333" b="-166667"/>
+                </a:stretch>
+              </a:blipFill>
+            </p:spPr>
+            <p:txBody>
+              <a:bodyPr/>
+              <a:lstStyle/>
+              <a:p>
+                <a:r>
+                  <a:rPr lang="ja-JP" altLang="en-US">
+                    <a:noFill/>
+                  </a:rPr>
+                  <a:t> </a:t>
+                </a:r>
+              </a:p>
+            </p:txBody>
+          </p:sp>
+        </mc:Fallback>
+      </mc:AlternateContent>
     </p:spTree>
     <p:extLst>
       <p:ext uri="{BB962C8B-B14F-4D97-AF65-F5344CB8AC3E}">
-        <p14:creationId xmlns:p14="http://schemas.microsoft.com/office/powerpoint/2010/main" val="623929723"/>
+        <p14:creationId xmlns:p14="http://schemas.microsoft.com/office/powerpoint/2010/main" val="2990604851"/>
       </p:ext>
     </p:extLst>
   </p:cSld>
@@ -5794,7 +7430,7 @@
           <p:cNvPr id="2" name="タイトル 1">
             <a:extLst>
               <a:ext uri="{FF2B5EF4-FFF2-40B4-BE49-F238E27FC236}">
-                <a16:creationId xmlns:a16="http://schemas.microsoft.com/office/drawing/2014/main" id="{ADD62BF2-6FF7-9842-B55F-6A8B6B522A7E}"/>
+                <a16:creationId xmlns:a16="http://schemas.microsoft.com/office/drawing/2014/main" id="{199743C8-A9E4-C540-875B-0FE32C6EBFB0}"/>
               </a:ext>
             </a:extLst>
           </p:cNvPr>
@@ -5811,9 +7447,18 @@
           <a:lstStyle/>
           <a:p>
             <a:r>
-              <a:rPr kumimoji="1" lang="ja-JP" altLang="en-US"/>
-              <a:t>線形モデルの残差</a:t>
-            </a:r>
+              <a:rPr kumimoji="1" lang="en-US" altLang="ja-JP" dirty="0"/>
+              <a:t>R</a:t>
+            </a:r>
+            <a:r>
+              <a:rPr kumimoji="1" lang="ja-JP" altLang="en-US"/>
+              <a:t>で</a:t>
+            </a:r>
+            <a:r>
+              <a:rPr kumimoji="1" lang="en-US" altLang="ja-JP" dirty="0"/>
+              <a:t>VIF</a:t>
+            </a:r>
+            <a:endParaRPr kumimoji="1" lang="ja-JP" altLang="en-US"/>
           </a:p>
         </p:txBody>
       </p:sp>
@@ -5822,7 +7467,7 @@
           <p:cNvPr id="3" name="コンテンツ プレースホルダー 2">
             <a:extLst>
               <a:ext uri="{FF2B5EF4-FFF2-40B4-BE49-F238E27FC236}">
-                <a16:creationId xmlns:a16="http://schemas.microsoft.com/office/drawing/2014/main" id="{1805BEF9-DE5C-E743-813A-6F4CE0125DA2}"/>
+                <a16:creationId xmlns:a16="http://schemas.microsoft.com/office/drawing/2014/main" id="{02F3AD6E-A8AA-964C-8EF4-26CD4B7D1443}"/>
               </a:ext>
             </a:extLst>
           </p:cNvPr>
@@ -5836,52 +7481,43 @@
         <p:spPr/>
         <p:txBody>
           <a:bodyPr>
-            <a:normAutofit/>
+            <a:normAutofit fontScale="92500" lnSpcReduction="10000"/>
           </a:bodyPr>
           <a:lstStyle/>
           <a:p>
             <a:r>
               <a:rPr kumimoji="1" lang="ja-JP" altLang="en-US"/>
-              <a:t>線形モデルは誤差が正規分布に従うと仮定</a:t>
+              <a:t>第</a:t>
+            </a:r>
+            <a:r>
+              <a:rPr kumimoji="1" lang="en-US" altLang="ja-JP" dirty="0"/>
+              <a:t>10</a:t>
+            </a:r>
+            <a:r>
+              <a:rPr kumimoji="1" lang="ja-JP" altLang="en-US"/>
+              <a:t>回で利用した気象データ</a:t>
+            </a:r>
+            <a:r>
+              <a:rPr kumimoji="1" lang="en-US" altLang="ja-JP" dirty="0" err="1"/>
+              <a:t>yokohama.csv</a:t>
+            </a:r>
+            <a:r>
+              <a:rPr kumimoji="1" lang="ja-JP" altLang="en-US"/>
+              <a:t>で試してみよう．</a:t>
             </a:r>
             <a:endParaRPr kumimoji="1" lang="en-US" altLang="ja-JP" dirty="0"/>
           </a:p>
           <a:p>
-            <a:pPr marL="0" indent="0">
-              <a:buNone/>
-            </a:pPr>
-            <a:r>
-              <a:rPr lang="en-US" altLang="ja-JP" dirty="0"/>
-              <a:t>	</a:t>
-            </a:r>
-            <a:r>
-              <a:rPr lang="ja-JP" altLang="en-US"/>
-              <a:t>→</a:t>
-            </a:r>
-            <a:r>
-              <a:rPr kumimoji="1" lang="en-US" altLang="ja-JP" dirty="0" err="1"/>
-              <a:t>lm</a:t>
-            </a:r>
-            <a:r>
-              <a:rPr kumimoji="1" lang="ja-JP" altLang="en-US"/>
-              <a:t>結果オブジェクトの残差は</a:t>
-            </a:r>
-            <a:r>
-              <a:rPr lang="ja-JP" altLang="en-US"/>
-              <a:t>正規分布に従っているはず</a:t>
-            </a:r>
             <a:endParaRPr lang="en-US" altLang="ja-JP" dirty="0"/>
           </a:p>
           <a:p>
-            <a:pPr marL="0" indent="0">
-              <a:buNone/>
-            </a:pPr>
-            <a:endParaRPr kumimoji="1" lang="en-US" altLang="ja-JP" dirty="0"/>
-          </a:p>
-          <a:p>
-            <a:r>
-              <a:rPr kumimoji="1" lang="ja-JP" altLang="en-US"/>
-              <a:t>残差を大きさで並び替えれば（ソートすれば）、理論的に正規分布</a:t>
+            <a:r>
+              <a:rPr kumimoji="1" lang="en-US" altLang="ja-JP" dirty="0"/>
+              <a:t>Tw0</a:t>
+            </a:r>
+            <a:r>
+              <a:rPr kumimoji="1" lang="ja-JP" altLang="en-US"/>
+              <a:t>が裸地水温なので、これを気象要素</a:t>
             </a:r>
             <a:r>
               <a:rPr kumimoji="1" lang="en-US" altLang="ja-JP" dirty="0"/>
@@ -5889,11 +7525,7 @@
             </a:r>
             <a:r>
               <a:rPr kumimoji="1" lang="ja-JP" altLang="en-US"/>
-              <a:t>平均０、分散</a:t>
-            </a:r>
-            <a:r>
-              <a:rPr kumimoji="1" lang="en-US" altLang="ja-JP" dirty="0" err="1"/>
-              <a:t>σ</a:t>
+              <a:t>実測値、推定値</a:t>
             </a:r>
             <a:r>
               <a:rPr kumimoji="1" lang="en-US" altLang="ja-JP" dirty="0"/>
@@ -5901,706 +7533,83 @@
             </a:r>
             <a:r>
               <a:rPr kumimoji="1" lang="ja-JP" altLang="en-US"/>
-              <a:t>をデータのサンプルサイズ</a:t>
+              <a:t>で回帰して説明．</a:t>
+            </a:r>
+            <a:r>
+              <a:rPr lang="ja-JP" altLang="en-US"/>
+              <a:t>（</a:t>
+            </a:r>
+            <a:r>
+              <a:rPr lang="en-US" altLang="ja-JP" dirty="0">
+                <a:hlinkClick r:id="rId3"/>
+              </a:rPr>
+              <a:t>https://meteocrop.dc.affrc.go.jp/real/explan_amedas_u.htm</a:t>
+            </a:r>
+            <a:r>
+              <a:rPr lang="ja-JP" altLang="en-US"/>
+              <a:t>）</a:t>
+            </a:r>
+            <a:endParaRPr lang="en-US" altLang="ja-JP" dirty="0"/>
+          </a:p>
+          <a:p>
+            <a:pPr lvl="1"/>
+            <a:endParaRPr kumimoji="1" lang="en-US" altLang="ja-JP" dirty="0"/>
+          </a:p>
+          <a:p>
+            <a:pPr lvl="1"/>
+            <a:r>
+              <a:rPr kumimoji="1" lang="ja-JP" altLang="en-US"/>
+              <a:t>データ数が多いので</a:t>
             </a:r>
             <a:r>
               <a:rPr kumimoji="1" lang="en-US" altLang="ja-JP" dirty="0"/>
-              <a:t>n</a:t>
-            </a:r>
-            <a:r>
-              <a:rPr kumimoji="1" lang="ja-JP" altLang="en-US"/>
-              <a:t>で割った時の順位</a:t>
+              <a:t>2010</a:t>
+            </a:r>
+            <a:r>
+              <a:rPr kumimoji="1" lang="ja-JP" altLang="en-US"/>
+              <a:t>年以降を使う．</a:t>
+            </a:r>
+            <a:endParaRPr kumimoji="1" lang="en-US" altLang="ja-JP" dirty="0"/>
+          </a:p>
+          <a:p>
+            <a:pPr lvl="1"/>
+            <a:endParaRPr kumimoji="1" lang="en-US" altLang="ja-JP" dirty="0"/>
+          </a:p>
+          <a:p>
+            <a:pPr lvl="1"/>
+            <a:r>
+              <a:rPr lang="en-US" altLang="ja-JP" dirty="0"/>
+              <a:t>Tw0 ~ T + Tmax+Tmin+Pr+e+VPD+RH+RHmin+u+u10max+N+Sd+Ld</a:t>
+            </a:r>
+          </a:p>
+          <a:p>
+            <a:endParaRPr lang="en-US" altLang="ja-JP" dirty="0"/>
+          </a:p>
+          <a:p>
+            <a:r>
+              <a:rPr lang="en-US" altLang="ja-JP" dirty="0"/>
+              <a:t>library(performance)</a:t>
             </a:r>
             <a:r>
               <a:rPr lang="ja-JP" altLang="en-US"/>
-              <a:t>から求められる期待値に</a:t>
-            </a:r>
-            <a:r>
-              <a:rPr kumimoji="1" lang="ja-JP" altLang="en-US"/>
-              <a:t>相当する値になっているはず</a:t>
-            </a:r>
-            <a:endParaRPr kumimoji="1" lang="en-US" altLang="ja-JP" dirty="0"/>
-          </a:p>
-          <a:p>
-            <a:pPr lvl="1"/>
+              <a:t>で</a:t>
+            </a:r>
+            <a:r>
+              <a:rPr lang="en-US" altLang="ja-JP" dirty="0" err="1"/>
+              <a:t>check_collinearity</a:t>
+            </a:r>
             <a:r>
               <a:rPr lang="ja-JP" altLang="en-US"/>
-              <a:t>この分散</a:t>
-            </a:r>
-            <a:r>
-              <a:rPr lang="en-US" altLang="ja-JP" dirty="0" err="1"/>
-              <a:t>σ</a:t>
-            </a:r>
-            <a:r>
-              <a:rPr lang="ja-JP" altLang="en-US"/>
-              <a:t>の値は係数推定時に得られる（第</a:t>
-            </a:r>
-            <a:r>
-              <a:rPr lang="en-US" altLang="ja-JP" dirty="0"/>
-              <a:t>18</a:t>
-            </a:r>
-            <a:r>
-              <a:rPr lang="ja-JP" altLang="en-US"/>
-              <a:t>回で係数</a:t>
-            </a:r>
-            <a:r>
-              <a:rPr lang="en-US" altLang="ja-JP" dirty="0"/>
-              <a:t>β</a:t>
-            </a:r>
-            <a:r>
-              <a:rPr lang="ja-JP" altLang="en-US"/>
-              <a:t>と分散</a:t>
-            </a:r>
-            <a:r>
-              <a:rPr lang="en-US" altLang="ja-JP" dirty="0"/>
-              <a:t>s</a:t>
-            </a:r>
-            <a:r>
-              <a:rPr lang="ja-JP" altLang="en-US"/>
-              <a:t>を最尤推定）　</a:t>
-            </a:r>
-            <a:endParaRPr kumimoji="1" lang="en-US" altLang="ja-JP" dirty="0"/>
+              <a:t>関数を使ってみる．</a:t>
+            </a:r>
+            <a:endParaRPr lang="en-US" altLang="ja-JP" dirty="0"/>
           </a:p>
         </p:txBody>
       </p:sp>
     </p:spTree>
     <p:extLst>
       <p:ext uri="{BB962C8B-B14F-4D97-AF65-F5344CB8AC3E}">
-        <p14:creationId xmlns:p14="http://schemas.microsoft.com/office/powerpoint/2010/main" val="2178159451"/>
-      </p:ext>
-    </p:extLst>
-  </p:cSld>
-  <p:clrMapOvr>
-    <a:masterClrMapping/>
-  </p:clrMapOvr>
-</p:sld>
-</file>
-
-<file path=ppt/slides/slide7.xml><?xml version="1.0" encoding="utf-8"?>
-<p:sld xmlns:a="http://schemas.openxmlformats.org/drawingml/2006/main" xmlns:r="http://schemas.openxmlformats.org/officeDocument/2006/relationships" xmlns:p="http://schemas.openxmlformats.org/presentationml/2006/main">
-  <p:cSld>
-    <p:spTree>
-      <p:nvGrpSpPr>
-        <p:cNvPr id="1" name=""/>
-        <p:cNvGrpSpPr/>
-        <p:nvPr/>
-      </p:nvGrpSpPr>
-      <p:grpSpPr>
-        <a:xfrm>
-          <a:off x="0" y="0"/>
-          <a:ext cx="0" cy="0"/>
-          <a:chOff x="0" y="0"/>
-          <a:chExt cx="0" cy="0"/>
-        </a:xfrm>
-      </p:grpSpPr>
-      <p:sp>
-        <p:nvSpPr>
-          <p:cNvPr id="2" name="タイトル 1">
-            <a:extLst>
-              <a:ext uri="{FF2B5EF4-FFF2-40B4-BE49-F238E27FC236}">
-                <a16:creationId xmlns:a16="http://schemas.microsoft.com/office/drawing/2014/main" id="{892C59F3-AD8A-C648-98CA-0C3943AE4A58}"/>
-              </a:ext>
-            </a:extLst>
-          </p:cNvPr>
-          <p:cNvSpPr>
-            <a:spLocks noGrp="1"/>
-          </p:cNvSpPr>
-          <p:nvPr>
-            <p:ph type="title"/>
-          </p:nvPr>
-        </p:nvSpPr>
-        <p:spPr/>
-        <p:txBody>
-          <a:bodyPr/>
-          <a:lstStyle/>
-          <a:p>
-            <a:r>
-              <a:rPr kumimoji="1" lang="ja-JP" altLang="en-US"/>
-              <a:t>サンプルの順位と分位</a:t>
-            </a:r>
-          </a:p>
-        </p:txBody>
-      </p:sp>
-      <p:sp>
-        <p:nvSpPr>
-          <p:cNvPr id="3" name="コンテンツ プレースホルダー 2">
-            <a:extLst>
-              <a:ext uri="{FF2B5EF4-FFF2-40B4-BE49-F238E27FC236}">
-                <a16:creationId xmlns:a16="http://schemas.microsoft.com/office/drawing/2014/main" id="{2B892BED-13CC-B648-8A24-26DF1294EB9C}"/>
-              </a:ext>
-            </a:extLst>
-          </p:cNvPr>
-          <p:cNvSpPr>
-            <a:spLocks noGrp="1"/>
-          </p:cNvSpPr>
-          <p:nvPr>
-            <p:ph idx="1"/>
-          </p:nvPr>
-        </p:nvSpPr>
-        <p:spPr/>
-        <p:txBody>
-          <a:bodyPr>
-            <a:normAutofit fontScale="85000" lnSpcReduction="20000"/>
-          </a:bodyPr>
-          <a:lstStyle/>
-          <a:p>
-            <a:r>
-              <a:rPr lang="ja-JP" altLang="en-US"/>
-              <a:t>サンプルサイズ</a:t>
-            </a:r>
-            <a:r>
-              <a:rPr lang="en-US" altLang="ja-JP" dirty="0"/>
-              <a:t>n(</a:t>
-            </a:r>
-            <a:r>
-              <a:rPr lang="ja-JP" altLang="en-US"/>
-              <a:t>ここでは</a:t>
-            </a:r>
-            <a:r>
-              <a:rPr lang="en-US" altLang="ja-JP" dirty="0"/>
-              <a:t>100</a:t>
-            </a:r>
-            <a:r>
-              <a:rPr lang="ja-JP" altLang="en-US"/>
-              <a:t>にする</a:t>
-            </a:r>
-            <a:r>
-              <a:rPr lang="en-US" altLang="ja-JP" dirty="0"/>
-              <a:t>)</a:t>
-            </a:r>
-            <a:r>
-              <a:rPr lang="ja-JP" altLang="en-US"/>
-              <a:t>のデータが標準正規分布</a:t>
-            </a:r>
-            <a:r>
-              <a:rPr lang="en-US" altLang="ja-JP" dirty="0"/>
-              <a:t>N~(</a:t>
-            </a:r>
-            <a:r>
-              <a:rPr lang="en-US" altLang="ja-JP" dirty="0" err="1"/>
-              <a:t>μ</a:t>
-            </a:r>
-            <a:r>
-              <a:rPr lang="en-US" altLang="ja-JP" dirty="0"/>
-              <a:t>=0,σ=1)</a:t>
-            </a:r>
-            <a:r>
-              <a:rPr lang="ja-JP" altLang="en-US"/>
-              <a:t>に従って分布している．</a:t>
-            </a:r>
-            <a:endParaRPr lang="en-US" altLang="ja-JP" dirty="0"/>
-          </a:p>
-          <a:p>
-            <a:endParaRPr kumimoji="1" lang="en-US" altLang="ja-JP" dirty="0"/>
-          </a:p>
-          <a:p>
-            <a:r>
-              <a:rPr lang="ja-JP" altLang="en-US"/>
-              <a:t>サンプルを昇順に並び替えたもの</a:t>
-            </a:r>
-            <a:r>
-              <a:rPr lang="en-US" altLang="ja-JP" dirty="0"/>
-              <a:t>(a)</a:t>
-            </a:r>
-            <a:r>
-              <a:rPr lang="ja-JP" altLang="en-US"/>
-              <a:t>と、</a:t>
-            </a:r>
-            <a:r>
-              <a:rPr lang="en-US" altLang="ja-JP" dirty="0"/>
-              <a:t>1</a:t>
-            </a:r>
-            <a:r>
-              <a:rPr lang="ja-JP" altLang="en-US"/>
-              <a:t>から</a:t>
-            </a:r>
-            <a:r>
-              <a:rPr lang="en-US" altLang="ja-JP" dirty="0"/>
-              <a:t>n</a:t>
-            </a:r>
-            <a:r>
-              <a:rPr lang="ja-JP" altLang="en-US"/>
-              <a:t>までの順位で理論的に標準正規分布から得られる期待値</a:t>
-            </a:r>
-            <a:r>
-              <a:rPr lang="en-US" altLang="ja-JP" dirty="0"/>
-              <a:t>(b)</a:t>
-            </a:r>
-            <a:r>
-              <a:rPr lang="ja-JP" altLang="en-US"/>
-              <a:t>を比較する．</a:t>
-            </a:r>
-            <a:endParaRPr lang="en-US" altLang="ja-JP" dirty="0"/>
-          </a:p>
-          <a:p>
-            <a:pPr lvl="1"/>
-            <a:r>
-              <a:rPr lang="ja-JP" altLang="en-US"/>
-              <a:t>サンプルのデータが標準正規分布に従うなら、縦軸に</a:t>
-            </a:r>
-            <a:r>
-              <a:rPr lang="en-US" altLang="ja-JP" dirty="0"/>
-              <a:t>(a)</a:t>
-            </a:r>
-            <a:r>
-              <a:rPr lang="ja-JP" altLang="en-US"/>
-              <a:t>、横軸に</a:t>
-            </a:r>
-            <a:r>
-              <a:rPr lang="en-US" altLang="ja-JP" dirty="0"/>
-              <a:t>(b)</a:t>
-            </a:r>
-            <a:r>
-              <a:rPr lang="ja-JP" altLang="en-US"/>
-              <a:t>をとると直線に乗るはず．</a:t>
-            </a:r>
-            <a:endParaRPr lang="en-US" altLang="ja-JP" dirty="0"/>
-          </a:p>
-          <a:p>
-            <a:pPr lvl="1"/>
-            <a:endParaRPr lang="en-US" altLang="ja-JP" dirty="0"/>
-          </a:p>
-          <a:p>
-            <a:r>
-              <a:rPr kumimoji="1" lang="ja-JP" altLang="en-US"/>
-              <a:t>このサンプルの</a:t>
-            </a:r>
-            <a:r>
-              <a:rPr kumimoji="1" lang="en-US" altLang="ja-JP" dirty="0"/>
-              <a:t>quantile</a:t>
-            </a:r>
-            <a:r>
-              <a:rPr kumimoji="1" lang="ja-JP" altLang="en-US"/>
-              <a:t>と理論的な</a:t>
-            </a:r>
-            <a:r>
-              <a:rPr kumimoji="1" lang="en-US" altLang="ja-JP" dirty="0"/>
-              <a:t>quantile</a:t>
-            </a:r>
-            <a:r>
-              <a:rPr kumimoji="1" lang="ja-JP" altLang="en-US"/>
-              <a:t>の対応関係をプロット</a:t>
-            </a:r>
-            <a:br>
-              <a:rPr kumimoji="1" lang="en-US" altLang="ja-JP" dirty="0"/>
-            </a:br>
-            <a:endParaRPr kumimoji="1" lang="en-US" altLang="ja-JP" dirty="0"/>
-          </a:p>
-          <a:p>
-            <a:pPr lvl="1"/>
-            <a:r>
-              <a:rPr lang="en-US" altLang="ja-JP" dirty="0" err="1"/>
-              <a:t>std_norm_smpl</a:t>
-            </a:r>
-            <a:r>
-              <a:rPr lang="en-US" altLang="ja-JP" dirty="0"/>
-              <a:t> &lt;- </a:t>
-            </a:r>
-            <a:r>
-              <a:rPr lang="en-US" altLang="ja-JP" dirty="0" err="1"/>
-              <a:t>rnorm</a:t>
-            </a:r>
-            <a:r>
-              <a:rPr lang="en-US" altLang="ja-JP" dirty="0"/>
-              <a:t>(100,0,1)</a:t>
-            </a:r>
-          </a:p>
-          <a:p>
-            <a:pPr lvl="1"/>
-            <a:r>
-              <a:rPr lang="en-US" altLang="ja-JP" dirty="0" err="1"/>
-              <a:t>sort</a:t>
-            </a:r>
-            <a:r>
-              <a:rPr kumimoji="1" lang="en-US" altLang="ja-JP" dirty="0" err="1"/>
-              <a:t>_std_norm_s</a:t>
-            </a:r>
-            <a:r>
-              <a:rPr lang="en-US" altLang="ja-JP" dirty="0" err="1"/>
-              <a:t>mpl</a:t>
-            </a:r>
-            <a:r>
-              <a:rPr lang="en-US" altLang="ja-JP" dirty="0"/>
-              <a:t> &lt;- </a:t>
-            </a:r>
-            <a:r>
-              <a:rPr lang="en-US" altLang="ja-JP" dirty="0" err="1"/>
-              <a:t>std_norm_smpl</a:t>
-            </a:r>
-            <a:r>
-              <a:rPr lang="en-US" altLang="ja-JP" dirty="0"/>
-              <a:t>[order(</a:t>
-            </a:r>
-            <a:r>
-              <a:rPr lang="en-US" altLang="ja-JP" dirty="0" err="1"/>
-              <a:t>std_norm_smp,decreasing</a:t>
-            </a:r>
-            <a:r>
-              <a:rPr lang="en-US" altLang="ja-JP" dirty="0"/>
-              <a:t> = F)]</a:t>
-            </a:r>
-          </a:p>
-          <a:p>
-            <a:pPr lvl="1"/>
-            <a:r>
-              <a:rPr kumimoji="1" lang="en-US" altLang="ja-JP" dirty="0" err="1"/>
-              <a:t>theo</a:t>
-            </a:r>
-            <a:r>
-              <a:rPr lang="en-US" altLang="ja-JP" dirty="0" err="1"/>
-              <a:t>r_smpl</a:t>
-            </a:r>
-            <a:r>
-              <a:rPr lang="en-US" altLang="ja-JP" dirty="0"/>
-              <a:t> &lt;- (seq(1,100)-0.5)/100</a:t>
-            </a:r>
-          </a:p>
-          <a:p>
-            <a:pPr lvl="1"/>
-            <a:r>
-              <a:rPr lang="en-US" altLang="ja-JP" dirty="0"/>
-              <a:t>plot(</a:t>
-            </a:r>
-            <a:r>
-              <a:rPr lang="en-US" altLang="ja-JP" dirty="0" err="1"/>
-              <a:t>theor_smp,ord_stdnorm_smp</a:t>
-            </a:r>
-            <a:r>
-              <a:rPr lang="en-US" altLang="ja-JP" dirty="0"/>
-              <a:t>)</a:t>
-            </a:r>
-            <a:endParaRPr kumimoji="1" lang="ja-JP" altLang="en-US"/>
-          </a:p>
-        </p:txBody>
-      </p:sp>
-    </p:spTree>
-    <p:extLst>
-      <p:ext uri="{BB962C8B-B14F-4D97-AF65-F5344CB8AC3E}">
-        <p14:creationId xmlns:p14="http://schemas.microsoft.com/office/powerpoint/2010/main" val="4050706010"/>
-      </p:ext>
-    </p:extLst>
-  </p:cSld>
-  <p:clrMapOvr>
-    <a:masterClrMapping/>
-  </p:clrMapOvr>
-</p:sld>
-</file>
-
-<file path=ppt/slides/slide8.xml><?xml version="1.0" encoding="utf-8"?>
-<p:sld xmlns:a="http://schemas.openxmlformats.org/drawingml/2006/main" xmlns:r="http://schemas.openxmlformats.org/officeDocument/2006/relationships" xmlns:p="http://schemas.openxmlformats.org/presentationml/2006/main">
-  <p:cSld>
-    <p:spTree>
-      <p:nvGrpSpPr>
-        <p:cNvPr id="1" name=""/>
-        <p:cNvGrpSpPr/>
-        <p:nvPr/>
-      </p:nvGrpSpPr>
-      <p:grpSpPr>
-        <a:xfrm>
-          <a:off x="0" y="0"/>
-          <a:ext cx="0" cy="0"/>
-          <a:chOff x="0" y="0"/>
-          <a:chExt cx="0" cy="0"/>
-        </a:xfrm>
-      </p:grpSpPr>
-      <p:sp>
-        <p:nvSpPr>
-          <p:cNvPr id="2" name="タイトル 1">
-            <a:extLst>
-              <a:ext uri="{FF2B5EF4-FFF2-40B4-BE49-F238E27FC236}">
-                <a16:creationId xmlns:a16="http://schemas.microsoft.com/office/drawing/2014/main" id="{F1994288-EB8E-A84F-B42C-97ABDD69EAD5}"/>
-              </a:ext>
-            </a:extLst>
-          </p:cNvPr>
-          <p:cNvSpPr>
-            <a:spLocks noGrp="1"/>
-          </p:cNvSpPr>
-          <p:nvPr>
-            <p:ph type="title"/>
-          </p:nvPr>
-        </p:nvSpPr>
-        <p:spPr/>
-        <p:txBody>
-          <a:bodyPr/>
-          <a:lstStyle/>
-          <a:p>
-            <a:r>
-              <a:rPr kumimoji="1" lang="en-US" altLang="ja-JP" dirty="0" err="1"/>
-              <a:t>qqnorm</a:t>
-            </a:r>
-            <a:r>
-              <a:rPr kumimoji="1" lang="ja-JP" altLang="en-US"/>
-              <a:t>関数</a:t>
-            </a:r>
-          </a:p>
-        </p:txBody>
-      </p:sp>
-      <p:sp>
-        <p:nvSpPr>
-          <p:cNvPr id="3" name="コンテンツ プレースホルダー 2">
-            <a:extLst>
-              <a:ext uri="{FF2B5EF4-FFF2-40B4-BE49-F238E27FC236}">
-                <a16:creationId xmlns:a16="http://schemas.microsoft.com/office/drawing/2014/main" id="{F17329F4-295F-B840-A01F-3058DFA89E7D}"/>
-              </a:ext>
-            </a:extLst>
-          </p:cNvPr>
-          <p:cNvSpPr>
-            <a:spLocks noGrp="1"/>
-          </p:cNvSpPr>
-          <p:nvPr>
-            <p:ph idx="1"/>
-          </p:nvPr>
-        </p:nvSpPr>
-        <p:spPr/>
-        <p:txBody>
-          <a:bodyPr/>
-          <a:lstStyle/>
-          <a:p>
-            <a:r>
-              <a:rPr kumimoji="1" lang="ja-JP" altLang="en-US"/>
-              <a:t>誤差が正規分布であるサンプルである時、</a:t>
-            </a:r>
-            <a:r>
-              <a:rPr lang="en-US" altLang="ja-JP" dirty="0"/>
-              <a:t>Q-</a:t>
-            </a:r>
-            <a:r>
-              <a:rPr lang="en-US" altLang="ja-JP" dirty="0" err="1"/>
-              <a:t>Qplot</a:t>
-            </a:r>
-            <a:r>
-              <a:rPr lang="ja-JP" altLang="en-US"/>
-              <a:t>は</a:t>
-            </a:r>
-            <a:r>
-              <a:rPr lang="en-US" altLang="ja-JP" dirty="0" err="1"/>
-              <a:t>qqnorm</a:t>
-            </a:r>
-            <a:r>
-              <a:rPr lang="ja-JP" altLang="en-US"/>
-              <a:t>関数が使える．</a:t>
-            </a:r>
-            <a:endParaRPr lang="en-US" altLang="ja-JP" dirty="0"/>
-          </a:p>
-          <a:p>
-            <a:pPr lvl="1"/>
-            <a:r>
-              <a:rPr kumimoji="1" lang="en-US" altLang="ja-JP" dirty="0" err="1"/>
-              <a:t>qqnorm</a:t>
-            </a:r>
-            <a:r>
-              <a:rPr kumimoji="1" lang="en-US" altLang="ja-JP" dirty="0"/>
-              <a:t>(</a:t>
-            </a:r>
-            <a:r>
-              <a:rPr kumimoji="1" lang="en-US" altLang="ja-JP" dirty="0" err="1"/>
-              <a:t>std_norm_smpl</a:t>
-            </a:r>
-            <a:r>
-              <a:rPr kumimoji="1" lang="en-US" altLang="ja-JP" dirty="0"/>
-              <a:t>)</a:t>
-            </a:r>
-          </a:p>
-          <a:p>
-            <a:endParaRPr kumimoji="1" lang="en-US" altLang="ja-JP" dirty="0"/>
-          </a:p>
-          <a:p>
-            <a:r>
-              <a:rPr kumimoji="1" lang="ja-JP" altLang="en-US"/>
-              <a:t>この関数は分布の標準化した上で理論値と比べてくれる．線形モデルの結果の残差をそのまま引数に入れる．</a:t>
-            </a:r>
-            <a:endParaRPr kumimoji="1" lang="en-US" altLang="ja-JP" dirty="0"/>
-          </a:p>
-          <a:p>
-            <a:pPr lvl="1"/>
-            <a:r>
-              <a:rPr lang="en-US" altLang="ja-JP" dirty="0" err="1"/>
-              <a:t>qqnorm</a:t>
-            </a:r>
-            <a:r>
-              <a:rPr lang="en-US" altLang="ja-JP" dirty="0"/>
-              <a:t>(</a:t>
-            </a:r>
-            <a:r>
-              <a:rPr lang="en-US" altLang="ja-JP" dirty="0" err="1"/>
-              <a:t>res_lm$residuals</a:t>
-            </a:r>
-            <a:r>
-              <a:rPr lang="en-US" altLang="ja-JP" dirty="0"/>
-              <a:t>)</a:t>
-            </a:r>
-            <a:endParaRPr kumimoji="1" lang="ja-JP" altLang="en-US"/>
-          </a:p>
-        </p:txBody>
-      </p:sp>
-    </p:spTree>
-    <p:extLst>
-      <p:ext uri="{BB962C8B-B14F-4D97-AF65-F5344CB8AC3E}">
-        <p14:creationId xmlns:p14="http://schemas.microsoft.com/office/powerpoint/2010/main" val="2009115823"/>
-      </p:ext>
-    </p:extLst>
-  </p:cSld>
-  <p:clrMapOvr>
-    <a:masterClrMapping/>
-  </p:clrMapOvr>
-</p:sld>
-</file>
-
-<file path=ppt/slides/slide9.xml><?xml version="1.0" encoding="utf-8"?>
-<p:sld xmlns:a="http://schemas.openxmlformats.org/drawingml/2006/main" xmlns:r="http://schemas.openxmlformats.org/officeDocument/2006/relationships" xmlns:p="http://schemas.openxmlformats.org/presentationml/2006/main">
-  <p:cSld>
-    <p:spTree>
-      <p:nvGrpSpPr>
-        <p:cNvPr id="1" name=""/>
-        <p:cNvGrpSpPr/>
-        <p:nvPr/>
-      </p:nvGrpSpPr>
-      <p:grpSpPr>
-        <a:xfrm>
-          <a:off x="0" y="0"/>
-          <a:ext cx="0" cy="0"/>
-          <a:chOff x="0" y="0"/>
-          <a:chExt cx="0" cy="0"/>
-        </a:xfrm>
-      </p:grpSpPr>
-      <p:sp>
-        <p:nvSpPr>
-          <p:cNvPr id="2" name="タイトル 1">
-            <a:extLst>
-              <a:ext uri="{FF2B5EF4-FFF2-40B4-BE49-F238E27FC236}">
-                <a16:creationId xmlns:a16="http://schemas.microsoft.com/office/drawing/2014/main" id="{032164F6-0F1B-1549-B553-24334B2E64E3}"/>
-              </a:ext>
-            </a:extLst>
-          </p:cNvPr>
-          <p:cNvSpPr>
-            <a:spLocks noGrp="1"/>
-          </p:cNvSpPr>
-          <p:nvPr>
-            <p:ph type="title"/>
-          </p:nvPr>
-        </p:nvSpPr>
-        <p:spPr/>
-        <p:txBody>
-          <a:bodyPr/>
-          <a:lstStyle/>
-          <a:p>
-            <a:r>
-              <a:rPr kumimoji="1" lang="en-US" altLang="ja-JP" dirty="0"/>
-              <a:t>GLM</a:t>
-            </a:r>
-            <a:r>
-              <a:rPr kumimoji="1" lang="ja-JP" altLang="en-US"/>
-              <a:t>の残差</a:t>
-            </a:r>
-          </a:p>
-        </p:txBody>
-      </p:sp>
-      <p:sp>
-        <p:nvSpPr>
-          <p:cNvPr id="3" name="コンテンツ プレースホルダー 2">
-            <a:extLst>
-              <a:ext uri="{FF2B5EF4-FFF2-40B4-BE49-F238E27FC236}">
-                <a16:creationId xmlns:a16="http://schemas.microsoft.com/office/drawing/2014/main" id="{7044DDCB-175D-DC41-A5AC-98AE58CE5A61}"/>
-              </a:ext>
-            </a:extLst>
-          </p:cNvPr>
-          <p:cNvSpPr>
-            <a:spLocks noGrp="1"/>
-          </p:cNvSpPr>
-          <p:nvPr>
-            <p:ph idx="1"/>
-          </p:nvPr>
-        </p:nvSpPr>
-        <p:spPr/>
-        <p:txBody>
-          <a:bodyPr/>
-          <a:lstStyle/>
-          <a:p>
-            <a:r>
-              <a:rPr kumimoji="1" lang="ja-JP" altLang="en-US"/>
-              <a:t>誤差分布が正規分布ではない場合、残差は単純に予測値からのズレを使わない．</a:t>
-            </a:r>
-            <a:endParaRPr kumimoji="1" lang="en-US" altLang="ja-JP" dirty="0"/>
-          </a:p>
-          <a:p>
-            <a:pPr lvl="1"/>
-            <a:r>
-              <a:rPr lang="ja-JP" altLang="en-US"/>
-              <a:t>線形予測子の値に依存して誤差の分散が変わるので、線形モデルのように簡単でない．</a:t>
-            </a:r>
-            <a:endParaRPr lang="en-US" altLang="ja-JP" dirty="0"/>
-          </a:p>
-          <a:p>
-            <a:endParaRPr kumimoji="1" lang="en-US" altLang="ja-JP" dirty="0"/>
-          </a:p>
-          <a:p>
-            <a:r>
-              <a:rPr kumimoji="1" lang="ja-JP" altLang="en-US"/>
-              <a:t>代わりに</a:t>
-            </a:r>
-            <a:r>
-              <a:rPr kumimoji="1" lang="en-US" altLang="ja-JP" dirty="0"/>
-              <a:t>residuals</a:t>
-            </a:r>
-            <a:r>
-              <a:rPr kumimoji="1" lang="ja-JP" altLang="en-US"/>
-              <a:t>関数で</a:t>
-            </a:r>
-            <a:r>
-              <a:rPr lang="en-US" altLang="ja-JP" dirty="0"/>
-              <a:t>deviance</a:t>
-            </a:r>
-            <a:r>
-              <a:rPr lang="ja-JP" altLang="en-US"/>
-              <a:t>を指定して取り出す</a:t>
-            </a:r>
-            <a:r>
-              <a:rPr kumimoji="1" lang="ja-JP" altLang="en-US"/>
-              <a:t>．</a:t>
-            </a:r>
-            <a:endParaRPr kumimoji="1" lang="en-US" altLang="ja-JP" dirty="0"/>
-          </a:p>
-          <a:p>
-            <a:pPr lvl="1"/>
-            <a:r>
-              <a:rPr kumimoji="1" lang="en-US" altLang="ja-JP" dirty="0" err="1"/>
-              <a:t>resid_glm</a:t>
-            </a:r>
-            <a:r>
-              <a:rPr kumimoji="1" lang="en-US" altLang="ja-JP" dirty="0"/>
-              <a:t> &lt;- residuals(</a:t>
-            </a:r>
-            <a:r>
-              <a:rPr kumimoji="1" lang="en-US" altLang="ja-JP" dirty="0" err="1"/>
-              <a:t>res_glm</a:t>
-            </a:r>
-            <a:r>
-              <a:rPr kumimoji="1" lang="en-US" altLang="ja-JP" dirty="0"/>
-              <a:t>, type=“deviance”)</a:t>
-            </a:r>
-          </a:p>
-          <a:p>
-            <a:pPr lvl="1"/>
-            <a:r>
-              <a:rPr kumimoji="1" lang="en-US" altLang="ja-JP" dirty="0"/>
-              <a:t>hist(</a:t>
-            </a:r>
-            <a:r>
-              <a:rPr kumimoji="1" lang="en-US" altLang="ja-JP" dirty="0" err="1"/>
-              <a:t>resid_glm</a:t>
-            </a:r>
-            <a:r>
-              <a:rPr kumimoji="1" lang="en-US" altLang="ja-JP" dirty="0"/>
-              <a:t>)</a:t>
-            </a:r>
-            <a:endParaRPr kumimoji="1" lang="ja-JP" altLang="en-US"/>
-          </a:p>
-        </p:txBody>
-      </p:sp>
-    </p:spTree>
-    <p:extLst>
-      <p:ext uri="{BB962C8B-B14F-4D97-AF65-F5344CB8AC3E}">
-        <p14:creationId xmlns:p14="http://schemas.microsoft.com/office/powerpoint/2010/main" val="2447858462"/>
+        <p14:creationId xmlns:p14="http://schemas.microsoft.com/office/powerpoint/2010/main" val="1202530031"/>
       </p:ext>
     </p:extLst>
   </p:cSld>
@@ -6903,4 +7912,299 @@
     </a:ext>
   </a:extLst>
 </a:theme>
+</file>
+
+<file path=ppt/theme/theme2.xml><?xml version="1.0" encoding="utf-8"?>
+<a:theme xmlns:a="http://schemas.openxmlformats.org/drawingml/2006/main" name="Office テーマ">
+  <a:themeElements>
+    <a:clrScheme name="Office">
+      <a:dk1>
+        <a:sysClr val="windowText" lastClr="000000"/>
+      </a:dk1>
+      <a:lt1>
+        <a:sysClr val="window" lastClr="FFFFFF"/>
+      </a:lt1>
+      <a:dk2>
+        <a:srgbClr val="44546A"/>
+      </a:dk2>
+      <a:lt2>
+        <a:srgbClr val="E7E6E6"/>
+      </a:lt2>
+      <a:accent1>
+        <a:srgbClr val="4472C4"/>
+      </a:accent1>
+      <a:accent2>
+        <a:srgbClr val="ED7D31"/>
+      </a:accent2>
+      <a:accent3>
+        <a:srgbClr val="A5A5A5"/>
+      </a:accent3>
+      <a:accent4>
+        <a:srgbClr val="FFC000"/>
+      </a:accent4>
+      <a:accent5>
+        <a:srgbClr val="5B9BD5"/>
+      </a:accent5>
+      <a:accent6>
+        <a:srgbClr val="70AD47"/>
+      </a:accent6>
+      <a:hlink>
+        <a:srgbClr val="0563C1"/>
+      </a:hlink>
+      <a:folHlink>
+        <a:srgbClr val="954F72"/>
+      </a:folHlink>
+    </a:clrScheme>
+    <a:fontScheme name="Office">
+      <a:majorFont>
+        <a:latin typeface="游ゴシック Light" panose="020F0302020204030204"/>
+        <a:ea typeface=""/>
+        <a:cs typeface=""/>
+        <a:font script="Jpan" typeface="游ゴシック Light"/>
+        <a:font script="Hang" typeface="맑은 고딕"/>
+        <a:font script="Hans" typeface="等线 Light"/>
+        <a:font script="Hant" typeface="新細明體"/>
+        <a:font script="Arab" typeface="Times New Roman"/>
+        <a:font script="Hebr" typeface="Times New Roman"/>
+        <a:font script="Thai" typeface="Angsana New"/>
+        <a:font script="Ethi" typeface="Nyala"/>
+        <a:font script="Beng" typeface="Vrinda"/>
+        <a:font script="Gujr" typeface="Shruti"/>
+        <a:font script="Khmr" typeface="MoolBoran"/>
+        <a:font script="Knda" typeface="Tunga"/>
+        <a:font script="Guru" typeface="Raavi"/>
+        <a:font script="Cans" typeface="Euphemia"/>
+        <a:font script="Cher" typeface="Plantagenet Cherokee"/>
+        <a:font script="Yiii" typeface="Microsoft Yi Baiti"/>
+        <a:font script="Tibt" typeface="Microsoft Himalaya"/>
+        <a:font script="Thaa" typeface="MV Boli"/>
+        <a:font script="Deva" typeface="Mangal"/>
+        <a:font script="Telu" typeface="Gautami"/>
+        <a:font script="Taml" typeface="Latha"/>
+        <a:font script="Syrc" typeface="Estrangelo Edessa"/>
+        <a:font script="Orya" typeface="Kalinga"/>
+        <a:font script="Mlym" typeface="Kartika"/>
+        <a:font script="Laoo" typeface="DokChampa"/>
+        <a:font script="Sinh" typeface="Iskoola Pota"/>
+        <a:font script="Mong" typeface="Mongolian Baiti"/>
+        <a:font script="Viet" typeface="Times New Roman"/>
+        <a:font script="Uigh" typeface="Microsoft Uighur"/>
+        <a:font script="Geor" typeface="Sylfaen"/>
+        <a:font script="Armn" typeface="Arial"/>
+        <a:font script="Bugi" typeface="Leelawadee UI"/>
+        <a:font script="Bopo" typeface="Microsoft JhengHei"/>
+        <a:font script="Java" typeface="Javanese Text"/>
+        <a:font script="Lisu" typeface="Segoe UI"/>
+        <a:font script="Mymr" typeface="Myanmar Text"/>
+        <a:font script="Nkoo" typeface="Ebrima"/>
+        <a:font script="Olck" typeface="Nirmala UI"/>
+        <a:font script="Osma" typeface="Ebrima"/>
+        <a:font script="Phag" typeface="Phagspa"/>
+        <a:font script="Syrn" typeface="Estrangelo Edessa"/>
+        <a:font script="Syrj" typeface="Estrangelo Edessa"/>
+        <a:font script="Syre" typeface="Estrangelo Edessa"/>
+        <a:font script="Sora" typeface="Nirmala UI"/>
+        <a:font script="Tale" typeface="Microsoft Tai Le"/>
+        <a:font script="Talu" typeface="Microsoft New Tai Lue"/>
+        <a:font script="Tfng" typeface="Ebrima"/>
+      </a:majorFont>
+      <a:minorFont>
+        <a:latin typeface="游ゴシック" panose="020F0502020204030204"/>
+        <a:ea typeface=""/>
+        <a:cs typeface=""/>
+        <a:font script="Jpan" typeface="游ゴシック"/>
+        <a:font script="Hang" typeface="맑은 고딕"/>
+        <a:font script="Hans" typeface="等线"/>
+        <a:font script="Hant" typeface="新細明體"/>
+        <a:font script="Arab" typeface="Arial"/>
+        <a:font script="Hebr" typeface="Arial"/>
+        <a:font script="Thai" typeface="Cordia New"/>
+        <a:font script="Ethi" typeface="Nyala"/>
+        <a:font script="Beng" typeface="Vrinda"/>
+        <a:font script="Gujr" typeface="Shruti"/>
+        <a:font script="Khmr" typeface="DaunPenh"/>
+        <a:font script="Knda" typeface="Tunga"/>
+        <a:font script="Guru" typeface="Raavi"/>
+        <a:font script="Cans" typeface="Euphemia"/>
+        <a:font script="Cher" typeface="Plantagenet Cherokee"/>
+        <a:font script="Yiii" typeface="Microsoft Yi Baiti"/>
+        <a:font script="Tibt" typeface="Microsoft Himalaya"/>
+        <a:font script="Thaa" typeface="MV Boli"/>
+        <a:font script="Deva" typeface="Mangal"/>
+        <a:font script="Telu" typeface="Gautami"/>
+        <a:font script="Taml" typeface="Latha"/>
+        <a:font script="Syrc" typeface="Estrangelo Edessa"/>
+        <a:font script="Orya" typeface="Kalinga"/>
+        <a:font script="Mlym" typeface="Kartika"/>
+        <a:font script="Laoo" typeface="DokChampa"/>
+        <a:font script="Sinh" typeface="Iskoola Pota"/>
+        <a:font script="Mong" typeface="Mongolian Baiti"/>
+        <a:font script="Viet" typeface="Arial"/>
+        <a:font script="Uigh" typeface="Microsoft Uighur"/>
+        <a:font script="Geor" typeface="Sylfaen"/>
+        <a:font script="Armn" typeface="Arial"/>
+        <a:font script="Bugi" typeface="Leelawadee UI"/>
+        <a:font script="Bopo" typeface="Microsoft JhengHei"/>
+        <a:font script="Java" typeface="Javanese Text"/>
+        <a:font script="Lisu" typeface="Segoe UI"/>
+        <a:font script="Mymr" typeface="Myanmar Text"/>
+        <a:font script="Nkoo" typeface="Ebrima"/>
+        <a:font script="Olck" typeface="Nirmala UI"/>
+        <a:font script="Osma" typeface="Ebrima"/>
+        <a:font script="Phag" typeface="Phagspa"/>
+        <a:font script="Syrn" typeface="Estrangelo Edessa"/>
+        <a:font script="Syrj" typeface="Estrangelo Edessa"/>
+        <a:font script="Syre" typeface="Estrangelo Edessa"/>
+        <a:font script="Sora" typeface="Nirmala UI"/>
+        <a:font script="Tale" typeface="Microsoft Tai Le"/>
+        <a:font script="Talu" typeface="Microsoft New Tai Lue"/>
+        <a:font script="Tfng" typeface="Ebrima"/>
+      </a:minorFont>
+    </a:fontScheme>
+    <a:fmtScheme name="Office">
+      <a:fillStyleLst>
+        <a:solidFill>
+          <a:schemeClr val="phClr"/>
+        </a:solidFill>
+        <a:gradFill rotWithShape="1">
+          <a:gsLst>
+            <a:gs pos="0">
+              <a:schemeClr val="phClr">
+                <a:lumMod val="110000"/>
+                <a:satMod val="105000"/>
+                <a:tint val="67000"/>
+              </a:schemeClr>
+            </a:gs>
+            <a:gs pos="50000">
+              <a:schemeClr val="phClr">
+                <a:lumMod val="105000"/>
+                <a:satMod val="103000"/>
+                <a:tint val="73000"/>
+              </a:schemeClr>
+            </a:gs>
+            <a:gs pos="100000">
+              <a:schemeClr val="phClr">
+                <a:lumMod val="105000"/>
+                <a:satMod val="109000"/>
+                <a:tint val="81000"/>
+              </a:schemeClr>
+            </a:gs>
+          </a:gsLst>
+          <a:lin ang="5400000" scaled="0"/>
+        </a:gradFill>
+        <a:gradFill rotWithShape="1">
+          <a:gsLst>
+            <a:gs pos="0">
+              <a:schemeClr val="phClr">
+                <a:satMod val="103000"/>
+                <a:lumMod val="102000"/>
+                <a:tint val="94000"/>
+              </a:schemeClr>
+            </a:gs>
+            <a:gs pos="50000">
+              <a:schemeClr val="phClr">
+                <a:satMod val="110000"/>
+                <a:lumMod val="100000"/>
+                <a:shade val="100000"/>
+              </a:schemeClr>
+            </a:gs>
+            <a:gs pos="100000">
+              <a:schemeClr val="phClr">
+                <a:lumMod val="99000"/>
+                <a:satMod val="120000"/>
+                <a:shade val="78000"/>
+              </a:schemeClr>
+            </a:gs>
+          </a:gsLst>
+          <a:lin ang="5400000" scaled="0"/>
+        </a:gradFill>
+      </a:fillStyleLst>
+      <a:lnStyleLst>
+        <a:ln w="6350" cap="flat" cmpd="sng" algn="ctr">
+          <a:solidFill>
+            <a:schemeClr val="phClr"/>
+          </a:solidFill>
+          <a:prstDash val="solid"/>
+          <a:miter lim="800000"/>
+        </a:ln>
+        <a:ln w="12700" cap="flat" cmpd="sng" algn="ctr">
+          <a:solidFill>
+            <a:schemeClr val="phClr"/>
+          </a:solidFill>
+          <a:prstDash val="solid"/>
+          <a:miter lim="800000"/>
+        </a:ln>
+        <a:ln w="19050" cap="flat" cmpd="sng" algn="ctr">
+          <a:solidFill>
+            <a:schemeClr val="phClr"/>
+          </a:solidFill>
+          <a:prstDash val="solid"/>
+          <a:miter lim="800000"/>
+        </a:ln>
+      </a:lnStyleLst>
+      <a:effectStyleLst>
+        <a:effectStyle>
+          <a:effectLst/>
+        </a:effectStyle>
+        <a:effectStyle>
+          <a:effectLst/>
+        </a:effectStyle>
+        <a:effectStyle>
+          <a:effectLst>
+            <a:outerShdw blurRad="57150" dist="19050" dir="5400000" algn="ctr" rotWithShape="0">
+              <a:srgbClr val="000000">
+                <a:alpha val="63000"/>
+              </a:srgbClr>
+            </a:outerShdw>
+          </a:effectLst>
+        </a:effectStyle>
+      </a:effectStyleLst>
+      <a:bgFillStyleLst>
+        <a:solidFill>
+          <a:schemeClr val="phClr"/>
+        </a:solidFill>
+        <a:solidFill>
+          <a:schemeClr val="phClr">
+            <a:tint val="95000"/>
+            <a:satMod val="170000"/>
+          </a:schemeClr>
+        </a:solidFill>
+        <a:gradFill rotWithShape="1">
+          <a:gsLst>
+            <a:gs pos="0">
+              <a:schemeClr val="phClr">
+                <a:tint val="93000"/>
+                <a:satMod val="150000"/>
+                <a:shade val="98000"/>
+                <a:lumMod val="102000"/>
+              </a:schemeClr>
+            </a:gs>
+            <a:gs pos="50000">
+              <a:schemeClr val="phClr">
+                <a:tint val="98000"/>
+                <a:satMod val="130000"/>
+                <a:shade val="90000"/>
+                <a:lumMod val="103000"/>
+              </a:schemeClr>
+            </a:gs>
+            <a:gs pos="100000">
+              <a:schemeClr val="phClr">
+                <a:shade val="63000"/>
+                <a:satMod val="120000"/>
+              </a:schemeClr>
+            </a:gs>
+          </a:gsLst>
+          <a:lin ang="5400000" scaled="0"/>
+        </a:gradFill>
+      </a:bgFillStyleLst>
+    </a:fmtScheme>
+  </a:themeElements>
+  <a:objectDefaults/>
+  <a:extraClrSchemeLst/>
+  <a:extLst>
+    <a:ext uri="{05A4C25C-085E-4340-85A3-A5531E510DB2}">
+      <thm15:themeFamily xmlns:thm15="http://schemas.microsoft.com/office/thememl/2012/main" name="Office Theme" id="{62F939B6-93AF-4DB8-9C6B-D6C7DFDC589F}" vid="{4A3C46E8-61CC-4603-A589-7422A47A8E4A}"/>
+    </a:ext>
+  </a:extLst>
+</a:theme>
 </file>
--- a/R/スライド/第24回.pptx
+++ b/R/スライド/第24回.pptx
@@ -202,7 +202,7 @@
           <a:p>
             <a:fld id="{9C1DDC07-861B-2043-96E4-752F1185B018}" type="datetimeFigureOut">
               <a:rPr kumimoji="1" lang="ja-JP" altLang="en-US" smtClean="0"/>
-              <a:t>2021/11/29</a:t>
+              <a:t>2021/11/30</a:t>
             </a:fld>
             <a:endParaRPr kumimoji="1" lang="ja-JP" altLang="en-US"/>
           </a:p>
@@ -816,7 +816,7 @@
           <a:p>
             <a:fld id="{F13AAFB1-E51D-594B-AD26-63146CF050D6}" type="datetimeFigureOut">
               <a:rPr kumimoji="1" lang="ja-JP" altLang="en-US" smtClean="0"/>
-              <a:t>2021/11/29</a:t>
+              <a:t>2021/11/30</a:t>
             </a:fld>
             <a:endParaRPr kumimoji="1" lang="ja-JP" altLang="en-US"/>
           </a:p>
@@ -1046,7 +1046,7 @@
           <a:p>
             <a:fld id="{F13AAFB1-E51D-594B-AD26-63146CF050D6}" type="datetimeFigureOut">
               <a:rPr kumimoji="1" lang="ja-JP" altLang="en-US" smtClean="0"/>
-              <a:t>2021/11/29</a:t>
+              <a:t>2021/11/30</a:t>
             </a:fld>
             <a:endParaRPr kumimoji="1" lang="ja-JP" altLang="en-US"/>
           </a:p>
@@ -1286,7 +1286,7 @@
           <a:p>
             <a:fld id="{F13AAFB1-E51D-594B-AD26-63146CF050D6}" type="datetimeFigureOut">
               <a:rPr kumimoji="1" lang="ja-JP" altLang="en-US" smtClean="0"/>
-              <a:t>2021/11/29</a:t>
+              <a:t>2021/11/30</a:t>
             </a:fld>
             <a:endParaRPr kumimoji="1" lang="ja-JP" altLang="en-US"/>
           </a:p>
@@ -1516,7 +1516,7 @@
           <a:p>
             <a:fld id="{F13AAFB1-E51D-594B-AD26-63146CF050D6}" type="datetimeFigureOut">
               <a:rPr kumimoji="1" lang="ja-JP" altLang="en-US" smtClean="0"/>
-              <a:t>2021/11/29</a:t>
+              <a:t>2021/11/30</a:t>
             </a:fld>
             <a:endParaRPr kumimoji="1" lang="ja-JP" altLang="en-US"/>
           </a:p>
@@ -1791,7 +1791,7 @@
           <a:p>
             <a:fld id="{F13AAFB1-E51D-594B-AD26-63146CF050D6}" type="datetimeFigureOut">
               <a:rPr kumimoji="1" lang="ja-JP" altLang="en-US" smtClean="0"/>
-              <a:t>2021/11/29</a:t>
+              <a:t>2021/11/30</a:t>
             </a:fld>
             <a:endParaRPr kumimoji="1" lang="ja-JP" altLang="en-US"/>
           </a:p>
@@ -2120,7 +2120,7 @@
           <a:p>
             <a:fld id="{F13AAFB1-E51D-594B-AD26-63146CF050D6}" type="datetimeFigureOut">
               <a:rPr kumimoji="1" lang="ja-JP" altLang="en-US" smtClean="0"/>
-              <a:t>2021/11/29</a:t>
+              <a:t>2021/11/30</a:t>
             </a:fld>
             <a:endParaRPr kumimoji="1" lang="ja-JP" altLang="en-US"/>
           </a:p>
@@ -2596,7 +2596,7 @@
           <a:p>
             <a:fld id="{F13AAFB1-E51D-594B-AD26-63146CF050D6}" type="datetimeFigureOut">
               <a:rPr kumimoji="1" lang="ja-JP" altLang="en-US" smtClean="0"/>
-              <a:t>2021/11/29</a:t>
+              <a:t>2021/11/30</a:t>
             </a:fld>
             <a:endParaRPr kumimoji="1" lang="ja-JP" altLang="en-US"/>
           </a:p>
@@ -2737,7 +2737,7 @@
           <a:p>
             <a:fld id="{F13AAFB1-E51D-594B-AD26-63146CF050D6}" type="datetimeFigureOut">
               <a:rPr kumimoji="1" lang="ja-JP" altLang="en-US" smtClean="0"/>
-              <a:t>2021/11/29</a:t>
+              <a:t>2021/11/30</a:t>
             </a:fld>
             <a:endParaRPr kumimoji="1" lang="ja-JP" altLang="en-US"/>
           </a:p>
@@ -2850,7 +2850,7 @@
           <a:p>
             <a:fld id="{F13AAFB1-E51D-594B-AD26-63146CF050D6}" type="datetimeFigureOut">
               <a:rPr kumimoji="1" lang="ja-JP" altLang="en-US" smtClean="0"/>
-              <a:t>2021/11/29</a:t>
+              <a:t>2021/11/30</a:t>
             </a:fld>
             <a:endParaRPr kumimoji="1" lang="ja-JP" altLang="en-US"/>
           </a:p>
@@ -3193,7 +3193,7 @@
           <a:p>
             <a:fld id="{F13AAFB1-E51D-594B-AD26-63146CF050D6}" type="datetimeFigureOut">
               <a:rPr kumimoji="1" lang="ja-JP" altLang="en-US" smtClean="0"/>
-              <a:t>2021/11/29</a:t>
+              <a:t>2021/11/30</a:t>
             </a:fld>
             <a:endParaRPr kumimoji="1" lang="ja-JP" altLang="en-US"/>
           </a:p>
@@ -3481,7 +3481,7 @@
           <a:p>
             <a:fld id="{F13AAFB1-E51D-594B-AD26-63146CF050D6}" type="datetimeFigureOut">
               <a:rPr kumimoji="1" lang="ja-JP" altLang="en-US" smtClean="0"/>
-              <a:t>2021/11/29</a:t>
+              <a:t>2021/11/30</a:t>
             </a:fld>
             <a:endParaRPr kumimoji="1" lang="ja-JP" altLang="en-US"/>
           </a:p>
@@ -3754,7 +3754,7 @@
           <a:p>
             <a:fld id="{F13AAFB1-E51D-594B-AD26-63146CF050D6}" type="datetimeFigureOut">
               <a:rPr kumimoji="1" lang="ja-JP" altLang="en-US" smtClean="0"/>
-              <a:t>2021/11/29</a:t>
+              <a:t>2021/11/30</a:t>
             </a:fld>
             <a:endParaRPr kumimoji="1" lang="ja-JP" altLang="en-US"/>
           </a:p>
@@ -4625,6 +4625,14 @@
           <a:prstGeom prst="ellipse">
             <a:avLst/>
           </a:prstGeom>
+          <a:solidFill>
+            <a:srgbClr val="C00000"/>
+          </a:solidFill>
+          <a:ln>
+            <a:solidFill>
+              <a:srgbClr val="C00000"/>
+            </a:solidFill>
+          </a:ln>
         </p:spPr>
         <p:style>
           <a:lnRef idx="2">
@@ -4960,7 +4968,7 @@
           </a:prstGeom>
           <a:ln w="50800">
             <a:solidFill>
-              <a:srgbClr val="FF0000"/>
+              <a:schemeClr val="accent2"/>
             </a:solidFill>
             <a:headEnd type="triangle"/>
             <a:tailEnd type="triangle"/>
@@ -5034,7 +5042,7 @@
         </p:nvSpPr>
         <p:spPr>
           <a:xfrm>
-            <a:off x="1200249" y="3163838"/>
+            <a:off x="1365408" y="3173912"/>
             <a:ext cx="2852063" cy="369332"/>
           </a:xfrm>
           <a:prstGeom prst="rect">
@@ -5049,15 +5057,33 @@
           <a:lstStyle/>
           <a:p>
             <a:r>
-              <a:rPr kumimoji="1" lang="ja-JP" altLang="en-US"/>
+              <a:rPr kumimoji="1" lang="ja-JP" altLang="en-US">
+                <a:solidFill>
+                  <a:schemeClr val="accent2">
+                    <a:lumMod val="75000"/>
+                  </a:schemeClr>
+                </a:solidFill>
+              </a:rPr>
               <a:t>説明変数１と</a:t>
             </a:r>
             <a:r>
-              <a:rPr kumimoji="1" lang="en-US" altLang="ja-JP" dirty="0"/>
+              <a:rPr kumimoji="1" lang="en-US" altLang="ja-JP" dirty="0">
+                <a:solidFill>
+                  <a:schemeClr val="accent2">
+                    <a:lumMod val="75000"/>
+                  </a:schemeClr>
+                </a:solidFill>
+              </a:rPr>
               <a:t>2</a:t>
             </a:r>
             <a:r>
-              <a:rPr kumimoji="1" lang="ja-JP" altLang="en-US"/>
+              <a:rPr kumimoji="1" lang="ja-JP" altLang="en-US">
+                <a:solidFill>
+                  <a:schemeClr val="accent2">
+                    <a:lumMod val="75000"/>
+                  </a:schemeClr>
+                </a:solidFill>
+              </a:rPr>
               <a:t>に強い相関</a:t>
             </a:r>
           </a:p>
@@ -5108,7 +5134,23 @@
           <a:p>
             <a:r>
               <a:rPr lang="en-US" altLang="ja-JP" dirty="0"/>
-              <a:t>β1 &lt; β2 </a:t>
+              <a:t>|β</a:t>
+            </a:r>
+            <a:r>
+              <a:rPr lang="en-US" altLang="ja-JP" baseline="-25000" dirty="0"/>
+              <a:t>1</a:t>
+            </a:r>
+            <a:r>
+              <a:rPr lang="en-US" altLang="ja-JP" dirty="0"/>
+              <a:t>| &lt; |β</a:t>
+            </a:r>
+            <a:r>
+              <a:rPr lang="en-US" altLang="ja-JP" baseline="-25000" dirty="0"/>
+              <a:t>2</a:t>
+            </a:r>
+            <a:r>
+              <a:rPr lang="en-US" altLang="ja-JP" dirty="0"/>
+              <a:t>| </a:t>
             </a:r>
             <a:endParaRPr kumimoji="1" lang="ja-JP" altLang="en-US"/>
           </a:p>
@@ -5354,6 +5396,22 @@
               <a:rPr lang="ja-JP" altLang="en-US"/>
               <a:t>線形モデルの決定係数</a:t>
             </a:r>
+            <a:r>
+              <a:rPr lang="en-US" altLang="ja-JP" dirty="0"/>
+              <a:t>(</a:t>
+            </a:r>
+            <a:r>
+              <a:rPr lang="en-US" altLang="ja-JP" i="1" dirty="0"/>
+              <a:t>r </a:t>
+            </a:r>
+            <a:r>
+              <a:rPr lang="en-US" altLang="ja-JP" baseline="30000" dirty="0"/>
+              <a:t>2</a:t>
+            </a:r>
+            <a:r>
+              <a:rPr lang="en-US" altLang="ja-JP" dirty="0"/>
+              <a:t>)</a:t>
+            </a:r>
             <a:endParaRPr kumimoji="1" lang="ja-JP" altLang="en-US"/>
           </a:p>
         </p:txBody>
@@ -5437,7 +5495,7 @@
           <a:p>
             <a:r>
               <a:rPr lang="en-US" altLang="ja-JP" i="1" dirty="0"/>
-              <a:t>R</a:t>
+              <a:t>r</a:t>
             </a:r>
             <a:r>
               <a:rPr lang="ja-JP" altLang="en-US" i="1"/>
@@ -5504,9 +5562,9 @@
         <p:grpSpPr>
           <a:xfrm>
             <a:off x="1857257" y="3083934"/>
-            <a:ext cx="8776420" cy="2932576"/>
+            <a:ext cx="8909856" cy="2932576"/>
             <a:chOff x="2291914" y="3113382"/>
-            <a:chExt cx="9164817" cy="3274605"/>
+            <a:chExt cx="9304158" cy="3274605"/>
           </a:xfrm>
         </p:grpSpPr>
         <p:cxnSp>
@@ -5731,18 +5789,16 @@
             <p:nvPr/>
           </p:nvCxnSpPr>
           <p:spPr>
-            <a:xfrm flipV="1">
-              <a:off x="2518087" y="5219865"/>
-              <a:ext cx="5790025" cy="6116"/>
+            <a:xfrm>
+              <a:off x="2518087" y="5225982"/>
+              <a:ext cx="5790025" cy="15421"/>
             </a:xfrm>
             <a:prstGeom prst="straightConnector1">
               <a:avLst/>
             </a:prstGeom>
             <a:ln w="12700">
               <a:solidFill>
-                <a:schemeClr val="accent6">
-                  <a:lumMod val="75000"/>
-                </a:schemeClr>
+                <a:srgbClr val="00B0F0"/>
               </a:solidFill>
               <a:prstDash val="dash"/>
               <a:tailEnd type="none"/>
@@ -5778,7 +5834,7 @@
           <p:spPr>
             <a:xfrm>
               <a:off x="8308112" y="5035199"/>
-              <a:ext cx="3148619" cy="369332"/>
+              <a:ext cx="3287960" cy="412408"/>
             </a:xfrm>
             <a:prstGeom prst="rect">
               <a:avLst/>
@@ -5794,9 +5850,7 @@
               <a:r>
                 <a:rPr lang="en-US" altLang="ja-JP" i="1" dirty="0">
                   <a:solidFill>
-                    <a:schemeClr val="accent6">
-                      <a:lumMod val="75000"/>
-                    </a:schemeClr>
+                    <a:srgbClr val="00B0F0"/>
                   </a:solidFill>
                 </a:rPr>
                 <a:t>y </a:t>
@@ -5804,9 +5858,7 @@
               <a:r>
                 <a:rPr kumimoji="1" lang="ja-JP" altLang="en-US">
                   <a:solidFill>
-                    <a:schemeClr val="accent6">
-                      <a:lumMod val="75000"/>
-                    </a:schemeClr>
+                    <a:srgbClr val="00B0F0"/>
                   </a:solidFill>
                 </a:rPr>
                 <a:t>の平均値</a:t>
@@ -5814,9 +5866,7 @@
               <a:r>
                 <a:rPr kumimoji="1" lang="en-US" altLang="ja-JP" dirty="0">
                   <a:solidFill>
-                    <a:schemeClr val="accent6">
-                      <a:lumMod val="75000"/>
-                    </a:schemeClr>
+                    <a:srgbClr val="00B0F0"/>
                   </a:solidFill>
                 </a:rPr>
                 <a:t> (</a:t>
@@ -5824,9 +5874,7 @@
               <a:r>
                 <a:rPr kumimoji="1" lang="ja-JP" altLang="en-US">
                   <a:solidFill>
-                    <a:schemeClr val="accent6">
-                      <a:lumMod val="75000"/>
-                    </a:schemeClr>
+                    <a:srgbClr val="00B0F0"/>
                   </a:solidFill>
                 </a:rPr>
                 <a:t>傾き０で無相関</a:t>
@@ -5834,18 +5882,14 @@
               <a:r>
                 <a:rPr kumimoji="1" lang="en-US" altLang="ja-JP" dirty="0">
                   <a:solidFill>
-                    <a:schemeClr val="accent6">
-                      <a:lumMod val="75000"/>
-                    </a:schemeClr>
+                    <a:srgbClr val="00B0F0"/>
                   </a:solidFill>
                 </a:rPr>
                 <a:t>)</a:t>
               </a:r>
               <a:endParaRPr kumimoji="1" lang="ja-JP" altLang="en-US">
                 <a:solidFill>
-                  <a:schemeClr val="accent6">
-                    <a:lumMod val="75000"/>
-                  </a:schemeClr>
+                  <a:srgbClr val="00B0F0"/>
                 </a:solidFill>
               </a:endParaRPr>
             </a:p>
@@ -5969,9 +6013,9 @@
                 <a:gd name="adj2" fmla="val 63657"/>
               </a:avLst>
             </a:prstGeom>
-            <a:ln>
+            <a:ln w="34925">
               <a:solidFill>
-                <a:srgbClr val="C00000"/>
+                <a:schemeClr val="accent4"/>
               </a:solidFill>
             </a:ln>
           </p:spPr>
@@ -6015,7 +6059,7 @@
               <p:spPr>
                 <a:xfrm>
                   <a:off x="6792930" y="4548727"/>
-                  <a:ext cx="2458815" cy="369332"/>
+                  <a:ext cx="2567629" cy="412408"/>
                 </a:xfrm>
                 <a:prstGeom prst="rect">
                   <a:avLst/>
@@ -6044,6 +6088,11 @@
                         <m:sSubPr>
                           <m:ctrlPr>
                             <a:rPr lang="en-US" altLang="ja-JP" i="1" dirty="0" smtClean="0">
+                              <a:solidFill>
+                                <a:schemeClr val="accent4">
+                                  <a:lumMod val="75000"/>
+                                </a:schemeClr>
+                              </a:solidFill>
                               <a:latin typeface="Cambria Math" panose="02040503050406030204" pitchFamily="18" charset="0"/>
                             </a:rPr>
                           </m:ctrlPr>
@@ -6051,6 +6100,11 @@
                         <m:e>
                           <m:r>
                             <a:rPr lang="en-US" altLang="ja-JP" b="0" i="1" dirty="0" smtClean="0">
+                              <a:solidFill>
+                                <a:schemeClr val="accent4">
+                                  <a:lumMod val="75000"/>
+                                </a:schemeClr>
+                              </a:solidFill>
                               <a:latin typeface="Cambria Math" panose="02040503050406030204" pitchFamily="18" charset="0"/>
                             </a:rPr>
                             <m:t>𝑦</m:t>
@@ -6059,6 +6113,11 @@
                         <m:sub>
                           <m:r>
                             <a:rPr lang="en-US" altLang="ja-JP" b="0" i="1" dirty="0" smtClean="0">
+                              <a:solidFill>
+                                <a:schemeClr val="accent4">
+                                  <a:lumMod val="75000"/>
+                                </a:schemeClr>
+                              </a:solidFill>
                               <a:latin typeface="Cambria Math" panose="02040503050406030204" pitchFamily="18" charset="0"/>
                             </a:rPr>
                             <m:t>𝑖</m:t>
@@ -6067,6 +6126,11 @@
                       </m:sSub>
                       <m:r>
                         <a:rPr lang="en-US" altLang="ja-JP" b="0" i="1" dirty="0" smtClean="0">
+                          <a:solidFill>
+                            <a:schemeClr val="accent4">
+                              <a:lumMod val="75000"/>
+                            </a:schemeClr>
+                          </a:solidFill>
                           <a:latin typeface="Cambria Math" panose="02040503050406030204" pitchFamily="18" charset="0"/>
                         </a:rPr>
                         <m:t>−</m:t>
@@ -6076,6 +6140,11 @@
                           <m:chr m:val="̅"/>
                           <m:ctrlPr>
                             <a:rPr lang="en-US" altLang="ja-JP" i="1" dirty="0">
+                              <a:solidFill>
+                                <a:schemeClr val="accent4">
+                                  <a:lumMod val="75000"/>
+                                </a:schemeClr>
+                              </a:solidFill>
                               <a:latin typeface="Cambria Math" panose="02040503050406030204" pitchFamily="18" charset="0"/>
                             </a:rPr>
                           </m:ctrlPr>
@@ -6083,6 +6152,11 @@
                         <m:e>
                           <m:r>
                             <a:rPr lang="en-US" altLang="ja-JP" i="1" dirty="0">
+                              <a:solidFill>
+                                <a:schemeClr val="accent4">
+                                  <a:lumMod val="75000"/>
+                                </a:schemeClr>
+                              </a:solidFill>
                               <a:latin typeface="Cambria Math" panose="02040503050406030204" pitchFamily="18" charset="0"/>
                             </a:rPr>
                             <m:t>𝑦</m:t>
@@ -6114,7 +6188,7 @@
               <p:spPr>
                 <a:xfrm>
                   <a:off x="6792930" y="4548727"/>
-                  <a:ext cx="2458815" cy="369332"/>
+                  <a:ext cx="2567629" cy="412408"/>
                 </a:xfrm>
                 <a:prstGeom prst="rect">
                   <a:avLst/>
@@ -6122,7 +6196,7 @@
                 <a:blipFill>
                   <a:blip r:embed="rId3"/>
                   <a:stretch>
-                    <a:fillRect l="-2139" t="-11111" r="-2674" b="-40741"/>
+                    <a:fillRect l="-2051" t="-10345" b="-31034"/>
                   </a:stretch>
                 </a:blipFill>
               </p:spPr>
@@ -6164,11 +6238,9 @@
                 <a:gd name="adj2" fmla="val 63657"/>
               </a:avLst>
             </a:prstGeom>
-            <a:ln>
+            <a:ln w="28575">
               <a:solidFill>
-                <a:schemeClr val="accent4">
-                  <a:lumMod val="75000"/>
-                </a:schemeClr>
+                <a:srgbClr val="7030A0"/>
               </a:solidFill>
             </a:ln>
           </p:spPr>
@@ -6218,9 +6290,11 @@
                 <a:gd name="adj2" fmla="val 72500"/>
               </a:avLst>
             </a:prstGeom>
-            <a:ln>
+            <a:ln w="31750">
               <a:solidFill>
-                <a:schemeClr val="accent2"/>
+                <a:schemeClr val="accent6">
+                  <a:lumMod val="50000"/>
+                </a:schemeClr>
               </a:solidFill>
             </a:ln>
           </p:spPr>
@@ -6264,7 +6338,7 @@
               <p:spPr>
                 <a:xfrm>
                   <a:off x="3628295" y="3779008"/>
-                  <a:ext cx="2368815" cy="646331"/>
+                  <a:ext cx="2368815" cy="721713"/>
                 </a:xfrm>
                 <a:prstGeom prst="rect">
                   <a:avLst/>
@@ -6299,6 +6373,9 @@
                           <m:sSubPr>
                             <m:ctrlPr>
                               <a:rPr lang="en-US" altLang="ja-JP" b="0" i="1" dirty="0" smtClean="0">
+                                <a:solidFill>
+                                  <a:srgbClr val="7030A0"/>
+                                </a:solidFill>
                                 <a:latin typeface="Cambria Math" panose="02040503050406030204" pitchFamily="18" charset="0"/>
                               </a:rPr>
                             </m:ctrlPr>
@@ -6306,6 +6383,9 @@
                           <m:e>
                             <m:r>
                               <a:rPr lang="en-US" altLang="ja-JP" b="0" i="1" dirty="0" smtClean="0">
+                                <a:solidFill>
+                                  <a:srgbClr val="7030A0"/>
+                                </a:solidFill>
                                 <a:latin typeface="Cambria Math" panose="02040503050406030204" pitchFamily="18" charset="0"/>
                               </a:rPr>
                               <m:t>𝑒</m:t>
@@ -6314,6 +6394,9 @@
                           <m:sub>
                             <m:r>
                               <a:rPr lang="en-US" altLang="ja-JP" b="0" i="1" dirty="0" smtClean="0">
+                                <a:solidFill>
+                                  <a:srgbClr val="7030A0"/>
+                                </a:solidFill>
                                 <a:latin typeface="Cambria Math" panose="02040503050406030204" pitchFamily="18" charset="0"/>
                               </a:rPr>
                               <m:t>𝑖</m:t>
@@ -6322,6 +6405,9 @@
                         </m:sSub>
                         <m:r>
                           <a:rPr lang="en-US" altLang="ja-JP" b="0" i="0" dirty="0" smtClean="0">
+                            <a:solidFill>
+                              <a:srgbClr val="7030A0"/>
+                            </a:solidFill>
                             <a:latin typeface="Cambria Math" panose="02040503050406030204" pitchFamily="18" charset="0"/>
                           </a:rPr>
                           <m:t>=</m:t>
@@ -6330,6 +6416,9 @@
                           <m:sSubPr>
                             <m:ctrlPr>
                               <a:rPr lang="en-US" altLang="ja-JP" i="1" dirty="0">
+                                <a:solidFill>
+                                  <a:srgbClr val="7030A0"/>
+                                </a:solidFill>
                                 <a:latin typeface="Cambria Math" panose="02040503050406030204" pitchFamily="18" charset="0"/>
                               </a:rPr>
                             </m:ctrlPr>
@@ -6337,6 +6426,9 @@
                           <m:e>
                             <m:r>
                               <a:rPr lang="en-US" altLang="ja-JP" i="1" dirty="0">
+                                <a:solidFill>
+                                  <a:srgbClr val="7030A0"/>
+                                </a:solidFill>
                                 <a:latin typeface="Cambria Math" panose="02040503050406030204" pitchFamily="18" charset="0"/>
                               </a:rPr>
                               <m:t>𝑦</m:t>
@@ -6345,6 +6437,9 @@
                           <m:sub>
                             <m:r>
                               <a:rPr lang="en-US" altLang="ja-JP" i="1" dirty="0">
+                                <a:solidFill>
+                                  <a:srgbClr val="7030A0"/>
+                                </a:solidFill>
                                 <a:latin typeface="Cambria Math" panose="02040503050406030204" pitchFamily="18" charset="0"/>
                               </a:rPr>
                               <m:t>𝑖</m:t>
@@ -6353,6 +6448,9 @@
                         </m:sSub>
                         <m:r>
                           <a:rPr lang="en-US" altLang="ja-JP" i="1" dirty="0">
+                            <a:solidFill>
+                              <a:srgbClr val="7030A0"/>
+                            </a:solidFill>
                             <a:latin typeface="Cambria Math" panose="02040503050406030204" pitchFamily="18" charset="0"/>
                           </a:rPr>
                           <m:t>−</m:t>
@@ -6361,6 +6459,9 @@
                           <m:sSubPr>
                             <m:ctrlPr>
                               <a:rPr lang="en-US" altLang="ja-JP" i="1" dirty="0" smtClean="0">
+                                <a:solidFill>
+                                  <a:srgbClr val="7030A0"/>
+                                </a:solidFill>
                                 <a:latin typeface="Cambria Math" panose="02040503050406030204" pitchFamily="18" charset="0"/>
                               </a:rPr>
                             </m:ctrlPr>
@@ -6371,6 +6472,9 @@
                                 <m:chr m:val="̂"/>
                                 <m:ctrlPr>
                                   <a:rPr lang="en-US" altLang="ja-JP" i="1" dirty="0" smtClean="0">
+                                    <a:solidFill>
+                                      <a:srgbClr val="7030A0"/>
+                                    </a:solidFill>
                                     <a:latin typeface="Cambria Math" panose="02040503050406030204" pitchFamily="18" charset="0"/>
                                   </a:rPr>
                                 </m:ctrlPr>
@@ -6378,6 +6482,9 @@
                               <m:e>
                                 <m:r>
                                   <a:rPr lang="en-US" altLang="ja-JP" b="0" i="1" dirty="0" smtClean="0">
+                                    <a:solidFill>
+                                      <a:srgbClr val="7030A0"/>
+                                    </a:solidFill>
                                     <a:latin typeface="Cambria Math" panose="02040503050406030204" pitchFamily="18" charset="0"/>
                                   </a:rPr>
                                   <m:t>𝑦</m:t>
@@ -6388,6 +6495,9 @@
                           <m:sub>
                             <m:r>
                               <a:rPr lang="en-US" altLang="ja-JP" b="0" i="1" dirty="0" smtClean="0">
+                                <a:solidFill>
+                                  <a:srgbClr val="7030A0"/>
+                                </a:solidFill>
                                 <a:latin typeface="Cambria Math" panose="02040503050406030204" pitchFamily="18" charset="0"/>
                               </a:rPr>
                               <m:t>𝑖</m:t>
@@ -6397,7 +6507,11 @@
                       </m:oMath>
                     </m:oMathPara>
                   </a14:m>
-                  <a:endParaRPr kumimoji="1" lang="ja-JP" altLang="en-US"/>
+                  <a:endParaRPr kumimoji="1" lang="ja-JP" altLang="en-US">
+                    <a:solidFill>
+                      <a:srgbClr val="7030A0"/>
+                    </a:solidFill>
+                  </a:endParaRPr>
                 </a:p>
               </p:txBody>
             </p:sp>
@@ -6420,7 +6534,7 @@
               <p:spPr>
                 <a:xfrm>
                   <a:off x="3628295" y="3779008"/>
-                  <a:ext cx="2368815" cy="646331"/>
+                  <a:ext cx="2368815" cy="721713"/>
                 </a:xfrm>
                 <a:prstGeom prst="rect">
                   <a:avLst/>
@@ -6428,7 +6542,7 @@
                 <a:blipFill>
                   <a:blip r:embed="rId4"/>
                   <a:stretch>
-                    <a:fillRect l="-2793" t="-4255" r="-1117" b="-14894"/>
+                    <a:fillRect l="-2793" t="-3846" r="-1117" b="-3846"/>
                   </a:stretch>
                 </a:blipFill>
               </p:spPr>
@@ -6495,7 +6609,12 @@
                         <m:sSub>
                           <m:sSubPr>
                             <m:ctrlPr>
-                              <a:rPr lang="en-US" altLang="ja-JP" i="1" dirty="0">
+                              <a:rPr lang="en-US" altLang="ja-JP" i="1" dirty="0" smtClean="0">
+                                <a:solidFill>
+                                  <a:schemeClr val="accent6">
+                                    <a:lumMod val="50000"/>
+                                  </a:schemeClr>
+                                </a:solidFill>
                                 <a:latin typeface="Cambria Math" panose="02040503050406030204" pitchFamily="18" charset="0"/>
                               </a:rPr>
                             </m:ctrlPr>
@@ -6506,6 +6625,11 @@
                                 <m:chr m:val="̂"/>
                                 <m:ctrlPr>
                                   <a:rPr lang="en-US" altLang="ja-JP" i="1" dirty="0">
+                                    <a:solidFill>
+                                      <a:schemeClr val="accent6">
+                                        <a:lumMod val="50000"/>
+                                      </a:schemeClr>
+                                    </a:solidFill>
                                     <a:latin typeface="Cambria Math" panose="02040503050406030204" pitchFamily="18" charset="0"/>
                                   </a:rPr>
                                 </m:ctrlPr>
@@ -6513,6 +6637,11 @@
                               <m:e>
                                 <m:r>
                                   <a:rPr lang="en-US" altLang="ja-JP" i="1" dirty="0">
+                                    <a:solidFill>
+                                      <a:schemeClr val="accent6">
+                                        <a:lumMod val="50000"/>
+                                      </a:schemeClr>
+                                    </a:solidFill>
                                     <a:latin typeface="Cambria Math" panose="02040503050406030204" pitchFamily="18" charset="0"/>
                                   </a:rPr>
                                   <m:t>𝑦</m:t>
@@ -6523,6 +6652,11 @@
                           <m:sub>
                             <m:r>
                               <a:rPr lang="en-US" altLang="ja-JP" i="1" dirty="0">
+                                <a:solidFill>
+                                  <a:schemeClr val="accent6">
+                                    <a:lumMod val="50000"/>
+                                  </a:schemeClr>
+                                </a:solidFill>
                                 <a:latin typeface="Cambria Math" panose="02040503050406030204" pitchFamily="18" charset="0"/>
                               </a:rPr>
                               <m:t>𝑖</m:t>
@@ -6531,6 +6665,11 @@
                         </m:sSub>
                         <m:r>
                           <a:rPr lang="en-US" altLang="ja-JP" i="1" dirty="0">
+                            <a:solidFill>
+                              <a:schemeClr val="accent6">
+                                <a:lumMod val="50000"/>
+                              </a:schemeClr>
+                            </a:solidFill>
                             <a:latin typeface="Cambria Math" panose="02040503050406030204" pitchFamily="18" charset="0"/>
                           </a:rPr>
                           <m:t>−</m:t>
@@ -6540,6 +6679,11 @@
                             <m:chr m:val="̅"/>
                             <m:ctrlPr>
                               <a:rPr lang="en-US" altLang="ja-JP" i="1" dirty="0" smtClean="0">
+                                <a:solidFill>
+                                  <a:schemeClr val="accent6">
+                                    <a:lumMod val="50000"/>
+                                  </a:schemeClr>
+                                </a:solidFill>
                                 <a:latin typeface="Cambria Math" panose="02040503050406030204" pitchFamily="18" charset="0"/>
                               </a:rPr>
                             </m:ctrlPr>
@@ -6547,6 +6691,11 @@
                           <m:e>
                             <m:r>
                               <a:rPr lang="en-US" altLang="ja-JP" b="0" i="1" dirty="0" smtClean="0">
+                                <a:solidFill>
+                                  <a:schemeClr val="accent6">
+                                    <a:lumMod val="50000"/>
+                                  </a:schemeClr>
+                                </a:solidFill>
                                 <a:latin typeface="Cambria Math" panose="02040503050406030204" pitchFamily="18" charset="0"/>
                               </a:rPr>
                               <m:t>𝑦</m:t>

--- a/R/スライド/第24回.pptx
+++ b/R/スライド/第24回.pptx
@@ -120,6 +120,43 @@
 </p:presentation>
 </file>
 
+<file path=ppt/revisionInfo.xml><?xml version="1.0" encoding="utf-8"?>
+<p1510:revInfo xmlns:a="http://schemas.openxmlformats.org/drawingml/2006/main" xmlns:r="http://schemas.openxmlformats.org/officeDocument/2006/relationships" xmlns:p1510="http://schemas.microsoft.com/office/powerpoint/2015/10/main">
+  <p1510:revLst>
+    <p1510:client id="{33778F7A-7B06-954D-AD6F-6D5D6D318144}" v="1" dt="2022-04-27T09:59:15.840"/>
+  </p1510:revLst>
+</p1510:revInfo>
+</file>
+
+<file path=ppt/changesInfos/changesInfo1.xml><?xml version="1.0" encoding="utf-8"?>
+<pc:chgInfo xmlns:a="http://schemas.openxmlformats.org/drawingml/2006/main" xmlns:r="http://schemas.openxmlformats.org/officeDocument/2006/relationships" xmlns:ac="http://schemas.microsoft.com/office/drawing/2013/main/command" xmlns:pc="http://schemas.microsoft.com/office/powerpoint/2013/main/command">
+  <pc:docChgLst>
+    <pc:chgData name="Fukui Shin" userId="6902ee70c48ce296" providerId="LiveId" clId="{33778F7A-7B06-954D-AD6F-6D5D6D318144}"/>
+    <pc:docChg chg="modSld">
+      <pc:chgData name="Fukui Shin" userId="6902ee70c48ce296" providerId="LiveId" clId="{33778F7A-7B06-954D-AD6F-6D5D6D318144}" dt="2022-04-27T09:59:15.838" v="0"/>
+      <pc:docMkLst>
+        <pc:docMk/>
+      </pc:docMkLst>
+      <pc:sldChg chg="modSp">
+        <pc:chgData name="Fukui Shin" userId="6902ee70c48ce296" providerId="LiveId" clId="{33778F7A-7B06-954D-AD6F-6D5D6D318144}" dt="2022-04-27T09:59:15.838" v="0"/>
+        <pc:sldMkLst>
+          <pc:docMk/>
+          <pc:sldMk cId="1202530031" sldId="260"/>
+        </pc:sldMkLst>
+        <pc:spChg chg="mod">
+          <ac:chgData name="Fukui Shin" userId="6902ee70c48ce296" providerId="LiveId" clId="{33778F7A-7B06-954D-AD6F-6D5D6D318144}" dt="2022-04-27T09:59:15.838" v="0"/>
+          <ac:spMkLst>
+            <pc:docMk/>
+            <pc:sldMk cId="1202530031" sldId="260"/>
+            <ac:spMk id="3" creationId="{02F3AD6E-A8AA-964C-8EF4-26CD4B7D1443}"/>
+          </ac:spMkLst>
+        </pc:spChg>
+      </pc:sldChg>
+    </pc:docChg>
+  </pc:docChgLst>
+</pc:chgInfo>
+</file>
+
 <file path=ppt/notesMasters/notesMaster1.xml><?xml version="1.0" encoding="utf-8"?>
 <p:notesMaster xmlns:a="http://schemas.openxmlformats.org/drawingml/2006/main" xmlns:r="http://schemas.openxmlformats.org/officeDocument/2006/relationships" xmlns:p="http://schemas.openxmlformats.org/presentationml/2006/main">
   <p:cSld>
@@ -202,7 +239,7 @@
           <a:p>
             <a:fld id="{9C1DDC07-861B-2043-96E4-752F1185B018}" type="datetimeFigureOut">
               <a:rPr kumimoji="1" lang="ja-JP" altLang="en-US" smtClean="0"/>
-              <a:t>2021/11/30</a:t>
+              <a:t>2022/4/27</a:t>
             </a:fld>
             <a:endParaRPr kumimoji="1" lang="ja-JP" altLang="en-US"/>
           </a:p>
@@ -816,7 +853,7 @@
           <a:p>
             <a:fld id="{F13AAFB1-E51D-594B-AD26-63146CF050D6}" type="datetimeFigureOut">
               <a:rPr kumimoji="1" lang="ja-JP" altLang="en-US" smtClean="0"/>
-              <a:t>2021/11/30</a:t>
+              <a:t>2022/4/27</a:t>
             </a:fld>
             <a:endParaRPr kumimoji="1" lang="ja-JP" altLang="en-US"/>
           </a:p>
@@ -1046,7 +1083,7 @@
           <a:p>
             <a:fld id="{F13AAFB1-E51D-594B-AD26-63146CF050D6}" type="datetimeFigureOut">
               <a:rPr kumimoji="1" lang="ja-JP" altLang="en-US" smtClean="0"/>
-              <a:t>2021/11/30</a:t>
+              <a:t>2022/4/27</a:t>
             </a:fld>
             <a:endParaRPr kumimoji="1" lang="ja-JP" altLang="en-US"/>
           </a:p>
@@ -1286,7 +1323,7 @@
           <a:p>
             <a:fld id="{F13AAFB1-E51D-594B-AD26-63146CF050D6}" type="datetimeFigureOut">
               <a:rPr kumimoji="1" lang="ja-JP" altLang="en-US" smtClean="0"/>
-              <a:t>2021/11/30</a:t>
+              <a:t>2022/4/27</a:t>
             </a:fld>
             <a:endParaRPr kumimoji="1" lang="ja-JP" altLang="en-US"/>
           </a:p>
@@ -1516,7 +1553,7 @@
           <a:p>
             <a:fld id="{F13AAFB1-E51D-594B-AD26-63146CF050D6}" type="datetimeFigureOut">
               <a:rPr kumimoji="1" lang="ja-JP" altLang="en-US" smtClean="0"/>
-              <a:t>2021/11/30</a:t>
+              <a:t>2022/4/27</a:t>
             </a:fld>
             <a:endParaRPr kumimoji="1" lang="ja-JP" altLang="en-US"/>
           </a:p>
@@ -1791,7 +1828,7 @@
           <a:p>
             <a:fld id="{F13AAFB1-E51D-594B-AD26-63146CF050D6}" type="datetimeFigureOut">
               <a:rPr kumimoji="1" lang="ja-JP" altLang="en-US" smtClean="0"/>
-              <a:t>2021/11/30</a:t>
+              <a:t>2022/4/27</a:t>
             </a:fld>
             <a:endParaRPr kumimoji="1" lang="ja-JP" altLang="en-US"/>
           </a:p>
@@ -2120,7 +2157,7 @@
           <a:p>
             <a:fld id="{F13AAFB1-E51D-594B-AD26-63146CF050D6}" type="datetimeFigureOut">
               <a:rPr kumimoji="1" lang="ja-JP" altLang="en-US" smtClean="0"/>
-              <a:t>2021/11/30</a:t>
+              <a:t>2022/4/27</a:t>
             </a:fld>
             <a:endParaRPr kumimoji="1" lang="ja-JP" altLang="en-US"/>
           </a:p>
@@ -2596,7 +2633,7 @@
           <a:p>
             <a:fld id="{F13AAFB1-E51D-594B-AD26-63146CF050D6}" type="datetimeFigureOut">
               <a:rPr kumimoji="1" lang="ja-JP" altLang="en-US" smtClean="0"/>
-              <a:t>2021/11/30</a:t>
+              <a:t>2022/4/27</a:t>
             </a:fld>
             <a:endParaRPr kumimoji="1" lang="ja-JP" altLang="en-US"/>
           </a:p>
@@ -2737,7 +2774,7 @@
           <a:p>
             <a:fld id="{F13AAFB1-E51D-594B-AD26-63146CF050D6}" type="datetimeFigureOut">
               <a:rPr kumimoji="1" lang="ja-JP" altLang="en-US" smtClean="0"/>
-              <a:t>2021/11/30</a:t>
+              <a:t>2022/4/27</a:t>
             </a:fld>
             <a:endParaRPr kumimoji="1" lang="ja-JP" altLang="en-US"/>
           </a:p>
@@ -2850,7 +2887,7 @@
           <a:p>
             <a:fld id="{F13AAFB1-E51D-594B-AD26-63146CF050D6}" type="datetimeFigureOut">
               <a:rPr kumimoji="1" lang="ja-JP" altLang="en-US" smtClean="0"/>
-              <a:t>2021/11/30</a:t>
+              <a:t>2022/4/27</a:t>
             </a:fld>
             <a:endParaRPr kumimoji="1" lang="ja-JP" altLang="en-US"/>
           </a:p>
@@ -3193,7 +3230,7 @@
           <a:p>
             <a:fld id="{F13AAFB1-E51D-594B-AD26-63146CF050D6}" type="datetimeFigureOut">
               <a:rPr kumimoji="1" lang="ja-JP" altLang="en-US" smtClean="0"/>
-              <a:t>2021/11/30</a:t>
+              <a:t>2022/4/27</a:t>
             </a:fld>
             <a:endParaRPr kumimoji="1" lang="ja-JP" altLang="en-US"/>
           </a:p>
@@ -3481,7 +3518,7 @@
           <a:p>
             <a:fld id="{F13AAFB1-E51D-594B-AD26-63146CF050D6}" type="datetimeFigureOut">
               <a:rPr kumimoji="1" lang="ja-JP" altLang="en-US" smtClean="0"/>
-              <a:t>2021/11/30</a:t>
+              <a:t>2022/4/27</a:t>
             </a:fld>
             <a:endParaRPr kumimoji="1" lang="ja-JP" altLang="en-US"/>
           </a:p>
@@ -3754,7 +3791,7 @@
           <a:p>
             <a:fld id="{F13AAFB1-E51D-594B-AD26-63146CF050D6}" type="datetimeFigureOut">
               <a:rPr kumimoji="1" lang="ja-JP" altLang="en-US" smtClean="0"/>
-              <a:t>2021/11/30</a:t>
+              <a:t>2022/4/27</a:t>
             </a:fld>
             <a:endParaRPr kumimoji="1" lang="ja-JP" altLang="en-US"/>
           </a:p>
@@ -4198,7 +4235,7 @@
             </a:r>
             <a:r>
               <a:rPr lang="ja-JP" altLang="en-US"/>
-              <a:t>初心者講座第２４回</a:t>
+              <a:t>初心者講座第２６回</a:t>
             </a:r>
             <a:endParaRPr kumimoji="1" lang="ja-JP" altLang="en-US"/>
           </a:p>
@@ -7630,7 +7667,7 @@
         <p:spPr/>
         <p:txBody>
           <a:bodyPr>
-            <a:normAutofit fontScale="92500" lnSpcReduction="10000"/>
+            <a:normAutofit fontScale="85000" lnSpcReduction="20000"/>
           </a:bodyPr>
           <a:lstStyle/>
           <a:p>
@@ -7665,8 +7702,12 @@
               <a:t>Tw0</a:t>
             </a:r>
             <a:r>
-              <a:rPr kumimoji="1" lang="ja-JP" altLang="en-US"/>
-              <a:t>が裸地水温なので、これを気象要素</a:t>
+              <a:rPr lang="ja-JP" altLang="en-US"/>
+              <a:t>は</a:t>
+            </a:r>
+            <a:r>
+              <a:rPr kumimoji="1" lang="ja-JP" altLang="en-US"/>
+              <a:t>裸地水温で、これを気象要素</a:t>
             </a:r>
             <a:r>
               <a:rPr kumimoji="1" lang="en-US" altLang="ja-JP" dirty="0"/>
@@ -7674,7 +7715,7 @@
             </a:r>
             <a:r>
               <a:rPr kumimoji="1" lang="ja-JP" altLang="en-US"/>
-              <a:t>実測値、推定値</a:t>
+              <a:t>実測値</a:t>
             </a:r>
             <a:r>
               <a:rPr kumimoji="1" lang="en-US" altLang="ja-JP" dirty="0"/>
@@ -7716,7 +7757,7 @@
             </a:r>
             <a:r>
               <a:rPr kumimoji="1" lang="ja-JP" altLang="en-US"/>
-              <a:t>年以降を使う．</a:t>
+              <a:t>年以降を使う．データクリーニングもする．</a:t>
             </a:r>
             <a:endParaRPr kumimoji="1" lang="en-US" altLang="ja-JP" dirty="0"/>
           </a:p>
@@ -7728,7 +7769,31 @@
             <a:pPr lvl="1"/>
             <a:r>
               <a:rPr lang="en-US" altLang="ja-JP" dirty="0"/>
-              <a:t>Tw0 ~ T + Tmax+Tmin+Pr+e+VPD+RH+RHmin+u+u10max+N+Sd+Ld</a:t>
+              <a:t>Tw0 ~ T + </a:t>
+            </a:r>
+            <a:r>
+              <a:rPr lang="en-US" altLang="ja-JP" dirty="0" err="1"/>
+              <a:t>Tmax</a:t>
+            </a:r>
+            <a:r>
+              <a:rPr lang="en-US" altLang="ja-JP" dirty="0"/>
+              <a:t> + </a:t>
+            </a:r>
+            <a:r>
+              <a:rPr lang="en-US" altLang="ja-JP" dirty="0" err="1"/>
+              <a:t>Tmin</a:t>
+            </a:r>
+            <a:r>
+              <a:rPr lang="en-US" altLang="ja-JP" dirty="0"/>
+              <a:t> + </a:t>
+            </a:r>
+            <a:r>
+              <a:rPr lang="en-US" altLang="ja-JP" dirty="0" err="1"/>
+              <a:t>Pr</a:t>
+            </a:r>
+            <a:r>
+              <a:rPr lang="en-US" altLang="ja-JP" dirty="0"/>
+              <a:t> + N</a:t>
             </a:r>
           </a:p>
           <a:p>
@@ -7750,6 +7815,36 @@
             <a:r>
               <a:rPr lang="ja-JP" altLang="en-US"/>
               <a:t>関数を使ってみる．</a:t>
+            </a:r>
+            <a:endParaRPr lang="en-US" altLang="ja-JP" dirty="0"/>
+          </a:p>
+          <a:p>
+            <a:endParaRPr lang="en-US" altLang="ja-JP" dirty="0"/>
+          </a:p>
+          <a:p>
+            <a:r>
+              <a:rPr lang="en-US" altLang="ja-JP" dirty="0"/>
+              <a:t>VIF</a:t>
+            </a:r>
+            <a:r>
+              <a:rPr lang="ja-JP" altLang="en-US"/>
+              <a:t>が</a:t>
+            </a:r>
+            <a:r>
+              <a:rPr lang="en-US" altLang="ja-JP" dirty="0"/>
+              <a:t>10</a:t>
+            </a:r>
+            <a:r>
+              <a:rPr lang="ja-JP" altLang="en-US"/>
+              <a:t>を超えた変数がある場合にはモデルからその変数を外してモデルを再構成、解析して再度</a:t>
+            </a:r>
+            <a:r>
+              <a:rPr lang="en-US" altLang="ja-JP" dirty="0"/>
+              <a:t>VIF</a:t>
+            </a:r>
+            <a:r>
+              <a:rPr lang="ja-JP" altLang="en-US"/>
+              <a:t>をチェック．</a:t>
             </a:r>
             <a:endParaRPr lang="en-US" altLang="ja-JP" dirty="0"/>
           </a:p>
